--- a/Test Pyramid Presentation.pptx
+++ b/Test Pyramid Presentation.pptx
@@ -6,6 +6,18 @@
   </p:sldMasterIdLst>
   <p:sldIdLst>
     <p:sldId id="256" r:id="rId2"/>
+    <p:sldId id="257" r:id="rId3"/>
+    <p:sldId id="258" r:id="rId4"/>
+    <p:sldId id="260" r:id="rId5"/>
+    <p:sldId id="259" r:id="rId6"/>
+    <p:sldId id="262" r:id="rId7"/>
+    <p:sldId id="263" r:id="rId8"/>
+    <p:sldId id="264" r:id="rId9"/>
+    <p:sldId id="265" r:id="rId10"/>
+    <p:sldId id="266" r:id="rId11"/>
+    <p:sldId id="267" r:id="rId12"/>
+    <p:sldId id="268" r:id="rId13"/>
+    <p:sldId id="261" r:id="rId14"/>
   </p:sldIdLst>
   <p:sldSz cx="12192000" cy="6858000"/>
   <p:notesSz cx="6858000" cy="9144000"/>
@@ -2177,12 +2189,14 @@
         </p:nvSpPr>
         <p:spPr/>
         <p:txBody>
-          <a:bodyPr/>
+          <a:bodyPr>
+            <a:normAutofit fontScale="90000"/>
+          </a:bodyPr>
           <a:lstStyle/>
           <a:p>
             <a:r>
               <a:rPr lang="en-US" dirty="0" smtClean="0"/>
-              <a:t>Mike Cohn’s Test Pyramid</a:t>
+              <a:t>The Software Testing Pyramid:</a:t>
             </a:r>
             <a:br>
               <a:rPr lang="en-US" dirty="0" smtClean="0"/>
@@ -2207,20 +2221,279 @@
         </p:nvSpPr>
         <p:spPr>
           <a:xfrm>
-            <a:off x="1524000" y="4730194"/>
-            <a:ext cx="9144000" cy="720580"/>
+            <a:off x="3657599" y="3657600"/>
+            <a:ext cx="4876801" cy="1392702"/>
           </a:xfrm>
         </p:spPr>
         <p:txBody>
-          <a:bodyPr/>
-          <a:lstStyle/>
+          <a:bodyPr>
+            <a:normAutofit fontScale="47500" lnSpcReduction="20000"/>
+          </a:bodyPr>
+          <a:lstStyle/>
+          <a:p>
+            <a:r>
+              <a:rPr lang="en-US" sz="5100" dirty="0" smtClean="0"/>
+              <a:t>Jim </a:t>
+            </a:r>
+            <a:r>
+              <a:rPr lang="en-US" sz="5100" dirty="0" smtClean="0"/>
+              <a:t>Weaver</a:t>
+            </a:r>
+          </a:p>
+          <a:p>
+            <a:r>
+              <a:rPr lang="en-US" sz="5100" dirty="0" smtClean="0"/>
+              <a:t>Vanderbilt University Medical Center</a:t>
+            </a:r>
+            <a:endParaRPr lang="en-US" sz="5100" dirty="0" smtClean="0"/>
+          </a:p>
+          <a:p>
+            <a:r>
+              <a:rPr lang="en-US" sz="5100" dirty="0" smtClean="0"/>
+              <a:t>(</a:t>
+            </a:r>
+            <a:r>
+              <a:rPr lang="en-US" sz="5100" dirty="0" err="1" smtClean="0"/>
+              <a:t>weaver.je@gmail.com</a:t>
+            </a:r>
+            <a:r>
+              <a:rPr lang="en-US" sz="5100" dirty="0" smtClean="0"/>
+              <a:t>)</a:t>
+            </a:r>
+          </a:p>
+          <a:p>
+            <a:endParaRPr lang="en-US" dirty="0"/>
+          </a:p>
+        </p:txBody>
+      </p:sp>
+      <p:sp>
+        <p:nvSpPr>
+          <p:cNvPr id="4" name="Subtitle 2"/>
+          <p:cNvSpPr txBox="1">
+            <a:spLocks/>
+          </p:cNvSpPr>
+          <p:nvPr/>
+        </p:nvSpPr>
+        <p:spPr>
+          <a:xfrm>
+            <a:off x="2928424" y="5197939"/>
+            <a:ext cx="6623539" cy="1153551"/>
+          </a:xfrm>
+          <a:prstGeom prst="rect">
+            <a:avLst/>
+          </a:prstGeom>
+        </p:spPr>
+        <p:txBody>
+          <a:bodyPr vert="horz" lIns="91440" tIns="45720" rIns="91440" bIns="45720" rtlCol="0">
+            <a:normAutofit/>
+          </a:bodyPr>
+          <a:lstStyle>
+            <a:lvl1pPr marL="0" indent="0" algn="ctr" defTabSz="914400" rtl="0" eaLnBrk="1" latinLnBrk="0" hangingPunct="1">
+              <a:lnSpc>
+                <a:spcPct val="90000"/>
+              </a:lnSpc>
+              <a:spcBef>
+                <a:spcPts val="1000"/>
+              </a:spcBef>
+              <a:buFont typeface="Arial"/>
+              <a:buNone/>
+              <a:defRPr sz="2400" kern="1200">
+                <a:solidFill>
+                  <a:schemeClr val="tx1"/>
+                </a:solidFill>
+                <a:latin typeface="+mn-lt"/>
+                <a:ea typeface="+mn-ea"/>
+                <a:cs typeface="+mn-cs"/>
+              </a:defRPr>
+            </a:lvl1pPr>
+            <a:lvl2pPr marL="457200" indent="0" algn="ctr" defTabSz="914400" rtl="0" eaLnBrk="1" latinLnBrk="0" hangingPunct="1">
+              <a:lnSpc>
+                <a:spcPct val="90000"/>
+              </a:lnSpc>
+              <a:spcBef>
+                <a:spcPts val="500"/>
+              </a:spcBef>
+              <a:buFont typeface="Arial"/>
+              <a:buNone/>
+              <a:defRPr sz="2000" kern="1200">
+                <a:solidFill>
+                  <a:schemeClr val="tx1"/>
+                </a:solidFill>
+                <a:latin typeface="+mn-lt"/>
+                <a:ea typeface="+mn-ea"/>
+                <a:cs typeface="+mn-cs"/>
+              </a:defRPr>
+            </a:lvl2pPr>
+            <a:lvl3pPr marL="914400" indent="0" algn="ctr" defTabSz="914400" rtl="0" eaLnBrk="1" latinLnBrk="0" hangingPunct="1">
+              <a:lnSpc>
+                <a:spcPct val="90000"/>
+              </a:lnSpc>
+              <a:spcBef>
+                <a:spcPts val="500"/>
+              </a:spcBef>
+              <a:buFont typeface="Arial"/>
+              <a:buNone/>
+              <a:defRPr sz="1800" kern="1200">
+                <a:solidFill>
+                  <a:schemeClr val="tx1"/>
+                </a:solidFill>
+                <a:latin typeface="+mn-lt"/>
+                <a:ea typeface="+mn-ea"/>
+                <a:cs typeface="+mn-cs"/>
+              </a:defRPr>
+            </a:lvl3pPr>
+            <a:lvl4pPr marL="1371600" indent="0" algn="ctr" defTabSz="914400" rtl="0" eaLnBrk="1" latinLnBrk="0" hangingPunct="1">
+              <a:lnSpc>
+                <a:spcPct val="90000"/>
+              </a:lnSpc>
+              <a:spcBef>
+                <a:spcPts val="500"/>
+              </a:spcBef>
+              <a:buFont typeface="Arial"/>
+              <a:buNone/>
+              <a:defRPr sz="1600" kern="1200">
+                <a:solidFill>
+                  <a:schemeClr val="tx1"/>
+                </a:solidFill>
+                <a:latin typeface="+mn-lt"/>
+                <a:ea typeface="+mn-ea"/>
+                <a:cs typeface="+mn-cs"/>
+              </a:defRPr>
+            </a:lvl4pPr>
+            <a:lvl5pPr marL="1828800" indent="0" algn="ctr" defTabSz="914400" rtl="0" eaLnBrk="1" latinLnBrk="0" hangingPunct="1">
+              <a:lnSpc>
+                <a:spcPct val="90000"/>
+              </a:lnSpc>
+              <a:spcBef>
+                <a:spcPts val="500"/>
+              </a:spcBef>
+              <a:buFont typeface="Arial"/>
+              <a:buNone/>
+              <a:defRPr sz="1600" kern="1200">
+                <a:solidFill>
+                  <a:schemeClr val="tx1"/>
+                </a:solidFill>
+                <a:latin typeface="+mn-lt"/>
+                <a:ea typeface="+mn-ea"/>
+                <a:cs typeface="+mn-cs"/>
+              </a:defRPr>
+            </a:lvl5pPr>
+            <a:lvl6pPr marL="2286000" indent="0" algn="ctr" defTabSz="914400" rtl="0" eaLnBrk="1" latinLnBrk="0" hangingPunct="1">
+              <a:lnSpc>
+                <a:spcPct val="90000"/>
+              </a:lnSpc>
+              <a:spcBef>
+                <a:spcPts val="500"/>
+              </a:spcBef>
+              <a:buFont typeface="Arial"/>
+              <a:buNone/>
+              <a:defRPr sz="1600" kern="1200">
+                <a:solidFill>
+                  <a:schemeClr val="tx1"/>
+                </a:solidFill>
+                <a:latin typeface="+mn-lt"/>
+                <a:ea typeface="+mn-ea"/>
+                <a:cs typeface="+mn-cs"/>
+              </a:defRPr>
+            </a:lvl6pPr>
+            <a:lvl7pPr marL="2743200" indent="0" algn="ctr" defTabSz="914400" rtl="0" eaLnBrk="1" latinLnBrk="0" hangingPunct="1">
+              <a:lnSpc>
+                <a:spcPct val="90000"/>
+              </a:lnSpc>
+              <a:spcBef>
+                <a:spcPts val="500"/>
+              </a:spcBef>
+              <a:buFont typeface="Arial"/>
+              <a:buNone/>
+              <a:defRPr sz="1600" kern="1200">
+                <a:solidFill>
+                  <a:schemeClr val="tx1"/>
+                </a:solidFill>
+                <a:latin typeface="+mn-lt"/>
+                <a:ea typeface="+mn-ea"/>
+                <a:cs typeface="+mn-cs"/>
+              </a:defRPr>
+            </a:lvl7pPr>
+            <a:lvl8pPr marL="3200400" indent="0" algn="ctr" defTabSz="914400" rtl="0" eaLnBrk="1" latinLnBrk="0" hangingPunct="1">
+              <a:lnSpc>
+                <a:spcPct val="90000"/>
+              </a:lnSpc>
+              <a:spcBef>
+                <a:spcPts val="500"/>
+              </a:spcBef>
+              <a:buFont typeface="Arial"/>
+              <a:buNone/>
+              <a:defRPr sz="1600" kern="1200">
+                <a:solidFill>
+                  <a:schemeClr val="tx1"/>
+                </a:solidFill>
+                <a:latin typeface="+mn-lt"/>
+                <a:ea typeface="+mn-ea"/>
+                <a:cs typeface="+mn-cs"/>
+              </a:defRPr>
+            </a:lvl8pPr>
+            <a:lvl9pPr marL="3657600" indent="0" algn="ctr" defTabSz="914400" rtl="0" eaLnBrk="1" latinLnBrk="0" hangingPunct="1">
+              <a:lnSpc>
+                <a:spcPct val="90000"/>
+              </a:lnSpc>
+              <a:spcBef>
+                <a:spcPts val="500"/>
+              </a:spcBef>
+              <a:buFont typeface="Arial"/>
+              <a:buNone/>
+              <a:defRPr sz="1600" kern="1200">
+                <a:solidFill>
+                  <a:schemeClr val="tx1"/>
+                </a:solidFill>
+                <a:latin typeface="+mn-lt"/>
+                <a:ea typeface="+mn-ea"/>
+                <a:cs typeface="+mn-cs"/>
+              </a:defRPr>
+            </a:lvl9pPr>
+          </a:lstStyle>
           <a:p>
             <a:r>
               <a:rPr lang="en-US" dirty="0" smtClean="0"/>
-              <a:t>Jim Weaver</a:t>
-            </a:r>
-          </a:p>
-          <a:p>
+              <a:t>Source Code and Tests</a:t>
+            </a:r>
+          </a:p>
+          <a:p>
+            <a:r>
+              <a:rPr lang="en-US" dirty="0">
+                <a:hlinkClick r:id="rId2"/>
+              </a:rPr>
+              <a:t>https://</a:t>
+            </a:r>
+            <a:r>
+              <a:rPr lang="en-US" dirty="0" err="1">
+                <a:hlinkClick r:id="rId2"/>
+              </a:rPr>
+              <a:t>github.com</a:t>
+            </a:r>
+            <a:r>
+              <a:rPr lang="en-US" dirty="0">
+                <a:hlinkClick r:id="rId2"/>
+              </a:rPr>
+              <a:t>/</a:t>
+            </a:r>
+            <a:r>
+              <a:rPr lang="en-US" dirty="0" err="1">
+                <a:hlinkClick r:id="rId2"/>
+              </a:rPr>
+              <a:t>weaverj</a:t>
+            </a:r>
+            <a:r>
+              <a:rPr lang="en-US" dirty="0">
+                <a:hlinkClick r:id="rId2"/>
+              </a:rPr>
+              <a:t>/</a:t>
+            </a:r>
+            <a:r>
+              <a:rPr lang="en-US" dirty="0" err="1">
+                <a:hlinkClick r:id="rId2"/>
+              </a:rPr>
+              <a:t>testpyramidexample</a:t>
+            </a:r>
             <a:endParaRPr lang="en-US" dirty="0"/>
           </a:p>
         </p:txBody>
@@ -2229,6 +2502,894 @@
     <p:extLst>
       <p:ext uri="{BB962C8B-B14F-4D97-AF65-F5344CB8AC3E}">
         <p14:creationId xmlns:p14="http://schemas.microsoft.com/office/powerpoint/2010/main" val="631790168"/>
+      </p:ext>
+    </p:extLst>
+  </p:cSld>
+  <p:clrMapOvr>
+    <a:masterClrMapping/>
+  </p:clrMapOvr>
+</p:sld>
+</file>
+
+<file path=ppt/slides/slide10.xml><?xml version="1.0" encoding="utf-8"?>
+<p:sld xmlns:a="http://schemas.openxmlformats.org/drawingml/2006/main" xmlns:r="http://schemas.openxmlformats.org/officeDocument/2006/relationships" xmlns:p="http://schemas.openxmlformats.org/presentationml/2006/main">
+  <p:cSld>
+    <p:spTree>
+      <p:nvGrpSpPr>
+        <p:cNvPr id="1" name=""/>
+        <p:cNvGrpSpPr/>
+        <p:nvPr/>
+      </p:nvGrpSpPr>
+      <p:grpSpPr>
+        <a:xfrm>
+          <a:off x="0" y="0"/>
+          <a:ext cx="0" cy="0"/>
+          <a:chOff x="0" y="0"/>
+          <a:chExt cx="0" cy="0"/>
+        </a:xfrm>
+      </p:grpSpPr>
+      <p:sp>
+        <p:nvSpPr>
+          <p:cNvPr id="2" name="Title 1"/>
+          <p:cNvSpPr>
+            <a:spLocks noGrp="1"/>
+          </p:cNvSpPr>
+          <p:nvPr>
+            <p:ph type="title"/>
+          </p:nvPr>
+        </p:nvSpPr>
+        <p:spPr/>
+        <p:txBody>
+          <a:bodyPr/>
+          <a:lstStyle/>
+          <a:p>
+            <a:r>
+              <a:rPr lang="en-US" dirty="0" smtClean="0"/>
+              <a:t>Unit Tests / Implementation</a:t>
+            </a:r>
+            <a:endParaRPr lang="en-US" dirty="0"/>
+          </a:p>
+        </p:txBody>
+      </p:sp>
+      <p:sp>
+        <p:nvSpPr>
+          <p:cNvPr id="3" name="Content Placeholder 2"/>
+          <p:cNvSpPr>
+            <a:spLocks noGrp="1"/>
+          </p:cNvSpPr>
+          <p:nvPr>
+            <p:ph idx="1"/>
+          </p:nvPr>
+        </p:nvSpPr>
+        <p:spPr/>
+        <p:txBody>
+          <a:bodyPr/>
+          <a:lstStyle/>
+          <a:p>
+            <a:endParaRPr lang="en-US"/>
+          </a:p>
+        </p:txBody>
+      </p:sp>
+    </p:spTree>
+    <p:extLst>
+      <p:ext uri="{BB962C8B-B14F-4D97-AF65-F5344CB8AC3E}">
+        <p14:creationId xmlns:p14="http://schemas.microsoft.com/office/powerpoint/2010/main" val="1186586424"/>
+      </p:ext>
+    </p:extLst>
+  </p:cSld>
+  <p:clrMapOvr>
+    <a:masterClrMapping/>
+  </p:clrMapOvr>
+</p:sld>
+</file>
+
+<file path=ppt/slides/slide11.xml><?xml version="1.0" encoding="utf-8"?>
+<p:sld xmlns:a="http://schemas.openxmlformats.org/drawingml/2006/main" xmlns:r="http://schemas.openxmlformats.org/officeDocument/2006/relationships" xmlns:p="http://schemas.openxmlformats.org/presentationml/2006/main">
+  <p:cSld>
+    <p:spTree>
+      <p:nvGrpSpPr>
+        <p:cNvPr id="1" name=""/>
+        <p:cNvGrpSpPr/>
+        <p:nvPr/>
+      </p:nvGrpSpPr>
+      <p:grpSpPr>
+        <a:xfrm>
+          <a:off x="0" y="0"/>
+          <a:ext cx="0" cy="0"/>
+          <a:chOff x="0" y="0"/>
+          <a:chExt cx="0" cy="0"/>
+        </a:xfrm>
+      </p:grpSpPr>
+      <p:sp>
+        <p:nvSpPr>
+          <p:cNvPr id="2" name="Title 1"/>
+          <p:cNvSpPr>
+            <a:spLocks noGrp="1"/>
+          </p:cNvSpPr>
+          <p:nvPr>
+            <p:ph type="title"/>
+          </p:nvPr>
+        </p:nvSpPr>
+        <p:spPr/>
+        <p:txBody>
+          <a:bodyPr/>
+          <a:lstStyle/>
+          <a:p>
+            <a:r>
+              <a:rPr lang="en-US" dirty="0" smtClean="0"/>
+              <a:t>UI Tests</a:t>
+            </a:r>
+            <a:endParaRPr lang="en-US" dirty="0"/>
+          </a:p>
+        </p:txBody>
+      </p:sp>
+      <p:sp>
+        <p:nvSpPr>
+          <p:cNvPr id="3" name="Content Placeholder 2"/>
+          <p:cNvSpPr>
+            <a:spLocks noGrp="1"/>
+          </p:cNvSpPr>
+          <p:nvPr>
+            <p:ph idx="1"/>
+          </p:nvPr>
+        </p:nvSpPr>
+        <p:spPr/>
+        <p:txBody>
+          <a:bodyPr/>
+          <a:lstStyle/>
+          <a:p>
+            <a:endParaRPr lang="en-US"/>
+          </a:p>
+        </p:txBody>
+      </p:sp>
+    </p:spTree>
+    <p:extLst>
+      <p:ext uri="{BB962C8B-B14F-4D97-AF65-F5344CB8AC3E}">
+        <p14:creationId xmlns:p14="http://schemas.microsoft.com/office/powerpoint/2010/main" val="1221391828"/>
+      </p:ext>
+    </p:extLst>
+  </p:cSld>
+  <p:clrMapOvr>
+    <a:masterClrMapping/>
+  </p:clrMapOvr>
+</p:sld>
+</file>
+
+<file path=ppt/slides/slide12.xml><?xml version="1.0" encoding="utf-8"?>
+<p:sld xmlns:a="http://schemas.openxmlformats.org/drawingml/2006/main" xmlns:r="http://schemas.openxmlformats.org/officeDocument/2006/relationships" xmlns:p="http://schemas.openxmlformats.org/presentationml/2006/main">
+  <p:cSld>
+    <p:spTree>
+      <p:nvGrpSpPr>
+        <p:cNvPr id="1" name=""/>
+        <p:cNvGrpSpPr/>
+        <p:nvPr/>
+      </p:nvGrpSpPr>
+      <p:grpSpPr>
+        <a:xfrm>
+          <a:off x="0" y="0"/>
+          <a:ext cx="0" cy="0"/>
+          <a:chOff x="0" y="0"/>
+          <a:chExt cx="0" cy="0"/>
+        </a:xfrm>
+      </p:grpSpPr>
+      <p:sp>
+        <p:nvSpPr>
+          <p:cNvPr id="2" name="Title 1"/>
+          <p:cNvSpPr>
+            <a:spLocks noGrp="1"/>
+          </p:cNvSpPr>
+          <p:nvPr>
+            <p:ph type="title"/>
+          </p:nvPr>
+        </p:nvSpPr>
+        <p:spPr/>
+        <p:txBody>
+          <a:bodyPr/>
+          <a:lstStyle/>
+          <a:p>
+            <a:r>
+              <a:rPr lang="en-US" dirty="0" smtClean="0"/>
+              <a:t>Summary</a:t>
+            </a:r>
+            <a:endParaRPr lang="en-US" dirty="0"/>
+          </a:p>
+        </p:txBody>
+      </p:sp>
+      <p:sp>
+        <p:nvSpPr>
+          <p:cNvPr id="3" name="Content Placeholder 2"/>
+          <p:cNvSpPr>
+            <a:spLocks noGrp="1"/>
+          </p:cNvSpPr>
+          <p:nvPr>
+            <p:ph idx="1"/>
+          </p:nvPr>
+        </p:nvSpPr>
+        <p:spPr/>
+        <p:txBody>
+          <a:bodyPr/>
+          <a:lstStyle/>
+          <a:p>
+            <a:endParaRPr lang="en-US"/>
+          </a:p>
+        </p:txBody>
+      </p:sp>
+    </p:spTree>
+    <p:extLst>
+      <p:ext uri="{BB962C8B-B14F-4D97-AF65-F5344CB8AC3E}">
+        <p14:creationId xmlns:p14="http://schemas.microsoft.com/office/powerpoint/2010/main" val="73434570"/>
+      </p:ext>
+    </p:extLst>
+  </p:cSld>
+  <p:clrMapOvr>
+    <a:masterClrMapping/>
+  </p:clrMapOvr>
+</p:sld>
+</file>
+
+<file path=ppt/slides/slide13.xml><?xml version="1.0" encoding="utf-8"?>
+<p:sld xmlns:a="http://schemas.openxmlformats.org/drawingml/2006/main" xmlns:r="http://schemas.openxmlformats.org/officeDocument/2006/relationships" xmlns:p="http://schemas.openxmlformats.org/presentationml/2006/main">
+  <p:cSld>
+    <p:spTree>
+      <p:nvGrpSpPr>
+        <p:cNvPr id="1" name=""/>
+        <p:cNvGrpSpPr/>
+        <p:nvPr/>
+      </p:nvGrpSpPr>
+      <p:grpSpPr>
+        <a:xfrm>
+          <a:off x="0" y="0"/>
+          <a:ext cx="0" cy="0"/>
+          <a:chOff x="0" y="0"/>
+          <a:chExt cx="0" cy="0"/>
+        </a:xfrm>
+      </p:grpSpPr>
+      <p:sp>
+        <p:nvSpPr>
+          <p:cNvPr id="2" name="Title 1"/>
+          <p:cNvSpPr>
+            <a:spLocks noGrp="1"/>
+          </p:cNvSpPr>
+          <p:nvPr>
+            <p:ph type="title"/>
+          </p:nvPr>
+        </p:nvSpPr>
+        <p:spPr/>
+        <p:txBody>
+          <a:bodyPr/>
+          <a:lstStyle/>
+          <a:p>
+            <a:r>
+              <a:rPr lang="en-US" dirty="0" smtClean="0"/>
+              <a:t>References</a:t>
+            </a:r>
+            <a:endParaRPr lang="en-US" dirty="0"/>
+          </a:p>
+        </p:txBody>
+      </p:sp>
+      <p:sp>
+        <p:nvSpPr>
+          <p:cNvPr id="3" name="Content Placeholder 2"/>
+          <p:cNvSpPr>
+            <a:spLocks noGrp="1"/>
+          </p:cNvSpPr>
+          <p:nvPr>
+            <p:ph idx="1"/>
+          </p:nvPr>
+        </p:nvSpPr>
+        <p:spPr/>
+        <p:txBody>
+          <a:bodyPr/>
+          <a:lstStyle/>
+          <a:p>
+            <a:endParaRPr lang="en-US"/>
+          </a:p>
+        </p:txBody>
+      </p:sp>
+    </p:spTree>
+    <p:extLst>
+      <p:ext uri="{BB962C8B-B14F-4D97-AF65-F5344CB8AC3E}">
+        <p14:creationId xmlns:p14="http://schemas.microsoft.com/office/powerpoint/2010/main" val="1201606013"/>
+      </p:ext>
+    </p:extLst>
+  </p:cSld>
+  <p:clrMapOvr>
+    <a:masterClrMapping/>
+  </p:clrMapOvr>
+</p:sld>
+</file>
+
+<file path=ppt/slides/slide2.xml><?xml version="1.0" encoding="utf-8"?>
+<p:sld xmlns:a="http://schemas.openxmlformats.org/drawingml/2006/main" xmlns:r="http://schemas.openxmlformats.org/officeDocument/2006/relationships" xmlns:p="http://schemas.openxmlformats.org/presentationml/2006/main">
+  <p:cSld>
+    <p:spTree>
+      <p:nvGrpSpPr>
+        <p:cNvPr id="1" name=""/>
+        <p:cNvGrpSpPr/>
+        <p:nvPr/>
+      </p:nvGrpSpPr>
+      <p:grpSpPr>
+        <a:xfrm>
+          <a:off x="0" y="0"/>
+          <a:ext cx="0" cy="0"/>
+          <a:chOff x="0" y="0"/>
+          <a:chExt cx="0" cy="0"/>
+        </a:xfrm>
+      </p:grpSpPr>
+      <p:sp>
+        <p:nvSpPr>
+          <p:cNvPr id="2" name="Title 1"/>
+          <p:cNvSpPr>
+            <a:spLocks noGrp="1"/>
+          </p:cNvSpPr>
+          <p:nvPr>
+            <p:ph type="title"/>
+          </p:nvPr>
+        </p:nvSpPr>
+        <p:spPr/>
+        <p:txBody>
+          <a:bodyPr/>
+          <a:lstStyle/>
+          <a:p>
+            <a:r>
+              <a:rPr lang="en-US" dirty="0" smtClean="0"/>
+              <a:t>The Testing Pyramid </a:t>
+            </a:r>
+            <a:r>
+              <a:rPr lang="mr-IN" dirty="0" smtClean="0"/>
+              <a:t>–</a:t>
+            </a:r>
+            <a:r>
+              <a:rPr lang="en-US" dirty="0" smtClean="0"/>
+              <a:t> What is it?</a:t>
+            </a:r>
+            <a:endParaRPr lang="en-US" dirty="0"/>
+          </a:p>
+        </p:txBody>
+      </p:sp>
+      <p:sp>
+        <p:nvSpPr>
+          <p:cNvPr id="3" name="Content Placeholder 2"/>
+          <p:cNvSpPr>
+            <a:spLocks noGrp="1"/>
+          </p:cNvSpPr>
+          <p:nvPr>
+            <p:ph idx="1"/>
+          </p:nvPr>
+        </p:nvSpPr>
+        <p:spPr/>
+        <p:txBody>
+          <a:bodyPr/>
+          <a:lstStyle/>
+          <a:p>
+            <a:endParaRPr lang="en-US" dirty="0"/>
+          </a:p>
+        </p:txBody>
+      </p:sp>
+    </p:spTree>
+    <p:extLst>
+      <p:ext uri="{BB962C8B-B14F-4D97-AF65-F5344CB8AC3E}">
+        <p14:creationId xmlns:p14="http://schemas.microsoft.com/office/powerpoint/2010/main" val="399150034"/>
+      </p:ext>
+    </p:extLst>
+  </p:cSld>
+  <p:clrMapOvr>
+    <a:masterClrMapping/>
+  </p:clrMapOvr>
+</p:sld>
+</file>
+
+<file path=ppt/slides/slide3.xml><?xml version="1.0" encoding="utf-8"?>
+<p:sld xmlns:a="http://schemas.openxmlformats.org/drawingml/2006/main" xmlns:r="http://schemas.openxmlformats.org/officeDocument/2006/relationships" xmlns:p="http://schemas.openxmlformats.org/presentationml/2006/main">
+  <p:cSld>
+    <p:spTree>
+      <p:nvGrpSpPr>
+        <p:cNvPr id="1" name=""/>
+        <p:cNvGrpSpPr/>
+        <p:nvPr/>
+      </p:nvGrpSpPr>
+      <p:grpSpPr>
+        <a:xfrm>
+          <a:off x="0" y="0"/>
+          <a:ext cx="0" cy="0"/>
+          <a:chOff x="0" y="0"/>
+          <a:chExt cx="0" cy="0"/>
+        </a:xfrm>
+      </p:grpSpPr>
+      <p:sp>
+        <p:nvSpPr>
+          <p:cNvPr id="2" name="Title 1"/>
+          <p:cNvSpPr>
+            <a:spLocks noGrp="1"/>
+          </p:cNvSpPr>
+          <p:nvPr>
+            <p:ph type="title"/>
+          </p:nvPr>
+        </p:nvSpPr>
+        <p:spPr/>
+        <p:txBody>
+          <a:bodyPr/>
+          <a:lstStyle/>
+          <a:p>
+            <a:r>
+              <a:rPr lang="en-US" dirty="0" smtClean="0"/>
+              <a:t>The Testing Pyramid </a:t>
+            </a:r>
+            <a:r>
+              <a:rPr lang="mr-IN" dirty="0" smtClean="0"/>
+              <a:t>–</a:t>
+            </a:r>
+            <a:r>
+              <a:rPr lang="en-US" dirty="0" smtClean="0"/>
+              <a:t> Why?</a:t>
+            </a:r>
+            <a:endParaRPr lang="en-US" dirty="0"/>
+          </a:p>
+        </p:txBody>
+      </p:sp>
+      <p:sp>
+        <p:nvSpPr>
+          <p:cNvPr id="3" name="Content Placeholder 2"/>
+          <p:cNvSpPr>
+            <a:spLocks noGrp="1"/>
+          </p:cNvSpPr>
+          <p:nvPr>
+            <p:ph idx="1"/>
+          </p:nvPr>
+        </p:nvSpPr>
+        <p:spPr/>
+        <p:txBody>
+          <a:bodyPr/>
+          <a:lstStyle/>
+          <a:p>
+            <a:endParaRPr lang="en-US"/>
+          </a:p>
+        </p:txBody>
+      </p:sp>
+    </p:spTree>
+    <p:extLst>
+      <p:ext uri="{BB962C8B-B14F-4D97-AF65-F5344CB8AC3E}">
+        <p14:creationId xmlns:p14="http://schemas.microsoft.com/office/powerpoint/2010/main" val="1886559307"/>
+      </p:ext>
+    </p:extLst>
+  </p:cSld>
+  <p:clrMapOvr>
+    <a:masterClrMapping/>
+  </p:clrMapOvr>
+</p:sld>
+</file>
+
+<file path=ppt/slides/slide4.xml><?xml version="1.0" encoding="utf-8"?>
+<p:sld xmlns:a="http://schemas.openxmlformats.org/drawingml/2006/main" xmlns:r="http://schemas.openxmlformats.org/officeDocument/2006/relationships" xmlns:p="http://schemas.openxmlformats.org/presentationml/2006/main">
+  <p:cSld>
+    <p:spTree>
+      <p:nvGrpSpPr>
+        <p:cNvPr id="1" name=""/>
+        <p:cNvGrpSpPr/>
+        <p:nvPr/>
+      </p:nvGrpSpPr>
+      <p:grpSpPr>
+        <a:xfrm>
+          <a:off x="0" y="0"/>
+          <a:ext cx="0" cy="0"/>
+          <a:chOff x="0" y="0"/>
+          <a:chExt cx="0" cy="0"/>
+        </a:xfrm>
+      </p:grpSpPr>
+      <p:sp>
+        <p:nvSpPr>
+          <p:cNvPr id="2" name="Title 1"/>
+          <p:cNvSpPr>
+            <a:spLocks noGrp="1"/>
+          </p:cNvSpPr>
+          <p:nvPr>
+            <p:ph type="title"/>
+          </p:nvPr>
+        </p:nvSpPr>
+        <p:spPr/>
+        <p:txBody>
+          <a:bodyPr/>
+          <a:lstStyle/>
+          <a:p>
+            <a:r>
+              <a:rPr lang="en-US" dirty="0" smtClean="0"/>
+              <a:t>Challenges</a:t>
+            </a:r>
+            <a:endParaRPr lang="en-US" dirty="0"/>
+          </a:p>
+        </p:txBody>
+      </p:sp>
+      <p:sp>
+        <p:nvSpPr>
+          <p:cNvPr id="3" name="Content Placeholder 2"/>
+          <p:cNvSpPr>
+            <a:spLocks noGrp="1"/>
+          </p:cNvSpPr>
+          <p:nvPr>
+            <p:ph idx="1"/>
+          </p:nvPr>
+        </p:nvSpPr>
+        <p:spPr/>
+        <p:txBody>
+          <a:bodyPr/>
+          <a:lstStyle/>
+          <a:p>
+            <a:r>
+              <a:rPr lang="en-US" dirty="0" smtClean="0"/>
+              <a:t>Why is it a struggle to do this?</a:t>
+            </a:r>
+            <a:endParaRPr lang="en-US" dirty="0"/>
+          </a:p>
+        </p:txBody>
+      </p:sp>
+    </p:spTree>
+    <p:extLst>
+      <p:ext uri="{BB962C8B-B14F-4D97-AF65-F5344CB8AC3E}">
+        <p14:creationId xmlns:p14="http://schemas.microsoft.com/office/powerpoint/2010/main" val="623930801"/>
+      </p:ext>
+    </p:extLst>
+  </p:cSld>
+  <p:clrMapOvr>
+    <a:masterClrMapping/>
+  </p:clrMapOvr>
+</p:sld>
+</file>
+
+<file path=ppt/slides/slide5.xml><?xml version="1.0" encoding="utf-8"?>
+<p:sld xmlns:a="http://schemas.openxmlformats.org/drawingml/2006/main" xmlns:r="http://schemas.openxmlformats.org/officeDocument/2006/relationships" xmlns:p="http://schemas.openxmlformats.org/presentationml/2006/main">
+  <p:cSld>
+    <p:spTree>
+      <p:nvGrpSpPr>
+        <p:cNvPr id="1" name=""/>
+        <p:cNvGrpSpPr/>
+        <p:nvPr/>
+      </p:nvGrpSpPr>
+      <p:grpSpPr>
+        <a:xfrm>
+          <a:off x="0" y="0"/>
+          <a:ext cx="0" cy="0"/>
+          <a:chOff x="0" y="0"/>
+          <a:chExt cx="0" cy="0"/>
+        </a:xfrm>
+      </p:grpSpPr>
+      <p:sp>
+        <p:nvSpPr>
+          <p:cNvPr id="2" name="Title 1"/>
+          <p:cNvSpPr>
+            <a:spLocks noGrp="1"/>
+          </p:cNvSpPr>
+          <p:nvPr>
+            <p:ph type="title"/>
+          </p:nvPr>
+        </p:nvSpPr>
+        <p:spPr/>
+        <p:txBody>
+          <a:bodyPr/>
+          <a:lstStyle/>
+          <a:p>
+            <a:r>
+              <a:rPr lang="en-US" dirty="0" smtClean="0"/>
+              <a:t>How?</a:t>
+            </a:r>
+            <a:endParaRPr lang="en-US" dirty="0"/>
+          </a:p>
+        </p:txBody>
+      </p:sp>
+      <p:sp>
+        <p:nvSpPr>
+          <p:cNvPr id="3" name="Content Placeholder 2"/>
+          <p:cNvSpPr>
+            <a:spLocks noGrp="1"/>
+          </p:cNvSpPr>
+          <p:nvPr>
+            <p:ph idx="1"/>
+          </p:nvPr>
+        </p:nvSpPr>
+        <p:spPr/>
+        <p:txBody>
+          <a:bodyPr/>
+          <a:lstStyle/>
+          <a:p>
+            <a:r>
+              <a:rPr lang="en-US" dirty="0" smtClean="0"/>
+              <a:t>Summarize presentation</a:t>
+            </a:r>
+            <a:endParaRPr lang="en-US" dirty="0"/>
+          </a:p>
+        </p:txBody>
+      </p:sp>
+    </p:spTree>
+    <p:extLst>
+      <p:ext uri="{BB962C8B-B14F-4D97-AF65-F5344CB8AC3E}">
+        <p14:creationId xmlns:p14="http://schemas.microsoft.com/office/powerpoint/2010/main" val="567372212"/>
+      </p:ext>
+    </p:extLst>
+  </p:cSld>
+  <p:clrMapOvr>
+    <a:masterClrMapping/>
+  </p:clrMapOvr>
+</p:sld>
+</file>
+
+<file path=ppt/slides/slide6.xml><?xml version="1.0" encoding="utf-8"?>
+<p:sld xmlns:a="http://schemas.openxmlformats.org/drawingml/2006/main" xmlns:r="http://schemas.openxmlformats.org/officeDocument/2006/relationships" xmlns:p="http://schemas.openxmlformats.org/presentationml/2006/main">
+  <p:cSld>
+    <p:spTree>
+      <p:nvGrpSpPr>
+        <p:cNvPr id="1" name=""/>
+        <p:cNvGrpSpPr/>
+        <p:nvPr/>
+      </p:nvGrpSpPr>
+      <p:grpSpPr>
+        <a:xfrm>
+          <a:off x="0" y="0"/>
+          <a:ext cx="0" cy="0"/>
+          <a:chOff x="0" y="0"/>
+          <a:chExt cx="0" cy="0"/>
+        </a:xfrm>
+      </p:grpSpPr>
+      <p:sp>
+        <p:nvSpPr>
+          <p:cNvPr id="2" name="Title 1"/>
+          <p:cNvSpPr>
+            <a:spLocks noGrp="1"/>
+          </p:cNvSpPr>
+          <p:nvPr>
+            <p:ph type="title"/>
+          </p:nvPr>
+        </p:nvSpPr>
+        <p:spPr/>
+        <p:txBody>
+          <a:bodyPr/>
+          <a:lstStyle/>
+          <a:p>
+            <a:r>
+              <a:rPr lang="en-US" dirty="0" smtClean="0"/>
+              <a:t>Sample feature / system</a:t>
+            </a:r>
+            <a:endParaRPr lang="en-US" dirty="0"/>
+          </a:p>
+        </p:txBody>
+      </p:sp>
+      <p:sp>
+        <p:nvSpPr>
+          <p:cNvPr id="3" name="Content Placeholder 2"/>
+          <p:cNvSpPr>
+            <a:spLocks noGrp="1"/>
+          </p:cNvSpPr>
+          <p:nvPr>
+            <p:ph idx="1"/>
+          </p:nvPr>
+        </p:nvSpPr>
+        <p:spPr/>
+        <p:txBody>
+          <a:bodyPr/>
+          <a:lstStyle/>
+          <a:p>
+            <a:endParaRPr lang="en-US"/>
+          </a:p>
+        </p:txBody>
+      </p:sp>
+    </p:spTree>
+    <p:extLst>
+      <p:ext uri="{BB962C8B-B14F-4D97-AF65-F5344CB8AC3E}">
+        <p14:creationId xmlns:p14="http://schemas.microsoft.com/office/powerpoint/2010/main" val="1991789900"/>
+      </p:ext>
+    </p:extLst>
+  </p:cSld>
+  <p:clrMapOvr>
+    <a:masterClrMapping/>
+  </p:clrMapOvr>
+</p:sld>
+</file>
+
+<file path=ppt/slides/slide7.xml><?xml version="1.0" encoding="utf-8"?>
+<p:sld xmlns:a="http://schemas.openxmlformats.org/drawingml/2006/main" xmlns:r="http://schemas.openxmlformats.org/officeDocument/2006/relationships" xmlns:p="http://schemas.openxmlformats.org/presentationml/2006/main">
+  <p:cSld>
+    <p:spTree>
+      <p:nvGrpSpPr>
+        <p:cNvPr id="1" name=""/>
+        <p:cNvGrpSpPr/>
+        <p:nvPr/>
+      </p:nvGrpSpPr>
+      <p:grpSpPr>
+        <a:xfrm>
+          <a:off x="0" y="0"/>
+          <a:ext cx="0" cy="0"/>
+          <a:chOff x="0" y="0"/>
+          <a:chExt cx="0" cy="0"/>
+        </a:xfrm>
+      </p:grpSpPr>
+      <p:sp>
+        <p:nvSpPr>
+          <p:cNvPr id="2" name="Title 1"/>
+          <p:cNvSpPr>
+            <a:spLocks noGrp="1"/>
+          </p:cNvSpPr>
+          <p:nvPr>
+            <p:ph type="title"/>
+          </p:nvPr>
+        </p:nvSpPr>
+        <p:spPr/>
+        <p:txBody>
+          <a:bodyPr/>
+          <a:lstStyle/>
+          <a:p>
+            <a:r>
+              <a:rPr lang="en-US" dirty="0" smtClean="0"/>
+              <a:t>Planning</a:t>
+            </a:r>
+            <a:endParaRPr lang="en-US" dirty="0"/>
+          </a:p>
+        </p:txBody>
+      </p:sp>
+      <p:sp>
+        <p:nvSpPr>
+          <p:cNvPr id="3" name="Content Placeholder 2"/>
+          <p:cNvSpPr>
+            <a:spLocks noGrp="1"/>
+          </p:cNvSpPr>
+          <p:nvPr>
+            <p:ph idx="1"/>
+          </p:nvPr>
+        </p:nvSpPr>
+        <p:spPr/>
+        <p:txBody>
+          <a:bodyPr/>
+          <a:lstStyle/>
+          <a:p>
+            <a:endParaRPr lang="en-US"/>
+          </a:p>
+        </p:txBody>
+      </p:sp>
+    </p:spTree>
+    <p:extLst>
+      <p:ext uri="{BB962C8B-B14F-4D97-AF65-F5344CB8AC3E}">
+        <p14:creationId xmlns:p14="http://schemas.microsoft.com/office/powerpoint/2010/main" val="2111955063"/>
+      </p:ext>
+    </p:extLst>
+  </p:cSld>
+  <p:clrMapOvr>
+    <a:masterClrMapping/>
+  </p:clrMapOvr>
+</p:sld>
+</file>
+
+<file path=ppt/slides/slide8.xml><?xml version="1.0" encoding="utf-8"?>
+<p:sld xmlns:a="http://schemas.openxmlformats.org/drawingml/2006/main" xmlns:r="http://schemas.openxmlformats.org/officeDocument/2006/relationships" xmlns:p="http://schemas.openxmlformats.org/presentationml/2006/main">
+  <p:cSld>
+    <p:spTree>
+      <p:nvGrpSpPr>
+        <p:cNvPr id="1" name=""/>
+        <p:cNvGrpSpPr/>
+        <p:nvPr/>
+      </p:nvGrpSpPr>
+      <p:grpSpPr>
+        <a:xfrm>
+          <a:off x="0" y="0"/>
+          <a:ext cx="0" cy="0"/>
+          <a:chOff x="0" y="0"/>
+          <a:chExt cx="0" cy="0"/>
+        </a:xfrm>
+      </p:grpSpPr>
+      <p:sp>
+        <p:nvSpPr>
+          <p:cNvPr id="2" name="Title 1"/>
+          <p:cNvSpPr>
+            <a:spLocks noGrp="1"/>
+          </p:cNvSpPr>
+          <p:nvPr>
+            <p:ph type="title"/>
+          </p:nvPr>
+        </p:nvSpPr>
+        <p:spPr/>
+        <p:txBody>
+          <a:bodyPr/>
+          <a:lstStyle/>
+          <a:p>
+            <a:r>
+              <a:rPr lang="en-US" dirty="0" smtClean="0"/>
+              <a:t>Tasks / Tests</a:t>
+            </a:r>
+            <a:endParaRPr lang="en-US" dirty="0"/>
+          </a:p>
+        </p:txBody>
+      </p:sp>
+      <p:sp>
+        <p:nvSpPr>
+          <p:cNvPr id="3" name="Content Placeholder 2"/>
+          <p:cNvSpPr>
+            <a:spLocks noGrp="1"/>
+          </p:cNvSpPr>
+          <p:nvPr>
+            <p:ph idx="1"/>
+          </p:nvPr>
+        </p:nvSpPr>
+        <p:spPr/>
+        <p:txBody>
+          <a:bodyPr/>
+          <a:lstStyle/>
+          <a:p>
+            <a:endParaRPr lang="en-US"/>
+          </a:p>
+        </p:txBody>
+      </p:sp>
+    </p:spTree>
+    <p:extLst>
+      <p:ext uri="{BB962C8B-B14F-4D97-AF65-F5344CB8AC3E}">
+        <p14:creationId xmlns:p14="http://schemas.microsoft.com/office/powerpoint/2010/main" val="1254851648"/>
+      </p:ext>
+    </p:extLst>
+  </p:cSld>
+  <p:clrMapOvr>
+    <a:masterClrMapping/>
+  </p:clrMapOvr>
+</p:sld>
+</file>
+
+<file path=ppt/slides/slide9.xml><?xml version="1.0" encoding="utf-8"?>
+<p:sld xmlns:a="http://schemas.openxmlformats.org/drawingml/2006/main" xmlns:r="http://schemas.openxmlformats.org/officeDocument/2006/relationships" xmlns:p="http://schemas.openxmlformats.org/presentationml/2006/main">
+  <p:cSld>
+    <p:spTree>
+      <p:nvGrpSpPr>
+        <p:cNvPr id="1" name=""/>
+        <p:cNvGrpSpPr/>
+        <p:nvPr/>
+      </p:nvGrpSpPr>
+      <p:grpSpPr>
+        <a:xfrm>
+          <a:off x="0" y="0"/>
+          <a:ext cx="0" cy="0"/>
+          <a:chOff x="0" y="0"/>
+          <a:chExt cx="0" cy="0"/>
+        </a:xfrm>
+      </p:grpSpPr>
+      <p:sp>
+        <p:nvSpPr>
+          <p:cNvPr id="2" name="Title 1"/>
+          <p:cNvSpPr>
+            <a:spLocks noGrp="1"/>
+          </p:cNvSpPr>
+          <p:nvPr>
+            <p:ph type="title"/>
+          </p:nvPr>
+        </p:nvSpPr>
+        <p:spPr/>
+        <p:txBody>
+          <a:bodyPr/>
+          <a:lstStyle/>
+          <a:p>
+            <a:r>
+              <a:rPr lang="en-US" dirty="0" smtClean="0"/>
+              <a:t>Service Tests</a:t>
+            </a:r>
+            <a:endParaRPr lang="en-US" dirty="0"/>
+          </a:p>
+        </p:txBody>
+      </p:sp>
+      <p:sp>
+        <p:nvSpPr>
+          <p:cNvPr id="3" name="Content Placeholder 2"/>
+          <p:cNvSpPr>
+            <a:spLocks noGrp="1"/>
+          </p:cNvSpPr>
+          <p:nvPr>
+            <p:ph idx="1"/>
+          </p:nvPr>
+        </p:nvSpPr>
+        <p:spPr/>
+        <p:txBody>
+          <a:bodyPr/>
+          <a:lstStyle/>
+          <a:p>
+            <a:endParaRPr lang="en-US"/>
+          </a:p>
+        </p:txBody>
+      </p:sp>
+    </p:spTree>
+    <p:extLst>
+      <p:ext uri="{BB962C8B-B14F-4D97-AF65-F5344CB8AC3E}">
+        <p14:creationId xmlns:p14="http://schemas.microsoft.com/office/powerpoint/2010/main" val="1804738836"/>
       </p:ext>
     </p:extLst>
   </p:cSld>

--- a/Test Pyramid Presentation.pptx
+++ b/Test Pyramid Presentation.pptx
@@ -8,16 +8,17 @@
     <p:sldId id="256" r:id="rId2"/>
     <p:sldId id="257" r:id="rId3"/>
     <p:sldId id="258" r:id="rId4"/>
-    <p:sldId id="260" r:id="rId5"/>
-    <p:sldId id="259" r:id="rId6"/>
-    <p:sldId id="262" r:id="rId7"/>
-    <p:sldId id="263" r:id="rId8"/>
-    <p:sldId id="264" r:id="rId9"/>
-    <p:sldId id="265" r:id="rId10"/>
-    <p:sldId id="266" r:id="rId11"/>
-    <p:sldId id="267" r:id="rId12"/>
-    <p:sldId id="268" r:id="rId13"/>
-    <p:sldId id="261" r:id="rId14"/>
+    <p:sldId id="269" r:id="rId5"/>
+    <p:sldId id="260" r:id="rId6"/>
+    <p:sldId id="259" r:id="rId7"/>
+    <p:sldId id="262" r:id="rId8"/>
+    <p:sldId id="263" r:id="rId9"/>
+    <p:sldId id="264" r:id="rId10"/>
+    <p:sldId id="265" r:id="rId11"/>
+    <p:sldId id="266" r:id="rId12"/>
+    <p:sldId id="267" r:id="rId13"/>
+    <p:sldId id="268" r:id="rId14"/>
+    <p:sldId id="261" r:id="rId15"/>
   </p:sldIdLst>
   <p:sldSz cx="12192000" cy="6858000"/>
   <p:notesSz cx="6858000" cy="9144000"/>
@@ -2545,7 +2546,7 @@
           <a:p>
             <a:r>
               <a:rPr lang="en-US" dirty="0" smtClean="0"/>
-              <a:t>Unit Tests / Implementation</a:t>
+              <a:t>Service Tests</a:t>
             </a:r>
             <a:endParaRPr lang="en-US" dirty="0"/>
           </a:p>
@@ -2573,7 +2574,7 @@
     </p:spTree>
     <p:extLst>
       <p:ext uri="{BB962C8B-B14F-4D97-AF65-F5344CB8AC3E}">
-        <p14:creationId xmlns:p14="http://schemas.microsoft.com/office/powerpoint/2010/main" val="1186586424"/>
+        <p14:creationId xmlns:p14="http://schemas.microsoft.com/office/powerpoint/2010/main" val="1804738836"/>
       </p:ext>
     </p:extLst>
   </p:cSld>
@@ -2617,7 +2618,7 @@
           <a:p>
             <a:r>
               <a:rPr lang="en-US" dirty="0" smtClean="0"/>
-              <a:t>UI Tests</a:t>
+              <a:t>Unit Tests / Implementation</a:t>
             </a:r>
             <a:endParaRPr lang="en-US" dirty="0"/>
           </a:p>
@@ -2645,7 +2646,7 @@
     </p:spTree>
     <p:extLst>
       <p:ext uri="{BB962C8B-B14F-4D97-AF65-F5344CB8AC3E}">
-        <p14:creationId xmlns:p14="http://schemas.microsoft.com/office/powerpoint/2010/main" val="1221391828"/>
+        <p14:creationId xmlns:p14="http://schemas.microsoft.com/office/powerpoint/2010/main" val="1186586424"/>
       </p:ext>
     </p:extLst>
   </p:cSld>
@@ -2689,6 +2690,78 @@
           <a:p>
             <a:r>
               <a:rPr lang="en-US" dirty="0" smtClean="0"/>
+              <a:t>UI Tests</a:t>
+            </a:r>
+            <a:endParaRPr lang="en-US" dirty="0"/>
+          </a:p>
+        </p:txBody>
+      </p:sp>
+      <p:sp>
+        <p:nvSpPr>
+          <p:cNvPr id="3" name="Content Placeholder 2"/>
+          <p:cNvSpPr>
+            <a:spLocks noGrp="1"/>
+          </p:cNvSpPr>
+          <p:nvPr>
+            <p:ph idx="1"/>
+          </p:nvPr>
+        </p:nvSpPr>
+        <p:spPr/>
+        <p:txBody>
+          <a:bodyPr/>
+          <a:lstStyle/>
+          <a:p>
+            <a:endParaRPr lang="en-US"/>
+          </a:p>
+        </p:txBody>
+      </p:sp>
+    </p:spTree>
+    <p:extLst>
+      <p:ext uri="{BB962C8B-B14F-4D97-AF65-F5344CB8AC3E}">
+        <p14:creationId xmlns:p14="http://schemas.microsoft.com/office/powerpoint/2010/main" val="1221391828"/>
+      </p:ext>
+    </p:extLst>
+  </p:cSld>
+  <p:clrMapOvr>
+    <a:masterClrMapping/>
+  </p:clrMapOvr>
+</p:sld>
+</file>
+
+<file path=ppt/slides/slide13.xml><?xml version="1.0" encoding="utf-8"?>
+<p:sld xmlns:a="http://schemas.openxmlformats.org/drawingml/2006/main" xmlns:r="http://schemas.openxmlformats.org/officeDocument/2006/relationships" xmlns:p="http://schemas.openxmlformats.org/presentationml/2006/main">
+  <p:cSld>
+    <p:spTree>
+      <p:nvGrpSpPr>
+        <p:cNvPr id="1" name=""/>
+        <p:cNvGrpSpPr/>
+        <p:nvPr/>
+      </p:nvGrpSpPr>
+      <p:grpSpPr>
+        <a:xfrm>
+          <a:off x="0" y="0"/>
+          <a:ext cx="0" cy="0"/>
+          <a:chOff x="0" y="0"/>
+          <a:chExt cx="0" cy="0"/>
+        </a:xfrm>
+      </p:grpSpPr>
+      <p:sp>
+        <p:nvSpPr>
+          <p:cNvPr id="2" name="Title 1"/>
+          <p:cNvSpPr>
+            <a:spLocks noGrp="1"/>
+          </p:cNvSpPr>
+          <p:nvPr>
+            <p:ph type="title"/>
+          </p:nvPr>
+        </p:nvSpPr>
+        <p:spPr/>
+        <p:txBody>
+          <a:bodyPr/>
+          <a:lstStyle/>
+          <a:p>
+            <a:r>
+              <a:rPr lang="en-US" dirty="0" smtClean="0"/>
               <a:t>Summary</a:t>
             </a:r>
             <a:endParaRPr lang="en-US" dirty="0"/>
@@ -2727,7 +2800,7 @@
 </p:sld>
 </file>
 
-<file path=ppt/slides/slide13.xml><?xml version="1.0" encoding="utf-8"?>
+<file path=ppt/slides/slide14.xml><?xml version="1.0" encoding="utf-8"?>
 <p:sld xmlns:a="http://schemas.openxmlformats.org/drawingml/2006/main" xmlns:r="http://schemas.openxmlformats.org/officeDocument/2006/relationships" xmlns:p="http://schemas.openxmlformats.org/presentationml/2006/main">
   <p:cSld>
     <p:spTree>
@@ -2833,36 +2906,122 @@
           <a:p>
             <a:r>
               <a:rPr lang="en-US" dirty="0" smtClean="0"/>
-              <a:t>The Testing Pyramid </a:t>
-            </a:r>
-            <a:r>
-              <a:rPr lang="mr-IN" dirty="0" smtClean="0"/>
+              <a:t>Mike Cohn’s Test Pyramid</a:t>
+            </a:r>
+            <a:endParaRPr lang="en-US" dirty="0"/>
+          </a:p>
+        </p:txBody>
+      </p:sp>
+      <p:pic>
+        <p:nvPicPr>
+          <p:cNvPr id="4" name="Content Placeholder 3"/>
+          <p:cNvPicPr>
+            <a:picLocks noGrp="1" noChangeAspect="1"/>
+          </p:cNvPicPr>
+          <p:nvPr>
+            <p:ph idx="1"/>
+          </p:nvPr>
+        </p:nvPicPr>
+        <p:blipFill>
+          <a:blip r:embed="rId2">
+            <a:extLst>
+              <a:ext uri="{28A0092B-C50C-407E-A947-70E740481C1C}">
+                <a14:useLocalDpi xmlns:a14="http://schemas.microsoft.com/office/drawing/2010/main" val="0"/>
+              </a:ext>
+            </a:extLst>
+          </a:blip>
+          <a:stretch>
+            <a:fillRect/>
+          </a:stretch>
+        </p:blipFill>
+        <p:spPr>
+          <a:xfrm>
+            <a:off x="311321" y="1690688"/>
+            <a:ext cx="5669933" cy="3964524"/>
+          </a:xfrm>
+        </p:spPr>
+      </p:pic>
+      <p:sp>
+        <p:nvSpPr>
+          <p:cNvPr id="6" name="Rectangle 5"/>
+          <p:cNvSpPr/>
+          <p:nvPr/>
+        </p:nvSpPr>
+        <p:spPr>
+          <a:xfrm>
+            <a:off x="6096000" y="1690686"/>
+            <a:ext cx="4496972" cy="3416320"/>
+          </a:xfrm>
+          <a:prstGeom prst="rect">
+            <a:avLst/>
+          </a:prstGeom>
+        </p:spPr>
+        <p:txBody>
+          <a:bodyPr wrap="square">
+            <a:spAutoFit/>
+          </a:bodyPr>
+          <a:lstStyle/>
+          <a:p>
+            <a:pPr marL="285750" marR="0" lvl="0" indent="-285750" defTabSz="914400" eaLnBrk="1" fontAlgn="auto" latinLnBrk="0" hangingPunct="1">
+              <a:lnSpc>
+                <a:spcPct val="100000"/>
+              </a:lnSpc>
+              <a:spcBef>
+                <a:spcPts val="0"/>
+              </a:spcBef>
+              <a:spcAft>
+                <a:spcPts val="0"/>
+              </a:spcAft>
+              <a:buClrTx/>
+              <a:buSzTx/>
+              <a:buFont typeface="Arial" charset="0"/>
+              <a:buChar char="•"/>
+              <a:tabLst/>
+              <a:defRPr/>
+            </a:pPr>
+            <a:r>
+              <a:rPr lang="en-US" sz="2400" dirty="0" smtClean="0"/>
+              <a:t>Automated tests at three levels.</a:t>
+            </a:r>
+          </a:p>
+          <a:p>
+            <a:pPr marL="742950" lvl="1" indent="-285750">
+              <a:buFont typeface="Arial" charset="0"/>
+              <a:buChar char="•"/>
+            </a:pPr>
+            <a:r>
+              <a:rPr lang="en-US" sz="2400" dirty="0" smtClean="0"/>
+              <a:t>Foundational base of unit tests.</a:t>
+            </a:r>
+          </a:p>
+          <a:p>
+            <a:pPr marL="742950" lvl="1" indent="-285750">
+              <a:buFont typeface="Arial" charset="0"/>
+              <a:buChar char="•"/>
+            </a:pPr>
+            <a:r>
+              <a:rPr lang="en-US" sz="2400" dirty="0" smtClean="0"/>
+              <a:t>Minimum necessary tests through user interface.</a:t>
+            </a:r>
+          </a:p>
+          <a:p>
+            <a:pPr marL="742950" lvl="1" indent="-285750">
+              <a:buFont typeface="Arial" charset="0"/>
+              <a:buChar char="•"/>
+            </a:pPr>
+            <a:r>
+              <a:rPr lang="en-US" sz="2400" dirty="0" smtClean="0"/>
+              <a:t>Service testing in the middle </a:t>
+            </a:r>
+            <a:r>
+              <a:rPr lang="mr-IN" sz="2400" dirty="0" smtClean="0"/>
               <a:t>–</a:t>
             </a:r>
             <a:r>
-              <a:rPr lang="en-US" dirty="0" smtClean="0"/>
-              <a:t> What is it?</a:t>
-            </a:r>
-            <a:endParaRPr lang="en-US" dirty="0"/>
-          </a:p>
-        </p:txBody>
-      </p:sp>
-      <p:sp>
-        <p:nvSpPr>
-          <p:cNvPr id="3" name="Content Placeholder 2"/>
-          <p:cNvSpPr>
-            <a:spLocks noGrp="1"/>
-          </p:cNvSpPr>
-          <p:nvPr>
-            <p:ph idx="1"/>
-          </p:nvPr>
-        </p:nvSpPr>
-        <p:spPr/>
-        <p:txBody>
-          <a:bodyPr/>
-          <a:lstStyle/>
-          <a:p>
-            <a:endParaRPr lang="en-US" dirty="0"/>
+              <a:rPr lang="en-US" sz="2400" dirty="0" smtClean="0"/>
+              <a:t> testing services provided by the application independent of the UI.</a:t>
+            </a:r>
+            <a:endParaRPr lang="en-US" sz="2400" dirty="0"/>
           </a:p>
         </p:txBody>
       </p:sp>
@@ -2913,39 +3072,41 @@
           <a:p>
             <a:r>
               <a:rPr lang="en-US" dirty="0" smtClean="0"/>
-              <a:t>The Testing Pyramid </a:t>
-            </a:r>
-            <a:r>
-              <a:rPr lang="mr-IN" dirty="0" smtClean="0"/>
-              <a:t>–</a:t>
-            </a:r>
-            <a:r>
-              <a:rPr lang="en-US" dirty="0" smtClean="0"/>
-              <a:t> Why?</a:t>
+              <a:t>Motivations</a:t>
             </a:r>
             <a:endParaRPr lang="en-US" dirty="0"/>
           </a:p>
         </p:txBody>
       </p:sp>
-      <p:sp>
-        <p:nvSpPr>
-          <p:cNvPr id="3" name="Content Placeholder 2"/>
-          <p:cNvSpPr>
-            <a:spLocks noGrp="1"/>
-          </p:cNvSpPr>
+      <p:pic>
+        <p:nvPicPr>
+          <p:cNvPr id="4" name="Content Placeholder 3"/>
+          <p:cNvPicPr>
+            <a:picLocks noGrp="1" noChangeAspect="1"/>
+          </p:cNvPicPr>
           <p:nvPr>
             <p:ph idx="1"/>
           </p:nvPr>
-        </p:nvSpPr>
-        <p:spPr/>
-        <p:txBody>
-          <a:bodyPr/>
-          <a:lstStyle/>
-          <a:p>
-            <a:endParaRPr lang="en-US"/>
-          </a:p>
-        </p:txBody>
-      </p:sp>
+        </p:nvPicPr>
+        <p:blipFill>
+          <a:blip r:embed="rId2">
+            <a:extLst>
+              <a:ext uri="{28A0092B-C50C-407E-A947-70E740481C1C}">
+                <a14:useLocalDpi xmlns:a14="http://schemas.microsoft.com/office/drawing/2010/main" val="0"/>
+              </a:ext>
+            </a:extLst>
+          </a:blip>
+          <a:stretch>
+            <a:fillRect/>
+          </a:stretch>
+        </p:blipFill>
+        <p:spPr>
+          <a:xfrm>
+            <a:off x="5828714" y="2239906"/>
+            <a:ext cx="5211762" cy="2871099"/>
+          </a:xfrm>
+        </p:spPr>
+      </p:pic>
     </p:spTree>
     <p:extLst>
       <p:ext uri="{BB962C8B-B14F-4D97-AF65-F5344CB8AC3E}">
@@ -2993,39 +3154,201 @@
           <a:p>
             <a:r>
               <a:rPr lang="en-US" dirty="0" smtClean="0"/>
-              <a:t>Challenges</a:t>
+              <a:t>The </a:t>
+            </a:r>
+            <a:r>
+              <a:rPr lang="en-US" dirty="0"/>
+              <a:t>T</a:t>
+            </a:r>
+            <a:r>
+              <a:rPr lang="en-US" dirty="0" smtClean="0"/>
+              <a:t>hree Layers of the Pyramid</a:t>
             </a:r>
             <a:endParaRPr lang="en-US" dirty="0"/>
           </a:p>
         </p:txBody>
       </p:sp>
-      <p:sp>
-        <p:nvSpPr>
-          <p:cNvPr id="3" name="Content Placeholder 2"/>
-          <p:cNvSpPr>
-            <a:spLocks noGrp="1"/>
-          </p:cNvSpPr>
+      <p:graphicFrame>
+        <p:nvGraphicFramePr>
+          <p:cNvPr id="4" name="Content Placeholder 3"/>
+          <p:cNvGraphicFramePr>
+            <a:graphicFrameLocks noGrp="1"/>
+          </p:cNvGraphicFramePr>
           <p:nvPr>
             <p:ph idx="1"/>
-          </p:nvPr>
-        </p:nvSpPr>
-        <p:spPr/>
-        <p:txBody>
-          <a:bodyPr/>
-          <a:lstStyle/>
-          <a:p>
-            <a:r>
-              <a:rPr lang="en-US" dirty="0" smtClean="0"/>
-              <a:t>Why is it a struggle to do this?</a:t>
-            </a:r>
-            <a:endParaRPr lang="en-US" dirty="0"/>
-          </a:p>
-        </p:txBody>
-      </p:sp>
+            <p:extLst>
+              <p:ext uri="{D42A27DB-BD31-4B8C-83A1-F6EECF244321}">
+                <p14:modId xmlns:p14="http://schemas.microsoft.com/office/powerpoint/2010/main" val="1586008149"/>
+              </p:ext>
+            </p:extLst>
+          </p:nvPr>
+        </p:nvGraphicFramePr>
+        <p:xfrm>
+          <a:off x="838200" y="1825625"/>
+          <a:ext cx="10359684" cy="3154340"/>
+        </p:xfrm>
+        <a:graphic>
+          <a:graphicData uri="http://schemas.openxmlformats.org/drawingml/2006/table">
+            <a:tbl>
+              <a:tblPr firstRow="1" bandRow="1">
+                <a:tableStyleId>{5C22544A-7EE6-4342-B048-85BDC9FD1C3A}</a:tableStyleId>
+              </a:tblPr>
+              <a:tblGrid>
+                <a:gridCol w="3453228"/>
+                <a:gridCol w="3453228"/>
+                <a:gridCol w="3453228"/>
+              </a:tblGrid>
+              <a:tr h="788585">
+                <a:tc>
+                  <a:txBody>
+                    <a:bodyPr/>
+                    <a:lstStyle/>
+                    <a:p>
+                      <a:pPr algn="ctr"/>
+                      <a:r>
+                        <a:rPr lang="en-US" sz="2800" dirty="0" smtClean="0"/>
+                        <a:t>Unit</a:t>
+                      </a:r>
+                      <a:endParaRPr lang="en-US" sz="2800" dirty="0"/>
+                    </a:p>
+                  </a:txBody>
+                  <a:tcPr/>
+                </a:tc>
+                <a:tc>
+                  <a:txBody>
+                    <a:bodyPr/>
+                    <a:lstStyle/>
+                    <a:p>
+                      <a:pPr algn="ctr"/>
+                      <a:r>
+                        <a:rPr lang="en-US" sz="2800" dirty="0" smtClean="0"/>
+                        <a:t>Service</a:t>
+                      </a:r>
+                      <a:endParaRPr lang="en-US" sz="2800" dirty="0"/>
+                    </a:p>
+                  </a:txBody>
+                  <a:tcPr/>
+                </a:tc>
+                <a:tc>
+                  <a:txBody>
+                    <a:bodyPr/>
+                    <a:lstStyle/>
+                    <a:p>
+                      <a:pPr algn="ctr"/>
+                      <a:r>
+                        <a:rPr lang="en-US" sz="2800" dirty="0" smtClean="0"/>
+                        <a:t>UI</a:t>
+                      </a:r>
+                      <a:endParaRPr lang="en-US" sz="2800" dirty="0"/>
+                    </a:p>
+                  </a:txBody>
+                  <a:tcPr/>
+                </a:tc>
+              </a:tr>
+              <a:tr h="788585">
+                <a:tc>
+                  <a:txBody>
+                    <a:bodyPr/>
+                    <a:lstStyle/>
+                    <a:p>
+                      <a:endParaRPr lang="en-US" dirty="0"/>
+                    </a:p>
+                  </a:txBody>
+                  <a:tcPr/>
+                </a:tc>
+                <a:tc>
+                  <a:txBody>
+                    <a:bodyPr/>
+                    <a:lstStyle/>
+                    <a:p>
+                      <a:endParaRPr lang="en-US"/>
+                    </a:p>
+                  </a:txBody>
+                  <a:tcPr/>
+                </a:tc>
+                <a:tc>
+                  <a:txBody>
+                    <a:bodyPr/>
+                    <a:lstStyle/>
+                    <a:p>
+                      <a:endParaRPr lang="en-US"/>
+                    </a:p>
+                  </a:txBody>
+                  <a:tcPr/>
+                </a:tc>
+              </a:tr>
+              <a:tr h="788585">
+                <a:tc>
+                  <a:txBody>
+                    <a:bodyPr/>
+                    <a:lstStyle/>
+                    <a:p>
+                      <a:endParaRPr lang="en-US"/>
+                    </a:p>
+                  </a:txBody>
+                  <a:tcPr/>
+                </a:tc>
+                <a:tc>
+                  <a:txBody>
+                    <a:bodyPr/>
+                    <a:lstStyle/>
+                    <a:p>
+                      <a:endParaRPr lang="en-US"/>
+                    </a:p>
+                  </a:txBody>
+                  <a:tcPr/>
+                </a:tc>
+                <a:tc>
+                  <a:txBody>
+                    <a:bodyPr/>
+                    <a:lstStyle/>
+                    <a:p>
+                      <a:endParaRPr lang="en-US"/>
+                    </a:p>
+                  </a:txBody>
+                  <a:tcPr/>
+                </a:tc>
+              </a:tr>
+              <a:tr h="788585">
+                <a:tc>
+                  <a:txBody>
+                    <a:bodyPr/>
+                    <a:lstStyle/>
+                    <a:p>
+                      <a:endParaRPr lang="en-US"/>
+                    </a:p>
+                  </a:txBody>
+                  <a:tcPr/>
+                </a:tc>
+                <a:tc>
+                  <a:txBody>
+                    <a:bodyPr/>
+                    <a:lstStyle/>
+                    <a:p>
+                      <a:endParaRPr lang="en-US"/>
+                    </a:p>
+                  </a:txBody>
+                  <a:tcPr/>
+                </a:tc>
+                <a:tc>
+                  <a:txBody>
+                    <a:bodyPr/>
+                    <a:lstStyle/>
+                    <a:p>
+                      <a:endParaRPr lang="en-US" dirty="0"/>
+                    </a:p>
+                  </a:txBody>
+                  <a:tcPr/>
+                </a:tc>
+              </a:tr>
+            </a:tbl>
+          </a:graphicData>
+        </a:graphic>
+      </p:graphicFrame>
     </p:spTree>
     <p:extLst>
       <p:ext uri="{BB962C8B-B14F-4D97-AF65-F5344CB8AC3E}">
-        <p14:creationId xmlns:p14="http://schemas.microsoft.com/office/powerpoint/2010/main" val="623930801"/>
+        <p14:creationId xmlns:p14="http://schemas.microsoft.com/office/powerpoint/2010/main" val="2014155585"/>
       </p:ext>
     </p:extLst>
   </p:cSld>
@@ -3069,7 +3392,7 @@
           <a:p>
             <a:r>
               <a:rPr lang="en-US" dirty="0" smtClean="0"/>
-              <a:t>How?</a:t>
+              <a:t>Challenges</a:t>
             </a:r>
             <a:endParaRPr lang="en-US" dirty="0"/>
           </a:p>
@@ -3092,16 +3415,39 @@
           <a:p>
             <a:r>
               <a:rPr lang="en-US" dirty="0" smtClean="0"/>
-              <a:t>Summarize presentation</a:t>
+              <a:t>Team must have a shared understanding of the purpose of the various test layers.</a:t>
+            </a:r>
+          </a:p>
+          <a:p>
+            <a:r>
+              <a:rPr lang="en-US" dirty="0" smtClean="0"/>
+              <a:t>Decisions must be made as to what parts of a feature to test how and in each layer.</a:t>
+            </a:r>
+          </a:p>
+          <a:p>
+            <a:r>
+              <a:rPr lang="en-US" dirty="0" smtClean="0"/>
+              <a:t>Customer participation with service level tests may be hard to obtain.</a:t>
             </a:r>
             <a:endParaRPr lang="en-US" dirty="0"/>
+          </a:p>
+          <a:p>
+            <a:r>
+              <a:rPr lang="en-US" dirty="0" smtClean="0"/>
+              <a:t>Communicatio</a:t>
+            </a:r>
+            <a:r>
+              <a:rPr lang="en-US" dirty="0" smtClean="0"/>
+              <a:t>n issues between different test authors resulting in duplication or gaps.</a:t>
+            </a:r>
+            <a:endParaRPr lang="en-US" dirty="0" smtClean="0"/>
           </a:p>
         </p:txBody>
       </p:sp>
     </p:spTree>
     <p:extLst>
       <p:ext uri="{BB962C8B-B14F-4D97-AF65-F5344CB8AC3E}">
-        <p14:creationId xmlns:p14="http://schemas.microsoft.com/office/powerpoint/2010/main" val="567372212"/>
+        <p14:creationId xmlns:p14="http://schemas.microsoft.com/office/powerpoint/2010/main" val="623930801"/>
       </p:ext>
     </p:extLst>
   </p:cSld>
@@ -3145,7 +3491,7 @@
           <a:p>
             <a:r>
               <a:rPr lang="en-US" dirty="0" smtClean="0"/>
-              <a:t>Sample feature / system</a:t>
+              <a:t>How?</a:t>
             </a:r>
             <a:endParaRPr lang="en-US" dirty="0"/>
           </a:p>
@@ -3166,14 +3512,18 @@
           <a:bodyPr/>
           <a:lstStyle/>
           <a:p>
-            <a:endParaRPr lang="en-US"/>
+            <a:r>
+              <a:rPr lang="en-US" dirty="0" smtClean="0"/>
+              <a:t>Summarize presentation</a:t>
+            </a:r>
+            <a:endParaRPr lang="en-US" dirty="0"/>
           </a:p>
         </p:txBody>
       </p:sp>
     </p:spTree>
     <p:extLst>
       <p:ext uri="{BB962C8B-B14F-4D97-AF65-F5344CB8AC3E}">
-        <p14:creationId xmlns:p14="http://schemas.microsoft.com/office/powerpoint/2010/main" val="1991789900"/>
+        <p14:creationId xmlns:p14="http://schemas.microsoft.com/office/powerpoint/2010/main" val="567372212"/>
       </p:ext>
     </p:extLst>
   </p:cSld>
@@ -3217,7 +3567,7 @@
           <a:p>
             <a:r>
               <a:rPr lang="en-US" dirty="0" smtClean="0"/>
-              <a:t>Planning</a:t>
+              <a:t>Sample feature / system</a:t>
             </a:r>
             <a:endParaRPr lang="en-US" dirty="0"/>
           </a:p>
@@ -3245,7 +3595,7 @@
     </p:spTree>
     <p:extLst>
       <p:ext uri="{BB962C8B-B14F-4D97-AF65-F5344CB8AC3E}">
-        <p14:creationId xmlns:p14="http://schemas.microsoft.com/office/powerpoint/2010/main" val="2111955063"/>
+        <p14:creationId xmlns:p14="http://schemas.microsoft.com/office/powerpoint/2010/main" val="1991789900"/>
       </p:ext>
     </p:extLst>
   </p:cSld>
@@ -3289,7 +3639,7 @@
           <a:p>
             <a:r>
               <a:rPr lang="en-US" dirty="0" smtClean="0"/>
-              <a:t>Tasks / Tests</a:t>
+              <a:t>Planning</a:t>
             </a:r>
             <a:endParaRPr lang="en-US" dirty="0"/>
           </a:p>
@@ -3317,7 +3667,7 @@
     </p:spTree>
     <p:extLst>
       <p:ext uri="{BB962C8B-B14F-4D97-AF65-F5344CB8AC3E}">
-        <p14:creationId xmlns:p14="http://schemas.microsoft.com/office/powerpoint/2010/main" val="1254851648"/>
+        <p14:creationId xmlns:p14="http://schemas.microsoft.com/office/powerpoint/2010/main" val="2111955063"/>
       </p:ext>
     </p:extLst>
   </p:cSld>
@@ -3361,7 +3711,7 @@
           <a:p>
             <a:r>
               <a:rPr lang="en-US" dirty="0" smtClean="0"/>
-              <a:t>Service Tests</a:t>
+              <a:t>Tasks / Tests</a:t>
             </a:r>
             <a:endParaRPr lang="en-US" dirty="0"/>
           </a:p>
@@ -3389,7 +3739,7 @@
     </p:spTree>
     <p:extLst>
       <p:ext uri="{BB962C8B-B14F-4D97-AF65-F5344CB8AC3E}">
-        <p14:creationId xmlns:p14="http://schemas.microsoft.com/office/powerpoint/2010/main" val="1804738836"/>
+        <p14:creationId xmlns:p14="http://schemas.microsoft.com/office/powerpoint/2010/main" val="1254851648"/>
       </p:ext>
     </p:extLst>
   </p:cSld>

--- a/Test Pyramid Presentation.pptx
+++ b/Test Pyramid Presentation.pptx
@@ -4,6 +4,9 @@
   <p:sldMasterIdLst>
     <p:sldMasterId id="2147483648" r:id="rId1"/>
   </p:sldMasterIdLst>
+  <p:notesMasterIdLst>
+    <p:notesMasterId r:id="rId16"/>
+  </p:notesMasterIdLst>
   <p:sldIdLst>
     <p:sldId id="256" r:id="rId2"/>
     <p:sldId id="257" r:id="rId3"/>
@@ -123,6 +126,440 @@
     </p:ext>
   </p:extLst>
 </p:presentation>
+</file>
+
+<file path=ppt/notesMasters/notesMaster1.xml><?xml version="1.0" encoding="utf-8"?>
+<p:notesMaster xmlns:a="http://schemas.openxmlformats.org/drawingml/2006/main" xmlns:r="http://schemas.openxmlformats.org/officeDocument/2006/relationships" xmlns:p="http://schemas.openxmlformats.org/presentationml/2006/main">
+  <p:cSld>
+    <p:bg>
+      <p:bgRef idx="1001">
+        <a:schemeClr val="bg1"/>
+      </p:bgRef>
+    </p:bg>
+    <p:spTree>
+      <p:nvGrpSpPr>
+        <p:cNvPr id="1" name=""/>
+        <p:cNvGrpSpPr/>
+        <p:nvPr/>
+      </p:nvGrpSpPr>
+      <p:grpSpPr>
+        <a:xfrm>
+          <a:off x="0" y="0"/>
+          <a:ext cx="0" cy="0"/>
+          <a:chOff x="0" y="0"/>
+          <a:chExt cx="0" cy="0"/>
+        </a:xfrm>
+      </p:grpSpPr>
+      <p:sp>
+        <p:nvSpPr>
+          <p:cNvPr id="2" name="Header Placeholder 1"/>
+          <p:cNvSpPr>
+            <a:spLocks noGrp="1"/>
+          </p:cNvSpPr>
+          <p:nvPr>
+            <p:ph type="hdr" sz="quarter"/>
+          </p:nvPr>
+        </p:nvSpPr>
+        <p:spPr>
+          <a:xfrm>
+            <a:off x="0" y="0"/>
+            <a:ext cx="2971800" cy="458788"/>
+          </a:xfrm>
+          <a:prstGeom prst="rect">
+            <a:avLst/>
+          </a:prstGeom>
+        </p:spPr>
+        <p:txBody>
+          <a:bodyPr vert="horz" lIns="91440" tIns="45720" rIns="91440" bIns="45720" rtlCol="0"/>
+          <a:lstStyle>
+            <a:lvl1pPr algn="l">
+              <a:defRPr sz="1200"/>
+            </a:lvl1pPr>
+          </a:lstStyle>
+          <a:p>
+            <a:endParaRPr lang="en-US"/>
+          </a:p>
+        </p:txBody>
+      </p:sp>
+      <p:sp>
+        <p:nvSpPr>
+          <p:cNvPr id="3" name="Date Placeholder 2"/>
+          <p:cNvSpPr>
+            <a:spLocks noGrp="1"/>
+          </p:cNvSpPr>
+          <p:nvPr>
+            <p:ph type="dt" idx="1"/>
+          </p:nvPr>
+        </p:nvSpPr>
+        <p:spPr>
+          <a:xfrm>
+            <a:off x="3884613" y="0"/>
+            <a:ext cx="2971800" cy="458788"/>
+          </a:xfrm>
+          <a:prstGeom prst="rect">
+            <a:avLst/>
+          </a:prstGeom>
+        </p:spPr>
+        <p:txBody>
+          <a:bodyPr vert="horz" lIns="91440" tIns="45720" rIns="91440" bIns="45720" rtlCol="0"/>
+          <a:lstStyle>
+            <a:lvl1pPr algn="r">
+              <a:defRPr sz="1200"/>
+            </a:lvl1pPr>
+          </a:lstStyle>
+          <a:p>
+            <a:fld id="{51E71193-F4DE-7347-96CF-6A9725F5B501}" type="datetimeFigureOut">
+              <a:rPr lang="en-US" smtClean="0"/>
+              <a:t>5/4/17</a:t>
+            </a:fld>
+            <a:endParaRPr lang="en-US"/>
+          </a:p>
+        </p:txBody>
+      </p:sp>
+      <p:sp>
+        <p:nvSpPr>
+          <p:cNvPr id="4" name="Slide Image Placeholder 3"/>
+          <p:cNvSpPr>
+            <a:spLocks noGrp="1" noRot="1" noChangeAspect="1"/>
+          </p:cNvSpPr>
+          <p:nvPr>
+            <p:ph type="sldImg" idx="2"/>
+          </p:nvPr>
+        </p:nvSpPr>
+        <p:spPr>
+          <a:xfrm>
+            <a:off x="685800" y="1143000"/>
+            <a:ext cx="5486400" cy="3086100"/>
+          </a:xfrm>
+          <a:prstGeom prst="rect">
+            <a:avLst/>
+          </a:prstGeom>
+          <a:noFill/>
+          <a:ln w="12700">
+            <a:solidFill>
+              <a:prstClr val="black"/>
+            </a:solidFill>
+          </a:ln>
+        </p:spPr>
+        <p:txBody>
+          <a:bodyPr vert="horz" lIns="91440" tIns="45720" rIns="91440" bIns="45720" rtlCol="0" anchor="ctr"/>
+          <a:lstStyle/>
+          <a:p>
+            <a:endParaRPr lang="en-US"/>
+          </a:p>
+        </p:txBody>
+      </p:sp>
+      <p:sp>
+        <p:nvSpPr>
+          <p:cNvPr id="5" name="Notes Placeholder 4"/>
+          <p:cNvSpPr>
+            <a:spLocks noGrp="1"/>
+          </p:cNvSpPr>
+          <p:nvPr>
+            <p:ph type="body" sz="quarter" idx="3"/>
+          </p:nvPr>
+        </p:nvSpPr>
+        <p:spPr>
+          <a:xfrm>
+            <a:off x="685800" y="4400550"/>
+            <a:ext cx="5486400" cy="3600450"/>
+          </a:xfrm>
+          <a:prstGeom prst="rect">
+            <a:avLst/>
+          </a:prstGeom>
+        </p:spPr>
+        <p:txBody>
+          <a:bodyPr vert="horz" lIns="91440" tIns="45720" rIns="91440" bIns="45720" rtlCol="0"/>
+          <a:lstStyle/>
+          <a:p>
+            <a:pPr lvl="0"/>
+            <a:r>
+              <a:rPr lang="en-US" smtClean="0"/>
+              <a:t>Click to edit Master text styles</a:t>
+            </a:r>
+          </a:p>
+          <a:p>
+            <a:pPr lvl="1"/>
+            <a:r>
+              <a:rPr lang="en-US" smtClean="0"/>
+              <a:t>Second level</a:t>
+            </a:r>
+          </a:p>
+          <a:p>
+            <a:pPr lvl="2"/>
+            <a:r>
+              <a:rPr lang="en-US" smtClean="0"/>
+              <a:t>Third level</a:t>
+            </a:r>
+          </a:p>
+          <a:p>
+            <a:pPr lvl="3"/>
+            <a:r>
+              <a:rPr lang="en-US" smtClean="0"/>
+              <a:t>Fourth level</a:t>
+            </a:r>
+          </a:p>
+          <a:p>
+            <a:pPr lvl="4"/>
+            <a:r>
+              <a:rPr lang="en-US" smtClean="0"/>
+              <a:t>Fifth level</a:t>
+            </a:r>
+            <a:endParaRPr lang="en-US"/>
+          </a:p>
+        </p:txBody>
+      </p:sp>
+      <p:sp>
+        <p:nvSpPr>
+          <p:cNvPr id="6" name="Footer Placeholder 5"/>
+          <p:cNvSpPr>
+            <a:spLocks noGrp="1"/>
+          </p:cNvSpPr>
+          <p:nvPr>
+            <p:ph type="ftr" sz="quarter" idx="4"/>
+          </p:nvPr>
+        </p:nvSpPr>
+        <p:spPr>
+          <a:xfrm>
+            <a:off x="0" y="8685213"/>
+            <a:ext cx="2971800" cy="458787"/>
+          </a:xfrm>
+          <a:prstGeom prst="rect">
+            <a:avLst/>
+          </a:prstGeom>
+        </p:spPr>
+        <p:txBody>
+          <a:bodyPr vert="horz" lIns="91440" tIns="45720" rIns="91440" bIns="45720" rtlCol="0" anchor="b"/>
+          <a:lstStyle>
+            <a:lvl1pPr algn="l">
+              <a:defRPr sz="1200"/>
+            </a:lvl1pPr>
+          </a:lstStyle>
+          <a:p>
+            <a:endParaRPr lang="en-US"/>
+          </a:p>
+        </p:txBody>
+      </p:sp>
+      <p:sp>
+        <p:nvSpPr>
+          <p:cNvPr id="7" name="Slide Number Placeholder 6"/>
+          <p:cNvSpPr>
+            <a:spLocks noGrp="1"/>
+          </p:cNvSpPr>
+          <p:nvPr>
+            <p:ph type="sldNum" sz="quarter" idx="5"/>
+          </p:nvPr>
+        </p:nvSpPr>
+        <p:spPr>
+          <a:xfrm>
+            <a:off x="3884613" y="8685213"/>
+            <a:ext cx="2971800" cy="458787"/>
+          </a:xfrm>
+          <a:prstGeom prst="rect">
+            <a:avLst/>
+          </a:prstGeom>
+        </p:spPr>
+        <p:txBody>
+          <a:bodyPr vert="horz" lIns="91440" tIns="45720" rIns="91440" bIns="45720" rtlCol="0" anchor="b"/>
+          <a:lstStyle>
+            <a:lvl1pPr algn="r">
+              <a:defRPr sz="1200"/>
+            </a:lvl1pPr>
+          </a:lstStyle>
+          <a:p>
+            <a:fld id="{C0CB0DF1-2E1C-3F45-9F83-336FA6343465}" type="slidenum">
+              <a:rPr lang="en-US" smtClean="0"/>
+              <a:t>‹#›</a:t>
+            </a:fld>
+            <a:endParaRPr lang="en-US"/>
+          </a:p>
+        </p:txBody>
+      </p:sp>
+    </p:spTree>
+    <p:extLst>
+      <p:ext uri="{BB962C8B-B14F-4D97-AF65-F5344CB8AC3E}">
+        <p14:creationId xmlns:p14="http://schemas.microsoft.com/office/powerpoint/2010/main" val="1296692451"/>
+      </p:ext>
+    </p:extLst>
+  </p:cSld>
+  <p:clrMap bg1="lt1" tx1="dk1" bg2="lt2" tx2="dk2" accent1="accent1" accent2="accent2" accent3="accent3" accent4="accent4" accent5="accent5" accent6="accent6" hlink="hlink" folHlink="folHlink"/>
+  <p:notesStyle>
+    <a:lvl1pPr marL="0" algn="l" defTabSz="914400" rtl="0" eaLnBrk="1" latinLnBrk="0" hangingPunct="1">
+      <a:defRPr sz="1200" kern="1200">
+        <a:solidFill>
+          <a:schemeClr val="tx1"/>
+        </a:solidFill>
+        <a:latin typeface="+mn-lt"/>
+        <a:ea typeface="+mn-ea"/>
+        <a:cs typeface="+mn-cs"/>
+      </a:defRPr>
+    </a:lvl1pPr>
+    <a:lvl2pPr marL="457200" algn="l" defTabSz="914400" rtl="0" eaLnBrk="1" latinLnBrk="0" hangingPunct="1">
+      <a:defRPr sz="1200" kern="1200">
+        <a:solidFill>
+          <a:schemeClr val="tx1"/>
+        </a:solidFill>
+        <a:latin typeface="+mn-lt"/>
+        <a:ea typeface="+mn-ea"/>
+        <a:cs typeface="+mn-cs"/>
+      </a:defRPr>
+    </a:lvl2pPr>
+    <a:lvl3pPr marL="914400" algn="l" defTabSz="914400" rtl="0" eaLnBrk="1" latinLnBrk="0" hangingPunct="1">
+      <a:defRPr sz="1200" kern="1200">
+        <a:solidFill>
+          <a:schemeClr val="tx1"/>
+        </a:solidFill>
+        <a:latin typeface="+mn-lt"/>
+        <a:ea typeface="+mn-ea"/>
+        <a:cs typeface="+mn-cs"/>
+      </a:defRPr>
+    </a:lvl3pPr>
+    <a:lvl4pPr marL="1371600" algn="l" defTabSz="914400" rtl="0" eaLnBrk="1" latinLnBrk="0" hangingPunct="1">
+      <a:defRPr sz="1200" kern="1200">
+        <a:solidFill>
+          <a:schemeClr val="tx1"/>
+        </a:solidFill>
+        <a:latin typeface="+mn-lt"/>
+        <a:ea typeface="+mn-ea"/>
+        <a:cs typeface="+mn-cs"/>
+      </a:defRPr>
+    </a:lvl4pPr>
+    <a:lvl5pPr marL="1828800" algn="l" defTabSz="914400" rtl="0" eaLnBrk="1" latinLnBrk="0" hangingPunct="1">
+      <a:defRPr sz="1200" kern="1200">
+        <a:solidFill>
+          <a:schemeClr val="tx1"/>
+        </a:solidFill>
+        <a:latin typeface="+mn-lt"/>
+        <a:ea typeface="+mn-ea"/>
+        <a:cs typeface="+mn-cs"/>
+      </a:defRPr>
+    </a:lvl5pPr>
+    <a:lvl6pPr marL="2286000" algn="l" defTabSz="914400" rtl="0" eaLnBrk="1" latinLnBrk="0" hangingPunct="1">
+      <a:defRPr sz="1200" kern="1200">
+        <a:solidFill>
+          <a:schemeClr val="tx1"/>
+        </a:solidFill>
+        <a:latin typeface="+mn-lt"/>
+        <a:ea typeface="+mn-ea"/>
+        <a:cs typeface="+mn-cs"/>
+      </a:defRPr>
+    </a:lvl6pPr>
+    <a:lvl7pPr marL="2743200" algn="l" defTabSz="914400" rtl="0" eaLnBrk="1" latinLnBrk="0" hangingPunct="1">
+      <a:defRPr sz="1200" kern="1200">
+        <a:solidFill>
+          <a:schemeClr val="tx1"/>
+        </a:solidFill>
+        <a:latin typeface="+mn-lt"/>
+        <a:ea typeface="+mn-ea"/>
+        <a:cs typeface="+mn-cs"/>
+      </a:defRPr>
+    </a:lvl7pPr>
+    <a:lvl8pPr marL="3200400" algn="l" defTabSz="914400" rtl="0" eaLnBrk="1" latinLnBrk="0" hangingPunct="1">
+      <a:defRPr sz="1200" kern="1200">
+        <a:solidFill>
+          <a:schemeClr val="tx1"/>
+        </a:solidFill>
+        <a:latin typeface="+mn-lt"/>
+        <a:ea typeface="+mn-ea"/>
+        <a:cs typeface="+mn-cs"/>
+      </a:defRPr>
+    </a:lvl8pPr>
+    <a:lvl9pPr marL="3657600" algn="l" defTabSz="914400" rtl="0" eaLnBrk="1" latinLnBrk="0" hangingPunct="1">
+      <a:defRPr sz="1200" kern="1200">
+        <a:solidFill>
+          <a:schemeClr val="tx1"/>
+        </a:solidFill>
+        <a:latin typeface="+mn-lt"/>
+        <a:ea typeface="+mn-ea"/>
+        <a:cs typeface="+mn-cs"/>
+      </a:defRPr>
+    </a:lvl9pPr>
+  </p:notesStyle>
+</p:notesMaster>
+</file>
+
+<file path=ppt/notesSlides/notesSlide1.xml><?xml version="1.0" encoding="utf-8"?>
+<p:notes xmlns:a="http://schemas.openxmlformats.org/drawingml/2006/main" xmlns:r="http://schemas.openxmlformats.org/officeDocument/2006/relationships" xmlns:p="http://schemas.openxmlformats.org/presentationml/2006/main">
+  <p:cSld>
+    <p:spTree>
+      <p:nvGrpSpPr>
+        <p:cNvPr id="1" name=""/>
+        <p:cNvGrpSpPr/>
+        <p:nvPr/>
+      </p:nvGrpSpPr>
+      <p:grpSpPr>
+        <a:xfrm>
+          <a:off x="0" y="0"/>
+          <a:ext cx="0" cy="0"/>
+          <a:chOff x="0" y="0"/>
+          <a:chExt cx="0" cy="0"/>
+        </a:xfrm>
+      </p:grpSpPr>
+      <p:sp>
+        <p:nvSpPr>
+          <p:cNvPr id="2" name="Slide Image Placeholder 1"/>
+          <p:cNvSpPr>
+            <a:spLocks noGrp="1" noRot="1" noChangeAspect="1"/>
+          </p:cNvSpPr>
+          <p:nvPr>
+            <p:ph type="sldImg"/>
+          </p:nvPr>
+        </p:nvSpPr>
+        <p:spPr/>
+      </p:sp>
+      <p:sp>
+        <p:nvSpPr>
+          <p:cNvPr id="3" name="Notes Placeholder 2"/>
+          <p:cNvSpPr>
+            <a:spLocks noGrp="1"/>
+          </p:cNvSpPr>
+          <p:nvPr>
+            <p:ph type="body" idx="1"/>
+          </p:nvPr>
+        </p:nvSpPr>
+        <p:spPr/>
+        <p:txBody>
+          <a:bodyPr/>
+          <a:lstStyle/>
+          <a:p>
+            <a:endParaRPr lang="en-US" dirty="0"/>
+          </a:p>
+        </p:txBody>
+      </p:sp>
+      <p:sp>
+        <p:nvSpPr>
+          <p:cNvPr id="4" name="Slide Number Placeholder 3"/>
+          <p:cNvSpPr>
+            <a:spLocks noGrp="1"/>
+          </p:cNvSpPr>
+          <p:nvPr>
+            <p:ph type="sldNum" sz="quarter" idx="10"/>
+          </p:nvPr>
+        </p:nvSpPr>
+        <p:spPr/>
+        <p:txBody>
+          <a:bodyPr/>
+          <a:lstStyle/>
+          <a:p>
+            <a:fld id="{C0CB0DF1-2E1C-3F45-9F83-336FA6343465}" type="slidenum">
+              <a:rPr lang="en-US" smtClean="0"/>
+              <a:t>1</a:t>
+            </a:fld>
+            <a:endParaRPr lang="en-US"/>
+          </a:p>
+        </p:txBody>
+      </p:sp>
+    </p:spTree>
+    <p:extLst>
+      <p:ext uri="{BB962C8B-B14F-4D97-AF65-F5344CB8AC3E}">
+        <p14:creationId xmlns:p14="http://schemas.microsoft.com/office/powerpoint/2010/main" val="845974201"/>
+      </p:ext>
+    </p:extLst>
+  </p:cSld>
+  <p:clrMapOvr>
+    <a:masterClrMapping/>
+  </p:clrMapOvr>
+</p:notes>
 </file>
 
 <file path=ppt/slideLayouts/slideLayout1.xml><?xml version="1.0" encoding="utf-8"?>
@@ -2234,11 +2671,7 @@
           <a:p>
             <a:r>
               <a:rPr lang="en-US" sz="5100" dirty="0" smtClean="0"/>
-              <a:t>Jim </a:t>
-            </a:r>
-            <a:r>
-              <a:rPr lang="en-US" sz="5100" dirty="0" smtClean="0"/>
-              <a:t>Weaver</a:t>
+              <a:t>Jim Weaver</a:t>
             </a:r>
           </a:p>
           <a:p>
@@ -2246,7 +2679,6 @@
               <a:rPr lang="en-US" sz="5100" dirty="0" smtClean="0"/>
               <a:t>Vanderbilt University Medical Center</a:t>
             </a:r>
-            <a:endParaRPr lang="en-US" sz="5100" dirty="0" smtClean="0"/>
           </a:p>
           <a:p>
             <a:r>
@@ -2461,37 +2893,37 @@
           <a:p>
             <a:r>
               <a:rPr lang="en-US" dirty="0">
-                <a:hlinkClick r:id="rId2"/>
+                <a:hlinkClick r:id="rId3"/>
               </a:rPr>
               <a:t>https://</a:t>
             </a:r>
             <a:r>
               <a:rPr lang="en-US" dirty="0" err="1">
-                <a:hlinkClick r:id="rId2"/>
+                <a:hlinkClick r:id="rId3"/>
               </a:rPr>
               <a:t>github.com</a:t>
             </a:r>
             <a:r>
               <a:rPr lang="en-US" dirty="0">
-                <a:hlinkClick r:id="rId2"/>
+                <a:hlinkClick r:id="rId3"/>
               </a:rPr>
               <a:t>/</a:t>
             </a:r>
             <a:r>
               <a:rPr lang="en-US" dirty="0" err="1">
-                <a:hlinkClick r:id="rId2"/>
+                <a:hlinkClick r:id="rId3"/>
               </a:rPr>
               <a:t>weaverj</a:t>
             </a:r>
             <a:r>
               <a:rPr lang="en-US" dirty="0">
-                <a:hlinkClick r:id="rId2"/>
+                <a:hlinkClick r:id="rId3"/>
               </a:rPr>
               <a:t>/</a:t>
             </a:r>
             <a:r>
               <a:rPr lang="en-US" dirty="0" err="1">
-                <a:hlinkClick r:id="rId2"/>
+                <a:hlinkClick r:id="rId3"/>
               </a:rPr>
               <a:t>testpyramidexample</a:t>
             </a:r>
@@ -3107,6 +3539,101 @@
           </a:xfrm>
         </p:spPr>
       </p:pic>
+      <p:sp>
+        <p:nvSpPr>
+          <p:cNvPr id="5" name="Rectangle 4"/>
+          <p:cNvSpPr/>
+          <p:nvPr/>
+        </p:nvSpPr>
+        <p:spPr>
+          <a:xfrm>
+            <a:off x="708074" y="1690688"/>
+            <a:ext cx="4496972" cy="4893647"/>
+          </a:xfrm>
+          <a:prstGeom prst="rect">
+            <a:avLst/>
+          </a:prstGeom>
+        </p:spPr>
+        <p:txBody>
+          <a:bodyPr wrap="square">
+            <a:spAutoFit/>
+          </a:bodyPr>
+          <a:lstStyle/>
+          <a:p>
+            <a:pPr marL="285750" marR="0" lvl="0" indent="-285750" defTabSz="914400" eaLnBrk="1" fontAlgn="auto" latinLnBrk="0" hangingPunct="1">
+              <a:lnSpc>
+                <a:spcPct val="100000"/>
+              </a:lnSpc>
+              <a:spcBef>
+                <a:spcPts val="0"/>
+              </a:spcBef>
+              <a:spcAft>
+                <a:spcPts val="0"/>
+              </a:spcAft>
+              <a:buClrTx/>
+              <a:buSzTx/>
+              <a:buFont typeface="Arial" charset="0"/>
+              <a:buChar char="•"/>
+              <a:tabLst/>
+              <a:defRPr/>
+            </a:pPr>
+            <a:r>
+              <a:rPr lang="en-US" sz="2400" dirty="0" smtClean="0"/>
+              <a:t>Many teams observed with high percentage of automated tests through the UI.</a:t>
+            </a:r>
+          </a:p>
+          <a:p>
+            <a:pPr marL="285750" marR="0" lvl="0" indent="-285750" defTabSz="914400" eaLnBrk="1" fontAlgn="auto" latinLnBrk="0" hangingPunct="1">
+              <a:lnSpc>
+                <a:spcPct val="100000"/>
+              </a:lnSpc>
+              <a:spcBef>
+                <a:spcPts val="0"/>
+              </a:spcBef>
+              <a:spcAft>
+                <a:spcPts val="0"/>
+              </a:spcAft>
+              <a:buClrTx/>
+              <a:buSzTx/>
+              <a:buFont typeface="Arial" charset="0"/>
+              <a:buChar char="•"/>
+              <a:tabLst/>
+              <a:defRPr/>
+            </a:pPr>
+            <a:r>
+              <a:rPr lang="en-US" sz="2400" dirty="0" smtClean="0"/>
+              <a:t>UI tests are slower, more brittle, expensive.</a:t>
+            </a:r>
+          </a:p>
+          <a:p>
+            <a:pPr marL="285750" indent="-285750">
+              <a:buFont typeface="Arial" charset="0"/>
+              <a:buChar char="•"/>
+            </a:pPr>
+            <a:r>
+              <a:rPr lang="en-US" sz="2400" dirty="0" smtClean="0"/>
+              <a:t>Unit tests are easy for developers to write, usually in same language as application.</a:t>
+            </a:r>
+          </a:p>
+          <a:p>
+            <a:pPr marL="285750" indent="-285750">
+              <a:buFont typeface="Arial" charset="0"/>
+              <a:buChar char="•"/>
+            </a:pPr>
+            <a:r>
+              <a:rPr lang="en-US" sz="2400" dirty="0" smtClean="0"/>
+              <a:t>Application logic can be tested independent of UI in Service level tests - few teams observed doing this.</a:t>
+            </a:r>
+          </a:p>
+          <a:p>
+            <a:pPr marL="285750" indent="-285750">
+              <a:buFont typeface="Arial" charset="0"/>
+              <a:buChar char="•"/>
+            </a:pPr>
+            <a:endParaRPr lang="en-US" sz="2400" dirty="0" smtClean="0"/>
+          </a:p>
+        </p:txBody>
+      </p:sp>
     </p:spTree>
     <p:extLst>
       <p:ext uri="{BB962C8B-B14F-4D97-AF65-F5344CB8AC3E}">
@@ -3178,27 +3705,39 @@
             <p:ph idx="1"/>
             <p:extLst>
               <p:ext uri="{D42A27DB-BD31-4B8C-83A1-F6EECF244321}">
-                <p14:modId xmlns:p14="http://schemas.microsoft.com/office/powerpoint/2010/main" val="1586008149"/>
+                <p14:modId xmlns:p14="http://schemas.microsoft.com/office/powerpoint/2010/main" val="1231615142"/>
               </p:ext>
             </p:extLst>
           </p:nvPr>
         </p:nvGraphicFramePr>
         <p:xfrm>
           <a:off x="838200" y="1825625"/>
-          <a:ext cx="10359684" cy="3154340"/>
+          <a:ext cx="10359684" cy="3280155"/>
         </p:xfrm>
         <a:graphic>
           <a:graphicData uri="http://schemas.openxmlformats.org/drawingml/2006/table">
             <a:tbl>
-              <a:tblPr firstRow="1" bandRow="1">
+              <a:tblPr firstRow="1" firstCol="1" bandRow="1">
                 <a:tableStyleId>{5C22544A-7EE6-4342-B048-85BDC9FD1C3A}</a:tableStyleId>
               </a:tblPr>
               <a:tblGrid>
-                <a:gridCol w="3453228"/>
-                <a:gridCol w="3453228"/>
-                <a:gridCol w="3453228"/>
+                <a:gridCol w="2589921"/>
+                <a:gridCol w="2589921"/>
+                <a:gridCol w="2589921"/>
+                <a:gridCol w="2589921"/>
               </a:tblGrid>
               <a:tr h="788585">
+                <a:tc>
+                  <a:txBody>
+                    <a:bodyPr/>
+                    <a:lstStyle/>
+                    <a:p>
+                      <a:pPr algn="ctr"/>
+                      <a:endParaRPr lang="en-US" sz="2800" dirty="0"/>
+                    </a:p>
+                  </a:txBody>
+                  <a:tcPr/>
+                </a:tc>
                 <a:tc>
                   <a:txBody>
                     <a:bodyPr/>
@@ -3251,6 +3790,10 @@
                     <a:bodyPr/>
                     <a:lstStyle/>
                     <a:p>
+                      <a:r>
+                        <a:rPr lang="en-US" dirty="0" smtClean="0"/>
+                        <a:t>Appropriate Purpose</a:t>
+                      </a:r>
                       <a:endParaRPr lang="en-US" dirty="0"/>
                     </a:p>
                   </a:txBody>
@@ -3261,7 +3804,11 @@
                     <a:bodyPr/>
                     <a:lstStyle/>
                     <a:p>
-                      <a:endParaRPr lang="en-US"/>
+                      <a:r>
+                        <a:rPr lang="en-US" dirty="0" smtClean="0"/>
+                        <a:t>Test Units of Code, Aid with Design and Code Quality</a:t>
+                      </a:r>
+                      <a:endParaRPr lang="en-US" dirty="0"/>
                     </a:p>
                   </a:txBody>
                   <a:tcPr/>
@@ -3271,7 +3818,25 @@
                     <a:bodyPr/>
                     <a:lstStyle/>
                     <a:p>
-                      <a:endParaRPr lang="en-US"/>
+                      <a:r>
+                        <a:rPr lang="en-US" dirty="0" smtClean="0"/>
+                        <a:t>Test Business Logic / Services</a:t>
+                      </a:r>
+                      <a:endParaRPr lang="en-US" dirty="0"/>
+                    </a:p>
+                  </a:txBody>
+                  <a:tcPr/>
+                </a:tc>
+                <a:tc>
+                  <a:txBody>
+                    <a:bodyPr/>
+                    <a:lstStyle/>
+                    <a:p>
+                      <a:r>
+                        <a:rPr lang="en-US" dirty="0" smtClean="0"/>
+                        <a:t>Test the User Interface</a:t>
+                      </a:r>
+                      <a:endParaRPr lang="en-US" dirty="0"/>
                     </a:p>
                   </a:txBody>
                   <a:tcPr/>
@@ -3283,7 +3848,11 @@
                     <a:bodyPr/>
                     <a:lstStyle/>
                     <a:p>
-                      <a:endParaRPr lang="en-US"/>
+                      <a:r>
+                        <a:rPr lang="en-US" dirty="0" smtClean="0"/>
+                        <a:t>Authors</a:t>
+                      </a:r>
+                      <a:endParaRPr lang="en-US" dirty="0"/>
                     </a:p>
                   </a:txBody>
                   <a:tcPr/>
@@ -3293,7 +3862,11 @@
                     <a:bodyPr/>
                     <a:lstStyle/>
                     <a:p>
-                      <a:endParaRPr lang="en-US"/>
+                      <a:r>
+                        <a:rPr lang="en-US" dirty="0" smtClean="0"/>
+                        <a:t>Developers</a:t>
+                      </a:r>
+                      <a:endParaRPr lang="en-US" dirty="0"/>
                     </a:p>
                   </a:txBody>
                   <a:tcPr/>
@@ -3303,7 +3876,29 @@
                     <a:bodyPr/>
                     <a:lstStyle/>
                     <a:p>
-                      <a:endParaRPr lang="en-US"/>
+                      <a:r>
+                        <a:rPr lang="en-US" dirty="0" smtClean="0"/>
+                        <a:t>Customers</a:t>
+                      </a:r>
+                      <a:r>
+                        <a:rPr lang="en-US" baseline="0" dirty="0" smtClean="0"/>
+                        <a:t> and Developers</a:t>
+                      </a:r>
+                      <a:endParaRPr lang="en-US" dirty="0"/>
+                    </a:p>
+                  </a:txBody>
+                  <a:tcPr/>
+                </a:tc>
+                <a:tc>
+                  <a:txBody>
+                    <a:bodyPr/>
+                    <a:lstStyle/>
+                    <a:p>
+                      <a:r>
+                        <a:rPr lang="en-US" dirty="0" smtClean="0"/>
+                        <a:t>QA automation or Developers</a:t>
+                      </a:r>
+                      <a:endParaRPr lang="en-US" dirty="0"/>
                     </a:p>
                   </a:txBody>
                   <a:tcPr/>
@@ -3315,7 +3910,15 @@
                     <a:bodyPr/>
                     <a:lstStyle/>
                     <a:p>
-                      <a:endParaRPr lang="en-US"/>
+                      <a:r>
+                        <a:rPr lang="en-US" dirty="0" smtClean="0"/>
+                        <a:t>Speed</a:t>
+                      </a:r>
+                      <a:r>
+                        <a:rPr lang="en-US" baseline="0" dirty="0" smtClean="0"/>
+                        <a:t> / Cost</a:t>
+                      </a:r>
+                      <a:endParaRPr lang="en-US" dirty="0"/>
                     </a:p>
                   </a:txBody>
                   <a:tcPr/>
@@ -3325,7 +3928,11 @@
                     <a:bodyPr/>
                     <a:lstStyle/>
                     <a:p>
-                      <a:endParaRPr lang="en-US"/>
+                      <a:r>
+                        <a:rPr lang="en-US" dirty="0" smtClean="0"/>
+                        <a:t>Fast / Low</a:t>
+                      </a:r>
+                      <a:endParaRPr lang="en-US" dirty="0"/>
                     </a:p>
                   </a:txBody>
                   <a:tcPr/>
@@ -3335,6 +3942,28 @@
                     <a:bodyPr/>
                     <a:lstStyle/>
                     <a:p>
+                      <a:r>
+                        <a:rPr lang="en-US" dirty="0" smtClean="0"/>
+                        <a:t>Fast to Medium /</a:t>
+                      </a:r>
+                      <a:r>
+                        <a:rPr lang="en-US" baseline="0" dirty="0" smtClean="0"/>
+                        <a:t> Medium</a:t>
+                      </a:r>
+                      <a:endParaRPr lang="en-US" dirty="0"/>
+                    </a:p>
+                  </a:txBody>
+                  <a:tcPr/>
+                </a:tc>
+                <a:tc>
+                  <a:txBody>
+                    <a:bodyPr/>
+                    <a:lstStyle/>
+                    <a:p>
+                      <a:r>
+                        <a:rPr lang="en-US" dirty="0" smtClean="0"/>
+                        <a:t>Slow / High</a:t>
+                      </a:r>
                       <a:endParaRPr lang="en-US" dirty="0"/>
                     </a:p>
                   </a:txBody>
@@ -3345,6 +3974,40 @@
           </a:graphicData>
         </a:graphic>
       </p:graphicFrame>
+      <p:sp>
+        <p:nvSpPr>
+          <p:cNvPr id="6" name="TextBox 5"/>
+          <p:cNvSpPr txBox="1"/>
+          <p:nvPr/>
+        </p:nvSpPr>
+        <p:spPr>
+          <a:xfrm>
+            <a:off x="950494" y="5462337"/>
+            <a:ext cx="10219272" cy="369332"/>
+          </a:xfrm>
+          <a:prstGeom prst="rect">
+            <a:avLst/>
+          </a:prstGeom>
+          <a:noFill/>
+        </p:spPr>
+        <p:txBody>
+          <a:bodyPr wrap="none" rtlCol="0">
+            <a:spAutoFit/>
+          </a:bodyPr>
+          <a:lstStyle/>
+          <a:p>
+            <a:r>
+              <a:rPr lang="en-US" dirty="0" err="1" smtClean="0"/>
+              <a:t>Orthagonal</a:t>
+            </a:r>
+            <a:r>
+              <a:rPr lang="en-US" dirty="0" smtClean="0"/>
+              <a:t> Concepts: Integration Tests, End to End tests.  Decide what the above layers mean to your team.</a:t>
+            </a:r>
+            <a:endParaRPr lang="en-US" dirty="0"/>
+          </a:p>
+        </p:txBody>
+      </p:sp>
     </p:spTree>
     <p:extLst>
       <p:ext uri="{BB962C8B-B14F-4D97-AF65-F5344CB8AC3E}">
@@ -3434,13 +4097,8 @@
           <a:p>
             <a:r>
               <a:rPr lang="en-US" dirty="0" smtClean="0"/>
-              <a:t>Communicatio</a:t>
-            </a:r>
-            <a:r>
-              <a:rPr lang="en-US" dirty="0" smtClean="0"/>
-              <a:t>n issues between different test authors resulting in duplication or gaps.</a:t>
-            </a:r>
-            <a:endParaRPr lang="en-US" dirty="0" smtClean="0"/>
+              <a:t>Communication issues between different test authors resulting in duplication or gaps.</a:t>
+            </a:r>
           </a:p>
         </p:txBody>
       </p:sp>
@@ -3486,35 +4144,55 @@
         </p:nvSpPr>
         <p:spPr/>
         <p:txBody>
+          <a:bodyPr>
+            <a:normAutofit/>
+          </a:bodyPr>
+          <a:lstStyle/>
+          <a:p>
+            <a:r>
+              <a:rPr lang="en-US" sz="4000" dirty="0" smtClean="0"/>
+              <a:t>Test Pyramid For a Prescribing Application Feature</a:t>
+            </a:r>
+            <a:endParaRPr lang="en-US" sz="4000" dirty="0"/>
+          </a:p>
+        </p:txBody>
+      </p:sp>
+      <p:sp>
+        <p:nvSpPr>
+          <p:cNvPr id="3" name="Content Placeholder 2"/>
+          <p:cNvSpPr>
+            <a:spLocks noGrp="1"/>
+          </p:cNvSpPr>
+          <p:nvPr>
+            <p:ph idx="1"/>
+          </p:nvPr>
+        </p:nvSpPr>
+        <p:spPr/>
+        <p:txBody>
           <a:bodyPr/>
           <a:lstStyle/>
           <a:p>
             <a:r>
               <a:rPr lang="en-US" dirty="0" smtClean="0"/>
-              <a:t>How?</a:t>
-            </a:r>
-            <a:endParaRPr lang="en-US" dirty="0"/>
-          </a:p>
-        </p:txBody>
-      </p:sp>
-      <p:sp>
-        <p:nvSpPr>
-          <p:cNvPr id="3" name="Content Placeholder 2"/>
-          <p:cNvSpPr>
-            <a:spLocks noGrp="1"/>
-          </p:cNvSpPr>
-          <p:nvPr>
-            <p:ph idx="1"/>
-          </p:nvPr>
-        </p:nvSpPr>
-        <p:spPr/>
-        <p:txBody>
-          <a:bodyPr/>
-          <a:lstStyle/>
+              <a:t>Examine how a team distributed tests for a feature of a real medication prescribing application.</a:t>
+            </a:r>
+          </a:p>
           <a:p>
             <a:r>
               <a:rPr lang="en-US" dirty="0" smtClean="0"/>
-              <a:t>Summarize presentation</a:t>
+              <a:t>Discuss process, team composition, technical tools used.</a:t>
+            </a:r>
+          </a:p>
+          <a:p>
+            <a:r>
+              <a:rPr lang="en-US" dirty="0" smtClean="0"/>
+              <a:t>Look at and run working code and tests in the various layers in a demo application based on the production prescribing application.</a:t>
+            </a:r>
+          </a:p>
+          <a:p>
+            <a:r>
+              <a:rPr lang="en-US" dirty="0" smtClean="0"/>
+              <a:t>Prescribing Application is a web-based application with a rich front-end with most business logic implemented on back-end server.</a:t>
             </a:r>
             <a:endParaRPr lang="en-US" dirty="0"/>
           </a:p>
@@ -3567,7 +4245,7 @@
           <a:p>
             <a:r>
               <a:rPr lang="en-US" dirty="0" smtClean="0"/>
-              <a:t>Sample feature / system</a:t>
+              <a:t>Prescribing Feature:  Limit Opiate Rx Duration</a:t>
             </a:r>
             <a:endParaRPr lang="en-US" dirty="0"/>
           </a:p>
@@ -3588,7 +4266,7 @@
           <a:bodyPr/>
           <a:lstStyle/>
           <a:p>
-            <a:endParaRPr lang="en-US"/>
+            <a:endParaRPr lang="en-US" dirty="0"/>
           </a:p>
         </p:txBody>
       </p:sp>
@@ -4008,4 +4686,265 @@
     </a:ext>
   </a:extLst>
 </a:theme>
+</file>
+
+<file path=ppt/theme/theme2.xml><?xml version="1.0" encoding="utf-8"?>
+<a:theme xmlns:a="http://schemas.openxmlformats.org/drawingml/2006/main" name="Office Theme">
+  <a:themeElements>
+    <a:clrScheme name="Office">
+      <a:dk1>
+        <a:sysClr val="windowText" lastClr="000000"/>
+      </a:dk1>
+      <a:lt1>
+        <a:sysClr val="window" lastClr="FFFFFF"/>
+      </a:lt1>
+      <a:dk2>
+        <a:srgbClr val="44546A"/>
+      </a:dk2>
+      <a:lt2>
+        <a:srgbClr val="E7E6E6"/>
+      </a:lt2>
+      <a:accent1>
+        <a:srgbClr val="4472C4"/>
+      </a:accent1>
+      <a:accent2>
+        <a:srgbClr val="ED7D31"/>
+      </a:accent2>
+      <a:accent3>
+        <a:srgbClr val="A5A5A5"/>
+      </a:accent3>
+      <a:accent4>
+        <a:srgbClr val="FFC000"/>
+      </a:accent4>
+      <a:accent5>
+        <a:srgbClr val="5B9BD5"/>
+      </a:accent5>
+      <a:accent6>
+        <a:srgbClr val="70AD47"/>
+      </a:accent6>
+      <a:hlink>
+        <a:srgbClr val="0563C1"/>
+      </a:hlink>
+      <a:folHlink>
+        <a:srgbClr val="954F72"/>
+      </a:folHlink>
+    </a:clrScheme>
+    <a:fontScheme name="Office">
+      <a:majorFont>
+        <a:latin typeface="Calibri Light" panose="020F0302020204030204"/>
+        <a:ea typeface=""/>
+        <a:cs typeface=""/>
+        <a:font script="Jpan" typeface="Yu Gothic Light"/>
+        <a:font script="Hang" typeface="맑은 고딕"/>
+        <a:font script="Hans" typeface="DengXian Light"/>
+        <a:font script="Hant" typeface="新細明體"/>
+        <a:font script="Arab" typeface="Times New Roman"/>
+        <a:font script="Hebr" typeface="Times New Roman"/>
+        <a:font script="Thai" typeface="Angsana New"/>
+        <a:font script="Ethi" typeface="Nyala"/>
+        <a:font script="Beng" typeface="Vrinda"/>
+        <a:font script="Gujr" typeface="Shruti"/>
+        <a:font script="Khmr" typeface="MoolBoran"/>
+        <a:font script="Knda" typeface="Tunga"/>
+        <a:font script="Guru" typeface="Raavi"/>
+        <a:font script="Cans" typeface="Euphemia"/>
+        <a:font script="Cher" typeface="Plantagenet Cherokee"/>
+        <a:font script="Yiii" typeface="Microsoft Yi Baiti"/>
+        <a:font script="Tibt" typeface="Microsoft Himalaya"/>
+        <a:font script="Thaa" typeface="MV Boli"/>
+        <a:font script="Deva" typeface="Mangal"/>
+        <a:font script="Telu" typeface="Gautami"/>
+        <a:font script="Taml" typeface="Latha"/>
+        <a:font script="Syrc" typeface="Estrangelo Edessa"/>
+        <a:font script="Orya" typeface="Kalinga"/>
+        <a:font script="Mlym" typeface="Kartika"/>
+        <a:font script="Laoo" typeface="DokChampa"/>
+        <a:font script="Sinh" typeface="Iskoola Pota"/>
+        <a:font script="Mong" typeface="Mongolian Baiti"/>
+        <a:font script="Viet" typeface="Times New Roman"/>
+        <a:font script="Uigh" typeface="Microsoft Uighur"/>
+        <a:font script="Geor" typeface="Sylfaen"/>
+      </a:majorFont>
+      <a:minorFont>
+        <a:latin typeface="Calibri" panose="020F0502020204030204"/>
+        <a:ea typeface=""/>
+        <a:cs typeface=""/>
+        <a:font script="Jpan" typeface="Yu Gothic"/>
+        <a:font script="Hang" typeface="맑은 고딕"/>
+        <a:font script="Hans" typeface="DengXian"/>
+        <a:font script="Hant" typeface="新細明體"/>
+        <a:font script="Arab" typeface="Arial"/>
+        <a:font script="Hebr" typeface="Arial"/>
+        <a:font script="Thai" typeface="Cordia New"/>
+        <a:font script="Ethi" typeface="Nyala"/>
+        <a:font script="Beng" typeface="Vrinda"/>
+        <a:font script="Gujr" typeface="Shruti"/>
+        <a:font script="Khmr" typeface="DaunPenh"/>
+        <a:font script="Knda" typeface="Tunga"/>
+        <a:font script="Guru" typeface="Raavi"/>
+        <a:font script="Cans" typeface="Euphemia"/>
+        <a:font script="Cher" typeface="Plantagenet Cherokee"/>
+        <a:font script="Yiii" typeface="Microsoft Yi Baiti"/>
+        <a:font script="Tibt" typeface="Microsoft Himalaya"/>
+        <a:font script="Thaa" typeface="MV Boli"/>
+        <a:font script="Deva" typeface="Mangal"/>
+        <a:font script="Telu" typeface="Gautami"/>
+        <a:font script="Taml" typeface="Latha"/>
+        <a:font script="Syrc" typeface="Estrangelo Edessa"/>
+        <a:font script="Orya" typeface="Kalinga"/>
+        <a:font script="Mlym" typeface="Kartika"/>
+        <a:font script="Laoo" typeface="DokChampa"/>
+        <a:font script="Sinh" typeface="Iskoola Pota"/>
+        <a:font script="Mong" typeface="Mongolian Baiti"/>
+        <a:font script="Viet" typeface="Arial"/>
+        <a:font script="Uigh" typeface="Microsoft Uighur"/>
+        <a:font script="Geor" typeface="Sylfaen"/>
+      </a:minorFont>
+    </a:fontScheme>
+    <a:fmtScheme name="Office">
+      <a:fillStyleLst>
+        <a:solidFill>
+          <a:schemeClr val="phClr"/>
+        </a:solidFill>
+        <a:gradFill rotWithShape="1">
+          <a:gsLst>
+            <a:gs pos="0">
+              <a:schemeClr val="phClr">
+                <a:lumMod val="110000"/>
+                <a:satMod val="105000"/>
+                <a:tint val="67000"/>
+              </a:schemeClr>
+            </a:gs>
+            <a:gs pos="50000">
+              <a:schemeClr val="phClr">
+                <a:lumMod val="105000"/>
+                <a:satMod val="103000"/>
+                <a:tint val="73000"/>
+              </a:schemeClr>
+            </a:gs>
+            <a:gs pos="100000">
+              <a:schemeClr val="phClr">
+                <a:lumMod val="105000"/>
+                <a:satMod val="109000"/>
+                <a:tint val="81000"/>
+              </a:schemeClr>
+            </a:gs>
+          </a:gsLst>
+          <a:lin ang="5400000" scaled="0"/>
+        </a:gradFill>
+        <a:gradFill rotWithShape="1">
+          <a:gsLst>
+            <a:gs pos="0">
+              <a:schemeClr val="phClr">
+                <a:satMod val="103000"/>
+                <a:lumMod val="102000"/>
+                <a:tint val="94000"/>
+              </a:schemeClr>
+            </a:gs>
+            <a:gs pos="50000">
+              <a:schemeClr val="phClr">
+                <a:satMod val="110000"/>
+                <a:lumMod val="100000"/>
+                <a:shade val="100000"/>
+              </a:schemeClr>
+            </a:gs>
+            <a:gs pos="100000">
+              <a:schemeClr val="phClr">
+                <a:lumMod val="99000"/>
+                <a:satMod val="120000"/>
+                <a:shade val="78000"/>
+              </a:schemeClr>
+            </a:gs>
+          </a:gsLst>
+          <a:lin ang="5400000" scaled="0"/>
+        </a:gradFill>
+      </a:fillStyleLst>
+      <a:lnStyleLst>
+        <a:ln w="6350" cap="flat" cmpd="sng" algn="ctr">
+          <a:solidFill>
+            <a:schemeClr val="phClr"/>
+          </a:solidFill>
+          <a:prstDash val="solid"/>
+          <a:miter lim="800000"/>
+        </a:ln>
+        <a:ln w="12700" cap="flat" cmpd="sng" algn="ctr">
+          <a:solidFill>
+            <a:schemeClr val="phClr"/>
+          </a:solidFill>
+          <a:prstDash val="solid"/>
+          <a:miter lim="800000"/>
+        </a:ln>
+        <a:ln w="19050" cap="flat" cmpd="sng" algn="ctr">
+          <a:solidFill>
+            <a:schemeClr val="phClr"/>
+          </a:solidFill>
+          <a:prstDash val="solid"/>
+          <a:miter lim="800000"/>
+        </a:ln>
+      </a:lnStyleLst>
+      <a:effectStyleLst>
+        <a:effectStyle>
+          <a:effectLst/>
+        </a:effectStyle>
+        <a:effectStyle>
+          <a:effectLst/>
+        </a:effectStyle>
+        <a:effectStyle>
+          <a:effectLst>
+            <a:outerShdw blurRad="57150" dist="19050" dir="5400000" algn="ctr" rotWithShape="0">
+              <a:srgbClr val="000000">
+                <a:alpha val="63000"/>
+              </a:srgbClr>
+            </a:outerShdw>
+          </a:effectLst>
+        </a:effectStyle>
+      </a:effectStyleLst>
+      <a:bgFillStyleLst>
+        <a:solidFill>
+          <a:schemeClr val="phClr"/>
+        </a:solidFill>
+        <a:solidFill>
+          <a:schemeClr val="phClr">
+            <a:tint val="95000"/>
+            <a:satMod val="170000"/>
+          </a:schemeClr>
+        </a:solidFill>
+        <a:gradFill rotWithShape="1">
+          <a:gsLst>
+            <a:gs pos="0">
+              <a:schemeClr val="phClr">
+                <a:tint val="93000"/>
+                <a:satMod val="150000"/>
+                <a:shade val="98000"/>
+                <a:lumMod val="102000"/>
+              </a:schemeClr>
+            </a:gs>
+            <a:gs pos="50000">
+              <a:schemeClr val="phClr">
+                <a:tint val="98000"/>
+                <a:satMod val="130000"/>
+                <a:shade val="90000"/>
+                <a:lumMod val="103000"/>
+              </a:schemeClr>
+            </a:gs>
+            <a:gs pos="100000">
+              <a:schemeClr val="phClr">
+                <a:shade val="63000"/>
+                <a:satMod val="120000"/>
+              </a:schemeClr>
+            </a:gs>
+          </a:gsLst>
+          <a:lin ang="5400000" scaled="0"/>
+        </a:gradFill>
+      </a:bgFillStyleLst>
+    </a:fmtScheme>
+  </a:themeElements>
+  <a:objectDefaults/>
+  <a:extraClrSchemeLst/>
+  <a:extLst>
+    <a:ext uri="{05A4C25C-085E-4340-85A3-A5531E510DB2}">
+      <thm15:themeFamily xmlns:thm15="http://schemas.microsoft.com/office/thememl/2012/main" name="Office Theme" id="{62F939B6-93AF-4DB8-9C6B-D6C7DFDC589F}" vid="{4A3C46E8-61CC-4603-A589-7422A47A8E4A}"/>
+    </a:ext>
+  </a:extLst>
+</a:theme>
 </file>
--- a/Test Pyramid Presentation.pptx
+++ b/Test Pyramid Presentation.pptx
@@ -5,7 +5,7 @@
     <p:sldMasterId id="2147483648" r:id="rId1"/>
   </p:sldMasterIdLst>
   <p:notesMasterIdLst>
-    <p:notesMasterId r:id="rId16"/>
+    <p:notesMasterId r:id="rId17"/>
   </p:notesMasterIdLst>
   <p:sldIdLst>
     <p:sldId id="256" r:id="rId2"/>
@@ -14,14 +14,15 @@
     <p:sldId id="269" r:id="rId5"/>
     <p:sldId id="260" r:id="rId6"/>
     <p:sldId id="259" r:id="rId7"/>
-    <p:sldId id="262" r:id="rId8"/>
-    <p:sldId id="263" r:id="rId9"/>
-    <p:sldId id="264" r:id="rId10"/>
-    <p:sldId id="265" r:id="rId11"/>
-    <p:sldId id="266" r:id="rId12"/>
-    <p:sldId id="267" r:id="rId13"/>
-    <p:sldId id="268" r:id="rId14"/>
-    <p:sldId id="261" r:id="rId15"/>
+    <p:sldId id="270" r:id="rId8"/>
+    <p:sldId id="262" r:id="rId9"/>
+    <p:sldId id="263" r:id="rId10"/>
+    <p:sldId id="264" r:id="rId11"/>
+    <p:sldId id="265" r:id="rId12"/>
+    <p:sldId id="266" r:id="rId13"/>
+    <p:sldId id="267" r:id="rId14"/>
+    <p:sldId id="268" r:id="rId15"/>
+    <p:sldId id="261" r:id="rId16"/>
   </p:sldIdLst>
   <p:sldSz cx="12192000" cy="6858000"/>
   <p:notesSz cx="6858000" cy="9144000"/>
@@ -210,7 +211,7 @@
           <a:p>
             <a:fld id="{51E71193-F4DE-7347-96CF-6A9725F5B501}" type="datetimeFigureOut">
               <a:rPr lang="en-US" smtClean="0"/>
-              <a:t>5/4/17</a:t>
+              <a:t>5/5/17</a:t>
             </a:fld>
             <a:endParaRPr lang="en-US"/>
           </a:p>
@@ -2718,7 +2719,7 @@
         </p:spPr>
         <p:txBody>
           <a:bodyPr vert="horz" lIns="91440" tIns="45720" rIns="91440" bIns="45720" rtlCol="0">
-            <a:normAutofit/>
+            <a:normAutofit fontScale="92500" lnSpcReduction="10000"/>
           </a:bodyPr>
           <a:lstStyle>
             <a:lvl1pPr marL="0" indent="0" algn="ctr" defTabSz="914400" rtl="0" eaLnBrk="1" latinLnBrk="0" hangingPunct="1">
@@ -2898,34 +2899,25 @@
               <a:t>https://</a:t>
             </a:r>
             <a:r>
-              <a:rPr lang="en-US" dirty="0" err="1">
+              <a:rPr lang="en-US" dirty="0" smtClean="0">
                 <a:hlinkClick r:id="rId3"/>
               </a:rPr>
-              <a:t>github.com</a:t>
-            </a:r>
-            <a:r>
-              <a:rPr lang="en-US" dirty="0">
-                <a:hlinkClick r:id="rId3"/>
-              </a:rPr>
-              <a:t>/</a:t>
-            </a:r>
-            <a:r>
-              <a:rPr lang="en-US" dirty="0" err="1">
-                <a:hlinkClick r:id="rId3"/>
-              </a:rPr>
-              <a:t>weaverj</a:t>
-            </a:r>
-            <a:r>
-              <a:rPr lang="en-US" dirty="0">
-                <a:hlinkClick r:id="rId3"/>
-              </a:rPr>
-              <a:t>/</a:t>
-            </a:r>
-            <a:r>
-              <a:rPr lang="en-US" dirty="0" err="1">
-                <a:hlinkClick r:id="rId3"/>
-              </a:rPr>
-              <a:t>testpyramidexample</a:t>
+              <a:t>github.com/weaverj/testpyramidexample</a:t>
+            </a:r>
+            <a:endParaRPr lang="en-US" dirty="0" smtClean="0"/>
+          </a:p>
+          <a:p>
+            <a:r>
+              <a:rPr lang="en-US" dirty="0" smtClean="0"/>
+              <a:t>Selenium tests: Cindy </a:t>
+            </a:r>
+            <a:r>
+              <a:rPr lang="en-US" dirty="0" err="1" smtClean="0"/>
+              <a:t>Leffler</a:t>
+            </a:r>
+            <a:r>
+              <a:rPr lang="en-US" dirty="0" smtClean="0"/>
+              <a:t>, VUMC</a:t>
             </a:r>
             <a:endParaRPr lang="en-US" dirty="0"/>
           </a:p>
@@ -2978,7 +2970,7 @@
           <a:p>
             <a:r>
               <a:rPr lang="en-US" dirty="0" smtClean="0"/>
-              <a:t>Service Tests</a:t>
+              <a:t>Implementation Process</a:t>
             </a:r>
             <a:endParaRPr lang="en-US" dirty="0"/>
           </a:p>
@@ -2999,20 +2991,71 @@
           <a:bodyPr/>
           <a:lstStyle/>
           <a:p>
-            <a:endParaRPr lang="en-US"/>
+            <a:r>
+              <a:rPr lang="en-US" dirty="0" smtClean="0"/>
+              <a:t>Development driven first by the </a:t>
+            </a:r>
+            <a:r>
+              <a:rPr lang="en-US" dirty="0" err="1" smtClean="0"/>
+              <a:t>Fitnesse</a:t>
+            </a:r>
+            <a:r>
+              <a:rPr lang="en-US" dirty="0" smtClean="0"/>
+              <a:t> / Service tests that describe the </a:t>
+            </a:r>
+            <a:r>
+              <a:rPr lang="en-US" dirty="0" err="1" smtClean="0"/>
+              <a:t>requirments</a:t>
+            </a:r>
+            <a:r>
+              <a:rPr lang="en-US" dirty="0" smtClean="0"/>
+              <a:t>.  Developer pairs with customer / analysts to complete </a:t>
+            </a:r>
+            <a:r>
+              <a:rPr lang="en-US" dirty="0" err="1" smtClean="0"/>
+              <a:t>fitnesse</a:t>
+            </a:r>
+            <a:r>
+              <a:rPr lang="en-US" dirty="0" smtClean="0"/>
+              <a:t> tests if necessary.</a:t>
+            </a:r>
+          </a:p>
+          <a:p>
+            <a:endParaRPr lang="en-US" dirty="0"/>
+          </a:p>
+          <a:p>
+            <a:r>
+              <a:rPr lang="en-US" dirty="0"/>
+              <a:t>Unit tests written as code to implement </a:t>
+            </a:r>
+            <a:r>
+              <a:rPr lang="en-US" dirty="0" smtClean="0"/>
+              <a:t>as code built up to implement requirement.</a:t>
+            </a:r>
+            <a:endParaRPr lang="en-US" dirty="0"/>
+          </a:p>
+          <a:p>
+            <a:endParaRPr lang="en-US" dirty="0"/>
           </a:p>
         </p:txBody>
       </p:sp>
     </p:spTree>
     <p:extLst>
       <p:ext uri="{BB962C8B-B14F-4D97-AF65-F5344CB8AC3E}">
-        <p14:creationId xmlns:p14="http://schemas.microsoft.com/office/powerpoint/2010/main" val="1804738836"/>
+        <p14:creationId xmlns:p14="http://schemas.microsoft.com/office/powerpoint/2010/main" val="1254851648"/>
       </p:ext>
     </p:extLst>
   </p:cSld>
   <p:clrMapOvr>
     <a:masterClrMapping/>
   </p:clrMapOvr>
+  <p:timing>
+    <p:tnLst>
+      <p:par>
+        <p:cTn id="1" dur="indefinite" restart="never" nodeType="tmRoot"/>
+      </p:par>
+    </p:tnLst>
+  </p:timing>
 </p:sld>
 </file>
 
@@ -3050,41 +3093,417 @@
           <a:p>
             <a:r>
               <a:rPr lang="en-US" dirty="0" smtClean="0"/>
-              <a:t>Unit Tests / Implementation</a:t>
+              <a:t>Identify Opiates / Benzos</a:t>
             </a:r>
             <a:endParaRPr lang="en-US" dirty="0"/>
           </a:p>
         </p:txBody>
       </p:sp>
-      <p:sp>
-        <p:nvSpPr>
-          <p:cNvPr id="3" name="Content Placeholder 2"/>
-          <p:cNvSpPr>
-            <a:spLocks noGrp="1"/>
-          </p:cNvSpPr>
+      <p:graphicFrame>
+        <p:nvGraphicFramePr>
+          <p:cNvPr id="4" name="Content Placeholder 3"/>
+          <p:cNvGraphicFramePr>
+            <a:graphicFrameLocks noGrp="1"/>
+          </p:cNvGraphicFramePr>
           <p:nvPr>
             <p:ph idx="1"/>
-          </p:nvPr>
-        </p:nvSpPr>
-        <p:spPr/>
-        <p:txBody>
-          <a:bodyPr/>
+            <p:extLst>
+              <p:ext uri="{D42A27DB-BD31-4B8C-83A1-F6EECF244321}">
+                <p14:modId xmlns:p14="http://schemas.microsoft.com/office/powerpoint/2010/main" val="1259393266"/>
+              </p:ext>
+            </p:extLst>
+          </p:nvPr>
+        </p:nvGraphicFramePr>
+        <p:xfrm>
+          <a:off x="838200" y="1481960"/>
+          <a:ext cx="10515600" cy="1554480"/>
+        </p:xfrm>
+        <a:graphic>
+          <a:graphicData uri="http://schemas.openxmlformats.org/drawingml/2006/table">
+            <a:tbl>
+              <a:tblPr firstRow="1" bandRow="1">
+                <a:tableStyleId>{5C22544A-7EE6-4342-B048-85BDC9FD1C3A}</a:tableStyleId>
+              </a:tblPr>
+              <a:tblGrid>
+                <a:gridCol w="3029465"/>
+                <a:gridCol w="2228335"/>
+                <a:gridCol w="2628900"/>
+                <a:gridCol w="2628900"/>
+              </a:tblGrid>
+              <a:tr h="370840">
+                <a:tc>
+                  <a:txBody>
+                    <a:bodyPr/>
+                    <a:lstStyle/>
+                    <a:p>
+                      <a:pPr algn="ctr"/>
+                      <a:r>
+                        <a:rPr lang="en-US" dirty="0" smtClean="0"/>
+                        <a:t>What does the app </a:t>
+                      </a:r>
+                      <a:r>
+                        <a:rPr lang="en-US" baseline="0" dirty="0" smtClean="0"/>
+                        <a:t>need to be able to do to implement this prescribing rule?</a:t>
+                      </a:r>
+                      <a:endParaRPr lang="en-US" dirty="0"/>
+                    </a:p>
+                  </a:txBody>
+                  <a:tcPr/>
+                </a:tc>
+                <a:tc>
+                  <a:txBody>
+                    <a:bodyPr/>
+                    <a:lstStyle/>
+                    <a:p>
+                      <a:r>
+                        <a:rPr lang="en-US" dirty="0" smtClean="0"/>
+                        <a:t>Unit / Junit or Jasmine</a:t>
+                      </a:r>
+                      <a:endParaRPr lang="en-US" dirty="0"/>
+                    </a:p>
+                  </a:txBody>
+                  <a:tcPr/>
+                </a:tc>
+                <a:tc>
+                  <a:txBody>
+                    <a:bodyPr/>
+                    <a:lstStyle/>
+                    <a:p>
+                      <a:r>
+                        <a:rPr lang="en-US" dirty="0" smtClean="0"/>
+                        <a:t>Service / </a:t>
+                      </a:r>
+                      <a:r>
+                        <a:rPr lang="en-US" dirty="0" err="1" smtClean="0"/>
+                        <a:t>Fitnesse</a:t>
+                      </a:r>
+                      <a:endParaRPr lang="en-US" dirty="0"/>
+                    </a:p>
+                  </a:txBody>
+                  <a:tcPr/>
+                </a:tc>
+                <a:tc>
+                  <a:txBody>
+                    <a:bodyPr/>
+                    <a:lstStyle/>
+                    <a:p>
+                      <a:r>
+                        <a:rPr lang="en-US" dirty="0" smtClean="0"/>
+                        <a:t>UI /</a:t>
+                      </a:r>
+                      <a:r>
+                        <a:rPr lang="en-US" baseline="0" dirty="0" smtClean="0"/>
+                        <a:t> Selenium + Junit</a:t>
+                      </a:r>
+                      <a:endParaRPr lang="en-US" dirty="0"/>
+                    </a:p>
+                  </a:txBody>
+                  <a:tcPr/>
+                </a:tc>
+              </a:tr>
+              <a:tr h="370840">
+                <a:tc>
+                  <a:txBody>
+                    <a:bodyPr/>
+                    <a:lstStyle/>
+                    <a:p>
+                      <a:r>
+                        <a:rPr lang="en-US" dirty="0" smtClean="0"/>
+                        <a:t>Identify if drug being prescribed is Opiate or Benzo</a:t>
+                      </a:r>
+                      <a:endParaRPr lang="en-US" dirty="0"/>
+                    </a:p>
+                  </a:txBody>
+                  <a:tcPr/>
+                </a:tc>
+                <a:tc>
+                  <a:txBody>
+                    <a:bodyPr/>
+                    <a:lstStyle/>
+                    <a:p>
+                      <a:endParaRPr lang="en-US" dirty="0"/>
+                    </a:p>
+                  </a:txBody>
+                  <a:tcPr/>
+                </a:tc>
+                <a:tc>
+                  <a:txBody>
+                    <a:bodyPr/>
+                    <a:lstStyle/>
+                    <a:p>
+                      <a:endParaRPr lang="en-US" dirty="0"/>
+                    </a:p>
+                  </a:txBody>
+                  <a:tcPr/>
+                </a:tc>
+                <a:tc>
+                  <a:txBody>
+                    <a:bodyPr/>
+                    <a:lstStyle/>
+                    <a:p>
+                      <a:endParaRPr lang="en-US" dirty="0"/>
+                    </a:p>
+                  </a:txBody>
+                  <a:tcPr/>
+                </a:tc>
+              </a:tr>
+            </a:tbl>
+          </a:graphicData>
+        </a:graphic>
+      </p:graphicFrame>
+      <p:pic>
+        <p:nvPicPr>
+          <p:cNvPr id="5" name="Picture 4"/>
+          <p:cNvPicPr>
+            <a:picLocks noChangeAspect="1"/>
+          </p:cNvPicPr>
+          <p:nvPr/>
+        </p:nvPicPr>
+        <p:blipFill>
+          <a:blip r:embed="rId2">
+            <a:extLst>
+              <a:ext uri="{28A0092B-C50C-407E-A947-70E740481C1C}">
+                <a14:useLocalDpi xmlns:a14="http://schemas.microsoft.com/office/drawing/2010/main" val="0"/>
+              </a:ext>
+            </a:extLst>
+          </a:blip>
+          <a:stretch>
+            <a:fillRect/>
+          </a:stretch>
+        </p:blipFill>
+        <p:spPr>
+          <a:xfrm>
+            <a:off x="4683211" y="2446727"/>
+            <a:ext cx="471771" cy="471771"/>
+          </a:xfrm>
+          <a:prstGeom prst="rect">
+            <a:avLst/>
+          </a:prstGeom>
+        </p:spPr>
+      </p:pic>
+      <p:pic>
+        <p:nvPicPr>
+          <p:cNvPr id="6" name="Picture 5"/>
+          <p:cNvPicPr>
+            <a:picLocks noChangeAspect="1"/>
+          </p:cNvPicPr>
+          <p:nvPr/>
+        </p:nvPicPr>
+        <p:blipFill>
+          <a:blip r:embed="rId2">
+            <a:extLst>
+              <a:ext uri="{28A0092B-C50C-407E-A947-70E740481C1C}">
+                <a14:useLocalDpi xmlns:a14="http://schemas.microsoft.com/office/drawing/2010/main" val="0"/>
+              </a:ext>
+            </a:extLst>
+          </a:blip>
+          <a:stretch>
+            <a:fillRect/>
+          </a:stretch>
+        </p:blipFill>
+        <p:spPr>
+          <a:xfrm>
+            <a:off x="7110844" y="2446727"/>
+            <a:ext cx="471771" cy="471771"/>
+          </a:xfrm>
+          <a:prstGeom prst="rect">
+            <a:avLst/>
+          </a:prstGeom>
+        </p:spPr>
+      </p:pic>
+      <p:pic>
+        <p:nvPicPr>
+          <p:cNvPr id="7" name="Picture 6"/>
+          <p:cNvPicPr>
+            <a:picLocks noChangeAspect="1"/>
+          </p:cNvPicPr>
+          <p:nvPr/>
+        </p:nvPicPr>
+        <p:blipFill>
+          <a:blip r:embed="rId3">
+            <a:extLst>
+              <a:ext uri="{28A0092B-C50C-407E-A947-70E740481C1C}">
+                <a14:useLocalDpi xmlns:a14="http://schemas.microsoft.com/office/drawing/2010/main" val="0"/>
+              </a:ext>
+            </a:extLst>
+          </a:blip>
+          <a:stretch>
+            <a:fillRect/>
+          </a:stretch>
+        </p:blipFill>
+        <p:spPr>
+          <a:xfrm>
+            <a:off x="4918313" y="3173471"/>
+            <a:ext cx="6435487" cy="2619800"/>
+          </a:xfrm>
+          <a:prstGeom prst="rect">
+            <a:avLst/>
+          </a:prstGeom>
+        </p:spPr>
+      </p:pic>
+      <p:sp>
+        <p:nvSpPr>
+          <p:cNvPr id="8" name="TextBox 7"/>
+          <p:cNvSpPr txBox="1"/>
+          <p:nvPr/>
+        </p:nvSpPr>
+        <p:spPr>
+          <a:xfrm>
+            <a:off x="838200" y="3207948"/>
+            <a:ext cx="3731740" cy="2585323"/>
+          </a:xfrm>
+          <a:prstGeom prst="rect">
+            <a:avLst/>
+          </a:prstGeom>
+          <a:noFill/>
+        </p:spPr>
+        <p:txBody>
+          <a:bodyPr wrap="square" rtlCol="0">
+            <a:spAutoFit/>
+          </a:bodyPr>
           <a:lstStyle/>
           <a:p>
-            <a:endParaRPr lang="en-US"/>
-          </a:p>
-        </p:txBody>
-      </p:sp>
+            <a:r>
+              <a:rPr lang="en-US" dirty="0" smtClean="0">
+                <a:hlinkClick r:id="rId4"/>
+              </a:rPr>
+              <a:t>OpiatesDrugConceptShould </a:t>
+            </a:r>
+            <a:r>
+              <a:rPr lang="en-US" dirty="0" smtClean="0"/>
+              <a:t>unit test</a:t>
+            </a:r>
+          </a:p>
+          <a:p>
+            <a:pPr marL="285750" indent="-285750">
+              <a:buFont typeface="Arial" charset="0"/>
+              <a:buChar char="•"/>
+            </a:pPr>
+            <a:r>
+              <a:rPr lang="en-US" dirty="0" smtClean="0"/>
+              <a:t>Verifies </a:t>
+            </a:r>
+            <a:r>
+              <a:rPr lang="en-US" dirty="0" err="1" smtClean="0"/>
+              <a:t>OpiateDrugConcept</a:t>
+            </a:r>
+            <a:r>
+              <a:rPr lang="en-US" dirty="0" smtClean="0"/>
+              <a:t> class interacts with </a:t>
+            </a:r>
+            <a:r>
+              <a:rPr lang="en-US" dirty="0" err="1" smtClean="0"/>
+              <a:t>DispensableDrug</a:t>
+            </a:r>
+            <a:r>
+              <a:rPr lang="en-US" dirty="0" smtClean="0"/>
+              <a:t> class to determine if a drug is in concept.</a:t>
+            </a:r>
+          </a:p>
+          <a:p>
+            <a:pPr marL="285750" indent="-285750">
+              <a:buFont typeface="Arial" charset="0"/>
+              <a:buChar char="•"/>
+            </a:pPr>
+            <a:r>
+              <a:rPr lang="en-US" dirty="0" smtClean="0"/>
+              <a:t>Does not verify entirety of what constitutes a drug in concept, </a:t>
+            </a:r>
+            <a:r>
+              <a:rPr lang="en-US" dirty="0" err="1" smtClean="0"/>
+              <a:t>Fitnesse</a:t>
+            </a:r>
+            <a:r>
+              <a:rPr lang="en-US" dirty="0" smtClean="0"/>
+              <a:t> test defined by customer will do that. </a:t>
+            </a:r>
+            <a:endParaRPr lang="en-US" dirty="0"/>
+          </a:p>
+        </p:txBody>
+      </p:sp>
+      <p:cxnSp>
+        <p:nvCxnSpPr>
+          <p:cNvPr id="10" name="Straight Arrow Connector 9"/>
+          <p:cNvCxnSpPr/>
+          <p:nvPr/>
+        </p:nvCxnSpPr>
+        <p:spPr>
+          <a:xfrm flipH="1">
+            <a:off x="4201297" y="2918498"/>
+            <a:ext cx="457200" cy="254973"/>
+          </a:xfrm>
+          <a:prstGeom prst="straightConnector1">
+            <a:avLst/>
+          </a:prstGeom>
+          <a:ln w="38100">
+            <a:tailEnd type="triangle"/>
+          </a:ln>
+        </p:spPr>
+        <p:style>
+          <a:lnRef idx="1">
+            <a:schemeClr val="accent1"/>
+          </a:lnRef>
+          <a:fillRef idx="0">
+            <a:schemeClr val="accent1"/>
+          </a:fillRef>
+          <a:effectRef idx="0">
+            <a:schemeClr val="accent1"/>
+          </a:effectRef>
+          <a:fontRef idx="minor">
+            <a:schemeClr val="tx1"/>
+          </a:fontRef>
+        </p:style>
+      </p:cxnSp>
+      <p:cxnSp>
+        <p:nvCxnSpPr>
+          <p:cNvPr id="11" name="Straight Arrow Connector 10"/>
+          <p:cNvCxnSpPr/>
+          <p:nvPr/>
+        </p:nvCxnSpPr>
+        <p:spPr>
+          <a:xfrm>
+            <a:off x="7685903" y="2807523"/>
+            <a:ext cx="450153" cy="528801"/>
+          </a:xfrm>
+          <a:prstGeom prst="straightConnector1">
+            <a:avLst/>
+          </a:prstGeom>
+          <a:ln w="38100">
+            <a:tailEnd type="triangle"/>
+          </a:ln>
+        </p:spPr>
+        <p:style>
+          <a:lnRef idx="1">
+            <a:schemeClr val="accent1"/>
+          </a:lnRef>
+          <a:fillRef idx="0">
+            <a:schemeClr val="accent1"/>
+          </a:fillRef>
+          <a:effectRef idx="0">
+            <a:schemeClr val="accent1"/>
+          </a:effectRef>
+          <a:fontRef idx="minor">
+            <a:schemeClr val="tx1"/>
+          </a:fontRef>
+        </p:style>
+      </p:cxnSp>
     </p:spTree>
     <p:extLst>
       <p:ext uri="{BB962C8B-B14F-4D97-AF65-F5344CB8AC3E}">
-        <p14:creationId xmlns:p14="http://schemas.microsoft.com/office/powerpoint/2010/main" val="1186586424"/>
+        <p14:creationId xmlns:p14="http://schemas.microsoft.com/office/powerpoint/2010/main" val="1804738836"/>
       </p:ext>
     </p:extLst>
   </p:cSld>
   <p:clrMapOvr>
     <a:masterClrMapping/>
   </p:clrMapOvr>
+  <p:timing>
+    <p:tnLst>
+      <p:par>
+        <p:cTn id="1" dur="indefinite" restart="never" nodeType="tmRoot"/>
+      </p:par>
+    </p:tnLst>
+  </p:timing>
 </p:sld>
 </file>
 
@@ -3122,7 +3541,7 @@
           <a:p>
             <a:r>
               <a:rPr lang="en-US" dirty="0" smtClean="0"/>
-              <a:t>UI Tests</a:t>
+              <a:t>Unit Tests / Implementation</a:t>
             </a:r>
             <a:endParaRPr lang="en-US" dirty="0"/>
           </a:p>
@@ -3150,13 +3569,20 @@
     </p:spTree>
     <p:extLst>
       <p:ext uri="{BB962C8B-B14F-4D97-AF65-F5344CB8AC3E}">
-        <p14:creationId xmlns:p14="http://schemas.microsoft.com/office/powerpoint/2010/main" val="1221391828"/>
+        <p14:creationId xmlns:p14="http://schemas.microsoft.com/office/powerpoint/2010/main" val="1186586424"/>
       </p:ext>
     </p:extLst>
   </p:cSld>
   <p:clrMapOvr>
     <a:masterClrMapping/>
   </p:clrMapOvr>
+  <p:timing>
+    <p:tnLst>
+      <p:par>
+        <p:cTn id="1" dur="indefinite" restart="never" nodeType="tmRoot"/>
+      </p:par>
+    </p:tnLst>
+  </p:timing>
 </p:sld>
 </file>
 
@@ -3194,6 +3620,78 @@
           <a:p>
             <a:r>
               <a:rPr lang="en-US" dirty="0" smtClean="0"/>
+              <a:t>UI Tests</a:t>
+            </a:r>
+            <a:endParaRPr lang="en-US" dirty="0"/>
+          </a:p>
+        </p:txBody>
+      </p:sp>
+      <p:sp>
+        <p:nvSpPr>
+          <p:cNvPr id="3" name="Content Placeholder 2"/>
+          <p:cNvSpPr>
+            <a:spLocks noGrp="1"/>
+          </p:cNvSpPr>
+          <p:nvPr>
+            <p:ph idx="1"/>
+          </p:nvPr>
+        </p:nvSpPr>
+        <p:spPr/>
+        <p:txBody>
+          <a:bodyPr/>
+          <a:lstStyle/>
+          <a:p>
+            <a:endParaRPr lang="en-US"/>
+          </a:p>
+        </p:txBody>
+      </p:sp>
+    </p:spTree>
+    <p:extLst>
+      <p:ext uri="{BB962C8B-B14F-4D97-AF65-F5344CB8AC3E}">
+        <p14:creationId xmlns:p14="http://schemas.microsoft.com/office/powerpoint/2010/main" val="1221391828"/>
+      </p:ext>
+    </p:extLst>
+  </p:cSld>
+  <p:clrMapOvr>
+    <a:masterClrMapping/>
+  </p:clrMapOvr>
+</p:sld>
+</file>
+
+<file path=ppt/slides/slide14.xml><?xml version="1.0" encoding="utf-8"?>
+<p:sld xmlns:a="http://schemas.openxmlformats.org/drawingml/2006/main" xmlns:r="http://schemas.openxmlformats.org/officeDocument/2006/relationships" xmlns:p="http://schemas.openxmlformats.org/presentationml/2006/main">
+  <p:cSld>
+    <p:spTree>
+      <p:nvGrpSpPr>
+        <p:cNvPr id="1" name=""/>
+        <p:cNvGrpSpPr/>
+        <p:nvPr/>
+      </p:nvGrpSpPr>
+      <p:grpSpPr>
+        <a:xfrm>
+          <a:off x="0" y="0"/>
+          <a:ext cx="0" cy="0"/>
+          <a:chOff x="0" y="0"/>
+          <a:chExt cx="0" cy="0"/>
+        </a:xfrm>
+      </p:grpSpPr>
+      <p:sp>
+        <p:nvSpPr>
+          <p:cNvPr id="2" name="Title 1"/>
+          <p:cNvSpPr>
+            <a:spLocks noGrp="1"/>
+          </p:cNvSpPr>
+          <p:nvPr>
+            <p:ph type="title"/>
+          </p:nvPr>
+        </p:nvSpPr>
+        <p:spPr/>
+        <p:txBody>
+          <a:bodyPr/>
+          <a:lstStyle/>
+          <a:p>
+            <a:r>
+              <a:rPr lang="en-US" dirty="0" smtClean="0"/>
               <a:t>Summary</a:t>
             </a:r>
             <a:endParaRPr lang="en-US" dirty="0"/>
@@ -3232,7 +3730,7 @@
 </p:sld>
 </file>
 
-<file path=ppt/slides/slide14.xml><?xml version="1.0" encoding="utf-8"?>
+<file path=ppt/slides/slide15.xml><?xml version="1.0" encoding="utf-8"?>
 <p:sld xmlns:a="http://schemas.openxmlformats.org/drawingml/2006/main" xmlns:r="http://schemas.openxmlformats.org/officeDocument/2006/relationships" xmlns:p="http://schemas.openxmlformats.org/presentationml/2006/main">
   <p:cSld>
     <p:spTree>
@@ -3382,7 +3880,7 @@
         <p:spPr>
           <a:xfrm>
             <a:off x="6096000" y="1690686"/>
-            <a:ext cx="4496972" cy="3416320"/>
+            <a:ext cx="4496972" cy="2677656"/>
           </a:xfrm>
           <a:prstGeom prst="rect">
             <a:avLst/>
@@ -3394,40 +3892,21 @@
           </a:bodyPr>
           <a:lstStyle/>
           <a:p>
-            <a:pPr marL="285750" marR="0" lvl="0" indent="-285750" defTabSz="914400" eaLnBrk="1" fontAlgn="auto" latinLnBrk="0" hangingPunct="1">
-              <a:lnSpc>
-                <a:spcPct val="100000"/>
-              </a:lnSpc>
-              <a:spcBef>
-                <a:spcPts val="0"/>
-              </a:spcBef>
-              <a:spcAft>
-                <a:spcPts val="0"/>
-              </a:spcAft>
-              <a:buClrTx/>
-              <a:buSzTx/>
-              <a:buFont typeface="Arial" charset="0"/>
-              <a:buChar char="•"/>
-              <a:tabLst/>
-              <a:defRPr/>
-            </a:pPr>
-            <a:r>
-              <a:rPr lang="en-US" sz="2400" dirty="0" smtClean="0"/>
-              <a:t>Automated tests at three levels.</a:t>
-            </a:r>
-          </a:p>
-          <a:p>
-            <a:pPr marL="742950" lvl="1" indent="-285750">
+            <a:pPr marL="285750" indent="-285750">
               <a:buFont typeface="Arial" charset="0"/>
               <a:buChar char="•"/>
             </a:pPr>
             <a:r>
               <a:rPr lang="en-US" sz="2400" dirty="0" smtClean="0"/>
-              <a:t>Foundational base of unit tests.</a:t>
-            </a:r>
-          </a:p>
-          <a:p>
-            <a:pPr marL="742950" lvl="1" indent="-285750">
+              <a:t>Foundational </a:t>
+            </a:r>
+            <a:r>
+              <a:rPr lang="en-US" sz="2400" dirty="0" smtClean="0"/>
+              <a:t>base of unit tests.</a:t>
+            </a:r>
+          </a:p>
+          <a:p>
+            <a:pPr marL="285750" indent="-285750">
               <a:buFont typeface="Arial" charset="0"/>
               <a:buChar char="•"/>
             </a:pPr>
@@ -3437,7 +3916,7 @@
             </a:r>
           </a:p>
           <a:p>
-            <a:pPr marL="742950" lvl="1" indent="-285750">
+            <a:pPr marL="285750" indent="-285750">
               <a:buFont typeface="Arial" charset="0"/>
               <a:buChar char="•"/>
             </a:pPr>
@@ -4208,6 +4687,13 @@
   <p:clrMapOvr>
     <a:masterClrMapping/>
   </p:clrMapOvr>
+  <p:timing>
+    <p:tnLst>
+      <p:par>
+        <p:cTn id="1" dur="indefinite" restart="never" nodeType="tmRoot"/>
+      </p:par>
+    </p:tnLst>
+  </p:timing>
 </p:sld>
 </file>
 
@@ -4245,7 +4731,7 @@
           <a:p>
             <a:r>
               <a:rPr lang="en-US" dirty="0" smtClean="0"/>
-              <a:t>Prescribing Feature:  Limit Opiate Rx Duration</a:t>
+              <a:t>Team Composition and Tools</a:t>
             </a:r>
             <a:endParaRPr lang="en-US" dirty="0"/>
           </a:p>
@@ -4266,20 +4752,48 @@
           <a:bodyPr/>
           <a:lstStyle/>
           <a:p>
-            <a:endParaRPr lang="en-US" dirty="0"/>
+            <a:r>
+              <a:rPr lang="en-US" dirty="0" smtClean="0"/>
+              <a:t>Team included developers, UX engineers, domain specialists (business analyst, clinician product owner), and QA.</a:t>
+            </a:r>
+          </a:p>
+          <a:p>
+            <a:r>
+              <a:rPr lang="en-US" dirty="0" smtClean="0"/>
+              <a:t>Everyone not seated in same room, but all developers in one team room and close daily collaboration between everyone.</a:t>
+            </a:r>
+          </a:p>
+          <a:p>
+            <a:r>
+              <a:rPr lang="en-US" dirty="0" smtClean="0"/>
+              <a:t>Working in Sprints / Iterations.</a:t>
+            </a:r>
+          </a:p>
+          <a:p>
+            <a:endParaRPr lang="en-US" dirty="0" smtClean="0"/>
+          </a:p>
+          <a:p>
+            <a:endParaRPr lang="en-US" dirty="0" smtClean="0"/>
           </a:p>
         </p:txBody>
       </p:sp>
     </p:spTree>
     <p:extLst>
       <p:ext uri="{BB962C8B-B14F-4D97-AF65-F5344CB8AC3E}">
-        <p14:creationId xmlns:p14="http://schemas.microsoft.com/office/powerpoint/2010/main" val="1991789900"/>
+        <p14:creationId xmlns:p14="http://schemas.microsoft.com/office/powerpoint/2010/main" val="1667958041"/>
       </p:ext>
     </p:extLst>
   </p:cSld>
   <p:clrMapOvr>
     <a:masterClrMapping/>
   </p:clrMapOvr>
+  <p:timing>
+    <p:tnLst>
+      <p:par>
+        <p:cTn id="1" dur="indefinite" restart="never" nodeType="tmRoot"/>
+      </p:par>
+    </p:tnLst>
+  </p:timing>
 </p:sld>
 </file>
 
@@ -4317,7 +4831,7 @@
           <a:p>
             <a:r>
               <a:rPr lang="en-US" dirty="0" smtClean="0"/>
-              <a:t>Planning</a:t>
+              <a:t>Prescribing Feature:  Limit Opiate Rx Duration</a:t>
             </a:r>
             <a:endParaRPr lang="en-US" dirty="0"/>
           </a:p>
@@ -4333,25 +4847,41 @@
             <p:ph idx="1"/>
           </p:nvPr>
         </p:nvSpPr>
-        <p:spPr/>
+        <p:spPr>
+          <a:xfrm>
+            <a:off x="838200" y="1825625"/>
+            <a:ext cx="10042003" cy="1056471"/>
+          </a:xfrm>
+        </p:spPr>
         <p:txBody>
           <a:bodyPr/>
           <a:lstStyle/>
           <a:p>
-            <a:endParaRPr lang="en-US"/>
+            <a:r>
+              <a:rPr lang="en-US" dirty="0" smtClean="0"/>
+              <a:t>When clinician is prescribing Opiates or Benzodiazepines, limit the duration of the prescription to 30 days or under.</a:t>
+            </a:r>
+            <a:endParaRPr lang="en-US" dirty="0"/>
           </a:p>
         </p:txBody>
       </p:sp>
     </p:spTree>
     <p:extLst>
       <p:ext uri="{BB962C8B-B14F-4D97-AF65-F5344CB8AC3E}">
-        <p14:creationId xmlns:p14="http://schemas.microsoft.com/office/powerpoint/2010/main" val="2111955063"/>
+        <p14:creationId xmlns:p14="http://schemas.microsoft.com/office/powerpoint/2010/main" val="1991789900"/>
       </p:ext>
     </p:extLst>
   </p:cSld>
   <p:clrMapOvr>
     <a:masterClrMapping/>
   </p:clrMapOvr>
+  <p:timing>
+    <p:tnLst>
+      <p:par>
+        <p:cTn id="1" dur="indefinite" restart="never" nodeType="tmRoot"/>
+      </p:par>
+    </p:tnLst>
+  </p:timing>
 </p:sld>
 </file>
 
@@ -4389,41 +4919,571 @@
           <a:p>
             <a:r>
               <a:rPr lang="en-US" dirty="0" smtClean="0"/>
-              <a:t>Tasks / Tests</a:t>
+              <a:t>Test Plan for Feature</a:t>
             </a:r>
             <a:endParaRPr lang="en-US" dirty="0"/>
           </a:p>
         </p:txBody>
       </p:sp>
-      <p:sp>
-        <p:nvSpPr>
-          <p:cNvPr id="3" name="Content Placeholder 2"/>
-          <p:cNvSpPr>
-            <a:spLocks noGrp="1"/>
-          </p:cNvSpPr>
+      <p:graphicFrame>
+        <p:nvGraphicFramePr>
+          <p:cNvPr id="4" name="Content Placeholder 3"/>
+          <p:cNvGraphicFramePr>
+            <a:graphicFrameLocks noGrp="1"/>
+          </p:cNvGraphicFramePr>
           <p:nvPr>
             <p:ph idx="1"/>
-          </p:nvPr>
-        </p:nvSpPr>
-        <p:spPr/>
-        <p:txBody>
-          <a:bodyPr/>
-          <a:lstStyle/>
-          <a:p>
-            <a:endParaRPr lang="en-US"/>
-          </a:p>
-        </p:txBody>
-      </p:sp>
+            <p:extLst>
+              <p:ext uri="{D42A27DB-BD31-4B8C-83A1-F6EECF244321}">
+                <p14:modId xmlns:p14="http://schemas.microsoft.com/office/powerpoint/2010/main" val="54698617"/>
+              </p:ext>
+            </p:extLst>
+          </p:nvPr>
+        </p:nvGraphicFramePr>
+        <p:xfrm>
+          <a:off x="838200" y="1825625"/>
+          <a:ext cx="10515600" cy="3749040"/>
+        </p:xfrm>
+        <a:graphic>
+          <a:graphicData uri="http://schemas.openxmlformats.org/drawingml/2006/table">
+            <a:tbl>
+              <a:tblPr firstRow="1" bandRow="1">
+                <a:tableStyleId>{5C22544A-7EE6-4342-B048-85BDC9FD1C3A}</a:tableStyleId>
+              </a:tblPr>
+              <a:tblGrid>
+                <a:gridCol w="3029465"/>
+                <a:gridCol w="2228335"/>
+                <a:gridCol w="2628900"/>
+                <a:gridCol w="2628900"/>
+              </a:tblGrid>
+              <a:tr h="370840">
+                <a:tc>
+                  <a:txBody>
+                    <a:bodyPr/>
+                    <a:lstStyle/>
+                    <a:p>
+                      <a:pPr algn="ctr"/>
+                      <a:r>
+                        <a:rPr lang="en-US" dirty="0" smtClean="0"/>
+                        <a:t>What does the app </a:t>
+                      </a:r>
+                      <a:r>
+                        <a:rPr lang="en-US" baseline="0" dirty="0" smtClean="0"/>
+                        <a:t>need to be able to do to implement this prescribing rule?</a:t>
+                      </a:r>
+                      <a:endParaRPr lang="en-US" dirty="0"/>
+                    </a:p>
+                  </a:txBody>
+                  <a:tcPr/>
+                </a:tc>
+                <a:tc>
+                  <a:txBody>
+                    <a:bodyPr/>
+                    <a:lstStyle/>
+                    <a:p>
+                      <a:r>
+                        <a:rPr lang="en-US" dirty="0" smtClean="0"/>
+                        <a:t>Unit / Junit or Jasmine</a:t>
+                      </a:r>
+                      <a:endParaRPr lang="en-US" dirty="0"/>
+                    </a:p>
+                  </a:txBody>
+                  <a:tcPr/>
+                </a:tc>
+                <a:tc>
+                  <a:txBody>
+                    <a:bodyPr/>
+                    <a:lstStyle/>
+                    <a:p>
+                      <a:r>
+                        <a:rPr lang="en-US" dirty="0" smtClean="0"/>
+                        <a:t>Service / </a:t>
+                      </a:r>
+                      <a:r>
+                        <a:rPr lang="en-US" dirty="0" err="1" smtClean="0"/>
+                        <a:t>Fitnesse</a:t>
+                      </a:r>
+                      <a:endParaRPr lang="en-US" dirty="0"/>
+                    </a:p>
+                  </a:txBody>
+                  <a:tcPr/>
+                </a:tc>
+                <a:tc>
+                  <a:txBody>
+                    <a:bodyPr/>
+                    <a:lstStyle/>
+                    <a:p>
+                      <a:r>
+                        <a:rPr lang="en-US" dirty="0" smtClean="0"/>
+                        <a:t>UI /</a:t>
+                      </a:r>
+                      <a:r>
+                        <a:rPr lang="en-US" baseline="0" dirty="0" smtClean="0"/>
+                        <a:t> Selenium + Junit</a:t>
+                      </a:r>
+                      <a:endParaRPr lang="en-US" dirty="0"/>
+                    </a:p>
+                  </a:txBody>
+                  <a:tcPr/>
+                </a:tc>
+              </a:tr>
+              <a:tr h="370840">
+                <a:tc>
+                  <a:txBody>
+                    <a:bodyPr/>
+                    <a:lstStyle/>
+                    <a:p>
+                      <a:r>
+                        <a:rPr lang="en-US" dirty="0" smtClean="0"/>
+                        <a:t>Identify if drug being prescribed is Opiate or Benzo</a:t>
+                      </a:r>
+                      <a:endParaRPr lang="en-US" dirty="0"/>
+                    </a:p>
+                  </a:txBody>
+                  <a:tcPr/>
+                </a:tc>
+                <a:tc>
+                  <a:txBody>
+                    <a:bodyPr/>
+                    <a:lstStyle/>
+                    <a:p>
+                      <a:endParaRPr lang="en-US" dirty="0"/>
+                    </a:p>
+                  </a:txBody>
+                  <a:tcPr/>
+                </a:tc>
+                <a:tc>
+                  <a:txBody>
+                    <a:bodyPr/>
+                    <a:lstStyle/>
+                    <a:p>
+                      <a:endParaRPr lang="en-US"/>
+                    </a:p>
+                  </a:txBody>
+                  <a:tcPr/>
+                </a:tc>
+                <a:tc>
+                  <a:txBody>
+                    <a:bodyPr/>
+                    <a:lstStyle/>
+                    <a:p>
+                      <a:endParaRPr lang="en-US" dirty="0"/>
+                    </a:p>
+                  </a:txBody>
+                  <a:tcPr/>
+                </a:tc>
+              </a:tr>
+              <a:tr h="370840">
+                <a:tc>
+                  <a:txBody>
+                    <a:bodyPr/>
+                    <a:lstStyle/>
+                    <a:p>
+                      <a:r>
+                        <a:rPr lang="en-US" dirty="0" smtClean="0"/>
+                        <a:t>Recognize</a:t>
+                      </a:r>
+                      <a:r>
+                        <a:rPr lang="en-US" baseline="0" dirty="0" smtClean="0"/>
+                        <a:t> number of days for duration</a:t>
+                      </a:r>
+                      <a:endParaRPr lang="en-US" dirty="0"/>
+                    </a:p>
+                  </a:txBody>
+                  <a:tcPr/>
+                </a:tc>
+                <a:tc>
+                  <a:txBody>
+                    <a:bodyPr/>
+                    <a:lstStyle/>
+                    <a:p>
+                      <a:endParaRPr lang="en-US"/>
+                    </a:p>
+                  </a:txBody>
+                  <a:tcPr/>
+                </a:tc>
+                <a:tc>
+                  <a:txBody>
+                    <a:bodyPr/>
+                    <a:lstStyle/>
+                    <a:p>
+                      <a:endParaRPr lang="en-US"/>
+                    </a:p>
+                  </a:txBody>
+                  <a:tcPr/>
+                </a:tc>
+                <a:tc>
+                  <a:txBody>
+                    <a:bodyPr/>
+                    <a:lstStyle/>
+                    <a:p>
+                      <a:endParaRPr lang="en-US"/>
+                    </a:p>
+                  </a:txBody>
+                  <a:tcPr/>
+                </a:tc>
+              </a:tr>
+              <a:tr h="370840">
+                <a:tc>
+                  <a:txBody>
+                    <a:bodyPr/>
+                    <a:lstStyle/>
+                    <a:p>
+                      <a:r>
+                        <a:rPr lang="en-US" dirty="0" smtClean="0"/>
+                        <a:t>Rule applied to prescription</a:t>
+                      </a:r>
+                      <a:r>
+                        <a:rPr lang="en-US" baseline="0" dirty="0" smtClean="0"/>
+                        <a:t> and appropriate response built</a:t>
+                      </a:r>
+                      <a:endParaRPr lang="en-US" dirty="0"/>
+                    </a:p>
+                  </a:txBody>
+                  <a:tcPr/>
+                </a:tc>
+                <a:tc>
+                  <a:txBody>
+                    <a:bodyPr/>
+                    <a:lstStyle/>
+                    <a:p>
+                      <a:endParaRPr lang="en-US"/>
+                    </a:p>
+                  </a:txBody>
+                  <a:tcPr/>
+                </a:tc>
+                <a:tc>
+                  <a:txBody>
+                    <a:bodyPr/>
+                    <a:lstStyle/>
+                    <a:p>
+                      <a:endParaRPr lang="en-US"/>
+                    </a:p>
+                  </a:txBody>
+                  <a:tcPr/>
+                </a:tc>
+                <a:tc>
+                  <a:txBody>
+                    <a:bodyPr/>
+                    <a:lstStyle/>
+                    <a:p>
+                      <a:endParaRPr lang="en-US"/>
+                    </a:p>
+                  </a:txBody>
+                  <a:tcPr/>
+                </a:tc>
+              </a:tr>
+              <a:tr h="529573">
+                <a:tc>
+                  <a:txBody>
+                    <a:bodyPr/>
+                    <a:lstStyle/>
+                    <a:p>
+                      <a:r>
+                        <a:rPr lang="en-US" dirty="0" smtClean="0"/>
+                        <a:t>Inform</a:t>
+                      </a:r>
+                      <a:r>
+                        <a:rPr lang="en-US" baseline="0" dirty="0" smtClean="0"/>
+                        <a:t> user in UI if rule violated</a:t>
+                      </a:r>
+                      <a:endParaRPr lang="en-US" dirty="0"/>
+                    </a:p>
+                  </a:txBody>
+                  <a:tcPr/>
+                </a:tc>
+                <a:tc>
+                  <a:txBody>
+                    <a:bodyPr/>
+                    <a:lstStyle/>
+                    <a:p>
+                      <a:endParaRPr lang="en-US" dirty="0"/>
+                    </a:p>
+                  </a:txBody>
+                  <a:tcPr/>
+                </a:tc>
+                <a:tc>
+                  <a:txBody>
+                    <a:bodyPr/>
+                    <a:lstStyle/>
+                    <a:p>
+                      <a:endParaRPr lang="en-US" dirty="0"/>
+                    </a:p>
+                  </a:txBody>
+                  <a:tcPr/>
+                </a:tc>
+                <a:tc>
+                  <a:txBody>
+                    <a:bodyPr/>
+                    <a:lstStyle/>
+                    <a:p>
+                      <a:endParaRPr lang="en-US" dirty="0"/>
+                    </a:p>
+                  </a:txBody>
+                  <a:tcPr/>
+                </a:tc>
+              </a:tr>
+            </a:tbl>
+          </a:graphicData>
+        </a:graphic>
+      </p:graphicFrame>
+      <p:pic>
+        <p:nvPicPr>
+          <p:cNvPr id="5" name="Picture 4"/>
+          <p:cNvPicPr>
+            <a:picLocks noChangeAspect="1"/>
+          </p:cNvPicPr>
+          <p:nvPr/>
+        </p:nvPicPr>
+        <p:blipFill>
+          <a:blip r:embed="rId2">
+            <a:extLst>
+              <a:ext uri="{28A0092B-C50C-407E-A947-70E740481C1C}">
+                <a14:useLocalDpi xmlns:a14="http://schemas.microsoft.com/office/drawing/2010/main" val="0"/>
+              </a:ext>
+            </a:extLst>
+          </a:blip>
+          <a:stretch>
+            <a:fillRect/>
+          </a:stretch>
+        </p:blipFill>
+        <p:spPr>
+          <a:xfrm>
+            <a:off x="9733005" y="4887247"/>
+            <a:ext cx="471771" cy="471771"/>
+          </a:xfrm>
+          <a:prstGeom prst="rect">
+            <a:avLst/>
+          </a:prstGeom>
+        </p:spPr>
+      </p:pic>
+      <p:pic>
+        <p:nvPicPr>
+          <p:cNvPr id="6" name="Picture 5"/>
+          <p:cNvPicPr>
+            <a:picLocks noChangeAspect="1"/>
+          </p:cNvPicPr>
+          <p:nvPr/>
+        </p:nvPicPr>
+        <p:blipFill>
+          <a:blip r:embed="rId2">
+            <a:extLst>
+              <a:ext uri="{28A0092B-C50C-407E-A947-70E740481C1C}">
+                <a14:useLocalDpi xmlns:a14="http://schemas.microsoft.com/office/drawing/2010/main" val="0"/>
+              </a:ext>
+            </a:extLst>
+          </a:blip>
+          <a:stretch>
+            <a:fillRect/>
+          </a:stretch>
+        </p:blipFill>
+        <p:spPr>
+          <a:xfrm>
+            <a:off x="4683211" y="2800556"/>
+            <a:ext cx="471771" cy="471771"/>
+          </a:xfrm>
+          <a:prstGeom prst="rect">
+            <a:avLst/>
+          </a:prstGeom>
+        </p:spPr>
+      </p:pic>
+      <p:pic>
+        <p:nvPicPr>
+          <p:cNvPr id="8" name="Picture 7"/>
+          <p:cNvPicPr>
+            <a:picLocks noChangeAspect="1"/>
+          </p:cNvPicPr>
+          <p:nvPr/>
+        </p:nvPicPr>
+        <p:blipFill>
+          <a:blip r:embed="rId2">
+            <a:extLst>
+              <a:ext uri="{28A0092B-C50C-407E-A947-70E740481C1C}">
+                <a14:useLocalDpi xmlns:a14="http://schemas.microsoft.com/office/drawing/2010/main" val="0"/>
+              </a:ext>
+            </a:extLst>
+          </a:blip>
+          <a:stretch>
+            <a:fillRect/>
+          </a:stretch>
+        </p:blipFill>
+        <p:spPr>
+          <a:xfrm>
+            <a:off x="7059825" y="4178449"/>
+            <a:ext cx="471771" cy="471771"/>
+          </a:xfrm>
+          <a:prstGeom prst="rect">
+            <a:avLst/>
+          </a:prstGeom>
+        </p:spPr>
+      </p:pic>
+      <p:pic>
+        <p:nvPicPr>
+          <p:cNvPr id="9" name="Picture 8"/>
+          <p:cNvPicPr>
+            <a:picLocks noChangeAspect="1"/>
+          </p:cNvPicPr>
+          <p:nvPr/>
+        </p:nvPicPr>
+        <p:blipFill>
+          <a:blip r:embed="rId2">
+            <a:extLst>
+              <a:ext uri="{28A0092B-C50C-407E-A947-70E740481C1C}">
+                <a14:useLocalDpi xmlns:a14="http://schemas.microsoft.com/office/drawing/2010/main" val="0"/>
+              </a:ext>
+            </a:extLst>
+          </a:blip>
+          <a:stretch>
+            <a:fillRect/>
+          </a:stretch>
+        </p:blipFill>
+        <p:spPr>
+          <a:xfrm>
+            <a:off x="7059826" y="3421526"/>
+            <a:ext cx="471771" cy="471771"/>
+          </a:xfrm>
+          <a:prstGeom prst="rect">
+            <a:avLst/>
+          </a:prstGeom>
+        </p:spPr>
+      </p:pic>
+      <p:pic>
+        <p:nvPicPr>
+          <p:cNvPr id="10" name="Picture 9"/>
+          <p:cNvPicPr>
+            <a:picLocks noChangeAspect="1"/>
+          </p:cNvPicPr>
+          <p:nvPr/>
+        </p:nvPicPr>
+        <p:blipFill>
+          <a:blip r:embed="rId2">
+            <a:extLst>
+              <a:ext uri="{28A0092B-C50C-407E-A947-70E740481C1C}">
+                <a14:useLocalDpi xmlns:a14="http://schemas.microsoft.com/office/drawing/2010/main" val="0"/>
+              </a:ext>
+            </a:extLst>
+          </a:blip>
+          <a:stretch>
+            <a:fillRect/>
+          </a:stretch>
+        </p:blipFill>
+        <p:spPr>
+          <a:xfrm>
+            <a:off x="7059827" y="2800556"/>
+            <a:ext cx="471771" cy="471771"/>
+          </a:xfrm>
+          <a:prstGeom prst="rect">
+            <a:avLst/>
+          </a:prstGeom>
+        </p:spPr>
+      </p:pic>
+      <p:pic>
+        <p:nvPicPr>
+          <p:cNvPr id="11" name="Picture 10"/>
+          <p:cNvPicPr>
+            <a:picLocks noChangeAspect="1"/>
+          </p:cNvPicPr>
+          <p:nvPr/>
+        </p:nvPicPr>
+        <p:blipFill>
+          <a:blip r:embed="rId2">
+            <a:extLst>
+              <a:ext uri="{28A0092B-C50C-407E-A947-70E740481C1C}">
+                <a14:useLocalDpi xmlns:a14="http://schemas.microsoft.com/office/drawing/2010/main" val="0"/>
+              </a:ext>
+            </a:extLst>
+          </a:blip>
+          <a:stretch>
+            <a:fillRect/>
+          </a:stretch>
+        </p:blipFill>
+        <p:spPr>
+          <a:xfrm>
+            <a:off x="4683210" y="3421526"/>
+            <a:ext cx="471771" cy="471771"/>
+          </a:xfrm>
+          <a:prstGeom prst="rect">
+            <a:avLst/>
+          </a:prstGeom>
+        </p:spPr>
+      </p:pic>
+      <p:pic>
+        <p:nvPicPr>
+          <p:cNvPr id="12" name="Picture 11"/>
+          <p:cNvPicPr>
+            <a:picLocks noChangeAspect="1"/>
+          </p:cNvPicPr>
+          <p:nvPr/>
+        </p:nvPicPr>
+        <p:blipFill>
+          <a:blip r:embed="rId2">
+            <a:extLst>
+              <a:ext uri="{28A0092B-C50C-407E-A947-70E740481C1C}">
+                <a14:useLocalDpi xmlns:a14="http://schemas.microsoft.com/office/drawing/2010/main" val="0"/>
+              </a:ext>
+            </a:extLst>
+          </a:blip>
+          <a:stretch>
+            <a:fillRect/>
+          </a:stretch>
+        </p:blipFill>
+        <p:spPr>
+          <a:xfrm>
+            <a:off x="4683210" y="4178449"/>
+            <a:ext cx="471771" cy="471771"/>
+          </a:xfrm>
+          <a:prstGeom prst="rect">
+            <a:avLst/>
+          </a:prstGeom>
+        </p:spPr>
+      </p:pic>
+      <p:pic>
+        <p:nvPicPr>
+          <p:cNvPr id="13" name="Picture 12"/>
+          <p:cNvPicPr>
+            <a:picLocks noChangeAspect="1"/>
+          </p:cNvPicPr>
+          <p:nvPr/>
+        </p:nvPicPr>
+        <p:blipFill>
+          <a:blip r:embed="rId2">
+            <a:extLst>
+              <a:ext uri="{28A0092B-C50C-407E-A947-70E740481C1C}">
+                <a14:useLocalDpi xmlns:a14="http://schemas.microsoft.com/office/drawing/2010/main" val="0"/>
+              </a:ext>
+            </a:extLst>
+          </a:blip>
+          <a:stretch>
+            <a:fillRect/>
+          </a:stretch>
+        </p:blipFill>
+        <p:spPr>
+          <a:xfrm>
+            <a:off x="4683210" y="4887247"/>
+            <a:ext cx="471771" cy="471771"/>
+          </a:xfrm>
+          <a:prstGeom prst="rect">
+            <a:avLst/>
+          </a:prstGeom>
+        </p:spPr>
+      </p:pic>
     </p:spTree>
     <p:extLst>
       <p:ext uri="{BB962C8B-B14F-4D97-AF65-F5344CB8AC3E}">
-        <p14:creationId xmlns:p14="http://schemas.microsoft.com/office/powerpoint/2010/main" val="1254851648"/>
+        <p14:creationId xmlns:p14="http://schemas.microsoft.com/office/powerpoint/2010/main" val="2111955063"/>
       </p:ext>
     </p:extLst>
   </p:cSld>
   <p:clrMapOvr>
     <a:masterClrMapping/>
   </p:clrMapOvr>
+  <p:timing>
+    <p:tnLst>
+      <p:par>
+        <p:cTn id="1" dur="indefinite" restart="never" nodeType="tmRoot"/>
+      </p:par>
+    </p:tnLst>
+  </p:timing>
 </p:sld>
 </file>
 

--- a/Test Pyramid Presentation.pptx
+++ b/Test Pyramid Presentation.pptx
@@ -211,7 +211,7 @@
           <a:p>
             <a:fld id="{51E71193-F4DE-7347-96CF-6A9725F5B501}" type="datetimeFigureOut">
               <a:rPr lang="en-US" smtClean="0"/>
-              <a:t>5/5/17</a:t>
+              <a:t>5/15/17</a:t>
             </a:fld>
             <a:endParaRPr lang="en-US"/>
           </a:p>
@@ -554,6 +554,178 @@
     <p:extLst>
       <p:ext uri="{BB962C8B-B14F-4D97-AF65-F5344CB8AC3E}">
         <p14:creationId xmlns:p14="http://schemas.microsoft.com/office/powerpoint/2010/main" val="845974201"/>
+      </p:ext>
+    </p:extLst>
+  </p:cSld>
+  <p:clrMapOvr>
+    <a:masterClrMapping/>
+  </p:clrMapOvr>
+</p:notes>
+</file>
+
+<file path=ppt/notesSlides/notesSlide2.xml><?xml version="1.0" encoding="utf-8"?>
+<p:notes xmlns:a="http://schemas.openxmlformats.org/drawingml/2006/main" xmlns:r="http://schemas.openxmlformats.org/officeDocument/2006/relationships" xmlns:p="http://schemas.openxmlformats.org/presentationml/2006/main">
+  <p:cSld>
+    <p:spTree>
+      <p:nvGrpSpPr>
+        <p:cNvPr id="1" name=""/>
+        <p:cNvGrpSpPr/>
+        <p:nvPr/>
+      </p:nvGrpSpPr>
+      <p:grpSpPr>
+        <a:xfrm>
+          <a:off x="0" y="0"/>
+          <a:ext cx="0" cy="0"/>
+          <a:chOff x="0" y="0"/>
+          <a:chExt cx="0" cy="0"/>
+        </a:xfrm>
+      </p:grpSpPr>
+      <p:sp>
+        <p:nvSpPr>
+          <p:cNvPr id="2" name="Slide Image Placeholder 1"/>
+          <p:cNvSpPr>
+            <a:spLocks noGrp="1" noRot="1" noChangeAspect="1"/>
+          </p:cNvSpPr>
+          <p:nvPr>
+            <p:ph type="sldImg"/>
+          </p:nvPr>
+        </p:nvSpPr>
+        <p:spPr/>
+      </p:sp>
+      <p:sp>
+        <p:nvSpPr>
+          <p:cNvPr id="3" name="Notes Placeholder 2"/>
+          <p:cNvSpPr>
+            <a:spLocks noGrp="1"/>
+          </p:cNvSpPr>
+          <p:nvPr>
+            <p:ph type="body" idx="1"/>
+          </p:nvPr>
+        </p:nvSpPr>
+        <p:spPr/>
+        <p:txBody>
+          <a:bodyPr/>
+          <a:lstStyle/>
+          <a:p>
+            <a:pPr marL="171450" indent="-171450">
+              <a:buFont typeface="Arial" charset="0"/>
+              <a:buChar char="•"/>
+            </a:pPr>
+            <a:r>
+              <a:rPr lang="en-US" dirty="0" err="1" smtClean="0"/>
+              <a:t>OpiatesDrugConceptShould</a:t>
+            </a:r>
+            <a:r>
+              <a:rPr lang="en-US" baseline="0" dirty="0" smtClean="0"/>
+              <a:t> states and tests the design of the classes used to determine if a drug is in this class.  </a:t>
+            </a:r>
+            <a:r>
+              <a:rPr lang="en-US" baseline="0" dirty="0" err="1" smtClean="0"/>
+              <a:t>DispensableDrug</a:t>
+            </a:r>
+            <a:r>
+              <a:rPr lang="en-US" baseline="0" dirty="0" smtClean="0"/>
+              <a:t>, </a:t>
+            </a:r>
+            <a:r>
+              <a:rPr lang="en-US" baseline="0" dirty="0" err="1" smtClean="0"/>
+              <a:t>EDrugClassification</a:t>
+            </a:r>
+            <a:r>
+              <a:rPr lang="en-US" baseline="0" dirty="0" smtClean="0"/>
+              <a:t>, and </a:t>
+            </a:r>
+            <a:r>
+              <a:rPr lang="en-US" baseline="0" dirty="0" err="1" smtClean="0"/>
+              <a:t>OpiatesDrugConcept</a:t>
+            </a:r>
+            <a:r>
+              <a:rPr lang="en-US" baseline="0" dirty="0" smtClean="0"/>
+              <a:t> classes interact </a:t>
+            </a:r>
+            <a:r>
+              <a:rPr lang="en-US" baseline="0" smtClean="0"/>
+              <a:t>to implement </a:t>
+            </a:r>
+            <a:r>
+              <a:rPr lang="en-US" baseline="0" dirty="0" smtClean="0"/>
+              <a:t>this feature.</a:t>
+            </a:r>
+          </a:p>
+          <a:p>
+            <a:pPr marL="171450" indent="-171450">
+              <a:buFont typeface="Arial" charset="0"/>
+              <a:buChar char="•"/>
+            </a:pPr>
+            <a:r>
+              <a:rPr lang="en-US" baseline="0" dirty="0" smtClean="0"/>
+              <a:t>The </a:t>
+            </a:r>
+            <a:r>
+              <a:rPr lang="en-US" baseline="0" dirty="0" err="1" smtClean="0"/>
+              <a:t>fitnesse</a:t>
+            </a:r>
+            <a:r>
+              <a:rPr lang="en-US" baseline="0" dirty="0" smtClean="0"/>
+              <a:t> tests covers the full requirements for this part of the feature </a:t>
+            </a:r>
+            <a:r>
+              <a:rPr lang="mr-IN" baseline="0" dirty="0" smtClean="0"/>
+              <a:t>–</a:t>
+            </a:r>
+            <a:r>
+              <a:rPr lang="en-US" baseline="0" dirty="0" smtClean="0"/>
+              <a:t> specifies each drug classification that should be considered an opiate.  The unit test does not do this, so there is little overlap in what is being tested.</a:t>
+            </a:r>
+          </a:p>
+          <a:p>
+            <a:pPr marL="171450" indent="-171450">
+              <a:buFont typeface="Arial" charset="0"/>
+              <a:buChar char="•"/>
+            </a:pPr>
+            <a:r>
+              <a:rPr lang="en-US" baseline="0" dirty="0" smtClean="0"/>
+              <a:t>Unit test is testing the design and implementation of the units of code supporting this part of the feature, </a:t>
+            </a:r>
+            <a:r>
+              <a:rPr lang="en-US" baseline="0" dirty="0" err="1" smtClean="0"/>
+              <a:t>fitnesse</a:t>
+            </a:r>
+            <a:r>
+              <a:rPr lang="en-US" baseline="0" dirty="0" smtClean="0"/>
+              <a:t> is specifying and testing the requirements for this part of the feature.</a:t>
+            </a:r>
+            <a:endParaRPr lang="en-US" dirty="0"/>
+          </a:p>
+        </p:txBody>
+      </p:sp>
+      <p:sp>
+        <p:nvSpPr>
+          <p:cNvPr id="4" name="Slide Number Placeholder 3"/>
+          <p:cNvSpPr>
+            <a:spLocks noGrp="1"/>
+          </p:cNvSpPr>
+          <p:nvPr>
+            <p:ph type="sldNum" sz="quarter" idx="10"/>
+          </p:nvPr>
+        </p:nvSpPr>
+        <p:spPr/>
+        <p:txBody>
+          <a:bodyPr/>
+          <a:lstStyle/>
+          <a:p>
+            <a:fld id="{C0CB0DF1-2E1C-3F45-9F83-336FA6343465}" type="slidenum">
+              <a:rPr lang="en-US" smtClean="0"/>
+              <a:t>11</a:t>
+            </a:fld>
+            <a:endParaRPr lang="en-US"/>
+          </a:p>
+        </p:txBody>
+      </p:sp>
+    </p:spTree>
+    <p:extLst>
+      <p:ext uri="{BB962C8B-B14F-4D97-AF65-F5344CB8AC3E}">
+        <p14:creationId xmlns:p14="http://schemas.microsoft.com/office/powerpoint/2010/main" val="217819998"/>
       </p:ext>
     </p:extLst>
   </p:cSld>
@@ -3109,7 +3281,7 @@
             <p:ph idx="1"/>
             <p:extLst>
               <p:ext uri="{D42A27DB-BD31-4B8C-83A1-F6EECF244321}">
-                <p14:modId xmlns:p14="http://schemas.microsoft.com/office/powerpoint/2010/main" val="1259393266"/>
+                <p14:modId xmlns:p14="http://schemas.microsoft.com/office/powerpoint/2010/main" val="427559918"/>
               </p:ext>
             </p:extLst>
           </p:nvPr>
@@ -3231,7 +3403,7 @@
                     <a:bodyPr/>
                     <a:lstStyle/>
                     <a:p>
-                      <a:endParaRPr lang="en-US" dirty="0"/>
+                      <a:endParaRPr lang="en-US" sz="2000" dirty="0"/>
                     </a:p>
                   </a:txBody>
                   <a:tcPr/>
@@ -3260,7 +3432,7 @@
           <p:nvPr/>
         </p:nvPicPr>
         <p:blipFill>
-          <a:blip r:embed="rId2">
+          <a:blip r:embed="rId3">
             <a:extLst>
               <a:ext uri="{28A0092B-C50C-407E-A947-70E740481C1C}">
                 <a14:useLocalDpi xmlns:a14="http://schemas.microsoft.com/office/drawing/2010/main" val="0"/>
@@ -3290,7 +3462,7 @@
           <p:nvPr/>
         </p:nvPicPr>
         <p:blipFill>
-          <a:blip r:embed="rId2">
+          <a:blip r:embed="rId3">
             <a:extLst>
               <a:ext uri="{28A0092B-C50C-407E-A947-70E740481C1C}">
                 <a14:useLocalDpi xmlns:a14="http://schemas.microsoft.com/office/drawing/2010/main" val="0"/>
@@ -3320,7 +3492,7 @@
           <p:nvPr/>
         </p:nvPicPr>
         <p:blipFill>
-          <a:blip r:embed="rId3">
+          <a:blip r:embed="rId4">
             <a:extLst>
               <a:ext uri="{28A0092B-C50C-407E-A947-70E740481C1C}">
                 <a14:useLocalDpi xmlns:a14="http://schemas.microsoft.com/office/drawing/2010/main" val="0"/>
@@ -3341,86 +3513,6 @@
           </a:prstGeom>
         </p:spPr>
       </p:pic>
-      <p:sp>
-        <p:nvSpPr>
-          <p:cNvPr id="8" name="TextBox 7"/>
-          <p:cNvSpPr txBox="1"/>
-          <p:nvPr/>
-        </p:nvSpPr>
-        <p:spPr>
-          <a:xfrm>
-            <a:off x="838200" y="3207948"/>
-            <a:ext cx="3731740" cy="2585323"/>
-          </a:xfrm>
-          <a:prstGeom prst="rect">
-            <a:avLst/>
-          </a:prstGeom>
-          <a:noFill/>
-        </p:spPr>
-        <p:txBody>
-          <a:bodyPr wrap="square" rtlCol="0">
-            <a:spAutoFit/>
-          </a:bodyPr>
-          <a:lstStyle/>
-          <a:p>
-            <a:r>
-              <a:rPr lang="en-US" dirty="0" smtClean="0">
-                <a:hlinkClick r:id="rId4"/>
-              </a:rPr>
-              <a:t>OpiatesDrugConceptShould </a:t>
-            </a:r>
-            <a:r>
-              <a:rPr lang="en-US" dirty="0" smtClean="0"/>
-              <a:t>unit test</a:t>
-            </a:r>
-          </a:p>
-          <a:p>
-            <a:pPr marL="285750" indent="-285750">
-              <a:buFont typeface="Arial" charset="0"/>
-              <a:buChar char="•"/>
-            </a:pPr>
-            <a:r>
-              <a:rPr lang="en-US" dirty="0" smtClean="0"/>
-              <a:t>Verifies </a:t>
-            </a:r>
-            <a:r>
-              <a:rPr lang="en-US" dirty="0" err="1" smtClean="0"/>
-              <a:t>OpiateDrugConcept</a:t>
-            </a:r>
-            <a:r>
-              <a:rPr lang="en-US" dirty="0" smtClean="0"/>
-              <a:t> class interacts with </a:t>
-            </a:r>
-            <a:r>
-              <a:rPr lang="en-US" dirty="0" err="1" smtClean="0"/>
-              <a:t>DispensableDrug</a:t>
-            </a:r>
-            <a:r>
-              <a:rPr lang="en-US" dirty="0" smtClean="0"/>
-              <a:t> class to determine if a drug is in concept.</a:t>
-            </a:r>
-          </a:p>
-          <a:p>
-            <a:pPr marL="285750" indent="-285750">
-              <a:buFont typeface="Arial" charset="0"/>
-              <a:buChar char="•"/>
-            </a:pPr>
-            <a:r>
-              <a:rPr lang="en-US" dirty="0" smtClean="0"/>
-              <a:t>Does not verify entirety of what constitutes a drug in concept, </a:t>
-            </a:r>
-            <a:r>
-              <a:rPr lang="en-US" dirty="0" err="1" smtClean="0"/>
-              <a:t>Fitnesse</a:t>
-            </a:r>
-            <a:r>
-              <a:rPr lang="en-US" dirty="0" smtClean="0"/>
-              <a:t> test defined by customer will do that. </a:t>
-            </a:r>
-            <a:endParaRPr lang="en-US" dirty="0"/>
-          </a:p>
-        </p:txBody>
-      </p:sp>
       <p:cxnSp>
         <p:nvCxnSpPr>
           <p:cNvPr id="10" name="Straight Arrow Connector 9"/>
@@ -3487,6 +3579,100 @@
           </a:fontRef>
         </p:style>
       </p:cxnSp>
+      <p:pic>
+        <p:nvPicPr>
+          <p:cNvPr id="3" name="Picture 2"/>
+          <p:cNvPicPr>
+            <a:picLocks noChangeAspect="1"/>
+          </p:cNvPicPr>
+          <p:nvPr/>
+        </p:nvPicPr>
+        <p:blipFill>
+          <a:blip r:embed="rId5">
+            <a:extLst>
+              <a:ext uri="{28A0092B-C50C-407E-A947-70E740481C1C}">
+                <a14:useLocalDpi xmlns:a14="http://schemas.microsoft.com/office/drawing/2010/main" val="0"/>
+              </a:ext>
+            </a:extLst>
+          </a:blip>
+          <a:stretch>
+            <a:fillRect/>
+          </a:stretch>
+        </p:blipFill>
+        <p:spPr>
+          <a:xfrm>
+            <a:off x="475897" y="3336324"/>
+            <a:ext cx="3992262" cy="2875456"/>
+          </a:xfrm>
+          <a:prstGeom prst="rect">
+            <a:avLst/>
+          </a:prstGeom>
+        </p:spPr>
+      </p:pic>
+      <p:sp>
+        <p:nvSpPr>
+          <p:cNvPr id="9" name="TextBox 8"/>
+          <p:cNvSpPr txBox="1"/>
+          <p:nvPr/>
+        </p:nvSpPr>
+        <p:spPr>
+          <a:xfrm>
+            <a:off x="6114147" y="2313280"/>
+            <a:ext cx="1232582" cy="369332"/>
+          </a:xfrm>
+          <a:prstGeom prst="rect">
+            <a:avLst/>
+          </a:prstGeom>
+          <a:noFill/>
+        </p:spPr>
+        <p:txBody>
+          <a:bodyPr wrap="none" rtlCol="0">
+            <a:spAutoFit/>
+          </a:bodyPr>
+          <a:lstStyle/>
+          <a:p>
+            <a:r>
+              <a:rPr lang="en-US" dirty="0" smtClean="0">
+                <a:hlinkClick r:id="rId6"/>
+              </a:rPr>
+              <a:t>Test source</a:t>
+            </a:r>
+            <a:endParaRPr lang="en-US" dirty="0"/>
+          </a:p>
+        </p:txBody>
+      </p:sp>
+      <p:sp>
+        <p:nvSpPr>
+          <p:cNvPr id="12" name="TextBox 11"/>
+          <p:cNvSpPr txBox="1"/>
+          <p:nvPr/>
+        </p:nvSpPr>
+        <p:spPr>
+          <a:xfrm>
+            <a:off x="3831034" y="2309696"/>
+            <a:ext cx="1232582" cy="369332"/>
+          </a:xfrm>
+          <a:prstGeom prst="rect">
+            <a:avLst/>
+          </a:prstGeom>
+          <a:noFill/>
+        </p:spPr>
+        <p:txBody>
+          <a:bodyPr wrap="none" rtlCol="0">
+            <a:spAutoFit/>
+          </a:bodyPr>
+          <a:lstStyle/>
+          <a:p>
+            <a:r>
+              <a:rPr lang="en-US" dirty="0" smtClean="0">
+                <a:hlinkClick r:id="rId7"/>
+              </a:rPr>
+              <a:t>Test source</a:t>
+            </a:r>
+            <a:endParaRPr lang="en-US" dirty="0"/>
+          </a:p>
+        </p:txBody>
+      </p:sp>
     </p:spTree>
     <p:extLst>
       <p:ext uri="{BB962C8B-B14F-4D97-AF65-F5344CB8AC3E}">
@@ -3898,11 +4084,7 @@
             </a:pPr>
             <a:r>
               <a:rPr lang="en-US" sz="2400" dirty="0" smtClean="0"/>
-              <a:t>Foundational </a:t>
-            </a:r>
-            <a:r>
-              <a:rPr lang="en-US" sz="2400" dirty="0" smtClean="0"/>
-              <a:t>base of unit tests.</a:t>
+              <a:t>Foundational base of unit tests.</a:t>
             </a:r>
           </a:p>
           <a:p>

--- a/Test Pyramid Presentation.pptx
+++ b/Test Pyramid Presentation.pptx
@@ -19,8 +19,8 @@
     <p:sldId id="263" r:id="rId10"/>
     <p:sldId id="264" r:id="rId11"/>
     <p:sldId id="265" r:id="rId12"/>
-    <p:sldId id="266" r:id="rId13"/>
-    <p:sldId id="267" r:id="rId14"/>
+    <p:sldId id="272" r:id="rId13"/>
+    <p:sldId id="273" r:id="rId14"/>
     <p:sldId id="268" r:id="rId15"/>
     <p:sldId id="261" r:id="rId16"/>
   </p:sldIdLst>
@@ -211,7 +211,7 @@
           <a:p>
             <a:fld id="{51E71193-F4DE-7347-96CF-6A9725F5B501}" type="datetimeFigureOut">
               <a:rPr lang="en-US" smtClean="0"/>
-              <a:t>5/15/17</a:t>
+              <a:t>5/16/17</a:t>
             </a:fld>
             <a:endParaRPr lang="en-US"/>
           </a:p>
@@ -607,6 +607,46 @@
           <a:bodyPr/>
           <a:lstStyle/>
           <a:p>
+            <a:pPr marL="171450" marR="0" indent="-171450" algn="l" defTabSz="914400" rtl="0" eaLnBrk="1" fontAlgn="auto" latinLnBrk="0" hangingPunct="1">
+              <a:lnSpc>
+                <a:spcPct val="100000"/>
+              </a:lnSpc>
+              <a:spcBef>
+                <a:spcPts val="0"/>
+              </a:spcBef>
+              <a:spcAft>
+                <a:spcPts val="0"/>
+              </a:spcAft>
+              <a:buClrTx/>
+              <a:buSzTx/>
+              <a:buFont typeface="Arial" charset="0"/>
+              <a:buChar char="•"/>
+              <a:tabLst/>
+              <a:defRPr/>
+            </a:pPr>
+            <a:r>
+              <a:rPr lang="en-US" baseline="0" dirty="0" smtClean="0"/>
+              <a:t>The </a:t>
+            </a:r>
+            <a:r>
+              <a:rPr lang="en-US" baseline="0" dirty="0" err="1" smtClean="0"/>
+              <a:t>fitnesse</a:t>
+            </a:r>
+            <a:r>
+              <a:rPr lang="en-US" baseline="0" dirty="0" smtClean="0"/>
+              <a:t> tests covers the full requirements for this part of the feature </a:t>
+            </a:r>
+            <a:r>
+              <a:rPr lang="mr-IN" baseline="0" dirty="0" smtClean="0"/>
+              <a:t>–</a:t>
+            </a:r>
+            <a:r>
+              <a:rPr lang="en-US" baseline="0" dirty="0" smtClean="0"/>
+              <a:t> specifies each drug classification that should be considered an opiate.</a:t>
+            </a:r>
+            <a:endParaRPr lang="en-US" dirty="0" smtClean="0"/>
+          </a:p>
+          <a:p>
             <a:pPr marL="171450" indent="-171450">
               <a:buFont typeface="Arial" charset="0"/>
               <a:buChar char="•"/>
@@ -641,15 +681,7 @@
             </a:r>
             <a:r>
               <a:rPr lang="en-US" baseline="0" dirty="0" smtClean="0"/>
-              <a:t> classes interact </a:t>
-            </a:r>
-            <a:r>
-              <a:rPr lang="en-US" baseline="0" smtClean="0"/>
-              <a:t>to implement </a:t>
-            </a:r>
-            <a:r>
-              <a:rPr lang="en-US" baseline="0" dirty="0" smtClean="0"/>
-              <a:t>this feature.</a:t>
+              <a:t> classes interact to implement this feature.</a:t>
             </a:r>
           </a:p>
           <a:p>
@@ -659,7 +691,7 @@
             </a:pPr>
             <a:r>
               <a:rPr lang="en-US" baseline="0" dirty="0" smtClean="0"/>
-              <a:t>The </a:t>
+              <a:t>Unit test is testing the design and implementation of the units of code supporting this part of the feature, </a:t>
             </a:r>
             <a:r>
               <a:rPr lang="en-US" baseline="0" dirty="0" err="1" smtClean="0"/>
@@ -667,7 +699,7 @@
             </a:r>
             <a:r>
               <a:rPr lang="en-US" baseline="0" dirty="0" smtClean="0"/>
-              <a:t> tests covers the full requirements for this part of the feature </a:t>
+              <a:t> is specifying and testing the requirements for this part of the feature.  There is little overlap or duplication between the tests for this reason </a:t>
             </a:r>
             <a:r>
               <a:rPr lang="mr-IN" baseline="0" dirty="0" smtClean="0"/>
@@ -675,25 +707,7 @@
             </a:r>
             <a:r>
               <a:rPr lang="en-US" baseline="0" dirty="0" smtClean="0"/>
-              <a:t> specifies each drug classification that should be considered an opiate.  The unit test does not do this, so there is little overlap in what is being tested.</a:t>
-            </a:r>
-          </a:p>
-          <a:p>
-            <a:pPr marL="171450" indent="-171450">
-              <a:buFont typeface="Arial" charset="0"/>
-              <a:buChar char="•"/>
-            </a:pPr>
-            <a:r>
-              <a:rPr lang="en-US" baseline="0" dirty="0" smtClean="0"/>
-              <a:t>Unit test is testing the design and implementation of the units of code supporting this part of the feature, </a:t>
-            </a:r>
-            <a:r>
-              <a:rPr lang="en-US" baseline="0" dirty="0" err="1" smtClean="0"/>
-              <a:t>fitnesse</a:t>
-            </a:r>
-            <a:r>
-              <a:rPr lang="en-US" baseline="0" dirty="0" smtClean="0"/>
-              <a:t> is specifying and testing the requirements for this part of the feature.</a:t>
+              <a:t> they complement, not duplicate one another.</a:t>
             </a:r>
             <a:endParaRPr lang="en-US" dirty="0"/>
           </a:p>
@@ -726,6 +740,380 @@
     <p:extLst>
       <p:ext uri="{BB962C8B-B14F-4D97-AF65-F5344CB8AC3E}">
         <p14:creationId xmlns:p14="http://schemas.microsoft.com/office/powerpoint/2010/main" val="217819998"/>
+      </p:ext>
+    </p:extLst>
+  </p:cSld>
+  <p:clrMapOvr>
+    <a:masterClrMapping/>
+  </p:clrMapOvr>
+</p:notes>
+</file>
+
+<file path=ppt/notesSlides/notesSlide3.xml><?xml version="1.0" encoding="utf-8"?>
+<p:notes xmlns:a="http://schemas.openxmlformats.org/drawingml/2006/main" xmlns:r="http://schemas.openxmlformats.org/officeDocument/2006/relationships" xmlns:p="http://schemas.openxmlformats.org/presentationml/2006/main">
+  <p:cSld>
+    <p:spTree>
+      <p:nvGrpSpPr>
+        <p:cNvPr id="1" name=""/>
+        <p:cNvGrpSpPr/>
+        <p:nvPr/>
+      </p:nvGrpSpPr>
+      <p:grpSpPr>
+        <a:xfrm>
+          <a:off x="0" y="0"/>
+          <a:ext cx="0" cy="0"/>
+          <a:chOff x="0" y="0"/>
+          <a:chExt cx="0" cy="0"/>
+        </a:xfrm>
+      </p:grpSpPr>
+      <p:sp>
+        <p:nvSpPr>
+          <p:cNvPr id="2" name="Slide Image Placeholder 1"/>
+          <p:cNvSpPr>
+            <a:spLocks noGrp="1" noRot="1" noChangeAspect="1"/>
+          </p:cNvSpPr>
+          <p:nvPr>
+            <p:ph type="sldImg"/>
+          </p:nvPr>
+        </p:nvSpPr>
+        <p:spPr/>
+      </p:sp>
+      <p:sp>
+        <p:nvSpPr>
+          <p:cNvPr id="3" name="Notes Placeholder 2"/>
+          <p:cNvSpPr>
+            <a:spLocks noGrp="1"/>
+          </p:cNvSpPr>
+          <p:nvPr>
+            <p:ph type="body" idx="1"/>
+          </p:nvPr>
+        </p:nvSpPr>
+        <p:spPr/>
+        <p:txBody>
+          <a:bodyPr/>
+          <a:lstStyle/>
+          <a:p>
+            <a:pPr marL="171450" marR="0" indent="-171450" algn="l" defTabSz="914400" rtl="0" eaLnBrk="1" fontAlgn="auto" latinLnBrk="0" hangingPunct="1">
+              <a:lnSpc>
+                <a:spcPct val="100000"/>
+              </a:lnSpc>
+              <a:spcBef>
+                <a:spcPts val="0"/>
+              </a:spcBef>
+              <a:spcAft>
+                <a:spcPts val="0"/>
+              </a:spcAft>
+              <a:buClrTx/>
+              <a:buSzTx/>
+              <a:buFont typeface="Arial" charset="0"/>
+              <a:buChar char="•"/>
+              <a:tabLst/>
+              <a:defRPr/>
+            </a:pPr>
+            <a:r>
+              <a:rPr lang="en-US" baseline="0" dirty="0" smtClean="0"/>
+              <a:t>The </a:t>
+            </a:r>
+            <a:r>
+              <a:rPr lang="en-US" baseline="0" dirty="0" err="1" smtClean="0"/>
+              <a:t>fitnesse</a:t>
+            </a:r>
+            <a:r>
+              <a:rPr lang="en-US" baseline="0" dirty="0" smtClean="0"/>
+              <a:t> </a:t>
+            </a:r>
+            <a:r>
+              <a:rPr lang="en-US" baseline="0" dirty="0" smtClean="0"/>
+              <a:t>test covers a wide variety of parsing scenarios.</a:t>
+            </a:r>
+          </a:p>
+          <a:p>
+            <a:pPr marL="171450" marR="0" indent="-171450" algn="l" defTabSz="914400" rtl="0" eaLnBrk="1" fontAlgn="auto" latinLnBrk="0" hangingPunct="1">
+              <a:lnSpc>
+                <a:spcPct val="100000"/>
+              </a:lnSpc>
+              <a:spcBef>
+                <a:spcPts val="0"/>
+              </a:spcBef>
+              <a:spcAft>
+                <a:spcPts val="0"/>
+              </a:spcAft>
+              <a:buClrTx/>
+              <a:buSzTx/>
+              <a:buFont typeface="Arial" charset="0"/>
+              <a:buChar char="•"/>
+              <a:tabLst/>
+              <a:defRPr/>
+            </a:pPr>
+            <a:r>
+              <a:rPr lang="en-US" baseline="0" dirty="0" smtClean="0"/>
+              <a:t>Two classes provide the implementation for this part of the feature, </a:t>
+            </a:r>
+            <a:r>
+              <a:rPr lang="en-US" baseline="0" dirty="0" err="1" smtClean="0"/>
+              <a:t>EDurationUnit</a:t>
+            </a:r>
+            <a:r>
+              <a:rPr lang="en-US" baseline="0" dirty="0" smtClean="0"/>
+              <a:t> and </a:t>
+            </a:r>
+            <a:r>
+              <a:rPr lang="en-US" baseline="0" dirty="0" err="1" smtClean="0"/>
+              <a:t>EDurationParser</a:t>
+            </a:r>
+            <a:r>
+              <a:rPr lang="en-US" baseline="0" dirty="0" smtClean="0"/>
+              <a:t>.  </a:t>
+            </a:r>
+            <a:r>
+              <a:rPr lang="en-US" baseline="0" dirty="0" err="1" smtClean="0"/>
+              <a:t>EDurationUnit</a:t>
+            </a:r>
+            <a:r>
+              <a:rPr lang="en-US" baseline="0" dirty="0" smtClean="0"/>
+              <a:t> test verifies how duration units are expressed.  The test for </a:t>
+            </a:r>
+            <a:r>
+              <a:rPr lang="en-US" baseline="0" dirty="0" err="1" smtClean="0"/>
+              <a:t>EDurationParser</a:t>
+            </a:r>
+            <a:r>
+              <a:rPr lang="en-US" baseline="0" dirty="0" smtClean="0"/>
+              <a:t> covers a few of the duration calculation scenarios covered in the </a:t>
+            </a:r>
+            <a:r>
+              <a:rPr lang="en-US" baseline="0" dirty="0" err="1" smtClean="0"/>
+              <a:t>fitnesse</a:t>
+            </a:r>
+            <a:r>
+              <a:rPr lang="en-US" baseline="0" dirty="0" smtClean="0"/>
+              <a:t> test, but not the full range </a:t>
+            </a:r>
+            <a:r>
+              <a:rPr lang="mr-IN" baseline="0" dirty="0" smtClean="0"/>
+              <a:t>–</a:t>
+            </a:r>
+            <a:r>
+              <a:rPr lang="en-US" baseline="0" dirty="0" smtClean="0"/>
+              <a:t> small amount of overlap.</a:t>
+            </a:r>
+          </a:p>
+        </p:txBody>
+      </p:sp>
+      <p:sp>
+        <p:nvSpPr>
+          <p:cNvPr id="4" name="Slide Number Placeholder 3"/>
+          <p:cNvSpPr>
+            <a:spLocks noGrp="1"/>
+          </p:cNvSpPr>
+          <p:nvPr>
+            <p:ph type="sldNum" sz="quarter" idx="10"/>
+          </p:nvPr>
+        </p:nvSpPr>
+        <p:spPr/>
+        <p:txBody>
+          <a:bodyPr/>
+          <a:lstStyle/>
+          <a:p>
+            <a:fld id="{C0CB0DF1-2E1C-3F45-9F83-336FA6343465}" type="slidenum">
+              <a:rPr lang="en-US" smtClean="0"/>
+              <a:t>12</a:t>
+            </a:fld>
+            <a:endParaRPr lang="en-US"/>
+          </a:p>
+        </p:txBody>
+      </p:sp>
+    </p:spTree>
+    <p:extLst>
+      <p:ext uri="{BB962C8B-B14F-4D97-AF65-F5344CB8AC3E}">
+        <p14:creationId xmlns:p14="http://schemas.microsoft.com/office/powerpoint/2010/main" val="1190047956"/>
+      </p:ext>
+    </p:extLst>
+  </p:cSld>
+  <p:clrMapOvr>
+    <a:masterClrMapping/>
+  </p:clrMapOvr>
+</p:notes>
+</file>
+
+<file path=ppt/notesSlides/notesSlide4.xml><?xml version="1.0" encoding="utf-8"?>
+<p:notes xmlns:a="http://schemas.openxmlformats.org/drawingml/2006/main" xmlns:r="http://schemas.openxmlformats.org/officeDocument/2006/relationships" xmlns:p="http://schemas.openxmlformats.org/presentationml/2006/main">
+  <p:cSld>
+    <p:spTree>
+      <p:nvGrpSpPr>
+        <p:cNvPr id="1" name=""/>
+        <p:cNvGrpSpPr/>
+        <p:nvPr/>
+      </p:nvGrpSpPr>
+      <p:grpSpPr>
+        <a:xfrm>
+          <a:off x="0" y="0"/>
+          <a:ext cx="0" cy="0"/>
+          <a:chOff x="0" y="0"/>
+          <a:chExt cx="0" cy="0"/>
+        </a:xfrm>
+      </p:grpSpPr>
+      <p:sp>
+        <p:nvSpPr>
+          <p:cNvPr id="2" name="Slide Image Placeholder 1"/>
+          <p:cNvSpPr>
+            <a:spLocks noGrp="1" noRot="1" noChangeAspect="1"/>
+          </p:cNvSpPr>
+          <p:nvPr>
+            <p:ph type="sldImg"/>
+          </p:nvPr>
+        </p:nvSpPr>
+        <p:spPr/>
+      </p:sp>
+      <p:sp>
+        <p:nvSpPr>
+          <p:cNvPr id="3" name="Notes Placeholder 2"/>
+          <p:cNvSpPr>
+            <a:spLocks noGrp="1"/>
+          </p:cNvSpPr>
+          <p:nvPr>
+            <p:ph type="body" idx="1"/>
+          </p:nvPr>
+        </p:nvSpPr>
+        <p:spPr/>
+        <p:txBody>
+          <a:bodyPr/>
+          <a:lstStyle/>
+          <a:p>
+            <a:pPr marL="171450" marR="0" indent="-171450" algn="l" defTabSz="914400" rtl="0" eaLnBrk="1" fontAlgn="auto" latinLnBrk="0" hangingPunct="1">
+              <a:lnSpc>
+                <a:spcPct val="100000"/>
+              </a:lnSpc>
+              <a:spcBef>
+                <a:spcPts val="0"/>
+              </a:spcBef>
+              <a:spcAft>
+                <a:spcPts val="0"/>
+              </a:spcAft>
+              <a:buClrTx/>
+              <a:buSzTx/>
+              <a:buFont typeface="Arial" charset="0"/>
+              <a:buChar char="•"/>
+              <a:tabLst/>
+              <a:defRPr/>
+            </a:pPr>
+            <a:r>
+              <a:rPr lang="en-US" baseline="0" dirty="0" smtClean="0"/>
+              <a:t>The </a:t>
+            </a:r>
+            <a:r>
+              <a:rPr lang="en-US" baseline="0" dirty="0" err="1" smtClean="0"/>
+              <a:t>fitnesse</a:t>
+            </a:r>
+            <a:r>
+              <a:rPr lang="en-US" baseline="0" dirty="0" smtClean="0"/>
+              <a:t> </a:t>
+            </a:r>
+            <a:r>
+              <a:rPr lang="en-US" baseline="0" dirty="0" smtClean="0"/>
+              <a:t>test covers a wide variety of parsing scenarios.</a:t>
+            </a:r>
+          </a:p>
+          <a:p>
+            <a:pPr marL="171450" marR="0" indent="-171450" algn="l" defTabSz="914400" rtl="0" eaLnBrk="1" fontAlgn="auto" latinLnBrk="0" hangingPunct="1">
+              <a:lnSpc>
+                <a:spcPct val="100000"/>
+              </a:lnSpc>
+              <a:spcBef>
+                <a:spcPts val="0"/>
+              </a:spcBef>
+              <a:spcAft>
+                <a:spcPts val="0"/>
+              </a:spcAft>
+              <a:buClrTx/>
+              <a:buSzTx/>
+              <a:buFont typeface="Arial" charset="0"/>
+              <a:buChar char="•"/>
+              <a:tabLst/>
+              <a:defRPr/>
+            </a:pPr>
+            <a:r>
+              <a:rPr lang="en-US" baseline="0" dirty="0" smtClean="0"/>
+              <a:t>Two classes provide the implementation for this part of the feature, </a:t>
+            </a:r>
+            <a:r>
+              <a:rPr lang="en-US" baseline="0" dirty="0" err="1" smtClean="0"/>
+              <a:t>EDurationUnit</a:t>
+            </a:r>
+            <a:r>
+              <a:rPr lang="en-US" baseline="0" dirty="0" smtClean="0"/>
+              <a:t> and </a:t>
+            </a:r>
+            <a:r>
+              <a:rPr lang="en-US" baseline="0" dirty="0" err="1" smtClean="0"/>
+              <a:t>EDurationParser</a:t>
+            </a:r>
+            <a:r>
+              <a:rPr lang="en-US" baseline="0" dirty="0" smtClean="0"/>
+              <a:t>.  </a:t>
+            </a:r>
+            <a:r>
+              <a:rPr lang="en-US" baseline="0" dirty="0" err="1" smtClean="0"/>
+              <a:t>EDurationUnit</a:t>
+            </a:r>
+            <a:r>
+              <a:rPr lang="en-US" baseline="0" dirty="0" smtClean="0"/>
+              <a:t> test verifies how duration units are expressed.  The test for </a:t>
+            </a:r>
+            <a:r>
+              <a:rPr lang="en-US" baseline="0" dirty="0" err="1" smtClean="0"/>
+              <a:t>EDurationParser</a:t>
+            </a:r>
+            <a:r>
+              <a:rPr lang="en-US" baseline="0" dirty="0" smtClean="0"/>
+              <a:t> covers a few of the duration calculation scenarios covered in the </a:t>
+            </a:r>
+            <a:r>
+              <a:rPr lang="en-US" baseline="0" dirty="0" err="1" smtClean="0"/>
+              <a:t>fitnesse</a:t>
+            </a:r>
+            <a:r>
+              <a:rPr lang="en-US" baseline="0" dirty="0" smtClean="0"/>
+              <a:t> test, but not the full range </a:t>
+            </a:r>
+            <a:r>
+              <a:rPr lang="mr-IN" baseline="0" dirty="0" smtClean="0"/>
+              <a:t>–</a:t>
+            </a:r>
+            <a:r>
+              <a:rPr lang="en-US" baseline="0" dirty="0" smtClean="0"/>
+              <a:t> small amount of overlap.</a:t>
+            </a:r>
+          </a:p>
+        </p:txBody>
+      </p:sp>
+      <p:sp>
+        <p:nvSpPr>
+          <p:cNvPr id="4" name="Slide Number Placeholder 3"/>
+          <p:cNvSpPr>
+            <a:spLocks noGrp="1"/>
+          </p:cNvSpPr>
+          <p:nvPr>
+            <p:ph type="sldNum" sz="quarter" idx="10"/>
+          </p:nvPr>
+        </p:nvSpPr>
+        <p:spPr/>
+        <p:txBody>
+          <a:bodyPr/>
+          <a:lstStyle/>
+          <a:p>
+            <a:fld id="{C0CB0DF1-2E1C-3F45-9F83-336FA6343465}" type="slidenum">
+              <a:rPr lang="en-US" smtClean="0"/>
+              <a:t>13</a:t>
+            </a:fld>
+            <a:endParaRPr lang="en-US"/>
+          </a:p>
+        </p:txBody>
+      </p:sp>
+    </p:spTree>
+    <p:extLst>
+      <p:ext uri="{BB962C8B-B14F-4D97-AF65-F5344CB8AC3E}">
+        <p14:creationId xmlns:p14="http://schemas.microsoft.com/office/powerpoint/2010/main" val="1835565914"/>
       </p:ext>
     </p:extLst>
   </p:cSld>
@@ -3281,14 +3669,14 @@
             <p:ph idx="1"/>
             <p:extLst>
               <p:ext uri="{D42A27DB-BD31-4B8C-83A1-F6EECF244321}">
-                <p14:modId xmlns:p14="http://schemas.microsoft.com/office/powerpoint/2010/main" val="427559918"/>
+                <p14:modId xmlns:p14="http://schemas.microsoft.com/office/powerpoint/2010/main" val="482819099"/>
               </p:ext>
             </p:extLst>
           </p:nvPr>
         </p:nvGraphicFramePr>
         <p:xfrm>
           <a:off x="838200" y="1481960"/>
-          <a:ext cx="10515600" cy="1554480"/>
+          <a:ext cx="10515600" cy="1010920"/>
         </p:xfrm>
         <a:graphic>
           <a:graphicData uri="http://schemas.openxmlformats.org/drawingml/2006/table">
@@ -3311,11 +3699,7 @@
                       <a:pPr algn="ctr"/>
                       <a:r>
                         <a:rPr lang="en-US" dirty="0" smtClean="0"/>
-                        <a:t>What does the app </a:t>
-                      </a:r>
-                      <a:r>
-                        <a:rPr lang="en-US" baseline="0" dirty="0" smtClean="0"/>
-                        <a:t>need to be able to do to implement this prescribing rule?</a:t>
+                        <a:t>Feature Part</a:t>
                       </a:r>
                       <a:endParaRPr lang="en-US" dirty="0"/>
                     </a:p>
@@ -3329,7 +3713,7 @@
                     <a:p>
                       <a:r>
                         <a:rPr lang="en-US" dirty="0" smtClean="0"/>
-                        <a:t>Unit / Junit or Jasmine</a:t>
+                        <a:t>Unit (Junit/Jasmine)</a:t>
                       </a:r>
                       <a:endParaRPr lang="en-US" dirty="0"/>
                     </a:p>
@@ -3343,11 +3727,15 @@
                     <a:p>
                       <a:r>
                         <a:rPr lang="en-US" dirty="0" smtClean="0"/>
-                        <a:t>Service / </a:t>
+                        <a:t>Service (</a:t>
                       </a:r>
                       <a:r>
                         <a:rPr lang="en-US" dirty="0" err="1" smtClean="0"/>
                         <a:t>Fitnesse</a:t>
+                      </a:r>
+                      <a:r>
+                        <a:rPr lang="en-US" dirty="0" smtClean="0"/>
+                        <a:t>)</a:t>
                       </a:r>
                       <a:endParaRPr lang="en-US" dirty="0"/>
                     </a:p>
@@ -3361,11 +3749,11 @@
                     <a:p>
                       <a:r>
                         <a:rPr lang="en-US" dirty="0" smtClean="0"/>
-                        <a:t>UI /</a:t>
+                        <a:t>UI (</a:t>
                       </a:r>
                       <a:r>
                         <a:rPr lang="en-US" baseline="0" dirty="0" smtClean="0"/>
-                        <a:t> Selenium + Junit</a:t>
+                        <a:t>Selenium + Junit)</a:t>
                       </a:r>
                       <a:endParaRPr lang="en-US" dirty="0"/>
                     </a:p>
@@ -3445,7 +3833,7 @@
         </p:blipFill>
         <p:spPr>
           <a:xfrm>
-            <a:off x="4683211" y="2446727"/>
+            <a:off x="4894383" y="1960074"/>
             <a:ext cx="471771" cy="471771"/>
           </a:xfrm>
           <a:prstGeom prst="rect">
@@ -3475,7 +3863,7 @@
         </p:blipFill>
         <p:spPr>
           <a:xfrm>
-            <a:off x="7110844" y="2446727"/>
+            <a:off x="7214132" y="1956489"/>
             <a:ext cx="471771" cy="471771"/>
           </a:xfrm>
           <a:prstGeom prst="rect">
@@ -3505,7 +3893,7 @@
         </p:blipFill>
         <p:spPr>
           <a:xfrm>
-            <a:off x="4918313" y="3173471"/>
+            <a:off x="4937149" y="3033250"/>
             <a:ext cx="6435487" cy="2619800"/>
           </a:xfrm>
           <a:prstGeom prst="rect">
@@ -3521,8 +3909,8 @@
         </p:nvCxnSpPr>
         <p:spPr>
           <a:xfrm flipH="1">
-            <a:off x="4201297" y="2918498"/>
-            <a:ext cx="457200" cy="254973"/>
+            <a:off x="4468159" y="2324730"/>
+            <a:ext cx="416912" cy="592641"/>
           </a:xfrm>
           <a:prstGeom prst="straightConnector1">
             <a:avLst/>
@@ -3554,8 +3942,8 @@
         </p:nvCxnSpPr>
         <p:spPr>
           <a:xfrm>
-            <a:off x="7685903" y="2807523"/>
-            <a:ext cx="450153" cy="528801"/>
+            <a:off x="7460826" y="2405497"/>
+            <a:ext cx="433533" cy="627753"/>
           </a:xfrm>
           <a:prstGeom prst="straightConnector1">
             <a:avLst/>
@@ -3601,7 +3989,7 @@
         </p:blipFill>
         <p:spPr>
           <a:xfrm>
-            <a:off x="475897" y="3336324"/>
+            <a:off x="838200" y="3033250"/>
             <a:ext cx="3992262" cy="2875456"/>
           </a:xfrm>
           <a:prstGeom prst="rect">
@@ -3617,7 +4005,7 @@
         </p:nvSpPr>
         <p:spPr>
           <a:xfrm>
-            <a:off x="6114147" y="2313280"/>
+            <a:off x="6217435" y="1823042"/>
             <a:ext cx="1232582" cy="369332"/>
           </a:xfrm>
           <a:prstGeom prst="rect">
@@ -3649,7 +4037,7 @@
         </p:nvSpPr>
         <p:spPr>
           <a:xfrm>
-            <a:off x="3831034" y="2309696"/>
+            <a:off x="4042206" y="1823043"/>
             <a:ext cx="1232582" cy="369332"/>
           </a:xfrm>
           <a:prstGeom prst="rect">
@@ -3727,35 +4115,424 @@
           <a:p>
             <a:r>
               <a:rPr lang="en-US" dirty="0" smtClean="0"/>
-              <a:t>Unit Tests / Implementation</a:t>
+              <a:t>Calculate Duration in Days</a:t>
             </a:r>
             <a:endParaRPr lang="en-US" dirty="0"/>
           </a:p>
         </p:txBody>
       </p:sp>
-      <p:sp>
-        <p:nvSpPr>
-          <p:cNvPr id="3" name="Content Placeholder 2"/>
-          <p:cNvSpPr>
-            <a:spLocks noGrp="1"/>
-          </p:cNvSpPr>
+      <p:graphicFrame>
+        <p:nvGraphicFramePr>
+          <p:cNvPr id="4" name="Content Placeholder 3"/>
+          <p:cNvGraphicFramePr>
+            <a:graphicFrameLocks noGrp="1"/>
+          </p:cNvGraphicFramePr>
           <p:nvPr>
             <p:ph idx="1"/>
+            <p:extLst>
+              <p:ext uri="{D42A27DB-BD31-4B8C-83A1-F6EECF244321}">
+                <p14:modId xmlns:p14="http://schemas.microsoft.com/office/powerpoint/2010/main" val="1510658900"/>
+              </p:ext>
+            </p:extLst>
           </p:nvPr>
-        </p:nvSpPr>
-        <p:spPr/>
-        <p:txBody>
-          <a:bodyPr/>
+        </p:nvGraphicFramePr>
+        <p:xfrm>
+          <a:off x="838200" y="1481960"/>
+          <a:ext cx="10515600" cy="1010920"/>
+        </p:xfrm>
+        <a:graphic>
+          <a:graphicData uri="http://schemas.openxmlformats.org/drawingml/2006/table">
+            <a:tbl>
+              <a:tblPr firstRow="1" bandRow="1">
+                <a:tableStyleId>{5C22544A-7EE6-4342-B048-85BDC9FD1C3A}</a:tableStyleId>
+              </a:tblPr>
+              <a:tblGrid>
+                <a:gridCol w="3029465"/>
+                <a:gridCol w="2228335"/>
+                <a:gridCol w="2628900"/>
+                <a:gridCol w="2628900"/>
+              </a:tblGrid>
+              <a:tr h="370840">
+                <a:tc>
+                  <a:txBody>
+                    <a:bodyPr/>
+                    <a:lstStyle/>
+                    <a:p>
+                      <a:pPr algn="ctr"/>
+                      <a:r>
+                        <a:rPr lang="en-US" dirty="0" smtClean="0"/>
+                        <a:t>Feature Part</a:t>
+                      </a:r>
+                      <a:endParaRPr lang="en-US" dirty="0"/>
+                    </a:p>
+                  </a:txBody>
+                  <a:tcPr/>
+                </a:tc>
+                <a:tc>
+                  <a:txBody>
+                    <a:bodyPr/>
+                    <a:lstStyle/>
+                    <a:p>
+                      <a:r>
+                        <a:rPr lang="en-US" dirty="0" smtClean="0"/>
+                        <a:t>Unit (Junit/Jasmine)</a:t>
+                      </a:r>
+                      <a:endParaRPr lang="en-US" dirty="0"/>
+                    </a:p>
+                  </a:txBody>
+                  <a:tcPr/>
+                </a:tc>
+                <a:tc>
+                  <a:txBody>
+                    <a:bodyPr/>
+                    <a:lstStyle/>
+                    <a:p>
+                      <a:r>
+                        <a:rPr lang="en-US" dirty="0" smtClean="0"/>
+                        <a:t>Service (</a:t>
+                      </a:r>
+                      <a:r>
+                        <a:rPr lang="en-US" dirty="0" err="1" smtClean="0"/>
+                        <a:t>Fitnesse</a:t>
+                      </a:r>
+                      <a:r>
+                        <a:rPr lang="en-US" dirty="0" smtClean="0"/>
+                        <a:t>)</a:t>
+                      </a:r>
+                      <a:endParaRPr lang="en-US" dirty="0"/>
+                    </a:p>
+                  </a:txBody>
+                  <a:tcPr/>
+                </a:tc>
+                <a:tc>
+                  <a:txBody>
+                    <a:bodyPr/>
+                    <a:lstStyle/>
+                    <a:p>
+                      <a:r>
+                        <a:rPr lang="en-US" dirty="0" smtClean="0"/>
+                        <a:t>UI (</a:t>
+                      </a:r>
+                      <a:r>
+                        <a:rPr lang="en-US" baseline="0" dirty="0" smtClean="0"/>
+                        <a:t>Selenium + Junit)</a:t>
+                      </a:r>
+                      <a:endParaRPr lang="en-US" dirty="0"/>
+                    </a:p>
+                  </a:txBody>
+                  <a:tcPr/>
+                </a:tc>
+              </a:tr>
+              <a:tr h="370840">
+                <a:tc>
+                  <a:txBody>
+                    <a:bodyPr/>
+                    <a:lstStyle/>
+                    <a:p>
+                      <a:r>
+                        <a:rPr lang="en-US" dirty="0" smtClean="0"/>
+                        <a:t>Calculate</a:t>
+                      </a:r>
+                      <a:r>
+                        <a:rPr lang="en-US" baseline="0" dirty="0" smtClean="0"/>
+                        <a:t> number of days for duration</a:t>
+                      </a:r>
+                      <a:endParaRPr lang="en-US" dirty="0"/>
+                    </a:p>
+                  </a:txBody>
+                  <a:tcPr/>
+                </a:tc>
+                <a:tc>
+                  <a:txBody>
+                    <a:bodyPr/>
+                    <a:lstStyle/>
+                    <a:p>
+                      <a:endParaRPr lang="en-US" dirty="0"/>
+                    </a:p>
+                  </a:txBody>
+                  <a:tcPr/>
+                </a:tc>
+                <a:tc>
+                  <a:txBody>
+                    <a:bodyPr/>
+                    <a:lstStyle/>
+                    <a:p>
+                      <a:endParaRPr lang="en-US" dirty="0"/>
+                    </a:p>
+                  </a:txBody>
+                  <a:tcPr/>
+                </a:tc>
+                <a:tc>
+                  <a:txBody>
+                    <a:bodyPr/>
+                    <a:lstStyle/>
+                    <a:p>
+                      <a:endParaRPr lang="en-US" dirty="0"/>
+                    </a:p>
+                  </a:txBody>
+                  <a:tcPr/>
+                </a:tc>
+              </a:tr>
+            </a:tbl>
+          </a:graphicData>
+        </a:graphic>
+      </p:graphicFrame>
+      <p:cxnSp>
+        <p:nvCxnSpPr>
+          <p:cNvPr id="10" name="Straight Arrow Connector 9"/>
+          <p:cNvCxnSpPr/>
+          <p:nvPr/>
+        </p:nvCxnSpPr>
+        <p:spPr>
+          <a:xfrm flipH="1">
+            <a:off x="4468159" y="2492880"/>
+            <a:ext cx="299784" cy="424491"/>
+          </a:xfrm>
+          <a:prstGeom prst="straightConnector1">
+            <a:avLst/>
+          </a:prstGeom>
+          <a:ln w="38100">
+            <a:tailEnd type="triangle"/>
+          </a:ln>
+        </p:spPr>
+        <p:style>
+          <a:lnRef idx="1">
+            <a:schemeClr val="accent1"/>
+          </a:lnRef>
+          <a:fillRef idx="0">
+            <a:schemeClr val="accent1"/>
+          </a:fillRef>
+          <a:effectRef idx="0">
+            <a:schemeClr val="accent1"/>
+          </a:effectRef>
+          <a:fontRef idx="minor">
+            <a:schemeClr val="tx1"/>
+          </a:fontRef>
+        </p:style>
+      </p:cxnSp>
+      <p:cxnSp>
+        <p:nvCxnSpPr>
+          <p:cNvPr id="11" name="Straight Arrow Connector 10"/>
+          <p:cNvCxnSpPr/>
+          <p:nvPr/>
+        </p:nvCxnSpPr>
+        <p:spPr>
+          <a:xfrm>
+            <a:off x="7384626" y="2324730"/>
+            <a:ext cx="433533" cy="627753"/>
+          </a:xfrm>
+          <a:prstGeom prst="straightConnector1">
+            <a:avLst/>
+          </a:prstGeom>
+          <a:ln w="38100">
+            <a:tailEnd type="triangle"/>
+          </a:ln>
+        </p:spPr>
+        <p:style>
+          <a:lnRef idx="1">
+            <a:schemeClr val="accent1"/>
+          </a:lnRef>
+          <a:fillRef idx="0">
+            <a:schemeClr val="accent1"/>
+          </a:fillRef>
+          <a:effectRef idx="0">
+            <a:schemeClr val="accent1"/>
+          </a:effectRef>
+          <a:fontRef idx="minor">
+            <a:schemeClr val="tx1"/>
+          </a:fontRef>
+        </p:style>
+      </p:cxnSp>
+      <p:pic>
+        <p:nvPicPr>
+          <p:cNvPr id="5" name="Picture 4"/>
+          <p:cNvPicPr>
+            <a:picLocks noChangeAspect="1"/>
+          </p:cNvPicPr>
+          <p:nvPr/>
+        </p:nvPicPr>
+        <p:blipFill>
+          <a:blip r:embed="rId3">
+            <a:extLst>
+              <a:ext uri="{28A0092B-C50C-407E-A947-70E740481C1C}">
+                <a14:useLocalDpi xmlns:a14="http://schemas.microsoft.com/office/drawing/2010/main" val="0"/>
+              </a:ext>
+            </a:extLst>
+          </a:blip>
+          <a:stretch>
+            <a:fillRect/>
+          </a:stretch>
+        </p:blipFill>
+        <p:spPr>
+          <a:xfrm>
+            <a:off x="4983042" y="2952483"/>
+            <a:ext cx="6370758" cy="2875456"/>
+          </a:xfrm>
+          <a:prstGeom prst="rect">
+            <a:avLst/>
+          </a:prstGeom>
+        </p:spPr>
+      </p:pic>
+      <p:pic>
+        <p:nvPicPr>
+          <p:cNvPr id="6" name="Picture 5"/>
+          <p:cNvPicPr>
+            <a:picLocks noChangeAspect="1"/>
+          </p:cNvPicPr>
+          <p:nvPr/>
+        </p:nvPicPr>
+        <p:blipFill>
+          <a:blip r:embed="rId4">
+            <a:extLst>
+              <a:ext uri="{28A0092B-C50C-407E-A947-70E740481C1C}">
+                <a14:useLocalDpi xmlns:a14="http://schemas.microsoft.com/office/drawing/2010/main" val="0"/>
+              </a:ext>
+            </a:extLst>
+          </a:blip>
+          <a:stretch>
+            <a:fillRect/>
+          </a:stretch>
+        </p:blipFill>
+        <p:spPr>
+          <a:xfrm>
+            <a:off x="669685" y="2952483"/>
+            <a:ext cx="4215386" cy="2337198"/>
+          </a:xfrm>
+          <a:prstGeom prst="rect">
+            <a:avLst/>
+          </a:prstGeom>
+        </p:spPr>
+      </p:pic>
+      <p:pic>
+        <p:nvPicPr>
+          <p:cNvPr id="8" name="Picture 7"/>
+          <p:cNvPicPr>
+            <a:picLocks noChangeAspect="1"/>
+          </p:cNvPicPr>
+          <p:nvPr/>
+        </p:nvPicPr>
+        <p:blipFill>
+          <a:blip r:embed="rId5">
+            <a:extLst>
+              <a:ext uri="{28A0092B-C50C-407E-A947-70E740481C1C}">
+                <a14:useLocalDpi xmlns:a14="http://schemas.microsoft.com/office/drawing/2010/main" val="0"/>
+              </a:ext>
+            </a:extLst>
+          </a:blip>
+          <a:stretch>
+            <a:fillRect/>
+          </a:stretch>
+        </p:blipFill>
+        <p:spPr>
+          <a:xfrm>
+            <a:off x="1126378" y="3754675"/>
+            <a:ext cx="3302000" cy="2897083"/>
+          </a:xfrm>
+          <a:prstGeom prst="rect">
+            <a:avLst/>
+          </a:prstGeom>
+        </p:spPr>
+      </p:pic>
+      <p:sp>
+        <p:nvSpPr>
+          <p:cNvPr id="12" name="TextBox 11"/>
+          <p:cNvSpPr txBox="1"/>
+          <p:nvPr/>
+        </p:nvSpPr>
+        <p:spPr>
+          <a:xfrm>
+            <a:off x="3857310" y="1768523"/>
+            <a:ext cx="2238690" cy="369332"/>
+          </a:xfrm>
+          <a:prstGeom prst="rect">
+            <a:avLst/>
+          </a:prstGeom>
+          <a:noFill/>
+        </p:spPr>
+        <p:txBody>
+          <a:bodyPr wrap="none" rtlCol="0">
+            <a:spAutoFit/>
+          </a:bodyPr>
           <a:lstStyle/>
           <a:p>
-            <a:endParaRPr lang="en-US"/>
+            <a:r>
+              <a:rPr lang="en-US" dirty="0" err="1" smtClean="0">
+                <a:hlinkClick r:id="rId6"/>
+              </a:rPr>
+              <a:t>DurationParserShould</a:t>
+            </a:r>
+            <a:endParaRPr lang="en-US" dirty="0"/>
+          </a:p>
+        </p:txBody>
+      </p:sp>
+      <p:sp>
+        <p:nvSpPr>
+          <p:cNvPr id="13" name="TextBox 12"/>
+          <p:cNvSpPr txBox="1"/>
+          <p:nvPr/>
+        </p:nvSpPr>
+        <p:spPr>
+          <a:xfrm>
+            <a:off x="3848985" y="2031024"/>
+            <a:ext cx="2164119" cy="369332"/>
+          </a:xfrm>
+          <a:prstGeom prst="rect">
+            <a:avLst/>
+          </a:prstGeom>
+          <a:noFill/>
+        </p:spPr>
+        <p:txBody>
+          <a:bodyPr wrap="none" rtlCol="0">
+            <a:spAutoFit/>
+          </a:bodyPr>
+          <a:lstStyle/>
+          <a:p>
+            <a:r>
+              <a:rPr lang="en-US" dirty="0" err="1" smtClean="0">
+                <a:hlinkClick r:id="rId7"/>
+              </a:rPr>
+              <a:t>EDurationUnitShould</a:t>
+            </a:r>
+            <a:endParaRPr lang="en-US" dirty="0"/>
+          </a:p>
+        </p:txBody>
+      </p:sp>
+      <p:sp>
+        <p:nvSpPr>
+          <p:cNvPr id="14" name="TextBox 13"/>
+          <p:cNvSpPr txBox="1"/>
+          <p:nvPr/>
+        </p:nvSpPr>
+        <p:spPr>
+          <a:xfrm>
+            <a:off x="6096000" y="1767765"/>
+            <a:ext cx="1661480" cy="369332"/>
+          </a:xfrm>
+          <a:prstGeom prst="rect">
+            <a:avLst/>
+          </a:prstGeom>
+          <a:noFill/>
+        </p:spPr>
+        <p:txBody>
+          <a:bodyPr wrap="none" rtlCol="0">
+            <a:spAutoFit/>
+          </a:bodyPr>
+          <a:lstStyle/>
+          <a:p>
+            <a:r>
+              <a:rPr lang="en-US" dirty="0" err="1" smtClean="0">
+                <a:hlinkClick r:id="rId8"/>
+              </a:rPr>
+              <a:t>DurationToDays</a:t>
+            </a:r>
+            <a:endParaRPr lang="en-US" dirty="0"/>
           </a:p>
         </p:txBody>
       </p:sp>
     </p:spTree>
     <p:extLst>
       <p:ext uri="{BB962C8B-B14F-4D97-AF65-F5344CB8AC3E}">
-        <p14:creationId xmlns:p14="http://schemas.microsoft.com/office/powerpoint/2010/main" val="1186586424"/>
+        <p14:creationId xmlns:p14="http://schemas.microsoft.com/office/powerpoint/2010/main" val="933964897"/>
       </p:ext>
     </p:extLst>
   </p:cSld>
@@ -3806,41 +4583,459 @@
           <a:p>
             <a:r>
               <a:rPr lang="en-US" dirty="0" smtClean="0"/>
-              <a:t>UI Tests</a:t>
+              <a:t>Duration Validation Rule Applied</a:t>
             </a:r>
             <a:endParaRPr lang="en-US" dirty="0"/>
           </a:p>
         </p:txBody>
       </p:sp>
-      <p:sp>
-        <p:nvSpPr>
-          <p:cNvPr id="3" name="Content Placeholder 2"/>
-          <p:cNvSpPr>
-            <a:spLocks noGrp="1"/>
-          </p:cNvSpPr>
+      <p:graphicFrame>
+        <p:nvGraphicFramePr>
+          <p:cNvPr id="4" name="Content Placeholder 3"/>
+          <p:cNvGraphicFramePr>
+            <a:graphicFrameLocks noGrp="1"/>
+          </p:cNvGraphicFramePr>
           <p:nvPr>
             <p:ph idx="1"/>
+            <p:extLst>
+              <p:ext uri="{D42A27DB-BD31-4B8C-83A1-F6EECF244321}">
+                <p14:modId xmlns:p14="http://schemas.microsoft.com/office/powerpoint/2010/main" val="314275513"/>
+              </p:ext>
+            </p:extLst>
           </p:nvPr>
-        </p:nvSpPr>
-        <p:spPr/>
-        <p:txBody>
-          <a:bodyPr/>
+        </p:nvGraphicFramePr>
+        <p:xfrm>
+          <a:off x="838200" y="1481960"/>
+          <a:ext cx="10515600" cy="1285240"/>
+        </p:xfrm>
+        <a:graphic>
+          <a:graphicData uri="http://schemas.openxmlformats.org/drawingml/2006/table">
+            <a:tbl>
+              <a:tblPr firstRow="1" bandRow="1">
+                <a:tableStyleId>{5C22544A-7EE6-4342-B048-85BDC9FD1C3A}</a:tableStyleId>
+              </a:tblPr>
+              <a:tblGrid>
+                <a:gridCol w="3029465"/>
+                <a:gridCol w="3632592"/>
+                <a:gridCol w="2536372"/>
+                <a:gridCol w="1317171"/>
+              </a:tblGrid>
+              <a:tr h="370840">
+                <a:tc>
+                  <a:txBody>
+                    <a:bodyPr/>
+                    <a:lstStyle/>
+                    <a:p>
+                      <a:pPr algn="ctr"/>
+                      <a:r>
+                        <a:rPr lang="en-US" dirty="0" smtClean="0"/>
+                        <a:t>Feature Part</a:t>
+                      </a:r>
+                      <a:endParaRPr lang="en-US" dirty="0"/>
+                    </a:p>
+                  </a:txBody>
+                  <a:tcPr/>
+                </a:tc>
+                <a:tc>
+                  <a:txBody>
+                    <a:bodyPr/>
+                    <a:lstStyle/>
+                    <a:p>
+                      <a:r>
+                        <a:rPr lang="en-US" dirty="0" smtClean="0"/>
+                        <a:t>Unit (Junit/Jasmine)</a:t>
+                      </a:r>
+                      <a:endParaRPr lang="en-US" dirty="0"/>
+                    </a:p>
+                  </a:txBody>
+                  <a:tcPr/>
+                </a:tc>
+                <a:tc>
+                  <a:txBody>
+                    <a:bodyPr/>
+                    <a:lstStyle/>
+                    <a:p>
+                      <a:r>
+                        <a:rPr lang="en-US" dirty="0" smtClean="0"/>
+                        <a:t>Service (</a:t>
+                      </a:r>
+                      <a:r>
+                        <a:rPr lang="en-US" dirty="0" err="1" smtClean="0"/>
+                        <a:t>Fitnesse</a:t>
+                      </a:r>
+                      <a:r>
+                        <a:rPr lang="en-US" dirty="0" smtClean="0"/>
+                        <a:t>)</a:t>
+                      </a:r>
+                      <a:endParaRPr lang="en-US" dirty="0"/>
+                    </a:p>
+                  </a:txBody>
+                  <a:tcPr/>
+                </a:tc>
+                <a:tc>
+                  <a:txBody>
+                    <a:bodyPr/>
+                    <a:lstStyle/>
+                    <a:p>
+                      <a:r>
+                        <a:rPr lang="en-US" dirty="0" smtClean="0"/>
+                        <a:t>UI</a:t>
+                      </a:r>
+                      <a:endParaRPr lang="en-US" dirty="0"/>
+                    </a:p>
+                  </a:txBody>
+                  <a:tcPr/>
+                </a:tc>
+              </a:tr>
+              <a:tr h="370840">
+                <a:tc>
+                  <a:txBody>
+                    <a:bodyPr/>
+                    <a:lstStyle/>
+                    <a:p>
+                      <a:r>
+                        <a:rPr lang="en-US" dirty="0" smtClean="0"/>
+                        <a:t>Rule applied to prescription</a:t>
+                      </a:r>
+                      <a:r>
+                        <a:rPr lang="en-US" baseline="0" dirty="0" smtClean="0"/>
+                        <a:t> and appropriate response built</a:t>
+                      </a:r>
+                      <a:endParaRPr lang="en-US" dirty="0"/>
+                    </a:p>
+                  </a:txBody>
+                  <a:tcPr/>
+                </a:tc>
+                <a:tc>
+                  <a:txBody>
+                    <a:bodyPr/>
+                    <a:lstStyle/>
+                    <a:p>
+                      <a:endParaRPr lang="en-US" dirty="0"/>
+                    </a:p>
+                  </a:txBody>
+                  <a:tcPr/>
+                </a:tc>
+                <a:tc>
+                  <a:txBody>
+                    <a:bodyPr/>
+                    <a:lstStyle/>
+                    <a:p>
+                      <a:endParaRPr lang="en-US" dirty="0"/>
+                    </a:p>
+                  </a:txBody>
+                  <a:tcPr/>
+                </a:tc>
+                <a:tc>
+                  <a:txBody>
+                    <a:bodyPr/>
+                    <a:lstStyle/>
+                    <a:p>
+                      <a:endParaRPr lang="en-US" dirty="0"/>
+                    </a:p>
+                  </a:txBody>
+                  <a:tcPr/>
+                </a:tc>
+              </a:tr>
+            </a:tbl>
+          </a:graphicData>
+        </a:graphic>
+      </p:graphicFrame>
+      <p:cxnSp>
+        <p:nvCxnSpPr>
+          <p:cNvPr id="10" name="Straight Arrow Connector 9"/>
+          <p:cNvCxnSpPr/>
+          <p:nvPr/>
+        </p:nvCxnSpPr>
+        <p:spPr>
+          <a:xfrm flipH="1">
+            <a:off x="4711756" y="2662857"/>
+            <a:ext cx="299784" cy="424491"/>
+          </a:xfrm>
+          <a:prstGeom prst="straightConnector1">
+            <a:avLst/>
+          </a:prstGeom>
+          <a:ln w="38100">
+            <a:tailEnd type="triangle"/>
+          </a:ln>
+        </p:spPr>
+        <p:style>
+          <a:lnRef idx="1">
+            <a:schemeClr val="accent1"/>
+          </a:lnRef>
+          <a:fillRef idx="0">
+            <a:schemeClr val="accent1"/>
+          </a:fillRef>
+          <a:effectRef idx="0">
+            <a:schemeClr val="accent1"/>
+          </a:effectRef>
+          <a:fontRef idx="minor">
+            <a:schemeClr val="tx1"/>
+          </a:fontRef>
+        </p:style>
+      </p:cxnSp>
+      <p:cxnSp>
+        <p:nvCxnSpPr>
+          <p:cNvPr id="11" name="Straight Arrow Connector 10"/>
+          <p:cNvCxnSpPr/>
+          <p:nvPr/>
+        </p:nvCxnSpPr>
+        <p:spPr>
+          <a:xfrm>
+            <a:off x="8451563" y="2247349"/>
+            <a:ext cx="433533" cy="627753"/>
+          </a:xfrm>
+          <a:prstGeom prst="straightConnector1">
+            <a:avLst/>
+          </a:prstGeom>
+          <a:ln w="38100">
+            <a:tailEnd type="triangle"/>
+          </a:ln>
+        </p:spPr>
+        <p:style>
+          <a:lnRef idx="1">
+            <a:schemeClr val="accent1"/>
+          </a:lnRef>
+          <a:fillRef idx="0">
+            <a:schemeClr val="accent1"/>
+          </a:fillRef>
+          <a:effectRef idx="0">
+            <a:schemeClr val="accent1"/>
+          </a:effectRef>
+          <a:fontRef idx="minor">
+            <a:schemeClr val="tx1"/>
+          </a:fontRef>
+        </p:style>
+      </p:cxnSp>
+      <p:pic>
+        <p:nvPicPr>
+          <p:cNvPr id="6" name="Picture 5"/>
+          <p:cNvPicPr>
+            <a:picLocks noChangeAspect="1"/>
+          </p:cNvPicPr>
+          <p:nvPr/>
+        </p:nvPicPr>
+        <p:blipFill>
+          <a:blip r:embed="rId3">
+            <a:extLst>
+              <a:ext uri="{28A0092B-C50C-407E-A947-70E740481C1C}">
+                <a14:useLocalDpi xmlns:a14="http://schemas.microsoft.com/office/drawing/2010/main" val="0"/>
+              </a:ext>
+            </a:extLst>
+          </a:blip>
+          <a:stretch>
+            <a:fillRect/>
+          </a:stretch>
+        </p:blipFill>
+        <p:spPr>
+          <a:xfrm>
+            <a:off x="669685" y="2952483"/>
+            <a:ext cx="4215386" cy="2337198"/>
+          </a:xfrm>
+          <a:prstGeom prst="rect">
+            <a:avLst/>
+          </a:prstGeom>
+        </p:spPr>
+      </p:pic>
+      <p:pic>
+        <p:nvPicPr>
+          <p:cNvPr id="8" name="Picture 7"/>
+          <p:cNvPicPr>
+            <a:picLocks noChangeAspect="1"/>
+          </p:cNvPicPr>
+          <p:nvPr/>
+        </p:nvPicPr>
+        <p:blipFill>
+          <a:blip r:embed="rId4">
+            <a:extLst>
+              <a:ext uri="{28A0092B-C50C-407E-A947-70E740481C1C}">
+                <a14:useLocalDpi xmlns:a14="http://schemas.microsoft.com/office/drawing/2010/main" val="0"/>
+              </a:ext>
+            </a:extLst>
+          </a:blip>
+          <a:stretch>
+            <a:fillRect/>
+          </a:stretch>
+        </p:blipFill>
+        <p:spPr>
+          <a:xfrm>
+            <a:off x="1126378" y="3754675"/>
+            <a:ext cx="3302000" cy="2897083"/>
+          </a:xfrm>
+          <a:prstGeom prst="rect">
+            <a:avLst/>
+          </a:prstGeom>
+        </p:spPr>
+      </p:pic>
+      <p:sp>
+        <p:nvSpPr>
+          <p:cNvPr id="12" name="TextBox 11"/>
+          <p:cNvSpPr txBox="1"/>
+          <p:nvPr/>
+        </p:nvSpPr>
+        <p:spPr>
+          <a:xfrm>
+            <a:off x="3857310" y="1768523"/>
+            <a:ext cx="1897507" cy="369332"/>
+          </a:xfrm>
+          <a:prstGeom prst="rect">
+            <a:avLst/>
+          </a:prstGeom>
+          <a:noFill/>
+        </p:spPr>
+        <p:txBody>
+          <a:bodyPr wrap="none" rtlCol="0">
+            <a:spAutoFit/>
+          </a:bodyPr>
           <a:lstStyle/>
           <a:p>
-            <a:endParaRPr lang="en-US"/>
+            <a:r>
+              <a:rPr lang="en-US" dirty="0" err="1" smtClean="0"/>
+              <a:t>RxValidatorShould</a:t>
+            </a:r>
+            <a:endParaRPr lang="en-US" dirty="0"/>
+          </a:p>
+        </p:txBody>
+      </p:sp>
+      <p:sp>
+        <p:nvSpPr>
+          <p:cNvPr id="13" name="TextBox 12"/>
+          <p:cNvSpPr txBox="1"/>
+          <p:nvPr/>
+        </p:nvSpPr>
+        <p:spPr>
+          <a:xfrm>
+            <a:off x="3848985" y="2031024"/>
+            <a:ext cx="3632598" cy="369332"/>
+          </a:xfrm>
+          <a:prstGeom prst="rect">
+            <a:avLst/>
+          </a:prstGeom>
+          <a:noFill/>
+        </p:spPr>
+        <p:txBody>
+          <a:bodyPr wrap="none" rtlCol="0">
+            <a:spAutoFit/>
+          </a:bodyPr>
+          <a:lstStyle/>
+          <a:p>
+            <a:r>
+              <a:rPr lang="en-US" dirty="0" err="1" smtClean="0"/>
+              <a:t>OpiateDurationValidationRuleShould</a:t>
+            </a:r>
+            <a:endParaRPr lang="en-US" dirty="0"/>
+          </a:p>
+        </p:txBody>
+      </p:sp>
+      <p:sp>
+        <p:nvSpPr>
+          <p:cNvPr id="14" name="TextBox 13"/>
+          <p:cNvSpPr txBox="1"/>
+          <p:nvPr/>
+        </p:nvSpPr>
+        <p:spPr>
+          <a:xfrm>
+            <a:off x="7601392" y="1865589"/>
+            <a:ext cx="2047548" cy="369332"/>
+          </a:xfrm>
+          <a:prstGeom prst="rect">
+            <a:avLst/>
+          </a:prstGeom>
+          <a:noFill/>
+        </p:spPr>
+        <p:txBody>
+          <a:bodyPr wrap="none" rtlCol="0">
+            <a:spAutoFit/>
+          </a:bodyPr>
+          <a:lstStyle/>
+          <a:p>
+            <a:r>
+              <a:rPr lang="en-US" dirty="0" err="1" smtClean="0">
+                <a:hlinkClick r:id="rId5"/>
+              </a:rPr>
+              <a:t>OpiateDurationRule</a:t>
+            </a:r>
+            <a:endParaRPr lang="en-US" dirty="0"/>
+          </a:p>
+        </p:txBody>
+      </p:sp>
+      <p:pic>
+        <p:nvPicPr>
+          <p:cNvPr id="3" name="Picture 2"/>
+          <p:cNvPicPr>
+            <a:picLocks noChangeAspect="1"/>
+          </p:cNvPicPr>
+          <p:nvPr/>
+        </p:nvPicPr>
+        <p:blipFill>
+          <a:blip r:embed="rId6">
+            <a:extLst>
+              <a:ext uri="{28A0092B-C50C-407E-A947-70E740481C1C}">
+                <a14:useLocalDpi xmlns:a14="http://schemas.microsoft.com/office/drawing/2010/main" val="0"/>
+              </a:ext>
+            </a:extLst>
+          </a:blip>
+          <a:stretch>
+            <a:fillRect/>
+          </a:stretch>
+        </p:blipFill>
+        <p:spPr>
+          <a:xfrm>
+            <a:off x="5072743" y="2952483"/>
+            <a:ext cx="6281057" cy="2928676"/>
+          </a:xfrm>
+          <a:prstGeom prst="rect">
+            <a:avLst/>
+          </a:prstGeom>
+        </p:spPr>
+      </p:pic>
+      <p:sp>
+        <p:nvSpPr>
+          <p:cNvPr id="15" name="TextBox 14"/>
+          <p:cNvSpPr txBox="1"/>
+          <p:nvPr/>
+        </p:nvSpPr>
+        <p:spPr>
+          <a:xfrm>
+            <a:off x="3861521" y="2305622"/>
+            <a:ext cx="3558859" cy="369332"/>
+          </a:xfrm>
+          <a:prstGeom prst="rect">
+            <a:avLst/>
+          </a:prstGeom>
+          <a:noFill/>
+        </p:spPr>
+        <p:txBody>
+          <a:bodyPr wrap="none" rtlCol="0">
+            <a:spAutoFit/>
+          </a:bodyPr>
+          <a:lstStyle/>
+          <a:p>
+            <a:r>
+              <a:rPr lang="en-US" smtClean="0"/>
+              <a:t>ValiatePrescriptionCommandShould</a:t>
+            </a:r>
+            <a:endParaRPr lang="en-US" dirty="0"/>
           </a:p>
         </p:txBody>
       </p:sp>
     </p:spTree>
     <p:extLst>
       <p:ext uri="{BB962C8B-B14F-4D97-AF65-F5344CB8AC3E}">
-        <p14:creationId xmlns:p14="http://schemas.microsoft.com/office/powerpoint/2010/main" val="1221391828"/>
+        <p14:creationId xmlns:p14="http://schemas.microsoft.com/office/powerpoint/2010/main" val="1271963336"/>
       </p:ext>
     </p:extLst>
   </p:cSld>
   <p:clrMapOvr>
     <a:masterClrMapping/>
   </p:clrMapOvr>
+  <p:timing>
+    <p:tnLst>
+      <p:par>
+        <p:cTn id="1" dur="indefinite" restart="never" nodeType="tmRoot"/>
+      </p:par>
+    </p:tnLst>
+  </p:timing>
 </p:sld>
 </file>
 
@@ -5032,16 +6227,35 @@
         <p:spPr>
           <a:xfrm>
             <a:off x="838200" y="1825625"/>
-            <a:ext cx="10042003" cy="1056471"/>
+            <a:ext cx="9971314" cy="1875518"/>
           </a:xfrm>
         </p:spPr>
         <p:txBody>
-          <a:bodyPr/>
+          <a:bodyPr>
+            <a:normAutofit fontScale="85000" lnSpcReduction="10000"/>
+          </a:bodyPr>
           <a:lstStyle/>
           <a:p>
             <a:r>
               <a:rPr lang="en-US" dirty="0" smtClean="0"/>
-              <a:t>When clinician is prescribing Opiates or Benzodiazepines, limit the duration of the prescription to 30 days or under.</a:t>
+              <a:t>When clinician is prescribing Opiates or Benzodiazepines, limit the duration of the prescription to 30 days or under</a:t>
+            </a:r>
+            <a:r>
+              <a:rPr lang="en-US" dirty="0" smtClean="0"/>
+              <a:t>.</a:t>
+            </a:r>
+          </a:p>
+          <a:p>
+            <a:r>
+              <a:rPr lang="en-US" dirty="0" smtClean="0"/>
+              <a:t>Reject prescription and display explanation to clinician if this rule violated.</a:t>
+            </a:r>
+            <a:endParaRPr lang="en-US" dirty="0" smtClean="0"/>
+          </a:p>
+          <a:p>
+            <a:r>
+              <a:rPr lang="en-US" dirty="0" smtClean="0"/>
+              <a:t>This rule will be added to existing prescription validation rules run on server.</a:t>
             </a:r>
             <a:endParaRPr lang="en-US" dirty="0"/>
           </a:p>
@@ -5101,7 +6315,7 @@
           <a:p>
             <a:r>
               <a:rPr lang="en-US" dirty="0" smtClean="0"/>
-              <a:t>Test Plan for Feature</a:t>
+              <a:t>Feature Test Plan</a:t>
             </a:r>
             <a:endParaRPr lang="en-US" dirty="0"/>
           </a:p>
@@ -5117,14 +6331,14 @@
             <p:ph idx="1"/>
             <p:extLst>
               <p:ext uri="{D42A27DB-BD31-4B8C-83A1-F6EECF244321}">
-                <p14:modId xmlns:p14="http://schemas.microsoft.com/office/powerpoint/2010/main" val="54698617"/>
+                <p14:modId xmlns:p14="http://schemas.microsoft.com/office/powerpoint/2010/main" val="428282286"/>
               </p:ext>
             </p:extLst>
           </p:nvPr>
         </p:nvGraphicFramePr>
         <p:xfrm>
           <a:off x="838200" y="1825625"/>
-          <a:ext cx="10515600" cy="3749040"/>
+          <a:ext cx="10515600" cy="3205480"/>
         </p:xfrm>
         <a:graphic>
           <a:graphicData uri="http://schemas.openxmlformats.org/drawingml/2006/table">
@@ -5147,11 +6361,7 @@
                       <a:pPr algn="ctr"/>
                       <a:r>
                         <a:rPr lang="en-US" dirty="0" smtClean="0"/>
-                        <a:t>What does the app </a:t>
-                      </a:r>
-                      <a:r>
-                        <a:rPr lang="en-US" baseline="0" dirty="0" smtClean="0"/>
-                        <a:t>need to be able to do to implement this prescribing rule?</a:t>
+                        <a:t>Feature Part</a:t>
                       </a:r>
                       <a:endParaRPr lang="en-US" dirty="0"/>
                     </a:p>
@@ -5165,7 +6375,7 @@
                     <a:p>
                       <a:r>
                         <a:rPr lang="en-US" dirty="0" smtClean="0"/>
-                        <a:t>Unit / Junit or Jasmine</a:t>
+                        <a:t>Unit (Junit/Jasmine)</a:t>
                       </a:r>
                       <a:endParaRPr lang="en-US" dirty="0"/>
                     </a:p>
@@ -5179,11 +6389,15 @@
                     <a:p>
                       <a:r>
                         <a:rPr lang="en-US" dirty="0" smtClean="0"/>
-                        <a:t>Service / </a:t>
+                        <a:t>Service (</a:t>
                       </a:r>
                       <a:r>
                         <a:rPr lang="en-US" dirty="0" err="1" smtClean="0"/>
                         <a:t>Fitnesse</a:t>
+                      </a:r>
+                      <a:r>
+                        <a:rPr lang="en-US" dirty="0" smtClean="0"/>
+                        <a:t>)</a:t>
                       </a:r>
                       <a:endParaRPr lang="en-US" dirty="0"/>
                     </a:p>
@@ -5197,11 +6411,11 @@
                     <a:p>
                       <a:r>
                         <a:rPr lang="en-US" dirty="0" smtClean="0"/>
-                        <a:t>UI /</a:t>
+                        <a:t>UI (</a:t>
                       </a:r>
                       <a:r>
                         <a:rPr lang="en-US" baseline="0" dirty="0" smtClean="0"/>
-                        <a:t> Selenium + Junit</a:t>
+                        <a:t>Selenium + Junit)</a:t>
                       </a:r>
                       <a:endParaRPr lang="en-US" dirty="0"/>
                     </a:p>
@@ -5263,7 +6477,7 @@
                     <a:p>
                       <a:r>
                         <a:rPr lang="en-US" dirty="0" smtClean="0"/>
-                        <a:t>Recognize</a:t>
+                        <a:t>Calculate</a:t>
                       </a:r>
                       <a:r>
                         <a:rPr lang="en-US" baseline="0" dirty="0" smtClean="0"/>
@@ -5299,7 +6513,7 @@
                     <a:bodyPr/>
                     <a:lstStyle/>
                     <a:p>
-                      <a:endParaRPr lang="en-US"/>
+                      <a:endParaRPr lang="en-US" dirty="0"/>
                     </a:p>
                   </a:txBody>
                   <a:tcPr/>
@@ -5349,7 +6563,7 @@
                     <a:bodyPr/>
                     <a:lstStyle/>
                     <a:p>
-                      <a:endParaRPr lang="en-US"/>
+                      <a:endParaRPr lang="en-US" dirty="0"/>
                     </a:p>
                   </a:txBody>
                   <a:tcPr/>
@@ -5431,7 +6645,7 @@
         </p:blipFill>
         <p:spPr>
           <a:xfrm>
-            <a:off x="9733005" y="4887247"/>
+            <a:off x="9787433" y="4414333"/>
             <a:ext cx="471771" cy="471771"/>
           </a:xfrm>
           <a:prstGeom prst="rect">
@@ -5461,7 +6675,7 @@
         </p:blipFill>
         <p:spPr>
           <a:xfrm>
-            <a:off x="4683211" y="2800556"/>
+            <a:off x="4726754" y="2327643"/>
             <a:ext cx="471771" cy="471771"/>
           </a:xfrm>
           <a:prstGeom prst="rect">
@@ -5491,7 +6705,7 @@
         </p:blipFill>
         <p:spPr>
           <a:xfrm>
-            <a:off x="7059825" y="4178449"/>
+            <a:off x="7092482" y="3705536"/>
             <a:ext cx="471771" cy="471771"/>
           </a:xfrm>
           <a:prstGeom prst="rect">
@@ -5521,7 +6735,7 @@
         </p:blipFill>
         <p:spPr>
           <a:xfrm>
-            <a:off x="7059826" y="3421526"/>
+            <a:off x="7092483" y="2948613"/>
             <a:ext cx="471771" cy="471771"/>
           </a:xfrm>
           <a:prstGeom prst="rect">
@@ -5551,7 +6765,7 @@
         </p:blipFill>
         <p:spPr>
           <a:xfrm>
-            <a:off x="7059827" y="2800556"/>
+            <a:off x="7092484" y="2327643"/>
             <a:ext cx="471771" cy="471771"/>
           </a:xfrm>
           <a:prstGeom prst="rect">
@@ -5581,7 +6795,7 @@
         </p:blipFill>
         <p:spPr>
           <a:xfrm>
-            <a:off x="4683210" y="3421526"/>
+            <a:off x="4726753" y="2948613"/>
             <a:ext cx="471771" cy="471771"/>
           </a:xfrm>
           <a:prstGeom prst="rect">
@@ -5611,7 +6825,7 @@
         </p:blipFill>
         <p:spPr>
           <a:xfrm>
-            <a:off x="4683210" y="4178449"/>
+            <a:off x="4726753" y="3705536"/>
             <a:ext cx="471771" cy="471771"/>
           </a:xfrm>
           <a:prstGeom prst="rect">
@@ -5641,7 +6855,7 @@
         </p:blipFill>
         <p:spPr>
           <a:xfrm>
-            <a:off x="4683210" y="4887247"/>
+            <a:off x="4726753" y="4414334"/>
             <a:ext cx="471771" cy="471771"/>
           </a:xfrm>
           <a:prstGeom prst="rect">

--- a/Test Pyramid Presentation.pptx
+++ b/Test Pyramid Presentation.pptx
@@ -5,7 +5,7 @@
     <p:sldMasterId id="2147483648" r:id="rId1"/>
   </p:sldMasterIdLst>
   <p:notesMasterIdLst>
-    <p:notesMasterId r:id="rId17"/>
+    <p:notesMasterId r:id="rId18"/>
   </p:notesMasterIdLst>
   <p:sldIdLst>
     <p:sldId id="256" r:id="rId2"/>
@@ -21,8 +21,9 @@
     <p:sldId id="265" r:id="rId12"/>
     <p:sldId id="272" r:id="rId13"/>
     <p:sldId id="273" r:id="rId14"/>
-    <p:sldId id="268" r:id="rId15"/>
-    <p:sldId id="261" r:id="rId16"/>
+    <p:sldId id="274" r:id="rId15"/>
+    <p:sldId id="268" r:id="rId16"/>
+    <p:sldId id="261" r:id="rId17"/>
   </p:sldIdLst>
   <p:sldSz cx="12192000" cy="6858000"/>
   <p:notesSz cx="6858000" cy="9144000"/>
@@ -211,7 +212,7 @@
           <a:p>
             <a:fld id="{51E71193-F4DE-7347-96CF-6A9725F5B501}" type="datetimeFigureOut">
               <a:rPr lang="en-US" smtClean="0"/>
-              <a:t>5/16/17</a:t>
+              <a:t>5/18/17</a:t>
             </a:fld>
             <a:endParaRPr lang="en-US"/>
           </a:p>
@@ -820,11 +821,7 @@
             </a:r>
             <a:r>
               <a:rPr lang="en-US" baseline="0" dirty="0" smtClean="0"/>
-              <a:t> </a:t>
-            </a:r>
-            <a:r>
-              <a:rPr lang="en-US" baseline="0" dirty="0" smtClean="0"/>
-              <a:t>test covers a wide variety of parsing scenarios.</a:t>
+              <a:t> test covers a wide variety of parsing scenarios.</a:t>
             </a:r>
           </a:p>
           <a:p>
@@ -1007,12 +1004,13 @@
             </a:r>
             <a:r>
               <a:rPr lang="en-US" baseline="0" dirty="0" smtClean="0"/>
-              <a:t> </a:t>
+              <a:t> test covers </a:t>
             </a:r>
             <a:r>
               <a:rPr lang="en-US" baseline="0" dirty="0" smtClean="0"/>
-              <a:t>test covers a wide variety of parsing scenarios.</a:t>
-            </a:r>
+              <a:t>a full range of cases which will both pass and fail the validation rule.  It depends on both opiate identification and duration parsing logic.</a:t>
+            </a:r>
+            <a:endParaRPr lang="en-US" baseline="0" dirty="0" smtClean="0"/>
           </a:p>
           <a:p>
             <a:pPr marL="171450" marR="0" indent="-171450" algn="l" defTabSz="914400" rtl="0" eaLnBrk="1" fontAlgn="auto" latinLnBrk="0" hangingPunct="1">
@@ -1033,40 +1031,98 @@
               <a:defRPr/>
             </a:pPr>
             <a:r>
+              <a:rPr lang="en-US" baseline="0" dirty="0" err="1" smtClean="0"/>
+              <a:t>RxValidator</a:t>
+            </a:r>
+            <a:r>
               <a:rPr lang="en-US" baseline="0" dirty="0" smtClean="0"/>
-              <a:t>Two classes provide the implementation for this part of the feature, </a:t>
+              <a:t> is a class for running multiple validation rules, represented by </a:t>
             </a:r>
             <a:r>
               <a:rPr lang="en-US" baseline="0" dirty="0" err="1" smtClean="0"/>
-              <a:t>EDurationUnit</a:t>
+              <a:t>IRxValidationRule</a:t>
             </a:r>
             <a:r>
               <a:rPr lang="en-US" baseline="0" dirty="0" smtClean="0"/>
-              <a:t> and </a:t>
+              <a:t> interface, against a prescription.  Each rule will return an </a:t>
             </a:r>
             <a:r>
               <a:rPr lang="en-US" baseline="0" dirty="0" err="1" smtClean="0"/>
-              <a:t>EDurationParser</a:t>
+              <a:t>RxValidationResult</a:t>
             </a:r>
             <a:r>
               <a:rPr lang="en-US" baseline="0" dirty="0" smtClean="0"/>
-              <a:t>.  </a:t>
+              <a:t> that indicates whether the prescription is valid with respect to that rule, and if not what message should be displayed and which prescription fields are related to the failure if any.  The </a:t>
             </a:r>
             <a:r>
               <a:rPr lang="en-US" baseline="0" dirty="0" err="1" smtClean="0"/>
-              <a:t>EDurationUnit</a:t>
+              <a:t>RxValidatorShould</a:t>
             </a:r>
             <a:r>
               <a:rPr lang="en-US" baseline="0" dirty="0" smtClean="0"/>
-              <a:t> test verifies how duration units are expressed.  The test for </a:t>
-            </a:r>
+              <a:t> unit test verifies this rules runner functions correctly, but using fake rules.</a:t>
+            </a:r>
+          </a:p>
+          <a:p>
+            <a:pPr marL="171450" marR="0" indent="-171450" algn="l" defTabSz="914400" rtl="0" eaLnBrk="1" fontAlgn="auto" latinLnBrk="0" hangingPunct="1">
+              <a:lnSpc>
+                <a:spcPct val="100000"/>
+              </a:lnSpc>
+              <a:spcBef>
+                <a:spcPts val="0"/>
+              </a:spcBef>
+              <a:spcAft>
+                <a:spcPts val="0"/>
+              </a:spcAft>
+              <a:buClrTx/>
+              <a:buSzTx/>
+              <a:buFont typeface="Arial" charset="0"/>
+              <a:buChar char="•"/>
+              <a:tabLst/>
+              <a:defRPr/>
+            </a:pPr>
             <a:r>
               <a:rPr lang="en-US" baseline="0" dirty="0" err="1" smtClean="0"/>
-              <a:t>EDurationParser</a:t>
+              <a:t>ValidatePrescriptionCommand</a:t>
             </a:r>
             <a:r>
               <a:rPr lang="en-US" baseline="0" dirty="0" smtClean="0"/>
-              <a:t> covers a few of the duration calculation scenarios covered in the </a:t>
+              <a:t> is the initial class invoked to run all prescription validation rules when a prescription is sent from a client browser.  It runs all the rules and returns a response to the client.  </a:t>
+            </a:r>
+            <a:r>
+              <a:rPr lang="en-US" baseline="0" dirty="0" err="1" smtClean="0"/>
+              <a:t>ValidationPrescriptionCommandShould</a:t>
+            </a:r>
+            <a:r>
+              <a:rPr lang="en-US" baseline="0" dirty="0" smtClean="0"/>
+              <a:t> tests this class with fake rules.</a:t>
+            </a:r>
+          </a:p>
+          <a:p>
+            <a:pPr marL="171450" marR="0" indent="-171450" algn="l" defTabSz="914400" rtl="0" eaLnBrk="1" fontAlgn="auto" latinLnBrk="0" hangingPunct="1">
+              <a:lnSpc>
+                <a:spcPct val="100000"/>
+              </a:lnSpc>
+              <a:spcBef>
+                <a:spcPts val="0"/>
+              </a:spcBef>
+              <a:spcAft>
+                <a:spcPts val="0"/>
+              </a:spcAft>
+              <a:buClrTx/>
+              <a:buSzTx/>
+              <a:buFont typeface="Arial" charset="0"/>
+              <a:buChar char="•"/>
+              <a:tabLst/>
+              <a:defRPr/>
+            </a:pPr>
+            <a:r>
+              <a:rPr lang="en-US" baseline="0" dirty="0" err="1" smtClean="0"/>
+              <a:t>OptateDurationValidationRuleShould</a:t>
+            </a:r>
+            <a:r>
+              <a:rPr lang="en-US" baseline="0" dirty="0" smtClean="0"/>
+              <a:t> tests the validation rule used for this feature.  It tests a few scenarios, including edge case like a null drug, but does not cover all business scenarios as they are covered by </a:t>
             </a:r>
             <a:r>
               <a:rPr lang="en-US" baseline="0" dirty="0" err="1" smtClean="0"/>
@@ -1074,16 +1130,9 @@
             </a:r>
             <a:r>
               <a:rPr lang="en-US" baseline="0" dirty="0" smtClean="0"/>
-              <a:t> test, but not the full range </a:t>
-            </a:r>
-            <a:r>
-              <a:rPr lang="mr-IN" baseline="0" dirty="0" smtClean="0"/>
-              <a:t>–</a:t>
-            </a:r>
-            <a:r>
-              <a:rPr lang="en-US" baseline="0" dirty="0" smtClean="0"/>
-              <a:t> small amount of overlap.</a:t>
-            </a:r>
+              <a:t> test.</a:t>
+            </a:r>
+            <a:endParaRPr lang="en-US" baseline="0" dirty="0" smtClean="0"/>
           </a:p>
         </p:txBody>
       </p:sp>
@@ -1114,6 +1163,123 @@
     <p:extLst>
       <p:ext uri="{BB962C8B-B14F-4D97-AF65-F5344CB8AC3E}">
         <p14:creationId xmlns:p14="http://schemas.microsoft.com/office/powerpoint/2010/main" val="1835565914"/>
+      </p:ext>
+    </p:extLst>
+  </p:cSld>
+  <p:clrMapOvr>
+    <a:masterClrMapping/>
+  </p:clrMapOvr>
+</p:notes>
+</file>
+
+<file path=ppt/notesSlides/notesSlide5.xml><?xml version="1.0" encoding="utf-8"?>
+<p:notes xmlns:a="http://schemas.openxmlformats.org/drawingml/2006/main" xmlns:r="http://schemas.openxmlformats.org/officeDocument/2006/relationships" xmlns:p="http://schemas.openxmlformats.org/presentationml/2006/main">
+  <p:cSld>
+    <p:spTree>
+      <p:nvGrpSpPr>
+        <p:cNvPr id="1" name=""/>
+        <p:cNvGrpSpPr/>
+        <p:nvPr/>
+      </p:nvGrpSpPr>
+      <p:grpSpPr>
+        <a:xfrm>
+          <a:off x="0" y="0"/>
+          <a:ext cx="0" cy="0"/>
+          <a:chOff x="0" y="0"/>
+          <a:chExt cx="0" cy="0"/>
+        </a:xfrm>
+      </p:grpSpPr>
+      <p:sp>
+        <p:nvSpPr>
+          <p:cNvPr id="2" name="Slide Image Placeholder 1"/>
+          <p:cNvSpPr>
+            <a:spLocks noGrp="1" noRot="1" noChangeAspect="1"/>
+          </p:cNvSpPr>
+          <p:nvPr>
+            <p:ph type="sldImg"/>
+          </p:nvPr>
+        </p:nvSpPr>
+        <p:spPr/>
+      </p:sp>
+      <p:sp>
+        <p:nvSpPr>
+          <p:cNvPr id="3" name="Notes Placeholder 2"/>
+          <p:cNvSpPr>
+            <a:spLocks noGrp="1"/>
+          </p:cNvSpPr>
+          <p:nvPr>
+            <p:ph type="body" idx="1"/>
+          </p:nvPr>
+        </p:nvSpPr>
+        <p:spPr/>
+        <p:txBody>
+          <a:bodyPr/>
+          <a:lstStyle/>
+          <a:p>
+            <a:pPr marL="171450" marR="0" indent="-171450" algn="l" defTabSz="914400" rtl="0" eaLnBrk="1" fontAlgn="auto" latinLnBrk="0" hangingPunct="1">
+              <a:lnSpc>
+                <a:spcPct val="100000"/>
+              </a:lnSpc>
+              <a:spcBef>
+                <a:spcPts val="0"/>
+              </a:spcBef>
+              <a:spcAft>
+                <a:spcPts val="0"/>
+              </a:spcAft>
+              <a:buClrTx/>
+              <a:buSzTx/>
+              <a:buFont typeface="Arial" charset="0"/>
+              <a:buChar char="•"/>
+              <a:tabLst/>
+              <a:defRPr/>
+            </a:pPr>
+            <a:r>
+              <a:rPr lang="en-US" baseline="0" dirty="0" smtClean="0"/>
+              <a:t>The </a:t>
+            </a:r>
+            <a:r>
+              <a:rPr lang="en-US" baseline="0" dirty="0" err="1" smtClean="0"/>
+              <a:t>fitnesse</a:t>
+            </a:r>
+            <a:r>
+              <a:rPr lang="en-US" baseline="0" dirty="0" smtClean="0"/>
+              <a:t> test covers </a:t>
+            </a:r>
+            <a:r>
+              <a:rPr lang="en-US" baseline="0" dirty="0" smtClean="0"/>
+              <a:t>a full range of cases which will both pass and fail the validation rule.  It depends on both opiate identification and duration parsing logic.</a:t>
+            </a:r>
+            <a:endParaRPr lang="en-US" baseline="0" dirty="0" smtClean="0"/>
+          </a:p>
+        </p:txBody>
+      </p:sp>
+      <p:sp>
+        <p:nvSpPr>
+          <p:cNvPr id="4" name="Slide Number Placeholder 3"/>
+          <p:cNvSpPr>
+            <a:spLocks noGrp="1"/>
+          </p:cNvSpPr>
+          <p:nvPr>
+            <p:ph type="sldNum" sz="quarter" idx="10"/>
+          </p:nvPr>
+        </p:nvSpPr>
+        <p:spPr/>
+        <p:txBody>
+          <a:bodyPr/>
+          <a:lstStyle/>
+          <a:p>
+            <a:fld id="{C0CB0DF1-2E1C-3F45-9F83-336FA6343465}" type="slidenum">
+              <a:rPr lang="en-US" smtClean="0"/>
+              <a:t>14</a:t>
+            </a:fld>
+            <a:endParaRPr lang="en-US"/>
+          </a:p>
+        </p:txBody>
+      </p:sp>
+    </p:spTree>
+    <p:extLst>
+      <p:ext uri="{BB962C8B-B14F-4D97-AF65-F5344CB8AC3E}">
+        <p14:creationId xmlns:p14="http://schemas.microsoft.com/office/powerpoint/2010/main" val="1669979505"/>
       </p:ext>
     </p:extLst>
   </p:cSld>
@@ -4749,8 +4915,8 @@
         </p:nvCxnSpPr>
         <p:spPr>
           <a:xfrm flipH="1">
-            <a:off x="4711756" y="2662857"/>
-            <a:ext cx="299784" cy="424491"/>
+            <a:off x="4709983" y="2644908"/>
+            <a:ext cx="254483" cy="352486"/>
           </a:xfrm>
           <a:prstGeom prst="straightConnector1">
             <a:avLst/>
@@ -4807,16 +4973,144 @@
           </a:fontRef>
         </p:style>
       </p:cxnSp>
+      <p:sp>
+        <p:nvSpPr>
+          <p:cNvPr id="12" name="TextBox 11"/>
+          <p:cNvSpPr txBox="1"/>
+          <p:nvPr/>
+        </p:nvSpPr>
+        <p:spPr>
+          <a:xfrm>
+            <a:off x="3857310" y="1768523"/>
+            <a:ext cx="1897507" cy="369332"/>
+          </a:xfrm>
+          <a:prstGeom prst="rect">
+            <a:avLst/>
+          </a:prstGeom>
+          <a:noFill/>
+        </p:spPr>
+        <p:txBody>
+          <a:bodyPr wrap="none" rtlCol="0">
+            <a:spAutoFit/>
+          </a:bodyPr>
+          <a:lstStyle/>
+          <a:p>
+            <a:r>
+              <a:rPr lang="en-US" dirty="0" err="1" smtClean="0">
+                <a:hlinkClick r:id="rId3"/>
+              </a:rPr>
+              <a:t>RxValidatorShould</a:t>
+            </a:r>
+            <a:endParaRPr lang="en-US" dirty="0"/>
+          </a:p>
+        </p:txBody>
+      </p:sp>
+      <p:sp>
+        <p:nvSpPr>
+          <p:cNvPr id="13" name="TextBox 12"/>
+          <p:cNvSpPr txBox="1"/>
+          <p:nvPr/>
+        </p:nvSpPr>
+        <p:spPr>
+          <a:xfrm>
+            <a:off x="3848985" y="2031024"/>
+            <a:ext cx="3632598" cy="369332"/>
+          </a:xfrm>
+          <a:prstGeom prst="rect">
+            <a:avLst/>
+          </a:prstGeom>
+          <a:noFill/>
+        </p:spPr>
+        <p:txBody>
+          <a:bodyPr wrap="none" rtlCol="0">
+            <a:spAutoFit/>
+          </a:bodyPr>
+          <a:lstStyle/>
+          <a:p>
+            <a:r>
+              <a:rPr lang="en-US" dirty="0" err="1" smtClean="0">
+                <a:hlinkClick r:id="rId4"/>
+              </a:rPr>
+              <a:t>OpiateDurationValidationRuleShould</a:t>
+            </a:r>
+            <a:endParaRPr lang="en-US" dirty="0"/>
+          </a:p>
+        </p:txBody>
+      </p:sp>
+      <p:sp>
+        <p:nvSpPr>
+          <p:cNvPr id="14" name="TextBox 13"/>
+          <p:cNvSpPr txBox="1"/>
+          <p:nvPr/>
+        </p:nvSpPr>
+        <p:spPr>
+          <a:xfrm>
+            <a:off x="7601392" y="1865589"/>
+            <a:ext cx="2047548" cy="369332"/>
+          </a:xfrm>
+          <a:prstGeom prst="rect">
+            <a:avLst/>
+          </a:prstGeom>
+          <a:noFill/>
+        </p:spPr>
+        <p:txBody>
+          <a:bodyPr wrap="none" rtlCol="0">
+            <a:spAutoFit/>
+          </a:bodyPr>
+          <a:lstStyle/>
+          <a:p>
+            <a:r>
+              <a:rPr lang="en-US" dirty="0" smtClean="0">
+                <a:hlinkClick r:id="rId5"/>
+              </a:rPr>
+              <a:t>OpiateDurationRule</a:t>
+            </a:r>
+            <a:endParaRPr lang="en-US" dirty="0"/>
+          </a:p>
+        </p:txBody>
+      </p:sp>
+      <p:sp>
+        <p:nvSpPr>
+          <p:cNvPr id="15" name="TextBox 14"/>
+          <p:cNvSpPr txBox="1"/>
+          <p:nvPr/>
+        </p:nvSpPr>
+        <p:spPr>
+          <a:xfrm>
+            <a:off x="3861521" y="2305622"/>
+            <a:ext cx="3680688" cy="369332"/>
+          </a:xfrm>
+          <a:prstGeom prst="rect">
+            <a:avLst/>
+          </a:prstGeom>
+          <a:noFill/>
+        </p:spPr>
+        <p:txBody>
+          <a:bodyPr wrap="none" rtlCol="0">
+            <a:spAutoFit/>
+          </a:bodyPr>
+          <a:lstStyle/>
+          <a:p>
+            <a:r>
+              <a:rPr lang="en-US" dirty="0" err="1" smtClean="0">
+                <a:hlinkClick r:id="rId6"/>
+              </a:rPr>
+              <a:t>ValidatePrescriptionCommandShould</a:t>
+            </a:r>
+            <a:endParaRPr lang="en-US" dirty="0"/>
+          </a:p>
+        </p:txBody>
+      </p:sp>
       <p:pic>
         <p:nvPicPr>
-          <p:cNvPr id="6" name="Picture 5"/>
+          <p:cNvPr id="5" name="Picture 4"/>
           <p:cNvPicPr>
             <a:picLocks noChangeAspect="1"/>
           </p:cNvPicPr>
           <p:nvPr/>
         </p:nvPicPr>
         <p:blipFill>
-          <a:blip r:embed="rId3">
+          <a:blip r:embed="rId7">
             <a:extLst>
               <a:ext uri="{28A0092B-C50C-407E-A947-70E740481C1C}">
                 <a14:useLocalDpi xmlns:a14="http://schemas.microsoft.com/office/drawing/2010/main" val="0"/>
@@ -4829,8 +5123,8 @@
         </p:blipFill>
         <p:spPr>
           <a:xfrm>
-            <a:off x="669685" y="2952483"/>
-            <a:ext cx="4215386" cy="2337198"/>
+            <a:off x="5097975" y="2934967"/>
+            <a:ext cx="6407918" cy="2649567"/>
           </a:xfrm>
           <a:prstGeom prst="rect">
             <a:avLst/>
@@ -4839,14 +5133,14 @@
       </p:pic>
       <p:pic>
         <p:nvPicPr>
-          <p:cNvPr id="8" name="Picture 7"/>
+          <p:cNvPr id="9" name="Picture 8"/>
           <p:cNvPicPr>
             <a:picLocks noChangeAspect="1"/>
           </p:cNvPicPr>
           <p:nvPr/>
         </p:nvPicPr>
         <p:blipFill>
-          <a:blip r:embed="rId4">
+          <a:blip r:embed="rId8">
             <a:extLst>
               <a:ext uri="{28A0092B-C50C-407E-A947-70E740481C1C}">
                 <a14:useLocalDpi xmlns:a14="http://schemas.microsoft.com/office/drawing/2010/main" val="0"/>
@@ -4859,166 +5153,14 @@
         </p:blipFill>
         <p:spPr>
           <a:xfrm>
-            <a:off x="1126378" y="3754675"/>
-            <a:ext cx="3302000" cy="2897083"/>
+            <a:off x="838200" y="2934967"/>
+            <a:ext cx="3498606" cy="2587464"/>
           </a:xfrm>
           <a:prstGeom prst="rect">
             <a:avLst/>
           </a:prstGeom>
         </p:spPr>
       </p:pic>
-      <p:sp>
-        <p:nvSpPr>
-          <p:cNvPr id="12" name="TextBox 11"/>
-          <p:cNvSpPr txBox="1"/>
-          <p:nvPr/>
-        </p:nvSpPr>
-        <p:spPr>
-          <a:xfrm>
-            <a:off x="3857310" y="1768523"/>
-            <a:ext cx="1897507" cy="369332"/>
-          </a:xfrm>
-          <a:prstGeom prst="rect">
-            <a:avLst/>
-          </a:prstGeom>
-          <a:noFill/>
-        </p:spPr>
-        <p:txBody>
-          <a:bodyPr wrap="none" rtlCol="0">
-            <a:spAutoFit/>
-          </a:bodyPr>
-          <a:lstStyle/>
-          <a:p>
-            <a:r>
-              <a:rPr lang="en-US" dirty="0" err="1" smtClean="0"/>
-              <a:t>RxValidatorShould</a:t>
-            </a:r>
-            <a:endParaRPr lang="en-US" dirty="0"/>
-          </a:p>
-        </p:txBody>
-      </p:sp>
-      <p:sp>
-        <p:nvSpPr>
-          <p:cNvPr id="13" name="TextBox 12"/>
-          <p:cNvSpPr txBox="1"/>
-          <p:nvPr/>
-        </p:nvSpPr>
-        <p:spPr>
-          <a:xfrm>
-            <a:off x="3848985" y="2031024"/>
-            <a:ext cx="3632598" cy="369332"/>
-          </a:xfrm>
-          <a:prstGeom prst="rect">
-            <a:avLst/>
-          </a:prstGeom>
-          <a:noFill/>
-        </p:spPr>
-        <p:txBody>
-          <a:bodyPr wrap="none" rtlCol="0">
-            <a:spAutoFit/>
-          </a:bodyPr>
-          <a:lstStyle/>
-          <a:p>
-            <a:r>
-              <a:rPr lang="en-US" dirty="0" err="1" smtClean="0"/>
-              <a:t>OpiateDurationValidationRuleShould</a:t>
-            </a:r>
-            <a:endParaRPr lang="en-US" dirty="0"/>
-          </a:p>
-        </p:txBody>
-      </p:sp>
-      <p:sp>
-        <p:nvSpPr>
-          <p:cNvPr id="14" name="TextBox 13"/>
-          <p:cNvSpPr txBox="1"/>
-          <p:nvPr/>
-        </p:nvSpPr>
-        <p:spPr>
-          <a:xfrm>
-            <a:off x="7601392" y="1865589"/>
-            <a:ext cx="2047548" cy="369332"/>
-          </a:xfrm>
-          <a:prstGeom prst="rect">
-            <a:avLst/>
-          </a:prstGeom>
-          <a:noFill/>
-        </p:spPr>
-        <p:txBody>
-          <a:bodyPr wrap="none" rtlCol="0">
-            <a:spAutoFit/>
-          </a:bodyPr>
-          <a:lstStyle/>
-          <a:p>
-            <a:r>
-              <a:rPr lang="en-US" dirty="0" err="1" smtClean="0">
-                <a:hlinkClick r:id="rId5"/>
-              </a:rPr>
-              <a:t>OpiateDurationRule</a:t>
-            </a:r>
-            <a:endParaRPr lang="en-US" dirty="0"/>
-          </a:p>
-        </p:txBody>
-      </p:sp>
-      <p:pic>
-        <p:nvPicPr>
-          <p:cNvPr id="3" name="Picture 2"/>
-          <p:cNvPicPr>
-            <a:picLocks noChangeAspect="1"/>
-          </p:cNvPicPr>
-          <p:nvPr/>
-        </p:nvPicPr>
-        <p:blipFill>
-          <a:blip r:embed="rId6">
-            <a:extLst>
-              <a:ext uri="{28A0092B-C50C-407E-A947-70E740481C1C}">
-                <a14:useLocalDpi xmlns:a14="http://schemas.microsoft.com/office/drawing/2010/main" val="0"/>
-              </a:ext>
-            </a:extLst>
-          </a:blip>
-          <a:stretch>
-            <a:fillRect/>
-          </a:stretch>
-        </p:blipFill>
-        <p:spPr>
-          <a:xfrm>
-            <a:off x="5072743" y="2952483"/>
-            <a:ext cx="6281057" cy="2928676"/>
-          </a:xfrm>
-          <a:prstGeom prst="rect">
-            <a:avLst/>
-          </a:prstGeom>
-        </p:spPr>
-      </p:pic>
-      <p:sp>
-        <p:nvSpPr>
-          <p:cNvPr id="15" name="TextBox 14"/>
-          <p:cNvSpPr txBox="1"/>
-          <p:nvPr/>
-        </p:nvSpPr>
-        <p:spPr>
-          <a:xfrm>
-            <a:off x="3861521" y="2305622"/>
-            <a:ext cx="3558859" cy="369332"/>
-          </a:xfrm>
-          <a:prstGeom prst="rect">
-            <a:avLst/>
-          </a:prstGeom>
-          <a:noFill/>
-        </p:spPr>
-        <p:txBody>
-          <a:bodyPr wrap="none" rtlCol="0">
-            <a:spAutoFit/>
-          </a:bodyPr>
-          <a:lstStyle/>
-          <a:p>
-            <a:r>
-              <a:rPr lang="en-US" smtClean="0"/>
-              <a:t>ValiatePrescriptionCommandShould</a:t>
-            </a:r>
-            <a:endParaRPr lang="en-US" dirty="0"/>
-          </a:p>
-        </p:txBody>
-      </p:sp>
     </p:spTree>
     <p:extLst>
       <p:ext uri="{BB962C8B-B14F-4D97-AF65-F5344CB8AC3E}">
@@ -5073,6 +5215,345 @@
           <a:p>
             <a:r>
               <a:rPr lang="en-US" dirty="0" smtClean="0"/>
+              <a:t>Inform User in UI if Rule Violated</a:t>
+            </a:r>
+            <a:endParaRPr lang="en-US" dirty="0"/>
+          </a:p>
+        </p:txBody>
+      </p:sp>
+      <p:graphicFrame>
+        <p:nvGraphicFramePr>
+          <p:cNvPr id="4" name="Content Placeholder 3"/>
+          <p:cNvGraphicFramePr>
+            <a:graphicFrameLocks noGrp="1"/>
+          </p:cNvGraphicFramePr>
+          <p:nvPr>
+            <p:ph idx="1"/>
+            <p:extLst>
+              <p:ext uri="{D42A27DB-BD31-4B8C-83A1-F6EECF244321}">
+                <p14:modId xmlns:p14="http://schemas.microsoft.com/office/powerpoint/2010/main" val="924551201"/>
+              </p:ext>
+            </p:extLst>
+          </p:nvPr>
+        </p:nvGraphicFramePr>
+        <p:xfrm>
+          <a:off x="838200" y="1481960"/>
+          <a:ext cx="10515600" cy="1010920"/>
+        </p:xfrm>
+        <a:graphic>
+          <a:graphicData uri="http://schemas.openxmlformats.org/drawingml/2006/table">
+            <a:tbl>
+              <a:tblPr firstRow="1" bandRow="1">
+                <a:tableStyleId>{5C22544A-7EE6-4342-B048-85BDC9FD1C3A}</a:tableStyleId>
+              </a:tblPr>
+              <a:tblGrid>
+                <a:gridCol w="3029465"/>
+                <a:gridCol w="3632592"/>
+                <a:gridCol w="2536372"/>
+                <a:gridCol w="1317171"/>
+              </a:tblGrid>
+              <a:tr h="370840">
+                <a:tc>
+                  <a:txBody>
+                    <a:bodyPr/>
+                    <a:lstStyle/>
+                    <a:p>
+                      <a:pPr algn="ctr"/>
+                      <a:r>
+                        <a:rPr lang="en-US" dirty="0" smtClean="0"/>
+                        <a:t>Feature Part</a:t>
+                      </a:r>
+                      <a:endParaRPr lang="en-US" dirty="0"/>
+                    </a:p>
+                  </a:txBody>
+                  <a:tcPr/>
+                </a:tc>
+                <a:tc>
+                  <a:txBody>
+                    <a:bodyPr/>
+                    <a:lstStyle/>
+                    <a:p>
+                      <a:r>
+                        <a:rPr lang="en-US" dirty="0" smtClean="0"/>
+                        <a:t>Unit (Junit/Jasmine)</a:t>
+                      </a:r>
+                      <a:endParaRPr lang="en-US" dirty="0"/>
+                    </a:p>
+                  </a:txBody>
+                  <a:tcPr/>
+                </a:tc>
+                <a:tc>
+                  <a:txBody>
+                    <a:bodyPr/>
+                    <a:lstStyle/>
+                    <a:p>
+                      <a:r>
+                        <a:rPr lang="en-US" dirty="0" smtClean="0"/>
+                        <a:t>Service (</a:t>
+                      </a:r>
+                      <a:r>
+                        <a:rPr lang="en-US" dirty="0" err="1" smtClean="0"/>
+                        <a:t>Fitnesse</a:t>
+                      </a:r>
+                      <a:r>
+                        <a:rPr lang="en-US" dirty="0" smtClean="0"/>
+                        <a:t>)</a:t>
+                      </a:r>
+                      <a:endParaRPr lang="en-US" dirty="0"/>
+                    </a:p>
+                  </a:txBody>
+                  <a:tcPr/>
+                </a:tc>
+                <a:tc>
+                  <a:txBody>
+                    <a:bodyPr/>
+                    <a:lstStyle/>
+                    <a:p>
+                      <a:r>
+                        <a:rPr lang="en-US" dirty="0" smtClean="0"/>
+                        <a:t>UI</a:t>
+                      </a:r>
+                      <a:endParaRPr lang="en-US" dirty="0"/>
+                    </a:p>
+                  </a:txBody>
+                  <a:tcPr/>
+                </a:tc>
+              </a:tr>
+              <a:tr h="370840">
+                <a:tc>
+                  <a:txBody>
+                    <a:bodyPr/>
+                    <a:lstStyle/>
+                    <a:p>
+                      <a:r>
+                        <a:rPr lang="en-US" dirty="0" smtClean="0"/>
+                        <a:t>Inform</a:t>
+                      </a:r>
+                      <a:r>
+                        <a:rPr lang="en-US" baseline="0" dirty="0" smtClean="0"/>
+                        <a:t> user in UI if rule violated</a:t>
+                      </a:r>
+                      <a:endParaRPr lang="en-US" dirty="0"/>
+                    </a:p>
+                  </a:txBody>
+                  <a:tcPr/>
+                </a:tc>
+                <a:tc>
+                  <a:txBody>
+                    <a:bodyPr/>
+                    <a:lstStyle/>
+                    <a:p>
+                      <a:endParaRPr lang="en-US" dirty="0"/>
+                    </a:p>
+                  </a:txBody>
+                  <a:tcPr/>
+                </a:tc>
+                <a:tc>
+                  <a:txBody>
+                    <a:bodyPr/>
+                    <a:lstStyle/>
+                    <a:p>
+                      <a:endParaRPr lang="en-US" dirty="0"/>
+                    </a:p>
+                  </a:txBody>
+                  <a:tcPr/>
+                </a:tc>
+                <a:tc>
+                  <a:txBody>
+                    <a:bodyPr/>
+                    <a:lstStyle/>
+                    <a:p>
+                      <a:endParaRPr lang="en-US" dirty="0"/>
+                    </a:p>
+                  </a:txBody>
+                  <a:tcPr/>
+                </a:tc>
+              </a:tr>
+            </a:tbl>
+          </a:graphicData>
+        </a:graphic>
+      </p:graphicFrame>
+      <p:cxnSp>
+        <p:nvCxnSpPr>
+          <p:cNvPr id="10" name="Straight Arrow Connector 9"/>
+          <p:cNvCxnSpPr/>
+          <p:nvPr/>
+        </p:nvCxnSpPr>
+        <p:spPr>
+          <a:xfrm flipH="1">
+            <a:off x="4709983" y="2644908"/>
+            <a:ext cx="254483" cy="352486"/>
+          </a:xfrm>
+          <a:prstGeom prst="straightConnector1">
+            <a:avLst/>
+          </a:prstGeom>
+          <a:ln w="38100">
+            <a:tailEnd type="triangle"/>
+          </a:ln>
+        </p:spPr>
+        <p:style>
+          <a:lnRef idx="1">
+            <a:schemeClr val="accent1"/>
+          </a:lnRef>
+          <a:fillRef idx="0">
+            <a:schemeClr val="accent1"/>
+          </a:fillRef>
+          <a:effectRef idx="0">
+            <a:schemeClr val="accent1"/>
+          </a:effectRef>
+          <a:fontRef idx="minor">
+            <a:schemeClr val="tx1"/>
+          </a:fontRef>
+        </p:style>
+      </p:cxnSp>
+      <p:sp>
+        <p:nvSpPr>
+          <p:cNvPr id="12" name="TextBox 11"/>
+          <p:cNvSpPr txBox="1"/>
+          <p:nvPr/>
+        </p:nvSpPr>
+        <p:spPr>
+          <a:xfrm>
+            <a:off x="3857310" y="1768523"/>
+            <a:ext cx="1897507" cy="369332"/>
+          </a:xfrm>
+          <a:prstGeom prst="rect">
+            <a:avLst/>
+          </a:prstGeom>
+          <a:noFill/>
+        </p:spPr>
+        <p:txBody>
+          <a:bodyPr wrap="none" rtlCol="0">
+            <a:spAutoFit/>
+          </a:bodyPr>
+          <a:lstStyle/>
+          <a:p>
+            <a:r>
+              <a:rPr lang="en-US" dirty="0" err="1" smtClean="0">
+                <a:hlinkClick r:id="rId3"/>
+              </a:rPr>
+              <a:t>RxValidatorShould</a:t>
+            </a:r>
+            <a:endParaRPr lang="en-US" dirty="0"/>
+          </a:p>
+        </p:txBody>
+      </p:sp>
+      <p:sp>
+        <p:nvSpPr>
+          <p:cNvPr id="13" name="TextBox 12"/>
+          <p:cNvSpPr txBox="1"/>
+          <p:nvPr/>
+        </p:nvSpPr>
+        <p:spPr>
+          <a:xfrm>
+            <a:off x="3848985" y="2031024"/>
+            <a:ext cx="3632598" cy="369332"/>
+          </a:xfrm>
+          <a:prstGeom prst="rect">
+            <a:avLst/>
+          </a:prstGeom>
+          <a:noFill/>
+        </p:spPr>
+        <p:txBody>
+          <a:bodyPr wrap="none" rtlCol="0">
+            <a:spAutoFit/>
+          </a:bodyPr>
+          <a:lstStyle/>
+          <a:p>
+            <a:r>
+              <a:rPr lang="en-US" dirty="0" err="1" smtClean="0">
+                <a:hlinkClick r:id="rId4"/>
+              </a:rPr>
+              <a:t>OpiateDurationValidationRuleShould</a:t>
+            </a:r>
+            <a:endParaRPr lang="en-US" dirty="0"/>
+          </a:p>
+        </p:txBody>
+      </p:sp>
+      <p:pic>
+        <p:nvPicPr>
+          <p:cNvPr id="9" name="Picture 8"/>
+          <p:cNvPicPr>
+            <a:picLocks noChangeAspect="1"/>
+          </p:cNvPicPr>
+          <p:nvPr/>
+        </p:nvPicPr>
+        <p:blipFill>
+          <a:blip r:embed="rId5">
+            <a:extLst>
+              <a:ext uri="{28A0092B-C50C-407E-A947-70E740481C1C}">
+                <a14:useLocalDpi xmlns:a14="http://schemas.microsoft.com/office/drawing/2010/main" val="0"/>
+              </a:ext>
+            </a:extLst>
+          </a:blip>
+          <a:stretch>
+            <a:fillRect/>
+          </a:stretch>
+        </p:blipFill>
+        <p:spPr>
+          <a:xfrm>
+            <a:off x="838200" y="2934967"/>
+            <a:ext cx="3498606" cy="2587464"/>
+          </a:xfrm>
+          <a:prstGeom prst="rect">
+            <a:avLst/>
+          </a:prstGeom>
+        </p:spPr>
+      </p:pic>
+    </p:spTree>
+    <p:extLst>
+      <p:ext uri="{BB962C8B-B14F-4D97-AF65-F5344CB8AC3E}">
+        <p14:creationId xmlns:p14="http://schemas.microsoft.com/office/powerpoint/2010/main" val="412678924"/>
+      </p:ext>
+    </p:extLst>
+  </p:cSld>
+  <p:clrMapOvr>
+    <a:masterClrMapping/>
+  </p:clrMapOvr>
+  <p:timing>
+    <p:tnLst>
+      <p:par>
+        <p:cTn id="1" dur="indefinite" restart="never" nodeType="tmRoot"/>
+      </p:par>
+    </p:tnLst>
+  </p:timing>
+</p:sld>
+</file>
+
+<file path=ppt/slides/slide15.xml><?xml version="1.0" encoding="utf-8"?>
+<p:sld xmlns:a="http://schemas.openxmlformats.org/drawingml/2006/main" xmlns:r="http://schemas.openxmlformats.org/officeDocument/2006/relationships" xmlns:p="http://schemas.openxmlformats.org/presentationml/2006/main">
+  <p:cSld>
+    <p:spTree>
+      <p:nvGrpSpPr>
+        <p:cNvPr id="1" name=""/>
+        <p:cNvGrpSpPr/>
+        <p:nvPr/>
+      </p:nvGrpSpPr>
+      <p:grpSpPr>
+        <a:xfrm>
+          <a:off x="0" y="0"/>
+          <a:ext cx="0" cy="0"/>
+          <a:chOff x="0" y="0"/>
+          <a:chExt cx="0" cy="0"/>
+        </a:xfrm>
+      </p:grpSpPr>
+      <p:sp>
+        <p:nvSpPr>
+          <p:cNvPr id="2" name="Title 1"/>
+          <p:cNvSpPr>
+            <a:spLocks noGrp="1"/>
+          </p:cNvSpPr>
+          <p:nvPr>
+            <p:ph type="title"/>
+          </p:nvPr>
+        </p:nvSpPr>
+        <p:spPr/>
+        <p:txBody>
+          <a:bodyPr/>
+          <a:lstStyle/>
+          <a:p>
+            <a:r>
+              <a:rPr lang="en-US" dirty="0" smtClean="0"/>
               <a:t>Summary</a:t>
             </a:r>
             <a:endParaRPr lang="en-US" dirty="0"/>
@@ -5111,7 +5592,7 @@
 </p:sld>
 </file>
 
-<file path=ppt/slides/slide15.xml><?xml version="1.0" encoding="utf-8"?>
+<file path=ppt/slides/slide16.xml><?xml version="1.0" encoding="utf-8"?>
 <p:sld xmlns:a="http://schemas.openxmlformats.org/drawingml/2006/main" xmlns:r="http://schemas.openxmlformats.org/officeDocument/2006/relationships" xmlns:p="http://schemas.openxmlformats.org/presentationml/2006/main">
   <p:cSld>
     <p:spTree>
@@ -6238,11 +6719,7 @@
           <a:p>
             <a:r>
               <a:rPr lang="en-US" dirty="0" smtClean="0"/>
-              <a:t>When clinician is prescribing Opiates or Benzodiazepines, limit the duration of the prescription to 30 days or under</a:t>
-            </a:r>
-            <a:r>
-              <a:rPr lang="en-US" dirty="0" smtClean="0"/>
-              <a:t>.</a:t>
+              <a:t>When clinician is prescribing Opiates or Benzodiazepines, limit the duration of the prescription to 30 days or under.</a:t>
             </a:r>
           </a:p>
           <a:p>
@@ -6250,7 +6727,6 @@
               <a:rPr lang="en-US" dirty="0" smtClean="0"/>
               <a:t>Reject prescription and display explanation to clinician if this rule violated.</a:t>
             </a:r>
-            <a:endParaRPr lang="en-US" dirty="0" smtClean="0"/>
           </a:p>
           <a:p>
             <a:r>

--- a/Test Pyramid Presentation.pptx
+++ b/Test Pyramid Presentation.pptx
@@ -212,7 +212,7 @@
           <a:p>
             <a:fld id="{51E71193-F4DE-7347-96CF-6A9725F5B501}" type="datetimeFigureOut">
               <a:rPr lang="en-US" smtClean="0"/>
-              <a:t>5/18/17</a:t>
+              <a:t>6/5/17</a:t>
             </a:fld>
             <a:endParaRPr lang="en-US"/>
           </a:p>
@@ -1004,13 +1004,8 @@
             </a:r>
             <a:r>
               <a:rPr lang="en-US" baseline="0" dirty="0" smtClean="0"/>
-              <a:t> test covers </a:t>
-            </a:r>
-            <a:r>
-              <a:rPr lang="en-US" baseline="0" dirty="0" smtClean="0"/>
-              <a:t>a full range of cases which will both pass and fail the validation rule.  It depends on both opiate identification and duration parsing logic.</a:t>
-            </a:r>
-            <a:endParaRPr lang="en-US" baseline="0" dirty="0" smtClean="0"/>
+              <a:t> test covers a full range of cases which will both pass and fail the validation rule.  It depends on both opiate identification and duration parsing logic.</a:t>
+            </a:r>
           </a:p>
           <a:p>
             <a:pPr marL="171450" marR="0" indent="-171450" algn="l" defTabSz="914400" rtl="0" eaLnBrk="1" fontAlgn="auto" latinLnBrk="0" hangingPunct="1">
@@ -1132,7 +1127,6 @@
               <a:rPr lang="en-US" baseline="0" dirty="0" smtClean="0"/>
               <a:t> test.</a:t>
             </a:r>
-            <a:endParaRPr lang="en-US" baseline="0" dirty="0" smtClean="0"/>
           </a:p>
         </p:txBody>
       </p:sp>
@@ -1243,13 +1237,8 @@
             </a:r>
             <a:r>
               <a:rPr lang="en-US" baseline="0" dirty="0" smtClean="0"/>
-              <a:t> test covers </a:t>
-            </a:r>
-            <a:r>
-              <a:rPr lang="en-US" baseline="0" dirty="0" smtClean="0"/>
-              <a:t>a full range of cases which will both pass and fail the validation rule.  It depends on both opiate identification and duration parsing logic.</a:t>
-            </a:r>
-            <a:endParaRPr lang="en-US" baseline="0" dirty="0" smtClean="0"/>
+              <a:t> test covers a full range of cases which will both pass and fail the validation rule.  It depends on both opiate identification and duration parsing logic.</a:t>
+            </a:r>
           </a:p>
         </p:txBody>
       </p:sp>
@@ -5231,14 +5220,14 @@
             <p:ph idx="1"/>
             <p:extLst>
               <p:ext uri="{D42A27DB-BD31-4B8C-83A1-F6EECF244321}">
-                <p14:modId xmlns:p14="http://schemas.microsoft.com/office/powerpoint/2010/main" val="924551201"/>
+                <p14:modId xmlns:p14="http://schemas.microsoft.com/office/powerpoint/2010/main" val="672923477"/>
               </p:ext>
             </p:extLst>
           </p:nvPr>
         </p:nvGraphicFramePr>
         <p:xfrm>
           <a:off x="838200" y="1481960"/>
-          <a:ext cx="10515600" cy="1010920"/>
+          <a:ext cx="10515600" cy="1280160"/>
         </p:xfrm>
         <a:graphic>
           <a:graphicData uri="http://schemas.openxmlformats.org/drawingml/2006/table">
@@ -5249,8 +5238,8 @@
               <a:tblGrid>
                 <a:gridCol w="3029465"/>
                 <a:gridCol w="3632592"/>
-                <a:gridCol w="2536372"/>
-                <a:gridCol w="1317171"/>
+                <a:gridCol w="1164772"/>
+                <a:gridCol w="2688771"/>
               </a:tblGrid>
               <a:tr h="370840">
                 <a:tc>
@@ -5311,7 +5300,11 @@
                     <a:p>
                       <a:r>
                         <a:rPr lang="en-US" dirty="0" smtClean="0"/>
-                        <a:t>UI</a:t>
+                        <a:t>UI (Selenium</a:t>
+                      </a:r>
+                      <a:r>
+                        <a:rPr lang="en-US" baseline="0" dirty="0" smtClean="0"/>
+                        <a:t> / Java)</a:t>
                       </a:r>
                       <a:endParaRPr lang="en-US" dirty="0"/>
                     </a:p>
@@ -5447,7 +5440,7 @@
         <p:spPr>
           <a:xfrm>
             <a:off x="3848985" y="2031024"/>
-            <a:ext cx="3632598" cy="369332"/>
+            <a:ext cx="3653501" cy="646331"/>
           </a:xfrm>
           <a:prstGeom prst="rect">
             <a:avLst/>
@@ -5464,7 +5457,16 @@
               <a:rPr lang="en-US" dirty="0" err="1" smtClean="0">
                 <a:hlinkClick r:id="rId4"/>
               </a:rPr>
-              <a:t>OpiateDurationValidationRuleShould</a:t>
+              <a:t>App.spec.js</a:t>
+            </a:r>
+            <a:endParaRPr lang="en-US" dirty="0" smtClean="0"/>
+          </a:p>
+          <a:p>
+            <a:r>
+              <a:rPr lang="en-US" dirty="0" err="1" smtClean="0">
+                <a:hlinkClick r:id="rId5"/>
+              </a:rPr>
+              <a:t>RxValidationResponseHandler.spec.js</a:t>
             </a:r>
             <a:endParaRPr lang="en-US" dirty="0"/>
           </a:p>
@@ -5479,7 +5481,7 @@
           <p:nvPr/>
         </p:nvPicPr>
         <p:blipFill>
-          <a:blip r:embed="rId5">
+          <a:blip r:embed="rId6">
             <a:extLst>
               <a:ext uri="{28A0092B-C50C-407E-A947-70E740481C1C}">
                 <a14:useLocalDpi xmlns:a14="http://schemas.microsoft.com/office/drawing/2010/main" val="0"/>
@@ -5647,7 +5649,34 @@
           <a:bodyPr/>
           <a:lstStyle/>
           <a:p>
-            <a:endParaRPr lang="en-US"/>
+            <a:r>
+              <a:rPr lang="en-US" dirty="0" smtClean="0"/>
+              <a:t>Succeeding with Agile: Software Development Using Scrum by Mike Cohn, Addison-Wesley, 2009</a:t>
+            </a:r>
+          </a:p>
+          <a:p>
+            <a:r>
+              <a:rPr lang="en-US" dirty="0" smtClean="0">
+                <a:hlinkClick r:id="rId2"/>
+              </a:rPr>
+              <a:t>The Forgotten Layer of the Test Automation Pyramid</a:t>
+            </a:r>
+            <a:r>
+              <a:rPr lang="en-US" dirty="0" smtClean="0"/>
+              <a:t>, Mike Cohn, 2009.</a:t>
+            </a:r>
+          </a:p>
+          <a:p>
+            <a:r>
+              <a:rPr lang="en-US" dirty="0" err="1" smtClean="0">
+                <a:hlinkClick r:id="rId3"/>
+              </a:rPr>
+              <a:t>TestPyramid</a:t>
+            </a:r>
+            <a:r>
+              <a:rPr lang="en-US" dirty="0" smtClean="0"/>
+              <a:t>, Martin Fowler, 2012</a:t>
+            </a:r>
           </a:p>
         </p:txBody>
       </p:sp>

--- a/Test Pyramid Presentation.pptx
+++ b/Test Pyramid Presentation.pptx
@@ -5,7 +5,7 @@
     <p:sldMasterId id="2147483648" r:id="rId1"/>
   </p:sldMasterIdLst>
   <p:notesMasterIdLst>
-    <p:notesMasterId r:id="rId18"/>
+    <p:notesMasterId r:id="rId16"/>
   </p:notesMasterIdLst>
   <p:sldIdLst>
     <p:sldId id="256" r:id="rId2"/>
@@ -14,16 +14,14 @@
     <p:sldId id="269" r:id="rId5"/>
     <p:sldId id="260" r:id="rId6"/>
     <p:sldId id="259" r:id="rId7"/>
-    <p:sldId id="270" r:id="rId8"/>
-    <p:sldId id="262" r:id="rId9"/>
-    <p:sldId id="263" r:id="rId10"/>
-    <p:sldId id="264" r:id="rId11"/>
-    <p:sldId id="265" r:id="rId12"/>
-    <p:sldId id="272" r:id="rId13"/>
-    <p:sldId id="273" r:id="rId14"/>
-    <p:sldId id="274" r:id="rId15"/>
-    <p:sldId id="268" r:id="rId16"/>
-    <p:sldId id="261" r:id="rId17"/>
+    <p:sldId id="262" r:id="rId8"/>
+    <p:sldId id="263" r:id="rId9"/>
+    <p:sldId id="265" r:id="rId10"/>
+    <p:sldId id="272" r:id="rId11"/>
+    <p:sldId id="273" r:id="rId12"/>
+    <p:sldId id="274" r:id="rId13"/>
+    <p:sldId id="268" r:id="rId14"/>
+    <p:sldId id="261" r:id="rId15"/>
   </p:sldIdLst>
   <p:sldSz cx="12192000" cy="6858000"/>
   <p:notesSz cx="6858000" cy="9144000"/>
@@ -212,7 +210,7 @@
           <a:p>
             <a:fld id="{51E71193-F4DE-7347-96CF-6A9725F5B501}" type="datetimeFigureOut">
               <a:rPr lang="en-US" smtClean="0"/>
-              <a:t>6/5/17</a:t>
+              <a:t>6/26/17</a:t>
             </a:fld>
             <a:endParaRPr lang="en-US"/>
           </a:p>
@@ -564,6 +562,710 @@
 </p:notes>
 </file>
 
+<file path=ppt/notesSlides/notesSlide10.xml><?xml version="1.0" encoding="utf-8"?>
+<p:notes xmlns:a="http://schemas.openxmlformats.org/drawingml/2006/main" xmlns:r="http://schemas.openxmlformats.org/officeDocument/2006/relationships" xmlns:p="http://schemas.openxmlformats.org/presentationml/2006/main">
+  <p:cSld>
+    <p:spTree>
+      <p:nvGrpSpPr>
+        <p:cNvPr id="1" name=""/>
+        <p:cNvGrpSpPr/>
+        <p:nvPr/>
+      </p:nvGrpSpPr>
+      <p:grpSpPr>
+        <a:xfrm>
+          <a:off x="0" y="0"/>
+          <a:ext cx="0" cy="0"/>
+          <a:chOff x="0" y="0"/>
+          <a:chExt cx="0" cy="0"/>
+        </a:xfrm>
+      </p:grpSpPr>
+      <p:sp>
+        <p:nvSpPr>
+          <p:cNvPr id="2" name="Slide Image Placeholder 1"/>
+          <p:cNvSpPr>
+            <a:spLocks noGrp="1" noRot="1" noChangeAspect="1"/>
+          </p:cNvSpPr>
+          <p:nvPr>
+            <p:ph type="sldImg"/>
+          </p:nvPr>
+        </p:nvSpPr>
+        <p:spPr/>
+      </p:sp>
+      <p:sp>
+        <p:nvSpPr>
+          <p:cNvPr id="3" name="Notes Placeholder 2"/>
+          <p:cNvSpPr>
+            <a:spLocks noGrp="1"/>
+          </p:cNvSpPr>
+          <p:nvPr>
+            <p:ph type="body" idx="1"/>
+          </p:nvPr>
+        </p:nvSpPr>
+        <p:spPr/>
+        <p:txBody>
+          <a:bodyPr/>
+          <a:lstStyle/>
+          <a:p>
+            <a:pPr marL="171450" marR="0" indent="-171450" algn="l" defTabSz="914400" rtl="0" eaLnBrk="1" fontAlgn="auto" latinLnBrk="0" hangingPunct="1">
+              <a:lnSpc>
+                <a:spcPct val="100000"/>
+              </a:lnSpc>
+              <a:spcBef>
+                <a:spcPts val="0"/>
+              </a:spcBef>
+              <a:spcAft>
+                <a:spcPts val="0"/>
+              </a:spcAft>
+              <a:buClrTx/>
+              <a:buSzTx/>
+              <a:buFont typeface="Arial" charset="0"/>
+              <a:buChar char="•"/>
+              <a:tabLst/>
+              <a:defRPr/>
+            </a:pPr>
+            <a:r>
+              <a:rPr lang="en-US" baseline="0" dirty="0" smtClean="0"/>
+              <a:t>The </a:t>
+            </a:r>
+            <a:r>
+              <a:rPr lang="en-US" baseline="0" dirty="0" err="1" smtClean="0"/>
+              <a:t>fitnesse</a:t>
+            </a:r>
+            <a:r>
+              <a:rPr lang="en-US" baseline="0" dirty="0" smtClean="0"/>
+              <a:t> test covers a wide variety of parsing scenarios.</a:t>
+            </a:r>
+          </a:p>
+          <a:p>
+            <a:pPr marL="171450" marR="0" indent="-171450" algn="l" defTabSz="914400" rtl="0" eaLnBrk="1" fontAlgn="auto" latinLnBrk="0" hangingPunct="1">
+              <a:lnSpc>
+                <a:spcPct val="100000"/>
+              </a:lnSpc>
+              <a:spcBef>
+                <a:spcPts val="0"/>
+              </a:spcBef>
+              <a:spcAft>
+                <a:spcPts val="0"/>
+              </a:spcAft>
+              <a:buClrTx/>
+              <a:buSzTx/>
+              <a:buFont typeface="Arial" charset="0"/>
+              <a:buChar char="•"/>
+              <a:tabLst/>
+              <a:defRPr/>
+            </a:pPr>
+            <a:r>
+              <a:rPr lang="en-US" baseline="0" dirty="0" smtClean="0"/>
+              <a:t>Two classes provide the implementation for this part of the feature, </a:t>
+            </a:r>
+            <a:r>
+              <a:rPr lang="en-US" baseline="0" dirty="0" err="1" smtClean="0"/>
+              <a:t>EDurationUnit</a:t>
+            </a:r>
+            <a:r>
+              <a:rPr lang="en-US" baseline="0" dirty="0" smtClean="0"/>
+              <a:t> and </a:t>
+            </a:r>
+            <a:r>
+              <a:rPr lang="en-US" baseline="0" dirty="0" err="1" smtClean="0"/>
+              <a:t>EDurationParser</a:t>
+            </a:r>
+            <a:r>
+              <a:rPr lang="en-US" baseline="0" dirty="0" smtClean="0"/>
+              <a:t>.  </a:t>
+            </a:r>
+            <a:r>
+              <a:rPr lang="en-US" baseline="0" dirty="0" err="1" smtClean="0"/>
+              <a:t>EDurationUnit</a:t>
+            </a:r>
+            <a:r>
+              <a:rPr lang="en-US" baseline="0" dirty="0" smtClean="0"/>
+              <a:t> test verifies how duration units are expressed.  The test for </a:t>
+            </a:r>
+            <a:r>
+              <a:rPr lang="en-US" baseline="0" dirty="0" err="1" smtClean="0"/>
+              <a:t>EDurationParser</a:t>
+            </a:r>
+            <a:r>
+              <a:rPr lang="en-US" baseline="0" dirty="0" smtClean="0"/>
+              <a:t> covers a few of the duration calculation scenarios covered in the </a:t>
+            </a:r>
+            <a:r>
+              <a:rPr lang="en-US" baseline="0" dirty="0" err="1" smtClean="0"/>
+              <a:t>fitnesse</a:t>
+            </a:r>
+            <a:r>
+              <a:rPr lang="en-US" baseline="0" dirty="0" smtClean="0"/>
+              <a:t> test, but not the full range </a:t>
+            </a:r>
+            <a:r>
+              <a:rPr lang="mr-IN" baseline="0" dirty="0" smtClean="0"/>
+              <a:t>–</a:t>
+            </a:r>
+            <a:r>
+              <a:rPr lang="en-US" baseline="0" dirty="0" smtClean="0"/>
+              <a:t> small amount of overlap.</a:t>
+            </a:r>
+          </a:p>
+        </p:txBody>
+      </p:sp>
+      <p:sp>
+        <p:nvSpPr>
+          <p:cNvPr id="4" name="Slide Number Placeholder 3"/>
+          <p:cNvSpPr>
+            <a:spLocks noGrp="1"/>
+          </p:cNvSpPr>
+          <p:nvPr>
+            <p:ph type="sldNum" sz="quarter" idx="10"/>
+          </p:nvPr>
+        </p:nvSpPr>
+        <p:spPr/>
+        <p:txBody>
+          <a:bodyPr/>
+          <a:lstStyle/>
+          <a:p>
+            <a:fld id="{C0CB0DF1-2E1C-3F45-9F83-336FA6343465}" type="slidenum">
+              <a:rPr lang="en-US" smtClean="0"/>
+              <a:t>10</a:t>
+            </a:fld>
+            <a:endParaRPr lang="en-US"/>
+          </a:p>
+        </p:txBody>
+      </p:sp>
+    </p:spTree>
+    <p:extLst>
+      <p:ext uri="{BB962C8B-B14F-4D97-AF65-F5344CB8AC3E}">
+        <p14:creationId xmlns:p14="http://schemas.microsoft.com/office/powerpoint/2010/main" val="1190047956"/>
+      </p:ext>
+    </p:extLst>
+  </p:cSld>
+  <p:clrMapOvr>
+    <a:masterClrMapping/>
+  </p:clrMapOvr>
+</p:notes>
+</file>
+
+<file path=ppt/notesSlides/notesSlide11.xml><?xml version="1.0" encoding="utf-8"?>
+<p:notes xmlns:a="http://schemas.openxmlformats.org/drawingml/2006/main" xmlns:r="http://schemas.openxmlformats.org/officeDocument/2006/relationships" xmlns:p="http://schemas.openxmlformats.org/presentationml/2006/main">
+  <p:cSld>
+    <p:spTree>
+      <p:nvGrpSpPr>
+        <p:cNvPr id="1" name=""/>
+        <p:cNvGrpSpPr/>
+        <p:nvPr/>
+      </p:nvGrpSpPr>
+      <p:grpSpPr>
+        <a:xfrm>
+          <a:off x="0" y="0"/>
+          <a:ext cx="0" cy="0"/>
+          <a:chOff x="0" y="0"/>
+          <a:chExt cx="0" cy="0"/>
+        </a:xfrm>
+      </p:grpSpPr>
+      <p:sp>
+        <p:nvSpPr>
+          <p:cNvPr id="2" name="Slide Image Placeholder 1"/>
+          <p:cNvSpPr>
+            <a:spLocks noGrp="1" noRot="1" noChangeAspect="1"/>
+          </p:cNvSpPr>
+          <p:nvPr>
+            <p:ph type="sldImg"/>
+          </p:nvPr>
+        </p:nvSpPr>
+        <p:spPr/>
+      </p:sp>
+      <p:sp>
+        <p:nvSpPr>
+          <p:cNvPr id="3" name="Notes Placeholder 2"/>
+          <p:cNvSpPr>
+            <a:spLocks noGrp="1"/>
+          </p:cNvSpPr>
+          <p:nvPr>
+            <p:ph type="body" idx="1"/>
+          </p:nvPr>
+        </p:nvSpPr>
+        <p:spPr/>
+        <p:txBody>
+          <a:bodyPr/>
+          <a:lstStyle/>
+          <a:p>
+            <a:pPr marL="171450" marR="0" indent="-171450" algn="l" defTabSz="914400" rtl="0" eaLnBrk="1" fontAlgn="auto" latinLnBrk="0" hangingPunct="1">
+              <a:lnSpc>
+                <a:spcPct val="100000"/>
+              </a:lnSpc>
+              <a:spcBef>
+                <a:spcPts val="0"/>
+              </a:spcBef>
+              <a:spcAft>
+                <a:spcPts val="0"/>
+              </a:spcAft>
+              <a:buClrTx/>
+              <a:buSzTx/>
+              <a:buFont typeface="Arial" charset="0"/>
+              <a:buChar char="•"/>
+              <a:tabLst/>
+              <a:defRPr/>
+            </a:pPr>
+            <a:r>
+              <a:rPr lang="en-US" baseline="0" dirty="0" smtClean="0"/>
+              <a:t>The </a:t>
+            </a:r>
+            <a:r>
+              <a:rPr lang="en-US" baseline="0" dirty="0" err="1" smtClean="0"/>
+              <a:t>fitnesse</a:t>
+            </a:r>
+            <a:r>
+              <a:rPr lang="en-US" baseline="0" dirty="0" smtClean="0"/>
+              <a:t> test covers a full range of cases which will both pass and fail the validation rule.  It depends on both opiate identification and duration parsing logic.</a:t>
+            </a:r>
+          </a:p>
+          <a:p>
+            <a:pPr marL="171450" marR="0" indent="-171450" algn="l" defTabSz="914400" rtl="0" eaLnBrk="1" fontAlgn="auto" latinLnBrk="0" hangingPunct="1">
+              <a:lnSpc>
+                <a:spcPct val="100000"/>
+              </a:lnSpc>
+              <a:spcBef>
+                <a:spcPts val="0"/>
+              </a:spcBef>
+              <a:spcAft>
+                <a:spcPts val="0"/>
+              </a:spcAft>
+              <a:buClrTx/>
+              <a:buSzTx/>
+              <a:buFont typeface="Arial" charset="0"/>
+              <a:buChar char="•"/>
+              <a:tabLst/>
+              <a:defRPr/>
+            </a:pPr>
+            <a:r>
+              <a:rPr lang="en-US" baseline="0" dirty="0" err="1" smtClean="0"/>
+              <a:t>RxValidator</a:t>
+            </a:r>
+            <a:r>
+              <a:rPr lang="en-US" baseline="0" dirty="0" smtClean="0"/>
+              <a:t> is a class for running multiple validation rules, represented by </a:t>
+            </a:r>
+            <a:r>
+              <a:rPr lang="en-US" baseline="0" dirty="0" err="1" smtClean="0"/>
+              <a:t>IRxValidationRule</a:t>
+            </a:r>
+            <a:r>
+              <a:rPr lang="en-US" baseline="0" dirty="0" smtClean="0"/>
+              <a:t> interface, against a prescription.  Each rule will return an </a:t>
+            </a:r>
+            <a:r>
+              <a:rPr lang="en-US" baseline="0" dirty="0" err="1" smtClean="0"/>
+              <a:t>RxValidationResult</a:t>
+            </a:r>
+            <a:r>
+              <a:rPr lang="en-US" baseline="0" dirty="0" smtClean="0"/>
+              <a:t> that indicates whether the prescription is valid with respect to that rule, and if not what message should be displayed and which prescription fields are related to the failure if any.  The </a:t>
+            </a:r>
+            <a:r>
+              <a:rPr lang="en-US" baseline="0" dirty="0" err="1" smtClean="0"/>
+              <a:t>RxValidatorShould</a:t>
+            </a:r>
+            <a:r>
+              <a:rPr lang="en-US" baseline="0" dirty="0" smtClean="0"/>
+              <a:t> unit test verifies this rules runner functions correctly, but using fake rules.</a:t>
+            </a:r>
+          </a:p>
+          <a:p>
+            <a:pPr marL="171450" marR="0" indent="-171450" algn="l" defTabSz="914400" rtl="0" eaLnBrk="1" fontAlgn="auto" latinLnBrk="0" hangingPunct="1">
+              <a:lnSpc>
+                <a:spcPct val="100000"/>
+              </a:lnSpc>
+              <a:spcBef>
+                <a:spcPts val="0"/>
+              </a:spcBef>
+              <a:spcAft>
+                <a:spcPts val="0"/>
+              </a:spcAft>
+              <a:buClrTx/>
+              <a:buSzTx/>
+              <a:buFont typeface="Arial" charset="0"/>
+              <a:buChar char="•"/>
+              <a:tabLst/>
+              <a:defRPr/>
+            </a:pPr>
+            <a:r>
+              <a:rPr lang="en-US" baseline="0" dirty="0" err="1" smtClean="0"/>
+              <a:t>ValidatePrescriptionCommand</a:t>
+            </a:r>
+            <a:r>
+              <a:rPr lang="en-US" baseline="0" dirty="0" smtClean="0"/>
+              <a:t> is the initial class invoked to run all prescription validation rules when a prescription is sent from a client browser.  It runs all the rules and returns a response to the client.  </a:t>
+            </a:r>
+            <a:r>
+              <a:rPr lang="en-US" baseline="0" dirty="0" err="1" smtClean="0"/>
+              <a:t>ValidationPrescriptionCommandShould</a:t>
+            </a:r>
+            <a:r>
+              <a:rPr lang="en-US" baseline="0" dirty="0" smtClean="0"/>
+              <a:t> tests this class with fake rules.</a:t>
+            </a:r>
+          </a:p>
+          <a:p>
+            <a:pPr marL="171450" marR="0" indent="-171450" algn="l" defTabSz="914400" rtl="0" eaLnBrk="1" fontAlgn="auto" latinLnBrk="0" hangingPunct="1">
+              <a:lnSpc>
+                <a:spcPct val="100000"/>
+              </a:lnSpc>
+              <a:spcBef>
+                <a:spcPts val="0"/>
+              </a:spcBef>
+              <a:spcAft>
+                <a:spcPts val="0"/>
+              </a:spcAft>
+              <a:buClrTx/>
+              <a:buSzTx/>
+              <a:buFont typeface="Arial" charset="0"/>
+              <a:buChar char="•"/>
+              <a:tabLst/>
+              <a:defRPr/>
+            </a:pPr>
+            <a:r>
+              <a:rPr lang="en-US" baseline="0" dirty="0" err="1" smtClean="0"/>
+              <a:t>OptateDurationValidationRuleShould</a:t>
+            </a:r>
+            <a:r>
+              <a:rPr lang="en-US" baseline="0" dirty="0" smtClean="0"/>
+              <a:t> tests the validation rule used for this feature.  It tests a few scenarios, including edge case like a null drug, but does not cover all business scenarios as they are covered by </a:t>
+            </a:r>
+            <a:r>
+              <a:rPr lang="en-US" baseline="0" dirty="0" err="1" smtClean="0"/>
+              <a:t>fitnesse</a:t>
+            </a:r>
+            <a:r>
+              <a:rPr lang="en-US" baseline="0" dirty="0" smtClean="0"/>
+              <a:t> test.</a:t>
+            </a:r>
+          </a:p>
+        </p:txBody>
+      </p:sp>
+      <p:sp>
+        <p:nvSpPr>
+          <p:cNvPr id="4" name="Slide Number Placeholder 3"/>
+          <p:cNvSpPr>
+            <a:spLocks noGrp="1"/>
+          </p:cNvSpPr>
+          <p:nvPr>
+            <p:ph type="sldNum" sz="quarter" idx="10"/>
+          </p:nvPr>
+        </p:nvSpPr>
+        <p:spPr/>
+        <p:txBody>
+          <a:bodyPr/>
+          <a:lstStyle/>
+          <a:p>
+            <a:fld id="{C0CB0DF1-2E1C-3F45-9F83-336FA6343465}" type="slidenum">
+              <a:rPr lang="en-US" smtClean="0"/>
+              <a:t>11</a:t>
+            </a:fld>
+            <a:endParaRPr lang="en-US"/>
+          </a:p>
+        </p:txBody>
+      </p:sp>
+    </p:spTree>
+    <p:extLst>
+      <p:ext uri="{BB962C8B-B14F-4D97-AF65-F5344CB8AC3E}">
+        <p14:creationId xmlns:p14="http://schemas.microsoft.com/office/powerpoint/2010/main" val="1835565914"/>
+      </p:ext>
+    </p:extLst>
+  </p:cSld>
+  <p:clrMapOvr>
+    <a:masterClrMapping/>
+  </p:clrMapOvr>
+</p:notes>
+</file>
+
+<file path=ppt/notesSlides/notesSlide12.xml><?xml version="1.0" encoding="utf-8"?>
+<p:notes xmlns:a="http://schemas.openxmlformats.org/drawingml/2006/main" xmlns:r="http://schemas.openxmlformats.org/officeDocument/2006/relationships" xmlns:p="http://schemas.openxmlformats.org/presentationml/2006/main">
+  <p:cSld>
+    <p:spTree>
+      <p:nvGrpSpPr>
+        <p:cNvPr id="1" name=""/>
+        <p:cNvGrpSpPr/>
+        <p:nvPr/>
+      </p:nvGrpSpPr>
+      <p:grpSpPr>
+        <a:xfrm>
+          <a:off x="0" y="0"/>
+          <a:ext cx="0" cy="0"/>
+          <a:chOff x="0" y="0"/>
+          <a:chExt cx="0" cy="0"/>
+        </a:xfrm>
+      </p:grpSpPr>
+      <p:sp>
+        <p:nvSpPr>
+          <p:cNvPr id="2" name="Slide Image Placeholder 1"/>
+          <p:cNvSpPr>
+            <a:spLocks noGrp="1" noRot="1" noChangeAspect="1"/>
+          </p:cNvSpPr>
+          <p:nvPr>
+            <p:ph type="sldImg"/>
+          </p:nvPr>
+        </p:nvSpPr>
+        <p:spPr/>
+      </p:sp>
+      <p:sp>
+        <p:nvSpPr>
+          <p:cNvPr id="3" name="Notes Placeholder 2"/>
+          <p:cNvSpPr>
+            <a:spLocks noGrp="1"/>
+          </p:cNvSpPr>
+          <p:nvPr>
+            <p:ph type="body" idx="1"/>
+          </p:nvPr>
+        </p:nvSpPr>
+        <p:spPr/>
+        <p:txBody>
+          <a:bodyPr/>
+          <a:lstStyle/>
+          <a:p>
+            <a:pPr marL="171450" marR="0" indent="-171450" algn="l" defTabSz="914400" rtl="0" eaLnBrk="1" fontAlgn="auto" latinLnBrk="0" hangingPunct="1">
+              <a:lnSpc>
+                <a:spcPct val="100000"/>
+              </a:lnSpc>
+              <a:spcBef>
+                <a:spcPts val="0"/>
+              </a:spcBef>
+              <a:spcAft>
+                <a:spcPts val="0"/>
+              </a:spcAft>
+              <a:buClrTx/>
+              <a:buSzTx/>
+              <a:buFont typeface="Arial" charset="0"/>
+              <a:buChar char="•"/>
+              <a:tabLst/>
+              <a:defRPr/>
+            </a:pPr>
+            <a:r>
+              <a:rPr lang="en-US" baseline="0" dirty="0" smtClean="0"/>
+              <a:t>The </a:t>
+            </a:r>
+            <a:r>
+              <a:rPr lang="en-US" baseline="0" dirty="0" err="1" smtClean="0"/>
+              <a:t>fitnesse</a:t>
+            </a:r>
+            <a:r>
+              <a:rPr lang="en-US" baseline="0" dirty="0" smtClean="0"/>
+              <a:t> test covers a full range of cases which will both pass and fail the validation rule.  It depends on both opiate identification and duration parsing logic.</a:t>
+            </a:r>
+          </a:p>
+        </p:txBody>
+      </p:sp>
+      <p:sp>
+        <p:nvSpPr>
+          <p:cNvPr id="4" name="Slide Number Placeholder 3"/>
+          <p:cNvSpPr>
+            <a:spLocks noGrp="1"/>
+          </p:cNvSpPr>
+          <p:nvPr>
+            <p:ph type="sldNum" sz="quarter" idx="10"/>
+          </p:nvPr>
+        </p:nvSpPr>
+        <p:spPr/>
+        <p:txBody>
+          <a:bodyPr/>
+          <a:lstStyle/>
+          <a:p>
+            <a:fld id="{C0CB0DF1-2E1C-3F45-9F83-336FA6343465}" type="slidenum">
+              <a:rPr lang="en-US" smtClean="0"/>
+              <a:t>12</a:t>
+            </a:fld>
+            <a:endParaRPr lang="en-US"/>
+          </a:p>
+        </p:txBody>
+      </p:sp>
+    </p:spTree>
+    <p:extLst>
+      <p:ext uri="{BB962C8B-B14F-4D97-AF65-F5344CB8AC3E}">
+        <p14:creationId xmlns:p14="http://schemas.microsoft.com/office/powerpoint/2010/main" val="1669979505"/>
+      </p:ext>
+    </p:extLst>
+  </p:cSld>
+  <p:clrMapOvr>
+    <a:masterClrMapping/>
+  </p:clrMapOvr>
+</p:notes>
+</file>
+
+<file path=ppt/notesSlides/notesSlide13.xml><?xml version="1.0" encoding="utf-8"?>
+<p:notes xmlns:a="http://schemas.openxmlformats.org/drawingml/2006/main" xmlns:r="http://schemas.openxmlformats.org/officeDocument/2006/relationships" xmlns:p="http://schemas.openxmlformats.org/presentationml/2006/main">
+  <p:cSld>
+    <p:spTree>
+      <p:nvGrpSpPr>
+        <p:cNvPr id="1" name=""/>
+        <p:cNvGrpSpPr/>
+        <p:nvPr/>
+      </p:nvGrpSpPr>
+      <p:grpSpPr>
+        <a:xfrm>
+          <a:off x="0" y="0"/>
+          <a:ext cx="0" cy="0"/>
+          <a:chOff x="0" y="0"/>
+          <a:chExt cx="0" cy="0"/>
+        </a:xfrm>
+      </p:grpSpPr>
+      <p:sp>
+        <p:nvSpPr>
+          <p:cNvPr id="2" name="Slide Image Placeholder 1"/>
+          <p:cNvSpPr>
+            <a:spLocks noGrp="1" noRot="1" noChangeAspect="1"/>
+          </p:cNvSpPr>
+          <p:nvPr>
+            <p:ph type="sldImg"/>
+          </p:nvPr>
+        </p:nvSpPr>
+        <p:spPr/>
+      </p:sp>
+      <p:sp>
+        <p:nvSpPr>
+          <p:cNvPr id="3" name="Notes Placeholder 2"/>
+          <p:cNvSpPr>
+            <a:spLocks noGrp="1"/>
+          </p:cNvSpPr>
+          <p:nvPr>
+            <p:ph type="body" idx="1"/>
+          </p:nvPr>
+        </p:nvSpPr>
+        <p:spPr/>
+        <p:txBody>
+          <a:bodyPr/>
+          <a:lstStyle/>
+          <a:p>
+            <a:r>
+              <a:rPr lang="en-US" dirty="0" smtClean="0"/>
+              <a:t>Specific activities that helped achieve healthy pyramidal </a:t>
+            </a:r>
+            <a:r>
+              <a:rPr lang="en-US" baseline="0" dirty="0" smtClean="0"/>
+              <a:t>mix of tests for the real prescribing app.</a:t>
+            </a:r>
+            <a:endParaRPr lang="en-US" dirty="0"/>
+          </a:p>
+        </p:txBody>
+      </p:sp>
+      <p:sp>
+        <p:nvSpPr>
+          <p:cNvPr id="4" name="Slide Number Placeholder 3"/>
+          <p:cNvSpPr>
+            <a:spLocks noGrp="1"/>
+          </p:cNvSpPr>
+          <p:nvPr>
+            <p:ph type="sldNum" sz="quarter" idx="10"/>
+          </p:nvPr>
+        </p:nvSpPr>
+        <p:spPr/>
+        <p:txBody>
+          <a:bodyPr/>
+          <a:lstStyle/>
+          <a:p>
+            <a:fld id="{C0CB0DF1-2E1C-3F45-9F83-336FA6343465}" type="slidenum">
+              <a:rPr lang="en-US" smtClean="0"/>
+              <a:t>13</a:t>
+            </a:fld>
+            <a:endParaRPr lang="en-US"/>
+          </a:p>
+        </p:txBody>
+      </p:sp>
+    </p:spTree>
+    <p:extLst>
+      <p:ext uri="{BB962C8B-B14F-4D97-AF65-F5344CB8AC3E}">
+        <p14:creationId xmlns:p14="http://schemas.microsoft.com/office/powerpoint/2010/main" val="859810606"/>
+      </p:ext>
+    </p:extLst>
+  </p:cSld>
+  <p:clrMapOvr>
+    <a:masterClrMapping/>
+  </p:clrMapOvr>
+</p:notes>
+</file>
+
+<file path=ppt/notesSlides/notesSlide14.xml><?xml version="1.0" encoding="utf-8"?>
+<p:notes xmlns:a="http://schemas.openxmlformats.org/drawingml/2006/main" xmlns:r="http://schemas.openxmlformats.org/officeDocument/2006/relationships" xmlns:p="http://schemas.openxmlformats.org/presentationml/2006/main">
+  <p:cSld>
+    <p:spTree>
+      <p:nvGrpSpPr>
+        <p:cNvPr id="1" name=""/>
+        <p:cNvGrpSpPr/>
+        <p:nvPr/>
+      </p:nvGrpSpPr>
+      <p:grpSpPr>
+        <a:xfrm>
+          <a:off x="0" y="0"/>
+          <a:ext cx="0" cy="0"/>
+          <a:chOff x="0" y="0"/>
+          <a:chExt cx="0" cy="0"/>
+        </a:xfrm>
+      </p:grpSpPr>
+      <p:sp>
+        <p:nvSpPr>
+          <p:cNvPr id="2" name="Slide Image Placeholder 1"/>
+          <p:cNvSpPr>
+            <a:spLocks noGrp="1" noRot="1" noChangeAspect="1"/>
+          </p:cNvSpPr>
+          <p:nvPr>
+            <p:ph type="sldImg"/>
+          </p:nvPr>
+        </p:nvSpPr>
+        <p:spPr/>
+      </p:sp>
+      <p:sp>
+        <p:nvSpPr>
+          <p:cNvPr id="3" name="Notes Placeholder 2"/>
+          <p:cNvSpPr>
+            <a:spLocks noGrp="1"/>
+          </p:cNvSpPr>
+          <p:nvPr>
+            <p:ph type="body" idx="1"/>
+          </p:nvPr>
+        </p:nvSpPr>
+        <p:spPr/>
+        <p:txBody>
+          <a:bodyPr/>
+          <a:lstStyle/>
+          <a:p>
+            <a:endParaRPr lang="en-US" dirty="0"/>
+          </a:p>
+        </p:txBody>
+      </p:sp>
+      <p:sp>
+        <p:nvSpPr>
+          <p:cNvPr id="4" name="Slide Number Placeholder 3"/>
+          <p:cNvSpPr>
+            <a:spLocks noGrp="1"/>
+          </p:cNvSpPr>
+          <p:nvPr>
+            <p:ph type="sldNum" sz="quarter" idx="10"/>
+          </p:nvPr>
+        </p:nvSpPr>
+        <p:spPr/>
+        <p:txBody>
+          <a:bodyPr/>
+          <a:lstStyle/>
+          <a:p>
+            <a:fld id="{C0CB0DF1-2E1C-3F45-9F83-336FA6343465}" type="slidenum">
+              <a:rPr lang="en-US" smtClean="0"/>
+              <a:t>14</a:t>
+            </a:fld>
+            <a:endParaRPr lang="en-US"/>
+          </a:p>
+        </p:txBody>
+      </p:sp>
+    </p:spTree>
+    <p:extLst>
+      <p:ext uri="{BB962C8B-B14F-4D97-AF65-F5344CB8AC3E}">
+        <p14:creationId xmlns:p14="http://schemas.microsoft.com/office/powerpoint/2010/main" val="35285891"/>
+      </p:ext>
+    </p:extLst>
+  </p:cSld>
+  <p:clrMapOvr>
+    <a:masterClrMapping/>
+  </p:clrMapOvr>
+</p:notes>
+</file>
+
 <file path=ppt/notesSlides/notesSlide2.xml><?xml version="1.0" encoding="utf-8"?>
 <p:notes xmlns:a="http://schemas.openxmlformats.org/drawingml/2006/main" xmlns:r="http://schemas.openxmlformats.org/officeDocument/2006/relationships" xmlns:p="http://schemas.openxmlformats.org/presentationml/2006/main">
   <p:cSld>
@@ -608,34 +1310,27 @@
           <a:bodyPr/>
           <a:lstStyle/>
           <a:p>
-            <a:pPr marL="171450" marR="0" indent="-171450" algn="l" defTabSz="914400" rtl="0" eaLnBrk="1" fontAlgn="auto" latinLnBrk="0" hangingPunct="1">
-              <a:lnSpc>
-                <a:spcPct val="100000"/>
-              </a:lnSpc>
-              <a:spcBef>
-                <a:spcPts val="0"/>
-              </a:spcBef>
-              <a:spcAft>
-                <a:spcPts val="0"/>
-              </a:spcAft>
-              <a:buClrTx/>
-              <a:buSzTx/>
-              <a:buFont typeface="Arial" charset="0"/>
-              <a:buChar char="•"/>
-              <a:tabLst/>
-              <a:defRPr/>
-            </a:pPr>
+            <a:r>
+              <a:rPr lang="en-US" dirty="0" smtClean="0"/>
+              <a:t>Automated test</a:t>
+            </a:r>
             <a:r>
               <a:rPr lang="en-US" baseline="0" dirty="0" smtClean="0"/>
-              <a:t>The </a:t>
-            </a:r>
-            <a:r>
-              <a:rPr lang="en-US" baseline="0" dirty="0" err="1" smtClean="0"/>
-              <a:t>fitnesse</a:t>
+              <a:t> distribution by purpose and type.</a:t>
+            </a:r>
+            <a:endParaRPr lang="en-US" dirty="0" smtClean="0"/>
+          </a:p>
+          <a:p>
+            <a:endParaRPr lang="en-US" dirty="0" smtClean="0"/>
+          </a:p>
+          <a:p>
+            <a:r>
+              <a:rPr lang="en-US" dirty="0" smtClean="0"/>
+              <a:t>Google</a:t>
             </a:r>
             <a:r>
               <a:rPr lang="en-US" baseline="0" dirty="0" smtClean="0"/>
-              <a:t> tests covers the full requirements for this part of the feature </a:t>
+              <a:t> has similar concept for testing </a:t>
             </a:r>
             <a:r>
               <a:rPr lang="mr-IN" baseline="0" dirty="0" smtClean="0"/>
@@ -643,72 +1338,7 @@
             </a:r>
             <a:r>
               <a:rPr lang="en-US" baseline="0" dirty="0" smtClean="0"/>
-              <a:t> specifies each drug classification that should be considered an opiate.</a:t>
-            </a:r>
-            <a:endParaRPr lang="en-US" dirty="0" smtClean="0"/>
-          </a:p>
-          <a:p>
-            <a:pPr marL="171450" indent="-171450">
-              <a:buFont typeface="Arial" charset="0"/>
-              <a:buChar char="•"/>
-            </a:pPr>
-            <a:r>
-              <a:rPr lang="en-US" dirty="0" err="1" smtClean="0"/>
-              <a:t>OpiatesDrugConceptShould</a:t>
-            </a:r>
-            <a:r>
-              <a:rPr lang="en-US" baseline="0" dirty="0" smtClean="0"/>
-              <a:t> states and tests the design of the classes used to determine if a drug is in this class.  </a:t>
-            </a:r>
-            <a:r>
-              <a:rPr lang="en-US" baseline="0" dirty="0" err="1" smtClean="0"/>
-              <a:t>DispensableDrug</a:t>
-            </a:r>
-            <a:r>
-              <a:rPr lang="en-US" baseline="0" dirty="0" smtClean="0"/>
-              <a:t>, </a:t>
-            </a:r>
-            <a:r>
-              <a:rPr lang="en-US" baseline="0" dirty="0" err="1" smtClean="0"/>
-              <a:t>EDrugClassification</a:t>
-            </a:r>
-            <a:r>
-              <a:rPr lang="en-US" baseline="0" dirty="0" smtClean="0"/>
-              <a:t>, and </a:t>
-            </a:r>
-            <a:r>
-              <a:rPr lang="en-US" baseline="0" dirty="0" err="1" smtClean="0"/>
-              <a:t>OpiatesDrugConcept</a:t>
-            </a:r>
-            <a:r>
-              <a:rPr lang="en-US" baseline="0" dirty="0" smtClean="0"/>
-              <a:t> classes interact to implement this feature.</a:t>
-            </a:r>
-          </a:p>
-          <a:p>
-            <a:pPr marL="171450" indent="-171450">
-              <a:buFont typeface="Arial" charset="0"/>
-              <a:buChar char="•"/>
-            </a:pPr>
-            <a:r>
-              <a:rPr lang="en-US" baseline="0" dirty="0" smtClean="0"/>
-              <a:t>Unit test is testing the design and implementation of the units of code supporting this part of the feature, </a:t>
-            </a:r>
-            <a:r>
-              <a:rPr lang="en-US" baseline="0" dirty="0" err="1" smtClean="0"/>
-              <a:t>fitnesse</a:t>
-            </a:r>
-            <a:r>
-              <a:rPr lang="en-US" baseline="0" dirty="0" smtClean="0"/>
-              <a:t> is specifying and testing the requirements for this part of the feature.  There is little overlap or duplication between the tests for this reason </a:t>
-            </a:r>
-            <a:r>
-              <a:rPr lang="mr-IN" baseline="0" dirty="0" smtClean="0"/>
-              <a:t>–</a:t>
-            </a:r>
-            <a:r>
-              <a:rPr lang="en-US" baseline="0" dirty="0" smtClean="0"/>
-              <a:t> they complement, not duplicate one another.</a:t>
+              <a:t> Small, Medium, Large (Unit, Integration, System).</a:t>
             </a:r>
             <a:endParaRPr lang="en-US" dirty="0"/>
           </a:p>
@@ -731,7 +1361,7 @@
           <a:p>
             <a:fld id="{C0CB0DF1-2E1C-3F45-9F83-336FA6343465}" type="slidenum">
               <a:rPr lang="en-US" smtClean="0"/>
-              <a:t>11</a:t>
+              <a:t>2</a:t>
             </a:fld>
             <a:endParaRPr lang="en-US"/>
           </a:p>
@@ -740,7 +1370,7 @@
     </p:spTree>
     <p:extLst>
       <p:ext uri="{BB962C8B-B14F-4D97-AF65-F5344CB8AC3E}">
-        <p14:creationId xmlns:p14="http://schemas.microsoft.com/office/powerpoint/2010/main" val="217819998"/>
+        <p14:creationId xmlns:p14="http://schemas.microsoft.com/office/powerpoint/2010/main" val="1538088965"/>
       </p:ext>
     </p:extLst>
   </p:cSld>
@@ -794,106 +1424,7 @@
           <a:bodyPr/>
           <a:lstStyle/>
           <a:p>
-            <a:pPr marL="171450" marR="0" indent="-171450" algn="l" defTabSz="914400" rtl="0" eaLnBrk="1" fontAlgn="auto" latinLnBrk="0" hangingPunct="1">
-              <a:lnSpc>
-                <a:spcPct val="100000"/>
-              </a:lnSpc>
-              <a:spcBef>
-                <a:spcPts val="0"/>
-              </a:spcBef>
-              <a:spcAft>
-                <a:spcPts val="0"/>
-              </a:spcAft>
-              <a:buClrTx/>
-              <a:buSzTx/>
-              <a:buFont typeface="Arial" charset="0"/>
-              <a:buChar char="•"/>
-              <a:tabLst/>
-              <a:defRPr/>
-            </a:pPr>
-            <a:r>
-              <a:rPr lang="en-US" baseline="0" dirty="0" smtClean="0"/>
-              <a:t>The </a:t>
-            </a:r>
-            <a:r>
-              <a:rPr lang="en-US" baseline="0" dirty="0" err="1" smtClean="0"/>
-              <a:t>fitnesse</a:t>
-            </a:r>
-            <a:r>
-              <a:rPr lang="en-US" baseline="0" dirty="0" smtClean="0"/>
-              <a:t> test covers a wide variety of parsing scenarios.</a:t>
-            </a:r>
-          </a:p>
-          <a:p>
-            <a:pPr marL="171450" marR="0" indent="-171450" algn="l" defTabSz="914400" rtl="0" eaLnBrk="1" fontAlgn="auto" latinLnBrk="0" hangingPunct="1">
-              <a:lnSpc>
-                <a:spcPct val="100000"/>
-              </a:lnSpc>
-              <a:spcBef>
-                <a:spcPts val="0"/>
-              </a:spcBef>
-              <a:spcAft>
-                <a:spcPts val="0"/>
-              </a:spcAft>
-              <a:buClrTx/>
-              <a:buSzTx/>
-              <a:buFont typeface="Arial" charset="0"/>
-              <a:buChar char="•"/>
-              <a:tabLst/>
-              <a:defRPr/>
-            </a:pPr>
-            <a:r>
-              <a:rPr lang="en-US" baseline="0" dirty="0" smtClean="0"/>
-              <a:t>Two classes provide the implementation for this part of the feature, </a:t>
-            </a:r>
-            <a:r>
-              <a:rPr lang="en-US" baseline="0" dirty="0" err="1" smtClean="0"/>
-              <a:t>EDurationUnit</a:t>
-            </a:r>
-            <a:r>
-              <a:rPr lang="en-US" baseline="0" dirty="0" smtClean="0"/>
-              <a:t> and </a:t>
-            </a:r>
-            <a:r>
-              <a:rPr lang="en-US" baseline="0" dirty="0" err="1" smtClean="0"/>
-              <a:t>EDurationParser</a:t>
-            </a:r>
-            <a:r>
-              <a:rPr lang="en-US" baseline="0" dirty="0" smtClean="0"/>
-              <a:t>.  </a:t>
-            </a:r>
-            <a:r>
-              <a:rPr lang="en-US" baseline="0" dirty="0" err="1" smtClean="0"/>
-              <a:t>EDurationUnit</a:t>
-            </a:r>
-            <a:r>
-              <a:rPr lang="en-US" baseline="0" dirty="0" smtClean="0"/>
-              <a:t> test verifies how duration units are expressed.  The test for </a:t>
-            </a:r>
-            <a:r>
-              <a:rPr lang="en-US" baseline="0" dirty="0" err="1" smtClean="0"/>
-              <a:t>EDurationParser</a:t>
-            </a:r>
-            <a:r>
-              <a:rPr lang="en-US" baseline="0" dirty="0" smtClean="0"/>
-              <a:t> covers a few of the duration calculation scenarios covered in the </a:t>
-            </a:r>
-            <a:r>
-              <a:rPr lang="en-US" baseline="0" dirty="0" err="1" smtClean="0"/>
-              <a:t>fitnesse</a:t>
-            </a:r>
-            <a:r>
-              <a:rPr lang="en-US" baseline="0" dirty="0" smtClean="0"/>
-              <a:t> test, but not the full range </a:t>
-            </a:r>
-            <a:r>
-              <a:rPr lang="mr-IN" baseline="0" dirty="0" smtClean="0"/>
-              <a:t>–</a:t>
-            </a:r>
-            <a:r>
-              <a:rPr lang="en-US" baseline="0" dirty="0" smtClean="0"/>
-              <a:t> small amount of overlap.</a:t>
-            </a:r>
+            <a:endParaRPr lang="en-US" dirty="0"/>
           </a:p>
         </p:txBody>
       </p:sp>
@@ -914,7 +1445,7 @@
           <a:p>
             <a:fld id="{C0CB0DF1-2E1C-3F45-9F83-336FA6343465}" type="slidenum">
               <a:rPr lang="en-US" smtClean="0"/>
-              <a:t>12</a:t>
+              <a:t>3</a:t>
             </a:fld>
             <a:endParaRPr lang="en-US"/>
           </a:p>
@@ -923,7 +1454,7 @@
     </p:spTree>
     <p:extLst>
       <p:ext uri="{BB962C8B-B14F-4D97-AF65-F5344CB8AC3E}">
-        <p14:creationId xmlns:p14="http://schemas.microsoft.com/office/powerpoint/2010/main" val="1190047956"/>
+        <p14:creationId xmlns:p14="http://schemas.microsoft.com/office/powerpoint/2010/main" val="1110791150"/>
       </p:ext>
     </p:extLst>
   </p:cSld>
@@ -977,7 +1508,34 @@
           <a:bodyPr/>
           <a:lstStyle/>
           <a:p>
-            <a:pPr marL="171450" marR="0" indent="-171450" algn="l" defTabSz="914400" rtl="0" eaLnBrk="1" fontAlgn="auto" latinLnBrk="0" hangingPunct="1">
+            <a:r>
+              <a:rPr lang="en-US" dirty="0" smtClean="0"/>
+              <a:t>Service </a:t>
+            </a:r>
+            <a:r>
+              <a:rPr lang="mr-IN" dirty="0" smtClean="0"/>
+              <a:t>–</a:t>
+            </a:r>
+            <a:r>
+              <a:rPr lang="en-US" dirty="0" smtClean="0"/>
+              <a:t> business</a:t>
+            </a:r>
+            <a:r>
+              <a:rPr lang="en-US" baseline="0" dirty="0" smtClean="0"/>
+              <a:t> logic of application </a:t>
+            </a:r>
+            <a:r>
+              <a:rPr lang="mr-IN" baseline="0" dirty="0" smtClean="0"/>
+              <a:t>–</a:t>
+            </a:r>
+            <a:r>
+              <a:rPr lang="en-US" baseline="0" dirty="0" smtClean="0"/>
+              <a:t> responds to inputs with outputs.  (Calculator example from Cohn article).</a:t>
+            </a:r>
+            <a:endParaRPr lang="en-US" dirty="0" smtClean="0"/>
+          </a:p>
+          <a:p>
+            <a:pPr marL="0" marR="0" indent="0" algn="l" defTabSz="914400" rtl="0" eaLnBrk="1" fontAlgn="auto" latinLnBrk="0" hangingPunct="1">
               <a:lnSpc>
                 <a:spcPct val="100000"/>
               </a:lnSpc>
@@ -989,26 +1547,35 @@
               </a:spcAft>
               <a:buClrTx/>
               <a:buSzTx/>
-              <a:buFont typeface="Arial" charset="0"/>
-              <a:buChar char="•"/>
+              <a:buFontTx/>
+              <a:buNone/>
               <a:tabLst/>
               <a:defRPr/>
             </a:pPr>
             <a:r>
+              <a:rPr lang="en-US" dirty="0" smtClean="0"/>
+              <a:t>Cohn, 2009:</a:t>
+            </a:r>
+            <a:r>
               <a:rPr lang="en-US" baseline="0" dirty="0" smtClean="0"/>
-              <a:t>The </a:t>
-            </a:r>
-            <a:r>
-              <a:rPr lang="en-US" baseline="0" dirty="0" err="1" smtClean="0"/>
-              <a:t>fitnesse</a:t>
-            </a:r>
-            <a:r>
-              <a:rPr lang="en-US" baseline="0" dirty="0" smtClean="0"/>
-              <a:t> test covers a full range of cases which will both pass and fail the validation rule.  It depends on both opiate identification and duration parsing logic.</a:t>
-            </a:r>
-          </a:p>
-          <a:p>
-            <a:pPr marL="171450" marR="0" indent="-171450" algn="l" defTabSz="914400" rtl="0" eaLnBrk="1" fontAlgn="auto" latinLnBrk="0" hangingPunct="1">
+              <a:t>  “</a:t>
+            </a:r>
+            <a:r>
+              <a:rPr lang="en-US" sz="1200" b="0" i="0" kern="1200" dirty="0" smtClean="0">
+                <a:solidFill>
+                  <a:schemeClr val="tx1"/>
+                </a:solidFill>
+                <a:effectLst/>
+                <a:latin typeface="+mn-lt"/>
+                <a:ea typeface="+mn-ea"/>
+                <a:cs typeface="+mn-cs"/>
+              </a:rPr>
+              <a:t>a service is something the application does in response to some input or set of inputs.”</a:t>
+            </a:r>
+            <a:endParaRPr lang="en-US" dirty="0" smtClean="0"/>
+          </a:p>
+          <a:p>
+            <a:pPr marL="0" marR="0" indent="0" algn="l" defTabSz="914400" rtl="0" eaLnBrk="1" fontAlgn="auto" latinLnBrk="0" hangingPunct="1">
               <a:lnSpc>
                 <a:spcPct val="100000"/>
               </a:lnSpc>
@@ -1020,112 +1587,14 @@
               </a:spcAft>
               <a:buClrTx/>
               <a:buSzTx/>
-              <a:buFont typeface="Arial" charset="0"/>
-              <a:buChar char="•"/>
+              <a:buFontTx/>
+              <a:buNone/>
               <a:tabLst/>
               <a:defRPr/>
             </a:pPr>
             <a:r>
-              <a:rPr lang="en-US" baseline="0" dirty="0" err="1" smtClean="0"/>
-              <a:t>RxValidator</a:t>
-            </a:r>
-            <a:r>
-              <a:rPr lang="en-US" baseline="0" dirty="0" smtClean="0"/>
-              <a:t> is a class for running multiple validation rules, represented by </a:t>
-            </a:r>
-            <a:r>
-              <a:rPr lang="en-US" baseline="0" dirty="0" err="1" smtClean="0"/>
-              <a:t>IRxValidationRule</a:t>
-            </a:r>
-            <a:r>
-              <a:rPr lang="en-US" baseline="0" dirty="0" smtClean="0"/>
-              <a:t> interface, against a prescription.  Each rule will return an </a:t>
-            </a:r>
-            <a:r>
-              <a:rPr lang="en-US" baseline="0" dirty="0" err="1" smtClean="0"/>
-              <a:t>RxValidationResult</a:t>
-            </a:r>
-            <a:r>
-              <a:rPr lang="en-US" baseline="0" dirty="0" smtClean="0"/>
-              <a:t> that indicates whether the prescription is valid with respect to that rule, and if not what message should be displayed and which prescription fields are related to the failure if any.  The </a:t>
-            </a:r>
-            <a:r>
-              <a:rPr lang="en-US" baseline="0" dirty="0" err="1" smtClean="0"/>
-              <a:t>RxValidatorShould</a:t>
-            </a:r>
-            <a:r>
-              <a:rPr lang="en-US" baseline="0" dirty="0" smtClean="0"/>
-              <a:t> unit test verifies this rules runner functions correctly, but using fake rules.</a:t>
-            </a:r>
-          </a:p>
-          <a:p>
-            <a:pPr marL="171450" marR="0" indent="-171450" algn="l" defTabSz="914400" rtl="0" eaLnBrk="1" fontAlgn="auto" latinLnBrk="0" hangingPunct="1">
-              <a:lnSpc>
-                <a:spcPct val="100000"/>
-              </a:lnSpc>
-              <a:spcBef>
-                <a:spcPts val="0"/>
-              </a:spcBef>
-              <a:spcAft>
-                <a:spcPts val="0"/>
-              </a:spcAft>
-              <a:buClrTx/>
-              <a:buSzTx/>
-              <a:buFont typeface="Arial" charset="0"/>
-              <a:buChar char="•"/>
-              <a:tabLst/>
-              <a:defRPr/>
-            </a:pPr>
-            <a:r>
-              <a:rPr lang="en-US" baseline="0" dirty="0" err="1" smtClean="0"/>
-              <a:t>ValidatePrescriptionCommand</a:t>
-            </a:r>
-            <a:r>
-              <a:rPr lang="en-US" baseline="0" dirty="0" smtClean="0"/>
-              <a:t> is the initial class invoked to run all prescription validation rules when a prescription is sent from a client browser.  It runs all the rules and returns a response to the client.  </a:t>
-            </a:r>
-            <a:r>
-              <a:rPr lang="en-US" baseline="0" dirty="0" err="1" smtClean="0"/>
-              <a:t>ValidationPrescriptionCommandShould</a:t>
-            </a:r>
-            <a:r>
-              <a:rPr lang="en-US" baseline="0" dirty="0" smtClean="0"/>
-              <a:t> tests this class with fake rules.</a:t>
-            </a:r>
-          </a:p>
-          <a:p>
-            <a:pPr marL="171450" marR="0" indent="-171450" algn="l" defTabSz="914400" rtl="0" eaLnBrk="1" fontAlgn="auto" latinLnBrk="0" hangingPunct="1">
-              <a:lnSpc>
-                <a:spcPct val="100000"/>
-              </a:lnSpc>
-              <a:spcBef>
-                <a:spcPts val="0"/>
-              </a:spcBef>
-              <a:spcAft>
-                <a:spcPts val="0"/>
-              </a:spcAft>
-              <a:buClrTx/>
-              <a:buSzTx/>
-              <a:buFont typeface="Arial" charset="0"/>
-              <a:buChar char="•"/>
-              <a:tabLst/>
-              <a:defRPr/>
-            </a:pPr>
-            <a:r>
-              <a:rPr lang="en-US" baseline="0" dirty="0" err="1" smtClean="0"/>
-              <a:t>OptateDurationValidationRuleShould</a:t>
-            </a:r>
-            <a:r>
-              <a:rPr lang="en-US" baseline="0" dirty="0" smtClean="0"/>
-              <a:t> tests the validation rule used for this feature.  It tests a few scenarios, including edge case like a null drug, but does not cover all business scenarios as they are covered by </a:t>
-            </a:r>
-            <a:r>
-              <a:rPr lang="en-US" baseline="0" dirty="0" err="1" smtClean="0"/>
-              <a:t>fitnesse</a:t>
-            </a:r>
-            <a:r>
-              <a:rPr lang="en-US" baseline="0" dirty="0" smtClean="0"/>
-              <a:t> test.</a:t>
+              <a:rPr lang="en-US" dirty="0" smtClean="0"/>
+              <a:t>Orthogonal Concepts: Integration Tests, End to End tests.  Decide what the above layers mean to your team.</a:t>
             </a:r>
           </a:p>
         </p:txBody>
@@ -1147,7 +1616,7 @@
           <a:p>
             <a:fld id="{C0CB0DF1-2E1C-3F45-9F83-336FA6343465}" type="slidenum">
               <a:rPr lang="en-US" smtClean="0"/>
-              <a:t>13</a:t>
+              <a:t>4</a:t>
             </a:fld>
             <a:endParaRPr lang="en-US"/>
           </a:p>
@@ -1156,7 +1625,7 @@
     </p:spTree>
     <p:extLst>
       <p:ext uri="{BB962C8B-B14F-4D97-AF65-F5344CB8AC3E}">
-        <p14:creationId xmlns:p14="http://schemas.microsoft.com/office/powerpoint/2010/main" val="1835565914"/>
+        <p14:creationId xmlns:p14="http://schemas.microsoft.com/office/powerpoint/2010/main" val="1643938883"/>
       </p:ext>
     </p:extLst>
   </p:cSld>
@@ -1210,6 +1679,536 @@
           <a:bodyPr/>
           <a:lstStyle/>
           <a:p>
+            <a:r>
+              <a:rPr lang="en-US" dirty="0" smtClean="0"/>
+              <a:t>Not going to happen by happy accident.  What tools will be used, how to divvy up test coverage</a:t>
+            </a:r>
+            <a:r>
+              <a:rPr lang="en-US" baseline="0" dirty="0" smtClean="0"/>
+              <a:t> for a feature across those tools without gaps or duplication </a:t>
+            </a:r>
+            <a:r>
+              <a:rPr lang="mr-IN" baseline="0" dirty="0" smtClean="0"/>
+              <a:t>–</a:t>
+            </a:r>
+            <a:r>
+              <a:rPr lang="en-US" baseline="0" dirty="0" smtClean="0"/>
+              <a:t> all requires intentional work and communication.</a:t>
+            </a:r>
+          </a:p>
+          <a:p>
+            <a:endParaRPr lang="en-US" baseline="0" dirty="0" smtClean="0"/>
+          </a:p>
+          <a:p>
+            <a:r>
+              <a:rPr lang="en-US" baseline="0" dirty="0" smtClean="0"/>
+              <a:t>This presentation:  Look at sample app based on real-world clinical application and its tests </a:t>
+            </a:r>
+            <a:r>
+              <a:rPr lang="mr-IN" baseline="0" dirty="0" smtClean="0"/>
+              <a:t>–</a:t>
+            </a:r>
+            <a:r>
+              <a:rPr lang="en-US" baseline="0" dirty="0" smtClean="0"/>
+              <a:t> see how pyramid constructed, discuss process and tools that were used for real application’s tests.</a:t>
+            </a:r>
+            <a:endParaRPr lang="en-US" dirty="0"/>
+          </a:p>
+        </p:txBody>
+      </p:sp>
+      <p:sp>
+        <p:nvSpPr>
+          <p:cNvPr id="4" name="Slide Number Placeholder 3"/>
+          <p:cNvSpPr>
+            <a:spLocks noGrp="1"/>
+          </p:cNvSpPr>
+          <p:nvPr>
+            <p:ph type="sldNum" sz="quarter" idx="10"/>
+          </p:nvPr>
+        </p:nvSpPr>
+        <p:spPr/>
+        <p:txBody>
+          <a:bodyPr/>
+          <a:lstStyle/>
+          <a:p>
+            <a:fld id="{C0CB0DF1-2E1C-3F45-9F83-336FA6343465}" type="slidenum">
+              <a:rPr lang="en-US" smtClean="0"/>
+              <a:t>5</a:t>
+            </a:fld>
+            <a:endParaRPr lang="en-US"/>
+          </a:p>
+        </p:txBody>
+      </p:sp>
+    </p:spTree>
+    <p:extLst>
+      <p:ext uri="{BB962C8B-B14F-4D97-AF65-F5344CB8AC3E}">
+        <p14:creationId xmlns:p14="http://schemas.microsoft.com/office/powerpoint/2010/main" val="148475727"/>
+      </p:ext>
+    </p:extLst>
+  </p:cSld>
+  <p:clrMapOvr>
+    <a:masterClrMapping/>
+  </p:clrMapOvr>
+</p:notes>
+</file>
+
+<file path=ppt/notesSlides/notesSlide6.xml><?xml version="1.0" encoding="utf-8"?>
+<p:notes xmlns:a="http://schemas.openxmlformats.org/drawingml/2006/main" xmlns:r="http://schemas.openxmlformats.org/officeDocument/2006/relationships" xmlns:p="http://schemas.openxmlformats.org/presentationml/2006/main">
+  <p:cSld>
+    <p:spTree>
+      <p:nvGrpSpPr>
+        <p:cNvPr id="1" name=""/>
+        <p:cNvGrpSpPr/>
+        <p:nvPr/>
+      </p:nvGrpSpPr>
+      <p:grpSpPr>
+        <a:xfrm>
+          <a:off x="0" y="0"/>
+          <a:ext cx="0" cy="0"/>
+          <a:chOff x="0" y="0"/>
+          <a:chExt cx="0" cy="0"/>
+        </a:xfrm>
+      </p:grpSpPr>
+      <p:sp>
+        <p:nvSpPr>
+          <p:cNvPr id="2" name="Slide Image Placeholder 1"/>
+          <p:cNvSpPr>
+            <a:spLocks noGrp="1" noRot="1" noChangeAspect="1"/>
+          </p:cNvSpPr>
+          <p:nvPr>
+            <p:ph type="sldImg"/>
+          </p:nvPr>
+        </p:nvSpPr>
+        <p:spPr/>
+      </p:sp>
+      <p:sp>
+        <p:nvSpPr>
+          <p:cNvPr id="3" name="Notes Placeholder 2"/>
+          <p:cNvSpPr>
+            <a:spLocks noGrp="1"/>
+          </p:cNvSpPr>
+          <p:nvPr>
+            <p:ph type="body" idx="1"/>
+          </p:nvPr>
+        </p:nvSpPr>
+        <p:spPr/>
+        <p:txBody>
+          <a:bodyPr/>
+          <a:lstStyle/>
+          <a:p>
+            <a:pPr marL="171450" indent="-171450">
+              <a:buFont typeface="Arial" charset="0"/>
+              <a:buChar char="•"/>
+            </a:pPr>
+            <a:r>
+              <a:rPr lang="en-US" dirty="0" smtClean="0"/>
+              <a:t>Testing crucial for clinical applications at VUMC </a:t>
+            </a:r>
+            <a:r>
+              <a:rPr lang="mr-IN" dirty="0" smtClean="0"/>
+              <a:t>–</a:t>
+            </a:r>
+            <a:r>
+              <a:rPr lang="en-US" dirty="0" smtClean="0"/>
+              <a:t> apps are used directly for patient care.  </a:t>
+            </a:r>
+          </a:p>
+          <a:p>
+            <a:pPr marL="171450" indent="-171450">
+              <a:buFont typeface="Arial" charset="0"/>
+              <a:buChar char="•"/>
+            </a:pPr>
+            <a:r>
+              <a:rPr lang="en-US" dirty="0" smtClean="0"/>
+              <a:t>Spend a lot of time thinking about testing</a:t>
+            </a:r>
+            <a:r>
+              <a:rPr lang="en-US" baseline="0" dirty="0" smtClean="0"/>
+              <a:t> strategies, tools, improving automation.  </a:t>
+            </a:r>
+          </a:p>
+          <a:p>
+            <a:pPr marL="171450" indent="-171450">
+              <a:buFont typeface="Arial" charset="0"/>
+              <a:buChar char="•"/>
+            </a:pPr>
+            <a:r>
+              <a:rPr lang="en-US" baseline="0" dirty="0" smtClean="0"/>
+              <a:t>Sample prescribing web app, derived from real app, only has one feature, but shows some of this care and intention regarding testing.</a:t>
+            </a:r>
+            <a:endParaRPr lang="en-US" dirty="0"/>
+          </a:p>
+        </p:txBody>
+      </p:sp>
+      <p:sp>
+        <p:nvSpPr>
+          <p:cNvPr id="4" name="Slide Number Placeholder 3"/>
+          <p:cNvSpPr>
+            <a:spLocks noGrp="1"/>
+          </p:cNvSpPr>
+          <p:nvPr>
+            <p:ph type="sldNum" sz="quarter" idx="10"/>
+          </p:nvPr>
+        </p:nvSpPr>
+        <p:spPr/>
+        <p:txBody>
+          <a:bodyPr/>
+          <a:lstStyle/>
+          <a:p>
+            <a:fld id="{C0CB0DF1-2E1C-3F45-9F83-336FA6343465}" type="slidenum">
+              <a:rPr lang="en-US" smtClean="0"/>
+              <a:t>6</a:t>
+            </a:fld>
+            <a:endParaRPr lang="en-US"/>
+          </a:p>
+        </p:txBody>
+      </p:sp>
+    </p:spTree>
+    <p:extLst>
+      <p:ext uri="{BB962C8B-B14F-4D97-AF65-F5344CB8AC3E}">
+        <p14:creationId xmlns:p14="http://schemas.microsoft.com/office/powerpoint/2010/main" val="766374"/>
+      </p:ext>
+    </p:extLst>
+  </p:cSld>
+  <p:clrMapOvr>
+    <a:masterClrMapping/>
+  </p:clrMapOvr>
+</p:notes>
+</file>
+
+<file path=ppt/notesSlides/notesSlide7.xml><?xml version="1.0" encoding="utf-8"?>
+<p:notes xmlns:a="http://schemas.openxmlformats.org/drawingml/2006/main" xmlns:r="http://schemas.openxmlformats.org/officeDocument/2006/relationships" xmlns:p="http://schemas.openxmlformats.org/presentationml/2006/main">
+  <p:cSld>
+    <p:spTree>
+      <p:nvGrpSpPr>
+        <p:cNvPr id="1" name=""/>
+        <p:cNvGrpSpPr/>
+        <p:nvPr/>
+      </p:nvGrpSpPr>
+      <p:grpSpPr>
+        <a:xfrm>
+          <a:off x="0" y="0"/>
+          <a:ext cx="0" cy="0"/>
+          <a:chOff x="0" y="0"/>
+          <a:chExt cx="0" cy="0"/>
+        </a:xfrm>
+      </p:grpSpPr>
+      <p:sp>
+        <p:nvSpPr>
+          <p:cNvPr id="2" name="Slide Image Placeholder 1"/>
+          <p:cNvSpPr>
+            <a:spLocks noGrp="1" noRot="1" noChangeAspect="1"/>
+          </p:cNvSpPr>
+          <p:nvPr>
+            <p:ph type="sldImg"/>
+          </p:nvPr>
+        </p:nvSpPr>
+        <p:spPr/>
+      </p:sp>
+      <p:sp>
+        <p:nvSpPr>
+          <p:cNvPr id="3" name="Notes Placeholder 2"/>
+          <p:cNvSpPr>
+            <a:spLocks noGrp="1"/>
+          </p:cNvSpPr>
+          <p:nvPr>
+            <p:ph type="body" idx="1"/>
+          </p:nvPr>
+        </p:nvSpPr>
+        <p:spPr/>
+        <p:txBody>
+          <a:bodyPr/>
+          <a:lstStyle/>
+          <a:p>
+            <a:r>
+              <a:rPr lang="en-US" dirty="0" smtClean="0"/>
+              <a:t>Simple feature to state, but there</a:t>
+            </a:r>
+            <a:r>
+              <a:rPr lang="en-US" baseline="0" dirty="0" smtClean="0"/>
+              <a:t> are a number of aspects to implement.</a:t>
+            </a:r>
+          </a:p>
+          <a:p>
+            <a:pPr marL="171450" indent="-171450">
+              <a:buFont typeface="Arial" charset="0"/>
+              <a:buChar char="•"/>
+            </a:pPr>
+            <a:r>
+              <a:rPr lang="en-US" baseline="0" dirty="0" smtClean="0"/>
+              <a:t>Must identify opiates</a:t>
+            </a:r>
+          </a:p>
+          <a:p>
+            <a:pPr marL="171450" indent="-171450">
+              <a:buFont typeface="Arial" charset="0"/>
+              <a:buChar char="•"/>
+            </a:pPr>
+            <a:r>
+              <a:rPr lang="en-US" baseline="0" dirty="0" smtClean="0"/>
+              <a:t>Must recognize number of days from text entered by user</a:t>
+            </a:r>
+          </a:p>
+          <a:p>
+            <a:pPr marL="171450" indent="-171450">
+              <a:buFont typeface="Arial" charset="0"/>
+              <a:buChar char="•"/>
+            </a:pPr>
+            <a:r>
+              <a:rPr lang="en-US" baseline="0" dirty="0" smtClean="0"/>
+              <a:t>Must apply business rule based on these two components and inform user</a:t>
+            </a:r>
+          </a:p>
+          <a:p>
+            <a:pPr marL="171450" indent="-171450">
+              <a:buFont typeface="Arial" charset="0"/>
+              <a:buChar char="•"/>
+            </a:pPr>
+            <a:endParaRPr lang="en-US" baseline="0" dirty="0" smtClean="0"/>
+          </a:p>
+          <a:p>
+            <a:endParaRPr lang="en-US" dirty="0"/>
+          </a:p>
+        </p:txBody>
+      </p:sp>
+      <p:sp>
+        <p:nvSpPr>
+          <p:cNvPr id="4" name="Slide Number Placeholder 3"/>
+          <p:cNvSpPr>
+            <a:spLocks noGrp="1"/>
+          </p:cNvSpPr>
+          <p:nvPr>
+            <p:ph type="sldNum" sz="quarter" idx="10"/>
+          </p:nvPr>
+        </p:nvSpPr>
+        <p:spPr/>
+        <p:txBody>
+          <a:bodyPr/>
+          <a:lstStyle/>
+          <a:p>
+            <a:fld id="{C0CB0DF1-2E1C-3F45-9F83-336FA6343465}" type="slidenum">
+              <a:rPr lang="en-US" smtClean="0"/>
+              <a:t>7</a:t>
+            </a:fld>
+            <a:endParaRPr lang="en-US"/>
+          </a:p>
+        </p:txBody>
+      </p:sp>
+    </p:spTree>
+    <p:extLst>
+      <p:ext uri="{BB962C8B-B14F-4D97-AF65-F5344CB8AC3E}">
+        <p14:creationId xmlns:p14="http://schemas.microsoft.com/office/powerpoint/2010/main" val="1240150317"/>
+      </p:ext>
+    </p:extLst>
+  </p:cSld>
+  <p:clrMapOvr>
+    <a:masterClrMapping/>
+  </p:clrMapOvr>
+</p:notes>
+</file>
+
+<file path=ppt/notesSlides/notesSlide8.xml><?xml version="1.0" encoding="utf-8"?>
+<p:notes xmlns:a="http://schemas.openxmlformats.org/drawingml/2006/main" xmlns:r="http://schemas.openxmlformats.org/officeDocument/2006/relationships" xmlns:p="http://schemas.openxmlformats.org/presentationml/2006/main">
+  <p:cSld>
+    <p:spTree>
+      <p:nvGrpSpPr>
+        <p:cNvPr id="1" name=""/>
+        <p:cNvGrpSpPr/>
+        <p:nvPr/>
+      </p:nvGrpSpPr>
+      <p:grpSpPr>
+        <a:xfrm>
+          <a:off x="0" y="0"/>
+          <a:ext cx="0" cy="0"/>
+          <a:chOff x="0" y="0"/>
+          <a:chExt cx="0" cy="0"/>
+        </a:xfrm>
+      </p:grpSpPr>
+      <p:sp>
+        <p:nvSpPr>
+          <p:cNvPr id="2" name="Slide Image Placeholder 1"/>
+          <p:cNvSpPr>
+            <a:spLocks noGrp="1" noRot="1" noChangeAspect="1"/>
+          </p:cNvSpPr>
+          <p:nvPr>
+            <p:ph type="sldImg"/>
+          </p:nvPr>
+        </p:nvSpPr>
+        <p:spPr/>
+      </p:sp>
+      <p:sp>
+        <p:nvSpPr>
+          <p:cNvPr id="3" name="Notes Placeholder 2"/>
+          <p:cNvSpPr>
+            <a:spLocks noGrp="1"/>
+          </p:cNvSpPr>
+          <p:nvPr>
+            <p:ph type="body" idx="1"/>
+          </p:nvPr>
+        </p:nvSpPr>
+        <p:spPr/>
+        <p:txBody>
+          <a:bodyPr/>
+          <a:lstStyle/>
+          <a:p>
+            <a:r>
+              <a:rPr lang="en-US" dirty="0" smtClean="0"/>
+              <a:t>Team</a:t>
+            </a:r>
+            <a:r>
+              <a:rPr lang="en-US" baseline="0" dirty="0" smtClean="0"/>
+              <a:t> for real application often discussed testing details </a:t>
+            </a:r>
+            <a:r>
+              <a:rPr lang="mr-IN" baseline="0" dirty="0" smtClean="0"/>
+              <a:t>–</a:t>
+            </a:r>
+            <a:r>
+              <a:rPr lang="en-US" baseline="0" dirty="0" smtClean="0"/>
+              <a:t> what will be tested in which medium, authored by whom.</a:t>
+            </a:r>
+          </a:p>
+          <a:p>
+            <a:pPr marL="0" marR="0" indent="0" algn="l" defTabSz="914400" rtl="0" eaLnBrk="1" fontAlgn="auto" latinLnBrk="0" hangingPunct="1">
+              <a:lnSpc>
+                <a:spcPct val="100000"/>
+              </a:lnSpc>
+              <a:spcBef>
+                <a:spcPts val="0"/>
+              </a:spcBef>
+              <a:spcAft>
+                <a:spcPts val="0"/>
+              </a:spcAft>
+              <a:buClrTx/>
+              <a:buSzTx/>
+              <a:buFontTx/>
+              <a:buNone/>
+              <a:tabLst/>
+              <a:defRPr/>
+            </a:pPr>
+            <a:r>
+              <a:rPr lang="en-US" baseline="0" dirty="0" smtClean="0"/>
+              <a:t>Notice mini-pyramid shape for just this one feature.</a:t>
+            </a:r>
+          </a:p>
+          <a:p>
+            <a:endParaRPr lang="en-US" baseline="0" dirty="0" smtClean="0"/>
+          </a:p>
+          <a:p>
+            <a:r>
+              <a:rPr lang="en-US" baseline="0" dirty="0" smtClean="0"/>
+              <a:t>The testing tools at each level were ones used by real application team </a:t>
+            </a:r>
+            <a:r>
+              <a:rPr lang="mr-IN" baseline="0" dirty="0" smtClean="0"/>
+              <a:t>–</a:t>
+            </a:r>
+            <a:r>
+              <a:rPr lang="en-US" baseline="0" dirty="0" smtClean="0"/>
+              <a:t> note that tools don’t dictate level / granularity of tests </a:t>
+            </a:r>
+            <a:r>
+              <a:rPr lang="mr-IN" baseline="0" dirty="0" smtClean="0"/>
+              <a:t>–</a:t>
+            </a:r>
+            <a:r>
+              <a:rPr lang="en-US" baseline="0" dirty="0" smtClean="0"/>
+              <a:t> all three could be done with unit testing tool.  </a:t>
+            </a:r>
+            <a:r>
+              <a:rPr lang="en-US" baseline="0" dirty="0" err="1" smtClean="0"/>
+              <a:t>Fitnesse</a:t>
+            </a:r>
+            <a:r>
+              <a:rPr lang="en-US" baseline="0" dirty="0" smtClean="0"/>
+              <a:t> is chosen for service testing by this team due to visibility and participation of customers.</a:t>
+            </a:r>
+          </a:p>
+          <a:p>
+            <a:endParaRPr lang="en-US" dirty="0"/>
+          </a:p>
+        </p:txBody>
+      </p:sp>
+      <p:sp>
+        <p:nvSpPr>
+          <p:cNvPr id="4" name="Slide Number Placeholder 3"/>
+          <p:cNvSpPr>
+            <a:spLocks noGrp="1"/>
+          </p:cNvSpPr>
+          <p:nvPr>
+            <p:ph type="sldNum" sz="quarter" idx="10"/>
+          </p:nvPr>
+        </p:nvSpPr>
+        <p:spPr/>
+        <p:txBody>
+          <a:bodyPr/>
+          <a:lstStyle/>
+          <a:p>
+            <a:fld id="{C0CB0DF1-2E1C-3F45-9F83-336FA6343465}" type="slidenum">
+              <a:rPr lang="en-US" smtClean="0"/>
+              <a:t>8</a:t>
+            </a:fld>
+            <a:endParaRPr lang="en-US"/>
+          </a:p>
+        </p:txBody>
+      </p:sp>
+    </p:spTree>
+    <p:extLst>
+      <p:ext uri="{BB962C8B-B14F-4D97-AF65-F5344CB8AC3E}">
+        <p14:creationId xmlns:p14="http://schemas.microsoft.com/office/powerpoint/2010/main" val="1311013154"/>
+      </p:ext>
+    </p:extLst>
+  </p:cSld>
+  <p:clrMapOvr>
+    <a:masterClrMapping/>
+  </p:clrMapOvr>
+</p:notes>
+</file>
+
+<file path=ppt/notesSlides/notesSlide9.xml><?xml version="1.0" encoding="utf-8"?>
+<p:notes xmlns:a="http://schemas.openxmlformats.org/drawingml/2006/main" xmlns:r="http://schemas.openxmlformats.org/officeDocument/2006/relationships" xmlns:p="http://schemas.openxmlformats.org/presentationml/2006/main">
+  <p:cSld>
+    <p:spTree>
+      <p:nvGrpSpPr>
+        <p:cNvPr id="1" name=""/>
+        <p:cNvGrpSpPr/>
+        <p:nvPr/>
+      </p:nvGrpSpPr>
+      <p:grpSpPr>
+        <a:xfrm>
+          <a:off x="0" y="0"/>
+          <a:ext cx="0" cy="0"/>
+          <a:chOff x="0" y="0"/>
+          <a:chExt cx="0" cy="0"/>
+        </a:xfrm>
+      </p:grpSpPr>
+      <p:sp>
+        <p:nvSpPr>
+          <p:cNvPr id="2" name="Slide Image Placeholder 1"/>
+          <p:cNvSpPr>
+            <a:spLocks noGrp="1" noRot="1" noChangeAspect="1"/>
+          </p:cNvSpPr>
+          <p:nvPr>
+            <p:ph type="sldImg"/>
+          </p:nvPr>
+        </p:nvSpPr>
+        <p:spPr/>
+      </p:sp>
+      <p:sp>
+        <p:nvSpPr>
+          <p:cNvPr id="3" name="Notes Placeholder 2"/>
+          <p:cNvSpPr>
+            <a:spLocks noGrp="1"/>
+          </p:cNvSpPr>
+          <p:nvPr>
+            <p:ph type="body" idx="1"/>
+          </p:nvPr>
+        </p:nvSpPr>
+        <p:spPr/>
+        <p:txBody>
+          <a:bodyPr/>
+          <a:lstStyle/>
+          <a:p>
             <a:pPr marL="171450" marR="0" indent="-171450" algn="l" defTabSz="914400" rtl="0" eaLnBrk="1" fontAlgn="auto" latinLnBrk="0" hangingPunct="1">
               <a:lnSpc>
                 <a:spcPct val="100000"/>
@@ -1237,8 +2236,82 @@
             </a:r>
             <a:r>
               <a:rPr lang="en-US" baseline="0" dirty="0" smtClean="0"/>
-              <a:t> test covers a full range of cases which will both pass and fail the validation rule.  It depends on both opiate identification and duration parsing logic.</a:t>
-            </a:r>
+              <a:t> tests covers the full requirements for this part of the feature </a:t>
+            </a:r>
+            <a:r>
+              <a:rPr lang="mr-IN" baseline="0" dirty="0" smtClean="0"/>
+              <a:t>–</a:t>
+            </a:r>
+            <a:r>
+              <a:rPr lang="en-US" baseline="0" dirty="0" smtClean="0"/>
+              <a:t> specifies each drug classification that should be considered an opiate.</a:t>
+            </a:r>
+            <a:endParaRPr lang="en-US" dirty="0" smtClean="0"/>
+          </a:p>
+          <a:p>
+            <a:pPr marL="171450" indent="-171450">
+              <a:buFont typeface="Arial" charset="0"/>
+              <a:buChar char="•"/>
+            </a:pPr>
+            <a:r>
+              <a:rPr lang="en-US" dirty="0" err="1" smtClean="0"/>
+              <a:t>OpiatesDrugConceptShould</a:t>
+            </a:r>
+            <a:r>
+              <a:rPr lang="en-US" baseline="0" dirty="0" smtClean="0"/>
+              <a:t> states and tests the design of the classes used to determine if a drug is in this class.  </a:t>
+            </a:r>
+            <a:r>
+              <a:rPr lang="en-US" baseline="0" dirty="0" err="1" smtClean="0"/>
+              <a:t>DispensableDrug</a:t>
+            </a:r>
+            <a:r>
+              <a:rPr lang="en-US" baseline="0" dirty="0" smtClean="0"/>
+              <a:t>, </a:t>
+            </a:r>
+            <a:r>
+              <a:rPr lang="en-US" baseline="0" dirty="0" err="1" smtClean="0"/>
+              <a:t>EDrugClassification</a:t>
+            </a:r>
+            <a:r>
+              <a:rPr lang="en-US" baseline="0" dirty="0" smtClean="0"/>
+              <a:t>, and </a:t>
+            </a:r>
+            <a:r>
+              <a:rPr lang="en-US" baseline="0" dirty="0" err="1" smtClean="0"/>
+              <a:t>OpiatesDrugConcept</a:t>
+            </a:r>
+            <a:r>
+              <a:rPr lang="en-US" baseline="0" dirty="0" smtClean="0"/>
+              <a:t> classes interact to implement this feature.</a:t>
+            </a:r>
+          </a:p>
+          <a:p>
+            <a:pPr marL="171450" indent="-171450">
+              <a:buFont typeface="Arial" charset="0"/>
+              <a:buChar char="•"/>
+            </a:pPr>
+            <a:r>
+              <a:rPr lang="en-US" baseline="0" dirty="0" smtClean="0"/>
+              <a:t>Unit test is testing the design and implementation of the units of code supporting this part of the feature, </a:t>
+            </a:r>
+            <a:r>
+              <a:rPr lang="en-US" baseline="0" dirty="0" err="1" smtClean="0"/>
+              <a:t>fitnesse</a:t>
+            </a:r>
+            <a:r>
+              <a:rPr lang="en-US" baseline="0" dirty="0" smtClean="0"/>
+              <a:t> is specifying and testing the requirements for this part of the feature.  There is little overlap or duplication between the tests for this reason </a:t>
+            </a:r>
+            <a:r>
+              <a:rPr lang="mr-IN" baseline="0" dirty="0" smtClean="0"/>
+              <a:t>–</a:t>
+            </a:r>
+            <a:r>
+              <a:rPr lang="en-US" baseline="0" dirty="0" smtClean="0"/>
+              <a:t> they complement, not duplicate one another.</a:t>
+            </a:r>
+            <a:endParaRPr lang="en-US" dirty="0"/>
           </a:p>
         </p:txBody>
       </p:sp>
@@ -1259,7 +2332,7 @@
           <a:p>
             <a:fld id="{C0CB0DF1-2E1C-3F45-9F83-336FA6343465}" type="slidenum">
               <a:rPr lang="en-US" smtClean="0"/>
-              <a:t>14</a:t>
+              <a:t>9</a:t>
             </a:fld>
             <a:endParaRPr lang="en-US"/>
           </a:p>
@@ -1268,7 +2341,7 @@
     </p:spTree>
     <p:extLst>
       <p:ext uri="{BB962C8B-B14F-4D97-AF65-F5344CB8AC3E}">
-        <p14:creationId xmlns:p14="http://schemas.microsoft.com/office/powerpoint/2010/main" val="1669979505"/>
+        <p14:creationId xmlns:p14="http://schemas.microsoft.com/office/powerpoint/2010/main" val="217819998"/>
       </p:ext>
     </p:extLst>
   </p:cSld>
@@ -3648,6 +4721,13 @@
   <p:clrMapOvr>
     <a:masterClrMapping/>
   </p:clrMapOvr>
+  <p:timing>
+    <p:tnLst>
+      <p:par>
+        <p:cTn id="1" dur="indefinite" restart="never" nodeType="tmRoot"/>
+      </p:par>
+    </p:tnLst>
+  </p:timing>
 </p:sld>
 </file>
 
@@ -3685,71 +4765,416 @@
           <a:p>
             <a:r>
               <a:rPr lang="en-US" dirty="0" smtClean="0"/>
-              <a:t>Implementation Process</a:t>
+              <a:t>Calculate Duration in Days</a:t>
             </a:r>
             <a:endParaRPr lang="en-US" dirty="0"/>
           </a:p>
         </p:txBody>
       </p:sp>
-      <p:sp>
-        <p:nvSpPr>
-          <p:cNvPr id="3" name="Content Placeholder 2"/>
-          <p:cNvSpPr>
-            <a:spLocks noGrp="1"/>
-          </p:cNvSpPr>
+      <p:graphicFrame>
+        <p:nvGraphicFramePr>
+          <p:cNvPr id="4" name="Content Placeholder 3"/>
+          <p:cNvGraphicFramePr>
+            <a:graphicFrameLocks noGrp="1"/>
+          </p:cNvGraphicFramePr>
           <p:nvPr>
             <p:ph idx="1"/>
-          </p:nvPr>
-        </p:nvSpPr>
-        <p:spPr/>
-        <p:txBody>
-          <a:bodyPr/>
+            <p:extLst>
+              <p:ext uri="{D42A27DB-BD31-4B8C-83A1-F6EECF244321}">
+                <p14:modId xmlns:p14="http://schemas.microsoft.com/office/powerpoint/2010/main" val="1510658900"/>
+              </p:ext>
+            </p:extLst>
+          </p:nvPr>
+        </p:nvGraphicFramePr>
+        <p:xfrm>
+          <a:off x="838200" y="1481960"/>
+          <a:ext cx="10515600" cy="1010920"/>
+        </p:xfrm>
+        <a:graphic>
+          <a:graphicData uri="http://schemas.openxmlformats.org/drawingml/2006/table">
+            <a:tbl>
+              <a:tblPr firstRow="1" bandRow="1">
+                <a:tableStyleId>{5C22544A-7EE6-4342-B048-85BDC9FD1C3A}</a:tableStyleId>
+              </a:tblPr>
+              <a:tblGrid>
+                <a:gridCol w="3029465"/>
+                <a:gridCol w="2228335"/>
+                <a:gridCol w="2628900"/>
+                <a:gridCol w="2628900"/>
+              </a:tblGrid>
+              <a:tr h="370840">
+                <a:tc>
+                  <a:txBody>
+                    <a:bodyPr/>
+                    <a:lstStyle/>
+                    <a:p>
+                      <a:pPr algn="ctr"/>
+                      <a:r>
+                        <a:rPr lang="en-US" dirty="0" smtClean="0"/>
+                        <a:t>Feature Part</a:t>
+                      </a:r>
+                      <a:endParaRPr lang="en-US" dirty="0"/>
+                    </a:p>
+                  </a:txBody>
+                  <a:tcPr/>
+                </a:tc>
+                <a:tc>
+                  <a:txBody>
+                    <a:bodyPr/>
+                    <a:lstStyle/>
+                    <a:p>
+                      <a:r>
+                        <a:rPr lang="en-US" dirty="0" smtClean="0"/>
+                        <a:t>Unit (Junit/Jasmine)</a:t>
+                      </a:r>
+                      <a:endParaRPr lang="en-US" dirty="0"/>
+                    </a:p>
+                  </a:txBody>
+                  <a:tcPr/>
+                </a:tc>
+                <a:tc>
+                  <a:txBody>
+                    <a:bodyPr/>
+                    <a:lstStyle/>
+                    <a:p>
+                      <a:r>
+                        <a:rPr lang="en-US" dirty="0" smtClean="0"/>
+                        <a:t>Service (</a:t>
+                      </a:r>
+                      <a:r>
+                        <a:rPr lang="en-US" dirty="0" err="1" smtClean="0"/>
+                        <a:t>Fitnesse</a:t>
+                      </a:r>
+                      <a:r>
+                        <a:rPr lang="en-US" dirty="0" smtClean="0"/>
+                        <a:t>)</a:t>
+                      </a:r>
+                      <a:endParaRPr lang="en-US" dirty="0"/>
+                    </a:p>
+                  </a:txBody>
+                  <a:tcPr/>
+                </a:tc>
+                <a:tc>
+                  <a:txBody>
+                    <a:bodyPr/>
+                    <a:lstStyle/>
+                    <a:p>
+                      <a:r>
+                        <a:rPr lang="en-US" dirty="0" smtClean="0"/>
+                        <a:t>UI (</a:t>
+                      </a:r>
+                      <a:r>
+                        <a:rPr lang="en-US" baseline="0" dirty="0" smtClean="0"/>
+                        <a:t>Selenium + Junit)</a:t>
+                      </a:r>
+                      <a:endParaRPr lang="en-US" dirty="0"/>
+                    </a:p>
+                  </a:txBody>
+                  <a:tcPr/>
+                </a:tc>
+              </a:tr>
+              <a:tr h="370840">
+                <a:tc>
+                  <a:txBody>
+                    <a:bodyPr/>
+                    <a:lstStyle/>
+                    <a:p>
+                      <a:r>
+                        <a:rPr lang="en-US" dirty="0" smtClean="0"/>
+                        <a:t>Calculate</a:t>
+                      </a:r>
+                      <a:r>
+                        <a:rPr lang="en-US" baseline="0" dirty="0" smtClean="0"/>
+                        <a:t> number of days for duration</a:t>
+                      </a:r>
+                      <a:endParaRPr lang="en-US" dirty="0"/>
+                    </a:p>
+                  </a:txBody>
+                  <a:tcPr/>
+                </a:tc>
+                <a:tc>
+                  <a:txBody>
+                    <a:bodyPr/>
+                    <a:lstStyle/>
+                    <a:p>
+                      <a:endParaRPr lang="en-US" dirty="0"/>
+                    </a:p>
+                  </a:txBody>
+                  <a:tcPr/>
+                </a:tc>
+                <a:tc>
+                  <a:txBody>
+                    <a:bodyPr/>
+                    <a:lstStyle/>
+                    <a:p>
+                      <a:endParaRPr lang="en-US" dirty="0"/>
+                    </a:p>
+                  </a:txBody>
+                  <a:tcPr/>
+                </a:tc>
+                <a:tc>
+                  <a:txBody>
+                    <a:bodyPr/>
+                    <a:lstStyle/>
+                    <a:p>
+                      <a:endParaRPr lang="en-US" dirty="0"/>
+                    </a:p>
+                  </a:txBody>
+                  <a:tcPr/>
+                </a:tc>
+              </a:tr>
+            </a:tbl>
+          </a:graphicData>
+        </a:graphic>
+      </p:graphicFrame>
+      <p:cxnSp>
+        <p:nvCxnSpPr>
+          <p:cNvPr id="10" name="Straight Arrow Connector 9"/>
+          <p:cNvCxnSpPr/>
+          <p:nvPr/>
+        </p:nvCxnSpPr>
+        <p:spPr>
+          <a:xfrm flipH="1">
+            <a:off x="4468159" y="2492880"/>
+            <a:ext cx="299784" cy="424491"/>
+          </a:xfrm>
+          <a:prstGeom prst="straightConnector1">
+            <a:avLst/>
+          </a:prstGeom>
+          <a:ln w="38100">
+            <a:tailEnd type="triangle"/>
+          </a:ln>
+        </p:spPr>
+        <p:style>
+          <a:lnRef idx="1">
+            <a:schemeClr val="accent1"/>
+          </a:lnRef>
+          <a:fillRef idx="0">
+            <a:schemeClr val="accent1"/>
+          </a:fillRef>
+          <a:effectRef idx="0">
+            <a:schemeClr val="accent1"/>
+          </a:effectRef>
+          <a:fontRef idx="minor">
+            <a:schemeClr val="tx1"/>
+          </a:fontRef>
+        </p:style>
+      </p:cxnSp>
+      <p:cxnSp>
+        <p:nvCxnSpPr>
+          <p:cNvPr id="11" name="Straight Arrow Connector 10"/>
+          <p:cNvCxnSpPr/>
+          <p:nvPr/>
+        </p:nvCxnSpPr>
+        <p:spPr>
+          <a:xfrm>
+            <a:off x="7384626" y="2324730"/>
+            <a:ext cx="433533" cy="627753"/>
+          </a:xfrm>
+          <a:prstGeom prst="straightConnector1">
+            <a:avLst/>
+          </a:prstGeom>
+          <a:ln w="38100">
+            <a:tailEnd type="triangle"/>
+          </a:ln>
+        </p:spPr>
+        <p:style>
+          <a:lnRef idx="1">
+            <a:schemeClr val="accent1"/>
+          </a:lnRef>
+          <a:fillRef idx="0">
+            <a:schemeClr val="accent1"/>
+          </a:fillRef>
+          <a:effectRef idx="0">
+            <a:schemeClr val="accent1"/>
+          </a:effectRef>
+          <a:fontRef idx="minor">
+            <a:schemeClr val="tx1"/>
+          </a:fontRef>
+        </p:style>
+      </p:cxnSp>
+      <p:pic>
+        <p:nvPicPr>
+          <p:cNvPr id="5" name="Picture 4"/>
+          <p:cNvPicPr>
+            <a:picLocks noChangeAspect="1"/>
+          </p:cNvPicPr>
+          <p:nvPr/>
+        </p:nvPicPr>
+        <p:blipFill>
+          <a:blip r:embed="rId3">
+            <a:extLst>
+              <a:ext uri="{28A0092B-C50C-407E-A947-70E740481C1C}">
+                <a14:useLocalDpi xmlns:a14="http://schemas.microsoft.com/office/drawing/2010/main" val="0"/>
+              </a:ext>
+            </a:extLst>
+          </a:blip>
+          <a:stretch>
+            <a:fillRect/>
+          </a:stretch>
+        </p:blipFill>
+        <p:spPr>
+          <a:xfrm>
+            <a:off x="4983042" y="2952483"/>
+            <a:ext cx="6370758" cy="2875456"/>
+          </a:xfrm>
+          <a:prstGeom prst="rect">
+            <a:avLst/>
+          </a:prstGeom>
+        </p:spPr>
+      </p:pic>
+      <p:pic>
+        <p:nvPicPr>
+          <p:cNvPr id="6" name="Picture 5"/>
+          <p:cNvPicPr>
+            <a:picLocks noChangeAspect="1"/>
+          </p:cNvPicPr>
+          <p:nvPr/>
+        </p:nvPicPr>
+        <p:blipFill>
+          <a:blip r:embed="rId4">
+            <a:extLst>
+              <a:ext uri="{28A0092B-C50C-407E-A947-70E740481C1C}">
+                <a14:useLocalDpi xmlns:a14="http://schemas.microsoft.com/office/drawing/2010/main" val="0"/>
+              </a:ext>
+            </a:extLst>
+          </a:blip>
+          <a:stretch>
+            <a:fillRect/>
+          </a:stretch>
+        </p:blipFill>
+        <p:spPr>
+          <a:xfrm>
+            <a:off x="669685" y="2952483"/>
+            <a:ext cx="4215386" cy="2337198"/>
+          </a:xfrm>
+          <a:prstGeom prst="rect">
+            <a:avLst/>
+          </a:prstGeom>
+        </p:spPr>
+      </p:pic>
+      <p:pic>
+        <p:nvPicPr>
+          <p:cNvPr id="8" name="Picture 7"/>
+          <p:cNvPicPr>
+            <a:picLocks noChangeAspect="1"/>
+          </p:cNvPicPr>
+          <p:nvPr/>
+        </p:nvPicPr>
+        <p:blipFill>
+          <a:blip r:embed="rId5">
+            <a:extLst>
+              <a:ext uri="{28A0092B-C50C-407E-A947-70E740481C1C}">
+                <a14:useLocalDpi xmlns:a14="http://schemas.microsoft.com/office/drawing/2010/main" val="0"/>
+              </a:ext>
+            </a:extLst>
+          </a:blip>
+          <a:stretch>
+            <a:fillRect/>
+          </a:stretch>
+        </p:blipFill>
+        <p:spPr>
+          <a:xfrm>
+            <a:off x="1126378" y="3754675"/>
+            <a:ext cx="3302000" cy="2897083"/>
+          </a:xfrm>
+          <a:prstGeom prst="rect">
+            <a:avLst/>
+          </a:prstGeom>
+        </p:spPr>
+      </p:pic>
+      <p:sp>
+        <p:nvSpPr>
+          <p:cNvPr id="12" name="TextBox 11"/>
+          <p:cNvSpPr txBox="1"/>
+          <p:nvPr/>
+        </p:nvSpPr>
+        <p:spPr>
+          <a:xfrm>
+            <a:off x="3857310" y="1768523"/>
+            <a:ext cx="2238690" cy="369332"/>
+          </a:xfrm>
+          <a:prstGeom prst="rect">
+            <a:avLst/>
+          </a:prstGeom>
+          <a:noFill/>
+        </p:spPr>
+        <p:txBody>
+          <a:bodyPr wrap="none" rtlCol="0">
+            <a:spAutoFit/>
+          </a:bodyPr>
           <a:lstStyle/>
           <a:p>
             <a:r>
-              <a:rPr lang="en-US" dirty="0" smtClean="0"/>
-              <a:t>Development driven first by the </a:t>
-            </a:r>
-            <a:r>
-              <a:rPr lang="en-US" dirty="0" err="1" smtClean="0"/>
-              <a:t>Fitnesse</a:t>
-            </a:r>
-            <a:r>
-              <a:rPr lang="en-US" dirty="0" smtClean="0"/>
-              <a:t> / Service tests that describe the </a:t>
-            </a:r>
-            <a:r>
-              <a:rPr lang="en-US" dirty="0" err="1" smtClean="0"/>
-              <a:t>requirments</a:t>
-            </a:r>
-            <a:r>
-              <a:rPr lang="en-US" dirty="0" smtClean="0"/>
-              <a:t>.  Developer pairs with customer / analysts to complete </a:t>
-            </a:r>
-            <a:r>
-              <a:rPr lang="en-US" dirty="0" err="1" smtClean="0"/>
-              <a:t>fitnesse</a:t>
-            </a:r>
-            <a:r>
-              <a:rPr lang="en-US" dirty="0" smtClean="0"/>
-              <a:t> tests if necessary.</a:t>
-            </a:r>
-          </a:p>
-          <a:p>
+              <a:rPr lang="en-US" dirty="0" err="1" smtClean="0">
+                <a:hlinkClick r:id="rId6"/>
+              </a:rPr>
+              <a:t>DurationParserShould</a:t>
+            </a:r>
             <a:endParaRPr lang="en-US" dirty="0"/>
           </a:p>
-          <a:p>
-            <a:r>
-              <a:rPr lang="en-US" dirty="0"/>
-              <a:t>Unit tests written as code to implement </a:t>
-            </a:r>
-            <a:r>
-              <a:rPr lang="en-US" dirty="0" smtClean="0"/>
-              <a:t>as code built up to implement requirement.</a:t>
+        </p:txBody>
+      </p:sp>
+      <p:sp>
+        <p:nvSpPr>
+          <p:cNvPr id="13" name="TextBox 12"/>
+          <p:cNvSpPr txBox="1"/>
+          <p:nvPr/>
+        </p:nvSpPr>
+        <p:spPr>
+          <a:xfrm>
+            <a:off x="3848985" y="2031024"/>
+            <a:ext cx="2164119" cy="369332"/>
+          </a:xfrm>
+          <a:prstGeom prst="rect">
+            <a:avLst/>
+          </a:prstGeom>
+          <a:noFill/>
+        </p:spPr>
+        <p:txBody>
+          <a:bodyPr wrap="none" rtlCol="0">
+            <a:spAutoFit/>
+          </a:bodyPr>
+          <a:lstStyle/>
+          <a:p>
+            <a:r>
+              <a:rPr lang="en-US" dirty="0" err="1" smtClean="0">
+                <a:hlinkClick r:id="rId7"/>
+              </a:rPr>
+              <a:t>EDurationUnitShould</a:t>
             </a:r>
             <a:endParaRPr lang="en-US" dirty="0"/>
           </a:p>
-          <a:p>
+        </p:txBody>
+      </p:sp>
+      <p:sp>
+        <p:nvSpPr>
+          <p:cNvPr id="14" name="TextBox 13"/>
+          <p:cNvSpPr txBox="1"/>
+          <p:nvPr/>
+        </p:nvSpPr>
+        <p:spPr>
+          <a:xfrm>
+            <a:off x="6096000" y="1767765"/>
+            <a:ext cx="1661480" cy="369332"/>
+          </a:xfrm>
+          <a:prstGeom prst="rect">
+            <a:avLst/>
+          </a:prstGeom>
+          <a:noFill/>
+        </p:spPr>
+        <p:txBody>
+          <a:bodyPr wrap="none" rtlCol="0">
+            <a:spAutoFit/>
+          </a:bodyPr>
+          <a:lstStyle/>
+          <a:p>
+            <a:r>
+              <a:rPr lang="en-US" dirty="0" err="1" smtClean="0">
+                <a:hlinkClick r:id="rId8"/>
+              </a:rPr>
+              <a:t>DurationToDays</a:t>
+            </a:r>
             <a:endParaRPr lang="en-US" dirty="0"/>
           </a:p>
         </p:txBody>
@@ -3757,7 +5182,7 @@
     </p:spTree>
     <p:extLst>
       <p:ext uri="{BB962C8B-B14F-4D97-AF65-F5344CB8AC3E}">
-        <p14:creationId xmlns:p14="http://schemas.microsoft.com/office/powerpoint/2010/main" val="1254851648"/>
+        <p14:creationId xmlns:p14="http://schemas.microsoft.com/office/powerpoint/2010/main" val="933964897"/>
       </p:ext>
     </p:extLst>
   </p:cSld>
@@ -3775,6 +5200,2713 @@
 </file>
 
 <file path=ppt/slides/slide11.xml><?xml version="1.0" encoding="utf-8"?>
+<p:sld xmlns:a="http://schemas.openxmlformats.org/drawingml/2006/main" xmlns:r="http://schemas.openxmlformats.org/officeDocument/2006/relationships" xmlns:p="http://schemas.openxmlformats.org/presentationml/2006/main">
+  <p:cSld>
+    <p:spTree>
+      <p:nvGrpSpPr>
+        <p:cNvPr id="1" name=""/>
+        <p:cNvGrpSpPr/>
+        <p:nvPr/>
+      </p:nvGrpSpPr>
+      <p:grpSpPr>
+        <a:xfrm>
+          <a:off x="0" y="0"/>
+          <a:ext cx="0" cy="0"/>
+          <a:chOff x="0" y="0"/>
+          <a:chExt cx="0" cy="0"/>
+        </a:xfrm>
+      </p:grpSpPr>
+      <p:sp>
+        <p:nvSpPr>
+          <p:cNvPr id="2" name="Title 1"/>
+          <p:cNvSpPr>
+            <a:spLocks noGrp="1"/>
+          </p:cNvSpPr>
+          <p:nvPr>
+            <p:ph type="title"/>
+          </p:nvPr>
+        </p:nvSpPr>
+        <p:spPr/>
+        <p:txBody>
+          <a:bodyPr/>
+          <a:lstStyle/>
+          <a:p>
+            <a:r>
+              <a:rPr lang="en-US" dirty="0" smtClean="0"/>
+              <a:t>Duration Validation Rule Applied</a:t>
+            </a:r>
+            <a:endParaRPr lang="en-US" dirty="0"/>
+          </a:p>
+        </p:txBody>
+      </p:sp>
+      <p:graphicFrame>
+        <p:nvGraphicFramePr>
+          <p:cNvPr id="4" name="Content Placeholder 3"/>
+          <p:cNvGraphicFramePr>
+            <a:graphicFrameLocks noGrp="1"/>
+          </p:cNvGraphicFramePr>
+          <p:nvPr>
+            <p:ph idx="1"/>
+            <p:extLst>
+              <p:ext uri="{D42A27DB-BD31-4B8C-83A1-F6EECF244321}">
+                <p14:modId xmlns:p14="http://schemas.microsoft.com/office/powerpoint/2010/main" val="314275513"/>
+              </p:ext>
+            </p:extLst>
+          </p:nvPr>
+        </p:nvGraphicFramePr>
+        <p:xfrm>
+          <a:off x="838200" y="1481960"/>
+          <a:ext cx="10515600" cy="1285240"/>
+        </p:xfrm>
+        <a:graphic>
+          <a:graphicData uri="http://schemas.openxmlformats.org/drawingml/2006/table">
+            <a:tbl>
+              <a:tblPr firstRow="1" bandRow="1">
+                <a:tableStyleId>{5C22544A-7EE6-4342-B048-85BDC9FD1C3A}</a:tableStyleId>
+              </a:tblPr>
+              <a:tblGrid>
+                <a:gridCol w="3029465"/>
+                <a:gridCol w="3632592"/>
+                <a:gridCol w="2536372"/>
+                <a:gridCol w="1317171"/>
+              </a:tblGrid>
+              <a:tr h="370840">
+                <a:tc>
+                  <a:txBody>
+                    <a:bodyPr/>
+                    <a:lstStyle/>
+                    <a:p>
+                      <a:pPr algn="ctr"/>
+                      <a:r>
+                        <a:rPr lang="en-US" dirty="0" smtClean="0"/>
+                        <a:t>Feature Part</a:t>
+                      </a:r>
+                      <a:endParaRPr lang="en-US" dirty="0"/>
+                    </a:p>
+                  </a:txBody>
+                  <a:tcPr/>
+                </a:tc>
+                <a:tc>
+                  <a:txBody>
+                    <a:bodyPr/>
+                    <a:lstStyle/>
+                    <a:p>
+                      <a:r>
+                        <a:rPr lang="en-US" dirty="0" smtClean="0"/>
+                        <a:t>Unit (Junit/Jasmine)</a:t>
+                      </a:r>
+                      <a:endParaRPr lang="en-US" dirty="0"/>
+                    </a:p>
+                  </a:txBody>
+                  <a:tcPr/>
+                </a:tc>
+                <a:tc>
+                  <a:txBody>
+                    <a:bodyPr/>
+                    <a:lstStyle/>
+                    <a:p>
+                      <a:r>
+                        <a:rPr lang="en-US" dirty="0" smtClean="0"/>
+                        <a:t>Service (</a:t>
+                      </a:r>
+                      <a:r>
+                        <a:rPr lang="en-US" dirty="0" err="1" smtClean="0"/>
+                        <a:t>Fitnesse</a:t>
+                      </a:r>
+                      <a:r>
+                        <a:rPr lang="en-US" dirty="0" smtClean="0"/>
+                        <a:t>)</a:t>
+                      </a:r>
+                      <a:endParaRPr lang="en-US" dirty="0"/>
+                    </a:p>
+                  </a:txBody>
+                  <a:tcPr/>
+                </a:tc>
+                <a:tc>
+                  <a:txBody>
+                    <a:bodyPr/>
+                    <a:lstStyle/>
+                    <a:p>
+                      <a:r>
+                        <a:rPr lang="en-US" dirty="0" smtClean="0"/>
+                        <a:t>UI</a:t>
+                      </a:r>
+                      <a:endParaRPr lang="en-US" dirty="0"/>
+                    </a:p>
+                  </a:txBody>
+                  <a:tcPr/>
+                </a:tc>
+              </a:tr>
+              <a:tr h="370840">
+                <a:tc>
+                  <a:txBody>
+                    <a:bodyPr/>
+                    <a:lstStyle/>
+                    <a:p>
+                      <a:r>
+                        <a:rPr lang="en-US" dirty="0" smtClean="0"/>
+                        <a:t>Rule applied to prescription</a:t>
+                      </a:r>
+                      <a:r>
+                        <a:rPr lang="en-US" baseline="0" dirty="0" smtClean="0"/>
+                        <a:t> and appropriate response built</a:t>
+                      </a:r>
+                      <a:endParaRPr lang="en-US" dirty="0"/>
+                    </a:p>
+                  </a:txBody>
+                  <a:tcPr/>
+                </a:tc>
+                <a:tc>
+                  <a:txBody>
+                    <a:bodyPr/>
+                    <a:lstStyle/>
+                    <a:p>
+                      <a:endParaRPr lang="en-US" dirty="0"/>
+                    </a:p>
+                  </a:txBody>
+                  <a:tcPr/>
+                </a:tc>
+                <a:tc>
+                  <a:txBody>
+                    <a:bodyPr/>
+                    <a:lstStyle/>
+                    <a:p>
+                      <a:endParaRPr lang="en-US" dirty="0"/>
+                    </a:p>
+                  </a:txBody>
+                  <a:tcPr/>
+                </a:tc>
+                <a:tc>
+                  <a:txBody>
+                    <a:bodyPr/>
+                    <a:lstStyle/>
+                    <a:p>
+                      <a:endParaRPr lang="en-US" dirty="0"/>
+                    </a:p>
+                  </a:txBody>
+                  <a:tcPr/>
+                </a:tc>
+              </a:tr>
+            </a:tbl>
+          </a:graphicData>
+        </a:graphic>
+      </p:graphicFrame>
+      <p:cxnSp>
+        <p:nvCxnSpPr>
+          <p:cNvPr id="10" name="Straight Arrow Connector 9"/>
+          <p:cNvCxnSpPr/>
+          <p:nvPr/>
+        </p:nvCxnSpPr>
+        <p:spPr>
+          <a:xfrm flipH="1">
+            <a:off x="4709983" y="2644908"/>
+            <a:ext cx="254483" cy="352486"/>
+          </a:xfrm>
+          <a:prstGeom prst="straightConnector1">
+            <a:avLst/>
+          </a:prstGeom>
+          <a:ln w="38100">
+            <a:tailEnd type="triangle"/>
+          </a:ln>
+        </p:spPr>
+        <p:style>
+          <a:lnRef idx="1">
+            <a:schemeClr val="accent1"/>
+          </a:lnRef>
+          <a:fillRef idx="0">
+            <a:schemeClr val="accent1"/>
+          </a:fillRef>
+          <a:effectRef idx="0">
+            <a:schemeClr val="accent1"/>
+          </a:effectRef>
+          <a:fontRef idx="minor">
+            <a:schemeClr val="tx1"/>
+          </a:fontRef>
+        </p:style>
+      </p:cxnSp>
+      <p:cxnSp>
+        <p:nvCxnSpPr>
+          <p:cNvPr id="11" name="Straight Arrow Connector 10"/>
+          <p:cNvCxnSpPr/>
+          <p:nvPr/>
+        </p:nvCxnSpPr>
+        <p:spPr>
+          <a:xfrm>
+            <a:off x="8451563" y="2247349"/>
+            <a:ext cx="433533" cy="627753"/>
+          </a:xfrm>
+          <a:prstGeom prst="straightConnector1">
+            <a:avLst/>
+          </a:prstGeom>
+          <a:ln w="38100">
+            <a:tailEnd type="triangle"/>
+          </a:ln>
+        </p:spPr>
+        <p:style>
+          <a:lnRef idx="1">
+            <a:schemeClr val="accent1"/>
+          </a:lnRef>
+          <a:fillRef idx="0">
+            <a:schemeClr val="accent1"/>
+          </a:fillRef>
+          <a:effectRef idx="0">
+            <a:schemeClr val="accent1"/>
+          </a:effectRef>
+          <a:fontRef idx="minor">
+            <a:schemeClr val="tx1"/>
+          </a:fontRef>
+        </p:style>
+      </p:cxnSp>
+      <p:sp>
+        <p:nvSpPr>
+          <p:cNvPr id="12" name="TextBox 11"/>
+          <p:cNvSpPr txBox="1"/>
+          <p:nvPr/>
+        </p:nvSpPr>
+        <p:spPr>
+          <a:xfrm>
+            <a:off x="3857310" y="1768523"/>
+            <a:ext cx="1897507" cy="369332"/>
+          </a:xfrm>
+          <a:prstGeom prst="rect">
+            <a:avLst/>
+          </a:prstGeom>
+          <a:noFill/>
+        </p:spPr>
+        <p:txBody>
+          <a:bodyPr wrap="none" rtlCol="0">
+            <a:spAutoFit/>
+          </a:bodyPr>
+          <a:lstStyle/>
+          <a:p>
+            <a:r>
+              <a:rPr lang="en-US" dirty="0" err="1" smtClean="0">
+                <a:hlinkClick r:id="rId3"/>
+              </a:rPr>
+              <a:t>RxValidatorShould</a:t>
+            </a:r>
+            <a:endParaRPr lang="en-US" dirty="0"/>
+          </a:p>
+        </p:txBody>
+      </p:sp>
+      <p:sp>
+        <p:nvSpPr>
+          <p:cNvPr id="13" name="TextBox 12"/>
+          <p:cNvSpPr txBox="1"/>
+          <p:nvPr/>
+        </p:nvSpPr>
+        <p:spPr>
+          <a:xfrm>
+            <a:off x="3848985" y="2031024"/>
+            <a:ext cx="3632598" cy="369332"/>
+          </a:xfrm>
+          <a:prstGeom prst="rect">
+            <a:avLst/>
+          </a:prstGeom>
+          <a:noFill/>
+        </p:spPr>
+        <p:txBody>
+          <a:bodyPr wrap="none" rtlCol="0">
+            <a:spAutoFit/>
+          </a:bodyPr>
+          <a:lstStyle/>
+          <a:p>
+            <a:r>
+              <a:rPr lang="en-US" dirty="0" err="1" smtClean="0">
+                <a:hlinkClick r:id="rId4"/>
+              </a:rPr>
+              <a:t>OpiateDurationValidationRuleShould</a:t>
+            </a:r>
+            <a:endParaRPr lang="en-US" dirty="0"/>
+          </a:p>
+        </p:txBody>
+      </p:sp>
+      <p:sp>
+        <p:nvSpPr>
+          <p:cNvPr id="14" name="TextBox 13"/>
+          <p:cNvSpPr txBox="1"/>
+          <p:nvPr/>
+        </p:nvSpPr>
+        <p:spPr>
+          <a:xfrm>
+            <a:off x="7601392" y="1865589"/>
+            <a:ext cx="2047548" cy="369332"/>
+          </a:xfrm>
+          <a:prstGeom prst="rect">
+            <a:avLst/>
+          </a:prstGeom>
+          <a:noFill/>
+        </p:spPr>
+        <p:txBody>
+          <a:bodyPr wrap="none" rtlCol="0">
+            <a:spAutoFit/>
+          </a:bodyPr>
+          <a:lstStyle/>
+          <a:p>
+            <a:r>
+              <a:rPr lang="en-US" dirty="0" smtClean="0">
+                <a:hlinkClick r:id="rId5"/>
+              </a:rPr>
+              <a:t>OpiateDurationRule</a:t>
+            </a:r>
+            <a:endParaRPr lang="en-US" dirty="0"/>
+          </a:p>
+        </p:txBody>
+      </p:sp>
+      <p:sp>
+        <p:nvSpPr>
+          <p:cNvPr id="15" name="TextBox 14"/>
+          <p:cNvSpPr txBox="1"/>
+          <p:nvPr/>
+        </p:nvSpPr>
+        <p:spPr>
+          <a:xfrm>
+            <a:off x="3861521" y="2305622"/>
+            <a:ext cx="3680688" cy="369332"/>
+          </a:xfrm>
+          <a:prstGeom prst="rect">
+            <a:avLst/>
+          </a:prstGeom>
+          <a:noFill/>
+        </p:spPr>
+        <p:txBody>
+          <a:bodyPr wrap="none" rtlCol="0">
+            <a:spAutoFit/>
+          </a:bodyPr>
+          <a:lstStyle/>
+          <a:p>
+            <a:r>
+              <a:rPr lang="en-US" dirty="0" err="1" smtClean="0">
+                <a:hlinkClick r:id="rId6"/>
+              </a:rPr>
+              <a:t>ValidatePrescriptionCommandShould</a:t>
+            </a:r>
+            <a:endParaRPr lang="en-US" dirty="0"/>
+          </a:p>
+        </p:txBody>
+      </p:sp>
+      <p:pic>
+        <p:nvPicPr>
+          <p:cNvPr id="5" name="Picture 4"/>
+          <p:cNvPicPr>
+            <a:picLocks noChangeAspect="1"/>
+          </p:cNvPicPr>
+          <p:nvPr/>
+        </p:nvPicPr>
+        <p:blipFill>
+          <a:blip r:embed="rId7">
+            <a:extLst>
+              <a:ext uri="{28A0092B-C50C-407E-A947-70E740481C1C}">
+                <a14:useLocalDpi xmlns:a14="http://schemas.microsoft.com/office/drawing/2010/main" val="0"/>
+              </a:ext>
+            </a:extLst>
+          </a:blip>
+          <a:stretch>
+            <a:fillRect/>
+          </a:stretch>
+        </p:blipFill>
+        <p:spPr>
+          <a:xfrm>
+            <a:off x="5097975" y="2934967"/>
+            <a:ext cx="6407918" cy="2649567"/>
+          </a:xfrm>
+          <a:prstGeom prst="rect">
+            <a:avLst/>
+          </a:prstGeom>
+        </p:spPr>
+      </p:pic>
+      <p:pic>
+        <p:nvPicPr>
+          <p:cNvPr id="9" name="Picture 8"/>
+          <p:cNvPicPr>
+            <a:picLocks noChangeAspect="1"/>
+          </p:cNvPicPr>
+          <p:nvPr/>
+        </p:nvPicPr>
+        <p:blipFill>
+          <a:blip r:embed="rId8">
+            <a:extLst>
+              <a:ext uri="{28A0092B-C50C-407E-A947-70E740481C1C}">
+                <a14:useLocalDpi xmlns:a14="http://schemas.microsoft.com/office/drawing/2010/main" val="0"/>
+              </a:ext>
+            </a:extLst>
+          </a:blip>
+          <a:stretch>
+            <a:fillRect/>
+          </a:stretch>
+        </p:blipFill>
+        <p:spPr>
+          <a:xfrm>
+            <a:off x="838200" y="2934967"/>
+            <a:ext cx="3498606" cy="2587464"/>
+          </a:xfrm>
+          <a:prstGeom prst="rect">
+            <a:avLst/>
+          </a:prstGeom>
+        </p:spPr>
+      </p:pic>
+    </p:spTree>
+    <p:extLst>
+      <p:ext uri="{BB962C8B-B14F-4D97-AF65-F5344CB8AC3E}">
+        <p14:creationId xmlns:p14="http://schemas.microsoft.com/office/powerpoint/2010/main" val="1271963336"/>
+      </p:ext>
+    </p:extLst>
+  </p:cSld>
+  <p:clrMapOvr>
+    <a:masterClrMapping/>
+  </p:clrMapOvr>
+  <p:timing>
+    <p:tnLst>
+      <p:par>
+        <p:cTn id="1" dur="indefinite" restart="never" nodeType="tmRoot"/>
+      </p:par>
+    </p:tnLst>
+  </p:timing>
+</p:sld>
+</file>
+
+<file path=ppt/slides/slide12.xml><?xml version="1.0" encoding="utf-8"?>
+<p:sld xmlns:a="http://schemas.openxmlformats.org/drawingml/2006/main" xmlns:r="http://schemas.openxmlformats.org/officeDocument/2006/relationships" xmlns:p="http://schemas.openxmlformats.org/presentationml/2006/main">
+  <p:cSld>
+    <p:spTree>
+      <p:nvGrpSpPr>
+        <p:cNvPr id="1" name=""/>
+        <p:cNvGrpSpPr/>
+        <p:nvPr/>
+      </p:nvGrpSpPr>
+      <p:grpSpPr>
+        <a:xfrm>
+          <a:off x="0" y="0"/>
+          <a:ext cx="0" cy="0"/>
+          <a:chOff x="0" y="0"/>
+          <a:chExt cx="0" cy="0"/>
+        </a:xfrm>
+      </p:grpSpPr>
+      <p:sp>
+        <p:nvSpPr>
+          <p:cNvPr id="2" name="Title 1"/>
+          <p:cNvSpPr>
+            <a:spLocks noGrp="1"/>
+          </p:cNvSpPr>
+          <p:nvPr>
+            <p:ph type="title"/>
+          </p:nvPr>
+        </p:nvSpPr>
+        <p:spPr/>
+        <p:txBody>
+          <a:bodyPr/>
+          <a:lstStyle/>
+          <a:p>
+            <a:r>
+              <a:rPr lang="en-US" dirty="0" smtClean="0"/>
+              <a:t>Inform User in UI if Rule Violated</a:t>
+            </a:r>
+            <a:endParaRPr lang="en-US" dirty="0"/>
+          </a:p>
+        </p:txBody>
+      </p:sp>
+      <p:graphicFrame>
+        <p:nvGraphicFramePr>
+          <p:cNvPr id="4" name="Content Placeholder 3"/>
+          <p:cNvGraphicFramePr>
+            <a:graphicFrameLocks noGrp="1"/>
+          </p:cNvGraphicFramePr>
+          <p:nvPr>
+            <p:ph idx="1"/>
+            <p:extLst>
+              <p:ext uri="{D42A27DB-BD31-4B8C-83A1-F6EECF244321}">
+                <p14:modId xmlns:p14="http://schemas.microsoft.com/office/powerpoint/2010/main" val="672923477"/>
+              </p:ext>
+            </p:extLst>
+          </p:nvPr>
+        </p:nvGraphicFramePr>
+        <p:xfrm>
+          <a:off x="838200" y="1481960"/>
+          <a:ext cx="10515600" cy="1280160"/>
+        </p:xfrm>
+        <a:graphic>
+          <a:graphicData uri="http://schemas.openxmlformats.org/drawingml/2006/table">
+            <a:tbl>
+              <a:tblPr firstRow="1" bandRow="1">
+                <a:tableStyleId>{5C22544A-7EE6-4342-B048-85BDC9FD1C3A}</a:tableStyleId>
+              </a:tblPr>
+              <a:tblGrid>
+                <a:gridCol w="3029465"/>
+                <a:gridCol w="3632592"/>
+                <a:gridCol w="1164772"/>
+                <a:gridCol w="2688771"/>
+              </a:tblGrid>
+              <a:tr h="370840">
+                <a:tc>
+                  <a:txBody>
+                    <a:bodyPr/>
+                    <a:lstStyle/>
+                    <a:p>
+                      <a:pPr algn="ctr"/>
+                      <a:r>
+                        <a:rPr lang="en-US" dirty="0" smtClean="0"/>
+                        <a:t>Feature Part</a:t>
+                      </a:r>
+                      <a:endParaRPr lang="en-US" dirty="0"/>
+                    </a:p>
+                  </a:txBody>
+                  <a:tcPr/>
+                </a:tc>
+                <a:tc>
+                  <a:txBody>
+                    <a:bodyPr/>
+                    <a:lstStyle/>
+                    <a:p>
+                      <a:r>
+                        <a:rPr lang="en-US" dirty="0" smtClean="0"/>
+                        <a:t>Unit (Junit/Jasmine)</a:t>
+                      </a:r>
+                      <a:endParaRPr lang="en-US" dirty="0"/>
+                    </a:p>
+                  </a:txBody>
+                  <a:tcPr/>
+                </a:tc>
+                <a:tc>
+                  <a:txBody>
+                    <a:bodyPr/>
+                    <a:lstStyle/>
+                    <a:p>
+                      <a:r>
+                        <a:rPr lang="en-US" dirty="0" smtClean="0"/>
+                        <a:t>Service (</a:t>
+                      </a:r>
+                      <a:r>
+                        <a:rPr lang="en-US" dirty="0" err="1" smtClean="0"/>
+                        <a:t>Fitnesse</a:t>
+                      </a:r>
+                      <a:r>
+                        <a:rPr lang="en-US" dirty="0" smtClean="0"/>
+                        <a:t>)</a:t>
+                      </a:r>
+                      <a:endParaRPr lang="en-US" dirty="0"/>
+                    </a:p>
+                  </a:txBody>
+                  <a:tcPr/>
+                </a:tc>
+                <a:tc>
+                  <a:txBody>
+                    <a:bodyPr/>
+                    <a:lstStyle/>
+                    <a:p>
+                      <a:r>
+                        <a:rPr lang="en-US" dirty="0" smtClean="0"/>
+                        <a:t>UI (Selenium</a:t>
+                      </a:r>
+                      <a:r>
+                        <a:rPr lang="en-US" baseline="0" dirty="0" smtClean="0"/>
+                        <a:t> / Java)</a:t>
+                      </a:r>
+                      <a:endParaRPr lang="en-US" dirty="0"/>
+                    </a:p>
+                  </a:txBody>
+                  <a:tcPr/>
+                </a:tc>
+              </a:tr>
+              <a:tr h="370840">
+                <a:tc>
+                  <a:txBody>
+                    <a:bodyPr/>
+                    <a:lstStyle/>
+                    <a:p>
+                      <a:r>
+                        <a:rPr lang="en-US" dirty="0" smtClean="0"/>
+                        <a:t>Inform</a:t>
+                      </a:r>
+                      <a:r>
+                        <a:rPr lang="en-US" baseline="0" dirty="0" smtClean="0"/>
+                        <a:t> user in UI if rule violated</a:t>
+                      </a:r>
+                      <a:endParaRPr lang="en-US" dirty="0"/>
+                    </a:p>
+                  </a:txBody>
+                  <a:tcPr/>
+                </a:tc>
+                <a:tc>
+                  <a:txBody>
+                    <a:bodyPr/>
+                    <a:lstStyle/>
+                    <a:p>
+                      <a:endParaRPr lang="en-US" dirty="0"/>
+                    </a:p>
+                  </a:txBody>
+                  <a:tcPr/>
+                </a:tc>
+                <a:tc>
+                  <a:txBody>
+                    <a:bodyPr/>
+                    <a:lstStyle/>
+                    <a:p>
+                      <a:endParaRPr lang="en-US" dirty="0"/>
+                    </a:p>
+                  </a:txBody>
+                  <a:tcPr/>
+                </a:tc>
+                <a:tc>
+                  <a:txBody>
+                    <a:bodyPr/>
+                    <a:lstStyle/>
+                    <a:p>
+                      <a:endParaRPr lang="en-US" dirty="0"/>
+                    </a:p>
+                  </a:txBody>
+                  <a:tcPr/>
+                </a:tc>
+              </a:tr>
+            </a:tbl>
+          </a:graphicData>
+        </a:graphic>
+      </p:graphicFrame>
+      <p:cxnSp>
+        <p:nvCxnSpPr>
+          <p:cNvPr id="10" name="Straight Arrow Connector 9"/>
+          <p:cNvCxnSpPr/>
+          <p:nvPr/>
+        </p:nvCxnSpPr>
+        <p:spPr>
+          <a:xfrm flipH="1">
+            <a:off x="4709983" y="2644908"/>
+            <a:ext cx="254483" cy="352486"/>
+          </a:xfrm>
+          <a:prstGeom prst="straightConnector1">
+            <a:avLst/>
+          </a:prstGeom>
+          <a:ln w="38100">
+            <a:tailEnd type="triangle"/>
+          </a:ln>
+        </p:spPr>
+        <p:style>
+          <a:lnRef idx="1">
+            <a:schemeClr val="accent1"/>
+          </a:lnRef>
+          <a:fillRef idx="0">
+            <a:schemeClr val="accent1"/>
+          </a:fillRef>
+          <a:effectRef idx="0">
+            <a:schemeClr val="accent1"/>
+          </a:effectRef>
+          <a:fontRef idx="minor">
+            <a:schemeClr val="tx1"/>
+          </a:fontRef>
+        </p:style>
+      </p:cxnSp>
+      <p:sp>
+        <p:nvSpPr>
+          <p:cNvPr id="12" name="TextBox 11"/>
+          <p:cNvSpPr txBox="1"/>
+          <p:nvPr/>
+        </p:nvSpPr>
+        <p:spPr>
+          <a:xfrm>
+            <a:off x="3857310" y="1768523"/>
+            <a:ext cx="1897507" cy="369332"/>
+          </a:xfrm>
+          <a:prstGeom prst="rect">
+            <a:avLst/>
+          </a:prstGeom>
+          <a:noFill/>
+        </p:spPr>
+        <p:txBody>
+          <a:bodyPr wrap="none" rtlCol="0">
+            <a:spAutoFit/>
+          </a:bodyPr>
+          <a:lstStyle/>
+          <a:p>
+            <a:r>
+              <a:rPr lang="en-US" dirty="0" err="1" smtClean="0">
+                <a:hlinkClick r:id="rId3"/>
+              </a:rPr>
+              <a:t>RxValidatorShould</a:t>
+            </a:r>
+            <a:endParaRPr lang="en-US" dirty="0"/>
+          </a:p>
+        </p:txBody>
+      </p:sp>
+      <p:sp>
+        <p:nvSpPr>
+          <p:cNvPr id="13" name="TextBox 12"/>
+          <p:cNvSpPr txBox="1"/>
+          <p:nvPr/>
+        </p:nvSpPr>
+        <p:spPr>
+          <a:xfrm>
+            <a:off x="3848985" y="2031024"/>
+            <a:ext cx="3653501" cy="646331"/>
+          </a:xfrm>
+          <a:prstGeom prst="rect">
+            <a:avLst/>
+          </a:prstGeom>
+          <a:noFill/>
+        </p:spPr>
+        <p:txBody>
+          <a:bodyPr wrap="none" rtlCol="0">
+            <a:spAutoFit/>
+          </a:bodyPr>
+          <a:lstStyle/>
+          <a:p>
+            <a:r>
+              <a:rPr lang="en-US" dirty="0" err="1" smtClean="0">
+                <a:hlinkClick r:id="rId4"/>
+              </a:rPr>
+              <a:t>App.spec.js</a:t>
+            </a:r>
+            <a:endParaRPr lang="en-US" dirty="0" smtClean="0"/>
+          </a:p>
+          <a:p>
+            <a:r>
+              <a:rPr lang="en-US" dirty="0" err="1" smtClean="0">
+                <a:hlinkClick r:id="rId5"/>
+              </a:rPr>
+              <a:t>RxValidationResponseHandler.spec.js</a:t>
+            </a:r>
+            <a:endParaRPr lang="en-US" dirty="0"/>
+          </a:p>
+        </p:txBody>
+      </p:sp>
+      <p:pic>
+        <p:nvPicPr>
+          <p:cNvPr id="9" name="Picture 8"/>
+          <p:cNvPicPr>
+            <a:picLocks noChangeAspect="1"/>
+          </p:cNvPicPr>
+          <p:nvPr/>
+        </p:nvPicPr>
+        <p:blipFill>
+          <a:blip r:embed="rId6">
+            <a:extLst>
+              <a:ext uri="{28A0092B-C50C-407E-A947-70E740481C1C}">
+                <a14:useLocalDpi xmlns:a14="http://schemas.microsoft.com/office/drawing/2010/main" val="0"/>
+              </a:ext>
+            </a:extLst>
+          </a:blip>
+          <a:stretch>
+            <a:fillRect/>
+          </a:stretch>
+        </p:blipFill>
+        <p:spPr>
+          <a:xfrm>
+            <a:off x="838200" y="2934967"/>
+            <a:ext cx="3498606" cy="2587464"/>
+          </a:xfrm>
+          <a:prstGeom prst="rect">
+            <a:avLst/>
+          </a:prstGeom>
+        </p:spPr>
+      </p:pic>
+    </p:spTree>
+    <p:extLst>
+      <p:ext uri="{BB962C8B-B14F-4D97-AF65-F5344CB8AC3E}">
+        <p14:creationId xmlns:p14="http://schemas.microsoft.com/office/powerpoint/2010/main" val="412678924"/>
+      </p:ext>
+    </p:extLst>
+  </p:cSld>
+  <p:clrMapOvr>
+    <a:masterClrMapping/>
+  </p:clrMapOvr>
+  <p:timing>
+    <p:tnLst>
+      <p:par>
+        <p:cTn id="1" dur="indefinite" restart="never" nodeType="tmRoot"/>
+      </p:par>
+    </p:tnLst>
+  </p:timing>
+</p:sld>
+</file>
+
+<file path=ppt/slides/slide13.xml><?xml version="1.0" encoding="utf-8"?>
+<p:sld xmlns:a="http://schemas.openxmlformats.org/drawingml/2006/main" xmlns:r="http://schemas.openxmlformats.org/officeDocument/2006/relationships" xmlns:p="http://schemas.openxmlformats.org/presentationml/2006/main">
+  <p:cSld>
+    <p:spTree>
+      <p:nvGrpSpPr>
+        <p:cNvPr id="1" name=""/>
+        <p:cNvGrpSpPr/>
+        <p:nvPr/>
+      </p:nvGrpSpPr>
+      <p:grpSpPr>
+        <a:xfrm>
+          <a:off x="0" y="0"/>
+          <a:ext cx="0" cy="0"/>
+          <a:chOff x="0" y="0"/>
+          <a:chExt cx="0" cy="0"/>
+        </a:xfrm>
+      </p:grpSpPr>
+      <p:sp>
+        <p:nvSpPr>
+          <p:cNvPr id="2" name="Title 1"/>
+          <p:cNvSpPr>
+            <a:spLocks noGrp="1"/>
+          </p:cNvSpPr>
+          <p:nvPr>
+            <p:ph type="title"/>
+          </p:nvPr>
+        </p:nvSpPr>
+        <p:spPr/>
+        <p:txBody>
+          <a:bodyPr/>
+          <a:lstStyle/>
+          <a:p>
+            <a:r>
+              <a:rPr lang="en-US" dirty="0" smtClean="0"/>
+              <a:t>Team Process and Habits</a:t>
+            </a:r>
+            <a:endParaRPr lang="en-US" dirty="0"/>
+          </a:p>
+        </p:txBody>
+      </p:sp>
+      <p:sp>
+        <p:nvSpPr>
+          <p:cNvPr id="3" name="Content Placeholder 2"/>
+          <p:cNvSpPr>
+            <a:spLocks noGrp="1"/>
+          </p:cNvSpPr>
+          <p:nvPr>
+            <p:ph idx="1"/>
+          </p:nvPr>
+        </p:nvSpPr>
+        <p:spPr/>
+        <p:txBody>
+          <a:bodyPr/>
+          <a:lstStyle/>
+          <a:p>
+            <a:endParaRPr lang="en-US" dirty="0"/>
+          </a:p>
+        </p:txBody>
+      </p:sp>
+    </p:spTree>
+    <p:extLst>
+      <p:ext uri="{BB962C8B-B14F-4D97-AF65-F5344CB8AC3E}">
+        <p14:creationId xmlns:p14="http://schemas.microsoft.com/office/powerpoint/2010/main" val="73434570"/>
+      </p:ext>
+    </p:extLst>
+  </p:cSld>
+  <p:clrMapOvr>
+    <a:masterClrMapping/>
+  </p:clrMapOvr>
+</p:sld>
+</file>
+
+<file path=ppt/slides/slide14.xml><?xml version="1.0" encoding="utf-8"?>
+<p:sld xmlns:a="http://schemas.openxmlformats.org/drawingml/2006/main" xmlns:r="http://schemas.openxmlformats.org/officeDocument/2006/relationships" xmlns:p="http://schemas.openxmlformats.org/presentationml/2006/main">
+  <p:cSld>
+    <p:spTree>
+      <p:nvGrpSpPr>
+        <p:cNvPr id="1" name=""/>
+        <p:cNvGrpSpPr/>
+        <p:nvPr/>
+      </p:nvGrpSpPr>
+      <p:grpSpPr>
+        <a:xfrm>
+          <a:off x="0" y="0"/>
+          <a:ext cx="0" cy="0"/>
+          <a:chOff x="0" y="0"/>
+          <a:chExt cx="0" cy="0"/>
+        </a:xfrm>
+      </p:grpSpPr>
+      <p:sp>
+        <p:nvSpPr>
+          <p:cNvPr id="2" name="Title 1"/>
+          <p:cNvSpPr>
+            <a:spLocks noGrp="1"/>
+          </p:cNvSpPr>
+          <p:nvPr>
+            <p:ph type="title"/>
+          </p:nvPr>
+        </p:nvSpPr>
+        <p:spPr/>
+        <p:txBody>
+          <a:bodyPr/>
+          <a:lstStyle/>
+          <a:p>
+            <a:r>
+              <a:rPr lang="en-US" dirty="0" smtClean="0"/>
+              <a:t>References</a:t>
+            </a:r>
+            <a:endParaRPr lang="en-US" dirty="0"/>
+          </a:p>
+        </p:txBody>
+      </p:sp>
+      <p:sp>
+        <p:nvSpPr>
+          <p:cNvPr id="3" name="Content Placeholder 2"/>
+          <p:cNvSpPr>
+            <a:spLocks noGrp="1"/>
+          </p:cNvSpPr>
+          <p:nvPr>
+            <p:ph idx="1"/>
+          </p:nvPr>
+        </p:nvSpPr>
+        <p:spPr/>
+        <p:txBody>
+          <a:bodyPr/>
+          <a:lstStyle/>
+          <a:p>
+            <a:r>
+              <a:rPr lang="en-US" dirty="0" smtClean="0"/>
+              <a:t>Succeeding with Agile: Software Development Using Scrum by Mike Cohn, Addison-Wesley, 2009</a:t>
+            </a:r>
+          </a:p>
+          <a:p>
+            <a:r>
+              <a:rPr lang="en-US" dirty="0" smtClean="0">
+                <a:hlinkClick r:id="rId3"/>
+              </a:rPr>
+              <a:t>The Forgotten Layer of the Test Automation </a:t>
+            </a:r>
+            <a:r>
+              <a:rPr lang="en-US" dirty="0" smtClean="0">
+                <a:hlinkClick r:id="rId3"/>
+              </a:rPr>
+              <a:t>Pyramid</a:t>
+            </a:r>
+            <a:r>
+              <a:rPr lang="en-US" dirty="0"/>
+              <a:t>:</a:t>
+            </a:r>
+            <a:r>
+              <a:rPr lang="en-US" dirty="0" smtClean="0"/>
+              <a:t> </a:t>
+            </a:r>
+            <a:r>
+              <a:rPr lang="en-US" dirty="0" smtClean="0"/>
+              <a:t>Mike Cohn, 2009.</a:t>
+            </a:r>
+          </a:p>
+          <a:p>
+            <a:r>
+              <a:rPr lang="en-US" dirty="0" smtClean="0">
+                <a:hlinkClick r:id="rId4"/>
+              </a:rPr>
+              <a:t>TestPyramid</a:t>
+            </a:r>
+            <a:r>
+              <a:rPr lang="en-US" dirty="0" smtClean="0"/>
+              <a:t>: </a:t>
+            </a:r>
+            <a:r>
+              <a:rPr lang="en-US" dirty="0" smtClean="0"/>
+              <a:t>Martin </a:t>
+            </a:r>
+            <a:r>
+              <a:rPr lang="en-US" dirty="0" smtClean="0"/>
+              <a:t>Fowler, </a:t>
+            </a:r>
+            <a:r>
+              <a:rPr lang="en-US" dirty="0" smtClean="0"/>
+              <a:t>2012.</a:t>
+            </a:r>
+          </a:p>
+          <a:p>
+            <a:r>
+              <a:rPr lang="en-US" dirty="0" smtClean="0">
+                <a:hlinkClick r:id="rId5"/>
+              </a:rPr>
+              <a:t>Small, Medium, Large</a:t>
+            </a:r>
+            <a:r>
+              <a:rPr lang="en-US" dirty="0" smtClean="0"/>
+              <a:t>: Mike Bland, 2011.</a:t>
+            </a:r>
+            <a:endParaRPr lang="en-US" dirty="0" smtClean="0"/>
+          </a:p>
+        </p:txBody>
+      </p:sp>
+    </p:spTree>
+    <p:extLst>
+      <p:ext uri="{BB962C8B-B14F-4D97-AF65-F5344CB8AC3E}">
+        <p14:creationId xmlns:p14="http://schemas.microsoft.com/office/powerpoint/2010/main" val="1201606013"/>
+      </p:ext>
+    </p:extLst>
+  </p:cSld>
+  <p:clrMapOvr>
+    <a:masterClrMapping/>
+  </p:clrMapOvr>
+</p:sld>
+</file>
+
+<file path=ppt/slides/slide2.xml><?xml version="1.0" encoding="utf-8"?>
+<p:sld xmlns:a="http://schemas.openxmlformats.org/drawingml/2006/main" xmlns:r="http://schemas.openxmlformats.org/officeDocument/2006/relationships" xmlns:p="http://schemas.openxmlformats.org/presentationml/2006/main">
+  <p:cSld>
+    <p:spTree>
+      <p:nvGrpSpPr>
+        <p:cNvPr id="1" name=""/>
+        <p:cNvGrpSpPr/>
+        <p:nvPr/>
+      </p:nvGrpSpPr>
+      <p:grpSpPr>
+        <a:xfrm>
+          <a:off x="0" y="0"/>
+          <a:ext cx="0" cy="0"/>
+          <a:chOff x="0" y="0"/>
+          <a:chExt cx="0" cy="0"/>
+        </a:xfrm>
+      </p:grpSpPr>
+      <p:sp>
+        <p:nvSpPr>
+          <p:cNvPr id="2" name="Title 1"/>
+          <p:cNvSpPr>
+            <a:spLocks noGrp="1"/>
+          </p:cNvSpPr>
+          <p:nvPr>
+            <p:ph type="title"/>
+          </p:nvPr>
+        </p:nvSpPr>
+        <p:spPr/>
+        <p:txBody>
+          <a:bodyPr/>
+          <a:lstStyle/>
+          <a:p>
+            <a:r>
+              <a:rPr lang="en-US" dirty="0" smtClean="0"/>
+              <a:t>Mike Cohn’s Test Pyramid</a:t>
+            </a:r>
+            <a:endParaRPr lang="en-US" dirty="0"/>
+          </a:p>
+        </p:txBody>
+      </p:sp>
+      <p:pic>
+        <p:nvPicPr>
+          <p:cNvPr id="4" name="Content Placeholder 3"/>
+          <p:cNvPicPr>
+            <a:picLocks noGrp="1" noChangeAspect="1"/>
+          </p:cNvPicPr>
+          <p:nvPr>
+            <p:ph idx="1"/>
+          </p:nvPr>
+        </p:nvPicPr>
+        <p:blipFill>
+          <a:blip r:embed="rId3">
+            <a:extLst>
+              <a:ext uri="{28A0092B-C50C-407E-A947-70E740481C1C}">
+                <a14:useLocalDpi xmlns:a14="http://schemas.microsoft.com/office/drawing/2010/main" val="0"/>
+              </a:ext>
+            </a:extLst>
+          </a:blip>
+          <a:stretch>
+            <a:fillRect/>
+          </a:stretch>
+        </p:blipFill>
+        <p:spPr>
+          <a:xfrm>
+            <a:off x="311321" y="1690688"/>
+            <a:ext cx="5669933" cy="3964524"/>
+          </a:xfrm>
+        </p:spPr>
+      </p:pic>
+      <p:sp>
+        <p:nvSpPr>
+          <p:cNvPr id="6" name="Rectangle 5"/>
+          <p:cNvSpPr/>
+          <p:nvPr/>
+        </p:nvSpPr>
+        <p:spPr>
+          <a:xfrm>
+            <a:off x="6096000" y="1690686"/>
+            <a:ext cx="4496972" cy="2677656"/>
+          </a:xfrm>
+          <a:prstGeom prst="rect">
+            <a:avLst/>
+          </a:prstGeom>
+        </p:spPr>
+        <p:txBody>
+          <a:bodyPr wrap="square">
+            <a:spAutoFit/>
+          </a:bodyPr>
+          <a:lstStyle/>
+          <a:p>
+            <a:pPr marL="285750" indent="-285750">
+              <a:buFont typeface="Arial" charset="0"/>
+              <a:buChar char="•"/>
+            </a:pPr>
+            <a:r>
+              <a:rPr lang="en-US" sz="2400" dirty="0" smtClean="0"/>
+              <a:t>Foundational base of unit tests.</a:t>
+            </a:r>
+          </a:p>
+          <a:p>
+            <a:pPr marL="285750" indent="-285750">
+              <a:buFont typeface="Arial" charset="0"/>
+              <a:buChar char="•"/>
+            </a:pPr>
+            <a:r>
+              <a:rPr lang="en-US" sz="2400" dirty="0" smtClean="0"/>
+              <a:t>Minimum necessary tests through user interface.</a:t>
+            </a:r>
+          </a:p>
+          <a:p>
+            <a:pPr marL="285750" indent="-285750">
+              <a:buFont typeface="Arial" charset="0"/>
+              <a:buChar char="•"/>
+            </a:pPr>
+            <a:r>
+              <a:rPr lang="en-US" sz="2400" dirty="0" smtClean="0"/>
+              <a:t>Service testing in the middle </a:t>
+            </a:r>
+            <a:r>
+              <a:rPr lang="mr-IN" sz="2400" dirty="0" smtClean="0"/>
+              <a:t>–</a:t>
+            </a:r>
+            <a:r>
+              <a:rPr lang="en-US" sz="2400" dirty="0" smtClean="0"/>
+              <a:t> testing services provided by the application independent of the UI.</a:t>
+            </a:r>
+            <a:endParaRPr lang="en-US" sz="2400" dirty="0"/>
+          </a:p>
+        </p:txBody>
+      </p:sp>
+    </p:spTree>
+    <p:extLst>
+      <p:ext uri="{BB962C8B-B14F-4D97-AF65-F5344CB8AC3E}">
+        <p14:creationId xmlns:p14="http://schemas.microsoft.com/office/powerpoint/2010/main" val="399150034"/>
+      </p:ext>
+    </p:extLst>
+  </p:cSld>
+  <p:clrMapOvr>
+    <a:masterClrMapping/>
+  </p:clrMapOvr>
+  <p:timing>
+    <p:tnLst>
+      <p:par>
+        <p:cTn id="1" dur="indefinite" restart="never" nodeType="tmRoot"/>
+      </p:par>
+    </p:tnLst>
+  </p:timing>
+</p:sld>
+</file>
+
+<file path=ppt/slides/slide3.xml><?xml version="1.0" encoding="utf-8"?>
+<p:sld xmlns:a="http://schemas.openxmlformats.org/drawingml/2006/main" xmlns:r="http://schemas.openxmlformats.org/officeDocument/2006/relationships" xmlns:p="http://schemas.openxmlformats.org/presentationml/2006/main">
+  <p:cSld>
+    <p:spTree>
+      <p:nvGrpSpPr>
+        <p:cNvPr id="1" name=""/>
+        <p:cNvGrpSpPr/>
+        <p:nvPr/>
+      </p:nvGrpSpPr>
+      <p:grpSpPr>
+        <a:xfrm>
+          <a:off x="0" y="0"/>
+          <a:ext cx="0" cy="0"/>
+          <a:chOff x="0" y="0"/>
+          <a:chExt cx="0" cy="0"/>
+        </a:xfrm>
+      </p:grpSpPr>
+      <p:sp>
+        <p:nvSpPr>
+          <p:cNvPr id="2" name="Title 1"/>
+          <p:cNvSpPr>
+            <a:spLocks noGrp="1"/>
+          </p:cNvSpPr>
+          <p:nvPr>
+            <p:ph type="title"/>
+          </p:nvPr>
+        </p:nvSpPr>
+        <p:spPr/>
+        <p:txBody>
+          <a:bodyPr/>
+          <a:lstStyle/>
+          <a:p>
+            <a:r>
+              <a:rPr lang="en-US" dirty="0" smtClean="0"/>
+              <a:t>Motivations</a:t>
+            </a:r>
+            <a:endParaRPr lang="en-US" dirty="0"/>
+          </a:p>
+        </p:txBody>
+      </p:sp>
+      <p:pic>
+        <p:nvPicPr>
+          <p:cNvPr id="4" name="Content Placeholder 3"/>
+          <p:cNvPicPr>
+            <a:picLocks noGrp="1" noChangeAspect="1"/>
+          </p:cNvPicPr>
+          <p:nvPr>
+            <p:ph idx="1"/>
+          </p:nvPr>
+        </p:nvPicPr>
+        <p:blipFill>
+          <a:blip r:embed="rId3">
+            <a:extLst>
+              <a:ext uri="{28A0092B-C50C-407E-A947-70E740481C1C}">
+                <a14:useLocalDpi xmlns:a14="http://schemas.microsoft.com/office/drawing/2010/main" val="0"/>
+              </a:ext>
+            </a:extLst>
+          </a:blip>
+          <a:stretch>
+            <a:fillRect/>
+          </a:stretch>
+        </p:blipFill>
+        <p:spPr>
+          <a:xfrm>
+            <a:off x="5828714" y="2239906"/>
+            <a:ext cx="5211762" cy="2871099"/>
+          </a:xfrm>
+        </p:spPr>
+      </p:pic>
+      <p:sp>
+        <p:nvSpPr>
+          <p:cNvPr id="5" name="Rectangle 4"/>
+          <p:cNvSpPr/>
+          <p:nvPr/>
+        </p:nvSpPr>
+        <p:spPr>
+          <a:xfrm>
+            <a:off x="708074" y="1690688"/>
+            <a:ext cx="4496972" cy="4524315"/>
+          </a:xfrm>
+          <a:prstGeom prst="rect">
+            <a:avLst/>
+          </a:prstGeom>
+        </p:spPr>
+        <p:txBody>
+          <a:bodyPr wrap="square">
+            <a:spAutoFit/>
+          </a:bodyPr>
+          <a:lstStyle/>
+          <a:p>
+            <a:pPr marL="285750" marR="0" lvl="0" indent="-285750" defTabSz="914400" eaLnBrk="1" fontAlgn="auto" latinLnBrk="0" hangingPunct="1">
+              <a:lnSpc>
+                <a:spcPct val="100000"/>
+              </a:lnSpc>
+              <a:spcBef>
+                <a:spcPts val="0"/>
+              </a:spcBef>
+              <a:spcAft>
+                <a:spcPts val="0"/>
+              </a:spcAft>
+              <a:buClrTx/>
+              <a:buSzTx/>
+              <a:buFont typeface="Arial" charset="0"/>
+              <a:buChar char="•"/>
+              <a:tabLst/>
+              <a:defRPr/>
+            </a:pPr>
+            <a:r>
+              <a:rPr lang="en-US" sz="2400" dirty="0" smtClean="0"/>
+              <a:t>UI </a:t>
+            </a:r>
+            <a:r>
+              <a:rPr lang="en-US" sz="2400" dirty="0" smtClean="0"/>
+              <a:t>tests are slower, more brittle, expensive</a:t>
+            </a:r>
+            <a:r>
+              <a:rPr lang="en-US" sz="2400" dirty="0" smtClean="0"/>
+              <a:t>.</a:t>
+            </a:r>
+          </a:p>
+          <a:p>
+            <a:pPr marL="285750" indent="-285750">
+              <a:buFont typeface="Arial" charset="0"/>
+              <a:buChar char="•"/>
+              <a:defRPr/>
+            </a:pPr>
+            <a:r>
+              <a:rPr lang="en-US" sz="2400" dirty="0"/>
+              <a:t>Many teams observed with high percentage of automated tests through the UI</a:t>
+            </a:r>
+            <a:r>
+              <a:rPr lang="en-US" sz="2400" dirty="0" smtClean="0"/>
+              <a:t>.</a:t>
+            </a:r>
+            <a:endParaRPr lang="en-US" sz="2400" dirty="0" smtClean="0"/>
+          </a:p>
+          <a:p>
+            <a:pPr marL="285750" indent="-285750">
+              <a:buFont typeface="Arial" charset="0"/>
+              <a:buChar char="•"/>
+            </a:pPr>
+            <a:r>
+              <a:rPr lang="en-US" sz="2400" dirty="0" smtClean="0"/>
+              <a:t>Unit tests are easy for developers to write, usually in same language as application.</a:t>
+            </a:r>
+          </a:p>
+          <a:p>
+            <a:pPr marL="285750" indent="-285750">
+              <a:buFont typeface="Arial" charset="0"/>
+              <a:buChar char="•"/>
+            </a:pPr>
+            <a:r>
+              <a:rPr lang="en-US" sz="2400" dirty="0" smtClean="0"/>
+              <a:t>Application logic can be tested independent of UI in Service level </a:t>
+            </a:r>
+            <a:r>
+              <a:rPr lang="en-US" sz="2400" dirty="0" smtClean="0"/>
+              <a:t>tests.</a:t>
+            </a:r>
+            <a:endParaRPr lang="en-US" sz="2400" dirty="0" smtClean="0"/>
+          </a:p>
+          <a:p>
+            <a:pPr marL="285750" indent="-285750">
+              <a:buFont typeface="Arial" charset="0"/>
+              <a:buChar char="•"/>
+            </a:pPr>
+            <a:endParaRPr lang="en-US" sz="2400" dirty="0" smtClean="0"/>
+          </a:p>
+        </p:txBody>
+      </p:sp>
+    </p:spTree>
+    <p:extLst>
+      <p:ext uri="{BB962C8B-B14F-4D97-AF65-F5344CB8AC3E}">
+        <p14:creationId xmlns:p14="http://schemas.microsoft.com/office/powerpoint/2010/main" val="1886559307"/>
+      </p:ext>
+    </p:extLst>
+  </p:cSld>
+  <p:clrMapOvr>
+    <a:masterClrMapping/>
+  </p:clrMapOvr>
+  <p:timing>
+    <p:tnLst>
+      <p:par>
+        <p:cTn id="1" dur="indefinite" restart="never" nodeType="tmRoot"/>
+      </p:par>
+    </p:tnLst>
+  </p:timing>
+</p:sld>
+</file>
+
+<file path=ppt/slides/slide4.xml><?xml version="1.0" encoding="utf-8"?>
+<p:sld xmlns:a="http://schemas.openxmlformats.org/drawingml/2006/main" xmlns:r="http://schemas.openxmlformats.org/officeDocument/2006/relationships" xmlns:p="http://schemas.openxmlformats.org/presentationml/2006/main">
+  <p:cSld>
+    <p:spTree>
+      <p:nvGrpSpPr>
+        <p:cNvPr id="1" name=""/>
+        <p:cNvGrpSpPr/>
+        <p:nvPr/>
+      </p:nvGrpSpPr>
+      <p:grpSpPr>
+        <a:xfrm>
+          <a:off x="0" y="0"/>
+          <a:ext cx="0" cy="0"/>
+          <a:chOff x="0" y="0"/>
+          <a:chExt cx="0" cy="0"/>
+        </a:xfrm>
+      </p:grpSpPr>
+      <p:sp>
+        <p:nvSpPr>
+          <p:cNvPr id="2" name="Title 1"/>
+          <p:cNvSpPr>
+            <a:spLocks noGrp="1"/>
+          </p:cNvSpPr>
+          <p:nvPr>
+            <p:ph type="title"/>
+          </p:nvPr>
+        </p:nvSpPr>
+        <p:spPr/>
+        <p:txBody>
+          <a:bodyPr/>
+          <a:lstStyle/>
+          <a:p>
+            <a:r>
+              <a:rPr lang="en-US" dirty="0" smtClean="0"/>
+              <a:t>The </a:t>
+            </a:r>
+            <a:r>
+              <a:rPr lang="en-US" dirty="0"/>
+              <a:t>T</a:t>
+            </a:r>
+            <a:r>
+              <a:rPr lang="en-US" dirty="0" smtClean="0"/>
+              <a:t>hree Layers of the Pyramid</a:t>
+            </a:r>
+            <a:endParaRPr lang="en-US" dirty="0"/>
+          </a:p>
+        </p:txBody>
+      </p:sp>
+      <p:graphicFrame>
+        <p:nvGraphicFramePr>
+          <p:cNvPr id="4" name="Content Placeholder 3"/>
+          <p:cNvGraphicFramePr>
+            <a:graphicFrameLocks noGrp="1"/>
+          </p:cNvGraphicFramePr>
+          <p:nvPr>
+            <p:ph idx="1"/>
+            <p:extLst>
+              <p:ext uri="{D42A27DB-BD31-4B8C-83A1-F6EECF244321}">
+                <p14:modId xmlns:p14="http://schemas.microsoft.com/office/powerpoint/2010/main" val="1231615142"/>
+              </p:ext>
+            </p:extLst>
+          </p:nvPr>
+        </p:nvGraphicFramePr>
+        <p:xfrm>
+          <a:off x="838200" y="1825625"/>
+          <a:ext cx="10359684" cy="3280155"/>
+        </p:xfrm>
+        <a:graphic>
+          <a:graphicData uri="http://schemas.openxmlformats.org/drawingml/2006/table">
+            <a:tbl>
+              <a:tblPr firstRow="1" firstCol="1" bandRow="1">
+                <a:tableStyleId>{5C22544A-7EE6-4342-B048-85BDC9FD1C3A}</a:tableStyleId>
+              </a:tblPr>
+              <a:tblGrid>
+                <a:gridCol w="2589921"/>
+                <a:gridCol w="2589921"/>
+                <a:gridCol w="2589921"/>
+                <a:gridCol w="2589921"/>
+              </a:tblGrid>
+              <a:tr h="788585">
+                <a:tc>
+                  <a:txBody>
+                    <a:bodyPr/>
+                    <a:lstStyle/>
+                    <a:p>
+                      <a:pPr algn="ctr"/>
+                      <a:endParaRPr lang="en-US" sz="2800" dirty="0"/>
+                    </a:p>
+                  </a:txBody>
+                  <a:tcPr/>
+                </a:tc>
+                <a:tc>
+                  <a:txBody>
+                    <a:bodyPr/>
+                    <a:lstStyle/>
+                    <a:p>
+                      <a:pPr algn="ctr"/>
+                      <a:r>
+                        <a:rPr lang="en-US" sz="2800" dirty="0" smtClean="0"/>
+                        <a:t>Unit</a:t>
+                      </a:r>
+                      <a:endParaRPr lang="en-US" sz="2800" dirty="0"/>
+                    </a:p>
+                  </a:txBody>
+                  <a:tcPr/>
+                </a:tc>
+                <a:tc>
+                  <a:txBody>
+                    <a:bodyPr/>
+                    <a:lstStyle/>
+                    <a:p>
+                      <a:pPr algn="ctr"/>
+                      <a:r>
+                        <a:rPr lang="en-US" sz="2800" dirty="0" smtClean="0"/>
+                        <a:t>Service</a:t>
+                      </a:r>
+                      <a:endParaRPr lang="en-US" sz="2800" dirty="0"/>
+                    </a:p>
+                  </a:txBody>
+                  <a:tcPr/>
+                </a:tc>
+                <a:tc>
+                  <a:txBody>
+                    <a:bodyPr/>
+                    <a:lstStyle/>
+                    <a:p>
+                      <a:pPr algn="ctr"/>
+                      <a:r>
+                        <a:rPr lang="en-US" sz="2800" dirty="0" smtClean="0"/>
+                        <a:t>UI</a:t>
+                      </a:r>
+                      <a:endParaRPr lang="en-US" sz="2800" dirty="0"/>
+                    </a:p>
+                  </a:txBody>
+                  <a:tcPr/>
+                </a:tc>
+              </a:tr>
+              <a:tr h="788585">
+                <a:tc>
+                  <a:txBody>
+                    <a:bodyPr/>
+                    <a:lstStyle/>
+                    <a:p>
+                      <a:r>
+                        <a:rPr lang="en-US" dirty="0" smtClean="0"/>
+                        <a:t>Appropriate Purpose</a:t>
+                      </a:r>
+                      <a:endParaRPr lang="en-US" dirty="0"/>
+                    </a:p>
+                  </a:txBody>
+                  <a:tcPr/>
+                </a:tc>
+                <a:tc>
+                  <a:txBody>
+                    <a:bodyPr/>
+                    <a:lstStyle/>
+                    <a:p>
+                      <a:r>
+                        <a:rPr lang="en-US" dirty="0" smtClean="0"/>
+                        <a:t>Test Units of Code, Aid with Design and Code Quality</a:t>
+                      </a:r>
+                      <a:endParaRPr lang="en-US" dirty="0"/>
+                    </a:p>
+                  </a:txBody>
+                  <a:tcPr/>
+                </a:tc>
+                <a:tc>
+                  <a:txBody>
+                    <a:bodyPr/>
+                    <a:lstStyle/>
+                    <a:p>
+                      <a:r>
+                        <a:rPr lang="en-US" dirty="0" smtClean="0"/>
+                        <a:t>Test Business Logic / Services</a:t>
+                      </a:r>
+                      <a:endParaRPr lang="en-US" dirty="0"/>
+                    </a:p>
+                  </a:txBody>
+                  <a:tcPr/>
+                </a:tc>
+                <a:tc>
+                  <a:txBody>
+                    <a:bodyPr/>
+                    <a:lstStyle/>
+                    <a:p>
+                      <a:r>
+                        <a:rPr lang="en-US" dirty="0" smtClean="0"/>
+                        <a:t>Test the User Interface</a:t>
+                      </a:r>
+                      <a:endParaRPr lang="en-US" dirty="0"/>
+                    </a:p>
+                  </a:txBody>
+                  <a:tcPr/>
+                </a:tc>
+              </a:tr>
+              <a:tr h="788585">
+                <a:tc>
+                  <a:txBody>
+                    <a:bodyPr/>
+                    <a:lstStyle/>
+                    <a:p>
+                      <a:r>
+                        <a:rPr lang="en-US" dirty="0" smtClean="0"/>
+                        <a:t>Authors</a:t>
+                      </a:r>
+                      <a:endParaRPr lang="en-US" dirty="0"/>
+                    </a:p>
+                  </a:txBody>
+                  <a:tcPr/>
+                </a:tc>
+                <a:tc>
+                  <a:txBody>
+                    <a:bodyPr/>
+                    <a:lstStyle/>
+                    <a:p>
+                      <a:r>
+                        <a:rPr lang="en-US" dirty="0" smtClean="0"/>
+                        <a:t>Developers</a:t>
+                      </a:r>
+                      <a:endParaRPr lang="en-US" dirty="0"/>
+                    </a:p>
+                  </a:txBody>
+                  <a:tcPr/>
+                </a:tc>
+                <a:tc>
+                  <a:txBody>
+                    <a:bodyPr/>
+                    <a:lstStyle/>
+                    <a:p>
+                      <a:r>
+                        <a:rPr lang="en-US" dirty="0" smtClean="0"/>
+                        <a:t>Customers</a:t>
+                      </a:r>
+                      <a:r>
+                        <a:rPr lang="en-US" baseline="0" dirty="0" smtClean="0"/>
+                        <a:t> and Developers</a:t>
+                      </a:r>
+                      <a:endParaRPr lang="en-US" dirty="0"/>
+                    </a:p>
+                  </a:txBody>
+                  <a:tcPr/>
+                </a:tc>
+                <a:tc>
+                  <a:txBody>
+                    <a:bodyPr/>
+                    <a:lstStyle/>
+                    <a:p>
+                      <a:r>
+                        <a:rPr lang="en-US" dirty="0" smtClean="0"/>
+                        <a:t>QA automation or Developers</a:t>
+                      </a:r>
+                      <a:endParaRPr lang="en-US" dirty="0"/>
+                    </a:p>
+                  </a:txBody>
+                  <a:tcPr/>
+                </a:tc>
+              </a:tr>
+              <a:tr h="788585">
+                <a:tc>
+                  <a:txBody>
+                    <a:bodyPr/>
+                    <a:lstStyle/>
+                    <a:p>
+                      <a:r>
+                        <a:rPr lang="en-US" dirty="0" smtClean="0"/>
+                        <a:t>Speed</a:t>
+                      </a:r>
+                      <a:r>
+                        <a:rPr lang="en-US" baseline="0" dirty="0" smtClean="0"/>
+                        <a:t> / Cost</a:t>
+                      </a:r>
+                      <a:endParaRPr lang="en-US" dirty="0"/>
+                    </a:p>
+                  </a:txBody>
+                  <a:tcPr/>
+                </a:tc>
+                <a:tc>
+                  <a:txBody>
+                    <a:bodyPr/>
+                    <a:lstStyle/>
+                    <a:p>
+                      <a:r>
+                        <a:rPr lang="en-US" dirty="0" smtClean="0"/>
+                        <a:t>Fast / Low</a:t>
+                      </a:r>
+                      <a:endParaRPr lang="en-US" dirty="0"/>
+                    </a:p>
+                  </a:txBody>
+                  <a:tcPr/>
+                </a:tc>
+                <a:tc>
+                  <a:txBody>
+                    <a:bodyPr/>
+                    <a:lstStyle/>
+                    <a:p>
+                      <a:r>
+                        <a:rPr lang="en-US" dirty="0" smtClean="0"/>
+                        <a:t>Fast to Medium /</a:t>
+                      </a:r>
+                      <a:r>
+                        <a:rPr lang="en-US" baseline="0" dirty="0" smtClean="0"/>
+                        <a:t> Medium</a:t>
+                      </a:r>
+                      <a:endParaRPr lang="en-US" dirty="0"/>
+                    </a:p>
+                  </a:txBody>
+                  <a:tcPr/>
+                </a:tc>
+                <a:tc>
+                  <a:txBody>
+                    <a:bodyPr/>
+                    <a:lstStyle/>
+                    <a:p>
+                      <a:r>
+                        <a:rPr lang="en-US" dirty="0" smtClean="0"/>
+                        <a:t>Slow / High</a:t>
+                      </a:r>
+                      <a:endParaRPr lang="en-US" dirty="0"/>
+                    </a:p>
+                  </a:txBody>
+                  <a:tcPr/>
+                </a:tc>
+              </a:tr>
+            </a:tbl>
+          </a:graphicData>
+        </a:graphic>
+      </p:graphicFrame>
+    </p:spTree>
+    <p:extLst>
+      <p:ext uri="{BB962C8B-B14F-4D97-AF65-F5344CB8AC3E}">
+        <p14:creationId xmlns:p14="http://schemas.microsoft.com/office/powerpoint/2010/main" val="2014155585"/>
+      </p:ext>
+    </p:extLst>
+  </p:cSld>
+  <p:clrMapOvr>
+    <a:masterClrMapping/>
+  </p:clrMapOvr>
+  <p:timing>
+    <p:tnLst>
+      <p:par>
+        <p:cTn id="1" dur="indefinite" restart="never" nodeType="tmRoot"/>
+      </p:par>
+    </p:tnLst>
+  </p:timing>
+</p:sld>
+</file>
+
+<file path=ppt/slides/slide5.xml><?xml version="1.0" encoding="utf-8"?>
+<p:sld xmlns:a="http://schemas.openxmlformats.org/drawingml/2006/main" xmlns:r="http://schemas.openxmlformats.org/officeDocument/2006/relationships" xmlns:p="http://schemas.openxmlformats.org/presentationml/2006/main">
+  <p:cSld>
+    <p:spTree>
+      <p:nvGrpSpPr>
+        <p:cNvPr id="1" name=""/>
+        <p:cNvGrpSpPr/>
+        <p:nvPr/>
+      </p:nvGrpSpPr>
+      <p:grpSpPr>
+        <a:xfrm>
+          <a:off x="0" y="0"/>
+          <a:ext cx="0" cy="0"/>
+          <a:chOff x="0" y="0"/>
+          <a:chExt cx="0" cy="0"/>
+        </a:xfrm>
+      </p:grpSpPr>
+      <p:sp>
+        <p:nvSpPr>
+          <p:cNvPr id="2" name="Title 1"/>
+          <p:cNvSpPr>
+            <a:spLocks noGrp="1"/>
+          </p:cNvSpPr>
+          <p:nvPr>
+            <p:ph type="title"/>
+          </p:nvPr>
+        </p:nvSpPr>
+        <p:spPr/>
+        <p:txBody>
+          <a:bodyPr/>
+          <a:lstStyle/>
+          <a:p>
+            <a:r>
+              <a:rPr lang="en-US" dirty="0" smtClean="0"/>
+              <a:t>Challenges</a:t>
+            </a:r>
+            <a:endParaRPr lang="en-US" dirty="0"/>
+          </a:p>
+        </p:txBody>
+      </p:sp>
+      <p:sp>
+        <p:nvSpPr>
+          <p:cNvPr id="3" name="Content Placeholder 2"/>
+          <p:cNvSpPr>
+            <a:spLocks noGrp="1"/>
+          </p:cNvSpPr>
+          <p:nvPr>
+            <p:ph idx="1"/>
+          </p:nvPr>
+        </p:nvSpPr>
+        <p:spPr>
+          <a:xfrm>
+            <a:off x="7113494" y="2161335"/>
+            <a:ext cx="3966883" cy="2356877"/>
+          </a:xfrm>
+        </p:spPr>
+        <p:txBody>
+          <a:bodyPr/>
+          <a:lstStyle/>
+          <a:p>
+            <a:r>
+              <a:rPr lang="en-US" dirty="0" smtClean="0"/>
+              <a:t>Intentional Planning and Effort</a:t>
+            </a:r>
+            <a:endParaRPr lang="en-US" dirty="0" smtClean="0"/>
+          </a:p>
+          <a:p>
+            <a:r>
+              <a:rPr lang="en-US" dirty="0" smtClean="0"/>
+              <a:t>Shared Understanding</a:t>
+            </a:r>
+            <a:endParaRPr lang="en-US" dirty="0" smtClean="0"/>
+          </a:p>
+          <a:p>
+            <a:r>
+              <a:rPr lang="en-US" dirty="0" smtClean="0"/>
+              <a:t>Communication and Collaboration</a:t>
+            </a:r>
+            <a:endParaRPr lang="en-US" dirty="0"/>
+          </a:p>
+        </p:txBody>
+      </p:sp>
+      <p:pic>
+        <p:nvPicPr>
+          <p:cNvPr id="4" name="Picture 3"/>
+          <p:cNvPicPr>
+            <a:picLocks noChangeAspect="1"/>
+          </p:cNvPicPr>
+          <p:nvPr/>
+        </p:nvPicPr>
+        <p:blipFill>
+          <a:blip r:embed="rId3">
+            <a:extLst>
+              <a:ext uri="{28A0092B-C50C-407E-A947-70E740481C1C}">
+                <a14:useLocalDpi xmlns:a14="http://schemas.microsoft.com/office/drawing/2010/main" val="0"/>
+              </a:ext>
+            </a:extLst>
+          </a:blip>
+          <a:stretch>
+            <a:fillRect/>
+          </a:stretch>
+        </p:blipFill>
+        <p:spPr>
+          <a:xfrm>
+            <a:off x="838200" y="1690688"/>
+            <a:ext cx="6073588" cy="4036405"/>
+          </a:xfrm>
+          <a:prstGeom prst="rect">
+            <a:avLst/>
+          </a:prstGeom>
+        </p:spPr>
+      </p:pic>
+    </p:spTree>
+    <p:extLst>
+      <p:ext uri="{BB962C8B-B14F-4D97-AF65-F5344CB8AC3E}">
+        <p14:creationId xmlns:p14="http://schemas.microsoft.com/office/powerpoint/2010/main" val="623930801"/>
+      </p:ext>
+    </p:extLst>
+  </p:cSld>
+  <p:clrMapOvr>
+    <a:masterClrMapping/>
+  </p:clrMapOvr>
+  <p:timing>
+    <p:tnLst>
+      <p:par>
+        <p:cTn id="1" dur="indefinite" restart="never" nodeType="tmRoot"/>
+      </p:par>
+    </p:tnLst>
+  </p:timing>
+</p:sld>
+</file>
+
+<file path=ppt/slides/slide6.xml><?xml version="1.0" encoding="utf-8"?>
+<p:sld xmlns:a="http://schemas.openxmlformats.org/drawingml/2006/main" xmlns:r="http://schemas.openxmlformats.org/officeDocument/2006/relationships" xmlns:p="http://schemas.openxmlformats.org/presentationml/2006/main">
+  <p:cSld>
+    <p:spTree>
+      <p:nvGrpSpPr>
+        <p:cNvPr id="1" name=""/>
+        <p:cNvGrpSpPr/>
+        <p:nvPr/>
+      </p:nvGrpSpPr>
+      <p:grpSpPr>
+        <a:xfrm>
+          <a:off x="0" y="0"/>
+          <a:ext cx="0" cy="0"/>
+          <a:chOff x="0" y="0"/>
+          <a:chExt cx="0" cy="0"/>
+        </a:xfrm>
+      </p:grpSpPr>
+      <p:sp>
+        <p:nvSpPr>
+          <p:cNvPr id="2" name="Title 1"/>
+          <p:cNvSpPr>
+            <a:spLocks noGrp="1"/>
+          </p:cNvSpPr>
+          <p:nvPr>
+            <p:ph type="title"/>
+          </p:nvPr>
+        </p:nvSpPr>
+        <p:spPr/>
+        <p:txBody>
+          <a:bodyPr>
+            <a:normAutofit/>
+          </a:bodyPr>
+          <a:lstStyle/>
+          <a:p>
+            <a:r>
+              <a:rPr lang="en-US" sz="4000" dirty="0" smtClean="0"/>
+              <a:t>Sample Application</a:t>
+            </a:r>
+            <a:endParaRPr lang="en-US" sz="4000" dirty="0"/>
+          </a:p>
+        </p:txBody>
+      </p:sp>
+      <p:sp>
+        <p:nvSpPr>
+          <p:cNvPr id="3" name="Content Placeholder 2"/>
+          <p:cNvSpPr>
+            <a:spLocks noGrp="1"/>
+          </p:cNvSpPr>
+          <p:nvPr>
+            <p:ph idx="1"/>
+          </p:nvPr>
+        </p:nvSpPr>
+        <p:spPr>
+          <a:xfrm>
+            <a:off x="838200" y="1852519"/>
+            <a:ext cx="10515600" cy="567951"/>
+          </a:xfrm>
+        </p:spPr>
+        <p:txBody>
+          <a:bodyPr>
+            <a:normAutofit fontScale="77500" lnSpcReduction="20000"/>
+          </a:bodyPr>
+          <a:lstStyle/>
+          <a:p>
+            <a:r>
+              <a:rPr lang="en-US" dirty="0" smtClean="0"/>
+              <a:t>Rx Demo:  Web-based </a:t>
+            </a:r>
+            <a:r>
+              <a:rPr lang="en-US" dirty="0" smtClean="0"/>
+              <a:t>Prescribing Application, extracted from real clinical app in production for over a decade.</a:t>
+            </a:r>
+            <a:endParaRPr lang="en-US" dirty="0" smtClean="0"/>
+          </a:p>
+        </p:txBody>
+      </p:sp>
+      <p:pic>
+        <p:nvPicPr>
+          <p:cNvPr id="4" name="Picture 3"/>
+          <p:cNvPicPr>
+            <a:picLocks noChangeAspect="1"/>
+          </p:cNvPicPr>
+          <p:nvPr/>
+        </p:nvPicPr>
+        <p:blipFill>
+          <a:blip r:embed="rId3">
+            <a:extLst>
+              <a:ext uri="{28A0092B-C50C-407E-A947-70E740481C1C}">
+                <a14:useLocalDpi xmlns:a14="http://schemas.microsoft.com/office/drawing/2010/main" val="0"/>
+              </a:ext>
+            </a:extLst>
+          </a:blip>
+          <a:stretch>
+            <a:fillRect/>
+          </a:stretch>
+        </p:blipFill>
+        <p:spPr>
+          <a:xfrm>
+            <a:off x="315595" y="2582301"/>
+            <a:ext cx="11560810" cy="3200401"/>
+          </a:xfrm>
+          <a:prstGeom prst="rect">
+            <a:avLst/>
+          </a:prstGeom>
+        </p:spPr>
+      </p:pic>
+    </p:spTree>
+    <p:extLst>
+      <p:ext uri="{BB962C8B-B14F-4D97-AF65-F5344CB8AC3E}">
+        <p14:creationId xmlns:p14="http://schemas.microsoft.com/office/powerpoint/2010/main" val="567372212"/>
+      </p:ext>
+    </p:extLst>
+  </p:cSld>
+  <p:clrMapOvr>
+    <a:masterClrMapping/>
+  </p:clrMapOvr>
+  <p:timing>
+    <p:tnLst>
+      <p:par>
+        <p:cTn id="1" dur="indefinite" restart="never" nodeType="tmRoot"/>
+      </p:par>
+    </p:tnLst>
+  </p:timing>
+</p:sld>
+</file>
+
+<file path=ppt/slides/slide7.xml><?xml version="1.0" encoding="utf-8"?>
+<p:sld xmlns:a="http://schemas.openxmlformats.org/drawingml/2006/main" xmlns:r="http://schemas.openxmlformats.org/officeDocument/2006/relationships" xmlns:p="http://schemas.openxmlformats.org/presentationml/2006/main">
+  <p:cSld>
+    <p:spTree>
+      <p:nvGrpSpPr>
+        <p:cNvPr id="1" name=""/>
+        <p:cNvGrpSpPr/>
+        <p:nvPr/>
+      </p:nvGrpSpPr>
+      <p:grpSpPr>
+        <a:xfrm>
+          <a:off x="0" y="0"/>
+          <a:ext cx="0" cy="0"/>
+          <a:chOff x="0" y="0"/>
+          <a:chExt cx="0" cy="0"/>
+        </a:xfrm>
+      </p:grpSpPr>
+      <p:sp>
+        <p:nvSpPr>
+          <p:cNvPr id="2" name="Title 1"/>
+          <p:cNvSpPr>
+            <a:spLocks noGrp="1"/>
+          </p:cNvSpPr>
+          <p:nvPr>
+            <p:ph type="title"/>
+          </p:nvPr>
+        </p:nvSpPr>
+        <p:spPr/>
+        <p:txBody>
+          <a:bodyPr/>
+          <a:lstStyle/>
+          <a:p>
+            <a:r>
+              <a:rPr lang="en-US" dirty="0" smtClean="0"/>
+              <a:t>Feature</a:t>
+            </a:r>
+            <a:r>
+              <a:rPr lang="en-US" dirty="0" smtClean="0"/>
+              <a:t>:  Limit Opiate Rx Duration</a:t>
+            </a:r>
+            <a:endParaRPr lang="en-US" dirty="0"/>
+          </a:p>
+        </p:txBody>
+      </p:sp>
+      <p:sp>
+        <p:nvSpPr>
+          <p:cNvPr id="3" name="Content Placeholder 2"/>
+          <p:cNvSpPr>
+            <a:spLocks noGrp="1"/>
+          </p:cNvSpPr>
+          <p:nvPr>
+            <p:ph idx="1"/>
+          </p:nvPr>
+        </p:nvSpPr>
+        <p:spPr>
+          <a:xfrm>
+            <a:off x="838200" y="1534077"/>
+            <a:ext cx="9971314" cy="851314"/>
+          </a:xfrm>
+        </p:spPr>
+        <p:txBody>
+          <a:bodyPr>
+            <a:normAutofit lnSpcReduction="10000"/>
+          </a:bodyPr>
+          <a:lstStyle/>
+          <a:p>
+            <a:r>
+              <a:rPr lang="en-US" dirty="0" smtClean="0"/>
+              <a:t>When clinician is prescribing Opiates or Benzodiazepines, limit the duration of the prescription to 30 </a:t>
+            </a:r>
+            <a:r>
+              <a:rPr lang="en-US" smtClean="0"/>
+              <a:t>days </a:t>
+            </a:r>
+            <a:r>
+              <a:rPr lang="en-US" smtClean="0"/>
+              <a:t>or under.</a:t>
+            </a:r>
+            <a:endParaRPr lang="en-US" dirty="0"/>
+          </a:p>
+        </p:txBody>
+      </p:sp>
+      <p:pic>
+        <p:nvPicPr>
+          <p:cNvPr id="4" name="Picture 3"/>
+          <p:cNvPicPr>
+            <a:picLocks noChangeAspect="1"/>
+          </p:cNvPicPr>
+          <p:nvPr/>
+        </p:nvPicPr>
+        <p:blipFill>
+          <a:blip r:embed="rId3">
+            <a:extLst>
+              <a:ext uri="{28A0092B-C50C-407E-A947-70E740481C1C}">
+                <a14:useLocalDpi xmlns:a14="http://schemas.microsoft.com/office/drawing/2010/main" val="0"/>
+              </a:ext>
+            </a:extLst>
+          </a:blip>
+          <a:stretch>
+            <a:fillRect/>
+          </a:stretch>
+        </p:blipFill>
+        <p:spPr>
+          <a:xfrm>
+            <a:off x="732003" y="2385391"/>
+            <a:ext cx="10621797" cy="3498574"/>
+          </a:xfrm>
+          <a:prstGeom prst="rect">
+            <a:avLst/>
+          </a:prstGeom>
+        </p:spPr>
+      </p:pic>
+    </p:spTree>
+    <p:extLst>
+      <p:ext uri="{BB962C8B-B14F-4D97-AF65-F5344CB8AC3E}">
+        <p14:creationId xmlns:p14="http://schemas.microsoft.com/office/powerpoint/2010/main" val="1991789900"/>
+      </p:ext>
+    </p:extLst>
+  </p:cSld>
+  <p:clrMapOvr>
+    <a:masterClrMapping/>
+  </p:clrMapOvr>
+  <p:timing>
+    <p:tnLst>
+      <p:par>
+        <p:cTn id="1" dur="indefinite" restart="never" nodeType="tmRoot"/>
+      </p:par>
+    </p:tnLst>
+  </p:timing>
+</p:sld>
+</file>
+
+<file path=ppt/slides/slide8.xml><?xml version="1.0" encoding="utf-8"?>
+<p:sld xmlns:a="http://schemas.openxmlformats.org/drawingml/2006/main" xmlns:r="http://schemas.openxmlformats.org/officeDocument/2006/relationships" xmlns:p="http://schemas.openxmlformats.org/presentationml/2006/main">
+  <p:cSld>
+    <p:spTree>
+      <p:nvGrpSpPr>
+        <p:cNvPr id="1" name=""/>
+        <p:cNvGrpSpPr/>
+        <p:nvPr/>
+      </p:nvGrpSpPr>
+      <p:grpSpPr>
+        <a:xfrm>
+          <a:off x="0" y="0"/>
+          <a:ext cx="0" cy="0"/>
+          <a:chOff x="0" y="0"/>
+          <a:chExt cx="0" cy="0"/>
+        </a:xfrm>
+      </p:grpSpPr>
+      <p:sp>
+        <p:nvSpPr>
+          <p:cNvPr id="2" name="Title 1"/>
+          <p:cNvSpPr>
+            <a:spLocks noGrp="1"/>
+          </p:cNvSpPr>
+          <p:nvPr>
+            <p:ph type="title"/>
+          </p:nvPr>
+        </p:nvSpPr>
+        <p:spPr/>
+        <p:txBody>
+          <a:bodyPr/>
+          <a:lstStyle/>
+          <a:p>
+            <a:r>
+              <a:rPr lang="en-US" dirty="0" smtClean="0"/>
+              <a:t>Feature Test Plan</a:t>
+            </a:r>
+            <a:endParaRPr lang="en-US" dirty="0"/>
+          </a:p>
+        </p:txBody>
+      </p:sp>
+      <p:graphicFrame>
+        <p:nvGraphicFramePr>
+          <p:cNvPr id="4" name="Content Placeholder 3"/>
+          <p:cNvGraphicFramePr>
+            <a:graphicFrameLocks noGrp="1"/>
+          </p:cNvGraphicFramePr>
+          <p:nvPr>
+            <p:ph idx="1"/>
+            <p:extLst>
+              <p:ext uri="{D42A27DB-BD31-4B8C-83A1-F6EECF244321}">
+                <p14:modId xmlns:p14="http://schemas.microsoft.com/office/powerpoint/2010/main" val="428282286"/>
+              </p:ext>
+            </p:extLst>
+          </p:nvPr>
+        </p:nvGraphicFramePr>
+        <p:xfrm>
+          <a:off x="838200" y="1825625"/>
+          <a:ext cx="10515600" cy="3205480"/>
+        </p:xfrm>
+        <a:graphic>
+          <a:graphicData uri="http://schemas.openxmlformats.org/drawingml/2006/table">
+            <a:tbl>
+              <a:tblPr firstRow="1" bandRow="1">
+                <a:tableStyleId>{5C22544A-7EE6-4342-B048-85BDC9FD1C3A}</a:tableStyleId>
+              </a:tblPr>
+              <a:tblGrid>
+                <a:gridCol w="3029465"/>
+                <a:gridCol w="2228335"/>
+                <a:gridCol w="2628900"/>
+                <a:gridCol w="2628900"/>
+              </a:tblGrid>
+              <a:tr h="370840">
+                <a:tc>
+                  <a:txBody>
+                    <a:bodyPr/>
+                    <a:lstStyle/>
+                    <a:p>
+                      <a:pPr algn="ctr"/>
+                      <a:r>
+                        <a:rPr lang="en-US" dirty="0" smtClean="0"/>
+                        <a:t>Feature Part</a:t>
+                      </a:r>
+                      <a:endParaRPr lang="en-US" dirty="0"/>
+                    </a:p>
+                  </a:txBody>
+                  <a:tcPr/>
+                </a:tc>
+                <a:tc>
+                  <a:txBody>
+                    <a:bodyPr/>
+                    <a:lstStyle/>
+                    <a:p>
+                      <a:r>
+                        <a:rPr lang="en-US" dirty="0" smtClean="0"/>
+                        <a:t>Unit (Junit/Jasmine)</a:t>
+                      </a:r>
+                      <a:endParaRPr lang="en-US" dirty="0"/>
+                    </a:p>
+                  </a:txBody>
+                  <a:tcPr/>
+                </a:tc>
+                <a:tc>
+                  <a:txBody>
+                    <a:bodyPr/>
+                    <a:lstStyle/>
+                    <a:p>
+                      <a:r>
+                        <a:rPr lang="en-US" dirty="0" smtClean="0"/>
+                        <a:t>Service (</a:t>
+                      </a:r>
+                      <a:r>
+                        <a:rPr lang="en-US" dirty="0" err="1" smtClean="0"/>
+                        <a:t>Fitnesse</a:t>
+                      </a:r>
+                      <a:r>
+                        <a:rPr lang="en-US" dirty="0" smtClean="0"/>
+                        <a:t>)</a:t>
+                      </a:r>
+                      <a:endParaRPr lang="en-US" dirty="0"/>
+                    </a:p>
+                  </a:txBody>
+                  <a:tcPr/>
+                </a:tc>
+                <a:tc>
+                  <a:txBody>
+                    <a:bodyPr/>
+                    <a:lstStyle/>
+                    <a:p>
+                      <a:r>
+                        <a:rPr lang="en-US" dirty="0" smtClean="0"/>
+                        <a:t>UI (</a:t>
+                      </a:r>
+                      <a:r>
+                        <a:rPr lang="en-US" baseline="0" dirty="0" smtClean="0"/>
+                        <a:t>Selenium + Junit)</a:t>
+                      </a:r>
+                      <a:endParaRPr lang="en-US" dirty="0"/>
+                    </a:p>
+                  </a:txBody>
+                  <a:tcPr/>
+                </a:tc>
+              </a:tr>
+              <a:tr h="370840">
+                <a:tc>
+                  <a:txBody>
+                    <a:bodyPr/>
+                    <a:lstStyle/>
+                    <a:p>
+                      <a:r>
+                        <a:rPr lang="en-US" dirty="0" smtClean="0"/>
+                        <a:t>Identify if drug being prescribed is Opiate or Benzo</a:t>
+                      </a:r>
+                      <a:endParaRPr lang="en-US" dirty="0"/>
+                    </a:p>
+                  </a:txBody>
+                  <a:tcPr/>
+                </a:tc>
+                <a:tc>
+                  <a:txBody>
+                    <a:bodyPr/>
+                    <a:lstStyle/>
+                    <a:p>
+                      <a:endParaRPr lang="en-US" dirty="0"/>
+                    </a:p>
+                  </a:txBody>
+                  <a:tcPr/>
+                </a:tc>
+                <a:tc>
+                  <a:txBody>
+                    <a:bodyPr/>
+                    <a:lstStyle/>
+                    <a:p>
+                      <a:endParaRPr lang="en-US"/>
+                    </a:p>
+                  </a:txBody>
+                  <a:tcPr/>
+                </a:tc>
+                <a:tc>
+                  <a:txBody>
+                    <a:bodyPr/>
+                    <a:lstStyle/>
+                    <a:p>
+                      <a:endParaRPr lang="en-US" dirty="0"/>
+                    </a:p>
+                  </a:txBody>
+                  <a:tcPr/>
+                </a:tc>
+              </a:tr>
+              <a:tr h="370840">
+                <a:tc>
+                  <a:txBody>
+                    <a:bodyPr/>
+                    <a:lstStyle/>
+                    <a:p>
+                      <a:r>
+                        <a:rPr lang="en-US" dirty="0" smtClean="0"/>
+                        <a:t>Calculate</a:t>
+                      </a:r>
+                      <a:r>
+                        <a:rPr lang="en-US" baseline="0" dirty="0" smtClean="0"/>
+                        <a:t> number of days for duration</a:t>
+                      </a:r>
+                      <a:endParaRPr lang="en-US" dirty="0"/>
+                    </a:p>
+                  </a:txBody>
+                  <a:tcPr/>
+                </a:tc>
+                <a:tc>
+                  <a:txBody>
+                    <a:bodyPr/>
+                    <a:lstStyle/>
+                    <a:p>
+                      <a:endParaRPr lang="en-US"/>
+                    </a:p>
+                  </a:txBody>
+                  <a:tcPr/>
+                </a:tc>
+                <a:tc>
+                  <a:txBody>
+                    <a:bodyPr/>
+                    <a:lstStyle/>
+                    <a:p>
+                      <a:endParaRPr lang="en-US"/>
+                    </a:p>
+                  </a:txBody>
+                  <a:tcPr/>
+                </a:tc>
+                <a:tc>
+                  <a:txBody>
+                    <a:bodyPr/>
+                    <a:lstStyle/>
+                    <a:p>
+                      <a:endParaRPr lang="en-US" dirty="0"/>
+                    </a:p>
+                  </a:txBody>
+                  <a:tcPr/>
+                </a:tc>
+              </a:tr>
+              <a:tr h="370840">
+                <a:tc>
+                  <a:txBody>
+                    <a:bodyPr/>
+                    <a:lstStyle/>
+                    <a:p>
+                      <a:r>
+                        <a:rPr lang="en-US" dirty="0" smtClean="0"/>
+                        <a:t>Rule applied to prescription</a:t>
+                      </a:r>
+                      <a:r>
+                        <a:rPr lang="en-US" baseline="0" dirty="0" smtClean="0"/>
+                        <a:t> and appropriate response built</a:t>
+                      </a:r>
+                      <a:endParaRPr lang="en-US" dirty="0"/>
+                    </a:p>
+                  </a:txBody>
+                  <a:tcPr/>
+                </a:tc>
+                <a:tc>
+                  <a:txBody>
+                    <a:bodyPr/>
+                    <a:lstStyle/>
+                    <a:p>
+                      <a:endParaRPr lang="en-US"/>
+                    </a:p>
+                  </a:txBody>
+                  <a:tcPr/>
+                </a:tc>
+                <a:tc>
+                  <a:txBody>
+                    <a:bodyPr/>
+                    <a:lstStyle/>
+                    <a:p>
+                      <a:endParaRPr lang="en-US"/>
+                    </a:p>
+                  </a:txBody>
+                  <a:tcPr/>
+                </a:tc>
+                <a:tc>
+                  <a:txBody>
+                    <a:bodyPr/>
+                    <a:lstStyle/>
+                    <a:p>
+                      <a:endParaRPr lang="en-US" dirty="0"/>
+                    </a:p>
+                  </a:txBody>
+                  <a:tcPr/>
+                </a:tc>
+              </a:tr>
+              <a:tr h="529573">
+                <a:tc>
+                  <a:txBody>
+                    <a:bodyPr/>
+                    <a:lstStyle/>
+                    <a:p>
+                      <a:r>
+                        <a:rPr lang="en-US" dirty="0" smtClean="0"/>
+                        <a:t>Inform</a:t>
+                      </a:r>
+                      <a:r>
+                        <a:rPr lang="en-US" baseline="0" dirty="0" smtClean="0"/>
+                        <a:t> user in UI if rule violated</a:t>
+                      </a:r>
+                      <a:endParaRPr lang="en-US" dirty="0"/>
+                    </a:p>
+                  </a:txBody>
+                  <a:tcPr/>
+                </a:tc>
+                <a:tc>
+                  <a:txBody>
+                    <a:bodyPr/>
+                    <a:lstStyle/>
+                    <a:p>
+                      <a:endParaRPr lang="en-US" dirty="0"/>
+                    </a:p>
+                  </a:txBody>
+                  <a:tcPr/>
+                </a:tc>
+                <a:tc>
+                  <a:txBody>
+                    <a:bodyPr/>
+                    <a:lstStyle/>
+                    <a:p>
+                      <a:endParaRPr lang="en-US" dirty="0"/>
+                    </a:p>
+                  </a:txBody>
+                  <a:tcPr/>
+                </a:tc>
+                <a:tc>
+                  <a:txBody>
+                    <a:bodyPr/>
+                    <a:lstStyle/>
+                    <a:p>
+                      <a:endParaRPr lang="en-US" dirty="0"/>
+                    </a:p>
+                  </a:txBody>
+                  <a:tcPr/>
+                </a:tc>
+              </a:tr>
+            </a:tbl>
+          </a:graphicData>
+        </a:graphic>
+      </p:graphicFrame>
+      <p:pic>
+        <p:nvPicPr>
+          <p:cNvPr id="5" name="Picture 4"/>
+          <p:cNvPicPr>
+            <a:picLocks noChangeAspect="1"/>
+          </p:cNvPicPr>
+          <p:nvPr/>
+        </p:nvPicPr>
+        <p:blipFill>
+          <a:blip r:embed="rId3">
+            <a:extLst>
+              <a:ext uri="{28A0092B-C50C-407E-A947-70E740481C1C}">
+                <a14:useLocalDpi xmlns:a14="http://schemas.microsoft.com/office/drawing/2010/main" val="0"/>
+              </a:ext>
+            </a:extLst>
+          </a:blip>
+          <a:stretch>
+            <a:fillRect/>
+          </a:stretch>
+        </p:blipFill>
+        <p:spPr>
+          <a:xfrm>
+            <a:off x="9787433" y="4414333"/>
+            <a:ext cx="471771" cy="471771"/>
+          </a:xfrm>
+          <a:prstGeom prst="rect">
+            <a:avLst/>
+          </a:prstGeom>
+        </p:spPr>
+      </p:pic>
+      <p:pic>
+        <p:nvPicPr>
+          <p:cNvPr id="6" name="Picture 5"/>
+          <p:cNvPicPr>
+            <a:picLocks noChangeAspect="1"/>
+          </p:cNvPicPr>
+          <p:nvPr/>
+        </p:nvPicPr>
+        <p:blipFill>
+          <a:blip r:embed="rId3">
+            <a:extLst>
+              <a:ext uri="{28A0092B-C50C-407E-A947-70E740481C1C}">
+                <a14:useLocalDpi xmlns:a14="http://schemas.microsoft.com/office/drawing/2010/main" val="0"/>
+              </a:ext>
+            </a:extLst>
+          </a:blip>
+          <a:stretch>
+            <a:fillRect/>
+          </a:stretch>
+        </p:blipFill>
+        <p:spPr>
+          <a:xfrm>
+            <a:off x="4726754" y="2327643"/>
+            <a:ext cx="471771" cy="471771"/>
+          </a:xfrm>
+          <a:prstGeom prst="rect">
+            <a:avLst/>
+          </a:prstGeom>
+        </p:spPr>
+      </p:pic>
+      <p:pic>
+        <p:nvPicPr>
+          <p:cNvPr id="8" name="Picture 7"/>
+          <p:cNvPicPr>
+            <a:picLocks noChangeAspect="1"/>
+          </p:cNvPicPr>
+          <p:nvPr/>
+        </p:nvPicPr>
+        <p:blipFill>
+          <a:blip r:embed="rId3">
+            <a:extLst>
+              <a:ext uri="{28A0092B-C50C-407E-A947-70E740481C1C}">
+                <a14:useLocalDpi xmlns:a14="http://schemas.microsoft.com/office/drawing/2010/main" val="0"/>
+              </a:ext>
+            </a:extLst>
+          </a:blip>
+          <a:stretch>
+            <a:fillRect/>
+          </a:stretch>
+        </p:blipFill>
+        <p:spPr>
+          <a:xfrm>
+            <a:off x="7092482" y="3705536"/>
+            <a:ext cx="471771" cy="471771"/>
+          </a:xfrm>
+          <a:prstGeom prst="rect">
+            <a:avLst/>
+          </a:prstGeom>
+        </p:spPr>
+      </p:pic>
+      <p:pic>
+        <p:nvPicPr>
+          <p:cNvPr id="9" name="Picture 8"/>
+          <p:cNvPicPr>
+            <a:picLocks noChangeAspect="1"/>
+          </p:cNvPicPr>
+          <p:nvPr/>
+        </p:nvPicPr>
+        <p:blipFill>
+          <a:blip r:embed="rId3">
+            <a:extLst>
+              <a:ext uri="{28A0092B-C50C-407E-A947-70E740481C1C}">
+                <a14:useLocalDpi xmlns:a14="http://schemas.microsoft.com/office/drawing/2010/main" val="0"/>
+              </a:ext>
+            </a:extLst>
+          </a:blip>
+          <a:stretch>
+            <a:fillRect/>
+          </a:stretch>
+        </p:blipFill>
+        <p:spPr>
+          <a:xfrm>
+            <a:off x="7092483" y="2948613"/>
+            <a:ext cx="471771" cy="471771"/>
+          </a:xfrm>
+          <a:prstGeom prst="rect">
+            <a:avLst/>
+          </a:prstGeom>
+        </p:spPr>
+      </p:pic>
+      <p:pic>
+        <p:nvPicPr>
+          <p:cNvPr id="10" name="Picture 9"/>
+          <p:cNvPicPr>
+            <a:picLocks noChangeAspect="1"/>
+          </p:cNvPicPr>
+          <p:nvPr/>
+        </p:nvPicPr>
+        <p:blipFill>
+          <a:blip r:embed="rId3">
+            <a:extLst>
+              <a:ext uri="{28A0092B-C50C-407E-A947-70E740481C1C}">
+                <a14:useLocalDpi xmlns:a14="http://schemas.microsoft.com/office/drawing/2010/main" val="0"/>
+              </a:ext>
+            </a:extLst>
+          </a:blip>
+          <a:stretch>
+            <a:fillRect/>
+          </a:stretch>
+        </p:blipFill>
+        <p:spPr>
+          <a:xfrm>
+            <a:off x="7092484" y="2327643"/>
+            <a:ext cx="471771" cy="471771"/>
+          </a:xfrm>
+          <a:prstGeom prst="rect">
+            <a:avLst/>
+          </a:prstGeom>
+        </p:spPr>
+      </p:pic>
+      <p:pic>
+        <p:nvPicPr>
+          <p:cNvPr id="11" name="Picture 10"/>
+          <p:cNvPicPr>
+            <a:picLocks noChangeAspect="1"/>
+          </p:cNvPicPr>
+          <p:nvPr/>
+        </p:nvPicPr>
+        <p:blipFill>
+          <a:blip r:embed="rId3">
+            <a:extLst>
+              <a:ext uri="{28A0092B-C50C-407E-A947-70E740481C1C}">
+                <a14:useLocalDpi xmlns:a14="http://schemas.microsoft.com/office/drawing/2010/main" val="0"/>
+              </a:ext>
+            </a:extLst>
+          </a:blip>
+          <a:stretch>
+            <a:fillRect/>
+          </a:stretch>
+        </p:blipFill>
+        <p:spPr>
+          <a:xfrm>
+            <a:off x="4726753" y="2948613"/>
+            <a:ext cx="471771" cy="471771"/>
+          </a:xfrm>
+          <a:prstGeom prst="rect">
+            <a:avLst/>
+          </a:prstGeom>
+        </p:spPr>
+      </p:pic>
+      <p:pic>
+        <p:nvPicPr>
+          <p:cNvPr id="12" name="Picture 11"/>
+          <p:cNvPicPr>
+            <a:picLocks noChangeAspect="1"/>
+          </p:cNvPicPr>
+          <p:nvPr/>
+        </p:nvPicPr>
+        <p:blipFill>
+          <a:blip r:embed="rId3">
+            <a:extLst>
+              <a:ext uri="{28A0092B-C50C-407E-A947-70E740481C1C}">
+                <a14:useLocalDpi xmlns:a14="http://schemas.microsoft.com/office/drawing/2010/main" val="0"/>
+              </a:ext>
+            </a:extLst>
+          </a:blip>
+          <a:stretch>
+            <a:fillRect/>
+          </a:stretch>
+        </p:blipFill>
+        <p:spPr>
+          <a:xfrm>
+            <a:off x="4726753" y="3705536"/>
+            <a:ext cx="471771" cy="471771"/>
+          </a:xfrm>
+          <a:prstGeom prst="rect">
+            <a:avLst/>
+          </a:prstGeom>
+        </p:spPr>
+      </p:pic>
+      <p:pic>
+        <p:nvPicPr>
+          <p:cNvPr id="13" name="Picture 12"/>
+          <p:cNvPicPr>
+            <a:picLocks noChangeAspect="1"/>
+          </p:cNvPicPr>
+          <p:nvPr/>
+        </p:nvPicPr>
+        <p:blipFill>
+          <a:blip r:embed="rId3">
+            <a:extLst>
+              <a:ext uri="{28A0092B-C50C-407E-A947-70E740481C1C}">
+                <a14:useLocalDpi xmlns:a14="http://schemas.microsoft.com/office/drawing/2010/main" val="0"/>
+              </a:ext>
+            </a:extLst>
+          </a:blip>
+          <a:stretch>
+            <a:fillRect/>
+          </a:stretch>
+        </p:blipFill>
+        <p:spPr>
+          <a:xfrm>
+            <a:off x="4726753" y="4414334"/>
+            <a:ext cx="471771" cy="471771"/>
+          </a:xfrm>
+          <a:prstGeom prst="rect">
+            <a:avLst/>
+          </a:prstGeom>
+        </p:spPr>
+      </p:pic>
+    </p:spTree>
+    <p:extLst>
+      <p:ext uri="{BB962C8B-B14F-4D97-AF65-F5344CB8AC3E}">
+        <p14:creationId xmlns:p14="http://schemas.microsoft.com/office/powerpoint/2010/main" val="2111955063"/>
+      </p:ext>
+    </p:extLst>
+  </p:cSld>
+  <p:clrMapOvr>
+    <a:masterClrMapping/>
+  </p:clrMapOvr>
+  <p:timing>
+    <p:tnLst>
+      <p:par>
+        <p:cTn id="1" dur="indefinite" restart="never" nodeType="tmRoot"/>
+      </p:par>
+    </p:tnLst>
+  </p:timing>
+</p:sld>
+</file>
+
+<file path=ppt/slides/slide9.xml><?xml version="1.0" encoding="utf-8"?>
 <p:sld xmlns:a="http://schemas.openxmlformats.org/drawingml/2006/main" xmlns:r="http://schemas.openxmlformats.org/officeDocument/2006/relationships" xmlns:p="http://schemas.openxmlformats.org/presentationml/2006/main">
   <p:cSld>
     <p:spTree>
@@ -4220,3158 +8352,6 @@
     <p:extLst>
       <p:ext uri="{BB962C8B-B14F-4D97-AF65-F5344CB8AC3E}">
         <p14:creationId xmlns:p14="http://schemas.microsoft.com/office/powerpoint/2010/main" val="1804738836"/>
-      </p:ext>
-    </p:extLst>
-  </p:cSld>
-  <p:clrMapOvr>
-    <a:masterClrMapping/>
-  </p:clrMapOvr>
-  <p:timing>
-    <p:tnLst>
-      <p:par>
-        <p:cTn id="1" dur="indefinite" restart="never" nodeType="tmRoot"/>
-      </p:par>
-    </p:tnLst>
-  </p:timing>
-</p:sld>
-</file>
-
-<file path=ppt/slides/slide12.xml><?xml version="1.0" encoding="utf-8"?>
-<p:sld xmlns:a="http://schemas.openxmlformats.org/drawingml/2006/main" xmlns:r="http://schemas.openxmlformats.org/officeDocument/2006/relationships" xmlns:p="http://schemas.openxmlformats.org/presentationml/2006/main">
-  <p:cSld>
-    <p:spTree>
-      <p:nvGrpSpPr>
-        <p:cNvPr id="1" name=""/>
-        <p:cNvGrpSpPr/>
-        <p:nvPr/>
-      </p:nvGrpSpPr>
-      <p:grpSpPr>
-        <a:xfrm>
-          <a:off x="0" y="0"/>
-          <a:ext cx="0" cy="0"/>
-          <a:chOff x="0" y="0"/>
-          <a:chExt cx="0" cy="0"/>
-        </a:xfrm>
-      </p:grpSpPr>
-      <p:sp>
-        <p:nvSpPr>
-          <p:cNvPr id="2" name="Title 1"/>
-          <p:cNvSpPr>
-            <a:spLocks noGrp="1"/>
-          </p:cNvSpPr>
-          <p:nvPr>
-            <p:ph type="title"/>
-          </p:nvPr>
-        </p:nvSpPr>
-        <p:spPr/>
-        <p:txBody>
-          <a:bodyPr/>
-          <a:lstStyle/>
-          <a:p>
-            <a:r>
-              <a:rPr lang="en-US" dirty="0" smtClean="0"/>
-              <a:t>Calculate Duration in Days</a:t>
-            </a:r>
-            <a:endParaRPr lang="en-US" dirty="0"/>
-          </a:p>
-        </p:txBody>
-      </p:sp>
-      <p:graphicFrame>
-        <p:nvGraphicFramePr>
-          <p:cNvPr id="4" name="Content Placeholder 3"/>
-          <p:cNvGraphicFramePr>
-            <a:graphicFrameLocks noGrp="1"/>
-          </p:cNvGraphicFramePr>
-          <p:nvPr>
-            <p:ph idx="1"/>
-            <p:extLst>
-              <p:ext uri="{D42A27DB-BD31-4B8C-83A1-F6EECF244321}">
-                <p14:modId xmlns:p14="http://schemas.microsoft.com/office/powerpoint/2010/main" val="1510658900"/>
-              </p:ext>
-            </p:extLst>
-          </p:nvPr>
-        </p:nvGraphicFramePr>
-        <p:xfrm>
-          <a:off x="838200" y="1481960"/>
-          <a:ext cx="10515600" cy="1010920"/>
-        </p:xfrm>
-        <a:graphic>
-          <a:graphicData uri="http://schemas.openxmlformats.org/drawingml/2006/table">
-            <a:tbl>
-              <a:tblPr firstRow="1" bandRow="1">
-                <a:tableStyleId>{5C22544A-7EE6-4342-B048-85BDC9FD1C3A}</a:tableStyleId>
-              </a:tblPr>
-              <a:tblGrid>
-                <a:gridCol w="3029465"/>
-                <a:gridCol w="2228335"/>
-                <a:gridCol w="2628900"/>
-                <a:gridCol w="2628900"/>
-              </a:tblGrid>
-              <a:tr h="370840">
-                <a:tc>
-                  <a:txBody>
-                    <a:bodyPr/>
-                    <a:lstStyle/>
-                    <a:p>
-                      <a:pPr algn="ctr"/>
-                      <a:r>
-                        <a:rPr lang="en-US" dirty="0" smtClean="0"/>
-                        <a:t>Feature Part</a:t>
-                      </a:r>
-                      <a:endParaRPr lang="en-US" dirty="0"/>
-                    </a:p>
-                  </a:txBody>
-                  <a:tcPr/>
-                </a:tc>
-                <a:tc>
-                  <a:txBody>
-                    <a:bodyPr/>
-                    <a:lstStyle/>
-                    <a:p>
-                      <a:r>
-                        <a:rPr lang="en-US" dirty="0" smtClean="0"/>
-                        <a:t>Unit (Junit/Jasmine)</a:t>
-                      </a:r>
-                      <a:endParaRPr lang="en-US" dirty="0"/>
-                    </a:p>
-                  </a:txBody>
-                  <a:tcPr/>
-                </a:tc>
-                <a:tc>
-                  <a:txBody>
-                    <a:bodyPr/>
-                    <a:lstStyle/>
-                    <a:p>
-                      <a:r>
-                        <a:rPr lang="en-US" dirty="0" smtClean="0"/>
-                        <a:t>Service (</a:t>
-                      </a:r>
-                      <a:r>
-                        <a:rPr lang="en-US" dirty="0" err="1" smtClean="0"/>
-                        <a:t>Fitnesse</a:t>
-                      </a:r>
-                      <a:r>
-                        <a:rPr lang="en-US" dirty="0" smtClean="0"/>
-                        <a:t>)</a:t>
-                      </a:r>
-                      <a:endParaRPr lang="en-US" dirty="0"/>
-                    </a:p>
-                  </a:txBody>
-                  <a:tcPr/>
-                </a:tc>
-                <a:tc>
-                  <a:txBody>
-                    <a:bodyPr/>
-                    <a:lstStyle/>
-                    <a:p>
-                      <a:r>
-                        <a:rPr lang="en-US" dirty="0" smtClean="0"/>
-                        <a:t>UI (</a:t>
-                      </a:r>
-                      <a:r>
-                        <a:rPr lang="en-US" baseline="0" dirty="0" smtClean="0"/>
-                        <a:t>Selenium + Junit)</a:t>
-                      </a:r>
-                      <a:endParaRPr lang="en-US" dirty="0"/>
-                    </a:p>
-                  </a:txBody>
-                  <a:tcPr/>
-                </a:tc>
-              </a:tr>
-              <a:tr h="370840">
-                <a:tc>
-                  <a:txBody>
-                    <a:bodyPr/>
-                    <a:lstStyle/>
-                    <a:p>
-                      <a:r>
-                        <a:rPr lang="en-US" dirty="0" smtClean="0"/>
-                        <a:t>Calculate</a:t>
-                      </a:r>
-                      <a:r>
-                        <a:rPr lang="en-US" baseline="0" dirty="0" smtClean="0"/>
-                        <a:t> number of days for duration</a:t>
-                      </a:r>
-                      <a:endParaRPr lang="en-US" dirty="0"/>
-                    </a:p>
-                  </a:txBody>
-                  <a:tcPr/>
-                </a:tc>
-                <a:tc>
-                  <a:txBody>
-                    <a:bodyPr/>
-                    <a:lstStyle/>
-                    <a:p>
-                      <a:endParaRPr lang="en-US" dirty="0"/>
-                    </a:p>
-                  </a:txBody>
-                  <a:tcPr/>
-                </a:tc>
-                <a:tc>
-                  <a:txBody>
-                    <a:bodyPr/>
-                    <a:lstStyle/>
-                    <a:p>
-                      <a:endParaRPr lang="en-US" dirty="0"/>
-                    </a:p>
-                  </a:txBody>
-                  <a:tcPr/>
-                </a:tc>
-                <a:tc>
-                  <a:txBody>
-                    <a:bodyPr/>
-                    <a:lstStyle/>
-                    <a:p>
-                      <a:endParaRPr lang="en-US" dirty="0"/>
-                    </a:p>
-                  </a:txBody>
-                  <a:tcPr/>
-                </a:tc>
-              </a:tr>
-            </a:tbl>
-          </a:graphicData>
-        </a:graphic>
-      </p:graphicFrame>
-      <p:cxnSp>
-        <p:nvCxnSpPr>
-          <p:cNvPr id="10" name="Straight Arrow Connector 9"/>
-          <p:cNvCxnSpPr/>
-          <p:nvPr/>
-        </p:nvCxnSpPr>
-        <p:spPr>
-          <a:xfrm flipH="1">
-            <a:off x="4468159" y="2492880"/>
-            <a:ext cx="299784" cy="424491"/>
-          </a:xfrm>
-          <a:prstGeom prst="straightConnector1">
-            <a:avLst/>
-          </a:prstGeom>
-          <a:ln w="38100">
-            <a:tailEnd type="triangle"/>
-          </a:ln>
-        </p:spPr>
-        <p:style>
-          <a:lnRef idx="1">
-            <a:schemeClr val="accent1"/>
-          </a:lnRef>
-          <a:fillRef idx="0">
-            <a:schemeClr val="accent1"/>
-          </a:fillRef>
-          <a:effectRef idx="0">
-            <a:schemeClr val="accent1"/>
-          </a:effectRef>
-          <a:fontRef idx="minor">
-            <a:schemeClr val="tx1"/>
-          </a:fontRef>
-        </p:style>
-      </p:cxnSp>
-      <p:cxnSp>
-        <p:nvCxnSpPr>
-          <p:cNvPr id="11" name="Straight Arrow Connector 10"/>
-          <p:cNvCxnSpPr/>
-          <p:nvPr/>
-        </p:nvCxnSpPr>
-        <p:spPr>
-          <a:xfrm>
-            <a:off x="7384626" y="2324730"/>
-            <a:ext cx="433533" cy="627753"/>
-          </a:xfrm>
-          <a:prstGeom prst="straightConnector1">
-            <a:avLst/>
-          </a:prstGeom>
-          <a:ln w="38100">
-            <a:tailEnd type="triangle"/>
-          </a:ln>
-        </p:spPr>
-        <p:style>
-          <a:lnRef idx="1">
-            <a:schemeClr val="accent1"/>
-          </a:lnRef>
-          <a:fillRef idx="0">
-            <a:schemeClr val="accent1"/>
-          </a:fillRef>
-          <a:effectRef idx="0">
-            <a:schemeClr val="accent1"/>
-          </a:effectRef>
-          <a:fontRef idx="minor">
-            <a:schemeClr val="tx1"/>
-          </a:fontRef>
-        </p:style>
-      </p:cxnSp>
-      <p:pic>
-        <p:nvPicPr>
-          <p:cNvPr id="5" name="Picture 4"/>
-          <p:cNvPicPr>
-            <a:picLocks noChangeAspect="1"/>
-          </p:cNvPicPr>
-          <p:nvPr/>
-        </p:nvPicPr>
-        <p:blipFill>
-          <a:blip r:embed="rId3">
-            <a:extLst>
-              <a:ext uri="{28A0092B-C50C-407E-A947-70E740481C1C}">
-                <a14:useLocalDpi xmlns:a14="http://schemas.microsoft.com/office/drawing/2010/main" val="0"/>
-              </a:ext>
-            </a:extLst>
-          </a:blip>
-          <a:stretch>
-            <a:fillRect/>
-          </a:stretch>
-        </p:blipFill>
-        <p:spPr>
-          <a:xfrm>
-            <a:off x="4983042" y="2952483"/>
-            <a:ext cx="6370758" cy="2875456"/>
-          </a:xfrm>
-          <a:prstGeom prst="rect">
-            <a:avLst/>
-          </a:prstGeom>
-        </p:spPr>
-      </p:pic>
-      <p:pic>
-        <p:nvPicPr>
-          <p:cNvPr id="6" name="Picture 5"/>
-          <p:cNvPicPr>
-            <a:picLocks noChangeAspect="1"/>
-          </p:cNvPicPr>
-          <p:nvPr/>
-        </p:nvPicPr>
-        <p:blipFill>
-          <a:blip r:embed="rId4">
-            <a:extLst>
-              <a:ext uri="{28A0092B-C50C-407E-A947-70E740481C1C}">
-                <a14:useLocalDpi xmlns:a14="http://schemas.microsoft.com/office/drawing/2010/main" val="0"/>
-              </a:ext>
-            </a:extLst>
-          </a:blip>
-          <a:stretch>
-            <a:fillRect/>
-          </a:stretch>
-        </p:blipFill>
-        <p:spPr>
-          <a:xfrm>
-            <a:off x="669685" y="2952483"/>
-            <a:ext cx="4215386" cy="2337198"/>
-          </a:xfrm>
-          <a:prstGeom prst="rect">
-            <a:avLst/>
-          </a:prstGeom>
-        </p:spPr>
-      </p:pic>
-      <p:pic>
-        <p:nvPicPr>
-          <p:cNvPr id="8" name="Picture 7"/>
-          <p:cNvPicPr>
-            <a:picLocks noChangeAspect="1"/>
-          </p:cNvPicPr>
-          <p:nvPr/>
-        </p:nvPicPr>
-        <p:blipFill>
-          <a:blip r:embed="rId5">
-            <a:extLst>
-              <a:ext uri="{28A0092B-C50C-407E-A947-70E740481C1C}">
-                <a14:useLocalDpi xmlns:a14="http://schemas.microsoft.com/office/drawing/2010/main" val="0"/>
-              </a:ext>
-            </a:extLst>
-          </a:blip>
-          <a:stretch>
-            <a:fillRect/>
-          </a:stretch>
-        </p:blipFill>
-        <p:spPr>
-          <a:xfrm>
-            <a:off x="1126378" y="3754675"/>
-            <a:ext cx="3302000" cy="2897083"/>
-          </a:xfrm>
-          <a:prstGeom prst="rect">
-            <a:avLst/>
-          </a:prstGeom>
-        </p:spPr>
-      </p:pic>
-      <p:sp>
-        <p:nvSpPr>
-          <p:cNvPr id="12" name="TextBox 11"/>
-          <p:cNvSpPr txBox="1"/>
-          <p:nvPr/>
-        </p:nvSpPr>
-        <p:spPr>
-          <a:xfrm>
-            <a:off x="3857310" y="1768523"/>
-            <a:ext cx="2238690" cy="369332"/>
-          </a:xfrm>
-          <a:prstGeom prst="rect">
-            <a:avLst/>
-          </a:prstGeom>
-          <a:noFill/>
-        </p:spPr>
-        <p:txBody>
-          <a:bodyPr wrap="none" rtlCol="0">
-            <a:spAutoFit/>
-          </a:bodyPr>
-          <a:lstStyle/>
-          <a:p>
-            <a:r>
-              <a:rPr lang="en-US" dirty="0" err="1" smtClean="0">
-                <a:hlinkClick r:id="rId6"/>
-              </a:rPr>
-              <a:t>DurationParserShould</a:t>
-            </a:r>
-            <a:endParaRPr lang="en-US" dirty="0"/>
-          </a:p>
-        </p:txBody>
-      </p:sp>
-      <p:sp>
-        <p:nvSpPr>
-          <p:cNvPr id="13" name="TextBox 12"/>
-          <p:cNvSpPr txBox="1"/>
-          <p:nvPr/>
-        </p:nvSpPr>
-        <p:spPr>
-          <a:xfrm>
-            <a:off x="3848985" y="2031024"/>
-            <a:ext cx="2164119" cy="369332"/>
-          </a:xfrm>
-          <a:prstGeom prst="rect">
-            <a:avLst/>
-          </a:prstGeom>
-          <a:noFill/>
-        </p:spPr>
-        <p:txBody>
-          <a:bodyPr wrap="none" rtlCol="0">
-            <a:spAutoFit/>
-          </a:bodyPr>
-          <a:lstStyle/>
-          <a:p>
-            <a:r>
-              <a:rPr lang="en-US" dirty="0" err="1" smtClean="0">
-                <a:hlinkClick r:id="rId7"/>
-              </a:rPr>
-              <a:t>EDurationUnitShould</a:t>
-            </a:r>
-            <a:endParaRPr lang="en-US" dirty="0"/>
-          </a:p>
-        </p:txBody>
-      </p:sp>
-      <p:sp>
-        <p:nvSpPr>
-          <p:cNvPr id="14" name="TextBox 13"/>
-          <p:cNvSpPr txBox="1"/>
-          <p:nvPr/>
-        </p:nvSpPr>
-        <p:spPr>
-          <a:xfrm>
-            <a:off x="6096000" y="1767765"/>
-            <a:ext cx="1661480" cy="369332"/>
-          </a:xfrm>
-          <a:prstGeom prst="rect">
-            <a:avLst/>
-          </a:prstGeom>
-          <a:noFill/>
-        </p:spPr>
-        <p:txBody>
-          <a:bodyPr wrap="none" rtlCol="0">
-            <a:spAutoFit/>
-          </a:bodyPr>
-          <a:lstStyle/>
-          <a:p>
-            <a:r>
-              <a:rPr lang="en-US" dirty="0" err="1" smtClean="0">
-                <a:hlinkClick r:id="rId8"/>
-              </a:rPr>
-              <a:t>DurationToDays</a:t>
-            </a:r>
-            <a:endParaRPr lang="en-US" dirty="0"/>
-          </a:p>
-        </p:txBody>
-      </p:sp>
-    </p:spTree>
-    <p:extLst>
-      <p:ext uri="{BB962C8B-B14F-4D97-AF65-F5344CB8AC3E}">
-        <p14:creationId xmlns:p14="http://schemas.microsoft.com/office/powerpoint/2010/main" val="933964897"/>
-      </p:ext>
-    </p:extLst>
-  </p:cSld>
-  <p:clrMapOvr>
-    <a:masterClrMapping/>
-  </p:clrMapOvr>
-  <p:timing>
-    <p:tnLst>
-      <p:par>
-        <p:cTn id="1" dur="indefinite" restart="never" nodeType="tmRoot"/>
-      </p:par>
-    </p:tnLst>
-  </p:timing>
-</p:sld>
-</file>
-
-<file path=ppt/slides/slide13.xml><?xml version="1.0" encoding="utf-8"?>
-<p:sld xmlns:a="http://schemas.openxmlformats.org/drawingml/2006/main" xmlns:r="http://schemas.openxmlformats.org/officeDocument/2006/relationships" xmlns:p="http://schemas.openxmlformats.org/presentationml/2006/main">
-  <p:cSld>
-    <p:spTree>
-      <p:nvGrpSpPr>
-        <p:cNvPr id="1" name=""/>
-        <p:cNvGrpSpPr/>
-        <p:nvPr/>
-      </p:nvGrpSpPr>
-      <p:grpSpPr>
-        <a:xfrm>
-          <a:off x="0" y="0"/>
-          <a:ext cx="0" cy="0"/>
-          <a:chOff x="0" y="0"/>
-          <a:chExt cx="0" cy="0"/>
-        </a:xfrm>
-      </p:grpSpPr>
-      <p:sp>
-        <p:nvSpPr>
-          <p:cNvPr id="2" name="Title 1"/>
-          <p:cNvSpPr>
-            <a:spLocks noGrp="1"/>
-          </p:cNvSpPr>
-          <p:nvPr>
-            <p:ph type="title"/>
-          </p:nvPr>
-        </p:nvSpPr>
-        <p:spPr/>
-        <p:txBody>
-          <a:bodyPr/>
-          <a:lstStyle/>
-          <a:p>
-            <a:r>
-              <a:rPr lang="en-US" dirty="0" smtClean="0"/>
-              <a:t>Duration Validation Rule Applied</a:t>
-            </a:r>
-            <a:endParaRPr lang="en-US" dirty="0"/>
-          </a:p>
-        </p:txBody>
-      </p:sp>
-      <p:graphicFrame>
-        <p:nvGraphicFramePr>
-          <p:cNvPr id="4" name="Content Placeholder 3"/>
-          <p:cNvGraphicFramePr>
-            <a:graphicFrameLocks noGrp="1"/>
-          </p:cNvGraphicFramePr>
-          <p:nvPr>
-            <p:ph idx="1"/>
-            <p:extLst>
-              <p:ext uri="{D42A27DB-BD31-4B8C-83A1-F6EECF244321}">
-                <p14:modId xmlns:p14="http://schemas.microsoft.com/office/powerpoint/2010/main" val="314275513"/>
-              </p:ext>
-            </p:extLst>
-          </p:nvPr>
-        </p:nvGraphicFramePr>
-        <p:xfrm>
-          <a:off x="838200" y="1481960"/>
-          <a:ext cx="10515600" cy="1285240"/>
-        </p:xfrm>
-        <a:graphic>
-          <a:graphicData uri="http://schemas.openxmlformats.org/drawingml/2006/table">
-            <a:tbl>
-              <a:tblPr firstRow="1" bandRow="1">
-                <a:tableStyleId>{5C22544A-7EE6-4342-B048-85BDC9FD1C3A}</a:tableStyleId>
-              </a:tblPr>
-              <a:tblGrid>
-                <a:gridCol w="3029465"/>
-                <a:gridCol w="3632592"/>
-                <a:gridCol w="2536372"/>
-                <a:gridCol w="1317171"/>
-              </a:tblGrid>
-              <a:tr h="370840">
-                <a:tc>
-                  <a:txBody>
-                    <a:bodyPr/>
-                    <a:lstStyle/>
-                    <a:p>
-                      <a:pPr algn="ctr"/>
-                      <a:r>
-                        <a:rPr lang="en-US" dirty="0" smtClean="0"/>
-                        <a:t>Feature Part</a:t>
-                      </a:r>
-                      <a:endParaRPr lang="en-US" dirty="0"/>
-                    </a:p>
-                  </a:txBody>
-                  <a:tcPr/>
-                </a:tc>
-                <a:tc>
-                  <a:txBody>
-                    <a:bodyPr/>
-                    <a:lstStyle/>
-                    <a:p>
-                      <a:r>
-                        <a:rPr lang="en-US" dirty="0" smtClean="0"/>
-                        <a:t>Unit (Junit/Jasmine)</a:t>
-                      </a:r>
-                      <a:endParaRPr lang="en-US" dirty="0"/>
-                    </a:p>
-                  </a:txBody>
-                  <a:tcPr/>
-                </a:tc>
-                <a:tc>
-                  <a:txBody>
-                    <a:bodyPr/>
-                    <a:lstStyle/>
-                    <a:p>
-                      <a:r>
-                        <a:rPr lang="en-US" dirty="0" smtClean="0"/>
-                        <a:t>Service (</a:t>
-                      </a:r>
-                      <a:r>
-                        <a:rPr lang="en-US" dirty="0" err="1" smtClean="0"/>
-                        <a:t>Fitnesse</a:t>
-                      </a:r>
-                      <a:r>
-                        <a:rPr lang="en-US" dirty="0" smtClean="0"/>
-                        <a:t>)</a:t>
-                      </a:r>
-                      <a:endParaRPr lang="en-US" dirty="0"/>
-                    </a:p>
-                  </a:txBody>
-                  <a:tcPr/>
-                </a:tc>
-                <a:tc>
-                  <a:txBody>
-                    <a:bodyPr/>
-                    <a:lstStyle/>
-                    <a:p>
-                      <a:r>
-                        <a:rPr lang="en-US" dirty="0" smtClean="0"/>
-                        <a:t>UI</a:t>
-                      </a:r>
-                      <a:endParaRPr lang="en-US" dirty="0"/>
-                    </a:p>
-                  </a:txBody>
-                  <a:tcPr/>
-                </a:tc>
-              </a:tr>
-              <a:tr h="370840">
-                <a:tc>
-                  <a:txBody>
-                    <a:bodyPr/>
-                    <a:lstStyle/>
-                    <a:p>
-                      <a:r>
-                        <a:rPr lang="en-US" dirty="0" smtClean="0"/>
-                        <a:t>Rule applied to prescription</a:t>
-                      </a:r>
-                      <a:r>
-                        <a:rPr lang="en-US" baseline="0" dirty="0" smtClean="0"/>
-                        <a:t> and appropriate response built</a:t>
-                      </a:r>
-                      <a:endParaRPr lang="en-US" dirty="0"/>
-                    </a:p>
-                  </a:txBody>
-                  <a:tcPr/>
-                </a:tc>
-                <a:tc>
-                  <a:txBody>
-                    <a:bodyPr/>
-                    <a:lstStyle/>
-                    <a:p>
-                      <a:endParaRPr lang="en-US" dirty="0"/>
-                    </a:p>
-                  </a:txBody>
-                  <a:tcPr/>
-                </a:tc>
-                <a:tc>
-                  <a:txBody>
-                    <a:bodyPr/>
-                    <a:lstStyle/>
-                    <a:p>
-                      <a:endParaRPr lang="en-US" dirty="0"/>
-                    </a:p>
-                  </a:txBody>
-                  <a:tcPr/>
-                </a:tc>
-                <a:tc>
-                  <a:txBody>
-                    <a:bodyPr/>
-                    <a:lstStyle/>
-                    <a:p>
-                      <a:endParaRPr lang="en-US" dirty="0"/>
-                    </a:p>
-                  </a:txBody>
-                  <a:tcPr/>
-                </a:tc>
-              </a:tr>
-            </a:tbl>
-          </a:graphicData>
-        </a:graphic>
-      </p:graphicFrame>
-      <p:cxnSp>
-        <p:nvCxnSpPr>
-          <p:cNvPr id="10" name="Straight Arrow Connector 9"/>
-          <p:cNvCxnSpPr/>
-          <p:nvPr/>
-        </p:nvCxnSpPr>
-        <p:spPr>
-          <a:xfrm flipH="1">
-            <a:off x="4709983" y="2644908"/>
-            <a:ext cx="254483" cy="352486"/>
-          </a:xfrm>
-          <a:prstGeom prst="straightConnector1">
-            <a:avLst/>
-          </a:prstGeom>
-          <a:ln w="38100">
-            <a:tailEnd type="triangle"/>
-          </a:ln>
-        </p:spPr>
-        <p:style>
-          <a:lnRef idx="1">
-            <a:schemeClr val="accent1"/>
-          </a:lnRef>
-          <a:fillRef idx="0">
-            <a:schemeClr val="accent1"/>
-          </a:fillRef>
-          <a:effectRef idx="0">
-            <a:schemeClr val="accent1"/>
-          </a:effectRef>
-          <a:fontRef idx="minor">
-            <a:schemeClr val="tx1"/>
-          </a:fontRef>
-        </p:style>
-      </p:cxnSp>
-      <p:cxnSp>
-        <p:nvCxnSpPr>
-          <p:cNvPr id="11" name="Straight Arrow Connector 10"/>
-          <p:cNvCxnSpPr/>
-          <p:nvPr/>
-        </p:nvCxnSpPr>
-        <p:spPr>
-          <a:xfrm>
-            <a:off x="8451563" y="2247349"/>
-            <a:ext cx="433533" cy="627753"/>
-          </a:xfrm>
-          <a:prstGeom prst="straightConnector1">
-            <a:avLst/>
-          </a:prstGeom>
-          <a:ln w="38100">
-            <a:tailEnd type="triangle"/>
-          </a:ln>
-        </p:spPr>
-        <p:style>
-          <a:lnRef idx="1">
-            <a:schemeClr val="accent1"/>
-          </a:lnRef>
-          <a:fillRef idx="0">
-            <a:schemeClr val="accent1"/>
-          </a:fillRef>
-          <a:effectRef idx="0">
-            <a:schemeClr val="accent1"/>
-          </a:effectRef>
-          <a:fontRef idx="minor">
-            <a:schemeClr val="tx1"/>
-          </a:fontRef>
-        </p:style>
-      </p:cxnSp>
-      <p:sp>
-        <p:nvSpPr>
-          <p:cNvPr id="12" name="TextBox 11"/>
-          <p:cNvSpPr txBox="1"/>
-          <p:nvPr/>
-        </p:nvSpPr>
-        <p:spPr>
-          <a:xfrm>
-            <a:off x="3857310" y="1768523"/>
-            <a:ext cx="1897507" cy="369332"/>
-          </a:xfrm>
-          <a:prstGeom prst="rect">
-            <a:avLst/>
-          </a:prstGeom>
-          <a:noFill/>
-        </p:spPr>
-        <p:txBody>
-          <a:bodyPr wrap="none" rtlCol="0">
-            <a:spAutoFit/>
-          </a:bodyPr>
-          <a:lstStyle/>
-          <a:p>
-            <a:r>
-              <a:rPr lang="en-US" dirty="0" err="1" smtClean="0">
-                <a:hlinkClick r:id="rId3"/>
-              </a:rPr>
-              <a:t>RxValidatorShould</a:t>
-            </a:r>
-            <a:endParaRPr lang="en-US" dirty="0"/>
-          </a:p>
-        </p:txBody>
-      </p:sp>
-      <p:sp>
-        <p:nvSpPr>
-          <p:cNvPr id="13" name="TextBox 12"/>
-          <p:cNvSpPr txBox="1"/>
-          <p:nvPr/>
-        </p:nvSpPr>
-        <p:spPr>
-          <a:xfrm>
-            <a:off x="3848985" y="2031024"/>
-            <a:ext cx="3632598" cy="369332"/>
-          </a:xfrm>
-          <a:prstGeom prst="rect">
-            <a:avLst/>
-          </a:prstGeom>
-          <a:noFill/>
-        </p:spPr>
-        <p:txBody>
-          <a:bodyPr wrap="none" rtlCol="0">
-            <a:spAutoFit/>
-          </a:bodyPr>
-          <a:lstStyle/>
-          <a:p>
-            <a:r>
-              <a:rPr lang="en-US" dirty="0" err="1" smtClean="0">
-                <a:hlinkClick r:id="rId4"/>
-              </a:rPr>
-              <a:t>OpiateDurationValidationRuleShould</a:t>
-            </a:r>
-            <a:endParaRPr lang="en-US" dirty="0"/>
-          </a:p>
-        </p:txBody>
-      </p:sp>
-      <p:sp>
-        <p:nvSpPr>
-          <p:cNvPr id="14" name="TextBox 13"/>
-          <p:cNvSpPr txBox="1"/>
-          <p:nvPr/>
-        </p:nvSpPr>
-        <p:spPr>
-          <a:xfrm>
-            <a:off x="7601392" y="1865589"/>
-            <a:ext cx="2047548" cy="369332"/>
-          </a:xfrm>
-          <a:prstGeom prst="rect">
-            <a:avLst/>
-          </a:prstGeom>
-          <a:noFill/>
-        </p:spPr>
-        <p:txBody>
-          <a:bodyPr wrap="none" rtlCol="0">
-            <a:spAutoFit/>
-          </a:bodyPr>
-          <a:lstStyle/>
-          <a:p>
-            <a:r>
-              <a:rPr lang="en-US" dirty="0" smtClean="0">
-                <a:hlinkClick r:id="rId5"/>
-              </a:rPr>
-              <a:t>OpiateDurationRule</a:t>
-            </a:r>
-            <a:endParaRPr lang="en-US" dirty="0"/>
-          </a:p>
-        </p:txBody>
-      </p:sp>
-      <p:sp>
-        <p:nvSpPr>
-          <p:cNvPr id="15" name="TextBox 14"/>
-          <p:cNvSpPr txBox="1"/>
-          <p:nvPr/>
-        </p:nvSpPr>
-        <p:spPr>
-          <a:xfrm>
-            <a:off x="3861521" y="2305622"/>
-            <a:ext cx="3680688" cy="369332"/>
-          </a:xfrm>
-          <a:prstGeom prst="rect">
-            <a:avLst/>
-          </a:prstGeom>
-          <a:noFill/>
-        </p:spPr>
-        <p:txBody>
-          <a:bodyPr wrap="none" rtlCol="0">
-            <a:spAutoFit/>
-          </a:bodyPr>
-          <a:lstStyle/>
-          <a:p>
-            <a:r>
-              <a:rPr lang="en-US" dirty="0" err="1" smtClean="0">
-                <a:hlinkClick r:id="rId6"/>
-              </a:rPr>
-              <a:t>ValidatePrescriptionCommandShould</a:t>
-            </a:r>
-            <a:endParaRPr lang="en-US" dirty="0"/>
-          </a:p>
-        </p:txBody>
-      </p:sp>
-      <p:pic>
-        <p:nvPicPr>
-          <p:cNvPr id="5" name="Picture 4"/>
-          <p:cNvPicPr>
-            <a:picLocks noChangeAspect="1"/>
-          </p:cNvPicPr>
-          <p:nvPr/>
-        </p:nvPicPr>
-        <p:blipFill>
-          <a:blip r:embed="rId7">
-            <a:extLst>
-              <a:ext uri="{28A0092B-C50C-407E-A947-70E740481C1C}">
-                <a14:useLocalDpi xmlns:a14="http://schemas.microsoft.com/office/drawing/2010/main" val="0"/>
-              </a:ext>
-            </a:extLst>
-          </a:blip>
-          <a:stretch>
-            <a:fillRect/>
-          </a:stretch>
-        </p:blipFill>
-        <p:spPr>
-          <a:xfrm>
-            <a:off x="5097975" y="2934967"/>
-            <a:ext cx="6407918" cy="2649567"/>
-          </a:xfrm>
-          <a:prstGeom prst="rect">
-            <a:avLst/>
-          </a:prstGeom>
-        </p:spPr>
-      </p:pic>
-      <p:pic>
-        <p:nvPicPr>
-          <p:cNvPr id="9" name="Picture 8"/>
-          <p:cNvPicPr>
-            <a:picLocks noChangeAspect="1"/>
-          </p:cNvPicPr>
-          <p:nvPr/>
-        </p:nvPicPr>
-        <p:blipFill>
-          <a:blip r:embed="rId8">
-            <a:extLst>
-              <a:ext uri="{28A0092B-C50C-407E-A947-70E740481C1C}">
-                <a14:useLocalDpi xmlns:a14="http://schemas.microsoft.com/office/drawing/2010/main" val="0"/>
-              </a:ext>
-            </a:extLst>
-          </a:blip>
-          <a:stretch>
-            <a:fillRect/>
-          </a:stretch>
-        </p:blipFill>
-        <p:spPr>
-          <a:xfrm>
-            <a:off x="838200" y="2934967"/>
-            <a:ext cx="3498606" cy="2587464"/>
-          </a:xfrm>
-          <a:prstGeom prst="rect">
-            <a:avLst/>
-          </a:prstGeom>
-        </p:spPr>
-      </p:pic>
-    </p:spTree>
-    <p:extLst>
-      <p:ext uri="{BB962C8B-B14F-4D97-AF65-F5344CB8AC3E}">
-        <p14:creationId xmlns:p14="http://schemas.microsoft.com/office/powerpoint/2010/main" val="1271963336"/>
-      </p:ext>
-    </p:extLst>
-  </p:cSld>
-  <p:clrMapOvr>
-    <a:masterClrMapping/>
-  </p:clrMapOvr>
-  <p:timing>
-    <p:tnLst>
-      <p:par>
-        <p:cTn id="1" dur="indefinite" restart="never" nodeType="tmRoot"/>
-      </p:par>
-    </p:tnLst>
-  </p:timing>
-</p:sld>
-</file>
-
-<file path=ppt/slides/slide14.xml><?xml version="1.0" encoding="utf-8"?>
-<p:sld xmlns:a="http://schemas.openxmlformats.org/drawingml/2006/main" xmlns:r="http://schemas.openxmlformats.org/officeDocument/2006/relationships" xmlns:p="http://schemas.openxmlformats.org/presentationml/2006/main">
-  <p:cSld>
-    <p:spTree>
-      <p:nvGrpSpPr>
-        <p:cNvPr id="1" name=""/>
-        <p:cNvGrpSpPr/>
-        <p:nvPr/>
-      </p:nvGrpSpPr>
-      <p:grpSpPr>
-        <a:xfrm>
-          <a:off x="0" y="0"/>
-          <a:ext cx="0" cy="0"/>
-          <a:chOff x="0" y="0"/>
-          <a:chExt cx="0" cy="0"/>
-        </a:xfrm>
-      </p:grpSpPr>
-      <p:sp>
-        <p:nvSpPr>
-          <p:cNvPr id="2" name="Title 1"/>
-          <p:cNvSpPr>
-            <a:spLocks noGrp="1"/>
-          </p:cNvSpPr>
-          <p:nvPr>
-            <p:ph type="title"/>
-          </p:nvPr>
-        </p:nvSpPr>
-        <p:spPr/>
-        <p:txBody>
-          <a:bodyPr/>
-          <a:lstStyle/>
-          <a:p>
-            <a:r>
-              <a:rPr lang="en-US" dirty="0" smtClean="0"/>
-              <a:t>Inform User in UI if Rule Violated</a:t>
-            </a:r>
-            <a:endParaRPr lang="en-US" dirty="0"/>
-          </a:p>
-        </p:txBody>
-      </p:sp>
-      <p:graphicFrame>
-        <p:nvGraphicFramePr>
-          <p:cNvPr id="4" name="Content Placeholder 3"/>
-          <p:cNvGraphicFramePr>
-            <a:graphicFrameLocks noGrp="1"/>
-          </p:cNvGraphicFramePr>
-          <p:nvPr>
-            <p:ph idx="1"/>
-            <p:extLst>
-              <p:ext uri="{D42A27DB-BD31-4B8C-83A1-F6EECF244321}">
-                <p14:modId xmlns:p14="http://schemas.microsoft.com/office/powerpoint/2010/main" val="672923477"/>
-              </p:ext>
-            </p:extLst>
-          </p:nvPr>
-        </p:nvGraphicFramePr>
-        <p:xfrm>
-          <a:off x="838200" y="1481960"/>
-          <a:ext cx="10515600" cy="1280160"/>
-        </p:xfrm>
-        <a:graphic>
-          <a:graphicData uri="http://schemas.openxmlformats.org/drawingml/2006/table">
-            <a:tbl>
-              <a:tblPr firstRow="1" bandRow="1">
-                <a:tableStyleId>{5C22544A-7EE6-4342-B048-85BDC9FD1C3A}</a:tableStyleId>
-              </a:tblPr>
-              <a:tblGrid>
-                <a:gridCol w="3029465"/>
-                <a:gridCol w="3632592"/>
-                <a:gridCol w="1164772"/>
-                <a:gridCol w="2688771"/>
-              </a:tblGrid>
-              <a:tr h="370840">
-                <a:tc>
-                  <a:txBody>
-                    <a:bodyPr/>
-                    <a:lstStyle/>
-                    <a:p>
-                      <a:pPr algn="ctr"/>
-                      <a:r>
-                        <a:rPr lang="en-US" dirty="0" smtClean="0"/>
-                        <a:t>Feature Part</a:t>
-                      </a:r>
-                      <a:endParaRPr lang="en-US" dirty="0"/>
-                    </a:p>
-                  </a:txBody>
-                  <a:tcPr/>
-                </a:tc>
-                <a:tc>
-                  <a:txBody>
-                    <a:bodyPr/>
-                    <a:lstStyle/>
-                    <a:p>
-                      <a:r>
-                        <a:rPr lang="en-US" dirty="0" smtClean="0"/>
-                        <a:t>Unit (Junit/Jasmine)</a:t>
-                      </a:r>
-                      <a:endParaRPr lang="en-US" dirty="0"/>
-                    </a:p>
-                  </a:txBody>
-                  <a:tcPr/>
-                </a:tc>
-                <a:tc>
-                  <a:txBody>
-                    <a:bodyPr/>
-                    <a:lstStyle/>
-                    <a:p>
-                      <a:r>
-                        <a:rPr lang="en-US" dirty="0" smtClean="0"/>
-                        <a:t>Service (</a:t>
-                      </a:r>
-                      <a:r>
-                        <a:rPr lang="en-US" dirty="0" err="1" smtClean="0"/>
-                        <a:t>Fitnesse</a:t>
-                      </a:r>
-                      <a:r>
-                        <a:rPr lang="en-US" dirty="0" smtClean="0"/>
-                        <a:t>)</a:t>
-                      </a:r>
-                      <a:endParaRPr lang="en-US" dirty="0"/>
-                    </a:p>
-                  </a:txBody>
-                  <a:tcPr/>
-                </a:tc>
-                <a:tc>
-                  <a:txBody>
-                    <a:bodyPr/>
-                    <a:lstStyle/>
-                    <a:p>
-                      <a:r>
-                        <a:rPr lang="en-US" dirty="0" smtClean="0"/>
-                        <a:t>UI (Selenium</a:t>
-                      </a:r>
-                      <a:r>
-                        <a:rPr lang="en-US" baseline="0" dirty="0" smtClean="0"/>
-                        <a:t> / Java)</a:t>
-                      </a:r>
-                      <a:endParaRPr lang="en-US" dirty="0"/>
-                    </a:p>
-                  </a:txBody>
-                  <a:tcPr/>
-                </a:tc>
-              </a:tr>
-              <a:tr h="370840">
-                <a:tc>
-                  <a:txBody>
-                    <a:bodyPr/>
-                    <a:lstStyle/>
-                    <a:p>
-                      <a:r>
-                        <a:rPr lang="en-US" dirty="0" smtClean="0"/>
-                        <a:t>Inform</a:t>
-                      </a:r>
-                      <a:r>
-                        <a:rPr lang="en-US" baseline="0" dirty="0" smtClean="0"/>
-                        <a:t> user in UI if rule violated</a:t>
-                      </a:r>
-                      <a:endParaRPr lang="en-US" dirty="0"/>
-                    </a:p>
-                  </a:txBody>
-                  <a:tcPr/>
-                </a:tc>
-                <a:tc>
-                  <a:txBody>
-                    <a:bodyPr/>
-                    <a:lstStyle/>
-                    <a:p>
-                      <a:endParaRPr lang="en-US" dirty="0"/>
-                    </a:p>
-                  </a:txBody>
-                  <a:tcPr/>
-                </a:tc>
-                <a:tc>
-                  <a:txBody>
-                    <a:bodyPr/>
-                    <a:lstStyle/>
-                    <a:p>
-                      <a:endParaRPr lang="en-US" dirty="0"/>
-                    </a:p>
-                  </a:txBody>
-                  <a:tcPr/>
-                </a:tc>
-                <a:tc>
-                  <a:txBody>
-                    <a:bodyPr/>
-                    <a:lstStyle/>
-                    <a:p>
-                      <a:endParaRPr lang="en-US" dirty="0"/>
-                    </a:p>
-                  </a:txBody>
-                  <a:tcPr/>
-                </a:tc>
-              </a:tr>
-            </a:tbl>
-          </a:graphicData>
-        </a:graphic>
-      </p:graphicFrame>
-      <p:cxnSp>
-        <p:nvCxnSpPr>
-          <p:cNvPr id="10" name="Straight Arrow Connector 9"/>
-          <p:cNvCxnSpPr/>
-          <p:nvPr/>
-        </p:nvCxnSpPr>
-        <p:spPr>
-          <a:xfrm flipH="1">
-            <a:off x="4709983" y="2644908"/>
-            <a:ext cx="254483" cy="352486"/>
-          </a:xfrm>
-          <a:prstGeom prst="straightConnector1">
-            <a:avLst/>
-          </a:prstGeom>
-          <a:ln w="38100">
-            <a:tailEnd type="triangle"/>
-          </a:ln>
-        </p:spPr>
-        <p:style>
-          <a:lnRef idx="1">
-            <a:schemeClr val="accent1"/>
-          </a:lnRef>
-          <a:fillRef idx="0">
-            <a:schemeClr val="accent1"/>
-          </a:fillRef>
-          <a:effectRef idx="0">
-            <a:schemeClr val="accent1"/>
-          </a:effectRef>
-          <a:fontRef idx="minor">
-            <a:schemeClr val="tx1"/>
-          </a:fontRef>
-        </p:style>
-      </p:cxnSp>
-      <p:sp>
-        <p:nvSpPr>
-          <p:cNvPr id="12" name="TextBox 11"/>
-          <p:cNvSpPr txBox="1"/>
-          <p:nvPr/>
-        </p:nvSpPr>
-        <p:spPr>
-          <a:xfrm>
-            <a:off x="3857310" y="1768523"/>
-            <a:ext cx="1897507" cy="369332"/>
-          </a:xfrm>
-          <a:prstGeom prst="rect">
-            <a:avLst/>
-          </a:prstGeom>
-          <a:noFill/>
-        </p:spPr>
-        <p:txBody>
-          <a:bodyPr wrap="none" rtlCol="0">
-            <a:spAutoFit/>
-          </a:bodyPr>
-          <a:lstStyle/>
-          <a:p>
-            <a:r>
-              <a:rPr lang="en-US" dirty="0" err="1" smtClean="0">
-                <a:hlinkClick r:id="rId3"/>
-              </a:rPr>
-              <a:t>RxValidatorShould</a:t>
-            </a:r>
-            <a:endParaRPr lang="en-US" dirty="0"/>
-          </a:p>
-        </p:txBody>
-      </p:sp>
-      <p:sp>
-        <p:nvSpPr>
-          <p:cNvPr id="13" name="TextBox 12"/>
-          <p:cNvSpPr txBox="1"/>
-          <p:nvPr/>
-        </p:nvSpPr>
-        <p:spPr>
-          <a:xfrm>
-            <a:off x="3848985" y="2031024"/>
-            <a:ext cx="3653501" cy="646331"/>
-          </a:xfrm>
-          <a:prstGeom prst="rect">
-            <a:avLst/>
-          </a:prstGeom>
-          <a:noFill/>
-        </p:spPr>
-        <p:txBody>
-          <a:bodyPr wrap="none" rtlCol="0">
-            <a:spAutoFit/>
-          </a:bodyPr>
-          <a:lstStyle/>
-          <a:p>
-            <a:r>
-              <a:rPr lang="en-US" dirty="0" err="1" smtClean="0">
-                <a:hlinkClick r:id="rId4"/>
-              </a:rPr>
-              <a:t>App.spec.js</a:t>
-            </a:r>
-            <a:endParaRPr lang="en-US" dirty="0" smtClean="0"/>
-          </a:p>
-          <a:p>
-            <a:r>
-              <a:rPr lang="en-US" dirty="0" err="1" smtClean="0">
-                <a:hlinkClick r:id="rId5"/>
-              </a:rPr>
-              <a:t>RxValidationResponseHandler.spec.js</a:t>
-            </a:r>
-            <a:endParaRPr lang="en-US" dirty="0"/>
-          </a:p>
-        </p:txBody>
-      </p:sp>
-      <p:pic>
-        <p:nvPicPr>
-          <p:cNvPr id="9" name="Picture 8"/>
-          <p:cNvPicPr>
-            <a:picLocks noChangeAspect="1"/>
-          </p:cNvPicPr>
-          <p:nvPr/>
-        </p:nvPicPr>
-        <p:blipFill>
-          <a:blip r:embed="rId6">
-            <a:extLst>
-              <a:ext uri="{28A0092B-C50C-407E-A947-70E740481C1C}">
-                <a14:useLocalDpi xmlns:a14="http://schemas.microsoft.com/office/drawing/2010/main" val="0"/>
-              </a:ext>
-            </a:extLst>
-          </a:blip>
-          <a:stretch>
-            <a:fillRect/>
-          </a:stretch>
-        </p:blipFill>
-        <p:spPr>
-          <a:xfrm>
-            <a:off x="838200" y="2934967"/>
-            <a:ext cx="3498606" cy="2587464"/>
-          </a:xfrm>
-          <a:prstGeom prst="rect">
-            <a:avLst/>
-          </a:prstGeom>
-        </p:spPr>
-      </p:pic>
-    </p:spTree>
-    <p:extLst>
-      <p:ext uri="{BB962C8B-B14F-4D97-AF65-F5344CB8AC3E}">
-        <p14:creationId xmlns:p14="http://schemas.microsoft.com/office/powerpoint/2010/main" val="412678924"/>
-      </p:ext>
-    </p:extLst>
-  </p:cSld>
-  <p:clrMapOvr>
-    <a:masterClrMapping/>
-  </p:clrMapOvr>
-  <p:timing>
-    <p:tnLst>
-      <p:par>
-        <p:cTn id="1" dur="indefinite" restart="never" nodeType="tmRoot"/>
-      </p:par>
-    </p:tnLst>
-  </p:timing>
-</p:sld>
-</file>
-
-<file path=ppt/slides/slide15.xml><?xml version="1.0" encoding="utf-8"?>
-<p:sld xmlns:a="http://schemas.openxmlformats.org/drawingml/2006/main" xmlns:r="http://schemas.openxmlformats.org/officeDocument/2006/relationships" xmlns:p="http://schemas.openxmlformats.org/presentationml/2006/main">
-  <p:cSld>
-    <p:spTree>
-      <p:nvGrpSpPr>
-        <p:cNvPr id="1" name=""/>
-        <p:cNvGrpSpPr/>
-        <p:nvPr/>
-      </p:nvGrpSpPr>
-      <p:grpSpPr>
-        <a:xfrm>
-          <a:off x="0" y="0"/>
-          <a:ext cx="0" cy="0"/>
-          <a:chOff x="0" y="0"/>
-          <a:chExt cx="0" cy="0"/>
-        </a:xfrm>
-      </p:grpSpPr>
-      <p:sp>
-        <p:nvSpPr>
-          <p:cNvPr id="2" name="Title 1"/>
-          <p:cNvSpPr>
-            <a:spLocks noGrp="1"/>
-          </p:cNvSpPr>
-          <p:nvPr>
-            <p:ph type="title"/>
-          </p:nvPr>
-        </p:nvSpPr>
-        <p:spPr/>
-        <p:txBody>
-          <a:bodyPr/>
-          <a:lstStyle/>
-          <a:p>
-            <a:r>
-              <a:rPr lang="en-US" dirty="0" smtClean="0"/>
-              <a:t>Summary</a:t>
-            </a:r>
-            <a:endParaRPr lang="en-US" dirty="0"/>
-          </a:p>
-        </p:txBody>
-      </p:sp>
-      <p:sp>
-        <p:nvSpPr>
-          <p:cNvPr id="3" name="Content Placeholder 2"/>
-          <p:cNvSpPr>
-            <a:spLocks noGrp="1"/>
-          </p:cNvSpPr>
-          <p:nvPr>
-            <p:ph idx="1"/>
-          </p:nvPr>
-        </p:nvSpPr>
-        <p:spPr/>
-        <p:txBody>
-          <a:bodyPr/>
-          <a:lstStyle/>
-          <a:p>
-            <a:endParaRPr lang="en-US"/>
-          </a:p>
-        </p:txBody>
-      </p:sp>
-    </p:spTree>
-    <p:extLst>
-      <p:ext uri="{BB962C8B-B14F-4D97-AF65-F5344CB8AC3E}">
-        <p14:creationId xmlns:p14="http://schemas.microsoft.com/office/powerpoint/2010/main" val="73434570"/>
-      </p:ext>
-    </p:extLst>
-  </p:cSld>
-  <p:clrMapOvr>
-    <a:masterClrMapping/>
-  </p:clrMapOvr>
-</p:sld>
-</file>
-
-<file path=ppt/slides/slide16.xml><?xml version="1.0" encoding="utf-8"?>
-<p:sld xmlns:a="http://schemas.openxmlformats.org/drawingml/2006/main" xmlns:r="http://schemas.openxmlformats.org/officeDocument/2006/relationships" xmlns:p="http://schemas.openxmlformats.org/presentationml/2006/main">
-  <p:cSld>
-    <p:spTree>
-      <p:nvGrpSpPr>
-        <p:cNvPr id="1" name=""/>
-        <p:cNvGrpSpPr/>
-        <p:nvPr/>
-      </p:nvGrpSpPr>
-      <p:grpSpPr>
-        <a:xfrm>
-          <a:off x="0" y="0"/>
-          <a:ext cx="0" cy="0"/>
-          <a:chOff x="0" y="0"/>
-          <a:chExt cx="0" cy="0"/>
-        </a:xfrm>
-      </p:grpSpPr>
-      <p:sp>
-        <p:nvSpPr>
-          <p:cNvPr id="2" name="Title 1"/>
-          <p:cNvSpPr>
-            <a:spLocks noGrp="1"/>
-          </p:cNvSpPr>
-          <p:nvPr>
-            <p:ph type="title"/>
-          </p:nvPr>
-        </p:nvSpPr>
-        <p:spPr/>
-        <p:txBody>
-          <a:bodyPr/>
-          <a:lstStyle/>
-          <a:p>
-            <a:r>
-              <a:rPr lang="en-US" dirty="0" smtClean="0"/>
-              <a:t>References</a:t>
-            </a:r>
-            <a:endParaRPr lang="en-US" dirty="0"/>
-          </a:p>
-        </p:txBody>
-      </p:sp>
-      <p:sp>
-        <p:nvSpPr>
-          <p:cNvPr id="3" name="Content Placeholder 2"/>
-          <p:cNvSpPr>
-            <a:spLocks noGrp="1"/>
-          </p:cNvSpPr>
-          <p:nvPr>
-            <p:ph idx="1"/>
-          </p:nvPr>
-        </p:nvSpPr>
-        <p:spPr/>
-        <p:txBody>
-          <a:bodyPr/>
-          <a:lstStyle/>
-          <a:p>
-            <a:r>
-              <a:rPr lang="en-US" dirty="0" smtClean="0"/>
-              <a:t>Succeeding with Agile: Software Development Using Scrum by Mike Cohn, Addison-Wesley, 2009</a:t>
-            </a:r>
-          </a:p>
-          <a:p>
-            <a:r>
-              <a:rPr lang="en-US" dirty="0" smtClean="0">
-                <a:hlinkClick r:id="rId2"/>
-              </a:rPr>
-              <a:t>The Forgotten Layer of the Test Automation Pyramid</a:t>
-            </a:r>
-            <a:r>
-              <a:rPr lang="en-US" dirty="0" smtClean="0"/>
-              <a:t>, Mike Cohn, 2009.</a:t>
-            </a:r>
-          </a:p>
-          <a:p>
-            <a:r>
-              <a:rPr lang="en-US" dirty="0" err="1" smtClean="0">
-                <a:hlinkClick r:id="rId3"/>
-              </a:rPr>
-              <a:t>TestPyramid</a:t>
-            </a:r>
-            <a:r>
-              <a:rPr lang="en-US" dirty="0" smtClean="0"/>
-              <a:t>, Martin Fowler, 2012</a:t>
-            </a:r>
-          </a:p>
-        </p:txBody>
-      </p:sp>
-    </p:spTree>
-    <p:extLst>
-      <p:ext uri="{BB962C8B-B14F-4D97-AF65-F5344CB8AC3E}">
-        <p14:creationId xmlns:p14="http://schemas.microsoft.com/office/powerpoint/2010/main" val="1201606013"/>
-      </p:ext>
-    </p:extLst>
-  </p:cSld>
-  <p:clrMapOvr>
-    <a:masterClrMapping/>
-  </p:clrMapOvr>
-</p:sld>
-</file>
-
-<file path=ppt/slides/slide2.xml><?xml version="1.0" encoding="utf-8"?>
-<p:sld xmlns:a="http://schemas.openxmlformats.org/drawingml/2006/main" xmlns:r="http://schemas.openxmlformats.org/officeDocument/2006/relationships" xmlns:p="http://schemas.openxmlformats.org/presentationml/2006/main">
-  <p:cSld>
-    <p:spTree>
-      <p:nvGrpSpPr>
-        <p:cNvPr id="1" name=""/>
-        <p:cNvGrpSpPr/>
-        <p:nvPr/>
-      </p:nvGrpSpPr>
-      <p:grpSpPr>
-        <a:xfrm>
-          <a:off x="0" y="0"/>
-          <a:ext cx="0" cy="0"/>
-          <a:chOff x="0" y="0"/>
-          <a:chExt cx="0" cy="0"/>
-        </a:xfrm>
-      </p:grpSpPr>
-      <p:sp>
-        <p:nvSpPr>
-          <p:cNvPr id="2" name="Title 1"/>
-          <p:cNvSpPr>
-            <a:spLocks noGrp="1"/>
-          </p:cNvSpPr>
-          <p:nvPr>
-            <p:ph type="title"/>
-          </p:nvPr>
-        </p:nvSpPr>
-        <p:spPr/>
-        <p:txBody>
-          <a:bodyPr/>
-          <a:lstStyle/>
-          <a:p>
-            <a:r>
-              <a:rPr lang="en-US" dirty="0" smtClean="0"/>
-              <a:t>Mike Cohn’s Test Pyramid</a:t>
-            </a:r>
-            <a:endParaRPr lang="en-US" dirty="0"/>
-          </a:p>
-        </p:txBody>
-      </p:sp>
-      <p:pic>
-        <p:nvPicPr>
-          <p:cNvPr id="4" name="Content Placeholder 3"/>
-          <p:cNvPicPr>
-            <a:picLocks noGrp="1" noChangeAspect="1"/>
-          </p:cNvPicPr>
-          <p:nvPr>
-            <p:ph idx="1"/>
-          </p:nvPr>
-        </p:nvPicPr>
-        <p:blipFill>
-          <a:blip r:embed="rId2">
-            <a:extLst>
-              <a:ext uri="{28A0092B-C50C-407E-A947-70E740481C1C}">
-                <a14:useLocalDpi xmlns:a14="http://schemas.microsoft.com/office/drawing/2010/main" val="0"/>
-              </a:ext>
-            </a:extLst>
-          </a:blip>
-          <a:stretch>
-            <a:fillRect/>
-          </a:stretch>
-        </p:blipFill>
-        <p:spPr>
-          <a:xfrm>
-            <a:off x="311321" y="1690688"/>
-            <a:ext cx="5669933" cy="3964524"/>
-          </a:xfrm>
-        </p:spPr>
-      </p:pic>
-      <p:sp>
-        <p:nvSpPr>
-          <p:cNvPr id="6" name="Rectangle 5"/>
-          <p:cNvSpPr/>
-          <p:nvPr/>
-        </p:nvSpPr>
-        <p:spPr>
-          <a:xfrm>
-            <a:off x="6096000" y="1690686"/>
-            <a:ext cx="4496972" cy="2677656"/>
-          </a:xfrm>
-          <a:prstGeom prst="rect">
-            <a:avLst/>
-          </a:prstGeom>
-        </p:spPr>
-        <p:txBody>
-          <a:bodyPr wrap="square">
-            <a:spAutoFit/>
-          </a:bodyPr>
-          <a:lstStyle/>
-          <a:p>
-            <a:pPr marL="285750" indent="-285750">
-              <a:buFont typeface="Arial" charset="0"/>
-              <a:buChar char="•"/>
-            </a:pPr>
-            <a:r>
-              <a:rPr lang="en-US" sz="2400" dirty="0" smtClean="0"/>
-              <a:t>Foundational base of unit tests.</a:t>
-            </a:r>
-          </a:p>
-          <a:p>
-            <a:pPr marL="285750" indent="-285750">
-              <a:buFont typeface="Arial" charset="0"/>
-              <a:buChar char="•"/>
-            </a:pPr>
-            <a:r>
-              <a:rPr lang="en-US" sz="2400" dirty="0" smtClean="0"/>
-              <a:t>Minimum necessary tests through user interface.</a:t>
-            </a:r>
-          </a:p>
-          <a:p>
-            <a:pPr marL="285750" indent="-285750">
-              <a:buFont typeface="Arial" charset="0"/>
-              <a:buChar char="•"/>
-            </a:pPr>
-            <a:r>
-              <a:rPr lang="en-US" sz="2400" dirty="0" smtClean="0"/>
-              <a:t>Service testing in the middle </a:t>
-            </a:r>
-            <a:r>
-              <a:rPr lang="mr-IN" sz="2400" dirty="0" smtClean="0"/>
-              <a:t>–</a:t>
-            </a:r>
-            <a:r>
-              <a:rPr lang="en-US" sz="2400" dirty="0" smtClean="0"/>
-              <a:t> testing services provided by the application independent of the UI.</a:t>
-            </a:r>
-            <a:endParaRPr lang="en-US" sz="2400" dirty="0"/>
-          </a:p>
-        </p:txBody>
-      </p:sp>
-    </p:spTree>
-    <p:extLst>
-      <p:ext uri="{BB962C8B-B14F-4D97-AF65-F5344CB8AC3E}">
-        <p14:creationId xmlns:p14="http://schemas.microsoft.com/office/powerpoint/2010/main" val="399150034"/>
-      </p:ext>
-    </p:extLst>
-  </p:cSld>
-  <p:clrMapOvr>
-    <a:masterClrMapping/>
-  </p:clrMapOvr>
-</p:sld>
-</file>
-
-<file path=ppt/slides/slide3.xml><?xml version="1.0" encoding="utf-8"?>
-<p:sld xmlns:a="http://schemas.openxmlformats.org/drawingml/2006/main" xmlns:r="http://schemas.openxmlformats.org/officeDocument/2006/relationships" xmlns:p="http://schemas.openxmlformats.org/presentationml/2006/main">
-  <p:cSld>
-    <p:spTree>
-      <p:nvGrpSpPr>
-        <p:cNvPr id="1" name=""/>
-        <p:cNvGrpSpPr/>
-        <p:nvPr/>
-      </p:nvGrpSpPr>
-      <p:grpSpPr>
-        <a:xfrm>
-          <a:off x="0" y="0"/>
-          <a:ext cx="0" cy="0"/>
-          <a:chOff x="0" y="0"/>
-          <a:chExt cx="0" cy="0"/>
-        </a:xfrm>
-      </p:grpSpPr>
-      <p:sp>
-        <p:nvSpPr>
-          <p:cNvPr id="2" name="Title 1"/>
-          <p:cNvSpPr>
-            <a:spLocks noGrp="1"/>
-          </p:cNvSpPr>
-          <p:nvPr>
-            <p:ph type="title"/>
-          </p:nvPr>
-        </p:nvSpPr>
-        <p:spPr/>
-        <p:txBody>
-          <a:bodyPr/>
-          <a:lstStyle/>
-          <a:p>
-            <a:r>
-              <a:rPr lang="en-US" dirty="0" smtClean="0"/>
-              <a:t>Motivations</a:t>
-            </a:r>
-            <a:endParaRPr lang="en-US" dirty="0"/>
-          </a:p>
-        </p:txBody>
-      </p:sp>
-      <p:pic>
-        <p:nvPicPr>
-          <p:cNvPr id="4" name="Content Placeholder 3"/>
-          <p:cNvPicPr>
-            <a:picLocks noGrp="1" noChangeAspect="1"/>
-          </p:cNvPicPr>
-          <p:nvPr>
-            <p:ph idx="1"/>
-          </p:nvPr>
-        </p:nvPicPr>
-        <p:blipFill>
-          <a:blip r:embed="rId2">
-            <a:extLst>
-              <a:ext uri="{28A0092B-C50C-407E-A947-70E740481C1C}">
-                <a14:useLocalDpi xmlns:a14="http://schemas.microsoft.com/office/drawing/2010/main" val="0"/>
-              </a:ext>
-            </a:extLst>
-          </a:blip>
-          <a:stretch>
-            <a:fillRect/>
-          </a:stretch>
-        </p:blipFill>
-        <p:spPr>
-          <a:xfrm>
-            <a:off x="5828714" y="2239906"/>
-            <a:ext cx="5211762" cy="2871099"/>
-          </a:xfrm>
-        </p:spPr>
-      </p:pic>
-      <p:sp>
-        <p:nvSpPr>
-          <p:cNvPr id="5" name="Rectangle 4"/>
-          <p:cNvSpPr/>
-          <p:nvPr/>
-        </p:nvSpPr>
-        <p:spPr>
-          <a:xfrm>
-            <a:off x="708074" y="1690688"/>
-            <a:ext cx="4496972" cy="4893647"/>
-          </a:xfrm>
-          <a:prstGeom prst="rect">
-            <a:avLst/>
-          </a:prstGeom>
-        </p:spPr>
-        <p:txBody>
-          <a:bodyPr wrap="square">
-            <a:spAutoFit/>
-          </a:bodyPr>
-          <a:lstStyle/>
-          <a:p>
-            <a:pPr marL="285750" marR="0" lvl="0" indent="-285750" defTabSz="914400" eaLnBrk="1" fontAlgn="auto" latinLnBrk="0" hangingPunct="1">
-              <a:lnSpc>
-                <a:spcPct val="100000"/>
-              </a:lnSpc>
-              <a:spcBef>
-                <a:spcPts val="0"/>
-              </a:spcBef>
-              <a:spcAft>
-                <a:spcPts val="0"/>
-              </a:spcAft>
-              <a:buClrTx/>
-              <a:buSzTx/>
-              <a:buFont typeface="Arial" charset="0"/>
-              <a:buChar char="•"/>
-              <a:tabLst/>
-              <a:defRPr/>
-            </a:pPr>
-            <a:r>
-              <a:rPr lang="en-US" sz="2400" dirty="0" smtClean="0"/>
-              <a:t>Many teams observed with high percentage of automated tests through the UI.</a:t>
-            </a:r>
-          </a:p>
-          <a:p>
-            <a:pPr marL="285750" marR="0" lvl="0" indent="-285750" defTabSz="914400" eaLnBrk="1" fontAlgn="auto" latinLnBrk="0" hangingPunct="1">
-              <a:lnSpc>
-                <a:spcPct val="100000"/>
-              </a:lnSpc>
-              <a:spcBef>
-                <a:spcPts val="0"/>
-              </a:spcBef>
-              <a:spcAft>
-                <a:spcPts val="0"/>
-              </a:spcAft>
-              <a:buClrTx/>
-              <a:buSzTx/>
-              <a:buFont typeface="Arial" charset="0"/>
-              <a:buChar char="•"/>
-              <a:tabLst/>
-              <a:defRPr/>
-            </a:pPr>
-            <a:r>
-              <a:rPr lang="en-US" sz="2400" dirty="0" smtClean="0"/>
-              <a:t>UI tests are slower, more brittle, expensive.</a:t>
-            </a:r>
-          </a:p>
-          <a:p>
-            <a:pPr marL="285750" indent="-285750">
-              <a:buFont typeface="Arial" charset="0"/>
-              <a:buChar char="•"/>
-            </a:pPr>
-            <a:r>
-              <a:rPr lang="en-US" sz="2400" dirty="0" smtClean="0"/>
-              <a:t>Unit tests are easy for developers to write, usually in same language as application.</a:t>
-            </a:r>
-          </a:p>
-          <a:p>
-            <a:pPr marL="285750" indent="-285750">
-              <a:buFont typeface="Arial" charset="0"/>
-              <a:buChar char="•"/>
-            </a:pPr>
-            <a:r>
-              <a:rPr lang="en-US" sz="2400" dirty="0" smtClean="0"/>
-              <a:t>Application logic can be tested independent of UI in Service level tests - few teams observed doing this.</a:t>
-            </a:r>
-          </a:p>
-          <a:p>
-            <a:pPr marL="285750" indent="-285750">
-              <a:buFont typeface="Arial" charset="0"/>
-              <a:buChar char="•"/>
-            </a:pPr>
-            <a:endParaRPr lang="en-US" sz="2400" dirty="0" smtClean="0"/>
-          </a:p>
-        </p:txBody>
-      </p:sp>
-    </p:spTree>
-    <p:extLst>
-      <p:ext uri="{BB962C8B-B14F-4D97-AF65-F5344CB8AC3E}">
-        <p14:creationId xmlns:p14="http://schemas.microsoft.com/office/powerpoint/2010/main" val="1886559307"/>
-      </p:ext>
-    </p:extLst>
-  </p:cSld>
-  <p:clrMapOvr>
-    <a:masterClrMapping/>
-  </p:clrMapOvr>
-</p:sld>
-</file>
-
-<file path=ppt/slides/slide4.xml><?xml version="1.0" encoding="utf-8"?>
-<p:sld xmlns:a="http://schemas.openxmlformats.org/drawingml/2006/main" xmlns:r="http://schemas.openxmlformats.org/officeDocument/2006/relationships" xmlns:p="http://schemas.openxmlformats.org/presentationml/2006/main">
-  <p:cSld>
-    <p:spTree>
-      <p:nvGrpSpPr>
-        <p:cNvPr id="1" name=""/>
-        <p:cNvGrpSpPr/>
-        <p:nvPr/>
-      </p:nvGrpSpPr>
-      <p:grpSpPr>
-        <a:xfrm>
-          <a:off x="0" y="0"/>
-          <a:ext cx="0" cy="0"/>
-          <a:chOff x="0" y="0"/>
-          <a:chExt cx="0" cy="0"/>
-        </a:xfrm>
-      </p:grpSpPr>
-      <p:sp>
-        <p:nvSpPr>
-          <p:cNvPr id="2" name="Title 1"/>
-          <p:cNvSpPr>
-            <a:spLocks noGrp="1"/>
-          </p:cNvSpPr>
-          <p:nvPr>
-            <p:ph type="title"/>
-          </p:nvPr>
-        </p:nvSpPr>
-        <p:spPr/>
-        <p:txBody>
-          <a:bodyPr/>
-          <a:lstStyle/>
-          <a:p>
-            <a:r>
-              <a:rPr lang="en-US" dirty="0" smtClean="0"/>
-              <a:t>The </a:t>
-            </a:r>
-            <a:r>
-              <a:rPr lang="en-US" dirty="0"/>
-              <a:t>T</a:t>
-            </a:r>
-            <a:r>
-              <a:rPr lang="en-US" dirty="0" smtClean="0"/>
-              <a:t>hree Layers of the Pyramid</a:t>
-            </a:r>
-            <a:endParaRPr lang="en-US" dirty="0"/>
-          </a:p>
-        </p:txBody>
-      </p:sp>
-      <p:graphicFrame>
-        <p:nvGraphicFramePr>
-          <p:cNvPr id="4" name="Content Placeholder 3"/>
-          <p:cNvGraphicFramePr>
-            <a:graphicFrameLocks noGrp="1"/>
-          </p:cNvGraphicFramePr>
-          <p:nvPr>
-            <p:ph idx="1"/>
-            <p:extLst>
-              <p:ext uri="{D42A27DB-BD31-4B8C-83A1-F6EECF244321}">
-                <p14:modId xmlns:p14="http://schemas.microsoft.com/office/powerpoint/2010/main" val="1231615142"/>
-              </p:ext>
-            </p:extLst>
-          </p:nvPr>
-        </p:nvGraphicFramePr>
-        <p:xfrm>
-          <a:off x="838200" y="1825625"/>
-          <a:ext cx="10359684" cy="3280155"/>
-        </p:xfrm>
-        <a:graphic>
-          <a:graphicData uri="http://schemas.openxmlformats.org/drawingml/2006/table">
-            <a:tbl>
-              <a:tblPr firstRow="1" firstCol="1" bandRow="1">
-                <a:tableStyleId>{5C22544A-7EE6-4342-B048-85BDC9FD1C3A}</a:tableStyleId>
-              </a:tblPr>
-              <a:tblGrid>
-                <a:gridCol w="2589921"/>
-                <a:gridCol w="2589921"/>
-                <a:gridCol w="2589921"/>
-                <a:gridCol w="2589921"/>
-              </a:tblGrid>
-              <a:tr h="788585">
-                <a:tc>
-                  <a:txBody>
-                    <a:bodyPr/>
-                    <a:lstStyle/>
-                    <a:p>
-                      <a:pPr algn="ctr"/>
-                      <a:endParaRPr lang="en-US" sz="2800" dirty="0"/>
-                    </a:p>
-                  </a:txBody>
-                  <a:tcPr/>
-                </a:tc>
-                <a:tc>
-                  <a:txBody>
-                    <a:bodyPr/>
-                    <a:lstStyle/>
-                    <a:p>
-                      <a:pPr algn="ctr"/>
-                      <a:r>
-                        <a:rPr lang="en-US" sz="2800" dirty="0" smtClean="0"/>
-                        <a:t>Unit</a:t>
-                      </a:r>
-                      <a:endParaRPr lang="en-US" sz="2800" dirty="0"/>
-                    </a:p>
-                  </a:txBody>
-                  <a:tcPr/>
-                </a:tc>
-                <a:tc>
-                  <a:txBody>
-                    <a:bodyPr/>
-                    <a:lstStyle/>
-                    <a:p>
-                      <a:pPr algn="ctr"/>
-                      <a:r>
-                        <a:rPr lang="en-US" sz="2800" dirty="0" smtClean="0"/>
-                        <a:t>Service</a:t>
-                      </a:r>
-                      <a:endParaRPr lang="en-US" sz="2800" dirty="0"/>
-                    </a:p>
-                  </a:txBody>
-                  <a:tcPr/>
-                </a:tc>
-                <a:tc>
-                  <a:txBody>
-                    <a:bodyPr/>
-                    <a:lstStyle/>
-                    <a:p>
-                      <a:pPr algn="ctr"/>
-                      <a:r>
-                        <a:rPr lang="en-US" sz="2800" dirty="0" smtClean="0"/>
-                        <a:t>UI</a:t>
-                      </a:r>
-                      <a:endParaRPr lang="en-US" sz="2800" dirty="0"/>
-                    </a:p>
-                  </a:txBody>
-                  <a:tcPr/>
-                </a:tc>
-              </a:tr>
-              <a:tr h="788585">
-                <a:tc>
-                  <a:txBody>
-                    <a:bodyPr/>
-                    <a:lstStyle/>
-                    <a:p>
-                      <a:r>
-                        <a:rPr lang="en-US" dirty="0" smtClean="0"/>
-                        <a:t>Appropriate Purpose</a:t>
-                      </a:r>
-                      <a:endParaRPr lang="en-US" dirty="0"/>
-                    </a:p>
-                  </a:txBody>
-                  <a:tcPr/>
-                </a:tc>
-                <a:tc>
-                  <a:txBody>
-                    <a:bodyPr/>
-                    <a:lstStyle/>
-                    <a:p>
-                      <a:r>
-                        <a:rPr lang="en-US" dirty="0" smtClean="0"/>
-                        <a:t>Test Units of Code, Aid with Design and Code Quality</a:t>
-                      </a:r>
-                      <a:endParaRPr lang="en-US" dirty="0"/>
-                    </a:p>
-                  </a:txBody>
-                  <a:tcPr/>
-                </a:tc>
-                <a:tc>
-                  <a:txBody>
-                    <a:bodyPr/>
-                    <a:lstStyle/>
-                    <a:p>
-                      <a:r>
-                        <a:rPr lang="en-US" dirty="0" smtClean="0"/>
-                        <a:t>Test Business Logic / Services</a:t>
-                      </a:r>
-                      <a:endParaRPr lang="en-US" dirty="0"/>
-                    </a:p>
-                  </a:txBody>
-                  <a:tcPr/>
-                </a:tc>
-                <a:tc>
-                  <a:txBody>
-                    <a:bodyPr/>
-                    <a:lstStyle/>
-                    <a:p>
-                      <a:r>
-                        <a:rPr lang="en-US" dirty="0" smtClean="0"/>
-                        <a:t>Test the User Interface</a:t>
-                      </a:r>
-                      <a:endParaRPr lang="en-US" dirty="0"/>
-                    </a:p>
-                  </a:txBody>
-                  <a:tcPr/>
-                </a:tc>
-              </a:tr>
-              <a:tr h="788585">
-                <a:tc>
-                  <a:txBody>
-                    <a:bodyPr/>
-                    <a:lstStyle/>
-                    <a:p>
-                      <a:r>
-                        <a:rPr lang="en-US" dirty="0" smtClean="0"/>
-                        <a:t>Authors</a:t>
-                      </a:r>
-                      <a:endParaRPr lang="en-US" dirty="0"/>
-                    </a:p>
-                  </a:txBody>
-                  <a:tcPr/>
-                </a:tc>
-                <a:tc>
-                  <a:txBody>
-                    <a:bodyPr/>
-                    <a:lstStyle/>
-                    <a:p>
-                      <a:r>
-                        <a:rPr lang="en-US" dirty="0" smtClean="0"/>
-                        <a:t>Developers</a:t>
-                      </a:r>
-                      <a:endParaRPr lang="en-US" dirty="0"/>
-                    </a:p>
-                  </a:txBody>
-                  <a:tcPr/>
-                </a:tc>
-                <a:tc>
-                  <a:txBody>
-                    <a:bodyPr/>
-                    <a:lstStyle/>
-                    <a:p>
-                      <a:r>
-                        <a:rPr lang="en-US" dirty="0" smtClean="0"/>
-                        <a:t>Customers</a:t>
-                      </a:r>
-                      <a:r>
-                        <a:rPr lang="en-US" baseline="0" dirty="0" smtClean="0"/>
-                        <a:t> and Developers</a:t>
-                      </a:r>
-                      <a:endParaRPr lang="en-US" dirty="0"/>
-                    </a:p>
-                  </a:txBody>
-                  <a:tcPr/>
-                </a:tc>
-                <a:tc>
-                  <a:txBody>
-                    <a:bodyPr/>
-                    <a:lstStyle/>
-                    <a:p>
-                      <a:r>
-                        <a:rPr lang="en-US" dirty="0" smtClean="0"/>
-                        <a:t>QA automation or Developers</a:t>
-                      </a:r>
-                      <a:endParaRPr lang="en-US" dirty="0"/>
-                    </a:p>
-                  </a:txBody>
-                  <a:tcPr/>
-                </a:tc>
-              </a:tr>
-              <a:tr h="788585">
-                <a:tc>
-                  <a:txBody>
-                    <a:bodyPr/>
-                    <a:lstStyle/>
-                    <a:p>
-                      <a:r>
-                        <a:rPr lang="en-US" dirty="0" smtClean="0"/>
-                        <a:t>Speed</a:t>
-                      </a:r>
-                      <a:r>
-                        <a:rPr lang="en-US" baseline="0" dirty="0" smtClean="0"/>
-                        <a:t> / Cost</a:t>
-                      </a:r>
-                      <a:endParaRPr lang="en-US" dirty="0"/>
-                    </a:p>
-                  </a:txBody>
-                  <a:tcPr/>
-                </a:tc>
-                <a:tc>
-                  <a:txBody>
-                    <a:bodyPr/>
-                    <a:lstStyle/>
-                    <a:p>
-                      <a:r>
-                        <a:rPr lang="en-US" dirty="0" smtClean="0"/>
-                        <a:t>Fast / Low</a:t>
-                      </a:r>
-                      <a:endParaRPr lang="en-US" dirty="0"/>
-                    </a:p>
-                  </a:txBody>
-                  <a:tcPr/>
-                </a:tc>
-                <a:tc>
-                  <a:txBody>
-                    <a:bodyPr/>
-                    <a:lstStyle/>
-                    <a:p>
-                      <a:r>
-                        <a:rPr lang="en-US" dirty="0" smtClean="0"/>
-                        <a:t>Fast to Medium /</a:t>
-                      </a:r>
-                      <a:r>
-                        <a:rPr lang="en-US" baseline="0" dirty="0" smtClean="0"/>
-                        <a:t> Medium</a:t>
-                      </a:r>
-                      <a:endParaRPr lang="en-US" dirty="0"/>
-                    </a:p>
-                  </a:txBody>
-                  <a:tcPr/>
-                </a:tc>
-                <a:tc>
-                  <a:txBody>
-                    <a:bodyPr/>
-                    <a:lstStyle/>
-                    <a:p>
-                      <a:r>
-                        <a:rPr lang="en-US" dirty="0" smtClean="0"/>
-                        <a:t>Slow / High</a:t>
-                      </a:r>
-                      <a:endParaRPr lang="en-US" dirty="0"/>
-                    </a:p>
-                  </a:txBody>
-                  <a:tcPr/>
-                </a:tc>
-              </a:tr>
-            </a:tbl>
-          </a:graphicData>
-        </a:graphic>
-      </p:graphicFrame>
-      <p:sp>
-        <p:nvSpPr>
-          <p:cNvPr id="6" name="TextBox 5"/>
-          <p:cNvSpPr txBox="1"/>
-          <p:nvPr/>
-        </p:nvSpPr>
-        <p:spPr>
-          <a:xfrm>
-            <a:off x="950494" y="5462337"/>
-            <a:ext cx="10219272" cy="369332"/>
-          </a:xfrm>
-          <a:prstGeom prst="rect">
-            <a:avLst/>
-          </a:prstGeom>
-          <a:noFill/>
-        </p:spPr>
-        <p:txBody>
-          <a:bodyPr wrap="none" rtlCol="0">
-            <a:spAutoFit/>
-          </a:bodyPr>
-          <a:lstStyle/>
-          <a:p>
-            <a:r>
-              <a:rPr lang="en-US" dirty="0" err="1" smtClean="0"/>
-              <a:t>Orthagonal</a:t>
-            </a:r>
-            <a:r>
-              <a:rPr lang="en-US" dirty="0" smtClean="0"/>
-              <a:t> Concepts: Integration Tests, End to End tests.  Decide what the above layers mean to your team.</a:t>
-            </a:r>
-            <a:endParaRPr lang="en-US" dirty="0"/>
-          </a:p>
-        </p:txBody>
-      </p:sp>
-    </p:spTree>
-    <p:extLst>
-      <p:ext uri="{BB962C8B-B14F-4D97-AF65-F5344CB8AC3E}">
-        <p14:creationId xmlns:p14="http://schemas.microsoft.com/office/powerpoint/2010/main" val="2014155585"/>
-      </p:ext>
-    </p:extLst>
-  </p:cSld>
-  <p:clrMapOvr>
-    <a:masterClrMapping/>
-  </p:clrMapOvr>
-</p:sld>
-</file>
-
-<file path=ppt/slides/slide5.xml><?xml version="1.0" encoding="utf-8"?>
-<p:sld xmlns:a="http://schemas.openxmlformats.org/drawingml/2006/main" xmlns:r="http://schemas.openxmlformats.org/officeDocument/2006/relationships" xmlns:p="http://schemas.openxmlformats.org/presentationml/2006/main">
-  <p:cSld>
-    <p:spTree>
-      <p:nvGrpSpPr>
-        <p:cNvPr id="1" name=""/>
-        <p:cNvGrpSpPr/>
-        <p:nvPr/>
-      </p:nvGrpSpPr>
-      <p:grpSpPr>
-        <a:xfrm>
-          <a:off x="0" y="0"/>
-          <a:ext cx="0" cy="0"/>
-          <a:chOff x="0" y="0"/>
-          <a:chExt cx="0" cy="0"/>
-        </a:xfrm>
-      </p:grpSpPr>
-      <p:sp>
-        <p:nvSpPr>
-          <p:cNvPr id="2" name="Title 1"/>
-          <p:cNvSpPr>
-            <a:spLocks noGrp="1"/>
-          </p:cNvSpPr>
-          <p:nvPr>
-            <p:ph type="title"/>
-          </p:nvPr>
-        </p:nvSpPr>
-        <p:spPr/>
-        <p:txBody>
-          <a:bodyPr/>
-          <a:lstStyle/>
-          <a:p>
-            <a:r>
-              <a:rPr lang="en-US" dirty="0" smtClean="0"/>
-              <a:t>Challenges</a:t>
-            </a:r>
-            <a:endParaRPr lang="en-US" dirty="0"/>
-          </a:p>
-        </p:txBody>
-      </p:sp>
-      <p:sp>
-        <p:nvSpPr>
-          <p:cNvPr id="3" name="Content Placeholder 2"/>
-          <p:cNvSpPr>
-            <a:spLocks noGrp="1"/>
-          </p:cNvSpPr>
-          <p:nvPr>
-            <p:ph idx="1"/>
-          </p:nvPr>
-        </p:nvSpPr>
-        <p:spPr/>
-        <p:txBody>
-          <a:bodyPr/>
-          <a:lstStyle/>
-          <a:p>
-            <a:r>
-              <a:rPr lang="en-US" dirty="0" smtClean="0"/>
-              <a:t>Team must have a shared understanding of the purpose of the various test layers.</a:t>
-            </a:r>
-          </a:p>
-          <a:p>
-            <a:r>
-              <a:rPr lang="en-US" dirty="0" smtClean="0"/>
-              <a:t>Decisions must be made as to what parts of a feature to test how and in each layer.</a:t>
-            </a:r>
-          </a:p>
-          <a:p>
-            <a:r>
-              <a:rPr lang="en-US" dirty="0" smtClean="0"/>
-              <a:t>Customer participation with service level tests may be hard to obtain.</a:t>
-            </a:r>
-            <a:endParaRPr lang="en-US" dirty="0"/>
-          </a:p>
-          <a:p>
-            <a:r>
-              <a:rPr lang="en-US" dirty="0" smtClean="0"/>
-              <a:t>Communication issues between different test authors resulting in duplication or gaps.</a:t>
-            </a:r>
-          </a:p>
-        </p:txBody>
-      </p:sp>
-    </p:spTree>
-    <p:extLst>
-      <p:ext uri="{BB962C8B-B14F-4D97-AF65-F5344CB8AC3E}">
-        <p14:creationId xmlns:p14="http://schemas.microsoft.com/office/powerpoint/2010/main" val="623930801"/>
-      </p:ext>
-    </p:extLst>
-  </p:cSld>
-  <p:clrMapOvr>
-    <a:masterClrMapping/>
-  </p:clrMapOvr>
-</p:sld>
-</file>
-
-<file path=ppt/slides/slide6.xml><?xml version="1.0" encoding="utf-8"?>
-<p:sld xmlns:a="http://schemas.openxmlformats.org/drawingml/2006/main" xmlns:r="http://schemas.openxmlformats.org/officeDocument/2006/relationships" xmlns:p="http://schemas.openxmlformats.org/presentationml/2006/main">
-  <p:cSld>
-    <p:spTree>
-      <p:nvGrpSpPr>
-        <p:cNvPr id="1" name=""/>
-        <p:cNvGrpSpPr/>
-        <p:nvPr/>
-      </p:nvGrpSpPr>
-      <p:grpSpPr>
-        <a:xfrm>
-          <a:off x="0" y="0"/>
-          <a:ext cx="0" cy="0"/>
-          <a:chOff x="0" y="0"/>
-          <a:chExt cx="0" cy="0"/>
-        </a:xfrm>
-      </p:grpSpPr>
-      <p:sp>
-        <p:nvSpPr>
-          <p:cNvPr id="2" name="Title 1"/>
-          <p:cNvSpPr>
-            <a:spLocks noGrp="1"/>
-          </p:cNvSpPr>
-          <p:nvPr>
-            <p:ph type="title"/>
-          </p:nvPr>
-        </p:nvSpPr>
-        <p:spPr/>
-        <p:txBody>
-          <a:bodyPr>
-            <a:normAutofit/>
-          </a:bodyPr>
-          <a:lstStyle/>
-          <a:p>
-            <a:r>
-              <a:rPr lang="en-US" sz="4000" dirty="0" smtClean="0"/>
-              <a:t>Test Pyramid For a Prescribing Application Feature</a:t>
-            </a:r>
-            <a:endParaRPr lang="en-US" sz="4000" dirty="0"/>
-          </a:p>
-        </p:txBody>
-      </p:sp>
-      <p:sp>
-        <p:nvSpPr>
-          <p:cNvPr id="3" name="Content Placeholder 2"/>
-          <p:cNvSpPr>
-            <a:spLocks noGrp="1"/>
-          </p:cNvSpPr>
-          <p:nvPr>
-            <p:ph idx="1"/>
-          </p:nvPr>
-        </p:nvSpPr>
-        <p:spPr/>
-        <p:txBody>
-          <a:bodyPr/>
-          <a:lstStyle/>
-          <a:p>
-            <a:r>
-              <a:rPr lang="en-US" dirty="0" smtClean="0"/>
-              <a:t>Examine how a team distributed tests for a feature of a real medication prescribing application.</a:t>
-            </a:r>
-          </a:p>
-          <a:p>
-            <a:r>
-              <a:rPr lang="en-US" dirty="0" smtClean="0"/>
-              <a:t>Discuss process, team composition, technical tools used.</a:t>
-            </a:r>
-          </a:p>
-          <a:p>
-            <a:r>
-              <a:rPr lang="en-US" dirty="0" smtClean="0"/>
-              <a:t>Look at and run working code and tests in the various layers in a demo application based on the production prescribing application.</a:t>
-            </a:r>
-          </a:p>
-          <a:p>
-            <a:r>
-              <a:rPr lang="en-US" dirty="0" smtClean="0"/>
-              <a:t>Prescribing Application is a web-based application with a rich front-end with most business logic implemented on back-end server.</a:t>
-            </a:r>
-            <a:endParaRPr lang="en-US" dirty="0"/>
-          </a:p>
-        </p:txBody>
-      </p:sp>
-    </p:spTree>
-    <p:extLst>
-      <p:ext uri="{BB962C8B-B14F-4D97-AF65-F5344CB8AC3E}">
-        <p14:creationId xmlns:p14="http://schemas.microsoft.com/office/powerpoint/2010/main" val="567372212"/>
-      </p:ext>
-    </p:extLst>
-  </p:cSld>
-  <p:clrMapOvr>
-    <a:masterClrMapping/>
-  </p:clrMapOvr>
-  <p:timing>
-    <p:tnLst>
-      <p:par>
-        <p:cTn id="1" dur="indefinite" restart="never" nodeType="tmRoot"/>
-      </p:par>
-    </p:tnLst>
-  </p:timing>
-</p:sld>
-</file>
-
-<file path=ppt/slides/slide7.xml><?xml version="1.0" encoding="utf-8"?>
-<p:sld xmlns:a="http://schemas.openxmlformats.org/drawingml/2006/main" xmlns:r="http://schemas.openxmlformats.org/officeDocument/2006/relationships" xmlns:p="http://schemas.openxmlformats.org/presentationml/2006/main">
-  <p:cSld>
-    <p:spTree>
-      <p:nvGrpSpPr>
-        <p:cNvPr id="1" name=""/>
-        <p:cNvGrpSpPr/>
-        <p:nvPr/>
-      </p:nvGrpSpPr>
-      <p:grpSpPr>
-        <a:xfrm>
-          <a:off x="0" y="0"/>
-          <a:ext cx="0" cy="0"/>
-          <a:chOff x="0" y="0"/>
-          <a:chExt cx="0" cy="0"/>
-        </a:xfrm>
-      </p:grpSpPr>
-      <p:sp>
-        <p:nvSpPr>
-          <p:cNvPr id="2" name="Title 1"/>
-          <p:cNvSpPr>
-            <a:spLocks noGrp="1"/>
-          </p:cNvSpPr>
-          <p:nvPr>
-            <p:ph type="title"/>
-          </p:nvPr>
-        </p:nvSpPr>
-        <p:spPr/>
-        <p:txBody>
-          <a:bodyPr/>
-          <a:lstStyle/>
-          <a:p>
-            <a:r>
-              <a:rPr lang="en-US" dirty="0" smtClean="0"/>
-              <a:t>Team Composition and Tools</a:t>
-            </a:r>
-            <a:endParaRPr lang="en-US" dirty="0"/>
-          </a:p>
-        </p:txBody>
-      </p:sp>
-      <p:sp>
-        <p:nvSpPr>
-          <p:cNvPr id="3" name="Content Placeholder 2"/>
-          <p:cNvSpPr>
-            <a:spLocks noGrp="1"/>
-          </p:cNvSpPr>
-          <p:nvPr>
-            <p:ph idx="1"/>
-          </p:nvPr>
-        </p:nvSpPr>
-        <p:spPr/>
-        <p:txBody>
-          <a:bodyPr/>
-          <a:lstStyle/>
-          <a:p>
-            <a:r>
-              <a:rPr lang="en-US" dirty="0" smtClean="0"/>
-              <a:t>Team included developers, UX engineers, domain specialists (business analyst, clinician product owner), and QA.</a:t>
-            </a:r>
-          </a:p>
-          <a:p>
-            <a:r>
-              <a:rPr lang="en-US" dirty="0" smtClean="0"/>
-              <a:t>Everyone not seated in same room, but all developers in one team room and close daily collaboration between everyone.</a:t>
-            </a:r>
-          </a:p>
-          <a:p>
-            <a:r>
-              <a:rPr lang="en-US" dirty="0" smtClean="0"/>
-              <a:t>Working in Sprints / Iterations.</a:t>
-            </a:r>
-          </a:p>
-          <a:p>
-            <a:endParaRPr lang="en-US" dirty="0" smtClean="0"/>
-          </a:p>
-          <a:p>
-            <a:endParaRPr lang="en-US" dirty="0" smtClean="0"/>
-          </a:p>
-        </p:txBody>
-      </p:sp>
-    </p:spTree>
-    <p:extLst>
-      <p:ext uri="{BB962C8B-B14F-4D97-AF65-F5344CB8AC3E}">
-        <p14:creationId xmlns:p14="http://schemas.microsoft.com/office/powerpoint/2010/main" val="1667958041"/>
-      </p:ext>
-    </p:extLst>
-  </p:cSld>
-  <p:clrMapOvr>
-    <a:masterClrMapping/>
-  </p:clrMapOvr>
-  <p:timing>
-    <p:tnLst>
-      <p:par>
-        <p:cTn id="1" dur="indefinite" restart="never" nodeType="tmRoot"/>
-      </p:par>
-    </p:tnLst>
-  </p:timing>
-</p:sld>
-</file>
-
-<file path=ppt/slides/slide8.xml><?xml version="1.0" encoding="utf-8"?>
-<p:sld xmlns:a="http://schemas.openxmlformats.org/drawingml/2006/main" xmlns:r="http://schemas.openxmlformats.org/officeDocument/2006/relationships" xmlns:p="http://schemas.openxmlformats.org/presentationml/2006/main">
-  <p:cSld>
-    <p:spTree>
-      <p:nvGrpSpPr>
-        <p:cNvPr id="1" name=""/>
-        <p:cNvGrpSpPr/>
-        <p:nvPr/>
-      </p:nvGrpSpPr>
-      <p:grpSpPr>
-        <a:xfrm>
-          <a:off x="0" y="0"/>
-          <a:ext cx="0" cy="0"/>
-          <a:chOff x="0" y="0"/>
-          <a:chExt cx="0" cy="0"/>
-        </a:xfrm>
-      </p:grpSpPr>
-      <p:sp>
-        <p:nvSpPr>
-          <p:cNvPr id="2" name="Title 1"/>
-          <p:cNvSpPr>
-            <a:spLocks noGrp="1"/>
-          </p:cNvSpPr>
-          <p:nvPr>
-            <p:ph type="title"/>
-          </p:nvPr>
-        </p:nvSpPr>
-        <p:spPr/>
-        <p:txBody>
-          <a:bodyPr/>
-          <a:lstStyle/>
-          <a:p>
-            <a:r>
-              <a:rPr lang="en-US" dirty="0" smtClean="0"/>
-              <a:t>Prescribing Feature:  Limit Opiate Rx Duration</a:t>
-            </a:r>
-            <a:endParaRPr lang="en-US" dirty="0"/>
-          </a:p>
-        </p:txBody>
-      </p:sp>
-      <p:sp>
-        <p:nvSpPr>
-          <p:cNvPr id="3" name="Content Placeholder 2"/>
-          <p:cNvSpPr>
-            <a:spLocks noGrp="1"/>
-          </p:cNvSpPr>
-          <p:nvPr>
-            <p:ph idx="1"/>
-          </p:nvPr>
-        </p:nvSpPr>
-        <p:spPr>
-          <a:xfrm>
-            <a:off x="838200" y="1825625"/>
-            <a:ext cx="9971314" cy="1875518"/>
-          </a:xfrm>
-        </p:spPr>
-        <p:txBody>
-          <a:bodyPr>
-            <a:normAutofit fontScale="85000" lnSpcReduction="10000"/>
-          </a:bodyPr>
-          <a:lstStyle/>
-          <a:p>
-            <a:r>
-              <a:rPr lang="en-US" dirty="0" smtClean="0"/>
-              <a:t>When clinician is prescribing Opiates or Benzodiazepines, limit the duration of the prescription to 30 days or under.</a:t>
-            </a:r>
-          </a:p>
-          <a:p>
-            <a:r>
-              <a:rPr lang="en-US" dirty="0" smtClean="0"/>
-              <a:t>Reject prescription and display explanation to clinician if this rule violated.</a:t>
-            </a:r>
-          </a:p>
-          <a:p>
-            <a:r>
-              <a:rPr lang="en-US" dirty="0" smtClean="0"/>
-              <a:t>This rule will be added to existing prescription validation rules run on server.</a:t>
-            </a:r>
-            <a:endParaRPr lang="en-US" dirty="0"/>
-          </a:p>
-        </p:txBody>
-      </p:sp>
-    </p:spTree>
-    <p:extLst>
-      <p:ext uri="{BB962C8B-B14F-4D97-AF65-F5344CB8AC3E}">
-        <p14:creationId xmlns:p14="http://schemas.microsoft.com/office/powerpoint/2010/main" val="1991789900"/>
-      </p:ext>
-    </p:extLst>
-  </p:cSld>
-  <p:clrMapOvr>
-    <a:masterClrMapping/>
-  </p:clrMapOvr>
-  <p:timing>
-    <p:tnLst>
-      <p:par>
-        <p:cTn id="1" dur="indefinite" restart="never" nodeType="tmRoot"/>
-      </p:par>
-    </p:tnLst>
-  </p:timing>
-</p:sld>
-</file>
-
-<file path=ppt/slides/slide9.xml><?xml version="1.0" encoding="utf-8"?>
-<p:sld xmlns:a="http://schemas.openxmlformats.org/drawingml/2006/main" xmlns:r="http://schemas.openxmlformats.org/officeDocument/2006/relationships" xmlns:p="http://schemas.openxmlformats.org/presentationml/2006/main">
-  <p:cSld>
-    <p:spTree>
-      <p:nvGrpSpPr>
-        <p:cNvPr id="1" name=""/>
-        <p:cNvGrpSpPr/>
-        <p:nvPr/>
-      </p:nvGrpSpPr>
-      <p:grpSpPr>
-        <a:xfrm>
-          <a:off x="0" y="0"/>
-          <a:ext cx="0" cy="0"/>
-          <a:chOff x="0" y="0"/>
-          <a:chExt cx="0" cy="0"/>
-        </a:xfrm>
-      </p:grpSpPr>
-      <p:sp>
-        <p:nvSpPr>
-          <p:cNvPr id="2" name="Title 1"/>
-          <p:cNvSpPr>
-            <a:spLocks noGrp="1"/>
-          </p:cNvSpPr>
-          <p:nvPr>
-            <p:ph type="title"/>
-          </p:nvPr>
-        </p:nvSpPr>
-        <p:spPr/>
-        <p:txBody>
-          <a:bodyPr/>
-          <a:lstStyle/>
-          <a:p>
-            <a:r>
-              <a:rPr lang="en-US" dirty="0" smtClean="0"/>
-              <a:t>Feature Test Plan</a:t>
-            </a:r>
-            <a:endParaRPr lang="en-US" dirty="0"/>
-          </a:p>
-        </p:txBody>
-      </p:sp>
-      <p:graphicFrame>
-        <p:nvGraphicFramePr>
-          <p:cNvPr id="4" name="Content Placeholder 3"/>
-          <p:cNvGraphicFramePr>
-            <a:graphicFrameLocks noGrp="1"/>
-          </p:cNvGraphicFramePr>
-          <p:nvPr>
-            <p:ph idx="1"/>
-            <p:extLst>
-              <p:ext uri="{D42A27DB-BD31-4B8C-83A1-F6EECF244321}">
-                <p14:modId xmlns:p14="http://schemas.microsoft.com/office/powerpoint/2010/main" val="428282286"/>
-              </p:ext>
-            </p:extLst>
-          </p:nvPr>
-        </p:nvGraphicFramePr>
-        <p:xfrm>
-          <a:off x="838200" y="1825625"/>
-          <a:ext cx="10515600" cy="3205480"/>
-        </p:xfrm>
-        <a:graphic>
-          <a:graphicData uri="http://schemas.openxmlformats.org/drawingml/2006/table">
-            <a:tbl>
-              <a:tblPr firstRow="1" bandRow="1">
-                <a:tableStyleId>{5C22544A-7EE6-4342-B048-85BDC9FD1C3A}</a:tableStyleId>
-              </a:tblPr>
-              <a:tblGrid>
-                <a:gridCol w="3029465"/>
-                <a:gridCol w="2228335"/>
-                <a:gridCol w="2628900"/>
-                <a:gridCol w="2628900"/>
-              </a:tblGrid>
-              <a:tr h="370840">
-                <a:tc>
-                  <a:txBody>
-                    <a:bodyPr/>
-                    <a:lstStyle/>
-                    <a:p>
-                      <a:pPr algn="ctr"/>
-                      <a:r>
-                        <a:rPr lang="en-US" dirty="0" smtClean="0"/>
-                        <a:t>Feature Part</a:t>
-                      </a:r>
-                      <a:endParaRPr lang="en-US" dirty="0"/>
-                    </a:p>
-                  </a:txBody>
-                  <a:tcPr/>
-                </a:tc>
-                <a:tc>
-                  <a:txBody>
-                    <a:bodyPr/>
-                    <a:lstStyle/>
-                    <a:p>
-                      <a:r>
-                        <a:rPr lang="en-US" dirty="0" smtClean="0"/>
-                        <a:t>Unit (Junit/Jasmine)</a:t>
-                      </a:r>
-                      <a:endParaRPr lang="en-US" dirty="0"/>
-                    </a:p>
-                  </a:txBody>
-                  <a:tcPr/>
-                </a:tc>
-                <a:tc>
-                  <a:txBody>
-                    <a:bodyPr/>
-                    <a:lstStyle/>
-                    <a:p>
-                      <a:r>
-                        <a:rPr lang="en-US" dirty="0" smtClean="0"/>
-                        <a:t>Service (</a:t>
-                      </a:r>
-                      <a:r>
-                        <a:rPr lang="en-US" dirty="0" err="1" smtClean="0"/>
-                        <a:t>Fitnesse</a:t>
-                      </a:r>
-                      <a:r>
-                        <a:rPr lang="en-US" dirty="0" smtClean="0"/>
-                        <a:t>)</a:t>
-                      </a:r>
-                      <a:endParaRPr lang="en-US" dirty="0"/>
-                    </a:p>
-                  </a:txBody>
-                  <a:tcPr/>
-                </a:tc>
-                <a:tc>
-                  <a:txBody>
-                    <a:bodyPr/>
-                    <a:lstStyle/>
-                    <a:p>
-                      <a:r>
-                        <a:rPr lang="en-US" dirty="0" smtClean="0"/>
-                        <a:t>UI (</a:t>
-                      </a:r>
-                      <a:r>
-                        <a:rPr lang="en-US" baseline="0" dirty="0" smtClean="0"/>
-                        <a:t>Selenium + Junit)</a:t>
-                      </a:r>
-                      <a:endParaRPr lang="en-US" dirty="0"/>
-                    </a:p>
-                  </a:txBody>
-                  <a:tcPr/>
-                </a:tc>
-              </a:tr>
-              <a:tr h="370840">
-                <a:tc>
-                  <a:txBody>
-                    <a:bodyPr/>
-                    <a:lstStyle/>
-                    <a:p>
-                      <a:r>
-                        <a:rPr lang="en-US" dirty="0" smtClean="0"/>
-                        <a:t>Identify if drug being prescribed is Opiate or Benzo</a:t>
-                      </a:r>
-                      <a:endParaRPr lang="en-US" dirty="0"/>
-                    </a:p>
-                  </a:txBody>
-                  <a:tcPr/>
-                </a:tc>
-                <a:tc>
-                  <a:txBody>
-                    <a:bodyPr/>
-                    <a:lstStyle/>
-                    <a:p>
-                      <a:endParaRPr lang="en-US" dirty="0"/>
-                    </a:p>
-                  </a:txBody>
-                  <a:tcPr/>
-                </a:tc>
-                <a:tc>
-                  <a:txBody>
-                    <a:bodyPr/>
-                    <a:lstStyle/>
-                    <a:p>
-                      <a:endParaRPr lang="en-US"/>
-                    </a:p>
-                  </a:txBody>
-                  <a:tcPr/>
-                </a:tc>
-                <a:tc>
-                  <a:txBody>
-                    <a:bodyPr/>
-                    <a:lstStyle/>
-                    <a:p>
-                      <a:endParaRPr lang="en-US" dirty="0"/>
-                    </a:p>
-                  </a:txBody>
-                  <a:tcPr/>
-                </a:tc>
-              </a:tr>
-              <a:tr h="370840">
-                <a:tc>
-                  <a:txBody>
-                    <a:bodyPr/>
-                    <a:lstStyle/>
-                    <a:p>
-                      <a:r>
-                        <a:rPr lang="en-US" dirty="0" smtClean="0"/>
-                        <a:t>Calculate</a:t>
-                      </a:r>
-                      <a:r>
-                        <a:rPr lang="en-US" baseline="0" dirty="0" smtClean="0"/>
-                        <a:t> number of days for duration</a:t>
-                      </a:r>
-                      <a:endParaRPr lang="en-US" dirty="0"/>
-                    </a:p>
-                  </a:txBody>
-                  <a:tcPr/>
-                </a:tc>
-                <a:tc>
-                  <a:txBody>
-                    <a:bodyPr/>
-                    <a:lstStyle/>
-                    <a:p>
-                      <a:endParaRPr lang="en-US"/>
-                    </a:p>
-                  </a:txBody>
-                  <a:tcPr/>
-                </a:tc>
-                <a:tc>
-                  <a:txBody>
-                    <a:bodyPr/>
-                    <a:lstStyle/>
-                    <a:p>
-                      <a:endParaRPr lang="en-US"/>
-                    </a:p>
-                  </a:txBody>
-                  <a:tcPr/>
-                </a:tc>
-                <a:tc>
-                  <a:txBody>
-                    <a:bodyPr/>
-                    <a:lstStyle/>
-                    <a:p>
-                      <a:endParaRPr lang="en-US" dirty="0"/>
-                    </a:p>
-                  </a:txBody>
-                  <a:tcPr/>
-                </a:tc>
-              </a:tr>
-              <a:tr h="370840">
-                <a:tc>
-                  <a:txBody>
-                    <a:bodyPr/>
-                    <a:lstStyle/>
-                    <a:p>
-                      <a:r>
-                        <a:rPr lang="en-US" dirty="0" smtClean="0"/>
-                        <a:t>Rule applied to prescription</a:t>
-                      </a:r>
-                      <a:r>
-                        <a:rPr lang="en-US" baseline="0" dirty="0" smtClean="0"/>
-                        <a:t> and appropriate response built</a:t>
-                      </a:r>
-                      <a:endParaRPr lang="en-US" dirty="0"/>
-                    </a:p>
-                  </a:txBody>
-                  <a:tcPr/>
-                </a:tc>
-                <a:tc>
-                  <a:txBody>
-                    <a:bodyPr/>
-                    <a:lstStyle/>
-                    <a:p>
-                      <a:endParaRPr lang="en-US"/>
-                    </a:p>
-                  </a:txBody>
-                  <a:tcPr/>
-                </a:tc>
-                <a:tc>
-                  <a:txBody>
-                    <a:bodyPr/>
-                    <a:lstStyle/>
-                    <a:p>
-                      <a:endParaRPr lang="en-US"/>
-                    </a:p>
-                  </a:txBody>
-                  <a:tcPr/>
-                </a:tc>
-                <a:tc>
-                  <a:txBody>
-                    <a:bodyPr/>
-                    <a:lstStyle/>
-                    <a:p>
-                      <a:endParaRPr lang="en-US" dirty="0"/>
-                    </a:p>
-                  </a:txBody>
-                  <a:tcPr/>
-                </a:tc>
-              </a:tr>
-              <a:tr h="529573">
-                <a:tc>
-                  <a:txBody>
-                    <a:bodyPr/>
-                    <a:lstStyle/>
-                    <a:p>
-                      <a:r>
-                        <a:rPr lang="en-US" dirty="0" smtClean="0"/>
-                        <a:t>Inform</a:t>
-                      </a:r>
-                      <a:r>
-                        <a:rPr lang="en-US" baseline="0" dirty="0" smtClean="0"/>
-                        <a:t> user in UI if rule violated</a:t>
-                      </a:r>
-                      <a:endParaRPr lang="en-US" dirty="0"/>
-                    </a:p>
-                  </a:txBody>
-                  <a:tcPr/>
-                </a:tc>
-                <a:tc>
-                  <a:txBody>
-                    <a:bodyPr/>
-                    <a:lstStyle/>
-                    <a:p>
-                      <a:endParaRPr lang="en-US" dirty="0"/>
-                    </a:p>
-                  </a:txBody>
-                  <a:tcPr/>
-                </a:tc>
-                <a:tc>
-                  <a:txBody>
-                    <a:bodyPr/>
-                    <a:lstStyle/>
-                    <a:p>
-                      <a:endParaRPr lang="en-US" dirty="0"/>
-                    </a:p>
-                  </a:txBody>
-                  <a:tcPr/>
-                </a:tc>
-                <a:tc>
-                  <a:txBody>
-                    <a:bodyPr/>
-                    <a:lstStyle/>
-                    <a:p>
-                      <a:endParaRPr lang="en-US" dirty="0"/>
-                    </a:p>
-                  </a:txBody>
-                  <a:tcPr/>
-                </a:tc>
-              </a:tr>
-            </a:tbl>
-          </a:graphicData>
-        </a:graphic>
-      </p:graphicFrame>
-      <p:pic>
-        <p:nvPicPr>
-          <p:cNvPr id="5" name="Picture 4"/>
-          <p:cNvPicPr>
-            <a:picLocks noChangeAspect="1"/>
-          </p:cNvPicPr>
-          <p:nvPr/>
-        </p:nvPicPr>
-        <p:blipFill>
-          <a:blip r:embed="rId2">
-            <a:extLst>
-              <a:ext uri="{28A0092B-C50C-407E-A947-70E740481C1C}">
-                <a14:useLocalDpi xmlns:a14="http://schemas.microsoft.com/office/drawing/2010/main" val="0"/>
-              </a:ext>
-            </a:extLst>
-          </a:blip>
-          <a:stretch>
-            <a:fillRect/>
-          </a:stretch>
-        </p:blipFill>
-        <p:spPr>
-          <a:xfrm>
-            <a:off x="9787433" y="4414333"/>
-            <a:ext cx="471771" cy="471771"/>
-          </a:xfrm>
-          <a:prstGeom prst="rect">
-            <a:avLst/>
-          </a:prstGeom>
-        </p:spPr>
-      </p:pic>
-      <p:pic>
-        <p:nvPicPr>
-          <p:cNvPr id="6" name="Picture 5"/>
-          <p:cNvPicPr>
-            <a:picLocks noChangeAspect="1"/>
-          </p:cNvPicPr>
-          <p:nvPr/>
-        </p:nvPicPr>
-        <p:blipFill>
-          <a:blip r:embed="rId2">
-            <a:extLst>
-              <a:ext uri="{28A0092B-C50C-407E-A947-70E740481C1C}">
-                <a14:useLocalDpi xmlns:a14="http://schemas.microsoft.com/office/drawing/2010/main" val="0"/>
-              </a:ext>
-            </a:extLst>
-          </a:blip>
-          <a:stretch>
-            <a:fillRect/>
-          </a:stretch>
-        </p:blipFill>
-        <p:spPr>
-          <a:xfrm>
-            <a:off x="4726754" y="2327643"/>
-            <a:ext cx="471771" cy="471771"/>
-          </a:xfrm>
-          <a:prstGeom prst="rect">
-            <a:avLst/>
-          </a:prstGeom>
-        </p:spPr>
-      </p:pic>
-      <p:pic>
-        <p:nvPicPr>
-          <p:cNvPr id="8" name="Picture 7"/>
-          <p:cNvPicPr>
-            <a:picLocks noChangeAspect="1"/>
-          </p:cNvPicPr>
-          <p:nvPr/>
-        </p:nvPicPr>
-        <p:blipFill>
-          <a:blip r:embed="rId2">
-            <a:extLst>
-              <a:ext uri="{28A0092B-C50C-407E-A947-70E740481C1C}">
-                <a14:useLocalDpi xmlns:a14="http://schemas.microsoft.com/office/drawing/2010/main" val="0"/>
-              </a:ext>
-            </a:extLst>
-          </a:blip>
-          <a:stretch>
-            <a:fillRect/>
-          </a:stretch>
-        </p:blipFill>
-        <p:spPr>
-          <a:xfrm>
-            <a:off x="7092482" y="3705536"/>
-            <a:ext cx="471771" cy="471771"/>
-          </a:xfrm>
-          <a:prstGeom prst="rect">
-            <a:avLst/>
-          </a:prstGeom>
-        </p:spPr>
-      </p:pic>
-      <p:pic>
-        <p:nvPicPr>
-          <p:cNvPr id="9" name="Picture 8"/>
-          <p:cNvPicPr>
-            <a:picLocks noChangeAspect="1"/>
-          </p:cNvPicPr>
-          <p:nvPr/>
-        </p:nvPicPr>
-        <p:blipFill>
-          <a:blip r:embed="rId2">
-            <a:extLst>
-              <a:ext uri="{28A0092B-C50C-407E-A947-70E740481C1C}">
-                <a14:useLocalDpi xmlns:a14="http://schemas.microsoft.com/office/drawing/2010/main" val="0"/>
-              </a:ext>
-            </a:extLst>
-          </a:blip>
-          <a:stretch>
-            <a:fillRect/>
-          </a:stretch>
-        </p:blipFill>
-        <p:spPr>
-          <a:xfrm>
-            <a:off x="7092483" y="2948613"/>
-            <a:ext cx="471771" cy="471771"/>
-          </a:xfrm>
-          <a:prstGeom prst="rect">
-            <a:avLst/>
-          </a:prstGeom>
-        </p:spPr>
-      </p:pic>
-      <p:pic>
-        <p:nvPicPr>
-          <p:cNvPr id="10" name="Picture 9"/>
-          <p:cNvPicPr>
-            <a:picLocks noChangeAspect="1"/>
-          </p:cNvPicPr>
-          <p:nvPr/>
-        </p:nvPicPr>
-        <p:blipFill>
-          <a:blip r:embed="rId2">
-            <a:extLst>
-              <a:ext uri="{28A0092B-C50C-407E-A947-70E740481C1C}">
-                <a14:useLocalDpi xmlns:a14="http://schemas.microsoft.com/office/drawing/2010/main" val="0"/>
-              </a:ext>
-            </a:extLst>
-          </a:blip>
-          <a:stretch>
-            <a:fillRect/>
-          </a:stretch>
-        </p:blipFill>
-        <p:spPr>
-          <a:xfrm>
-            <a:off x="7092484" y="2327643"/>
-            <a:ext cx="471771" cy="471771"/>
-          </a:xfrm>
-          <a:prstGeom prst="rect">
-            <a:avLst/>
-          </a:prstGeom>
-        </p:spPr>
-      </p:pic>
-      <p:pic>
-        <p:nvPicPr>
-          <p:cNvPr id="11" name="Picture 10"/>
-          <p:cNvPicPr>
-            <a:picLocks noChangeAspect="1"/>
-          </p:cNvPicPr>
-          <p:nvPr/>
-        </p:nvPicPr>
-        <p:blipFill>
-          <a:blip r:embed="rId2">
-            <a:extLst>
-              <a:ext uri="{28A0092B-C50C-407E-A947-70E740481C1C}">
-                <a14:useLocalDpi xmlns:a14="http://schemas.microsoft.com/office/drawing/2010/main" val="0"/>
-              </a:ext>
-            </a:extLst>
-          </a:blip>
-          <a:stretch>
-            <a:fillRect/>
-          </a:stretch>
-        </p:blipFill>
-        <p:spPr>
-          <a:xfrm>
-            <a:off x="4726753" y="2948613"/>
-            <a:ext cx="471771" cy="471771"/>
-          </a:xfrm>
-          <a:prstGeom prst="rect">
-            <a:avLst/>
-          </a:prstGeom>
-        </p:spPr>
-      </p:pic>
-      <p:pic>
-        <p:nvPicPr>
-          <p:cNvPr id="12" name="Picture 11"/>
-          <p:cNvPicPr>
-            <a:picLocks noChangeAspect="1"/>
-          </p:cNvPicPr>
-          <p:nvPr/>
-        </p:nvPicPr>
-        <p:blipFill>
-          <a:blip r:embed="rId2">
-            <a:extLst>
-              <a:ext uri="{28A0092B-C50C-407E-A947-70E740481C1C}">
-                <a14:useLocalDpi xmlns:a14="http://schemas.microsoft.com/office/drawing/2010/main" val="0"/>
-              </a:ext>
-            </a:extLst>
-          </a:blip>
-          <a:stretch>
-            <a:fillRect/>
-          </a:stretch>
-        </p:blipFill>
-        <p:spPr>
-          <a:xfrm>
-            <a:off x="4726753" y="3705536"/>
-            <a:ext cx="471771" cy="471771"/>
-          </a:xfrm>
-          <a:prstGeom prst="rect">
-            <a:avLst/>
-          </a:prstGeom>
-        </p:spPr>
-      </p:pic>
-      <p:pic>
-        <p:nvPicPr>
-          <p:cNvPr id="13" name="Picture 12"/>
-          <p:cNvPicPr>
-            <a:picLocks noChangeAspect="1"/>
-          </p:cNvPicPr>
-          <p:nvPr/>
-        </p:nvPicPr>
-        <p:blipFill>
-          <a:blip r:embed="rId2">
-            <a:extLst>
-              <a:ext uri="{28A0092B-C50C-407E-A947-70E740481C1C}">
-                <a14:useLocalDpi xmlns:a14="http://schemas.microsoft.com/office/drawing/2010/main" val="0"/>
-              </a:ext>
-            </a:extLst>
-          </a:blip>
-          <a:stretch>
-            <a:fillRect/>
-          </a:stretch>
-        </p:blipFill>
-        <p:spPr>
-          <a:xfrm>
-            <a:off x="4726753" y="4414334"/>
-            <a:ext cx="471771" cy="471771"/>
-          </a:xfrm>
-          <a:prstGeom prst="rect">
-            <a:avLst/>
-          </a:prstGeom>
-        </p:spPr>
-      </p:pic>
-    </p:spTree>
-    <p:extLst>
-      <p:ext uri="{BB962C8B-B14F-4D97-AF65-F5344CB8AC3E}">
-        <p14:creationId xmlns:p14="http://schemas.microsoft.com/office/powerpoint/2010/main" val="2111955063"/>
       </p:ext>
     </p:extLst>
   </p:cSld>

--- a/Test Pyramid Presentation.pptx
+++ b/Test Pyramid Presentation.pptx
@@ -11,9 +11,9 @@
     <p:sldId id="256" r:id="rId2"/>
     <p:sldId id="257" r:id="rId3"/>
     <p:sldId id="258" r:id="rId4"/>
-    <p:sldId id="269" r:id="rId5"/>
-    <p:sldId id="260" r:id="rId6"/>
-    <p:sldId id="259" r:id="rId7"/>
+    <p:sldId id="260" r:id="rId5"/>
+    <p:sldId id="259" r:id="rId6"/>
+    <p:sldId id="269" r:id="rId7"/>
     <p:sldId id="262" r:id="rId8"/>
     <p:sldId id="263" r:id="rId9"/>
     <p:sldId id="265" r:id="rId10"/>
@@ -210,7 +210,7 @@
           <a:p>
             <a:fld id="{51E71193-F4DE-7347-96CF-6A9725F5B501}" type="datetimeFigureOut">
               <a:rPr lang="en-US" smtClean="0"/>
-              <a:t>7/18/17</a:t>
+              <a:t>7/27/17</a:t>
             </a:fld>
             <a:endParaRPr lang="en-US"/>
           </a:p>
@@ -522,7 +522,93 @@
           <a:bodyPr/>
           <a:lstStyle/>
           <a:p>
-            <a:endParaRPr lang="en-US" dirty="0"/>
+            <a:pPr marL="171450" indent="-171450">
+              <a:buFontTx/>
+              <a:buChar char="-"/>
+            </a:pPr>
+            <a:r>
+              <a:rPr lang="en-US" sz="1200" baseline="0" dirty="0" smtClean="0"/>
+              <a:t>Personal intro</a:t>
+            </a:r>
+          </a:p>
+          <a:p>
+            <a:pPr marL="171450" indent="-171450">
+              <a:buFontTx/>
+              <a:buChar char="-"/>
+            </a:pPr>
+            <a:r>
+              <a:rPr lang="en-US" sz="1200" baseline="0" dirty="0" smtClean="0"/>
+              <a:t>Hospital - testing is important</a:t>
+            </a:r>
+          </a:p>
+          <a:p>
+            <a:pPr marL="171450" indent="-171450">
+              <a:buFontTx/>
+              <a:buChar char="-"/>
+            </a:pPr>
+            <a:r>
+              <a:rPr lang="en-US" sz="1200" baseline="0" dirty="0" err="1" smtClean="0"/>
+              <a:t>Allistair</a:t>
+            </a:r>
+            <a:r>
+              <a:rPr lang="en-US" sz="1200" baseline="0" dirty="0" smtClean="0"/>
+              <a:t> Cockburn, 1999, Cockburn scale </a:t>
+            </a:r>
+            <a:r>
+              <a:rPr lang="mr-IN" sz="1200" baseline="0" dirty="0" smtClean="0"/>
+              <a:t>–</a:t>
+            </a:r>
+            <a:r>
+              <a:rPr lang="en-US" sz="1200" baseline="0" dirty="0" smtClean="0"/>
+              <a:t> criticality and number of people involved.  More critical = more publically visible correctness.</a:t>
+            </a:r>
+          </a:p>
+          <a:p>
+            <a:pPr marL="171450" indent="-171450">
+              <a:buFontTx/>
+              <a:buChar char="-"/>
+            </a:pPr>
+            <a:r>
+              <a:rPr lang="en-US" sz="1200" baseline="0" dirty="0" smtClean="0"/>
+              <a:t>True for us, layers of tests with many being visible to all team members or stakeholders are important.</a:t>
+            </a:r>
+          </a:p>
+          <a:p>
+            <a:pPr marL="171450" indent="-171450">
+              <a:buFontTx/>
+              <a:buChar char="-"/>
+            </a:pPr>
+            <a:r>
+              <a:rPr lang="en-US" sz="1200" baseline="0" dirty="0" smtClean="0"/>
+              <a:t>2009 </a:t>
+            </a:r>
+            <a:r>
+              <a:rPr lang="en-US" sz="1200" baseline="0" dirty="0" err="1" smtClean="0"/>
+              <a:t>Succeding</a:t>
+            </a:r>
+            <a:r>
+              <a:rPr lang="en-US" sz="1200" baseline="0" dirty="0" smtClean="0"/>
+              <a:t> with Agile, Mike Cohn’s Test Pyramid </a:t>
+            </a:r>
+            <a:r>
+              <a:rPr lang="mr-IN" sz="1200" baseline="0" dirty="0" smtClean="0"/>
+              <a:t>–</a:t>
+            </a:r>
+            <a:r>
+              <a:rPr lang="en-US" sz="1200" baseline="0" dirty="0" smtClean="0"/>
+              <a:t> how many familiar.  </a:t>
+            </a:r>
+          </a:p>
+          <a:p>
+            <a:pPr marL="171450" indent="-171450">
+              <a:buFontTx/>
+              <a:buChar char="-"/>
+            </a:pPr>
+            <a:r>
+              <a:rPr lang="en-US" sz="1200" baseline="0" dirty="0" smtClean="0"/>
+              <a:t>Not just talk about, look at implementation for an application, how to achieve.</a:t>
+            </a:r>
+            <a:endParaRPr lang="en-US" sz="1200" dirty="0"/>
           </a:p>
         </p:txBody>
       </p:sp>
@@ -633,7 +719,11 @@
             </a:r>
             <a:r>
               <a:rPr lang="en-US" baseline="0" dirty="0" smtClean="0"/>
-              <a:t> test covers a wide variety of parsing scenarios.</a:t>
+              <a:t> test covers a wide variety of parsing scenarios</a:t>
+            </a:r>
+            <a:r>
+              <a:rPr lang="en-US" baseline="0" dirty="0" smtClean="0"/>
+              <a:t>.</a:t>
             </a:r>
           </a:p>
           <a:p>
@@ -656,6 +746,30 @@
             </a:pPr>
             <a:r>
               <a:rPr lang="en-US" baseline="0" dirty="0" smtClean="0"/>
+              <a:t>Switch to code</a:t>
+            </a:r>
+            <a:endParaRPr lang="en-US" baseline="0" dirty="0" smtClean="0"/>
+          </a:p>
+          <a:p>
+            <a:pPr marL="171450" marR="0" indent="-171450" algn="l" defTabSz="914400" rtl="0" eaLnBrk="1" fontAlgn="auto" latinLnBrk="0" hangingPunct="1">
+              <a:lnSpc>
+                <a:spcPct val="100000"/>
+              </a:lnSpc>
+              <a:spcBef>
+                <a:spcPts val="0"/>
+              </a:spcBef>
+              <a:spcAft>
+                <a:spcPts val="0"/>
+              </a:spcAft>
+              <a:buClrTx/>
+              <a:buSzTx/>
+              <a:buFont typeface="Arial" charset="0"/>
+              <a:buChar char="•"/>
+              <a:tabLst/>
+              <a:defRPr/>
+            </a:pPr>
+            <a:r>
+              <a:rPr lang="en-US" baseline="0" dirty="0" smtClean="0"/>
               <a:t>Two classes provide the implementation for this part of the feature, </a:t>
             </a:r>
             <a:r>
@@ -676,11 +790,23 @@
             </a:r>
             <a:r>
               <a:rPr lang="en-US" baseline="0" dirty="0" err="1" smtClean="0"/>
-              <a:t>EDurationUnit</a:t>
+              <a:t>EDurationUnitShould</a:t>
             </a:r>
             <a:r>
               <a:rPr lang="en-US" baseline="0" dirty="0" smtClean="0"/>
-              <a:t> test verifies how duration units are expressed.  The test for </a:t>
+              <a:t> </a:t>
+            </a:r>
+            <a:r>
+              <a:rPr lang="en-US" baseline="0" dirty="0" smtClean="0"/>
+              <a:t>verifies how duration units are </a:t>
+            </a:r>
+            <a:r>
+              <a:rPr lang="en-US" baseline="0" dirty="0" smtClean="0"/>
+              <a:t>expressed and multiplier.  </a:t>
+            </a:r>
+            <a:r>
+              <a:rPr lang="en-US" baseline="0" dirty="0" smtClean="0"/>
+              <a:t>The test for </a:t>
             </a:r>
             <a:r>
               <a:rPr lang="en-US" baseline="0" dirty="0" err="1" smtClean="0"/>
@@ -816,7 +942,27 @@
             </a:r>
             <a:r>
               <a:rPr lang="en-US" baseline="0" dirty="0" smtClean="0"/>
-              <a:t> test covers a full range of cases which will both pass and fail the validation rule.  It depends on both opiate identification and duration parsing logic.</a:t>
+              <a:t> test covers </a:t>
+            </a:r>
+            <a:r>
+              <a:rPr lang="en-US" baseline="0" dirty="0" smtClean="0"/>
+              <a:t>wide range of </a:t>
+            </a:r>
+            <a:r>
+              <a:rPr lang="en-US" baseline="0" dirty="0" smtClean="0"/>
+              <a:t>cases which will both pass and fail the validation rule.  </a:t>
+            </a:r>
+            <a:r>
+              <a:rPr lang="en-US" baseline="0" smtClean="0"/>
+              <a:t>It </a:t>
+            </a:r>
+            <a:r>
+              <a:rPr lang="en-US" baseline="0" smtClean="0"/>
+              <a:t>relies on both opiate </a:t>
+            </a:r>
+            <a:r>
+              <a:rPr lang="en-US" baseline="0" dirty="0" smtClean="0"/>
+              <a:t>identification and duration parsing logic.</a:t>
             </a:r>
           </a:p>
           <a:p>
@@ -1310,27 +1456,63 @@
           <a:bodyPr/>
           <a:lstStyle/>
           <a:p>
+            <a:pPr marL="171450" indent="-171450">
+              <a:buFontTx/>
+              <a:buChar char="-"/>
+            </a:pPr>
             <a:r>
               <a:rPr lang="en-US" dirty="0" smtClean="0"/>
-              <a:t>Automated test</a:t>
+              <a:t>Strategy of automated </a:t>
+            </a:r>
+            <a:r>
+              <a:rPr lang="en-US" dirty="0" smtClean="0"/>
+              <a:t>test</a:t>
             </a:r>
             <a:r>
               <a:rPr lang="en-US" baseline="0" dirty="0" smtClean="0"/>
-              <a:t> distribution by purpose and type.</a:t>
-            </a:r>
-            <a:endParaRPr lang="en-US" dirty="0" smtClean="0"/>
-          </a:p>
-          <a:p>
-            <a:endParaRPr lang="en-US" dirty="0" smtClean="0"/>
-          </a:p>
-          <a:p>
+              <a:t> distribution by purpose and </a:t>
+            </a:r>
+            <a:r>
+              <a:rPr lang="en-US" baseline="0" dirty="0" smtClean="0"/>
+              <a:t>type.</a:t>
+            </a:r>
+          </a:p>
+          <a:p>
+            <a:pPr marL="171450" indent="-171450">
+              <a:buFontTx/>
+              <a:buChar char="-"/>
+            </a:pPr>
+            <a:r>
+              <a:rPr lang="en-US" baseline="0" dirty="0" smtClean="0"/>
+              <a:t>Describe levels.</a:t>
+            </a:r>
+          </a:p>
+          <a:p>
+            <a:pPr marL="171450" indent="-171450">
+              <a:buFontTx/>
+              <a:buChar char="-"/>
+            </a:pPr>
+            <a:r>
+              <a:rPr lang="en-US" baseline="0" dirty="0" smtClean="0"/>
+              <a:t>UI testing described here by Cohn is end-end style tests, not unit tests of the UI.</a:t>
+            </a:r>
+          </a:p>
+          <a:p>
+            <a:pPr marL="171450" indent="-171450">
+              <a:buFontTx/>
+              <a:buChar char="-"/>
+            </a:pPr>
             <a:r>
               <a:rPr lang="en-US" dirty="0" smtClean="0"/>
               <a:t>Google</a:t>
             </a:r>
             <a:r>
               <a:rPr lang="en-US" baseline="0" dirty="0" smtClean="0"/>
-              <a:t> has similar concept for testing </a:t>
+              <a:t> </a:t>
+            </a:r>
+            <a:r>
+              <a:rPr lang="en-US" baseline="0" dirty="0" smtClean="0"/>
+              <a:t>has similar concept for testing </a:t>
             </a:r>
             <a:r>
               <a:rPr lang="mr-IN" baseline="0" dirty="0" smtClean="0"/>
@@ -1424,6 +1606,10 @@
           <a:bodyPr/>
           <a:lstStyle/>
           <a:p>
+            <a:r>
+              <a:rPr lang="en-US" dirty="0" smtClean="0"/>
+              <a:t>Testing everything through the UI was the norm at one time.</a:t>
+            </a:r>
             <a:endParaRPr lang="en-US" dirty="0"/>
           </a:p>
         </p:txBody>
@@ -1508,21 +1694,28 @@
           <a:bodyPr/>
           <a:lstStyle/>
           <a:p>
+            <a:endParaRPr lang="en-US" dirty="0" smtClean="0"/>
+          </a:p>
+          <a:p>
+            <a:pPr marL="171450" indent="-171450">
+              <a:buFontTx/>
+              <a:buChar char="-"/>
+            </a:pPr>
             <a:r>
               <a:rPr lang="en-US" dirty="0" smtClean="0"/>
-              <a:t>Service </a:t>
-            </a:r>
-            <a:r>
-              <a:rPr lang="mr-IN" dirty="0" smtClean="0"/>
-              <a:t>–</a:t>
+              <a:t>Not</a:t>
+            </a:r>
+            <a:r>
+              <a:rPr lang="en-US" baseline="0" dirty="0" smtClean="0"/>
+              <a:t> accident</a:t>
             </a:r>
             <a:r>
               <a:rPr lang="en-US" dirty="0" smtClean="0"/>
-              <a:t> business</a:t>
+              <a:t>.  What exact</a:t>
             </a:r>
             <a:r>
               <a:rPr lang="en-US" baseline="0" dirty="0" smtClean="0"/>
-              <a:t> logic of application </a:t>
+              <a:t> layers, what purpose, what tools, who authors, at what point in the iteration </a:t>
             </a:r>
             <a:r>
               <a:rPr lang="mr-IN" baseline="0" dirty="0" smtClean="0"/>
@@ -1530,72 +1723,45 @@
             </a:r>
             <a:r>
               <a:rPr lang="en-US" baseline="0" dirty="0" smtClean="0"/>
-              <a:t> responds to inputs with outputs.  (Calculator example from Cohn article).</a:t>
+              <a:t> all </a:t>
+            </a:r>
+            <a:r>
+              <a:rPr lang="en-US" baseline="0" dirty="0" err="1" smtClean="0"/>
+              <a:t>requies</a:t>
+            </a:r>
+            <a:r>
+              <a:rPr lang="en-US" baseline="0" dirty="0" smtClean="0"/>
+              <a:t> planning</a:t>
+            </a:r>
+          </a:p>
+          <a:p>
+            <a:pPr marL="171450" indent="-171450">
+              <a:buFontTx/>
+              <a:buChar char="-"/>
+            </a:pPr>
+            <a:r>
+              <a:rPr lang="en-US" baseline="0" dirty="0" smtClean="0"/>
+              <a:t>Everyone on team needs to have a common understanding</a:t>
+            </a:r>
+          </a:p>
+          <a:p>
+            <a:pPr marL="171450" indent="-171450">
+              <a:buFontTx/>
+              <a:buChar char="-"/>
+            </a:pPr>
+            <a:r>
+              <a:rPr lang="en-US" baseline="0" dirty="0" smtClean="0"/>
+              <a:t>Have to collaborate </a:t>
+            </a:r>
+            <a:r>
+              <a:rPr lang="mr-IN" baseline="0" dirty="0" smtClean="0"/>
+              <a:t>–</a:t>
+            </a:r>
+            <a:r>
+              <a:rPr lang="en-US" baseline="0" dirty="0" smtClean="0"/>
+              <a:t> avoid gaps and duplication</a:t>
             </a:r>
             <a:endParaRPr lang="en-US" dirty="0" smtClean="0"/>
-          </a:p>
-          <a:p>
-            <a:pPr marL="0" marR="0" indent="0" algn="l" defTabSz="914400" rtl="0" eaLnBrk="1" fontAlgn="auto" latinLnBrk="0" hangingPunct="1">
-              <a:lnSpc>
-                <a:spcPct val="100000"/>
-              </a:lnSpc>
-              <a:spcBef>
-                <a:spcPts val="0"/>
-              </a:spcBef>
-              <a:spcAft>
-                <a:spcPts val="0"/>
-              </a:spcAft>
-              <a:buClrTx/>
-              <a:buSzTx/>
-              <a:buFontTx/>
-              <a:buNone/>
-              <a:tabLst/>
-              <a:defRPr/>
-            </a:pPr>
-            <a:r>
-              <a:rPr lang="en-US" dirty="0" smtClean="0"/>
-              <a:t>Cohn, 2009:</a:t>
-            </a:r>
-            <a:r>
-              <a:rPr lang="en-US" baseline="0" dirty="0" smtClean="0"/>
-              <a:t>  “</a:t>
-            </a:r>
-            <a:r>
-              <a:rPr lang="en-US" sz="1200" b="0" i="0" kern="1200" dirty="0" smtClean="0">
-                <a:solidFill>
-                  <a:schemeClr val="tx1"/>
-                </a:solidFill>
-                <a:effectLst/>
-                <a:latin typeface="+mn-lt"/>
-                <a:ea typeface="+mn-ea"/>
-                <a:cs typeface="+mn-cs"/>
-              </a:rPr>
-              <a:t>a service is something the application does in response to some input or set of inputs.”</a:t>
-            </a:r>
-            <a:endParaRPr lang="en-US" dirty="0" smtClean="0"/>
-          </a:p>
-          <a:p>
-            <a:pPr marL="0" marR="0" indent="0" algn="l" defTabSz="914400" rtl="0" eaLnBrk="1" fontAlgn="auto" latinLnBrk="0" hangingPunct="1">
-              <a:lnSpc>
-                <a:spcPct val="100000"/>
-              </a:lnSpc>
-              <a:spcBef>
-                <a:spcPts val="0"/>
-              </a:spcBef>
-              <a:spcAft>
-                <a:spcPts val="0"/>
-              </a:spcAft>
-              <a:buClrTx/>
-              <a:buSzTx/>
-              <a:buFontTx/>
-              <a:buNone/>
-              <a:tabLst/>
-              <a:defRPr/>
-            </a:pPr>
-            <a:r>
-              <a:rPr lang="en-US" dirty="0" smtClean="0"/>
-              <a:t>Orthogonal Concepts: Integration Tests, End to End tests.  Decide what the above layers mean to your team.</a:t>
-            </a:r>
           </a:p>
         </p:txBody>
       </p:sp>
@@ -1625,7 +1791,7 @@
     </p:spTree>
     <p:extLst>
       <p:ext uri="{BB962C8B-B14F-4D97-AF65-F5344CB8AC3E}">
-        <p14:creationId xmlns:p14="http://schemas.microsoft.com/office/powerpoint/2010/main" val="1643938883"/>
+        <p14:creationId xmlns:p14="http://schemas.microsoft.com/office/powerpoint/2010/main" val="148475727"/>
       </p:ext>
     </p:extLst>
   </p:cSld>
@@ -1679,40 +1845,40 @@
           <a:bodyPr/>
           <a:lstStyle/>
           <a:p>
+            <a:pPr marL="171450" indent="-171450">
+              <a:buFont typeface="Arial" charset="0"/>
+              <a:buChar char="•"/>
+            </a:pPr>
             <a:r>
               <a:rPr lang="en-US" dirty="0" smtClean="0"/>
-              <a:t>Not going to happen by happy accident.  What tools will be used, how to divvy up test coverage</a:t>
+              <a:t>Look</a:t>
             </a:r>
             <a:r>
               <a:rPr lang="en-US" baseline="0" dirty="0" smtClean="0"/>
-              <a:t> for a feature across those tools without gaps or duplication </a:t>
-            </a:r>
-            <a:r>
-              <a:rPr lang="mr-IN" baseline="0" dirty="0" smtClean="0"/>
-              <a:t>–</a:t>
-            </a:r>
+              <a:t> at code and test for sample application, how they fit into our intentional testing layers.</a:t>
+            </a:r>
+            <a:endParaRPr lang="en-US" dirty="0" smtClean="0"/>
+          </a:p>
+          <a:p>
+            <a:pPr marL="171450" indent="-171450">
+              <a:buFont typeface="Arial" charset="0"/>
+              <a:buChar char="•"/>
+            </a:pPr>
+            <a:r>
+              <a:rPr lang="en-US" dirty="0" smtClean="0"/>
+              <a:t>Very small but contains real world feature from real prescribing application</a:t>
+            </a:r>
+          </a:p>
+          <a:p>
+            <a:pPr marL="171450" indent="-171450">
+              <a:buFont typeface="Arial" charset="0"/>
+              <a:buChar char="•"/>
+            </a:pPr>
             <a:r>
               <a:rPr lang="en-US" baseline="0" dirty="0" smtClean="0"/>
-              <a:t> all requires intentional work and communication.</a:t>
-            </a:r>
-          </a:p>
-          <a:p>
+              <a:t>Web app with a back-end service layer</a:t>
+            </a:r>
             <a:endParaRPr lang="en-US" baseline="0" dirty="0" smtClean="0"/>
-          </a:p>
-          <a:p>
-            <a:r>
-              <a:rPr lang="en-US" baseline="0" dirty="0" smtClean="0"/>
-              <a:t>This presentation:  Look at sample app based on real-world clinical application and its tests </a:t>
-            </a:r>
-            <a:r>
-              <a:rPr lang="mr-IN" baseline="0" dirty="0" smtClean="0"/>
-              <a:t>–</a:t>
-            </a:r>
-            <a:r>
-              <a:rPr lang="en-US" baseline="0" dirty="0" smtClean="0"/>
-              <a:t> see how pyramid constructed, discuss process and tools that were used for real application’s tests.</a:t>
-            </a:r>
-            <a:endParaRPr lang="en-US" dirty="0"/>
           </a:p>
         </p:txBody>
       </p:sp>
@@ -1742,7 +1908,7 @@
     </p:spTree>
     <p:extLst>
       <p:ext uri="{BB962C8B-B14F-4D97-AF65-F5344CB8AC3E}">
-        <p14:creationId xmlns:p14="http://schemas.microsoft.com/office/powerpoint/2010/main" val="148475727"/>
+        <p14:creationId xmlns:p14="http://schemas.microsoft.com/office/powerpoint/2010/main" val="766374"/>
       </p:ext>
     </p:extLst>
   </p:cSld>
@@ -1796,47 +1962,106 @@
           <a:bodyPr/>
           <a:lstStyle/>
           <a:p>
-            <a:pPr marL="171450" indent="-171450">
-              <a:buFont typeface="Arial" charset="0"/>
-              <a:buChar char="•"/>
+            <a:r>
+              <a:rPr lang="en-US" dirty="0" smtClean="0"/>
+              <a:t>- Roughly how tests were </a:t>
+            </a:r>
+            <a:r>
+              <a:rPr lang="en-US" dirty="0" err="1" smtClean="0"/>
+              <a:t>implented</a:t>
+            </a:r>
+            <a:r>
+              <a:rPr lang="en-US" baseline="0" dirty="0" smtClean="0"/>
+              <a:t> in the real application sample is based on</a:t>
+            </a:r>
+            <a:endParaRPr lang="en-US" dirty="0" smtClean="0"/>
+          </a:p>
+          <a:p>
+            <a:r>
+              <a:rPr lang="en-US" dirty="0" smtClean="0"/>
+              <a:t>(Customers</a:t>
+            </a:r>
+            <a:r>
+              <a:rPr lang="en-US" baseline="0" dirty="0" smtClean="0"/>
+              <a:t> </a:t>
+            </a:r>
+            <a:r>
+              <a:rPr lang="mr-IN" baseline="0" dirty="0" smtClean="0"/>
+              <a:t>–</a:t>
+            </a:r>
+            <a:r>
+              <a:rPr lang="en-US" baseline="0" dirty="0" smtClean="0"/>
+              <a:t> anyone not writing production code, includes QA, BA, customers.)</a:t>
+            </a:r>
+          </a:p>
+          <a:p>
+            <a:r>
+              <a:rPr lang="en-US" baseline="0" dirty="0" err="1" smtClean="0"/>
+              <a:t>Fitnesse</a:t>
+            </a:r>
+            <a:r>
+              <a:rPr lang="en-US" baseline="0" dirty="0" smtClean="0"/>
+              <a:t> chosen to provide high visibility of business logic tests to customers, and to drive feature development </a:t>
+            </a:r>
+            <a:r>
+              <a:rPr lang="mr-IN" baseline="0" dirty="0" smtClean="0"/>
+              <a:t>–</a:t>
+            </a:r>
+            <a:r>
+              <a:rPr lang="en-US" baseline="0" dirty="0" smtClean="0"/>
+              <a:t> tended to be written ahead of assigning feature to developers.</a:t>
+            </a:r>
+          </a:p>
+          <a:p>
+            <a:r>
+              <a:rPr lang="en-US" baseline="0" dirty="0" smtClean="0"/>
+              <a:t>- Not necessarily a complete picture of all the types of tests you may need to have for a particular app </a:t>
+            </a:r>
+            <a:r>
+              <a:rPr lang="mr-IN" baseline="0" dirty="0" smtClean="0"/>
+              <a:t>–</a:t>
+            </a:r>
+            <a:r>
+              <a:rPr lang="en-US" baseline="0" dirty="0" smtClean="0"/>
+              <a:t> pyramid is a general recommendation on overall test distribution.</a:t>
+            </a:r>
+          </a:p>
+          <a:p>
+            <a:pPr marL="0" marR="0" indent="0" algn="l" defTabSz="914400" rtl="0" eaLnBrk="1" fontAlgn="auto" latinLnBrk="0" hangingPunct="1">
+              <a:lnSpc>
+                <a:spcPct val="100000"/>
+              </a:lnSpc>
+              <a:spcBef>
+                <a:spcPts val="0"/>
+              </a:spcBef>
+              <a:spcAft>
+                <a:spcPts val="0"/>
+              </a:spcAft>
+              <a:buClrTx/>
+              <a:buSzTx/>
+              <a:buFontTx/>
+              <a:buNone/>
+              <a:tabLst/>
+              <a:defRPr/>
             </a:pPr>
             <a:r>
-              <a:rPr lang="en-US" dirty="0" smtClean="0"/>
-              <a:t>Testing crucial for clinical applications at VUMC </a:t>
-            </a:r>
-            <a:r>
-              <a:rPr lang="mr-IN" dirty="0" smtClean="0"/>
-              <a:t>–</a:t>
-            </a:r>
-            <a:r>
-              <a:rPr lang="en-US" dirty="0" smtClean="0"/>
-              <a:t> apps are used directly for patient care.  </a:t>
-            </a:r>
-          </a:p>
-          <a:p>
-            <a:pPr marL="171450" indent="-171450">
-              <a:buFont typeface="Arial" charset="0"/>
-              <a:buChar char="•"/>
-            </a:pPr>
-            <a:r>
-              <a:rPr lang="en-US" dirty="0" smtClean="0"/>
-              <a:t>Spend a lot of time thinking about testing</a:t>
-            </a:r>
-            <a:r>
               <a:rPr lang="en-US" baseline="0" dirty="0" smtClean="0"/>
-              <a:t> strategies, tools, improving automation.  </a:t>
-            </a:r>
-          </a:p>
-          <a:p>
-            <a:pPr marL="171450" indent="-171450">
-              <a:buFont typeface="Arial" charset="0"/>
-              <a:buChar char="•"/>
-            </a:pPr>
+              <a:t>- Micro Service </a:t>
+            </a:r>
+            <a:r>
+              <a:rPr lang="en-US" baseline="0" dirty="0" err="1" smtClean="0"/>
+              <a:t>api</a:t>
+            </a:r>
             <a:r>
               <a:rPr lang="en-US" baseline="0" dirty="0" smtClean="0"/>
-              <a:t>Sample prescribing web app, derived from real app, only has one feature, but shows some of this care and intention regarding testing.</a:t>
-            </a:r>
-            <a:endParaRPr lang="en-US" dirty="0"/>
+              <a:t> end-end smoke tests, for example.</a:t>
+            </a:r>
+          </a:p>
+          <a:p>
+            <a:r>
+              <a:rPr lang="en-US" baseline="0" dirty="0" smtClean="0"/>
+              <a:t>- Discussing and creating a grid of your test strategy in and of itself is useful.</a:t>
+            </a:r>
           </a:p>
         </p:txBody>
       </p:sp>
@@ -1866,7 +2091,7 @@
     </p:spTree>
     <p:extLst>
       <p:ext uri="{BB962C8B-B14F-4D97-AF65-F5344CB8AC3E}">
-        <p14:creationId xmlns:p14="http://schemas.microsoft.com/office/powerpoint/2010/main" val="766374"/>
+        <p14:creationId xmlns:p14="http://schemas.microsoft.com/office/powerpoint/2010/main" val="1643938883"/>
       </p:ext>
     </p:extLst>
   </p:cSld>
@@ -1922,12 +2147,46 @@
           <a:p>
             <a:r>
               <a:rPr lang="en-US" dirty="0" smtClean="0"/>
-              <a:t>Simple feature to state, but there</a:t>
+              <a:t>- To illustrate </a:t>
+            </a:r>
+            <a:r>
+              <a:rPr lang="en-US" dirty="0" err="1" smtClean="0"/>
+              <a:t>pyramic</a:t>
+            </a:r>
+            <a:r>
+              <a:rPr lang="en-US" dirty="0" smtClean="0"/>
+              <a:t>-style</a:t>
             </a:r>
             <a:r>
               <a:rPr lang="en-US" baseline="0" dirty="0" smtClean="0"/>
-              <a:t> are a number of aspects to implement.</a:t>
-            </a:r>
+              <a:t> layer of tests, we’ll look at tests for a particular feature</a:t>
+            </a:r>
+            <a:endParaRPr lang="en-US" dirty="0" smtClean="0"/>
+          </a:p>
+          <a:p>
+            <a:r>
+              <a:rPr lang="en-US" dirty="0" smtClean="0"/>
+              <a:t>- Simple </a:t>
+            </a:r>
+            <a:r>
+              <a:rPr lang="en-US" dirty="0" smtClean="0"/>
+              <a:t>feature to state, but there</a:t>
+            </a:r>
+            <a:r>
+              <a:rPr lang="en-US" baseline="0" dirty="0" smtClean="0"/>
+              <a:t> are a number of aspects to implement</a:t>
+            </a:r>
+            <a:r>
+              <a:rPr lang="en-US" baseline="0" dirty="0" smtClean="0"/>
+              <a:t>.</a:t>
+            </a:r>
+          </a:p>
+          <a:p>
+            <a:r>
+              <a:rPr lang="en-US" baseline="0" dirty="0" smtClean="0"/>
+              <a:t>- What are parts we need to implement?</a:t>
+            </a:r>
+            <a:endParaRPr lang="en-US" baseline="0" dirty="0" smtClean="0"/>
           </a:p>
           <a:p>
             <a:pPr marL="171450" indent="-171450">
@@ -1936,7 +2195,11 @@
             </a:pPr>
             <a:r>
               <a:rPr lang="en-US" baseline="0" dirty="0" smtClean="0"/>
-              <a:t>Must identify opiates</a:t>
+              <a:t>identify </a:t>
+            </a:r>
+            <a:r>
+              <a:rPr lang="en-US" baseline="0" dirty="0" smtClean="0"/>
+              <a:t>opiates</a:t>
             </a:r>
           </a:p>
           <a:p>
@@ -1946,8 +2209,13 @@
             </a:pPr>
             <a:r>
               <a:rPr lang="en-US" baseline="0" dirty="0" smtClean="0"/>
-              <a:t>Must recognize number of days from text entered by user</a:t>
-            </a:r>
+              <a:t>Calculate number </a:t>
+            </a:r>
+            <a:r>
+              <a:rPr lang="en-US" baseline="0" dirty="0" smtClean="0"/>
+              <a:t>of days from text </a:t>
+            </a:r>
+            <a:endParaRPr lang="en-US" baseline="0" dirty="0" smtClean="0"/>
           </a:p>
           <a:p>
             <a:pPr marL="171450" indent="-171450">
@@ -1956,7 +2224,19 @@
             </a:pPr>
             <a:r>
               <a:rPr lang="en-US" baseline="0" dirty="0" smtClean="0"/>
-              <a:t>Must apply business rule based on these two components and inform user</a:t>
+              <a:t>apply </a:t>
+            </a:r>
+            <a:r>
+              <a:rPr lang="en-US" baseline="0" dirty="0" smtClean="0"/>
+              <a:t>business rule based on </a:t>
+            </a:r>
+            <a:r>
+              <a:rPr lang="en-US" baseline="0" dirty="0" smtClean="0"/>
+              <a:t>above and </a:t>
+            </a:r>
+            <a:r>
+              <a:rPr lang="en-US" baseline="0" dirty="0" smtClean="0"/>
+              <a:t>inform user</a:t>
             </a:r>
           </a:p>
           <a:p>
@@ -2051,24 +2331,6 @@
           <a:bodyPr/>
           <a:lstStyle/>
           <a:p>
-            <a:r>
-              <a:rPr lang="en-US" dirty="0" smtClean="0"/>
-              <a:t>Team</a:t>
-            </a:r>
-            <a:r>
-              <a:rPr lang="en-US" baseline="0" dirty="0" smtClean="0"/>
-              <a:t> for real application often discussed testing details </a:t>
-            </a:r>
-            <a:r>
-              <a:rPr lang="mr-IN" baseline="0" dirty="0" smtClean="0"/>
-              <a:t>–</a:t>
-            </a:r>
-            <a:r>
-              <a:rPr lang="en-US" baseline="0" dirty="0" smtClean="0"/>
-              <a:t> what will be tested in which medium, authored by whom.</a:t>
-            </a:r>
-          </a:p>
-          <a:p>
             <a:endParaRPr lang="en-US" baseline="0" dirty="0" smtClean="0"/>
           </a:p>
           <a:p>
@@ -2114,36 +2376,9 @@
           <a:p>
             <a:r>
               <a:rPr lang="en-US" baseline="0" dirty="0" smtClean="0"/>
-              <a:t>The testing tools at each level were ones used by real application team </a:t>
-            </a:r>
-            <a:r>
-              <a:rPr lang="mr-IN" baseline="0" dirty="0" smtClean="0"/>
-              <a:t>–</a:t>
-            </a:r>
-            <a:r>
-              <a:rPr lang="en-US" baseline="0" dirty="0" smtClean="0"/>
-              <a:t> note that tools don’t dictate level / granularity of tests </a:t>
-            </a:r>
-            <a:r>
-              <a:rPr lang="mr-IN" baseline="0" dirty="0" smtClean="0"/>
-              <a:t>–</a:t>
-            </a:r>
-            <a:r>
-              <a:rPr lang="en-US" baseline="0" dirty="0" smtClean="0"/>
-              <a:t> all three could be done with unit testing tool.  </a:t>
-            </a:r>
-            <a:r>
-              <a:rPr lang="en-US" baseline="0" dirty="0" err="1" smtClean="0"/>
-              <a:t>Fitnesse</a:t>
-            </a:r>
-            <a:r>
-              <a:rPr lang="en-US" baseline="0" dirty="0" smtClean="0"/>
-              <a:t> is chosen for service testing by this team due to visibility and participation of customers</a:t>
-            </a:r>
-            <a:r>
-              <a:rPr lang="en-US" baseline="0" dirty="0" smtClean="0"/>
-              <a:t>.</a:t>
-            </a:r>
+              <a:t>Intentional distribution of tests for the feature.</a:t>
+            </a:r>
+            <a:endParaRPr lang="en-US" baseline="0" dirty="0" smtClean="0"/>
           </a:p>
           <a:p>
             <a:endParaRPr lang="en-US" baseline="0" dirty="0" smtClean="0"/>
@@ -2251,8 +2486,55 @@
               <a:defRPr/>
             </a:pPr>
             <a:r>
+              <a:rPr lang="en-US" baseline="0" dirty="0" err="1" smtClean="0"/>
+              <a:t>Fitnesse</a:t>
+            </a:r>
+            <a:r>
               <a:rPr lang="en-US" baseline="0" dirty="0" smtClean="0"/>
-              <a:t>The </a:t>
+              <a:t> tests:  full spec - each </a:t>
+            </a:r>
+            <a:r>
+              <a:rPr lang="en-US" baseline="0" dirty="0" smtClean="0"/>
+              <a:t>drug classification that should be considered an opiate</a:t>
+            </a:r>
+            <a:r>
+              <a:rPr lang="en-US" baseline="0" dirty="0" smtClean="0"/>
+              <a:t>.  Exact match </a:t>
+            </a:r>
+            <a:r>
+              <a:rPr lang="mr-IN" baseline="0" dirty="0" smtClean="0"/>
+              <a:t>–</a:t>
+            </a:r>
+            <a:r>
+              <a:rPr lang="en-US" baseline="0" dirty="0" smtClean="0"/>
+              <a:t> extra class by code fails, missing class fails.</a:t>
+            </a:r>
+          </a:p>
+          <a:p>
+            <a:pPr marL="171450" marR="0" indent="-171450" algn="l" defTabSz="914400" rtl="0" eaLnBrk="1" fontAlgn="auto" latinLnBrk="0" hangingPunct="1">
+              <a:lnSpc>
+                <a:spcPct val="100000"/>
+              </a:lnSpc>
+              <a:spcBef>
+                <a:spcPts val="0"/>
+              </a:spcBef>
+              <a:spcAft>
+                <a:spcPts val="0"/>
+              </a:spcAft>
+              <a:buClrTx/>
+              <a:buSzTx/>
+              <a:buFont typeface="Arial" charset="0"/>
+              <a:buChar char="•"/>
+              <a:tabLst/>
+              <a:defRPr/>
+            </a:pPr>
+            <a:r>
+              <a:rPr lang="en-US" baseline="0" dirty="0" err="1" smtClean="0"/>
+              <a:t>OpiateDrugConcept</a:t>
+            </a:r>
+            <a:r>
+              <a:rPr lang="en-US" baseline="0" dirty="0" smtClean="0"/>
+              <a:t> is class in our system responsible for this determination, unit tests verify logic of this unit of code without duplicating information in the </a:t>
             </a:r>
             <a:r>
               <a:rPr lang="en-US" baseline="0" dirty="0" err="1" smtClean="0"/>
@@ -2260,22 +2542,57 @@
             </a:r>
             <a:r>
               <a:rPr lang="en-US" baseline="0" dirty="0" smtClean="0"/>
-              <a:t> tests covers the full requirements for this part of the feature </a:t>
-            </a:r>
-            <a:r>
-              <a:rPr lang="mr-IN" baseline="0" dirty="0" smtClean="0"/>
-              <a:t>–</a:t>
-            </a:r>
-            <a:r>
-              <a:rPr lang="en-US" baseline="0" dirty="0" smtClean="0"/>
-              <a:t> specifies each drug classification that should be considered an opiate.</a:t>
-            </a:r>
-            <a:endParaRPr lang="en-US" dirty="0" smtClean="0"/>
-          </a:p>
-          <a:p>
-            <a:pPr marL="171450" indent="-171450">
+              <a:t> tests.</a:t>
+            </a:r>
+          </a:p>
+          <a:p>
+            <a:pPr marL="171450" marR="0" indent="-171450" algn="l" defTabSz="914400" rtl="0" eaLnBrk="1" fontAlgn="auto" latinLnBrk="0" hangingPunct="1">
+              <a:lnSpc>
+                <a:spcPct val="100000"/>
+              </a:lnSpc>
+              <a:spcBef>
+                <a:spcPts val="0"/>
+              </a:spcBef>
+              <a:spcAft>
+                <a:spcPts val="0"/>
+              </a:spcAft>
+              <a:buClrTx/>
+              <a:buSzTx/>
               <a:buFont typeface="Arial" charset="0"/>
               <a:buChar char="•"/>
+              <a:tabLst/>
+              <a:defRPr/>
+            </a:pPr>
+            <a:r>
+              <a:rPr lang="en-US" baseline="0" dirty="0" smtClean="0"/>
+              <a:t>&lt;Switch to Browser/</a:t>
+            </a:r>
+            <a:r>
+              <a:rPr lang="en-US" baseline="0" dirty="0" err="1" smtClean="0"/>
+              <a:t>Fitnesse</a:t>
+            </a:r>
+            <a:r>
+              <a:rPr lang="en-US" baseline="0" dirty="0" smtClean="0"/>
+              <a:t>, Switch to Code&gt;</a:t>
+            </a:r>
+          </a:p>
+          <a:p>
+            <a:pPr marL="171450" marR="0" indent="-171450" algn="l" defTabSz="914400" rtl="0" eaLnBrk="1" fontAlgn="auto" latinLnBrk="0" hangingPunct="1">
+              <a:lnSpc>
+                <a:spcPct val="100000"/>
+              </a:lnSpc>
+              <a:spcBef>
+                <a:spcPts val="0"/>
+              </a:spcBef>
+              <a:spcAft>
+                <a:spcPts val="0"/>
+              </a:spcAft>
+              <a:buClrTx/>
+              <a:buSzTx/>
+              <a:buFont typeface="Arial" charset="0"/>
+              <a:buChar char="•"/>
+              <a:tabLst/>
+              <a:defRPr/>
             </a:pPr>
             <a:r>
               <a:rPr lang="en-US" dirty="0" err="1" smtClean="0"/>
@@ -2283,7 +2600,11 @@
             </a:r>
             <a:r>
               <a:rPr lang="en-US" baseline="0" dirty="0" smtClean="0"/>
-              <a:t> states and tests the design of the classes used to determine if a drug is in this class.  </a:t>
+              <a:t> </a:t>
+            </a:r>
+            <a:r>
+              <a:rPr lang="en-US" baseline="0" dirty="0" smtClean="0"/>
+              <a:t>states and tests the design of the classes used to determine if a drug is in this class.  </a:t>
             </a:r>
             <a:r>
               <a:rPr lang="en-US" baseline="0" dirty="0" err="1" smtClean="0"/>
@@ -6321,7 +6642,7 @@
         <p:spPr>
           <a:xfrm>
             <a:off x="6096000" y="1690686"/>
-            <a:ext cx="4496972" cy="2677656"/>
+            <a:ext cx="4496972" cy="3785652"/>
           </a:xfrm>
           <a:prstGeom prst="rect">
             <a:avLst/>
@@ -6339,8 +6660,13 @@
             </a:pPr>
             <a:r>
               <a:rPr lang="en-US" sz="2400" dirty="0" smtClean="0"/>
-              <a:t>Foundational base of unit tests.</a:t>
-            </a:r>
+              <a:t>Foundational base of unit </a:t>
+            </a:r>
+            <a:r>
+              <a:rPr lang="en-US" sz="2400" dirty="0" smtClean="0"/>
+              <a:t>tests.</a:t>
+            </a:r>
+            <a:endParaRPr lang="en-US" sz="2400" dirty="0" smtClean="0"/>
           </a:p>
           <a:p>
             <a:pPr marL="285750" indent="-285750">
@@ -6367,7 +6693,29 @@
             </a:r>
             <a:r>
               <a:rPr lang="en-US" sz="2400" dirty="0" smtClean="0"/>
-              <a:t> testing services provided by the application independent of the UI.</a:t>
+              <a:t> testing services provided by the application independent of the UI</a:t>
+            </a:r>
+            <a:r>
+              <a:rPr lang="en-US" sz="2400" dirty="0" smtClean="0"/>
+              <a:t>.</a:t>
+            </a:r>
+          </a:p>
+          <a:p>
+            <a:pPr marL="285750" indent="-285750">
+              <a:buFont typeface="Arial" charset="0"/>
+              <a:buChar char="•"/>
+            </a:pPr>
+            <a:r>
+              <a:rPr lang="en-US" sz="2400" dirty="0" smtClean="0"/>
+              <a:t>Service refers to logical services </a:t>
+            </a:r>
+            <a:r>
+              <a:rPr lang="mr-IN" sz="2400" dirty="0" smtClean="0"/>
+              <a:t>–</a:t>
+            </a:r>
+            <a:r>
+              <a:rPr lang="en-US" sz="2400" dirty="0" smtClean="0"/>
+              <a:t> something the application does in response to inputs.</a:t>
             </a:r>
             <a:endParaRPr lang="en-US" sz="2400" dirty="0"/>
           </a:p>
@@ -6471,7 +6819,7 @@
         <p:spPr>
           <a:xfrm>
             <a:off x="708074" y="1690688"/>
-            <a:ext cx="4496972" cy="4524315"/>
+            <a:ext cx="4496972" cy="4893647"/>
           </a:xfrm>
           <a:prstGeom prst="rect">
             <a:avLst/>
@@ -6527,8 +6875,13 @@
             </a:pPr>
             <a:r>
               <a:rPr lang="en-US" sz="2400" dirty="0" smtClean="0"/>
-              <a:t>Unit tests are easy for developers to write, usually in same language as application.</a:t>
-            </a:r>
+              <a:t>Unit tests are easy for developers to write, usually in same language as </a:t>
+            </a:r>
+            <a:r>
+              <a:rPr lang="en-US" sz="2400" dirty="0" smtClean="0"/>
+              <a:t>application, locate bugs more precisely.</a:t>
+            </a:r>
+            <a:endParaRPr lang="en-US" sz="2400" dirty="0" smtClean="0"/>
           </a:p>
           <a:p>
             <a:pPr marL="285750" indent="-285750">
@@ -6603,15 +6956,258 @@
           <a:p>
             <a:r>
               <a:rPr lang="en-US" dirty="0" smtClean="0"/>
-              <a:t>The </a:t>
-            </a:r>
-            <a:r>
-              <a:rPr lang="en-US" dirty="0"/>
-              <a:t>T</a:t>
-            </a:r>
+              <a:t>Challenges</a:t>
+            </a:r>
+            <a:endParaRPr lang="en-US" dirty="0"/>
+          </a:p>
+        </p:txBody>
+      </p:sp>
+      <p:sp>
+        <p:nvSpPr>
+          <p:cNvPr id="3" name="Content Placeholder 2"/>
+          <p:cNvSpPr>
+            <a:spLocks noGrp="1"/>
+          </p:cNvSpPr>
+          <p:nvPr>
+            <p:ph idx="1"/>
+          </p:nvPr>
+        </p:nvSpPr>
+        <p:spPr>
+          <a:xfrm>
+            <a:off x="7113494" y="2161335"/>
+            <a:ext cx="3966883" cy="2356877"/>
+          </a:xfrm>
+        </p:spPr>
+        <p:txBody>
+          <a:bodyPr/>
+          <a:lstStyle/>
+          <a:p>
             <a:r>
               <a:rPr lang="en-US" dirty="0" smtClean="0"/>
-              <a:t>hree Layers of the Pyramid</a:t>
+              <a:t>Intentional Planning and Effort</a:t>
+            </a:r>
+          </a:p>
+          <a:p>
+            <a:r>
+              <a:rPr lang="en-US" dirty="0" smtClean="0"/>
+              <a:t>Shared Understanding</a:t>
+            </a:r>
+          </a:p>
+          <a:p>
+            <a:r>
+              <a:rPr lang="en-US" dirty="0" smtClean="0"/>
+              <a:t>Communication and Collaboration</a:t>
+            </a:r>
+            <a:endParaRPr lang="en-US" dirty="0"/>
+          </a:p>
+        </p:txBody>
+      </p:sp>
+      <p:pic>
+        <p:nvPicPr>
+          <p:cNvPr id="4" name="Picture 3"/>
+          <p:cNvPicPr>
+            <a:picLocks noChangeAspect="1"/>
+          </p:cNvPicPr>
+          <p:nvPr/>
+        </p:nvPicPr>
+        <p:blipFill>
+          <a:blip r:embed="rId3">
+            <a:extLst>
+              <a:ext uri="{28A0092B-C50C-407E-A947-70E740481C1C}">
+                <a14:useLocalDpi xmlns:a14="http://schemas.microsoft.com/office/drawing/2010/main" val="0"/>
+              </a:ext>
+            </a:extLst>
+          </a:blip>
+          <a:stretch>
+            <a:fillRect/>
+          </a:stretch>
+        </p:blipFill>
+        <p:spPr>
+          <a:xfrm>
+            <a:off x="838200" y="1690688"/>
+            <a:ext cx="6073588" cy="4036405"/>
+          </a:xfrm>
+          <a:prstGeom prst="rect">
+            <a:avLst/>
+          </a:prstGeom>
+        </p:spPr>
+      </p:pic>
+    </p:spTree>
+    <p:extLst>
+      <p:ext uri="{BB962C8B-B14F-4D97-AF65-F5344CB8AC3E}">
+        <p14:creationId xmlns:p14="http://schemas.microsoft.com/office/powerpoint/2010/main" val="623930801"/>
+      </p:ext>
+    </p:extLst>
+  </p:cSld>
+  <p:clrMapOvr>
+    <a:masterClrMapping/>
+  </p:clrMapOvr>
+  <p:timing>
+    <p:tnLst>
+      <p:par>
+        <p:cTn id="1" dur="indefinite" restart="never" nodeType="tmRoot"/>
+      </p:par>
+    </p:tnLst>
+  </p:timing>
+</p:sld>
+</file>
+
+<file path=ppt/slides/slide5.xml><?xml version="1.0" encoding="utf-8"?>
+<p:sld xmlns:a="http://schemas.openxmlformats.org/drawingml/2006/main" xmlns:r="http://schemas.openxmlformats.org/officeDocument/2006/relationships" xmlns:p="http://schemas.openxmlformats.org/presentationml/2006/main">
+  <p:cSld>
+    <p:spTree>
+      <p:nvGrpSpPr>
+        <p:cNvPr id="1" name=""/>
+        <p:cNvGrpSpPr/>
+        <p:nvPr/>
+      </p:nvGrpSpPr>
+      <p:grpSpPr>
+        <a:xfrm>
+          <a:off x="0" y="0"/>
+          <a:ext cx="0" cy="0"/>
+          <a:chOff x="0" y="0"/>
+          <a:chExt cx="0" cy="0"/>
+        </a:xfrm>
+      </p:grpSpPr>
+      <p:sp>
+        <p:nvSpPr>
+          <p:cNvPr id="2" name="Title 1"/>
+          <p:cNvSpPr>
+            <a:spLocks noGrp="1"/>
+          </p:cNvSpPr>
+          <p:nvPr>
+            <p:ph type="title"/>
+          </p:nvPr>
+        </p:nvSpPr>
+        <p:spPr/>
+        <p:txBody>
+          <a:bodyPr>
+            <a:normAutofit/>
+          </a:bodyPr>
+          <a:lstStyle/>
+          <a:p>
+            <a:r>
+              <a:rPr lang="en-US" sz="4000" dirty="0" smtClean="0"/>
+              <a:t>Sample Application</a:t>
+            </a:r>
+            <a:endParaRPr lang="en-US" sz="4000" dirty="0"/>
+          </a:p>
+        </p:txBody>
+      </p:sp>
+      <p:sp>
+        <p:nvSpPr>
+          <p:cNvPr id="3" name="Content Placeholder 2"/>
+          <p:cNvSpPr>
+            <a:spLocks noGrp="1"/>
+          </p:cNvSpPr>
+          <p:nvPr>
+            <p:ph idx="1"/>
+          </p:nvPr>
+        </p:nvSpPr>
+        <p:spPr>
+          <a:xfrm>
+            <a:off x="838200" y="1852519"/>
+            <a:ext cx="10515600" cy="567951"/>
+          </a:xfrm>
+        </p:spPr>
+        <p:txBody>
+          <a:bodyPr>
+            <a:normAutofit fontScale="77500" lnSpcReduction="20000"/>
+          </a:bodyPr>
+          <a:lstStyle/>
+          <a:p>
+            <a:r>
+              <a:rPr lang="en-US" dirty="0" smtClean="0"/>
+              <a:t>Rx Demo:  Web-based Prescribing Application, extracted from real clinical app in production for over a decade.</a:t>
+            </a:r>
+          </a:p>
+        </p:txBody>
+      </p:sp>
+      <p:pic>
+        <p:nvPicPr>
+          <p:cNvPr id="4" name="Picture 3"/>
+          <p:cNvPicPr>
+            <a:picLocks noChangeAspect="1"/>
+          </p:cNvPicPr>
+          <p:nvPr/>
+        </p:nvPicPr>
+        <p:blipFill>
+          <a:blip r:embed="rId3">
+            <a:extLst>
+              <a:ext uri="{28A0092B-C50C-407E-A947-70E740481C1C}">
+                <a14:useLocalDpi xmlns:a14="http://schemas.microsoft.com/office/drawing/2010/main" val="0"/>
+              </a:ext>
+            </a:extLst>
+          </a:blip>
+          <a:stretch>
+            <a:fillRect/>
+          </a:stretch>
+        </p:blipFill>
+        <p:spPr>
+          <a:xfrm>
+            <a:off x="315595" y="2582301"/>
+            <a:ext cx="11560810" cy="3200401"/>
+          </a:xfrm>
+          <a:prstGeom prst="rect">
+            <a:avLst/>
+          </a:prstGeom>
+        </p:spPr>
+      </p:pic>
+    </p:spTree>
+    <p:extLst>
+      <p:ext uri="{BB962C8B-B14F-4D97-AF65-F5344CB8AC3E}">
+        <p14:creationId xmlns:p14="http://schemas.microsoft.com/office/powerpoint/2010/main" val="567372212"/>
+      </p:ext>
+    </p:extLst>
+  </p:cSld>
+  <p:clrMapOvr>
+    <a:masterClrMapping/>
+  </p:clrMapOvr>
+  <p:timing>
+    <p:tnLst>
+      <p:par>
+        <p:cTn id="1" dur="indefinite" restart="never" nodeType="tmRoot"/>
+      </p:par>
+    </p:tnLst>
+  </p:timing>
+</p:sld>
+</file>
+
+<file path=ppt/slides/slide6.xml><?xml version="1.0" encoding="utf-8"?>
+<p:sld xmlns:a="http://schemas.openxmlformats.org/drawingml/2006/main" xmlns:r="http://schemas.openxmlformats.org/officeDocument/2006/relationships" xmlns:p="http://schemas.openxmlformats.org/presentationml/2006/main">
+  <p:cSld>
+    <p:spTree>
+      <p:nvGrpSpPr>
+        <p:cNvPr id="1" name=""/>
+        <p:cNvGrpSpPr/>
+        <p:nvPr/>
+      </p:nvGrpSpPr>
+      <p:grpSpPr>
+        <a:xfrm>
+          <a:off x="0" y="0"/>
+          <a:ext cx="0" cy="0"/>
+          <a:chOff x="0" y="0"/>
+          <a:chExt cx="0" cy="0"/>
+        </a:xfrm>
+      </p:grpSpPr>
+      <p:sp>
+        <p:nvSpPr>
+          <p:cNvPr id="2" name="Title 1"/>
+          <p:cNvSpPr>
+            <a:spLocks noGrp="1"/>
+          </p:cNvSpPr>
+          <p:nvPr>
+            <p:ph type="title"/>
+          </p:nvPr>
+        </p:nvSpPr>
+        <p:spPr/>
+        <p:txBody>
+          <a:bodyPr/>
+          <a:lstStyle/>
+          <a:p>
+            <a:r>
+              <a:rPr lang="en-US" dirty="0" smtClean="0"/>
+              <a:t>Sample App Pyramid</a:t>
             </a:r>
             <a:endParaRPr lang="en-US" dirty="0"/>
           </a:p>
@@ -6627,7 +7223,7 @@
             <p:ph idx="1"/>
             <p:extLst>
               <p:ext uri="{D42A27DB-BD31-4B8C-83A1-F6EECF244321}">
-                <p14:modId xmlns:p14="http://schemas.microsoft.com/office/powerpoint/2010/main" val="1231615142"/>
+                <p14:modId xmlns:p14="http://schemas.microsoft.com/office/powerpoint/2010/main" val="550358431"/>
               </p:ext>
             </p:extLst>
           </p:nvPr>
@@ -6742,7 +7338,11 @@
                     <a:p>
                       <a:r>
                         <a:rPr lang="en-US" dirty="0" smtClean="0"/>
-                        <a:t>Test Business Logic / Services</a:t>
+                        <a:t>Test Business Logic / </a:t>
+                      </a:r>
+                      <a:r>
+                        <a:rPr lang="en-US" dirty="0" smtClean="0"/>
+                        <a:t>Outputs to Inputs</a:t>
                       </a:r>
                       <a:endParaRPr lang="en-US" dirty="0"/>
                     </a:p>
@@ -6756,7 +7356,11 @@
                     <a:p>
                       <a:r>
                         <a:rPr lang="en-US" dirty="0" smtClean="0"/>
-                        <a:t>Test the User Interface</a:t>
+                        <a:t>Test the User </a:t>
+                      </a:r>
+                      <a:r>
+                        <a:rPr lang="en-US" dirty="0" smtClean="0"/>
+                        <a:t>Interface, Provides some End-End confirmation</a:t>
                       </a:r>
                       <a:endParaRPr lang="en-US" dirty="0"/>
                     </a:p>
@@ -6834,11 +7438,7 @@
                     <a:p>
                       <a:r>
                         <a:rPr lang="en-US" dirty="0" smtClean="0"/>
-                        <a:t>Speed</a:t>
-                      </a:r>
-                      <a:r>
-                        <a:rPr lang="en-US" baseline="0" dirty="0" smtClean="0"/>
-                        <a:t> / Cost</a:t>
+                        <a:t>Tool</a:t>
                       </a:r>
                       <a:endParaRPr lang="en-US" dirty="0"/>
                     </a:p>
@@ -6852,7 +7452,21 @@
                     <a:p>
                       <a:r>
                         <a:rPr lang="en-US" dirty="0" smtClean="0"/>
-                        <a:t>Fast / Low</a:t>
+                        <a:t>Junit, Jasmine</a:t>
+                      </a:r>
+                      <a:endParaRPr lang="en-US" dirty="0"/>
+                    </a:p>
+                  </a:txBody>
+                  <a:tcPr/>
+                </a:tc>
+                <a:tc>
+                  <a:txBody>
+                    <a:bodyPr/>
+                    <a:lstStyle/>
+                    <a:p>
+                      <a:r>
+                        <a:rPr lang="en-US" dirty="0" err="1" smtClean="0"/>
+                        <a:t>Fitnesse</a:t>
                       </a:r>
                       <a:endParaRPr lang="en-US" dirty="0"/>
                     </a:p>
@@ -6866,25 +7480,11 @@
                     <a:p>
                       <a:r>
                         <a:rPr lang="en-US" dirty="0" smtClean="0"/>
-                        <a:t>Fast to Medium /</a:t>
+                        <a:t>Selenium</a:t>
                       </a:r>
                       <a:r>
                         <a:rPr lang="en-US" baseline="0" dirty="0" smtClean="0"/>
-                        <a:t> Medium</a:t>
-                      </a:r>
-                      <a:endParaRPr lang="en-US" dirty="0"/>
-                    </a:p>
-                  </a:txBody>
-                  <a:tcPr/>
-                </a:tc>
-                <a:tc>
-                  <a:txBody>
-                    <a:bodyPr/>
-                    <a:lstStyle/>
-                    <a:p>
-                      <a:r>
-                        <a:rPr lang="en-US" dirty="0" smtClean="0"/>
-                        <a:t>Slow / High</a:t>
+                        <a:t> via Junit</a:t>
                       </a:r>
                       <a:endParaRPr lang="en-US" dirty="0"/>
                     </a:p>
@@ -6900,257 +7500,6 @@
     <p:extLst>
       <p:ext uri="{BB962C8B-B14F-4D97-AF65-F5344CB8AC3E}">
         <p14:creationId xmlns:p14="http://schemas.microsoft.com/office/powerpoint/2010/main" val="2014155585"/>
-      </p:ext>
-    </p:extLst>
-  </p:cSld>
-  <p:clrMapOvr>
-    <a:masterClrMapping/>
-  </p:clrMapOvr>
-  <p:timing>
-    <p:tnLst>
-      <p:par>
-        <p:cTn id="1" dur="indefinite" restart="never" nodeType="tmRoot"/>
-      </p:par>
-    </p:tnLst>
-  </p:timing>
-</p:sld>
-</file>
-
-<file path=ppt/slides/slide5.xml><?xml version="1.0" encoding="utf-8"?>
-<p:sld xmlns:a="http://schemas.openxmlformats.org/drawingml/2006/main" xmlns:r="http://schemas.openxmlformats.org/officeDocument/2006/relationships" xmlns:p="http://schemas.openxmlformats.org/presentationml/2006/main">
-  <p:cSld>
-    <p:spTree>
-      <p:nvGrpSpPr>
-        <p:cNvPr id="1" name=""/>
-        <p:cNvGrpSpPr/>
-        <p:nvPr/>
-      </p:nvGrpSpPr>
-      <p:grpSpPr>
-        <a:xfrm>
-          <a:off x="0" y="0"/>
-          <a:ext cx="0" cy="0"/>
-          <a:chOff x="0" y="0"/>
-          <a:chExt cx="0" cy="0"/>
-        </a:xfrm>
-      </p:grpSpPr>
-      <p:sp>
-        <p:nvSpPr>
-          <p:cNvPr id="2" name="Title 1"/>
-          <p:cNvSpPr>
-            <a:spLocks noGrp="1"/>
-          </p:cNvSpPr>
-          <p:nvPr>
-            <p:ph type="title"/>
-          </p:nvPr>
-        </p:nvSpPr>
-        <p:spPr/>
-        <p:txBody>
-          <a:bodyPr/>
-          <a:lstStyle/>
-          <a:p>
-            <a:r>
-              <a:rPr lang="en-US" dirty="0" smtClean="0"/>
-              <a:t>Challenges</a:t>
-            </a:r>
-            <a:endParaRPr lang="en-US" dirty="0"/>
-          </a:p>
-        </p:txBody>
-      </p:sp>
-      <p:sp>
-        <p:nvSpPr>
-          <p:cNvPr id="3" name="Content Placeholder 2"/>
-          <p:cNvSpPr>
-            <a:spLocks noGrp="1"/>
-          </p:cNvSpPr>
-          <p:nvPr>
-            <p:ph idx="1"/>
-          </p:nvPr>
-        </p:nvSpPr>
-        <p:spPr>
-          <a:xfrm>
-            <a:off x="7113494" y="2161335"/>
-            <a:ext cx="3966883" cy="2356877"/>
-          </a:xfrm>
-        </p:spPr>
-        <p:txBody>
-          <a:bodyPr/>
-          <a:lstStyle/>
-          <a:p>
-            <a:r>
-              <a:rPr lang="en-US" dirty="0" smtClean="0"/>
-              <a:t>Intentional Planning and Effort</a:t>
-            </a:r>
-          </a:p>
-          <a:p>
-            <a:r>
-              <a:rPr lang="en-US" dirty="0" smtClean="0"/>
-              <a:t>Shared Understanding</a:t>
-            </a:r>
-          </a:p>
-          <a:p>
-            <a:r>
-              <a:rPr lang="en-US" dirty="0" smtClean="0"/>
-              <a:t>Communication and Collaboration</a:t>
-            </a:r>
-            <a:endParaRPr lang="en-US" dirty="0"/>
-          </a:p>
-        </p:txBody>
-      </p:sp>
-      <p:pic>
-        <p:nvPicPr>
-          <p:cNvPr id="4" name="Picture 3"/>
-          <p:cNvPicPr>
-            <a:picLocks noChangeAspect="1"/>
-          </p:cNvPicPr>
-          <p:nvPr/>
-        </p:nvPicPr>
-        <p:blipFill>
-          <a:blip r:embed="rId3">
-            <a:extLst>
-              <a:ext uri="{28A0092B-C50C-407E-A947-70E740481C1C}">
-                <a14:useLocalDpi xmlns:a14="http://schemas.microsoft.com/office/drawing/2010/main" val="0"/>
-              </a:ext>
-            </a:extLst>
-          </a:blip>
-          <a:stretch>
-            <a:fillRect/>
-          </a:stretch>
-        </p:blipFill>
-        <p:spPr>
-          <a:xfrm>
-            <a:off x="838200" y="1690688"/>
-            <a:ext cx="6073588" cy="4036405"/>
-          </a:xfrm>
-          <a:prstGeom prst="rect">
-            <a:avLst/>
-          </a:prstGeom>
-        </p:spPr>
-      </p:pic>
-    </p:spTree>
-    <p:extLst>
-      <p:ext uri="{BB962C8B-B14F-4D97-AF65-F5344CB8AC3E}">
-        <p14:creationId xmlns:p14="http://schemas.microsoft.com/office/powerpoint/2010/main" val="623930801"/>
-      </p:ext>
-    </p:extLst>
-  </p:cSld>
-  <p:clrMapOvr>
-    <a:masterClrMapping/>
-  </p:clrMapOvr>
-  <p:timing>
-    <p:tnLst>
-      <p:par>
-        <p:cTn id="1" dur="indefinite" restart="never" nodeType="tmRoot"/>
-      </p:par>
-    </p:tnLst>
-  </p:timing>
-</p:sld>
-</file>
-
-<file path=ppt/slides/slide6.xml><?xml version="1.0" encoding="utf-8"?>
-<p:sld xmlns:a="http://schemas.openxmlformats.org/drawingml/2006/main" xmlns:r="http://schemas.openxmlformats.org/officeDocument/2006/relationships" xmlns:p="http://schemas.openxmlformats.org/presentationml/2006/main">
-  <p:cSld>
-    <p:spTree>
-      <p:nvGrpSpPr>
-        <p:cNvPr id="1" name=""/>
-        <p:cNvGrpSpPr/>
-        <p:nvPr/>
-      </p:nvGrpSpPr>
-      <p:grpSpPr>
-        <a:xfrm>
-          <a:off x="0" y="0"/>
-          <a:ext cx="0" cy="0"/>
-          <a:chOff x="0" y="0"/>
-          <a:chExt cx="0" cy="0"/>
-        </a:xfrm>
-      </p:grpSpPr>
-      <p:sp>
-        <p:nvSpPr>
-          <p:cNvPr id="2" name="Title 1"/>
-          <p:cNvSpPr>
-            <a:spLocks noGrp="1"/>
-          </p:cNvSpPr>
-          <p:nvPr>
-            <p:ph type="title"/>
-          </p:nvPr>
-        </p:nvSpPr>
-        <p:spPr/>
-        <p:txBody>
-          <a:bodyPr>
-            <a:normAutofit/>
-          </a:bodyPr>
-          <a:lstStyle/>
-          <a:p>
-            <a:r>
-              <a:rPr lang="en-US" sz="4000" dirty="0" smtClean="0"/>
-              <a:t>Sample Application</a:t>
-            </a:r>
-            <a:endParaRPr lang="en-US" sz="4000" dirty="0"/>
-          </a:p>
-        </p:txBody>
-      </p:sp>
-      <p:sp>
-        <p:nvSpPr>
-          <p:cNvPr id="3" name="Content Placeholder 2"/>
-          <p:cNvSpPr>
-            <a:spLocks noGrp="1"/>
-          </p:cNvSpPr>
-          <p:nvPr>
-            <p:ph idx="1"/>
-          </p:nvPr>
-        </p:nvSpPr>
-        <p:spPr>
-          <a:xfrm>
-            <a:off x="838200" y="1852519"/>
-            <a:ext cx="10515600" cy="567951"/>
-          </a:xfrm>
-        </p:spPr>
-        <p:txBody>
-          <a:bodyPr>
-            <a:normAutofit fontScale="77500" lnSpcReduction="20000"/>
-          </a:bodyPr>
-          <a:lstStyle/>
-          <a:p>
-            <a:r>
-              <a:rPr lang="en-US" dirty="0" smtClean="0"/>
-              <a:t>Rx Demo:  Web-based Prescribing Application, extracted from real clinical app in production for over a decade.</a:t>
-            </a:r>
-          </a:p>
-        </p:txBody>
-      </p:sp>
-      <p:pic>
-        <p:nvPicPr>
-          <p:cNvPr id="4" name="Picture 3"/>
-          <p:cNvPicPr>
-            <a:picLocks noChangeAspect="1"/>
-          </p:cNvPicPr>
-          <p:nvPr/>
-        </p:nvPicPr>
-        <p:blipFill>
-          <a:blip r:embed="rId3">
-            <a:extLst>
-              <a:ext uri="{28A0092B-C50C-407E-A947-70E740481C1C}">
-                <a14:useLocalDpi xmlns:a14="http://schemas.microsoft.com/office/drawing/2010/main" val="0"/>
-              </a:ext>
-            </a:extLst>
-          </a:blip>
-          <a:stretch>
-            <a:fillRect/>
-          </a:stretch>
-        </p:blipFill>
-        <p:spPr>
-          <a:xfrm>
-            <a:off x="315595" y="2582301"/>
-            <a:ext cx="11560810" cy="3200401"/>
-          </a:xfrm>
-          <a:prstGeom prst="rect">
-            <a:avLst/>
-          </a:prstGeom>
-        </p:spPr>
-      </p:pic>
-    </p:spTree>
-    <p:extLst>
-      <p:ext uri="{BB962C8B-B14F-4D97-AF65-F5344CB8AC3E}">
-        <p14:creationId xmlns:p14="http://schemas.microsoft.com/office/powerpoint/2010/main" val="567372212"/>
       </p:ext>
     </p:extLst>
   </p:cSld>

--- a/Test Pyramid Presentation.pptx
+++ b/Test Pyramid Presentation.pptx
@@ -5,7 +5,7 @@
     <p:sldMasterId id="2147483648" r:id="rId1"/>
   </p:sldMasterIdLst>
   <p:notesMasterIdLst>
-    <p:notesMasterId r:id="rId16"/>
+    <p:notesMasterId r:id="rId17"/>
   </p:notesMasterIdLst>
   <p:sldIdLst>
     <p:sldId id="256" r:id="rId2"/>
@@ -21,7 +21,8 @@
     <p:sldId id="273" r:id="rId12"/>
     <p:sldId id="274" r:id="rId13"/>
     <p:sldId id="268" r:id="rId14"/>
-    <p:sldId id="261" r:id="rId15"/>
+    <p:sldId id="275" r:id="rId15"/>
+    <p:sldId id="261" r:id="rId16"/>
   </p:sldIdLst>
   <p:sldSz cx="12192000" cy="6858000"/>
   <p:notesSz cx="6858000" cy="9144000"/>
@@ -210,7 +211,7 @@
           <a:p>
             <a:fld id="{51E71193-F4DE-7347-96CF-6A9725F5B501}" type="datetimeFigureOut">
               <a:rPr lang="en-US" smtClean="0"/>
-              <a:t>7/27/17</a:t>
+              <a:t>8/1/17</a:t>
             </a:fld>
             <a:endParaRPr lang="en-US"/>
           </a:p>
@@ -719,11 +720,7 @@
             </a:r>
             <a:r>
               <a:rPr lang="en-US" baseline="0" dirty="0" smtClean="0"/>
-              <a:t> test covers a wide variety of parsing scenarios</a:t>
-            </a:r>
-            <a:r>
-              <a:rPr lang="en-US" baseline="0" dirty="0" smtClean="0"/>
-              <a:t>.</a:t>
+              <a:t> test covers a wide variety of parsing scenarios.</a:t>
             </a:r>
           </a:p>
           <a:p>
@@ -748,7 +745,6 @@
               <a:rPr lang="en-US" baseline="0" dirty="0" smtClean="0"/>
               <a:t>Switch to code</a:t>
             </a:r>
-            <a:endParaRPr lang="en-US" baseline="0" dirty="0" smtClean="0"/>
           </a:p>
           <a:p>
             <a:pPr marL="171450" marR="0" indent="-171450" algn="l" defTabSz="914400" rtl="0" eaLnBrk="1" fontAlgn="auto" latinLnBrk="0" hangingPunct="1">
@@ -794,19 +790,7 @@
             </a:r>
             <a:r>
               <a:rPr lang="en-US" baseline="0" dirty="0" smtClean="0"/>
-              <a:t> </a:t>
-            </a:r>
-            <a:r>
-              <a:rPr lang="en-US" baseline="0" dirty="0" smtClean="0"/>
-              <a:t>verifies how duration units are </a:t>
-            </a:r>
-            <a:r>
-              <a:rPr lang="en-US" baseline="0" dirty="0" smtClean="0"/>
-              <a:t>expressed and multiplier.  </a:t>
-            </a:r>
-            <a:r>
-              <a:rPr lang="en-US" baseline="0" dirty="0" smtClean="0"/>
-              <a:t>The test for </a:t>
+              <a:t> verifies how duration units are expressed and multiplier.  The test for </a:t>
             </a:r>
             <a:r>
               <a:rPr lang="en-US" baseline="0" dirty="0" err="1" smtClean="0"/>
@@ -942,23 +926,11 @@
             </a:r>
             <a:r>
               <a:rPr lang="en-US" baseline="0" dirty="0" smtClean="0"/>
-              <a:t> test covers </a:t>
-            </a:r>
-            <a:r>
-              <a:rPr lang="en-US" baseline="0" dirty="0" smtClean="0"/>
-              <a:t>wide range of </a:t>
-            </a:r>
-            <a:r>
-              <a:rPr lang="en-US" baseline="0" dirty="0" smtClean="0"/>
-              <a:t>cases which will both pass and fail the validation rule.  </a:t>
+              <a:t> test covers wide range of cases which will both pass and fail the validation rule.  </a:t>
             </a:r>
             <a:r>
               <a:rPr lang="en-US" baseline="0" smtClean="0"/>
-              <a:t>It </a:t>
-            </a:r>
-            <a:r>
-              <a:rPr lang="en-US" baseline="0" smtClean="0"/>
-              <a:t>relies on both opiate </a:t>
+              <a:t>It relies on both opiate </a:t>
             </a:r>
             <a:r>
               <a:rPr lang="en-US" baseline="0" dirty="0" smtClean="0"/>
@@ -1187,16 +1159,71 @@
             </a:pPr>
             <a:r>
               <a:rPr lang="en-US" baseline="0" dirty="0" smtClean="0"/>
-              <a:t>The </a:t>
-            </a:r>
-            <a:r>
-              <a:rPr lang="en-US" baseline="0" dirty="0" err="1" smtClean="0"/>
-              <a:t>fitnesse</a:t>
-            </a:r>
+              <a:t>Just two cases covered in Selenium that verify UI displays correct state when it is supposed to display a message, and when it is not.</a:t>
+            </a:r>
+          </a:p>
+          <a:p>
+            <a:pPr marL="171450" marR="0" indent="-171450" algn="l" defTabSz="914400" rtl="0" eaLnBrk="1" fontAlgn="auto" latinLnBrk="0" hangingPunct="1">
+              <a:lnSpc>
+                <a:spcPct val="100000"/>
+              </a:lnSpc>
+              <a:spcBef>
+                <a:spcPts val="0"/>
+              </a:spcBef>
+              <a:spcAft>
+                <a:spcPts val="0"/>
+              </a:spcAft>
+              <a:buClrTx/>
+              <a:buSzTx/>
+              <a:buFont typeface="Arial" charset="0"/>
+              <a:buChar char="•"/>
+              <a:tabLst/>
+              <a:defRPr/>
+            </a:pPr>
             <a:r>
               <a:rPr lang="en-US" baseline="0" dirty="0" smtClean="0"/>
-              <a:t> test covers a full range of cases which will both pass and fail the validation rule.  It depends on both opiate identification and duration parsing logic.</a:t>
-            </a:r>
+              <a:t>Jasmine unit tests verify app controller state is correct based on successful and failed validation JSON responses, fields marked in error correctly</a:t>
+            </a:r>
+          </a:p>
+          <a:p>
+            <a:pPr marL="171450" marR="0" indent="-171450" algn="l" defTabSz="914400" rtl="0" eaLnBrk="1" fontAlgn="auto" latinLnBrk="0" hangingPunct="1">
+              <a:lnSpc>
+                <a:spcPct val="100000"/>
+              </a:lnSpc>
+              <a:spcBef>
+                <a:spcPts val="0"/>
+              </a:spcBef>
+              <a:spcAft>
+                <a:spcPts val="0"/>
+              </a:spcAft>
+              <a:buClrTx/>
+              <a:buSzTx/>
+              <a:buFont typeface="Arial" charset="0"/>
+              <a:buChar char="•"/>
+              <a:tabLst/>
+              <a:defRPr/>
+            </a:pPr>
+            <a:r>
+              <a:rPr lang="en-US" baseline="0" dirty="0" smtClean="0"/>
+              <a:t>Some duplication here / success state and failure state on controller </a:t>
+            </a:r>
+            <a:r>
+              <a:rPr lang="mr-IN" baseline="0" dirty="0" smtClean="0"/>
+              <a:t>–</a:t>
+            </a:r>
+            <a:r>
+              <a:rPr lang="en-US" baseline="0" dirty="0" smtClean="0"/>
+              <a:t> this is also verified by Selenium tests.  But the unit tests are specific to the controller code </a:t>
+            </a:r>
+            <a:r>
+              <a:rPr lang="mr-IN" baseline="0" dirty="0" smtClean="0"/>
+              <a:t>–</a:t>
+            </a:r>
+            <a:r>
+              <a:rPr lang="en-US" baseline="0" dirty="0" smtClean="0"/>
+              <a:t> failure of the Selenium tests could be less precise.</a:t>
+            </a:r>
+            <a:endParaRPr lang="en-US" baseline="0" dirty="0" smtClean="0"/>
           </a:p>
         </p:txBody>
       </p:sp>
@@ -1393,7 +1420,7 @@
           <a:p>
             <a:fld id="{C0CB0DF1-2E1C-3F45-9F83-336FA6343465}" type="slidenum">
               <a:rPr lang="en-US" smtClean="0"/>
-              <a:t>14</a:t>
+              <a:t>15</a:t>
             </a:fld>
             <a:endParaRPr lang="en-US"/>
           </a:p>
@@ -1462,11 +1489,7 @@
             </a:pPr>
             <a:r>
               <a:rPr lang="en-US" dirty="0" smtClean="0"/>
-              <a:t>Strategy of automated </a:t>
-            </a:r>
-            <a:r>
-              <a:rPr lang="en-US" dirty="0" smtClean="0"/>
-              <a:t>test</a:t>
+              <a:t>Strategy of automated test</a:t>
             </a:r>
             <a:r>
               <a:rPr lang="en-US" baseline="0" dirty="0" smtClean="0"/>
@@ -1474,8 +1497,17 @@
             </a:r>
             <a:r>
               <a:rPr lang="en-US" baseline="0" dirty="0" smtClean="0"/>
-              <a:t>type.</a:t>
-            </a:r>
+              <a:t>type </a:t>
+            </a:r>
+            <a:r>
+              <a:rPr lang="mr-IN" baseline="0" dirty="0" smtClean="0"/>
+              <a:t>–</a:t>
+            </a:r>
+            <a:r>
+              <a:rPr lang="en-US" baseline="0" dirty="0" smtClean="0"/>
+              <a:t> Succeeding with Agile, 2009</a:t>
+            </a:r>
+            <a:endParaRPr lang="en-US" baseline="0" dirty="0" smtClean="0"/>
           </a:p>
           <a:p>
             <a:pPr marL="171450" indent="-171450">
@@ -1484,7 +1516,11 @@
             </a:pPr>
             <a:r>
               <a:rPr lang="en-US" baseline="0" dirty="0" smtClean="0"/>
-              <a:t>Describe levels.</a:t>
+              <a:t>Describe levels</a:t>
+            </a:r>
+            <a:r>
+              <a:rPr lang="en-US" baseline="0" dirty="0" smtClean="0"/>
+              <a:t>.</a:t>
             </a:r>
           </a:p>
           <a:p>
@@ -1494,8 +1530,17 @@
             </a:pPr>
             <a:r>
               <a:rPr lang="en-US" baseline="0" dirty="0" smtClean="0"/>
-              <a:t>UI testing described here by Cohn is end-end style tests, not unit tests of the UI.</a:t>
-            </a:r>
+              <a:t>Follow up article by Cohn </a:t>
+            </a:r>
+            <a:r>
+              <a:rPr lang="mr-IN" baseline="0" dirty="0" smtClean="0"/>
+              <a:t>–</a:t>
+            </a:r>
+            <a:r>
+              <a:rPr lang="en-US" baseline="0" dirty="0" smtClean="0"/>
+              <a:t> Forgotten Layer of the Test Automation Pyramid regarding service layer</a:t>
+            </a:r>
+            <a:endParaRPr lang="en-US" baseline="0" dirty="0" smtClean="0"/>
           </a:p>
           <a:p>
             <a:pPr marL="171450" indent="-171450">
@@ -1520,7 +1565,37 @@
             </a:r>
             <a:r>
               <a:rPr lang="en-US" baseline="0" dirty="0" smtClean="0"/>
-              <a:t> Small, Medium, Large (Unit, Integration, System).</a:t>
+              <a:t> Small, Medium, Large (Unit, Integration, System</a:t>
+            </a:r>
+            <a:r>
+              <a:rPr lang="en-US" baseline="0" dirty="0" smtClean="0"/>
+              <a:t>).</a:t>
+            </a:r>
+          </a:p>
+          <a:p>
+            <a:pPr marL="171450" indent="-171450">
+              <a:buFontTx/>
+              <a:buChar char="-"/>
+            </a:pPr>
+            <a:r>
+              <a:rPr lang="en-US" baseline="0" dirty="0" smtClean="0"/>
+              <a:t>This is just one perspective and vocabulary from which to view tests </a:t>
+            </a:r>
+            <a:r>
+              <a:rPr lang="mr-IN" baseline="0" dirty="0" smtClean="0"/>
+              <a:t>–</a:t>
+            </a:r>
+            <a:r>
+              <a:rPr lang="en-US" baseline="0" dirty="0" smtClean="0"/>
+              <a:t> there are others (Crispin, Business Facing, Technology Facing </a:t>
+            </a:r>
+            <a:r>
+              <a:rPr lang="en-US" baseline="0" dirty="0" err="1" smtClean="0"/>
+              <a:t>etc</a:t>
+            </a:r>
+            <a:r>
+              <a:rPr lang="en-US" baseline="0" dirty="0" smtClean="0"/>
+              <a:t>).</a:t>
             </a:r>
             <a:endParaRPr lang="en-US" dirty="0"/>
           </a:p>
@@ -1608,7 +1683,27 @@
           <a:p>
             <a:r>
               <a:rPr lang="en-US" dirty="0" smtClean="0"/>
-              <a:t>Testing everything through the UI was the norm at one time.</a:t>
+              <a:t>Service level</a:t>
+            </a:r>
+            <a:r>
+              <a:rPr lang="en-US" baseline="0" dirty="0" smtClean="0"/>
+              <a:t> tests can be done with tools that make those tests publically visible </a:t>
+            </a:r>
+            <a:r>
+              <a:rPr lang="mr-IN" baseline="0" dirty="0" smtClean="0"/>
+              <a:t>–</a:t>
+            </a:r>
+            <a:r>
+              <a:rPr lang="en-US" baseline="0" dirty="0" smtClean="0"/>
+              <a:t> cucumber, </a:t>
+            </a:r>
+            <a:r>
+              <a:rPr lang="en-US" baseline="0" dirty="0" err="1" smtClean="0"/>
+              <a:t>fitnesse</a:t>
+            </a:r>
+            <a:r>
+              <a:rPr lang="en-US" baseline="0" dirty="0" smtClean="0"/>
+              <a:t>.</a:t>
             </a:r>
             <a:endParaRPr lang="en-US" dirty="0"/>
           </a:p>
@@ -1759,7 +1854,21 @@
             </a:r>
             <a:r>
               <a:rPr lang="en-US" baseline="0" dirty="0" smtClean="0"/>
-              <a:t> avoid gaps and duplication</a:t>
+              <a:t> avoid gaps and </a:t>
+            </a:r>
+            <a:r>
+              <a:rPr lang="en-US" baseline="0" dirty="0" smtClean="0"/>
+              <a:t>duplication</a:t>
+            </a:r>
+          </a:p>
+          <a:p>
+            <a:pPr marL="171450" indent="-171450">
+              <a:buFontTx/>
+              <a:buChar char="-"/>
+            </a:pPr>
+            <a:r>
+              <a:rPr lang="en-US" baseline="0" dirty="0" smtClean="0"/>
+              <a:t>In addition to demonstrating a pyramid shaped suite of tests, discuss how to overcome some of these challenges as we go.</a:t>
             </a:r>
             <a:endParaRPr lang="en-US" dirty="0" smtClean="0"/>
           </a:p>
@@ -1878,7 +1987,6 @@
               <a:rPr lang="en-US" baseline="0" dirty="0" smtClean="0"/>
               <a:t>Web app with a back-end service layer</a:t>
             </a:r>
-            <a:endParaRPr lang="en-US" baseline="0" dirty="0" smtClean="0"/>
           </a:p>
         </p:txBody>
       </p:sp>
@@ -2015,52 +2123,11 @@
           <a:p>
             <a:r>
               <a:rPr lang="en-US" baseline="0" dirty="0" smtClean="0"/>
-              <a:t>- Not necessarily a complete picture of all the types of tests you may need to have for a particular app </a:t>
-            </a:r>
-            <a:r>
-              <a:rPr lang="mr-IN" baseline="0" dirty="0" smtClean="0"/>
-              <a:t>–</a:t>
+              <a:t>- </a:t>
             </a:r>
             <a:r>
               <a:rPr lang="en-US" baseline="0" dirty="0" smtClean="0"/>
-              <a:t> pyramid is a general recommendation on overall test distribution.</a:t>
-            </a:r>
-          </a:p>
-          <a:p>
-            <a:pPr marL="0" marR="0" indent="0" algn="l" defTabSz="914400" rtl="0" eaLnBrk="1" fontAlgn="auto" latinLnBrk="0" hangingPunct="1">
-              <a:lnSpc>
-                <a:spcPct val="100000"/>
-              </a:lnSpc>
-              <a:spcBef>
-                <a:spcPts val="0"/>
-              </a:spcBef>
-              <a:spcAft>
-                <a:spcPts val="0"/>
-              </a:spcAft>
-              <a:buClrTx/>
-              <a:buSzTx/>
-              <a:buFontTx/>
-              <a:buNone/>
-              <a:tabLst/>
-              <a:defRPr/>
-            </a:pPr>
-            <a:r>
-              <a:rPr lang="en-US" baseline="0" dirty="0" smtClean="0"/>
-              <a:t>- Micro Service </a:t>
-            </a:r>
-            <a:r>
-              <a:rPr lang="en-US" baseline="0" dirty="0" err="1" smtClean="0"/>
-              <a:t>api</a:t>
-            </a:r>
-            <a:r>
-              <a:rPr lang="en-US" baseline="0" dirty="0" smtClean="0"/>
-              <a:t> end-end smoke tests, for example.</a:t>
-            </a:r>
-          </a:p>
-          <a:p>
-            <a:r>
-              <a:rPr lang="en-US" baseline="0" dirty="0" smtClean="0"/>
-              <a:t>- Discussing and creating a grid of your test strategy in and of itself is useful.</a:t>
+              <a:t>Discussing and creating a grid of your test strategy in and of itself is useful.</a:t>
             </a:r>
           </a:p>
         </p:txBody>
@@ -2145,9 +2212,17 @@
           <a:bodyPr/>
           <a:lstStyle/>
           <a:p>
+            <a:pPr marL="171450" indent="-171450">
+              <a:buFontTx/>
+              <a:buChar char="-"/>
+            </a:pPr>
             <a:r>
               <a:rPr lang="en-US" dirty="0" smtClean="0"/>
-              <a:t>- To illustrate </a:t>
+              <a:t>To </a:t>
+            </a:r>
+            <a:r>
+              <a:rPr lang="en-US" dirty="0" smtClean="0"/>
+              <a:t>illustrate </a:t>
             </a:r>
             <a:r>
               <a:rPr lang="en-US" dirty="0" err="1" smtClean="0"/>
@@ -2159,26 +2234,32 @@
             </a:r>
             <a:r>
               <a:rPr lang="en-US" baseline="0" dirty="0" smtClean="0"/>
-              <a:t> layer of tests, we’ll look at tests for a particular feature</a:t>
+              <a:t> layer of tests, we’ll look at tests for a particular </a:t>
+            </a:r>
+            <a:r>
+              <a:rPr lang="en-US" baseline="0" dirty="0" smtClean="0"/>
+              <a:t>feature</a:t>
+            </a:r>
+          </a:p>
+          <a:p>
+            <a:pPr marL="171450" indent="-171450">
+              <a:buFontTx/>
+              <a:buChar char="-"/>
+            </a:pPr>
+            <a:r>
+              <a:rPr lang="en-US" baseline="0" dirty="0" smtClean="0"/>
+              <a:t>Switch to browser and demo</a:t>
             </a:r>
             <a:endParaRPr lang="en-US" dirty="0" smtClean="0"/>
           </a:p>
           <a:p>
             <a:r>
               <a:rPr lang="en-US" dirty="0" smtClean="0"/>
-              <a:t>- Simple </a:t>
-            </a:r>
-            <a:r>
-              <a:rPr lang="en-US" dirty="0" smtClean="0"/>
-              <a:t>feature to state, but there</a:t>
+              <a:t>- Simple feature to state, but there</a:t>
             </a:r>
             <a:r>
               <a:rPr lang="en-US" baseline="0" dirty="0" smtClean="0"/>
-              <a:t> are a number of aspects to implement</a:t>
-            </a:r>
-            <a:r>
-              <a:rPr lang="en-US" baseline="0" dirty="0" smtClean="0"/>
-              <a:t>.</a:t>
+              <a:t> are a number of aspects to implement.</a:t>
             </a:r>
           </a:p>
           <a:p>
@@ -2186,7 +2267,6 @@
               <a:rPr lang="en-US" baseline="0" dirty="0" smtClean="0"/>
               <a:t>- What are parts we need to implement?</a:t>
             </a:r>
-            <a:endParaRPr lang="en-US" baseline="0" dirty="0" smtClean="0"/>
           </a:p>
           <a:p>
             <a:pPr marL="171450" indent="-171450">
@@ -2195,11 +2275,7 @@
             </a:pPr>
             <a:r>
               <a:rPr lang="en-US" baseline="0" dirty="0" smtClean="0"/>
-              <a:t>identify </a:t>
-            </a:r>
-            <a:r>
-              <a:rPr lang="en-US" baseline="0" dirty="0" smtClean="0"/>
-              <a:t>opiates</a:t>
+              <a:t>identify opiates</a:t>
             </a:r>
           </a:p>
           <a:p>
@@ -2209,13 +2285,8 @@
             </a:pPr>
             <a:r>
               <a:rPr lang="en-US" baseline="0" dirty="0" smtClean="0"/>
-              <a:t>Calculate number </a:t>
-            </a:r>
-            <a:r>
-              <a:rPr lang="en-US" baseline="0" dirty="0" smtClean="0"/>
-              <a:t>of days from text </a:t>
-            </a:r>
-            <a:endParaRPr lang="en-US" baseline="0" dirty="0" smtClean="0"/>
+              <a:t>Calculate number of days from text </a:t>
+            </a:r>
           </a:p>
           <a:p>
             <a:pPr marL="171450" indent="-171450">
@@ -2224,19 +2295,7 @@
             </a:pPr>
             <a:r>
               <a:rPr lang="en-US" baseline="0" dirty="0" smtClean="0"/>
-              <a:t>apply </a:t>
-            </a:r>
-            <a:r>
-              <a:rPr lang="en-US" baseline="0" dirty="0" smtClean="0"/>
-              <a:t>business rule based on </a:t>
-            </a:r>
-            <a:r>
-              <a:rPr lang="en-US" baseline="0" dirty="0" smtClean="0"/>
-              <a:t>above and </a:t>
-            </a:r>
-            <a:r>
-              <a:rPr lang="en-US" baseline="0" dirty="0" smtClean="0"/>
-              <a:t>inform user</a:t>
+              <a:t>apply business rule based on above and inform user</a:t>
             </a:r>
           </a:p>
           <a:p>
@@ -2378,7 +2437,6 @@
               <a:rPr lang="en-US" baseline="0" dirty="0" smtClean="0"/>
               <a:t>Intentional distribution of tests for the feature.</a:t>
             </a:r>
-            <a:endParaRPr lang="en-US" baseline="0" dirty="0" smtClean="0"/>
           </a:p>
           <a:p>
             <a:endParaRPr lang="en-US" baseline="0" dirty="0" smtClean="0"/>
@@ -2491,15 +2549,7 @@
             </a:r>
             <a:r>
               <a:rPr lang="en-US" baseline="0" dirty="0" smtClean="0"/>
-              <a:t> tests:  full spec - each </a:t>
-            </a:r>
-            <a:r>
-              <a:rPr lang="en-US" baseline="0" dirty="0" smtClean="0"/>
-              <a:t>drug classification that should be considered an opiate</a:t>
-            </a:r>
-            <a:r>
-              <a:rPr lang="en-US" baseline="0" dirty="0" smtClean="0"/>
-              <a:t>.  Exact match </a:t>
+              <a:t> tests:  full spec - each drug classification that should be considered an opiate.  Exact match </a:t>
             </a:r>
             <a:r>
               <a:rPr lang="mr-IN" baseline="0" dirty="0" smtClean="0"/>
@@ -2600,11 +2650,7 @@
             </a:r>
             <a:r>
               <a:rPr lang="en-US" baseline="0" dirty="0" smtClean="0"/>
-              <a:t> </a:t>
-            </a:r>
-            <a:r>
-              <a:rPr lang="en-US" baseline="0" dirty="0" smtClean="0"/>
-              <a:t>states and tests the design of the classes used to determine if a drug is in this class.  </a:t>
+              <a:t> states and tests the design of the classes used to determine if a drug is in this class.  </a:t>
             </a:r>
             <a:r>
               <a:rPr lang="en-US" baseline="0" dirty="0" err="1" smtClean="0"/>
@@ -6060,7 +6106,7 @@
             <p:ph idx="1"/>
             <p:extLst>
               <p:ext uri="{D42A27DB-BD31-4B8C-83A1-F6EECF244321}">
-                <p14:modId xmlns:p14="http://schemas.microsoft.com/office/powerpoint/2010/main" val="706576536"/>
+                <p14:modId xmlns:p14="http://schemas.microsoft.com/office/powerpoint/2010/main" val="1928443149"/>
               </p:ext>
             </p:extLst>
           </p:nvPr>
@@ -6144,7 +6190,11 @@
                       </a:r>
                       <a:r>
                         <a:rPr lang="en-US" baseline="0" dirty="0" smtClean="0"/>
-                        <a:t> / Java)</a:t>
+                        <a:t> / </a:t>
+                      </a:r>
+                      <a:r>
+                        <a:rPr lang="en-US" baseline="0" dirty="0" smtClean="0"/>
+                        <a:t>Junit)</a:t>
                       </a:r>
                       <a:endParaRPr lang="en-US" dirty="0"/>
                     </a:p>
@@ -6229,8 +6279,8 @@
         </p:nvCxnSpPr>
         <p:spPr>
           <a:xfrm flipH="1">
-            <a:off x="4709983" y="2644908"/>
-            <a:ext cx="254483" cy="352486"/>
+            <a:off x="4796852" y="2644908"/>
+            <a:ext cx="167615" cy="290059"/>
           </a:xfrm>
           <a:prstGeom prst="straightConnector1">
             <a:avLst/>
@@ -6329,7 +6379,7 @@
       </p:sp>
       <p:pic>
         <p:nvPicPr>
-          <p:cNvPr id="9" name="Picture 8"/>
+          <p:cNvPr id="3" name="Picture 2"/>
           <p:cNvPicPr>
             <a:picLocks noChangeAspect="1"/>
           </p:cNvPicPr>
@@ -6349,8 +6399,71 @@
         </p:blipFill>
         <p:spPr>
           <a:xfrm>
-            <a:off x="838200" y="2934967"/>
-            <a:ext cx="3498606" cy="2587464"/>
+            <a:off x="5411358" y="3268553"/>
+            <a:ext cx="5942442" cy="2728484"/>
+          </a:xfrm>
+          <a:prstGeom prst="rect">
+            <a:avLst/>
+          </a:prstGeom>
+        </p:spPr>
+      </p:pic>
+      <p:cxnSp>
+        <p:nvCxnSpPr>
+          <p:cNvPr id="11" name="Straight Arrow Connector 10"/>
+          <p:cNvCxnSpPr/>
+          <p:nvPr/>
+        </p:nvCxnSpPr>
+        <p:spPr>
+          <a:xfrm flipH="1">
+            <a:off x="9488774" y="2703514"/>
+            <a:ext cx="200094" cy="399450"/>
+          </a:xfrm>
+          <a:prstGeom prst="straightConnector1">
+            <a:avLst/>
+          </a:prstGeom>
+          <a:ln w="38100">
+            <a:tailEnd type="triangle"/>
+          </a:ln>
+        </p:spPr>
+        <p:style>
+          <a:lnRef idx="1">
+            <a:schemeClr val="accent1"/>
+          </a:lnRef>
+          <a:fillRef idx="0">
+            <a:schemeClr val="accent1"/>
+          </a:fillRef>
+          <a:effectRef idx="0">
+            <a:schemeClr val="accent1"/>
+          </a:effectRef>
+          <a:fontRef idx="minor">
+            <a:schemeClr val="tx1"/>
+          </a:fontRef>
+        </p:style>
+      </p:cxnSp>
+      <p:pic>
+        <p:nvPicPr>
+          <p:cNvPr id="7" name="Picture 6"/>
+          <p:cNvPicPr>
+            <a:picLocks noChangeAspect="1"/>
+          </p:cNvPicPr>
+          <p:nvPr/>
+        </p:nvPicPr>
+        <p:blipFill>
+          <a:blip r:embed="rId9">
+            <a:extLst>
+              <a:ext uri="{28A0092B-C50C-407E-A947-70E740481C1C}">
+                <a14:useLocalDpi xmlns:a14="http://schemas.microsoft.com/office/drawing/2010/main" val="0"/>
+              </a:ext>
+            </a:extLst>
+          </a:blip>
+          <a:stretch>
+            <a:fillRect/>
+          </a:stretch>
+        </p:blipFill>
+        <p:spPr>
+          <a:xfrm>
+            <a:off x="367468" y="3024621"/>
+            <a:ext cx="4596999" cy="3462752"/>
           </a:xfrm>
           <a:prstGeom prst="rect">
             <a:avLst/>
@@ -6432,6 +6545,55 @@
           <a:bodyPr/>
           <a:lstStyle/>
           <a:p>
+            <a:r>
+              <a:rPr lang="en-US" dirty="0" smtClean="0"/>
+              <a:t>Discuss application-wide testing strategy </a:t>
+            </a:r>
+            <a:r>
+              <a:rPr lang="mr-IN" dirty="0" smtClean="0"/>
+              <a:t>–</a:t>
+            </a:r>
+            <a:r>
+              <a:rPr lang="en-US" dirty="0" smtClean="0"/>
+              <a:t> layers of tests, their purpose, tools, team-member responsibilities.</a:t>
+            </a:r>
+          </a:p>
+          <a:p>
+            <a:r>
+              <a:rPr lang="en-US" dirty="0"/>
+              <a:t>Keep all team members involved in all types of </a:t>
+            </a:r>
+            <a:r>
+              <a:rPr lang="en-US" dirty="0" smtClean="0"/>
+              <a:t>tests.</a:t>
+            </a:r>
+            <a:endParaRPr lang="en-US" dirty="0" smtClean="0"/>
+          </a:p>
+          <a:p>
+            <a:r>
+              <a:rPr lang="en-US" dirty="0" smtClean="0"/>
+              <a:t>For each feature, explicitly discuss a test plan </a:t>
+            </a:r>
+            <a:r>
+              <a:rPr lang="mr-IN" dirty="0" smtClean="0"/>
+              <a:t>–</a:t>
+            </a:r>
+            <a:r>
+              <a:rPr lang="en-US" dirty="0" smtClean="0"/>
+              <a:t> what automated tests will there be at what levels?</a:t>
+            </a:r>
+          </a:p>
+          <a:p>
+            <a:r>
+              <a:rPr lang="en-US" dirty="0" smtClean="0"/>
+              <a:t>Watch for unwanted duplication or gaps in test coverage.</a:t>
+            </a:r>
+          </a:p>
+          <a:p>
+            <a:r>
+              <a:rPr lang="en-US" dirty="0" smtClean="0"/>
+              <a:t>When a bug hits production, don’t just fix it - find the test gap and close it.</a:t>
+            </a:r>
             <a:endParaRPr lang="en-US" dirty="0"/>
           </a:p>
         </p:txBody>
@@ -6446,6 +6608,281 @@
   <p:clrMapOvr>
     <a:masterClrMapping/>
   </p:clrMapOvr>
+  <p:timing>
+    <p:tnLst>
+      <p:par>
+        <p:cTn id="1" dur="indefinite" restart="never" nodeType="tmRoot">
+          <p:childTnLst>
+            <p:seq concurrent="1" nextAc="seek">
+              <p:cTn id="2" dur="indefinite" nodeType="mainSeq">
+                <p:childTnLst>
+                  <p:par>
+                    <p:cTn id="3" fill="hold">
+                      <p:stCondLst>
+                        <p:cond delay="indefinite"/>
+                      </p:stCondLst>
+                      <p:childTnLst>
+                        <p:par>
+                          <p:cTn id="4" fill="hold">
+                            <p:stCondLst>
+                              <p:cond delay="0"/>
+                            </p:stCondLst>
+                            <p:childTnLst>
+                              <p:par>
+                                <p:cTn id="5" presetID="1" presetClass="entr" presetSubtype="0" fill="hold" nodeType="clickEffect">
+                                  <p:stCondLst>
+                                    <p:cond delay="0"/>
+                                  </p:stCondLst>
+                                  <p:childTnLst>
+                                    <p:set>
+                                      <p:cBhvr>
+                                        <p:cTn id="6" dur="1" fill="hold">
+                                          <p:stCondLst>
+                                            <p:cond delay="0"/>
+                                          </p:stCondLst>
+                                        </p:cTn>
+                                        <p:tgtEl>
+                                          <p:spTgt spid="3">
+                                            <p:txEl>
+                                              <p:pRg st="0" end="0"/>
+                                            </p:txEl>
+                                          </p:spTgt>
+                                        </p:tgtEl>
+                                        <p:attrNameLst>
+                                          <p:attrName>style.visibility</p:attrName>
+                                        </p:attrNameLst>
+                                      </p:cBhvr>
+                                      <p:to>
+                                        <p:strVal val="visible"/>
+                                      </p:to>
+                                    </p:set>
+                                  </p:childTnLst>
+                                </p:cTn>
+                              </p:par>
+                            </p:childTnLst>
+                          </p:cTn>
+                        </p:par>
+                      </p:childTnLst>
+                    </p:cTn>
+                  </p:par>
+                  <p:par>
+                    <p:cTn id="7" fill="hold">
+                      <p:stCondLst>
+                        <p:cond delay="indefinite"/>
+                      </p:stCondLst>
+                      <p:childTnLst>
+                        <p:par>
+                          <p:cTn id="8" fill="hold">
+                            <p:stCondLst>
+                              <p:cond delay="0"/>
+                            </p:stCondLst>
+                            <p:childTnLst>
+                              <p:par>
+                                <p:cTn id="9" presetID="1" presetClass="entr" presetSubtype="0" fill="hold" nodeType="clickEffect">
+                                  <p:stCondLst>
+                                    <p:cond delay="0"/>
+                                  </p:stCondLst>
+                                  <p:childTnLst>
+                                    <p:set>
+                                      <p:cBhvr>
+                                        <p:cTn id="10" dur="1" fill="hold">
+                                          <p:stCondLst>
+                                            <p:cond delay="0"/>
+                                          </p:stCondLst>
+                                        </p:cTn>
+                                        <p:tgtEl>
+                                          <p:spTgt spid="3">
+                                            <p:txEl>
+                                              <p:pRg st="1" end="1"/>
+                                            </p:txEl>
+                                          </p:spTgt>
+                                        </p:tgtEl>
+                                        <p:attrNameLst>
+                                          <p:attrName>style.visibility</p:attrName>
+                                        </p:attrNameLst>
+                                      </p:cBhvr>
+                                      <p:to>
+                                        <p:strVal val="visible"/>
+                                      </p:to>
+                                    </p:set>
+                                  </p:childTnLst>
+                                </p:cTn>
+                              </p:par>
+                            </p:childTnLst>
+                          </p:cTn>
+                        </p:par>
+                      </p:childTnLst>
+                    </p:cTn>
+                  </p:par>
+                  <p:par>
+                    <p:cTn id="11" fill="hold">
+                      <p:stCondLst>
+                        <p:cond delay="indefinite"/>
+                      </p:stCondLst>
+                      <p:childTnLst>
+                        <p:par>
+                          <p:cTn id="12" fill="hold">
+                            <p:stCondLst>
+                              <p:cond delay="0"/>
+                            </p:stCondLst>
+                            <p:childTnLst>
+                              <p:par>
+                                <p:cTn id="13" presetID="1" presetClass="entr" presetSubtype="0" fill="hold" nodeType="clickEffect">
+                                  <p:stCondLst>
+                                    <p:cond delay="0"/>
+                                  </p:stCondLst>
+                                  <p:childTnLst>
+                                    <p:set>
+                                      <p:cBhvr>
+                                        <p:cTn id="14" dur="1" fill="hold">
+                                          <p:stCondLst>
+                                            <p:cond delay="0"/>
+                                          </p:stCondLst>
+                                        </p:cTn>
+                                        <p:tgtEl>
+                                          <p:spTgt spid="3">
+                                            <p:txEl>
+                                              <p:pRg st="2" end="2"/>
+                                            </p:txEl>
+                                          </p:spTgt>
+                                        </p:tgtEl>
+                                        <p:attrNameLst>
+                                          <p:attrName>style.visibility</p:attrName>
+                                        </p:attrNameLst>
+                                      </p:cBhvr>
+                                      <p:to>
+                                        <p:strVal val="visible"/>
+                                      </p:to>
+                                    </p:set>
+                                  </p:childTnLst>
+                                </p:cTn>
+                              </p:par>
+                            </p:childTnLst>
+                          </p:cTn>
+                        </p:par>
+                      </p:childTnLst>
+                    </p:cTn>
+                  </p:par>
+                  <p:par>
+                    <p:cTn id="15" fill="hold">
+                      <p:stCondLst>
+                        <p:cond delay="indefinite"/>
+                      </p:stCondLst>
+                      <p:childTnLst>
+                        <p:par>
+                          <p:cTn id="16" fill="hold">
+                            <p:stCondLst>
+                              <p:cond delay="0"/>
+                            </p:stCondLst>
+                            <p:childTnLst>
+                              <p:par>
+                                <p:cTn id="17" presetID="1" presetClass="entr" presetSubtype="0" fill="hold" nodeType="clickEffect">
+                                  <p:stCondLst>
+                                    <p:cond delay="0"/>
+                                  </p:stCondLst>
+                                  <p:childTnLst>
+                                    <p:set>
+                                      <p:cBhvr>
+                                        <p:cTn id="18" dur="1" fill="hold">
+                                          <p:stCondLst>
+                                            <p:cond delay="0"/>
+                                          </p:stCondLst>
+                                        </p:cTn>
+                                        <p:tgtEl>
+                                          <p:spTgt spid="3">
+                                            <p:txEl>
+                                              <p:pRg st="3" end="3"/>
+                                            </p:txEl>
+                                          </p:spTgt>
+                                        </p:tgtEl>
+                                        <p:attrNameLst>
+                                          <p:attrName>style.visibility</p:attrName>
+                                        </p:attrNameLst>
+                                      </p:cBhvr>
+                                      <p:to>
+                                        <p:strVal val="visible"/>
+                                      </p:to>
+                                    </p:set>
+                                  </p:childTnLst>
+                                </p:cTn>
+                              </p:par>
+                            </p:childTnLst>
+                          </p:cTn>
+                        </p:par>
+                      </p:childTnLst>
+                    </p:cTn>
+                  </p:par>
+                  <p:par>
+                    <p:cTn id="19" fill="hold">
+                      <p:stCondLst>
+                        <p:cond delay="indefinite"/>
+                      </p:stCondLst>
+                      <p:childTnLst>
+                        <p:par>
+                          <p:cTn id="20" fill="hold">
+                            <p:stCondLst>
+                              <p:cond delay="0"/>
+                            </p:stCondLst>
+                            <p:childTnLst>
+                              <p:par>
+                                <p:cTn id="21" presetID="1" presetClass="entr" presetSubtype="0" fill="hold" nodeType="clickEffect">
+                                  <p:stCondLst>
+                                    <p:cond delay="0"/>
+                                  </p:stCondLst>
+                                  <p:childTnLst>
+                                    <p:set>
+                                      <p:cBhvr>
+                                        <p:cTn id="22" dur="1" fill="hold">
+                                          <p:stCondLst>
+                                            <p:cond delay="0"/>
+                                          </p:stCondLst>
+                                        </p:cTn>
+                                        <p:tgtEl>
+                                          <p:spTgt spid="3">
+                                            <p:txEl>
+                                              <p:pRg st="4" end="4"/>
+                                            </p:txEl>
+                                          </p:spTgt>
+                                        </p:tgtEl>
+                                        <p:attrNameLst>
+                                          <p:attrName>style.visibility</p:attrName>
+                                        </p:attrNameLst>
+                                      </p:cBhvr>
+                                      <p:to>
+                                        <p:strVal val="visible"/>
+                                      </p:to>
+                                    </p:set>
+                                  </p:childTnLst>
+                                </p:cTn>
+                              </p:par>
+                            </p:childTnLst>
+                          </p:cTn>
+                        </p:par>
+                      </p:childTnLst>
+                    </p:cTn>
+                  </p:par>
+                </p:childTnLst>
+              </p:cTn>
+              <p:prevCondLst>
+                <p:cond evt="onPrev" delay="0">
+                  <p:tgtEl>
+                    <p:sldTgt/>
+                  </p:tgtEl>
+                </p:cond>
+              </p:prevCondLst>
+              <p:nextCondLst>
+                <p:cond evt="onNext" delay="0">
+                  <p:tgtEl>
+                    <p:sldTgt/>
+                  </p:tgtEl>
+                </p:cond>
+              </p:nextCondLst>
+            </p:seq>
+          </p:childTnLst>
+        </p:cTn>
+      </p:par>
+    </p:tnLst>
+  </p:timing>
 </p:sld>
 </file>
 
@@ -6483,6 +6920,66 @@
           <a:p>
             <a:r>
               <a:rPr lang="en-US" dirty="0" smtClean="0"/>
+              <a:t>Questions?</a:t>
+            </a:r>
+            <a:endParaRPr lang="en-US" dirty="0"/>
+          </a:p>
+        </p:txBody>
+      </p:sp>
+    </p:spTree>
+    <p:extLst>
+      <p:ext uri="{BB962C8B-B14F-4D97-AF65-F5344CB8AC3E}">
+        <p14:creationId xmlns:p14="http://schemas.microsoft.com/office/powerpoint/2010/main" val="691845491"/>
+      </p:ext>
+    </p:extLst>
+  </p:cSld>
+  <p:clrMapOvr>
+    <a:masterClrMapping/>
+  </p:clrMapOvr>
+  <p:timing>
+    <p:tnLst>
+      <p:par>
+        <p:cTn id="1" dur="indefinite" restart="never" nodeType="tmRoot"/>
+      </p:par>
+    </p:tnLst>
+  </p:timing>
+</p:sld>
+</file>
+
+<file path=ppt/slides/slide15.xml><?xml version="1.0" encoding="utf-8"?>
+<p:sld xmlns:a="http://schemas.openxmlformats.org/drawingml/2006/main" xmlns:r="http://schemas.openxmlformats.org/officeDocument/2006/relationships" xmlns:p="http://schemas.openxmlformats.org/presentationml/2006/main">
+  <p:cSld>
+    <p:spTree>
+      <p:nvGrpSpPr>
+        <p:cNvPr id="1" name=""/>
+        <p:cNvGrpSpPr/>
+        <p:nvPr/>
+      </p:nvGrpSpPr>
+      <p:grpSpPr>
+        <a:xfrm>
+          <a:off x="0" y="0"/>
+          <a:ext cx="0" cy="0"/>
+          <a:chOff x="0" y="0"/>
+          <a:chExt cx="0" cy="0"/>
+        </a:xfrm>
+      </p:grpSpPr>
+      <p:sp>
+        <p:nvSpPr>
+          <p:cNvPr id="2" name="Title 1"/>
+          <p:cNvSpPr>
+            <a:spLocks noGrp="1"/>
+          </p:cNvSpPr>
+          <p:nvPr>
+            <p:ph type="title"/>
+          </p:nvPr>
+        </p:nvSpPr>
+        <p:spPr/>
+        <p:txBody>
+          <a:bodyPr/>
+          <a:lstStyle/>
+          <a:p>
+            <a:r>
+              <a:rPr lang="en-US" dirty="0" smtClean="0"/>
               <a:t>References</a:t>
             </a:r>
             <a:endParaRPr lang="en-US" dirty="0"/>
@@ -6546,8 +7043,28 @@
             </a:r>
             <a:r>
               <a:rPr lang="en-US" dirty="0" smtClean="0"/>
-              <a:t>: Mike Bland, 2011.</a:t>
-            </a:r>
+              <a:t>: Mike Bland, 2011</a:t>
+            </a:r>
+            <a:r>
+              <a:rPr lang="en-US" dirty="0" smtClean="0"/>
+              <a:t>.</a:t>
+            </a:r>
+          </a:p>
+          <a:p>
+            <a:r>
+              <a:rPr lang="en-US" dirty="0" smtClean="0">
+                <a:hlinkClick r:id="rId6"/>
+              </a:rPr>
+              <a:t>Methodology Per Project</a:t>
+            </a:r>
+            <a:r>
+              <a:rPr lang="en-US" dirty="0" smtClean="0"/>
+              <a:t>:  Alistair Cockburn, 1999.</a:t>
+            </a:r>
+            <a:endParaRPr lang="en-US" dirty="0" smtClean="0"/>
+          </a:p>
+          <a:p>
+            <a:endParaRPr lang="en-US" dirty="0" smtClean="0"/>
           </a:p>
         </p:txBody>
       </p:sp>
@@ -6561,6 +7078,13 @@
   <p:clrMapOvr>
     <a:masterClrMapping/>
   </p:clrMapOvr>
+  <p:timing>
+    <p:tnLst>
+      <p:par>
+        <p:cTn id="1" dur="indefinite" restart="never" nodeType="tmRoot"/>
+      </p:par>
+    </p:tnLst>
+  </p:timing>
 </p:sld>
 </file>
 
@@ -6642,7 +7166,7 @@
         <p:spPr>
           <a:xfrm>
             <a:off x="6096000" y="1690686"/>
-            <a:ext cx="4496972" cy="3785652"/>
+            <a:ext cx="4496972" cy="4431983"/>
           </a:xfrm>
           <a:prstGeom prst="rect">
             <a:avLst/>
@@ -6655,69 +7179,83 @@
           <a:lstStyle/>
           <a:p>
             <a:pPr marL="285750" indent="-285750">
+              <a:spcAft>
+                <a:spcPts val="1200"/>
+              </a:spcAft>
               <a:buFont typeface="Arial" charset="0"/>
               <a:buChar char="•"/>
             </a:pPr>
             <a:r>
-              <a:rPr lang="en-US" sz="2400" dirty="0" smtClean="0"/>
+              <a:rPr lang="en-US" sz="2800" dirty="0" smtClean="0"/>
               <a:t>Foundational base of unit </a:t>
             </a:r>
             <a:r>
-              <a:rPr lang="en-US" sz="2400" dirty="0" smtClean="0"/>
-              <a:t>tests.</a:t>
-            </a:r>
-            <a:endParaRPr lang="en-US" sz="2400" dirty="0" smtClean="0"/>
+              <a:rPr lang="en-US" sz="2800" dirty="0" smtClean="0"/>
+              <a:t>tests</a:t>
+            </a:r>
+            <a:endParaRPr lang="en-US" sz="2800" dirty="0" smtClean="0"/>
           </a:p>
           <a:p>
             <a:pPr marL="285750" indent="-285750">
+              <a:spcAft>
+                <a:spcPts val="1200"/>
+              </a:spcAft>
               <a:buFont typeface="Arial" charset="0"/>
               <a:buChar char="•"/>
             </a:pPr>
             <a:r>
-              <a:rPr lang="en-US" sz="2400" dirty="0" smtClean="0"/>
-              <a:t>Minimum necessary tests through user interface.</a:t>
-            </a:r>
+              <a:rPr lang="en-US" sz="2800" dirty="0" smtClean="0"/>
+              <a:t>Minimum necessary tests through user </a:t>
+            </a:r>
+            <a:r>
+              <a:rPr lang="en-US" sz="2800" dirty="0" smtClean="0"/>
+              <a:t>interface</a:t>
+            </a:r>
+            <a:endParaRPr lang="en-US" sz="2800" dirty="0" smtClean="0"/>
           </a:p>
           <a:p>
             <a:pPr marL="285750" indent="-285750">
+              <a:spcAft>
+                <a:spcPts val="1200"/>
+              </a:spcAft>
               <a:buFont typeface="Arial" charset="0"/>
               <a:buChar char="•"/>
             </a:pPr>
             <a:r>
-              <a:rPr lang="en-US" sz="2400" dirty="0" smtClean="0"/>
+              <a:rPr lang="en-US" sz="2800" dirty="0" smtClean="0"/>
               <a:t>Service testing in the middle </a:t>
             </a:r>
-            <a:r>
-              <a:rPr lang="mr-IN" sz="2400" dirty="0" smtClean="0"/>
-              <a:t>–</a:t>
-            </a:r>
-            <a:r>
-              <a:rPr lang="en-US" sz="2400" dirty="0" smtClean="0"/>
-              <a:t> testing services provided by the application independent of the UI</a:t>
-            </a:r>
-            <a:r>
-              <a:rPr lang="en-US" sz="2400" dirty="0" smtClean="0"/>
-              <a:t>.</a:t>
-            </a:r>
+            <a:endParaRPr lang="en-US" sz="2800" dirty="0"/>
           </a:p>
           <a:p>
             <a:pPr marL="285750" indent="-285750">
+              <a:spcAft>
+                <a:spcPts val="1200"/>
+              </a:spcAft>
               <a:buFont typeface="Arial" charset="0"/>
               <a:buChar char="•"/>
             </a:pPr>
             <a:r>
-              <a:rPr lang="en-US" sz="2400" dirty="0" smtClean="0"/>
-              <a:t>Service refers to logical services </a:t>
-            </a:r>
-            <a:r>
-              <a:rPr lang="mr-IN" sz="2400" dirty="0" smtClean="0"/>
+              <a:rPr lang="en-US" sz="2800" dirty="0" smtClean="0"/>
+              <a:t>Service </a:t>
+            </a:r>
+            <a:r>
+              <a:rPr lang="en-US" sz="2800" dirty="0" smtClean="0"/>
+              <a:t>refers to logical </a:t>
+            </a:r>
+            <a:r>
+              <a:rPr lang="en-US" sz="2800" dirty="0" smtClean="0"/>
+              <a:t>services </a:t>
+            </a:r>
+            <a:r>
+              <a:rPr lang="mr-IN" sz="2800" dirty="0" smtClean="0"/>
               <a:t>–</a:t>
             </a:r>
             <a:r>
-              <a:rPr lang="en-US" sz="2400" dirty="0" smtClean="0"/>
-              <a:t> something the application does in response to inputs.</a:t>
-            </a:r>
-            <a:endParaRPr lang="en-US" sz="2400" dirty="0"/>
+              <a:rPr lang="en-US" sz="2800" dirty="0" smtClean="0"/>
+              <a:t> business logic, required outputs to inputs.</a:t>
+            </a:r>
+            <a:endParaRPr lang="en-US" sz="2800" dirty="0"/>
           </a:p>
         </p:txBody>
       </p:sp>
@@ -6734,7 +7272,226 @@
   <p:timing>
     <p:tnLst>
       <p:par>
-        <p:cTn id="1" dur="indefinite" restart="never" nodeType="tmRoot"/>
+        <p:cTn id="1" dur="indefinite" restart="never" nodeType="tmRoot">
+          <p:childTnLst>
+            <p:seq concurrent="1" nextAc="seek">
+              <p:cTn id="2" dur="indefinite" nodeType="mainSeq">
+                <p:childTnLst>
+                  <p:par>
+                    <p:cTn id="3" fill="hold">
+                      <p:stCondLst>
+                        <p:cond delay="indefinite"/>
+                      </p:stCondLst>
+                      <p:childTnLst>
+                        <p:par>
+                          <p:cTn id="4" fill="hold">
+                            <p:stCondLst>
+                              <p:cond delay="0"/>
+                            </p:stCondLst>
+                            <p:childTnLst>
+                              <p:par>
+                                <p:cTn id="5" presetID="1" presetClass="entr" presetSubtype="0" fill="hold" nodeType="clickEffect">
+                                  <p:stCondLst>
+                                    <p:cond delay="0"/>
+                                  </p:stCondLst>
+                                  <p:childTnLst>
+                                    <p:set>
+                                      <p:cBhvr>
+                                        <p:cTn id="6" dur="1" fill="hold">
+                                          <p:stCondLst>
+                                            <p:cond delay="0"/>
+                                          </p:stCondLst>
+                                        </p:cTn>
+                                        <p:tgtEl>
+                                          <p:spTgt spid="6">
+                                            <p:txEl>
+                                              <p:pRg st="0" end="0"/>
+                                            </p:txEl>
+                                          </p:spTgt>
+                                        </p:tgtEl>
+                                        <p:attrNameLst>
+                                          <p:attrName>style.visibility</p:attrName>
+                                        </p:attrNameLst>
+                                      </p:cBhvr>
+                                      <p:to>
+                                        <p:strVal val="visible"/>
+                                      </p:to>
+                                    </p:set>
+                                  </p:childTnLst>
+                                </p:cTn>
+                              </p:par>
+                            </p:childTnLst>
+                          </p:cTn>
+                        </p:par>
+                      </p:childTnLst>
+                    </p:cTn>
+                  </p:par>
+                  <p:par>
+                    <p:cTn id="7" fill="hold">
+                      <p:stCondLst>
+                        <p:cond delay="indefinite"/>
+                      </p:stCondLst>
+                      <p:childTnLst>
+                        <p:par>
+                          <p:cTn id="8" fill="hold">
+                            <p:stCondLst>
+                              <p:cond delay="0"/>
+                            </p:stCondLst>
+                            <p:childTnLst>
+                              <p:par>
+                                <p:cTn id="9" presetID="1" presetClass="entr" presetSubtype="0" fill="hold" nodeType="clickEffect">
+                                  <p:stCondLst>
+                                    <p:cond delay="0"/>
+                                  </p:stCondLst>
+                                  <p:childTnLst>
+                                    <p:set>
+                                      <p:cBhvr>
+                                        <p:cTn id="10" dur="1" fill="hold">
+                                          <p:stCondLst>
+                                            <p:cond delay="0"/>
+                                          </p:stCondLst>
+                                        </p:cTn>
+                                        <p:tgtEl>
+                                          <p:spTgt spid="6">
+                                            <p:txEl>
+                                              <p:pRg st="1" end="1"/>
+                                            </p:txEl>
+                                          </p:spTgt>
+                                        </p:tgtEl>
+                                        <p:attrNameLst>
+                                          <p:attrName>style.visibility</p:attrName>
+                                        </p:attrNameLst>
+                                      </p:cBhvr>
+                                      <p:to>
+                                        <p:strVal val="visible"/>
+                                      </p:to>
+                                    </p:set>
+                                  </p:childTnLst>
+                                </p:cTn>
+                              </p:par>
+                            </p:childTnLst>
+                          </p:cTn>
+                        </p:par>
+                      </p:childTnLst>
+                    </p:cTn>
+                  </p:par>
+                  <p:par>
+                    <p:cTn id="11" fill="hold">
+                      <p:stCondLst>
+                        <p:cond delay="indefinite"/>
+                      </p:stCondLst>
+                      <p:childTnLst>
+                        <p:par>
+                          <p:cTn id="12" fill="hold">
+                            <p:stCondLst>
+                              <p:cond delay="0"/>
+                            </p:stCondLst>
+                            <p:childTnLst>
+                              <p:par>
+                                <p:cTn id="13" presetID="1" presetClass="entr" presetSubtype="0" fill="hold" nodeType="clickEffect">
+                                  <p:stCondLst>
+                                    <p:cond delay="0"/>
+                                  </p:stCondLst>
+                                  <p:childTnLst>
+                                    <p:set>
+                                      <p:cBhvr>
+                                        <p:cTn id="14" dur="1" fill="hold">
+                                          <p:stCondLst>
+                                            <p:cond delay="0"/>
+                                          </p:stCondLst>
+                                        </p:cTn>
+                                        <p:tgtEl>
+                                          <p:spTgt spid="6">
+                                            <p:txEl>
+                                              <p:pRg st="2" end="2"/>
+                                            </p:txEl>
+                                          </p:spTgt>
+                                        </p:tgtEl>
+                                        <p:attrNameLst>
+                                          <p:attrName>style.visibility</p:attrName>
+                                        </p:attrNameLst>
+                                      </p:cBhvr>
+                                      <p:to>
+                                        <p:strVal val="visible"/>
+                                      </p:to>
+                                    </p:set>
+                                  </p:childTnLst>
+                                </p:cTn>
+                              </p:par>
+                            </p:childTnLst>
+                          </p:cTn>
+                        </p:par>
+                      </p:childTnLst>
+                    </p:cTn>
+                  </p:par>
+                  <p:par>
+                    <p:cTn id="15" fill="hold">
+                      <p:stCondLst>
+                        <p:cond delay="indefinite"/>
+                      </p:stCondLst>
+                      <p:childTnLst>
+                        <p:par>
+                          <p:cTn id="16" fill="hold">
+                            <p:stCondLst>
+                              <p:cond delay="0"/>
+                            </p:stCondLst>
+                            <p:childTnLst>
+                              <p:par>
+                                <p:cTn id="17" presetID="1" presetClass="entr" presetSubtype="0" fill="hold" nodeType="clickEffect">
+                                  <p:stCondLst>
+                                    <p:cond delay="0"/>
+                                  </p:stCondLst>
+                                  <p:childTnLst>
+                                    <p:set>
+                                      <p:cBhvr>
+                                        <p:cTn id="18" dur="1" fill="hold">
+                                          <p:stCondLst>
+                                            <p:cond delay="0"/>
+                                          </p:stCondLst>
+                                        </p:cTn>
+                                        <p:tgtEl>
+                                          <p:spTgt spid="6">
+                                            <p:txEl>
+                                              <p:pRg st="3" end="3"/>
+                                            </p:txEl>
+                                          </p:spTgt>
+                                        </p:tgtEl>
+                                        <p:attrNameLst>
+                                          <p:attrName>style.visibility</p:attrName>
+                                        </p:attrNameLst>
+                                      </p:cBhvr>
+                                      <p:to>
+                                        <p:strVal val="visible"/>
+                                      </p:to>
+                                    </p:set>
+                                  </p:childTnLst>
+                                </p:cTn>
+                              </p:par>
+                            </p:childTnLst>
+                          </p:cTn>
+                        </p:par>
+                      </p:childTnLst>
+                    </p:cTn>
+                  </p:par>
+                </p:childTnLst>
+              </p:cTn>
+              <p:prevCondLst>
+                <p:cond evt="onPrev" delay="0">
+                  <p:tgtEl>
+                    <p:sldTgt/>
+                  </p:tgtEl>
+                </p:cond>
+              </p:prevCondLst>
+              <p:nextCondLst>
+                <p:cond evt="onNext" delay="0">
+                  <p:tgtEl>
+                    <p:sldTgt/>
+                  </p:tgtEl>
+                </p:cond>
+              </p:nextCondLst>
+            </p:seq>
+          </p:childTnLst>
+        </p:cTn>
       </p:par>
     </p:tnLst>
   </p:timing>
@@ -6768,7 +7525,12 @@
             <p:ph type="title"/>
           </p:nvPr>
         </p:nvSpPr>
-        <p:spPr/>
+        <p:spPr>
+          <a:xfrm>
+            <a:off x="746601" y="365125"/>
+            <a:ext cx="10515600" cy="1325563"/>
+          </a:xfrm>
+        </p:spPr>
         <p:txBody>
           <a:bodyPr/>
           <a:lstStyle/>
@@ -6805,7 +7567,7 @@
         </p:blipFill>
         <p:spPr>
           <a:xfrm>
-            <a:off x="5828714" y="2239906"/>
+            <a:off x="6490742" y="1690688"/>
             <a:ext cx="5211762" cy="2871099"/>
           </a:xfrm>
         </p:spPr>
@@ -6818,8 +7580,8 @@
         </p:nvSpPr>
         <p:spPr>
           <a:xfrm>
-            <a:off x="708074" y="1690688"/>
-            <a:ext cx="4496972" cy="4893647"/>
+            <a:off x="746602" y="1690688"/>
+            <a:ext cx="5744140" cy="5016758"/>
           </a:xfrm>
           <a:prstGeom prst="rect">
             <a:avLst/>
@@ -6831,74 +7593,69 @@
           </a:bodyPr>
           <a:lstStyle/>
           <a:p>
-            <a:pPr marL="285750" marR="0" lvl="0" indent="-285750" defTabSz="914400" eaLnBrk="1" fontAlgn="auto" latinLnBrk="0" hangingPunct="1">
-              <a:lnSpc>
-                <a:spcPct val="100000"/>
-              </a:lnSpc>
-              <a:spcBef>
-                <a:spcPts val="0"/>
-              </a:spcBef>
+            <a:pPr marL="285750" indent="-285750">
               <a:spcAft>
-                <a:spcPts val="0"/>
+                <a:spcPts val="1200"/>
               </a:spcAft>
-              <a:buClrTx/>
-              <a:buSzTx/>
-              <a:buFont typeface="Arial" charset="0"/>
-              <a:buChar char="•"/>
-              <a:tabLst/>
-              <a:defRPr/>
-            </a:pPr>
-            <a:r>
-              <a:rPr lang="en-US" sz="2400" dirty="0" smtClean="0"/>
-              <a:t>UI tests are slower, more brittle, expensive.</a:t>
-            </a:r>
-          </a:p>
-          <a:p>
-            <a:pPr marL="285750" indent="-285750">
               <a:buFont typeface="Arial" charset="0"/>
               <a:buChar char="•"/>
               <a:defRPr/>
             </a:pPr>
             <a:r>
-              <a:rPr lang="en-US" sz="2400" dirty="0"/>
-              <a:t>Many teams observed with high percentage of automated tests through the UI</a:t>
-            </a:r>
-            <a:r>
-              <a:rPr lang="en-US" sz="2400" dirty="0" smtClean="0"/>
-              <a:t>.</a:t>
-            </a:r>
+              <a:rPr lang="en-US" sz="2800" dirty="0" smtClean="0"/>
+              <a:t>Many teams tested primarily through the UI</a:t>
+            </a:r>
+          </a:p>
+          <a:p>
+            <a:pPr marL="285750" lvl="0" indent="-285750">
+              <a:spcAft>
+                <a:spcPts val="1200"/>
+              </a:spcAft>
+              <a:buFont typeface="Arial" charset="0"/>
+              <a:buChar char="•"/>
+              <a:defRPr/>
+            </a:pPr>
+            <a:r>
+              <a:rPr lang="en-US" sz="2800" dirty="0"/>
+              <a:t>Testing through UI slower, more brittle, </a:t>
+            </a:r>
+            <a:r>
+              <a:rPr lang="en-US" sz="2800" dirty="0" smtClean="0"/>
+              <a:t>expensive, less precise</a:t>
+            </a:r>
+            <a:endParaRPr lang="en-US" sz="2800" dirty="0" smtClean="0"/>
           </a:p>
           <a:p>
             <a:pPr marL="285750" indent="-285750">
+              <a:spcAft>
+                <a:spcPts val="1200"/>
+              </a:spcAft>
               <a:buFont typeface="Arial" charset="0"/>
               <a:buChar char="•"/>
             </a:pPr>
             <a:r>
-              <a:rPr lang="en-US" sz="2400" dirty="0" smtClean="0"/>
-              <a:t>Unit tests are easy for developers to write, usually in same language as </a:t>
-            </a:r>
-            <a:r>
-              <a:rPr lang="en-US" sz="2400" dirty="0" smtClean="0"/>
-              <a:t>application, locate bugs more precisely.</a:t>
-            </a:r>
-            <a:endParaRPr lang="en-US" sz="2400" dirty="0" smtClean="0"/>
+              <a:rPr lang="en-US" sz="2800" dirty="0" smtClean="0"/>
+              <a:t>Unit tests are easy for developers to write, usually in same language as application, locate bugs more </a:t>
+            </a:r>
+            <a:r>
+              <a:rPr lang="en-US" sz="2800" dirty="0" smtClean="0"/>
+              <a:t>precisely</a:t>
+            </a:r>
+            <a:endParaRPr lang="en-US" sz="2800" dirty="0" smtClean="0"/>
           </a:p>
           <a:p>
             <a:pPr marL="285750" indent="-285750">
+              <a:spcAft>
+                <a:spcPts val="1200"/>
+              </a:spcAft>
               <a:buFont typeface="Arial" charset="0"/>
               <a:buChar char="•"/>
             </a:pPr>
             <a:r>
-              <a:rPr lang="en-US" sz="2400" dirty="0" smtClean="0"/>
-              <a:t>Application logic can be tested independent of UI in Service level tests.</a:t>
-            </a:r>
-          </a:p>
-          <a:p>
-            <a:pPr marL="285750" indent="-285750">
-              <a:buFont typeface="Arial" charset="0"/>
-              <a:buChar char="•"/>
-            </a:pPr>
-            <a:endParaRPr lang="en-US" sz="2400" dirty="0" smtClean="0"/>
+              <a:rPr lang="en-US" sz="2800" dirty="0" smtClean="0"/>
+              <a:t>Service level tests can test logic independent of UI</a:t>
+            </a:r>
+            <a:endParaRPr lang="en-US" sz="2800" dirty="0" smtClean="0"/>
           </a:p>
         </p:txBody>
       </p:sp>
@@ -6915,7 +7672,226 @@
   <p:timing>
     <p:tnLst>
       <p:par>
-        <p:cTn id="1" dur="indefinite" restart="never" nodeType="tmRoot"/>
+        <p:cTn id="1" dur="indefinite" restart="never" nodeType="tmRoot">
+          <p:childTnLst>
+            <p:seq concurrent="1" nextAc="seek">
+              <p:cTn id="2" dur="indefinite" nodeType="mainSeq">
+                <p:childTnLst>
+                  <p:par>
+                    <p:cTn id="3" fill="hold">
+                      <p:stCondLst>
+                        <p:cond delay="indefinite"/>
+                      </p:stCondLst>
+                      <p:childTnLst>
+                        <p:par>
+                          <p:cTn id="4" fill="hold">
+                            <p:stCondLst>
+                              <p:cond delay="0"/>
+                            </p:stCondLst>
+                            <p:childTnLst>
+                              <p:par>
+                                <p:cTn id="5" presetID="1" presetClass="entr" presetSubtype="0" fill="hold" nodeType="clickEffect">
+                                  <p:stCondLst>
+                                    <p:cond delay="0"/>
+                                  </p:stCondLst>
+                                  <p:childTnLst>
+                                    <p:set>
+                                      <p:cBhvr>
+                                        <p:cTn id="6" dur="1" fill="hold">
+                                          <p:stCondLst>
+                                            <p:cond delay="0"/>
+                                          </p:stCondLst>
+                                        </p:cTn>
+                                        <p:tgtEl>
+                                          <p:spTgt spid="5">
+                                            <p:txEl>
+                                              <p:pRg st="0" end="0"/>
+                                            </p:txEl>
+                                          </p:spTgt>
+                                        </p:tgtEl>
+                                        <p:attrNameLst>
+                                          <p:attrName>style.visibility</p:attrName>
+                                        </p:attrNameLst>
+                                      </p:cBhvr>
+                                      <p:to>
+                                        <p:strVal val="visible"/>
+                                      </p:to>
+                                    </p:set>
+                                  </p:childTnLst>
+                                </p:cTn>
+                              </p:par>
+                            </p:childTnLst>
+                          </p:cTn>
+                        </p:par>
+                      </p:childTnLst>
+                    </p:cTn>
+                  </p:par>
+                  <p:par>
+                    <p:cTn id="7" fill="hold">
+                      <p:stCondLst>
+                        <p:cond delay="indefinite"/>
+                      </p:stCondLst>
+                      <p:childTnLst>
+                        <p:par>
+                          <p:cTn id="8" fill="hold">
+                            <p:stCondLst>
+                              <p:cond delay="0"/>
+                            </p:stCondLst>
+                            <p:childTnLst>
+                              <p:par>
+                                <p:cTn id="9" presetID="1" presetClass="entr" presetSubtype="0" fill="hold" nodeType="clickEffect">
+                                  <p:stCondLst>
+                                    <p:cond delay="0"/>
+                                  </p:stCondLst>
+                                  <p:childTnLst>
+                                    <p:set>
+                                      <p:cBhvr>
+                                        <p:cTn id="10" dur="1" fill="hold">
+                                          <p:stCondLst>
+                                            <p:cond delay="0"/>
+                                          </p:stCondLst>
+                                        </p:cTn>
+                                        <p:tgtEl>
+                                          <p:spTgt spid="5">
+                                            <p:txEl>
+                                              <p:pRg st="1" end="1"/>
+                                            </p:txEl>
+                                          </p:spTgt>
+                                        </p:tgtEl>
+                                        <p:attrNameLst>
+                                          <p:attrName>style.visibility</p:attrName>
+                                        </p:attrNameLst>
+                                      </p:cBhvr>
+                                      <p:to>
+                                        <p:strVal val="visible"/>
+                                      </p:to>
+                                    </p:set>
+                                  </p:childTnLst>
+                                </p:cTn>
+                              </p:par>
+                            </p:childTnLst>
+                          </p:cTn>
+                        </p:par>
+                      </p:childTnLst>
+                    </p:cTn>
+                  </p:par>
+                  <p:par>
+                    <p:cTn id="11" fill="hold">
+                      <p:stCondLst>
+                        <p:cond delay="indefinite"/>
+                      </p:stCondLst>
+                      <p:childTnLst>
+                        <p:par>
+                          <p:cTn id="12" fill="hold">
+                            <p:stCondLst>
+                              <p:cond delay="0"/>
+                            </p:stCondLst>
+                            <p:childTnLst>
+                              <p:par>
+                                <p:cTn id="13" presetID="1" presetClass="entr" presetSubtype="0" fill="hold" nodeType="clickEffect">
+                                  <p:stCondLst>
+                                    <p:cond delay="0"/>
+                                  </p:stCondLst>
+                                  <p:childTnLst>
+                                    <p:set>
+                                      <p:cBhvr>
+                                        <p:cTn id="14" dur="1" fill="hold">
+                                          <p:stCondLst>
+                                            <p:cond delay="0"/>
+                                          </p:stCondLst>
+                                        </p:cTn>
+                                        <p:tgtEl>
+                                          <p:spTgt spid="5">
+                                            <p:txEl>
+                                              <p:pRg st="2" end="2"/>
+                                            </p:txEl>
+                                          </p:spTgt>
+                                        </p:tgtEl>
+                                        <p:attrNameLst>
+                                          <p:attrName>style.visibility</p:attrName>
+                                        </p:attrNameLst>
+                                      </p:cBhvr>
+                                      <p:to>
+                                        <p:strVal val="visible"/>
+                                      </p:to>
+                                    </p:set>
+                                  </p:childTnLst>
+                                </p:cTn>
+                              </p:par>
+                            </p:childTnLst>
+                          </p:cTn>
+                        </p:par>
+                      </p:childTnLst>
+                    </p:cTn>
+                  </p:par>
+                  <p:par>
+                    <p:cTn id="15" fill="hold">
+                      <p:stCondLst>
+                        <p:cond delay="indefinite"/>
+                      </p:stCondLst>
+                      <p:childTnLst>
+                        <p:par>
+                          <p:cTn id="16" fill="hold">
+                            <p:stCondLst>
+                              <p:cond delay="0"/>
+                            </p:stCondLst>
+                            <p:childTnLst>
+                              <p:par>
+                                <p:cTn id="17" presetID="1" presetClass="entr" presetSubtype="0" fill="hold" nodeType="clickEffect">
+                                  <p:stCondLst>
+                                    <p:cond delay="0"/>
+                                  </p:stCondLst>
+                                  <p:childTnLst>
+                                    <p:set>
+                                      <p:cBhvr>
+                                        <p:cTn id="18" dur="1" fill="hold">
+                                          <p:stCondLst>
+                                            <p:cond delay="0"/>
+                                          </p:stCondLst>
+                                        </p:cTn>
+                                        <p:tgtEl>
+                                          <p:spTgt spid="5">
+                                            <p:txEl>
+                                              <p:pRg st="3" end="3"/>
+                                            </p:txEl>
+                                          </p:spTgt>
+                                        </p:tgtEl>
+                                        <p:attrNameLst>
+                                          <p:attrName>style.visibility</p:attrName>
+                                        </p:attrNameLst>
+                                      </p:cBhvr>
+                                      <p:to>
+                                        <p:strVal val="visible"/>
+                                      </p:to>
+                                    </p:set>
+                                  </p:childTnLst>
+                                </p:cTn>
+                              </p:par>
+                            </p:childTnLst>
+                          </p:cTn>
+                        </p:par>
+                      </p:childTnLst>
+                    </p:cTn>
+                  </p:par>
+                </p:childTnLst>
+              </p:cTn>
+              <p:prevCondLst>
+                <p:cond evt="onPrev" delay="0">
+                  <p:tgtEl>
+                    <p:sldTgt/>
+                  </p:tgtEl>
+                </p:cond>
+              </p:prevCondLst>
+              <p:nextCondLst>
+                <p:cond evt="onNext" delay="0">
+                  <p:tgtEl>
+                    <p:sldTgt/>
+                  </p:tgtEl>
+                </p:cond>
+              </p:nextCondLst>
+            </p:seq>
+          </p:childTnLst>
+        </p:cTn>
       </p:par>
     </p:tnLst>
   </p:timing>
@@ -7223,7 +8199,7 @@
             <p:ph idx="1"/>
             <p:extLst>
               <p:ext uri="{D42A27DB-BD31-4B8C-83A1-F6EECF244321}">
-                <p14:modId xmlns:p14="http://schemas.microsoft.com/office/powerpoint/2010/main" val="550358431"/>
+                <p14:modId xmlns:p14="http://schemas.microsoft.com/office/powerpoint/2010/main" val="890689188"/>
               </p:ext>
             </p:extLst>
           </p:nvPr>
@@ -7310,7 +8286,7 @@
                     <a:p>
                       <a:r>
                         <a:rPr lang="en-US" dirty="0" smtClean="0"/>
-                        <a:t>Appropriate Purpose</a:t>
+                        <a:t>Purpose</a:t>
                       </a:r>
                       <a:endParaRPr lang="en-US" dirty="0"/>
                     </a:p>
@@ -7338,11 +8314,7 @@
                     <a:p>
                       <a:r>
                         <a:rPr lang="en-US" dirty="0" smtClean="0"/>
-                        <a:t>Test Business Logic / </a:t>
-                      </a:r>
-                      <a:r>
-                        <a:rPr lang="en-US" dirty="0" smtClean="0"/>
-                        <a:t>Outputs to Inputs</a:t>
+                        <a:t>Test Business Logic / Outputs to Inputs</a:t>
                       </a:r>
                       <a:endParaRPr lang="en-US" dirty="0"/>
                     </a:p>
@@ -7356,11 +8328,7 @@
                     <a:p>
                       <a:r>
                         <a:rPr lang="en-US" dirty="0" smtClean="0"/>
-                        <a:t>Test the User </a:t>
-                      </a:r>
-                      <a:r>
-                        <a:rPr lang="en-US" dirty="0" smtClean="0"/>
-                        <a:t>Interface, Provides some End-End confirmation</a:t>
+                        <a:t>Test the User Interface, Provides some End-End confirmation</a:t>
                       </a:r>
                       <a:endParaRPr lang="en-US" dirty="0"/>
                     </a:p>
@@ -7408,7 +8376,15 @@
                       </a:r>
                       <a:r>
                         <a:rPr lang="en-US" baseline="0" dirty="0" smtClean="0"/>
-                        <a:t> and Developers</a:t>
+                        <a:t> </a:t>
+                      </a:r>
+                      <a:r>
+                        <a:rPr lang="en-US" baseline="0" dirty="0" smtClean="0"/>
+                        <a:t>(including QA) and </a:t>
+                      </a:r>
+                      <a:r>
+                        <a:rPr lang="en-US" baseline="0" dirty="0" smtClean="0"/>
+                        <a:t>Developers</a:t>
                       </a:r>
                       <a:endParaRPr lang="en-US" dirty="0"/>
                     </a:p>
@@ -7422,7 +8398,11 @@
                     <a:p>
                       <a:r>
                         <a:rPr lang="en-US" dirty="0" smtClean="0"/>
-                        <a:t>QA automation or Developers</a:t>
+                        <a:t>QA </a:t>
+                      </a:r>
+                      <a:r>
+                        <a:rPr lang="en-US" dirty="0" smtClean="0"/>
+                        <a:t>automation</a:t>
                       </a:r>
                       <a:endParaRPr lang="en-US" dirty="0"/>
                     </a:p>

--- a/Test Pyramid Presentation.pptx
+++ b/Test Pyramid Presentation.pptx
@@ -211,7 +211,7 @@
           <a:p>
             <a:fld id="{51E71193-F4DE-7347-96CF-6A9725F5B501}" type="datetimeFigureOut">
               <a:rPr lang="en-US" smtClean="0"/>
-              <a:t>8/1/17</a:t>
+              <a:t>8/4/17</a:t>
             </a:fld>
             <a:endParaRPr lang="en-US"/>
           </a:p>
@@ -1221,7 +1221,78 @@
             </a:r>
             <a:r>
               <a:rPr lang="en-US" baseline="0" dirty="0" smtClean="0"/>
-              <a:t> failure of the Selenium tests could be less precise.</a:t>
+              <a:t> failure of the Selenium tests could be less precise</a:t>
+            </a:r>
+            <a:r>
+              <a:rPr lang="en-US" baseline="0" dirty="0" smtClean="0"/>
+              <a:t>.</a:t>
+            </a:r>
+          </a:p>
+          <a:p>
+            <a:pPr marL="171450" marR="0" indent="-171450" algn="l" defTabSz="914400" rtl="0" eaLnBrk="1" fontAlgn="auto" latinLnBrk="0" hangingPunct="1">
+              <a:lnSpc>
+                <a:spcPct val="100000"/>
+              </a:lnSpc>
+              <a:spcBef>
+                <a:spcPts val="0"/>
+              </a:spcBef>
+              <a:spcAft>
+                <a:spcPts val="0"/>
+              </a:spcAft>
+              <a:buClrTx/>
+              <a:buSzTx/>
+              <a:buFont typeface="Arial" charset="0"/>
+              <a:buChar char="•"/>
+              <a:tabLst/>
+              <a:defRPr/>
+            </a:pPr>
+            <a:endParaRPr lang="en-US" baseline="0" dirty="0" smtClean="0"/>
+          </a:p>
+          <a:p>
+            <a:pPr marL="171450" marR="0" indent="-171450" algn="l" defTabSz="914400" rtl="0" eaLnBrk="1" fontAlgn="auto" latinLnBrk="0" hangingPunct="1">
+              <a:lnSpc>
+                <a:spcPct val="100000"/>
+              </a:lnSpc>
+              <a:spcBef>
+                <a:spcPts val="0"/>
+              </a:spcBef>
+              <a:spcAft>
+                <a:spcPts val="0"/>
+              </a:spcAft>
+              <a:buClrTx/>
+              <a:buSzTx/>
+              <a:buFont typeface="Arial" charset="0"/>
+              <a:buChar char="•"/>
+              <a:tabLst/>
+              <a:defRPr/>
+            </a:pPr>
+            <a:r>
+              <a:rPr lang="en-US" baseline="0" dirty="0" smtClean="0"/>
+              <a:t>What if we were testing entirely through the UI?  All of these scenarios covered in </a:t>
+            </a:r>
+            <a:r>
+              <a:rPr lang="en-US" baseline="0" dirty="0" err="1" smtClean="0"/>
+              <a:t>fitnesse</a:t>
+            </a:r>
+            <a:r>
+              <a:rPr lang="en-US" baseline="0" dirty="0" smtClean="0"/>
+              <a:t> and unit tests would need to be managed through UI tests </a:t>
+            </a:r>
+            <a:r>
+              <a:rPr lang="mr-IN" baseline="0" dirty="0" smtClean="0"/>
+              <a:t>–</a:t>
+            </a:r>
+            <a:r>
+              <a:rPr lang="en-US" baseline="0" dirty="0" smtClean="0"/>
+              <a:t> all the duration calculation scenarios, every opiate drug identified correctly, how to verify drugs aren’t included accidentally as opiates </a:t>
+            </a:r>
+            <a:r>
+              <a:rPr lang="mr-IN" baseline="0" dirty="0" smtClean="0"/>
+              <a:t>–</a:t>
+            </a:r>
+            <a:r>
+              <a:rPr lang="en-US" baseline="0" dirty="0" smtClean="0"/>
+              <a:t> prescribe every single possible drug?</a:t>
             </a:r>
             <a:endParaRPr lang="en-US" baseline="0" dirty="0" smtClean="0"/>
           </a:p>
@@ -1493,11 +1564,7 @@
             </a:r>
             <a:r>
               <a:rPr lang="en-US" baseline="0" dirty="0" smtClean="0"/>
-              <a:t> distribution by purpose and </a:t>
-            </a:r>
-            <a:r>
-              <a:rPr lang="en-US" baseline="0" dirty="0" smtClean="0"/>
-              <a:t>type </a:t>
+              <a:t> distribution by purpose and type </a:t>
             </a:r>
             <a:r>
               <a:rPr lang="mr-IN" baseline="0" dirty="0" smtClean="0"/>
@@ -1507,7 +1574,6 @@
               <a:rPr lang="en-US" baseline="0" dirty="0" smtClean="0"/>
               <a:t> Succeeding with Agile, 2009</a:t>
             </a:r>
-            <a:endParaRPr lang="en-US" baseline="0" dirty="0" smtClean="0"/>
           </a:p>
           <a:p>
             <a:pPr marL="171450" indent="-171450">
@@ -1516,11 +1582,7 @@
             </a:pPr>
             <a:r>
               <a:rPr lang="en-US" baseline="0" dirty="0" smtClean="0"/>
-              <a:t>Describe levels</a:t>
-            </a:r>
-            <a:r>
-              <a:rPr lang="en-US" baseline="0" dirty="0" smtClean="0"/>
-              <a:t>.</a:t>
+              <a:t>Describe levels.</a:t>
             </a:r>
           </a:p>
           <a:p>
@@ -1540,7 +1602,6 @@
               <a:rPr lang="en-US" baseline="0" dirty="0" smtClean="0"/>
               <a:t> Forgotten Layer of the Test Automation Pyramid regarding service layer</a:t>
             </a:r>
-            <a:endParaRPr lang="en-US" baseline="0" dirty="0" smtClean="0"/>
           </a:p>
           <a:p>
             <a:pPr marL="171450" indent="-171450">
@@ -1553,11 +1614,7 @@
             </a:r>
             <a:r>
               <a:rPr lang="en-US" baseline="0" dirty="0" smtClean="0"/>
-              <a:t> </a:t>
-            </a:r>
-            <a:r>
-              <a:rPr lang="en-US" baseline="0" dirty="0" smtClean="0"/>
-              <a:t>has similar concept for testing </a:t>
+              <a:t> has similar concept for testing </a:t>
             </a:r>
             <a:r>
               <a:rPr lang="mr-IN" baseline="0" dirty="0" smtClean="0"/>
@@ -1565,11 +1622,7 @@
             </a:r>
             <a:r>
               <a:rPr lang="en-US" baseline="0" dirty="0" smtClean="0"/>
-              <a:t> Small, Medium, Large (Unit, Integration, System</a:t>
-            </a:r>
-            <a:r>
-              <a:rPr lang="en-US" baseline="0" dirty="0" smtClean="0"/>
-              <a:t>).</a:t>
+              <a:t> Small, Medium, Large (Unit, Integration, System).</a:t>
             </a:r>
           </a:p>
           <a:p>
@@ -1854,11 +1907,7 @@
             </a:r>
             <a:r>
               <a:rPr lang="en-US" baseline="0" dirty="0" smtClean="0"/>
-              <a:t> avoid gaps and </a:t>
-            </a:r>
-            <a:r>
-              <a:rPr lang="en-US" baseline="0" dirty="0" smtClean="0"/>
-              <a:t>duplication</a:t>
+              <a:t> avoid gaps and duplication</a:t>
             </a:r>
           </a:p>
           <a:p>
@@ -2123,11 +2172,7 @@
           <a:p>
             <a:r>
               <a:rPr lang="en-US" baseline="0" dirty="0" smtClean="0"/>
-              <a:t>- </a:t>
-            </a:r>
-            <a:r>
-              <a:rPr lang="en-US" baseline="0" dirty="0" smtClean="0"/>
-              <a:t>Discussing and creating a grid of your test strategy in and of itself is useful.</a:t>
+              <a:t>- Discussing and creating a grid of your test strategy in and of itself is useful.</a:t>
             </a:r>
           </a:p>
         </p:txBody>
@@ -2218,11 +2263,7 @@
             </a:pPr>
             <a:r>
               <a:rPr lang="en-US" dirty="0" smtClean="0"/>
-              <a:t>To </a:t>
-            </a:r>
-            <a:r>
-              <a:rPr lang="en-US" dirty="0" smtClean="0"/>
-              <a:t>illustrate </a:t>
+              <a:t>To illustrate </a:t>
             </a:r>
             <a:r>
               <a:rPr lang="en-US" dirty="0" err="1" smtClean="0"/>
@@ -2234,11 +2275,7 @@
             </a:r>
             <a:r>
               <a:rPr lang="en-US" baseline="0" dirty="0" smtClean="0"/>
-              <a:t> layer of tests, we’ll look at tests for a particular </a:t>
-            </a:r>
-            <a:r>
-              <a:rPr lang="en-US" baseline="0" dirty="0" smtClean="0"/>
-              <a:t>feature</a:t>
+              <a:t> layer of tests, we’ll look at tests for a particular feature</a:t>
             </a:r>
           </a:p>
           <a:p>
@@ -6190,11 +6227,7 @@
                       </a:r>
                       <a:r>
                         <a:rPr lang="en-US" baseline="0" dirty="0" smtClean="0"/>
-                        <a:t> / </a:t>
-                      </a:r>
-                      <a:r>
-                        <a:rPr lang="en-US" baseline="0" dirty="0" smtClean="0"/>
-                        <a:t>Junit)</a:t>
+                        <a:t> / Junit)</a:t>
                       </a:r>
                       <a:endParaRPr lang="en-US" dirty="0"/>
                     </a:p>
@@ -6567,7 +6600,6 @@
               <a:rPr lang="en-US" dirty="0" smtClean="0"/>
               <a:t>tests.</a:t>
             </a:r>
-            <a:endParaRPr lang="en-US" dirty="0" smtClean="0"/>
           </a:p>
           <a:p>
             <a:r>
@@ -7043,11 +7075,7 @@
             </a:r>
             <a:r>
               <a:rPr lang="en-US" dirty="0" smtClean="0"/>
-              <a:t>: Mike Bland, 2011</a:t>
-            </a:r>
-            <a:r>
-              <a:rPr lang="en-US" dirty="0" smtClean="0"/>
-              <a:t>.</a:t>
+              <a:t>: Mike Bland, 2011.</a:t>
             </a:r>
           </a:p>
           <a:p>
@@ -7061,7 +7089,6 @@
               <a:rPr lang="en-US" dirty="0" smtClean="0"/>
               <a:t>:  Alistair Cockburn, 1999.</a:t>
             </a:r>
-            <a:endParaRPr lang="en-US" dirty="0" smtClean="0"/>
           </a:p>
           <a:p>
             <a:endParaRPr lang="en-US" dirty="0" smtClean="0"/>
@@ -7187,13 +7214,8 @@
             </a:pPr>
             <a:r>
               <a:rPr lang="en-US" sz="2800" dirty="0" smtClean="0"/>
-              <a:t>Foundational base of unit </a:t>
-            </a:r>
-            <a:r>
-              <a:rPr lang="en-US" sz="2800" dirty="0" smtClean="0"/>
-              <a:t>tests</a:t>
-            </a:r>
-            <a:endParaRPr lang="en-US" sz="2800" dirty="0" smtClean="0"/>
+              <a:t>Foundational base of unit tests</a:t>
+            </a:r>
           </a:p>
           <a:p>
             <a:pPr marL="285750" indent="-285750">
@@ -7205,13 +7227,8 @@
             </a:pPr>
             <a:r>
               <a:rPr lang="en-US" sz="2800" dirty="0" smtClean="0"/>
-              <a:t>Minimum necessary tests through user </a:t>
-            </a:r>
-            <a:r>
-              <a:rPr lang="en-US" sz="2800" dirty="0" smtClean="0"/>
-              <a:t>interface</a:t>
-            </a:r>
-            <a:endParaRPr lang="en-US" sz="2800" dirty="0" smtClean="0"/>
+              <a:t>Minimum necessary tests through user interface</a:t>
+            </a:r>
           </a:p>
           <a:p>
             <a:pPr marL="285750" indent="-285750">
@@ -7237,15 +7254,7 @@
             </a:pPr>
             <a:r>
               <a:rPr lang="en-US" sz="2800" dirty="0" smtClean="0"/>
-              <a:t>Service </a:t>
-            </a:r>
-            <a:r>
-              <a:rPr lang="en-US" sz="2800" dirty="0" smtClean="0"/>
-              <a:t>refers to logical </a:t>
-            </a:r>
-            <a:r>
-              <a:rPr lang="en-US" sz="2800" dirty="0" smtClean="0"/>
-              <a:t>services </a:t>
+              <a:t>Service refers to logical services </a:t>
             </a:r>
             <a:r>
               <a:rPr lang="mr-IN" sz="2800" dirty="0" smtClean="0"/>
@@ -7623,7 +7632,6 @@
               <a:rPr lang="en-US" sz="2800" dirty="0" smtClean="0"/>
               <a:t>expensive, less precise</a:t>
             </a:r>
-            <a:endParaRPr lang="en-US" sz="2800" dirty="0" smtClean="0"/>
           </a:p>
           <a:p>
             <a:pPr marL="285750" indent="-285750">
@@ -7635,13 +7643,8 @@
             </a:pPr>
             <a:r>
               <a:rPr lang="en-US" sz="2800" dirty="0" smtClean="0"/>
-              <a:t>Unit tests are easy for developers to write, usually in same language as application, locate bugs more </a:t>
-            </a:r>
-            <a:r>
-              <a:rPr lang="en-US" sz="2800" dirty="0" smtClean="0"/>
-              <a:t>precisely</a:t>
-            </a:r>
-            <a:endParaRPr lang="en-US" sz="2800" dirty="0" smtClean="0"/>
+              <a:t>Unit tests are easy for developers to write, usually in same language as application, locate bugs more precisely</a:t>
+            </a:r>
           </a:p>
           <a:p>
             <a:pPr marL="285750" indent="-285750">
@@ -7655,7 +7658,6 @@
               <a:rPr lang="en-US" sz="2800" dirty="0" smtClean="0"/>
               <a:t>Service level tests can test logic independent of UI</a:t>
             </a:r>
-            <a:endParaRPr lang="en-US" sz="2800" dirty="0" smtClean="0"/>
           </a:p>
         </p:txBody>
       </p:sp>
@@ -8376,15 +8378,7 @@
                       </a:r>
                       <a:r>
                         <a:rPr lang="en-US" baseline="0" dirty="0" smtClean="0"/>
-                        <a:t> </a:t>
-                      </a:r>
-                      <a:r>
-                        <a:rPr lang="en-US" baseline="0" dirty="0" smtClean="0"/>
-                        <a:t>(including QA) and </a:t>
-                      </a:r>
-                      <a:r>
-                        <a:rPr lang="en-US" baseline="0" dirty="0" smtClean="0"/>
-                        <a:t>Developers</a:t>
+                        <a:t> (including QA) and Developers</a:t>
                       </a:r>
                       <a:endParaRPr lang="en-US" dirty="0"/>
                     </a:p>
@@ -8398,11 +8392,7 @@
                     <a:p>
                       <a:r>
                         <a:rPr lang="en-US" dirty="0" smtClean="0"/>
-                        <a:t>QA </a:t>
-                      </a:r>
-                      <a:r>
-                        <a:rPr lang="en-US" dirty="0" smtClean="0"/>
-                        <a:t>automation</a:t>
+                        <a:t>QA automation</a:t>
                       </a:r>
                       <a:endParaRPr lang="en-US" dirty="0"/>
                     </a:p>

--- a/Test Pyramid Presentation.pptx
+++ b/Test Pyramid Presentation.pptx
@@ -1221,11 +1221,7 @@
             </a:r>
             <a:r>
               <a:rPr lang="en-US" baseline="0" dirty="0" smtClean="0"/>
-              <a:t> failure of the Selenium tests could be less precise</a:t>
-            </a:r>
-            <a:r>
-              <a:rPr lang="en-US" baseline="0" dirty="0" smtClean="0"/>
-              <a:t>.</a:t>
+              <a:t> failure of the Selenium tests could be less precise.</a:t>
             </a:r>
           </a:p>
           <a:p>
@@ -1294,7 +1290,6 @@
               <a:rPr lang="en-US" baseline="0" dirty="0" smtClean="0"/>
               <a:t> prescribe every single possible drug?</a:t>
             </a:r>
-            <a:endParaRPr lang="en-US" baseline="0" dirty="0" smtClean="0"/>
           </a:p>
         </p:txBody>
       </p:sp>
@@ -7953,11 +7948,13 @@
         <p:spPr>
           <a:xfrm>
             <a:off x="7113494" y="2161335"/>
-            <a:ext cx="3966883" cy="2356877"/>
+            <a:ext cx="4848657" cy="2500606"/>
           </a:xfrm>
         </p:spPr>
         <p:txBody>
-          <a:bodyPr/>
+          <a:bodyPr>
+            <a:normAutofit/>
+          </a:bodyPr>
           <a:lstStyle/>
           <a:p>
             <a:r>
@@ -7974,7 +7971,11 @@
           <a:p>
             <a:r>
               <a:rPr lang="en-US" dirty="0" smtClean="0"/>
-              <a:t>Communication and Collaboration</a:t>
+              <a:t>Frequent Communication </a:t>
+            </a:r>
+            <a:r>
+              <a:rPr lang="en-US" dirty="0" smtClean="0"/>
+              <a:t>and Collaboration</a:t>
             </a:r>
             <a:endParaRPr lang="en-US" dirty="0"/>
           </a:p>
@@ -8066,7 +8067,15 @@
           <a:p>
             <a:r>
               <a:rPr lang="en-US" sz="4000" dirty="0" smtClean="0"/>
-              <a:t>Sample Application</a:t>
+              <a:t>Sample </a:t>
+            </a:r>
+            <a:r>
+              <a:rPr lang="en-US" sz="4000" dirty="0" smtClean="0"/>
+              <a:t>Application : </a:t>
+            </a:r>
+            <a:r>
+              <a:rPr lang="en-US" sz="4000" dirty="0" err="1" smtClean="0"/>
+              <a:t>RxDemo</a:t>
             </a:r>
             <a:endParaRPr lang="en-US" sz="4000" dirty="0"/>
           </a:p>
@@ -8184,8 +8193,12 @@
           <a:lstStyle/>
           <a:p>
             <a:r>
+              <a:rPr lang="en-US" dirty="0" err="1" smtClean="0"/>
+              <a:t>RxDemo</a:t>
+            </a:r>
+            <a:r>
               <a:rPr lang="en-US" dirty="0" smtClean="0"/>
-              <a:t>Sample App Pyramid</a:t>
+              <a:t> Automated Test Strategy</a:t>
             </a:r>
             <a:endParaRPr lang="en-US" dirty="0"/>
           </a:p>
@@ -8201,14 +8214,14 @@
             <p:ph idx="1"/>
             <p:extLst>
               <p:ext uri="{D42A27DB-BD31-4B8C-83A1-F6EECF244321}">
-                <p14:modId xmlns:p14="http://schemas.microsoft.com/office/powerpoint/2010/main" val="890689188"/>
+                <p14:modId xmlns:p14="http://schemas.microsoft.com/office/powerpoint/2010/main" val="1037713816"/>
               </p:ext>
             </p:extLst>
           </p:nvPr>
         </p:nvGraphicFramePr>
         <p:xfrm>
           <a:off x="838200" y="1825625"/>
-          <a:ext cx="10359684" cy="3280155"/>
+          <a:ext cx="10359684" cy="3405970"/>
         </p:xfrm>
         <a:graphic>
           <a:graphicData uri="http://schemas.openxmlformats.org/drawingml/2006/table">
@@ -8241,14 +8254,164 @@
                     <a:p>
                       <a:pPr algn="ctr"/>
                       <a:r>
+                        <a:rPr lang="en-US" sz="2400" dirty="0" smtClean="0"/>
+                        <a:t>Purpose</a:t>
+                      </a:r>
+                      <a:endParaRPr lang="en-US" sz="2400" dirty="0"/>
+                    </a:p>
+                  </a:txBody>
+                  <a:tcPr/>
+                </a:tc>
+                <a:tc>
+                  <a:txBody>
+                    <a:bodyPr/>
+                    <a:lstStyle/>
+                    <a:p>
+                      <a:pPr algn="ctr"/>
+                      <a:r>
+                        <a:rPr lang="en-US" sz="2400" dirty="0" smtClean="0"/>
+                        <a:t>Authors</a:t>
+                      </a:r>
+                      <a:endParaRPr lang="en-US" sz="2400" dirty="0"/>
+                    </a:p>
+                  </a:txBody>
+                  <a:tcPr/>
+                </a:tc>
+                <a:tc>
+                  <a:txBody>
+                    <a:bodyPr/>
+                    <a:lstStyle/>
+                    <a:p>
+                      <a:pPr algn="ctr"/>
+                      <a:r>
+                        <a:rPr lang="en-US" sz="2400" dirty="0" smtClean="0"/>
+                        <a:t>Tools</a:t>
+                      </a:r>
+                      <a:endParaRPr lang="en-US" sz="2400" dirty="0"/>
+                    </a:p>
+                  </a:txBody>
+                  <a:tcPr/>
+                </a:tc>
+              </a:tr>
+              <a:tr h="788585">
+                <a:tc>
+                  <a:txBody>
+                    <a:bodyPr/>
+                    <a:lstStyle/>
+                    <a:p>
+                      <a:pPr algn="ctr"/>
+                      <a:r>
                         <a:rPr lang="en-US" sz="2800" dirty="0" smtClean="0"/>
-                        <a:t>Unit</a:t>
+                        <a:t>UI</a:t>
                       </a:r>
                       <a:endParaRPr lang="en-US" sz="2800" dirty="0"/>
                     </a:p>
                   </a:txBody>
                   <a:tcPr/>
                 </a:tc>
+                <a:tc>
+                  <a:txBody>
+                    <a:bodyPr/>
+                    <a:lstStyle/>
+                    <a:p>
+                      <a:pPr marL="0" marR="0" indent="0" algn="l" defTabSz="914400" rtl="0" eaLnBrk="1" fontAlgn="auto" latinLnBrk="0" hangingPunct="1">
+                        <a:lnSpc>
+                          <a:spcPct val="100000"/>
+                        </a:lnSpc>
+                        <a:spcBef>
+                          <a:spcPts val="0"/>
+                        </a:spcBef>
+                        <a:spcAft>
+                          <a:spcPts val="0"/>
+                        </a:spcAft>
+                        <a:buClrTx/>
+                        <a:buSzTx/>
+                        <a:buFontTx/>
+                        <a:buNone/>
+                        <a:tabLst/>
+                        <a:defRPr/>
+                      </a:pPr>
+                      <a:r>
+                        <a:rPr lang="en-US" dirty="0" smtClean="0"/>
+                        <a:t>Test UI functionality, Provides some End-End confirmation</a:t>
+                      </a:r>
+                    </a:p>
+                  </a:txBody>
+                  <a:tcPr/>
+                </a:tc>
+                <a:tc>
+                  <a:txBody>
+                    <a:bodyPr/>
+                    <a:lstStyle/>
+                    <a:p>
+                      <a:pPr marL="0" marR="0" indent="0" algn="l" defTabSz="914400" rtl="0" eaLnBrk="1" fontAlgn="auto" latinLnBrk="0" hangingPunct="1">
+                        <a:lnSpc>
+                          <a:spcPct val="100000"/>
+                        </a:lnSpc>
+                        <a:spcBef>
+                          <a:spcPts val="0"/>
+                        </a:spcBef>
+                        <a:spcAft>
+                          <a:spcPts val="0"/>
+                        </a:spcAft>
+                        <a:buClrTx/>
+                        <a:buSzTx/>
+                        <a:buFontTx/>
+                        <a:buNone/>
+                        <a:tabLst/>
+                        <a:defRPr/>
+                      </a:pPr>
+                      <a:r>
+                        <a:rPr lang="en-US" dirty="0" smtClean="0"/>
+                        <a:t>QA automation</a:t>
+                      </a:r>
+                    </a:p>
+                    <a:p>
+                      <a:endParaRPr lang="en-US" dirty="0"/>
+                    </a:p>
+                  </a:txBody>
+                  <a:tcPr/>
+                </a:tc>
+                <a:tc>
+                  <a:txBody>
+                    <a:bodyPr/>
+                    <a:lstStyle/>
+                    <a:p>
+                      <a:pPr marL="0" marR="0" indent="0" algn="l" defTabSz="914400" rtl="0" eaLnBrk="1" fontAlgn="auto" latinLnBrk="0" hangingPunct="1">
+                        <a:lnSpc>
+                          <a:spcPct val="100000"/>
+                        </a:lnSpc>
+                        <a:spcBef>
+                          <a:spcPts val="0"/>
+                        </a:spcBef>
+                        <a:spcAft>
+                          <a:spcPts val="0"/>
+                        </a:spcAft>
+                        <a:buClrTx/>
+                        <a:buSzTx/>
+                        <a:buFontTx/>
+                        <a:buNone/>
+                        <a:tabLst/>
+                        <a:defRPr/>
+                      </a:pPr>
+                      <a:r>
+                        <a:rPr lang="en-US" dirty="0" smtClean="0"/>
+                        <a:t>Junit and WebDriver </a:t>
+                      </a:r>
+                      <a:r>
+                        <a:rPr lang="en-US" baseline="0" dirty="0" smtClean="0"/>
+                        <a:t>to Selenium Server</a:t>
+                      </a:r>
+                      <a:endParaRPr lang="en-US" dirty="0" smtClean="0"/>
+                    </a:p>
+                    <a:p>
+                      <a:endParaRPr lang="en-US" dirty="0"/>
+                    </a:p>
+                  </a:txBody>
+                  <a:tcPr/>
+                </a:tc>
+              </a:tr>
+              <a:tr h="788585">
                 <a:tc>
                   <a:txBody>
                     <a:bodyPr/>
@@ -8269,100 +8432,27 @@
                     <a:bodyPr/>
                     <a:lstStyle/>
                     <a:p>
-                      <a:pPr algn="ctr"/>
-                      <a:r>
-                        <a:rPr lang="en-US" sz="2800" dirty="0" smtClean="0"/>
-                        <a:t>UI</a:t>
-                      </a:r>
-                      <a:endParaRPr lang="en-US" sz="2800" dirty="0"/>
-                    </a:p>
-                  </a:txBody>
-                  <a:tcPr/>
-                </a:tc>
-              </a:tr>
-              <a:tr h="788585">
-                <a:tc>
-                  <a:txBody>
-                    <a:bodyPr/>
-                    <a:lstStyle/>
-                    <a:p>
-                      <a:r>
-                        <a:rPr lang="en-US" dirty="0" smtClean="0"/>
-                        <a:t>Purpose</a:t>
-                      </a:r>
-                      <a:endParaRPr lang="en-US" dirty="0"/>
-                    </a:p>
-                  </a:txBody>
-                  <a:tcPr/>
-                </a:tc>
-                <a:tc>
-                  <a:txBody>
-                    <a:bodyPr/>
-                    <a:lstStyle/>
-                    <a:p>
-                      <a:r>
-                        <a:rPr lang="en-US" dirty="0" smtClean="0"/>
-                        <a:t>Test Units of Code, Aid with Design and Code Quality</a:t>
-                      </a:r>
-                      <a:endParaRPr lang="en-US" dirty="0"/>
-                    </a:p>
-                  </a:txBody>
-                  <a:tcPr/>
-                </a:tc>
-                <a:tc>
-                  <a:txBody>
-                    <a:bodyPr/>
-                    <a:lstStyle/>
-                    <a:p>
+                      <a:pPr marL="0" marR="0" indent="0" algn="l" defTabSz="914400" rtl="0" eaLnBrk="1" fontAlgn="auto" latinLnBrk="0" hangingPunct="1">
+                        <a:lnSpc>
+                          <a:spcPct val="100000"/>
+                        </a:lnSpc>
+                        <a:spcBef>
+                          <a:spcPts val="0"/>
+                        </a:spcBef>
+                        <a:spcAft>
+                          <a:spcPts val="0"/>
+                        </a:spcAft>
+                        <a:buClrTx/>
+                        <a:buSzTx/>
+                        <a:buFontTx/>
+                        <a:buNone/>
+                        <a:tabLst/>
+                        <a:defRPr/>
+                      </a:pPr>
                       <a:r>
                         <a:rPr lang="en-US" dirty="0" smtClean="0"/>
                         <a:t>Test Business Logic / Outputs to Inputs</a:t>
                       </a:r>
-                      <a:endParaRPr lang="en-US" dirty="0"/>
-                    </a:p>
-                  </a:txBody>
-                  <a:tcPr/>
-                </a:tc>
-                <a:tc>
-                  <a:txBody>
-                    <a:bodyPr/>
-                    <a:lstStyle/>
-                    <a:p>
-                      <a:r>
-                        <a:rPr lang="en-US" dirty="0" smtClean="0"/>
-                        <a:t>Test the User Interface, Provides some End-End confirmation</a:t>
-                      </a:r>
-                      <a:endParaRPr lang="en-US" dirty="0"/>
-                    </a:p>
-                  </a:txBody>
-                  <a:tcPr/>
-                </a:tc>
-              </a:tr>
-              <a:tr h="788585">
-                <a:tc>
-                  <a:txBody>
-                    <a:bodyPr/>
-                    <a:lstStyle/>
-                    <a:p>
-                      <a:r>
-                        <a:rPr lang="en-US" dirty="0" smtClean="0"/>
-                        <a:t>Authors</a:t>
-                      </a:r>
-                      <a:endParaRPr lang="en-US" dirty="0"/>
-                    </a:p>
-                  </a:txBody>
-                  <a:tcPr/>
-                </a:tc>
-                <a:tc>
-                  <a:txBody>
-                    <a:bodyPr/>
-                    <a:lstStyle/>
-                    <a:p>
-                      <a:r>
-                        <a:rPr lang="en-US" dirty="0" smtClean="0"/>
-                        <a:t>Developers</a:t>
-                      </a:r>
-                      <a:endParaRPr lang="en-US" dirty="0"/>
                     </a:p>
                   </a:txBody>
                   <a:tcPr/>
@@ -8390,10 +8480,30 @@
                     <a:bodyPr/>
                     <a:lstStyle/>
                     <a:p>
+                      <a:pPr marL="0" marR="0" indent="0" algn="l" defTabSz="914400" rtl="0" eaLnBrk="1" fontAlgn="auto" latinLnBrk="0" hangingPunct="1">
+                        <a:lnSpc>
+                          <a:spcPct val="100000"/>
+                        </a:lnSpc>
+                        <a:spcBef>
+                          <a:spcPts val="0"/>
+                        </a:spcBef>
+                        <a:spcAft>
+                          <a:spcPts val="0"/>
+                        </a:spcAft>
+                        <a:buClrTx/>
+                        <a:buSzTx/>
+                        <a:buFontTx/>
+                        <a:buNone/>
+                        <a:tabLst/>
+                        <a:defRPr/>
+                      </a:pPr>
                       <a:r>
-                        <a:rPr lang="en-US" dirty="0" smtClean="0"/>
-                        <a:t>QA automation</a:t>
+                        <a:rPr lang="en-US" dirty="0" err="1" smtClean="0"/>
+                        <a:t>Fitnesse</a:t>
                       </a:r>
+                      <a:endParaRPr lang="en-US" dirty="0" smtClean="0"/>
+                    </a:p>
+                    <a:p>
                       <a:endParaRPr lang="en-US" dirty="0"/>
                     </a:p>
                   </a:txBody>
@@ -8406,9 +8516,54 @@
                     <a:bodyPr/>
                     <a:lstStyle/>
                     <a:p>
+                      <a:pPr algn="ctr"/>
+                      <a:r>
+                        <a:rPr lang="en-US" sz="2800" dirty="0" smtClean="0"/>
+                        <a:t>Unit</a:t>
+                      </a:r>
+                      <a:endParaRPr lang="en-US" sz="2800" dirty="0"/>
+                    </a:p>
+                  </a:txBody>
+                  <a:tcPr/>
+                </a:tc>
+                <a:tc>
+                  <a:txBody>
+                    <a:bodyPr/>
+                    <a:lstStyle/>
+                    <a:p>
+                      <a:pPr marL="0" marR="0" indent="0" algn="l" defTabSz="914400" rtl="0" eaLnBrk="1" fontAlgn="auto" latinLnBrk="0" hangingPunct="1">
+                        <a:lnSpc>
+                          <a:spcPct val="100000"/>
+                        </a:lnSpc>
+                        <a:spcBef>
+                          <a:spcPts val="0"/>
+                        </a:spcBef>
+                        <a:spcAft>
+                          <a:spcPts val="0"/>
+                        </a:spcAft>
+                        <a:buClrTx/>
+                        <a:buSzTx/>
+                        <a:buFontTx/>
+                        <a:buNone/>
+                        <a:tabLst/>
+                        <a:defRPr/>
+                      </a:pPr>
                       <a:r>
                         <a:rPr lang="en-US" dirty="0" smtClean="0"/>
-                        <a:t>Tool</a:t>
+                        <a:t>Test Units of Code, Aid with Design and Code Quality</a:t>
+                      </a:r>
+                    </a:p>
+                  </a:txBody>
+                  <a:tcPr/>
+                </a:tc>
+                <a:tc>
+                  <a:txBody>
+                    <a:bodyPr/>
+                    <a:lstStyle/>
+                    <a:p>
+                      <a:r>
+                        <a:rPr lang="en-US" dirty="0" smtClean="0"/>
+                        <a:t>Developers</a:t>
                       </a:r>
                       <a:endParaRPr lang="en-US" dirty="0"/>
                     </a:p>
@@ -8420,43 +8575,30 @@
                     <a:bodyPr/>
                     <a:lstStyle/>
                     <a:p>
+                      <a:pPr marL="0" marR="0" indent="0" algn="l" defTabSz="914400" rtl="0" eaLnBrk="1" fontAlgn="auto" latinLnBrk="0" hangingPunct="1">
+                        <a:lnSpc>
+                          <a:spcPct val="100000"/>
+                        </a:lnSpc>
+                        <a:spcBef>
+                          <a:spcPts val="0"/>
+                        </a:spcBef>
+                        <a:spcAft>
+                          <a:spcPts val="0"/>
+                        </a:spcAft>
+                        <a:buClrTx/>
+                        <a:buSzTx/>
+                        <a:buFontTx/>
+                        <a:buNone/>
+                        <a:tabLst/>
+                        <a:defRPr/>
+                      </a:pPr>
                       <a:r>
                         <a:rPr lang="en-US" dirty="0" smtClean="0"/>
                         <a:t>Junit, Jasmine</a:t>
                       </a:r>
-                      <a:endParaRPr lang="en-US" dirty="0"/>
                     </a:p>
-                  </a:txBody>
-                  <a:tcPr/>
-                </a:tc>
-                <a:tc>
-                  <a:txBody>
-                    <a:bodyPr/>
-                    <a:lstStyle/>
                     <a:p>
-                      <a:r>
-                        <a:rPr lang="en-US" dirty="0" err="1" smtClean="0"/>
-                        <a:t>Fitnesse</a:t>
-                      </a:r>
-                      <a:endParaRPr lang="en-US" dirty="0"/>
-                    </a:p>
-                  </a:txBody>
-                  <a:tcPr/>
-                </a:tc>
-                <a:tc>
-                  <a:txBody>
-                    <a:bodyPr/>
-                    <a:lstStyle/>
-                    <a:p>
-                      <a:r>
-                        <a:rPr lang="en-US" dirty="0" smtClean="0"/>
-                        <a:t>Selenium</a:t>
-                      </a:r>
-                      <a:r>
-                        <a:rPr lang="en-US" baseline="0" dirty="0" smtClean="0"/>
-                        <a:t> via Junit</a:t>
-                      </a:r>
-                      <a:endParaRPr lang="en-US" dirty="0"/>
+                      <a:endParaRPr lang="en-US" dirty="0" smtClean="0"/>
                     </a:p>
                   </a:txBody>
                   <a:tcPr/>
@@ -8466,6 +8608,36 @@
           </a:graphicData>
         </a:graphic>
       </p:graphicFrame>
+      <p:sp>
+        <p:nvSpPr>
+          <p:cNvPr id="6" name="TextBox 5"/>
+          <p:cNvSpPr txBox="1"/>
+          <p:nvPr/>
+        </p:nvSpPr>
+        <p:spPr>
+          <a:xfrm>
+            <a:off x="838200" y="5346718"/>
+            <a:ext cx="7421380" cy="369332"/>
+          </a:xfrm>
+          <a:prstGeom prst="rect">
+            <a:avLst/>
+          </a:prstGeom>
+          <a:noFill/>
+        </p:spPr>
+        <p:txBody>
+          <a:bodyPr wrap="square" rtlCol="0">
+            <a:spAutoFit/>
+          </a:bodyPr>
+          <a:lstStyle/>
+          <a:p>
+            <a:r>
+              <a:rPr lang="en-US" dirty="0" smtClean="0"/>
+              <a:t>Other types or dimensions of tests to consider: Performance, Integration, etc. </a:t>
+            </a:r>
+            <a:endParaRPr lang="en-US" dirty="0"/>
+          </a:p>
+        </p:txBody>
+      </p:sp>
     </p:spTree>
     <p:extLst>
       <p:ext uri="{BB962C8B-B14F-4D97-AF65-F5344CB8AC3E}">

--- a/Test Pyramid Presentation.pptx
+++ b/Test Pyramid Presentation.pptx
@@ -21,8 +21,8 @@
     <p:sldId id="273" r:id="rId12"/>
     <p:sldId id="274" r:id="rId13"/>
     <p:sldId id="268" r:id="rId14"/>
-    <p:sldId id="275" r:id="rId15"/>
-    <p:sldId id="261" r:id="rId16"/>
+    <p:sldId id="261" r:id="rId15"/>
+    <p:sldId id="275" r:id="rId16"/>
   </p:sldIdLst>
   <p:sldSz cx="12192000" cy="6858000"/>
   <p:notesSz cx="6858000" cy="9144000"/>
@@ -211,7 +211,7 @@
           <a:p>
             <a:fld id="{51E71193-F4DE-7347-96CF-6A9725F5B501}" type="datetimeFigureOut">
               <a:rPr lang="en-US" smtClean="0"/>
-              <a:t>8/4/17</a:t>
+              <a:t>8/7/17</a:t>
             </a:fld>
             <a:endParaRPr lang="en-US"/>
           </a:p>
@@ -529,8 +529,25 @@
             </a:pPr>
             <a:r>
               <a:rPr lang="en-US" sz="1200" baseline="0" dirty="0" smtClean="0"/>
-              <a:t>Personal intro</a:t>
-            </a:r>
+              <a:t>Develop software at hospital </a:t>
+            </a:r>
+            <a:r>
+              <a:rPr lang="en-US" sz="1200" baseline="0" dirty="0" smtClean="0"/>
+              <a:t>- testing is </a:t>
+            </a:r>
+            <a:r>
+              <a:rPr lang="en-US" sz="1200" baseline="0" dirty="0" smtClean="0"/>
+              <a:t>important </a:t>
+            </a:r>
+            <a:r>
+              <a:rPr lang="mr-IN" sz="1200" baseline="0" dirty="0" smtClean="0"/>
+              <a:t>–</a:t>
+            </a:r>
+            <a:r>
+              <a:rPr lang="en-US" sz="1200" baseline="0" dirty="0" smtClean="0"/>
+              <a:t> critical systems.</a:t>
+            </a:r>
+            <a:endParaRPr lang="en-US" sz="1200" baseline="0" dirty="0" smtClean="0"/>
           </a:p>
           <a:p>
             <a:pPr marL="171450" indent="-171450">
@@ -538,8 +555,20 @@
               <a:buChar char="-"/>
             </a:pPr>
             <a:r>
+              <a:rPr lang="en-US" sz="1200" baseline="0" dirty="0" err="1" smtClean="0"/>
+              <a:t>Allistair</a:t>
+            </a:r>
+            <a:r>
               <a:rPr lang="en-US" sz="1200" baseline="0" dirty="0" smtClean="0"/>
-              <a:t>Hospital - testing is important</a:t>
+              <a:t> Cockburn, 1999, Cockburn scale </a:t>
+            </a:r>
+            <a:r>
+              <a:rPr lang="mr-IN" sz="1200" baseline="0" dirty="0" smtClean="0"/>
+              <a:t>–</a:t>
+            </a:r>
+            <a:r>
+              <a:rPr lang="en-US" sz="1200" baseline="0" dirty="0" smtClean="0"/>
+              <a:t> criticality and number of people involved.  More critical = more publically visible correctness.</a:t>
             </a:r>
           </a:p>
           <a:p>
@@ -548,12 +577,12 @@
               <a:buChar char="-"/>
             </a:pPr>
             <a:r>
-              <a:rPr lang="en-US" sz="1200" baseline="0" dirty="0" err="1" smtClean="0"/>
-              <a:t>Allistair</a:t>
-            </a:r>
-            <a:r>
               <a:rPr lang="en-US" sz="1200" baseline="0" dirty="0" smtClean="0"/>
-              <a:t> Cockburn, 1999, Cockburn scale </a:t>
+              <a:t>2009 Succeeding </a:t>
+            </a:r>
+            <a:r>
+              <a:rPr lang="en-US" sz="1200" baseline="0" dirty="0" smtClean="0"/>
+              <a:t>with Agile, Mike Cohn’s Test Pyramid </a:t>
             </a:r>
             <a:r>
               <a:rPr lang="mr-IN" sz="1200" baseline="0" dirty="0" smtClean="0"/>
@@ -561,8 +590,13 @@
             </a:r>
             <a:r>
               <a:rPr lang="en-US" sz="1200" baseline="0" dirty="0" smtClean="0"/>
-              <a:t> criticality and number of people involved.  More critical = more publically visible correctness.</a:t>
-            </a:r>
+              <a:t> </a:t>
+            </a:r>
+            <a:r>
+              <a:rPr lang="en-US" sz="1200" baseline="0" dirty="0" smtClean="0"/>
+              <a:t>helpful concept for us.  </a:t>
+            </a:r>
+            <a:endParaRPr lang="en-US" sz="1200" baseline="0" dirty="0" smtClean="0"/>
           </a:p>
           <a:p>
             <a:pPr marL="171450" indent="-171450">
@@ -571,7 +605,15 @@
             </a:pPr>
             <a:r>
               <a:rPr lang="en-US" sz="1200" baseline="0" dirty="0" smtClean="0"/>
-              <a:t>True for us, layers of tests with many being visible to all team members or stakeholders are important.</a:t>
+              <a:t>We’ll look </a:t>
+            </a:r>
+            <a:r>
+              <a:rPr lang="en-US" sz="1200" baseline="0" dirty="0" smtClean="0"/>
+              <a:t>at implementation for an application</a:t>
+            </a:r>
+            <a:r>
+              <a:rPr lang="en-US" sz="1200" baseline="0" dirty="0" smtClean="0"/>
+              <a:t>, discuss how achieved.</a:t>
             </a:r>
           </a:p>
           <a:p>
@@ -581,33 +623,15 @@
             </a:pPr>
             <a:r>
               <a:rPr lang="en-US" sz="1200" baseline="0" dirty="0" smtClean="0"/>
-              <a:t>2009 </a:t>
+              <a:t>All source and tests available on </a:t>
             </a:r>
             <a:r>
               <a:rPr lang="en-US" sz="1200" baseline="0" dirty="0" err="1" smtClean="0"/>
-              <a:t>Succeding</a:t>
+              <a:t>Github</a:t>
             </a:r>
             <a:r>
               <a:rPr lang="en-US" sz="1200" baseline="0" dirty="0" smtClean="0"/>
-              <a:t> with Agile, Mike Cohn’s Test Pyramid </a:t>
-            </a:r>
-            <a:r>
-              <a:rPr lang="mr-IN" sz="1200" baseline="0" dirty="0" smtClean="0"/>
-              <a:t>–</a:t>
-            </a:r>
-            <a:r>
-              <a:rPr lang="en-US" sz="1200" baseline="0" dirty="0" smtClean="0"/>
-              <a:t> how many familiar.  </a:t>
-            </a:r>
-          </a:p>
-          <a:p>
-            <a:pPr marL="171450" indent="-171450">
-              <a:buFontTx/>
-              <a:buChar char="-"/>
-            </a:pPr>
-            <a:r>
-              <a:rPr lang="en-US" sz="1200" baseline="0" dirty="0" smtClean="0"/>
-              <a:t>Not just talk about, look at implementation for an application, how to achieve.</a:t>
+              <a:t>.</a:t>
             </a:r>
             <a:endParaRPr lang="en-US" sz="1200" dirty="0"/>
           </a:p>
@@ -926,15 +950,7 @@
             </a:r>
             <a:r>
               <a:rPr lang="en-US" baseline="0" dirty="0" smtClean="0"/>
-              <a:t> test covers wide range of cases which will both pass and fail the validation rule.  </a:t>
-            </a:r>
-            <a:r>
-              <a:rPr lang="en-US" baseline="0" smtClean="0"/>
-              <a:t>It relies on both opiate </a:t>
-            </a:r>
-            <a:r>
-              <a:rPr lang="en-US" baseline="0" dirty="0" smtClean="0"/>
-              <a:t>identification and duration parsing logic.</a:t>
+              <a:t> test covers wide range of cases which will both pass and fail the validation rule.  It relies on both opiate identification and duration parsing logic.</a:t>
             </a:r>
           </a:p>
           <a:p>
@@ -1486,7 +1502,7 @@
           <a:p>
             <a:fld id="{C0CB0DF1-2E1C-3F45-9F83-336FA6343465}" type="slidenum">
               <a:rPr lang="en-US" smtClean="0"/>
-              <a:t>15</a:t>
+              <a:t>14</a:t>
             </a:fld>
             <a:endParaRPr lang="en-US"/>
           </a:p>
@@ -1554,12 +1570,12 @@
               <a:buChar char="-"/>
             </a:pPr>
             <a:r>
-              <a:rPr lang="en-US" dirty="0" smtClean="0"/>
-              <a:t>Strategy of automated test</a:t>
-            </a:r>
-            <a:r>
               <a:rPr lang="en-US" baseline="0" dirty="0" smtClean="0"/>
-              <a:t> distribution by purpose and type </a:t>
+              <a:t>Follow </a:t>
+            </a:r>
+            <a:r>
+              <a:rPr lang="en-US" baseline="0" dirty="0" smtClean="0"/>
+              <a:t>up article by Cohn </a:t>
             </a:r>
             <a:r>
               <a:rPr lang="mr-IN" baseline="0" dirty="0" smtClean="0"/>
@@ -1567,8 +1583,21 @@
             </a:r>
             <a:r>
               <a:rPr lang="en-US" baseline="0" dirty="0" smtClean="0"/>
-              <a:t> Succeeding with Agile, 2009</a:t>
-            </a:r>
+              <a:t> Forgotten Layer of the Test Automation Pyramid regarding service </a:t>
+            </a:r>
+            <a:r>
+              <a:rPr lang="en-US" baseline="0" dirty="0" smtClean="0"/>
+              <a:t>layer </a:t>
+            </a:r>
+            <a:r>
+              <a:rPr lang="mr-IN" baseline="0" dirty="0" smtClean="0"/>
+              <a:t>–</a:t>
+            </a:r>
+            <a:r>
+              <a:rPr lang="en-US" baseline="0" dirty="0" smtClean="0"/>
+              <a:t> not really referring to SOA.</a:t>
+            </a:r>
+            <a:endParaRPr lang="en-US" baseline="0" dirty="0" smtClean="0"/>
           </a:p>
           <a:p>
             <a:pPr marL="171450" indent="-171450">
@@ -1576,8 +1605,20 @@
               <a:buChar char="-"/>
             </a:pPr>
             <a:r>
+              <a:rPr lang="en-US" dirty="0" smtClean="0"/>
+              <a:t>Google</a:t>
+            </a:r>
+            <a:r>
               <a:rPr lang="en-US" baseline="0" dirty="0" smtClean="0"/>
-              <a:t>Describe levels.</a:t>
+              <a:t> has similar concept for testing </a:t>
+            </a:r>
+            <a:r>
+              <a:rPr lang="mr-IN" baseline="0" dirty="0" smtClean="0"/>
+              <a:t>–</a:t>
+            </a:r>
+            <a:r>
+              <a:rPr lang="en-US" baseline="0" dirty="0" smtClean="0"/>
+              <a:t> Small, Medium, Large (Unit, Integration, System).</a:t>
             </a:r>
           </a:p>
           <a:p>
@@ -1587,7 +1628,7 @@
             </a:pPr>
             <a:r>
               <a:rPr lang="en-US" baseline="0" dirty="0" smtClean="0"/>
-              <a:t>Follow up article by Cohn </a:t>
+              <a:t>This is just one perspective and vocabulary from which to view tests </a:t>
             </a:r>
             <a:r>
               <a:rPr lang="mr-IN" baseline="0" dirty="0" smtClean="0"/>
@@ -1595,47 +1636,11 @@
             </a:r>
             <a:r>
               <a:rPr lang="en-US" baseline="0" dirty="0" smtClean="0"/>
-              <a:t> Forgotten Layer of the Test Automation Pyramid regarding service layer</a:t>
-            </a:r>
-          </a:p>
-          <a:p>
-            <a:pPr marL="171450" indent="-171450">
-              <a:buFontTx/>
-              <a:buChar char="-"/>
-            </a:pPr>
-            <a:r>
-              <a:rPr lang="en-US" dirty="0" smtClean="0"/>
-              <a:t>Google</a:t>
+              <a:t> there are others (Crispin, Business Facing, Technology </a:t>
             </a:r>
             <a:r>
               <a:rPr lang="en-US" baseline="0" dirty="0" smtClean="0"/>
-              <a:t> has similar concept for testing </a:t>
-            </a:r>
-            <a:r>
-              <a:rPr lang="mr-IN" baseline="0" dirty="0" smtClean="0"/>
-              <a:t>–</a:t>
-            </a:r>
-            <a:r>
-              <a:rPr lang="en-US" baseline="0" dirty="0" smtClean="0"/>
-              <a:t> Small, Medium, Large (Unit, Integration, System).</a:t>
-            </a:r>
-          </a:p>
-          <a:p>
-            <a:pPr marL="171450" indent="-171450">
-              <a:buFontTx/>
-              <a:buChar char="-"/>
-            </a:pPr>
-            <a:r>
-              <a:rPr lang="en-US" baseline="0" dirty="0" smtClean="0"/>
-              <a:t>This is just one perspective and vocabulary from which to view tests </a:t>
-            </a:r>
-            <a:r>
-              <a:rPr lang="mr-IN" baseline="0" dirty="0" smtClean="0"/>
-              <a:t>–</a:t>
-            </a:r>
-            <a:r>
-              <a:rPr lang="en-US" baseline="0" dirty="0" smtClean="0"/>
-              <a:t> there are others (Crispin, Business Facing, Technology Facing </a:t>
+              <a:t>Facing, Performance testing, usability testing, </a:t>
             </a:r>
             <a:r>
               <a:rPr lang="en-US" baseline="0" dirty="0" err="1" smtClean="0"/>
@@ -1643,7 +1648,7 @@
             </a:r>
             <a:r>
               <a:rPr lang="en-US" baseline="0" dirty="0" smtClean="0"/>
-              <a:t>).</a:t>
+              <a:t>).  Primarily Cohn was discussing tests that verify application functionality.</a:t>
             </a:r>
             <a:endParaRPr lang="en-US" dirty="0"/>
           </a:p>
@@ -1731,27 +1736,11 @@
           <a:p>
             <a:r>
               <a:rPr lang="en-US" dirty="0" smtClean="0"/>
-              <a:t>Service level</a:t>
+              <a:t>Graphic and discussion from Fowler</a:t>
             </a:r>
             <a:r>
               <a:rPr lang="en-US" baseline="0" dirty="0" smtClean="0"/>
-              <a:t> tests can be done with tools that make those tests publically visible </a:t>
-            </a:r>
-            <a:r>
-              <a:rPr lang="mr-IN" baseline="0" dirty="0" smtClean="0"/>
-              <a:t>–</a:t>
-            </a:r>
-            <a:r>
-              <a:rPr lang="en-US" baseline="0" dirty="0" smtClean="0"/>
-              <a:t> cucumber, </a:t>
-            </a:r>
-            <a:r>
-              <a:rPr lang="en-US" baseline="0" dirty="0" err="1" smtClean="0"/>
-              <a:t>fitnesse</a:t>
-            </a:r>
-            <a:r>
-              <a:rPr lang="en-US" baseline="0" dirty="0" smtClean="0"/>
-              <a:t>.</a:t>
+              <a:t> article, see references.</a:t>
             </a:r>
             <a:endParaRPr lang="en-US" dirty="0"/>
           </a:p>
@@ -1854,11 +1843,23 @@
             </a:r>
             <a:r>
               <a:rPr lang="en-US" dirty="0" smtClean="0"/>
-              <a:t>.  What exact</a:t>
+              <a:t>.  What </a:t>
             </a:r>
             <a:r>
               <a:rPr lang="en-US" baseline="0" dirty="0" smtClean="0"/>
-              <a:t> layers, what purpose, what tools, who authors, at what point in the iteration </a:t>
+              <a:t>layers of tests, </a:t>
+            </a:r>
+            <a:r>
+              <a:rPr lang="en-US" baseline="0" dirty="0" smtClean="0"/>
+              <a:t>what </a:t>
+            </a:r>
+            <a:r>
+              <a:rPr lang="en-US" baseline="0" dirty="0" smtClean="0"/>
+              <a:t>purpose for those layers, </a:t>
+            </a:r>
+            <a:r>
+              <a:rPr lang="en-US" baseline="0" dirty="0" smtClean="0"/>
+              <a:t>what tools, who authors, at what point in the iteration </a:t>
             </a:r>
             <a:r>
               <a:rPr lang="mr-IN" baseline="0" dirty="0" smtClean="0"/>
@@ -1869,13 +1870,10 @@
               <a:t> all </a:t>
             </a:r>
             <a:r>
-              <a:rPr lang="en-US" baseline="0" dirty="0" err="1" smtClean="0"/>
-              <a:t>requies</a:t>
-            </a:r>
-            <a:r>
               <a:rPr lang="en-US" baseline="0" dirty="0" smtClean="0"/>
-              <a:t> planning</a:t>
-            </a:r>
+              <a:t>requires planning.</a:t>
+            </a:r>
+            <a:endParaRPr lang="en-US" baseline="0" dirty="0" smtClean="0"/>
           </a:p>
           <a:p>
             <a:pPr marL="171450" indent="-171450">
@@ -1884,8 +1882,13 @@
             </a:pPr>
             <a:r>
               <a:rPr lang="en-US" baseline="0" dirty="0" smtClean="0"/>
-              <a:t>Everyone on team needs to have a common understanding</a:t>
-            </a:r>
+              <a:t>Everyone on team needs to have a common </a:t>
+            </a:r>
+            <a:r>
+              <a:rPr lang="en-US" baseline="0" dirty="0" smtClean="0"/>
+              <a:t>understanding.</a:t>
+            </a:r>
+            <a:endParaRPr lang="en-US" baseline="0" dirty="0" smtClean="0"/>
           </a:p>
           <a:p>
             <a:pPr marL="171450" indent="-171450">
@@ -1902,19 +1905,13 @@
             </a:r>
             <a:r>
               <a:rPr lang="en-US" baseline="0" dirty="0" smtClean="0"/>
-              <a:t> avoid gaps and duplication</a:t>
-            </a:r>
-          </a:p>
-          <a:p>
-            <a:pPr marL="171450" indent="-171450">
-              <a:buFontTx/>
-              <a:buChar char="-"/>
-            </a:pPr>
+              <a:t> avoid gaps and </a:t>
+            </a:r>
             <a:r>
               <a:rPr lang="en-US" baseline="0" dirty="0" smtClean="0"/>
-              <a:t>In addition to demonstrating a pyramid shaped suite of tests, discuss how to overcome some of these challenges as we go.</a:t>
-            </a:r>
-            <a:endParaRPr lang="en-US" dirty="0" smtClean="0"/>
+              <a:t>excessive duplication.</a:t>
+            </a:r>
+            <a:endParaRPr lang="en-US" baseline="0" dirty="0" smtClean="0"/>
           </a:p>
         </p:txBody>
       </p:sp>
@@ -2008,7 +2005,11 @@
             </a:r>
             <a:r>
               <a:rPr lang="en-US" baseline="0" dirty="0" smtClean="0"/>
-              <a:t> at code and test for sample application, how they fit into our intentional testing layers.</a:t>
+              <a:t> at code and test for sample application, how they fit into our intentional testing layers</a:t>
+            </a:r>
+            <a:r>
+              <a:rPr lang="en-US" baseline="0" dirty="0" smtClean="0"/>
+              <a:t>.  Based on real prescribing application.</a:t>
             </a:r>
             <a:endParaRPr lang="en-US" dirty="0" smtClean="0"/>
           </a:p>
@@ -2028,8 +2029,24 @@
               <a:buChar char="•"/>
             </a:pPr>
             <a:r>
+              <a:rPr lang="en-US" baseline="0" dirty="0" err="1" smtClean="0"/>
+              <a:t>Javascript</a:t>
+            </a:r>
+            <a:r>
               <a:rPr lang="en-US" baseline="0" dirty="0" smtClean="0"/>
-              <a:t>Web app with a back-end service layer</a:t>
+              <a:t> / static web </a:t>
+            </a:r>
+            <a:r>
+              <a:rPr lang="en-US" baseline="0" dirty="0" smtClean="0"/>
+              <a:t>app with a </a:t>
+            </a:r>
+            <a:r>
+              <a:rPr lang="en-US" baseline="0" dirty="0" smtClean="0"/>
+              <a:t>java back-end </a:t>
+            </a:r>
+            <a:r>
+              <a:rPr lang="en-US" baseline="0" dirty="0" smtClean="0"/>
+              <a:t>service layer</a:t>
             </a:r>
           </a:p>
         </p:txBody>
@@ -2116,44 +2133,81 @@
           <a:p>
             <a:r>
               <a:rPr lang="en-US" dirty="0" smtClean="0"/>
-              <a:t>- Roughly how tests were </a:t>
-            </a:r>
-            <a:r>
-              <a:rPr lang="en-US" dirty="0" err="1" smtClean="0"/>
-              <a:t>implented</a:t>
-            </a:r>
-            <a:r>
-              <a:rPr lang="en-US" baseline="0" dirty="0" smtClean="0"/>
-              <a:t> in the real application sample is based on</a:t>
-            </a:r>
-            <a:endParaRPr lang="en-US" dirty="0" smtClean="0"/>
-          </a:p>
-          <a:p>
+              <a:t>- Roughly how </a:t>
+            </a:r>
             <a:r>
               <a:rPr lang="en-US" dirty="0" smtClean="0"/>
-              <a:t>(Customers</a:t>
+              <a:t>functionality</a:t>
             </a:r>
             <a:r>
               <a:rPr lang="en-US" baseline="0" dirty="0" smtClean="0"/>
               <a:t> </a:t>
             </a:r>
             <a:r>
+              <a:rPr lang="en-US" dirty="0" smtClean="0"/>
+              <a:t>tests </a:t>
+            </a:r>
+            <a:r>
+              <a:rPr lang="en-US" dirty="0" smtClean="0"/>
+              <a:t>were </a:t>
+            </a:r>
+            <a:r>
+              <a:rPr lang="en-US" dirty="0" smtClean="0"/>
+              <a:t>implemented</a:t>
+            </a:r>
+            <a:r>
+              <a:rPr lang="en-US" baseline="0" dirty="0" smtClean="0"/>
+              <a:t> in </a:t>
+            </a:r>
+            <a:r>
+              <a:rPr lang="en-US" baseline="0" dirty="0" smtClean="0"/>
+              <a:t>the real </a:t>
+            </a:r>
+            <a:r>
+              <a:rPr lang="en-US" baseline="0" dirty="0" smtClean="0"/>
+              <a:t>application.</a:t>
+            </a:r>
+          </a:p>
+          <a:p>
+            <a:pPr marL="171450" indent="-171450">
+              <a:buFontTx/>
+              <a:buChar char="-"/>
+            </a:pPr>
+            <a:r>
+              <a:rPr lang="en-US" baseline="0" dirty="0" err="1" smtClean="0"/>
+              <a:t>Fitnesse</a:t>
+            </a:r>
+            <a:r>
+              <a:rPr lang="en-US" baseline="0" dirty="0" smtClean="0"/>
+              <a:t> </a:t>
+            </a:r>
+            <a:r>
+              <a:rPr lang="en-US" baseline="0" dirty="0" smtClean="0"/>
+              <a:t>chosen to provide high </a:t>
+            </a:r>
+            <a:r>
+              <a:rPr lang="en-US" baseline="0" dirty="0" smtClean="0"/>
+              <a:t>visibility (more critical </a:t>
+            </a:r>
+            <a:r>
               <a:rPr lang="mr-IN" baseline="0" dirty="0" smtClean="0"/>
               <a:t>–</a:t>
             </a:r>
             <a:r>
               <a:rPr lang="en-US" baseline="0" dirty="0" smtClean="0"/>
-              <a:t> anyone not writing production code, includes QA, BA, customers.)</a:t>
-            </a:r>
-          </a:p>
-          <a:p>
+              <a:t> more publically </a:t>
+            </a:r>
             <a:r>
               <a:rPr lang="en-US" baseline="0" dirty="0" err="1" smtClean="0"/>
-              <a:t>Fitnesse</a:t>
+              <a:t>verifable</a:t>
             </a:r>
             <a:r>
               <a:rPr lang="en-US" baseline="0" dirty="0" smtClean="0"/>
-              <a:t> chosen to provide high visibility of business logic tests to customers, and to drive feature development </a:t>
+              <a:t>) </a:t>
+            </a:r>
+            <a:r>
+              <a:rPr lang="en-US" baseline="0" dirty="0" smtClean="0"/>
+              <a:t>of business logic tests to customers, and to drive feature development </a:t>
             </a:r>
             <a:r>
               <a:rPr lang="mr-IN" baseline="0" dirty="0" smtClean="0"/>
@@ -2161,14 +2215,23 @@
             </a:r>
             <a:r>
               <a:rPr lang="en-US" baseline="0" dirty="0" smtClean="0"/>
-              <a:t> tended to be written ahead of assigning feature to developers.</a:t>
-            </a:r>
-          </a:p>
-          <a:p>
+              <a:t> tended to be written ahead of assigning feature to developers</a:t>
+            </a:r>
             <a:r>
               <a:rPr lang="en-US" baseline="0" dirty="0" smtClean="0"/>
-              <a:t>- Discussing and creating a grid of your test strategy in and of itself is useful.</a:t>
-            </a:r>
+              <a:t>.</a:t>
+            </a:r>
+          </a:p>
+          <a:p>
+            <a:pPr marL="171450" indent="-171450">
+              <a:buFontTx/>
+              <a:buChar char="-"/>
+            </a:pPr>
+            <a:r>
+              <a:rPr lang="en-US" baseline="0" dirty="0" smtClean="0"/>
+              <a:t>Would discuss with each feature how tests for that feature would fall into these groupings.</a:t>
+            </a:r>
+            <a:endParaRPr lang="en-US" baseline="0" dirty="0" smtClean="0"/>
           </a:p>
         </p:txBody>
       </p:sp>
@@ -2274,30 +2337,13 @@
             </a:r>
           </a:p>
           <a:p>
-            <a:pPr marL="171450" indent="-171450">
-              <a:buFontTx/>
-              <a:buChar char="-"/>
-            </a:pPr>
             <a:r>
               <a:rPr lang="en-US" baseline="0" dirty="0" smtClean="0"/>
-              <a:t>Switch to browser and demo</a:t>
-            </a:r>
-            <a:endParaRPr lang="en-US" dirty="0" smtClean="0"/>
-          </a:p>
-          <a:p>
-            <a:r>
-              <a:rPr lang="en-US" dirty="0" smtClean="0"/>
-              <a:t>- Simple feature to state, but there</a:t>
+              <a:t>- </a:t>
             </a:r>
             <a:r>
               <a:rPr lang="en-US" baseline="0" dirty="0" smtClean="0"/>
-              <a:t> are a number of aspects to implement.</a:t>
-            </a:r>
-          </a:p>
-          <a:p>
-            <a:r>
-              <a:rPr lang="en-US" baseline="0" dirty="0" smtClean="0"/>
-              <a:t>- What are parts we need to implement?</a:t>
+              <a:t>What are parts we need to implement?</a:t>
             </a:r>
           </a:p>
           <a:p>
@@ -2460,14 +2506,16 @@
               <a:rPr lang="en-US" baseline="0" dirty="0" smtClean="0"/>
               <a:t>.</a:t>
             </a:r>
-          </a:p>
-          <a:p>
             <a:endParaRPr lang="en-US" baseline="0" dirty="0" smtClean="0"/>
           </a:p>
           <a:p>
             <a:r>
               <a:rPr lang="en-US" baseline="0" dirty="0" smtClean="0"/>
-              <a:t>Intentional distribution of tests for the feature.</a:t>
+              <a:t>Intentional, pre-planned distribution </a:t>
+            </a:r>
+            <a:r>
+              <a:rPr lang="en-US" baseline="0" dirty="0" smtClean="0"/>
+              <a:t>of tests for the feature.</a:t>
             </a:r>
           </a:p>
           <a:p>
@@ -4837,7 +4885,12 @@
             <p:ph type="ctrTitle"/>
           </p:nvPr>
         </p:nvSpPr>
-        <p:spPr/>
+        <p:spPr>
+          <a:xfrm>
+            <a:off x="1523999" y="162992"/>
+            <a:ext cx="9144000" cy="2387600"/>
+          </a:xfrm>
+        </p:spPr>
         <p:txBody>
           <a:bodyPr>
             <a:normAutofit fontScale="90000"/>
@@ -4871,43 +4924,43 @@
         </p:nvSpPr>
         <p:spPr>
           <a:xfrm>
-            <a:off x="3657599" y="3657600"/>
-            <a:ext cx="4876801" cy="1392702"/>
+            <a:off x="2941299" y="3177914"/>
+            <a:ext cx="6610664" cy="1392702"/>
           </a:xfrm>
         </p:spPr>
         <p:txBody>
           <a:bodyPr>
-            <a:normAutofit fontScale="47500" lnSpcReduction="20000"/>
+            <a:noAutofit/>
           </a:bodyPr>
           <a:lstStyle/>
           <a:p>
             <a:r>
-              <a:rPr lang="en-US" sz="5100" dirty="0" smtClean="0"/>
+              <a:rPr lang="en-US" sz="2800" dirty="0" smtClean="0"/>
               <a:t>Jim Weaver</a:t>
             </a:r>
           </a:p>
           <a:p>
             <a:r>
-              <a:rPr lang="en-US" sz="5100" dirty="0" smtClean="0"/>
+              <a:rPr lang="en-US" sz="2800" dirty="0" smtClean="0"/>
               <a:t>Vanderbilt University Medical Center</a:t>
             </a:r>
           </a:p>
           <a:p>
             <a:r>
-              <a:rPr lang="en-US" sz="5100" dirty="0" smtClean="0"/>
+              <a:rPr lang="en-US" sz="2800" dirty="0" smtClean="0"/>
               <a:t>(</a:t>
             </a:r>
             <a:r>
-              <a:rPr lang="en-US" sz="5100" dirty="0" err="1" smtClean="0"/>
+              <a:rPr lang="en-US" sz="2800" dirty="0" err="1" smtClean="0"/>
               <a:t>weaver.je@gmail.com</a:t>
             </a:r>
             <a:r>
-              <a:rPr lang="en-US" sz="5100" dirty="0" smtClean="0"/>
+              <a:rPr lang="en-US" sz="2800" dirty="0" smtClean="0"/>
               <a:t>)</a:t>
             </a:r>
           </a:p>
           <a:p>
-            <a:endParaRPr lang="en-US" dirty="0"/>
+            <a:endParaRPr lang="en-US" sz="2800" dirty="0"/>
           </a:p>
         </p:txBody>
       </p:sp>
@@ -4921,7 +4974,7 @@
         </p:nvSpPr>
         <p:spPr>
           <a:xfrm>
-            <a:off x="2928424" y="5197939"/>
+            <a:off x="2928424" y="5197938"/>
             <a:ext cx="6623539" cy="1153551"/>
           </a:xfrm>
           <a:prstGeom prst="rect">
@@ -4930,7 +4983,7 @@
         </p:spPr>
         <p:txBody>
           <a:bodyPr vert="horz" lIns="91440" tIns="45720" rIns="91440" bIns="45720" rtlCol="0">
-            <a:normAutofit fontScale="92500" lnSpcReduction="10000"/>
+            <a:normAutofit fontScale="92500" lnSpcReduction="20000"/>
           </a:bodyPr>
           <a:lstStyle>
             <a:lvl1pPr marL="0" indent="0" algn="ctr" defTabSz="914400" rtl="0" eaLnBrk="1" latinLnBrk="0" hangingPunct="1">
@@ -5099,7 +5152,15 @@
           <a:p>
             <a:r>
               <a:rPr lang="en-US" dirty="0" smtClean="0"/>
-              <a:t>Source Code and Tests</a:t>
+              <a:t>Source Code </a:t>
+            </a:r>
+            <a:r>
+              <a:rPr lang="en-US" sz="2600" dirty="0" smtClean="0"/>
+              <a:t>and</a:t>
+            </a:r>
+            <a:r>
+              <a:rPr lang="en-US" dirty="0" smtClean="0"/>
+              <a:t> Tests</a:t>
             </a:r>
           </a:p>
           <a:p>
@@ -5204,14 +5265,14 @@
             <p:ph idx="1"/>
             <p:extLst>
               <p:ext uri="{D42A27DB-BD31-4B8C-83A1-F6EECF244321}">
-                <p14:modId xmlns:p14="http://schemas.microsoft.com/office/powerpoint/2010/main" val="1510658900"/>
+                <p14:modId xmlns:p14="http://schemas.microsoft.com/office/powerpoint/2010/main" val="2036805408"/>
               </p:ext>
             </p:extLst>
           </p:nvPr>
         </p:nvGraphicFramePr>
         <p:xfrm>
           <a:off x="838200" y="1481960"/>
-          <a:ext cx="10515600" cy="1010920"/>
+          <a:ext cx="10515600" cy="998193"/>
         </p:xfrm>
         <a:graphic>
           <a:graphicData uri="http://schemas.openxmlformats.org/drawingml/2006/table">
@@ -5296,21 +5357,21 @@
                   <a:tcPr/>
                 </a:tc>
               </a:tr>
-              <a:tr h="370840">
+              <a:tr h="627353">
                 <a:tc>
                   <a:txBody>
                     <a:bodyPr/>
                     <a:lstStyle/>
                     <a:p>
                       <a:r>
-                        <a:rPr lang="en-US" dirty="0" smtClean="0"/>
+                        <a:rPr lang="en-US" sz="2400" dirty="0" smtClean="0"/>
                         <a:t>Calculate</a:t>
                       </a:r>
                       <a:r>
-                        <a:rPr lang="en-US" baseline="0" dirty="0" smtClean="0"/>
-                        <a:t> number of days for duration</a:t>
+                        <a:rPr lang="en-US" sz="2400" baseline="0" dirty="0" smtClean="0"/>
+                        <a:t> duration</a:t>
                       </a:r>
-                      <a:endParaRPr lang="en-US" dirty="0"/>
+                      <a:endParaRPr lang="en-US" sz="2400" dirty="0"/>
                     </a:p>
                   </a:txBody>
                   <a:tcPr/>
@@ -5672,14 +5733,14 @@
             <p:ph idx="1"/>
             <p:extLst>
               <p:ext uri="{D42A27DB-BD31-4B8C-83A1-F6EECF244321}">
-                <p14:modId xmlns:p14="http://schemas.microsoft.com/office/powerpoint/2010/main" val="314275513"/>
+                <p14:modId xmlns:p14="http://schemas.microsoft.com/office/powerpoint/2010/main" val="1699159076"/>
               </p:ext>
             </p:extLst>
           </p:nvPr>
         </p:nvGraphicFramePr>
         <p:xfrm>
           <a:off x="838200" y="1481960"/>
-          <a:ext cx="10515600" cy="1285240"/>
+          <a:ext cx="10515600" cy="1559560"/>
         </p:xfrm>
         <a:graphic>
           <a:graphicData uri="http://schemas.openxmlformats.org/drawingml/2006/table">
@@ -5767,14 +5828,10 @@
                     <a:lstStyle/>
                     <a:p>
                       <a:r>
-                        <a:rPr lang="en-US" dirty="0" smtClean="0"/>
-                        <a:t>Rule applied to prescription</a:t>
+                        <a:rPr lang="en-US" sz="2400" dirty="0" smtClean="0"/>
+                        <a:t>Apply rule to prescription and return response</a:t>
                       </a:r>
-                      <a:r>
-                        <a:rPr lang="en-US" baseline="0" dirty="0" smtClean="0"/>
-                        <a:t> and appropriate response built</a:t>
-                      </a:r>
-                      <a:endParaRPr lang="en-US" dirty="0"/>
+                      <a:endParaRPr lang="en-US" sz="2400" dirty="0"/>
                     </a:p>
                   </a:txBody>
                   <a:tcPr/>
@@ -5822,7 +5879,7 @@
         </p:nvCxnSpPr>
         <p:spPr>
           <a:xfrm flipH="1">
-            <a:off x="4709983" y="2644908"/>
+            <a:off x="4153100" y="2772918"/>
             <a:ext cx="254483" cy="352486"/>
           </a:xfrm>
           <a:prstGeom prst="straightConnector1">
@@ -5855,7 +5912,7 @@
         </p:nvCxnSpPr>
         <p:spPr>
           <a:xfrm>
-            <a:off x="8451563" y="2247349"/>
+            <a:off x="9215407" y="2581534"/>
             <a:ext cx="433533" cy="627753"/>
           </a:xfrm>
           <a:prstGeom prst="straightConnector1">
@@ -6030,7 +6087,7 @@
         </p:blipFill>
         <p:spPr>
           <a:xfrm>
-            <a:off x="5097975" y="2934967"/>
+            <a:off x="5119746" y="3209287"/>
             <a:ext cx="6407918" cy="2649567"/>
           </a:xfrm>
           <a:prstGeom prst="rect">
@@ -6060,7 +6117,7 @@
         </p:blipFill>
         <p:spPr>
           <a:xfrm>
-            <a:off x="838200" y="2934967"/>
+            <a:off x="838200" y="3209287"/>
             <a:ext cx="3498606" cy="2587464"/>
           </a:xfrm>
           <a:prstGeom prst="rect">
@@ -6138,14 +6195,14 @@
             <p:ph idx="1"/>
             <p:extLst>
               <p:ext uri="{D42A27DB-BD31-4B8C-83A1-F6EECF244321}">
-                <p14:modId xmlns:p14="http://schemas.microsoft.com/office/powerpoint/2010/main" val="1928443149"/>
+                <p14:modId xmlns:p14="http://schemas.microsoft.com/office/powerpoint/2010/main" val="529052526"/>
               </p:ext>
             </p:extLst>
           </p:nvPr>
         </p:nvGraphicFramePr>
         <p:xfrm>
           <a:off x="838200" y="1481960"/>
-          <a:ext cx="10515600" cy="1280160"/>
+          <a:ext cx="10515600" cy="1463040"/>
         </p:xfrm>
         <a:graphic>
           <a:graphicData uri="http://schemas.openxmlformats.org/drawingml/2006/table">
@@ -6237,14 +6294,14 @@
                     <a:lstStyle/>
                     <a:p>
                       <a:r>
-                        <a:rPr lang="en-US" dirty="0" smtClean="0"/>
+                        <a:rPr lang="en-US" sz="2400" dirty="0" smtClean="0"/>
                         <a:t>Inform</a:t>
                       </a:r>
                       <a:r>
-                        <a:rPr lang="en-US" baseline="0" dirty="0" smtClean="0"/>
+                        <a:rPr lang="en-US" sz="2400" baseline="0" dirty="0" smtClean="0"/>
                         <a:t> user in UI if rule violated</a:t>
                       </a:r>
-                      <a:endParaRPr lang="en-US" dirty="0"/>
+                      <a:endParaRPr lang="en-US" sz="2400" dirty="0"/>
                     </a:p>
                   </a:txBody>
                   <a:tcPr/>
@@ -6307,7 +6364,7 @@
         </p:nvCxnSpPr>
         <p:spPr>
           <a:xfrm flipH="1">
-            <a:off x="4796852" y="2644908"/>
+            <a:off x="4395070" y="2727632"/>
             <a:ext cx="167615" cy="290059"/>
           </a:xfrm>
           <a:prstGeom prst="straightConnector1">
@@ -6427,7 +6484,7 @@
         </p:blipFill>
         <p:spPr>
           <a:xfrm>
-            <a:off x="5411358" y="3268553"/>
+            <a:off x="5675735" y="3207501"/>
             <a:ext cx="5942442" cy="2728484"/>
           </a:xfrm>
           <a:prstGeom prst="rect">
@@ -6490,7 +6547,7 @@
         </p:blipFill>
         <p:spPr>
           <a:xfrm>
-            <a:off x="367468" y="3024621"/>
+            <a:off x="838200" y="3102964"/>
             <a:ext cx="4596999" cy="3462752"/>
           </a:xfrm>
           <a:prstGeom prst="rect">
@@ -6619,7 +6676,23 @@
           <a:p>
             <a:r>
               <a:rPr lang="en-US" dirty="0" smtClean="0"/>
-              <a:t>When a bug hits production, don’t just fix it - find the test gap and close it.</a:t>
+              <a:t>When a bug hits production, don’t just fix it - find the test </a:t>
+            </a:r>
+            <a:r>
+              <a:rPr lang="en-US" dirty="0" smtClean="0"/>
+              <a:t>gaps </a:t>
+            </a:r>
+            <a:r>
+              <a:rPr lang="en-US" dirty="0" smtClean="0"/>
+              <a:t>and close </a:t>
+            </a:r>
+            <a:r>
+              <a:rPr lang="en-US" dirty="0" smtClean="0"/>
+              <a:t>them</a:t>
+            </a:r>
+            <a:r>
+              <a:rPr lang="en-US" dirty="0" smtClean="0"/>
+              <a:t>.</a:t>
             </a:r>
             <a:endParaRPr lang="en-US" dirty="0"/>
           </a:p>
@@ -6947,16 +7020,93 @@
           <a:p>
             <a:r>
               <a:rPr lang="en-US" dirty="0" smtClean="0"/>
-              <a:t>Questions?</a:t>
+              <a:t>References</a:t>
             </a:r>
             <a:endParaRPr lang="en-US" dirty="0"/>
+          </a:p>
+        </p:txBody>
+      </p:sp>
+      <p:sp>
+        <p:nvSpPr>
+          <p:cNvPr id="3" name="Content Placeholder 2"/>
+          <p:cNvSpPr>
+            <a:spLocks noGrp="1"/>
+          </p:cNvSpPr>
+          <p:nvPr>
+            <p:ph idx="1"/>
+          </p:nvPr>
+        </p:nvSpPr>
+        <p:spPr/>
+        <p:txBody>
+          <a:bodyPr/>
+          <a:lstStyle/>
+          <a:p>
+            <a:r>
+              <a:rPr lang="en-US" dirty="0" smtClean="0"/>
+              <a:t>Succeeding with Agile: Software Development Using Scrum by Mike Cohn, Addison-Wesley, 2009</a:t>
+            </a:r>
+          </a:p>
+          <a:p>
+            <a:r>
+              <a:rPr lang="en-US" dirty="0" smtClean="0">
+                <a:hlinkClick r:id="rId3"/>
+              </a:rPr>
+              <a:t>The Forgotten Layer of the Test Automation Pyramid</a:t>
+            </a:r>
+            <a:r>
+              <a:rPr lang="en-US" dirty="0"/>
+              <a:t>:</a:t>
+            </a:r>
+            <a:r>
+              <a:rPr lang="en-US" dirty="0" smtClean="0"/>
+              <a:t> Mike Cohn, 2009.</a:t>
+            </a:r>
+          </a:p>
+          <a:p>
+            <a:r>
+              <a:rPr lang="en-US" dirty="0" smtClean="0">
+                <a:hlinkClick r:id="rId4"/>
+              </a:rPr>
+              <a:t>TestPyramid</a:t>
+            </a:r>
+            <a:r>
+              <a:rPr lang="en-US" dirty="0" smtClean="0"/>
+              <a:t>: Martin Fowler, 2012.</a:t>
+            </a:r>
+          </a:p>
+          <a:p>
+            <a:r>
+              <a:rPr lang="en-US" dirty="0" smtClean="0">
+                <a:hlinkClick r:id="rId5"/>
+              </a:rPr>
+              <a:t>Small, Medium, Large</a:t>
+            </a:r>
+            <a:r>
+              <a:rPr lang="en-US" dirty="0" smtClean="0"/>
+              <a:t>: Mike Bland, 2011.</a:t>
+            </a:r>
+          </a:p>
+          <a:p>
+            <a:r>
+              <a:rPr lang="en-US" dirty="0" smtClean="0">
+                <a:hlinkClick r:id="rId6"/>
+              </a:rPr>
+              <a:t>Methodology Per Project</a:t>
+            </a:r>
+            <a:r>
+              <a:rPr lang="en-US" dirty="0" smtClean="0"/>
+              <a:t>:  Alistair Cockburn, 1999.</a:t>
+            </a:r>
+          </a:p>
+          <a:p>
+            <a:endParaRPr lang="en-US" dirty="0" smtClean="0"/>
           </a:p>
         </p:txBody>
       </p:sp>
     </p:spTree>
     <p:extLst>
       <p:ext uri="{BB962C8B-B14F-4D97-AF65-F5344CB8AC3E}">
-        <p14:creationId xmlns:p14="http://schemas.microsoft.com/office/powerpoint/2010/main" val="691845491"/>
+        <p14:creationId xmlns:p14="http://schemas.microsoft.com/office/powerpoint/2010/main" val="1201606013"/>
       </p:ext>
     </p:extLst>
   </p:cSld>
@@ -7007,93 +7157,16 @@
           <a:p>
             <a:r>
               <a:rPr lang="en-US" dirty="0" smtClean="0"/>
-              <a:t>References</a:t>
+              <a:t>Questions?</a:t>
             </a:r>
             <a:endParaRPr lang="en-US" dirty="0"/>
-          </a:p>
-        </p:txBody>
-      </p:sp>
-      <p:sp>
-        <p:nvSpPr>
-          <p:cNvPr id="3" name="Content Placeholder 2"/>
-          <p:cNvSpPr>
-            <a:spLocks noGrp="1"/>
-          </p:cNvSpPr>
-          <p:nvPr>
-            <p:ph idx="1"/>
-          </p:nvPr>
-        </p:nvSpPr>
-        <p:spPr/>
-        <p:txBody>
-          <a:bodyPr/>
-          <a:lstStyle/>
-          <a:p>
-            <a:r>
-              <a:rPr lang="en-US" dirty="0" smtClean="0"/>
-              <a:t>Succeeding with Agile: Software Development Using Scrum by Mike Cohn, Addison-Wesley, 2009</a:t>
-            </a:r>
-          </a:p>
-          <a:p>
-            <a:r>
-              <a:rPr lang="en-US" dirty="0" smtClean="0">
-                <a:hlinkClick r:id="rId3"/>
-              </a:rPr>
-              <a:t>The Forgotten Layer of the Test Automation Pyramid</a:t>
-            </a:r>
-            <a:r>
-              <a:rPr lang="en-US" dirty="0"/>
-              <a:t>:</a:t>
-            </a:r>
-            <a:r>
-              <a:rPr lang="en-US" dirty="0" smtClean="0"/>
-              <a:t> Mike Cohn, 2009.</a:t>
-            </a:r>
-          </a:p>
-          <a:p>
-            <a:r>
-              <a:rPr lang="en-US" dirty="0" smtClean="0">
-                <a:hlinkClick r:id="rId4"/>
-              </a:rPr>
-              <a:t>TestPyramid</a:t>
-            </a:r>
-            <a:r>
-              <a:rPr lang="en-US" dirty="0" smtClean="0"/>
-              <a:t>: Martin Fowler, 2012.</a:t>
-            </a:r>
-          </a:p>
-          <a:p>
-            <a:r>
-              <a:rPr lang="en-US" dirty="0" smtClean="0">
-                <a:hlinkClick r:id="rId5"/>
-              </a:rPr>
-              <a:t>Small, Medium, Large</a:t>
-            </a:r>
-            <a:r>
-              <a:rPr lang="en-US" dirty="0" smtClean="0"/>
-              <a:t>: Mike Bland, 2011.</a:t>
-            </a:r>
-          </a:p>
-          <a:p>
-            <a:r>
-              <a:rPr lang="en-US" dirty="0" smtClean="0">
-                <a:hlinkClick r:id="rId6"/>
-              </a:rPr>
-              <a:t>Methodology Per Project</a:t>
-            </a:r>
-            <a:r>
-              <a:rPr lang="en-US" dirty="0" smtClean="0"/>
-              <a:t>:  Alistair Cockburn, 1999.</a:t>
-            </a:r>
-          </a:p>
-          <a:p>
-            <a:endParaRPr lang="en-US" dirty="0" smtClean="0"/>
           </a:p>
         </p:txBody>
       </p:sp>
     </p:spTree>
     <p:extLst>
       <p:ext uri="{BB962C8B-B14F-4D97-AF65-F5344CB8AC3E}">
-        <p14:creationId xmlns:p14="http://schemas.microsoft.com/office/powerpoint/2010/main" val="1201606013"/>
+        <p14:creationId xmlns:p14="http://schemas.microsoft.com/office/powerpoint/2010/main" val="691845491"/>
       </p:ext>
     </p:extLst>
   </p:cSld>
@@ -7188,7 +7261,7 @@
         <p:spPr>
           <a:xfrm>
             <a:off x="6096000" y="1690686"/>
-            <a:ext cx="4496972" cy="4431983"/>
+            <a:ext cx="4496972" cy="4001095"/>
           </a:xfrm>
           <a:prstGeom prst="rect">
             <a:avLst/>
@@ -7235,7 +7308,15 @@
             </a:pPr>
             <a:r>
               <a:rPr lang="en-US" sz="2800" dirty="0" smtClean="0"/>
-              <a:t>Service testing in the middle </a:t>
+              <a:t>Service </a:t>
+            </a:r>
+            <a:r>
+              <a:rPr lang="en-US" sz="2800" dirty="0" smtClean="0"/>
+              <a:t>tests in </a:t>
+            </a:r>
+            <a:r>
+              <a:rPr lang="en-US" sz="2800" dirty="0" smtClean="0"/>
+              <a:t>the middle </a:t>
             </a:r>
             <a:endParaRPr lang="en-US" sz="2800" dirty="0"/>
           </a:p>
@@ -7971,11 +8052,7 @@
           <a:p>
             <a:r>
               <a:rPr lang="en-US" dirty="0" smtClean="0"/>
-              <a:t>Frequent Communication </a:t>
-            </a:r>
-            <a:r>
-              <a:rPr lang="en-US" dirty="0" smtClean="0"/>
-              <a:t>and Collaboration</a:t>
+              <a:t>Frequent Communication and Collaboration</a:t>
             </a:r>
             <a:endParaRPr lang="en-US" dirty="0"/>
           </a:p>
@@ -8067,11 +8144,7 @@
           <a:p>
             <a:r>
               <a:rPr lang="en-US" sz="4000" dirty="0" smtClean="0"/>
-              <a:t>Sample </a:t>
-            </a:r>
-            <a:r>
-              <a:rPr lang="en-US" sz="4000" dirty="0" smtClean="0"/>
-              <a:t>Application : </a:t>
+              <a:t>Sample Application : </a:t>
             </a:r>
             <a:r>
               <a:rPr lang="en-US" sz="4000" dirty="0" err="1" smtClean="0"/>
@@ -8099,12 +8172,12 @@
         </p:spPr>
         <p:txBody>
           <a:bodyPr>
-            <a:normAutofit fontScale="77500" lnSpcReduction="20000"/>
+            <a:noAutofit/>
           </a:bodyPr>
           <a:lstStyle/>
           <a:p>
             <a:r>
-              <a:rPr lang="en-US" dirty="0" smtClean="0"/>
+              <a:rPr lang="en-US" sz="2400" dirty="0" smtClean="0"/>
               <a:t>Rx Demo:  Web-based Prescribing Application, extracted from real clinical app in production for over a decade.</a:t>
             </a:r>
           </a:p>
@@ -8214,14 +8287,14 @@
             <p:ph idx="1"/>
             <p:extLst>
               <p:ext uri="{D42A27DB-BD31-4B8C-83A1-F6EECF244321}">
-                <p14:modId xmlns:p14="http://schemas.microsoft.com/office/powerpoint/2010/main" val="1037713816"/>
+                <p14:modId xmlns:p14="http://schemas.microsoft.com/office/powerpoint/2010/main" val="796283108"/>
               </p:ext>
             </p:extLst>
           </p:nvPr>
         </p:nvGraphicFramePr>
         <p:xfrm>
           <a:off x="838200" y="1825625"/>
-          <a:ext cx="10359684" cy="3405970"/>
+          <a:ext cx="10359684" cy="3588850"/>
         </p:xfrm>
         <a:graphic>
           <a:graphicData uri="http://schemas.openxmlformats.org/drawingml/2006/table">
@@ -8332,8 +8405,24 @@
                         <a:defRPr/>
                       </a:pPr>
                       <a:r>
-                        <a:rPr lang="en-US" dirty="0" smtClean="0"/>
-                        <a:t>Test UI functionality, Provides some End-End confirmation</a:t>
+                        <a:rPr lang="en-US" sz="2000" dirty="0" smtClean="0"/>
+                        <a:t>Test UI functionality, </a:t>
+                      </a:r>
+                      <a:r>
+                        <a:rPr lang="en-US" sz="2000" dirty="0" smtClean="0"/>
+                        <a:t>provide </a:t>
+                      </a:r>
+                      <a:r>
+                        <a:rPr lang="en-US" sz="2000" dirty="0" smtClean="0"/>
+                        <a:t>some </a:t>
+                      </a:r>
+                      <a:r>
+                        <a:rPr lang="en-US" sz="2000" dirty="0" smtClean="0"/>
+                        <a:t>end-end </a:t>
+                      </a:r>
+                      <a:r>
+                        <a:rPr lang="en-US" sz="2000" dirty="0" smtClean="0"/>
+                        <a:t>confirmation</a:t>
                       </a:r>
                     </a:p>
                   </a:txBody>
@@ -8362,7 +8451,7 @@
                         <a:defRPr/>
                       </a:pPr>
                       <a:r>
-                        <a:rPr lang="en-US" dirty="0" smtClean="0"/>
+                        <a:rPr lang="en-US" sz="2000" dirty="0" smtClean="0"/>
                         <a:t>QA automation</a:t>
                       </a:r>
                     </a:p>
@@ -8395,14 +8484,14 @@
                         <a:defRPr/>
                       </a:pPr>
                       <a:r>
-                        <a:rPr lang="en-US" dirty="0" smtClean="0"/>
+                        <a:rPr lang="en-US" sz="2000" dirty="0" smtClean="0"/>
                         <a:t>Junit and WebDriver </a:t>
                       </a:r>
                       <a:r>
-                        <a:rPr lang="en-US" baseline="0" dirty="0" smtClean="0"/>
+                        <a:rPr lang="en-US" sz="2000" baseline="0" dirty="0" smtClean="0"/>
                         <a:t>to Selenium Server</a:t>
                       </a:r>
-                      <a:endParaRPr lang="en-US" dirty="0" smtClean="0"/>
+                      <a:endParaRPr lang="en-US" sz="2000" dirty="0" smtClean="0"/>
                     </a:p>
                     <a:p>
                       <a:endParaRPr lang="en-US" dirty="0"/>
@@ -8450,9 +8539,18 @@
                         <a:defRPr/>
                       </a:pPr>
                       <a:r>
-                        <a:rPr lang="en-US" dirty="0" smtClean="0"/>
-                        <a:t>Test Business Logic / Outputs to Inputs</a:t>
+                        <a:rPr lang="en-US" sz="2000" dirty="0" smtClean="0"/>
+                        <a:t>Test </a:t>
                       </a:r>
+                      <a:r>
+                        <a:rPr lang="en-US" sz="2000" dirty="0" smtClean="0"/>
+                        <a:t>business logic,</a:t>
+                      </a:r>
+                      <a:r>
+                        <a:rPr lang="en-US" sz="2000" baseline="0" dirty="0" smtClean="0"/>
+                        <a:t> publically verifiable</a:t>
+                      </a:r>
+                      <a:endParaRPr lang="en-US" sz="2000" dirty="0" smtClean="0"/>
                     </a:p>
                   </a:txBody>
                   <a:tcPr/>
@@ -8463,14 +8561,14 @@
                     <a:lstStyle/>
                     <a:p>
                       <a:r>
-                        <a:rPr lang="en-US" dirty="0" smtClean="0"/>
+                        <a:rPr lang="en-US" sz="2000" dirty="0" smtClean="0"/>
                         <a:t>Customers</a:t>
                       </a:r>
                       <a:r>
-                        <a:rPr lang="en-US" baseline="0" dirty="0" smtClean="0"/>
+                        <a:rPr lang="en-US" sz="2000" baseline="0" dirty="0" smtClean="0"/>
                         <a:t> (including QA) and Developers</a:t>
                       </a:r>
-                      <a:endParaRPr lang="en-US" dirty="0"/>
+                      <a:endParaRPr lang="en-US" sz="2000" dirty="0"/>
                     </a:p>
                   </a:txBody>
                   <a:tcPr/>
@@ -8498,10 +8596,10 @@
                         <a:defRPr/>
                       </a:pPr>
                       <a:r>
-                        <a:rPr lang="en-US" dirty="0" err="1" smtClean="0"/>
+                        <a:rPr lang="en-US" sz="2000" dirty="0" err="1" smtClean="0"/>
                         <a:t>Fitnesse</a:t>
                       </a:r>
-                      <a:endParaRPr lang="en-US" dirty="0" smtClean="0"/>
+                      <a:endParaRPr lang="en-US" sz="2000" dirty="0" smtClean="0"/>
                     </a:p>
                     <a:p>
                       <a:endParaRPr lang="en-US" dirty="0"/>
@@ -8549,9 +8647,38 @@
                         <a:defRPr/>
                       </a:pPr>
                       <a:r>
-                        <a:rPr lang="en-US" dirty="0" smtClean="0"/>
-                        <a:t>Test Units of Code, Aid with Design and Code Quality</a:t>
+                        <a:rPr lang="en-US" sz="2000" dirty="0" smtClean="0"/>
+                        <a:t>Test </a:t>
                       </a:r>
+                      <a:r>
+                        <a:rPr lang="en-US" sz="2000" dirty="0" smtClean="0"/>
+                        <a:t>implementation, aid </a:t>
+                      </a:r>
+                      <a:r>
+                        <a:rPr lang="en-US" sz="2000" dirty="0" smtClean="0"/>
+                        <a:t>with </a:t>
+                      </a:r>
+                      <a:r>
+                        <a:rPr lang="en-US" sz="2000" dirty="0" smtClean="0"/>
+                        <a:t>design </a:t>
+                      </a:r>
+                      <a:r>
+                        <a:rPr lang="en-US" sz="2000" dirty="0" smtClean="0"/>
+                        <a:t>and </a:t>
+                      </a:r>
+                      <a:r>
+                        <a:rPr lang="en-US" sz="2000" dirty="0" smtClean="0"/>
+                        <a:t>internal</a:t>
+                      </a:r>
+                      <a:r>
+                        <a:rPr lang="en-US" sz="2000" baseline="0" dirty="0" smtClean="0"/>
+                        <a:t> c</a:t>
+                      </a:r>
+                      <a:r>
+                        <a:rPr lang="en-US" sz="2000" dirty="0" smtClean="0"/>
+                        <a:t>ode quality</a:t>
+                      </a:r>
+                      <a:endParaRPr lang="en-US" sz="2000" dirty="0" smtClean="0"/>
                     </a:p>
                   </a:txBody>
                   <a:tcPr/>
@@ -8562,10 +8689,10 @@
                     <a:lstStyle/>
                     <a:p>
                       <a:r>
-                        <a:rPr lang="en-US" dirty="0" smtClean="0"/>
+                        <a:rPr lang="en-US" sz="2000" dirty="0" smtClean="0"/>
                         <a:t>Developers</a:t>
                       </a:r>
-                      <a:endParaRPr lang="en-US" dirty="0"/>
+                      <a:endParaRPr lang="en-US" sz="2000" dirty="0"/>
                     </a:p>
                   </a:txBody>
                   <a:tcPr/>
@@ -8593,7 +8720,7 @@
                         <a:defRPr/>
                       </a:pPr>
                       <a:r>
-                        <a:rPr lang="en-US" dirty="0" smtClean="0"/>
+                        <a:rPr lang="en-US" sz="2000" dirty="0" smtClean="0"/>
                         <a:t>Junit, Jasmine</a:t>
                       </a:r>
                     </a:p>
@@ -8608,36 +8735,6 @@
           </a:graphicData>
         </a:graphic>
       </p:graphicFrame>
-      <p:sp>
-        <p:nvSpPr>
-          <p:cNvPr id="6" name="TextBox 5"/>
-          <p:cNvSpPr txBox="1"/>
-          <p:nvPr/>
-        </p:nvSpPr>
-        <p:spPr>
-          <a:xfrm>
-            <a:off x="838200" y="5346718"/>
-            <a:ext cx="7421380" cy="369332"/>
-          </a:xfrm>
-          <a:prstGeom prst="rect">
-            <a:avLst/>
-          </a:prstGeom>
-          <a:noFill/>
-        </p:spPr>
-        <p:txBody>
-          <a:bodyPr wrap="square" rtlCol="0">
-            <a:spAutoFit/>
-          </a:bodyPr>
-          <a:lstStyle/>
-          <a:p>
-            <a:r>
-              <a:rPr lang="en-US" dirty="0" smtClean="0"/>
-              <a:t>Other types or dimensions of tests to consider: Performance, Integration, etc. </a:t>
-            </a:r>
-            <a:endParaRPr lang="en-US" dirty="0"/>
-          </a:p>
-        </p:txBody>
-      </p:sp>
     </p:spTree>
     <p:extLst>
       <p:ext uri="{BB962C8B-B14F-4D97-AF65-F5344CB8AC3E}">
@@ -8722,11 +8819,7 @@
           <a:p>
             <a:r>
               <a:rPr lang="en-US" dirty="0" smtClean="0"/>
-              <a:t>When clinician is prescribing Opiates or Benzodiazepines, limit the duration of the prescription to 30 </a:t>
-            </a:r>
-            <a:r>
-              <a:rPr lang="en-US" smtClean="0"/>
-              <a:t>days or under.</a:t>
+              <a:t>When clinician is prescribing Opiates or Benzodiazepines, limit the duration of the prescription to 30 days or under.</a:t>
             </a:r>
             <a:endParaRPr lang="en-US" dirty="0"/>
           </a:p>
@@ -8832,14 +8925,624 @@
             <p:ph idx="1"/>
             <p:extLst>
               <p:ext uri="{D42A27DB-BD31-4B8C-83A1-F6EECF244321}">
-                <p14:modId xmlns:p14="http://schemas.microsoft.com/office/powerpoint/2010/main" val="428282286"/>
+                <p14:modId xmlns:p14="http://schemas.microsoft.com/office/powerpoint/2010/main" val="1557868059"/>
               </p:ext>
             </p:extLst>
           </p:nvPr>
         </p:nvGraphicFramePr>
         <p:xfrm>
           <a:off x="838200" y="1825625"/>
-          <a:ext cx="10515600" cy="3205480"/>
+          <a:ext cx="10515600" cy="3688080"/>
+        </p:xfrm>
+        <a:graphic>
+          <a:graphicData uri="http://schemas.openxmlformats.org/drawingml/2006/table">
+            <a:tbl>
+              <a:tblPr firstRow="1" bandRow="1">
+                <a:tableStyleId>{5C22544A-7EE6-4342-B048-85BDC9FD1C3A}</a:tableStyleId>
+              </a:tblPr>
+              <a:tblGrid>
+                <a:gridCol w="3029465"/>
+                <a:gridCol w="2488165"/>
+                <a:gridCol w="2369070"/>
+                <a:gridCol w="2628900"/>
+              </a:tblGrid>
+              <a:tr h="370840">
+                <a:tc>
+                  <a:txBody>
+                    <a:bodyPr/>
+                    <a:lstStyle/>
+                    <a:p>
+                      <a:pPr algn="ctr"/>
+                      <a:r>
+                        <a:rPr lang="en-US" dirty="0" smtClean="0"/>
+                        <a:t>Feature </a:t>
+                      </a:r>
+                      <a:r>
+                        <a:rPr lang="en-US" sz="2000" dirty="0" smtClean="0"/>
+                        <a:t>Part</a:t>
+                      </a:r>
+                      <a:endParaRPr lang="en-US" sz="2000" dirty="0"/>
+                    </a:p>
+                  </a:txBody>
+                  <a:tcPr/>
+                </a:tc>
+                <a:tc>
+                  <a:txBody>
+                    <a:bodyPr/>
+                    <a:lstStyle/>
+                    <a:p>
+                      <a:r>
+                        <a:rPr lang="en-US" sz="2000" dirty="0" smtClean="0"/>
+                        <a:t>Unit (Junit/Jasmine)</a:t>
+                      </a:r>
+                      <a:endParaRPr lang="en-US" sz="2000" dirty="0"/>
+                    </a:p>
+                  </a:txBody>
+                  <a:tcPr/>
+                </a:tc>
+                <a:tc>
+                  <a:txBody>
+                    <a:bodyPr/>
+                    <a:lstStyle/>
+                    <a:p>
+                      <a:r>
+                        <a:rPr lang="en-US" sz="2000" dirty="0" smtClean="0"/>
+                        <a:t>Service (</a:t>
+                      </a:r>
+                      <a:r>
+                        <a:rPr lang="en-US" sz="2000" dirty="0" err="1" smtClean="0"/>
+                        <a:t>Fitnesse</a:t>
+                      </a:r>
+                      <a:r>
+                        <a:rPr lang="en-US" sz="2000" dirty="0" smtClean="0"/>
+                        <a:t>)</a:t>
+                      </a:r>
+                      <a:endParaRPr lang="en-US" sz="2000" dirty="0"/>
+                    </a:p>
+                  </a:txBody>
+                  <a:tcPr/>
+                </a:tc>
+                <a:tc>
+                  <a:txBody>
+                    <a:bodyPr/>
+                    <a:lstStyle/>
+                    <a:p>
+                      <a:r>
+                        <a:rPr lang="en-US" sz="2000" dirty="0" smtClean="0"/>
+                        <a:t>UI (</a:t>
+                      </a:r>
+                      <a:r>
+                        <a:rPr lang="en-US" sz="2000" baseline="0" dirty="0" smtClean="0"/>
+                        <a:t>Selenium + Junit)</a:t>
+                      </a:r>
+                      <a:endParaRPr lang="en-US" sz="2000" dirty="0"/>
+                    </a:p>
+                  </a:txBody>
+                  <a:tcPr/>
+                </a:tc>
+              </a:tr>
+              <a:tr h="370840">
+                <a:tc>
+                  <a:txBody>
+                    <a:bodyPr/>
+                    <a:lstStyle/>
+                    <a:p>
+                      <a:r>
+                        <a:rPr lang="en-US" sz="2400" dirty="0" smtClean="0"/>
+                        <a:t>Identify if drug being prescribed is </a:t>
+                      </a:r>
+                      <a:r>
+                        <a:rPr lang="en-US" sz="2400" dirty="0" smtClean="0"/>
+                        <a:t>Opiate</a:t>
+                      </a:r>
+                      <a:endParaRPr lang="en-US" sz="2400" dirty="0"/>
+                    </a:p>
+                  </a:txBody>
+                  <a:tcPr/>
+                </a:tc>
+                <a:tc>
+                  <a:txBody>
+                    <a:bodyPr/>
+                    <a:lstStyle/>
+                    <a:p>
+                      <a:endParaRPr lang="en-US" dirty="0"/>
+                    </a:p>
+                  </a:txBody>
+                  <a:tcPr/>
+                </a:tc>
+                <a:tc>
+                  <a:txBody>
+                    <a:bodyPr/>
+                    <a:lstStyle/>
+                    <a:p>
+                      <a:endParaRPr lang="en-US"/>
+                    </a:p>
+                  </a:txBody>
+                  <a:tcPr/>
+                </a:tc>
+                <a:tc>
+                  <a:txBody>
+                    <a:bodyPr/>
+                    <a:lstStyle/>
+                    <a:p>
+                      <a:endParaRPr lang="en-US" dirty="0"/>
+                    </a:p>
+                  </a:txBody>
+                  <a:tcPr/>
+                </a:tc>
+              </a:tr>
+              <a:tr h="370840">
+                <a:tc>
+                  <a:txBody>
+                    <a:bodyPr/>
+                    <a:lstStyle/>
+                    <a:p>
+                      <a:r>
+                        <a:rPr lang="en-US" sz="2400" dirty="0" smtClean="0"/>
+                        <a:t>Calculate</a:t>
+                      </a:r>
+                      <a:r>
+                        <a:rPr lang="en-US" sz="2400" baseline="0" dirty="0" smtClean="0"/>
+                        <a:t> </a:t>
+                      </a:r>
+                      <a:r>
+                        <a:rPr lang="en-US" sz="2400" baseline="0" dirty="0" smtClean="0"/>
+                        <a:t>duration</a:t>
+                      </a:r>
+                      <a:endParaRPr lang="en-US" sz="2400" dirty="0"/>
+                    </a:p>
+                  </a:txBody>
+                  <a:tcPr/>
+                </a:tc>
+                <a:tc>
+                  <a:txBody>
+                    <a:bodyPr/>
+                    <a:lstStyle/>
+                    <a:p>
+                      <a:endParaRPr lang="en-US"/>
+                    </a:p>
+                  </a:txBody>
+                  <a:tcPr/>
+                </a:tc>
+                <a:tc>
+                  <a:txBody>
+                    <a:bodyPr/>
+                    <a:lstStyle/>
+                    <a:p>
+                      <a:endParaRPr lang="en-US"/>
+                    </a:p>
+                  </a:txBody>
+                  <a:tcPr/>
+                </a:tc>
+                <a:tc>
+                  <a:txBody>
+                    <a:bodyPr/>
+                    <a:lstStyle/>
+                    <a:p>
+                      <a:endParaRPr lang="en-US" dirty="0"/>
+                    </a:p>
+                  </a:txBody>
+                  <a:tcPr/>
+                </a:tc>
+              </a:tr>
+              <a:tr h="370840">
+                <a:tc>
+                  <a:txBody>
+                    <a:bodyPr/>
+                    <a:lstStyle/>
+                    <a:p>
+                      <a:r>
+                        <a:rPr lang="en-US" sz="2400" dirty="0" smtClean="0"/>
+                        <a:t>Apply rule to prescription and return response</a:t>
+                      </a:r>
+                      <a:endParaRPr lang="en-US" sz="2400" dirty="0"/>
+                    </a:p>
+                  </a:txBody>
+                  <a:tcPr/>
+                </a:tc>
+                <a:tc>
+                  <a:txBody>
+                    <a:bodyPr/>
+                    <a:lstStyle/>
+                    <a:p>
+                      <a:endParaRPr lang="en-US"/>
+                    </a:p>
+                  </a:txBody>
+                  <a:tcPr/>
+                </a:tc>
+                <a:tc>
+                  <a:txBody>
+                    <a:bodyPr/>
+                    <a:lstStyle/>
+                    <a:p>
+                      <a:endParaRPr lang="en-US"/>
+                    </a:p>
+                  </a:txBody>
+                  <a:tcPr/>
+                </a:tc>
+                <a:tc>
+                  <a:txBody>
+                    <a:bodyPr/>
+                    <a:lstStyle/>
+                    <a:p>
+                      <a:endParaRPr lang="en-US" dirty="0"/>
+                    </a:p>
+                  </a:txBody>
+                  <a:tcPr/>
+                </a:tc>
+              </a:tr>
+              <a:tr h="529573">
+                <a:tc>
+                  <a:txBody>
+                    <a:bodyPr/>
+                    <a:lstStyle/>
+                    <a:p>
+                      <a:r>
+                        <a:rPr lang="en-US" sz="2400" dirty="0" smtClean="0"/>
+                        <a:t>Inform</a:t>
+                      </a:r>
+                      <a:r>
+                        <a:rPr lang="en-US" sz="2400" baseline="0" dirty="0" smtClean="0"/>
+                        <a:t> user in UI if rule violated</a:t>
+                      </a:r>
+                      <a:endParaRPr lang="en-US" sz="2400" dirty="0"/>
+                    </a:p>
+                  </a:txBody>
+                  <a:tcPr/>
+                </a:tc>
+                <a:tc>
+                  <a:txBody>
+                    <a:bodyPr/>
+                    <a:lstStyle/>
+                    <a:p>
+                      <a:endParaRPr lang="en-US" dirty="0"/>
+                    </a:p>
+                  </a:txBody>
+                  <a:tcPr/>
+                </a:tc>
+                <a:tc>
+                  <a:txBody>
+                    <a:bodyPr/>
+                    <a:lstStyle/>
+                    <a:p>
+                      <a:endParaRPr lang="en-US" dirty="0"/>
+                    </a:p>
+                  </a:txBody>
+                  <a:tcPr/>
+                </a:tc>
+                <a:tc>
+                  <a:txBody>
+                    <a:bodyPr/>
+                    <a:lstStyle/>
+                    <a:p>
+                      <a:endParaRPr lang="en-US" dirty="0"/>
+                    </a:p>
+                  </a:txBody>
+                  <a:tcPr/>
+                </a:tc>
+              </a:tr>
+            </a:tbl>
+          </a:graphicData>
+        </a:graphic>
+      </p:graphicFrame>
+      <p:pic>
+        <p:nvPicPr>
+          <p:cNvPr id="5" name="Picture 4"/>
+          <p:cNvPicPr>
+            <a:picLocks noChangeAspect="1"/>
+          </p:cNvPicPr>
+          <p:nvPr/>
+        </p:nvPicPr>
+        <p:blipFill>
+          <a:blip r:embed="rId3">
+            <a:extLst>
+              <a:ext uri="{28A0092B-C50C-407E-A947-70E740481C1C}">
+                <a14:useLocalDpi xmlns:a14="http://schemas.microsoft.com/office/drawing/2010/main" val="0"/>
+              </a:ext>
+            </a:extLst>
+          </a:blip>
+          <a:stretch>
+            <a:fillRect/>
+          </a:stretch>
+        </p:blipFill>
+        <p:spPr>
+          <a:xfrm>
+            <a:off x="9862384" y="4855247"/>
+            <a:ext cx="471771" cy="471771"/>
+          </a:xfrm>
+          <a:prstGeom prst="rect">
+            <a:avLst/>
+          </a:prstGeom>
+        </p:spPr>
+      </p:pic>
+      <p:pic>
+        <p:nvPicPr>
+          <p:cNvPr id="6" name="Picture 5"/>
+          <p:cNvPicPr>
+            <a:picLocks noChangeAspect="1"/>
+          </p:cNvPicPr>
+          <p:nvPr/>
+        </p:nvPicPr>
+        <p:blipFill>
+          <a:blip r:embed="rId3">
+            <a:extLst>
+              <a:ext uri="{28A0092B-C50C-407E-A947-70E740481C1C}">
+                <a14:useLocalDpi xmlns:a14="http://schemas.microsoft.com/office/drawing/2010/main" val="0"/>
+              </a:ext>
+            </a:extLst>
+          </a:blip>
+          <a:stretch>
+            <a:fillRect/>
+          </a:stretch>
+        </p:blipFill>
+        <p:spPr>
+          <a:xfrm>
+            <a:off x="4878521" y="2326224"/>
+            <a:ext cx="471771" cy="471771"/>
+          </a:xfrm>
+          <a:prstGeom prst="rect">
+            <a:avLst/>
+          </a:prstGeom>
+        </p:spPr>
+      </p:pic>
+      <p:pic>
+        <p:nvPicPr>
+          <p:cNvPr id="8" name="Picture 7"/>
+          <p:cNvPicPr>
+            <a:picLocks noChangeAspect="1"/>
+          </p:cNvPicPr>
+          <p:nvPr/>
+        </p:nvPicPr>
+        <p:blipFill>
+          <a:blip r:embed="rId3">
+            <a:extLst>
+              <a:ext uri="{28A0092B-C50C-407E-A947-70E740481C1C}">
+                <a14:useLocalDpi xmlns:a14="http://schemas.microsoft.com/office/drawing/2010/main" val="0"/>
+              </a:ext>
+            </a:extLst>
+          </a:blip>
+          <a:stretch>
+            <a:fillRect/>
+          </a:stretch>
+        </p:blipFill>
+        <p:spPr>
+          <a:xfrm>
+            <a:off x="7180165" y="3885946"/>
+            <a:ext cx="471771" cy="471771"/>
+          </a:xfrm>
+          <a:prstGeom prst="rect">
+            <a:avLst/>
+          </a:prstGeom>
+        </p:spPr>
+      </p:pic>
+      <p:pic>
+        <p:nvPicPr>
+          <p:cNvPr id="9" name="Picture 8"/>
+          <p:cNvPicPr>
+            <a:picLocks noChangeAspect="1"/>
+          </p:cNvPicPr>
+          <p:nvPr/>
+        </p:nvPicPr>
+        <p:blipFill>
+          <a:blip r:embed="rId3">
+            <a:extLst>
+              <a:ext uri="{28A0092B-C50C-407E-A947-70E740481C1C}">
+                <a14:useLocalDpi xmlns:a14="http://schemas.microsoft.com/office/drawing/2010/main" val="0"/>
+              </a:ext>
+            </a:extLst>
+          </a:blip>
+          <a:stretch>
+            <a:fillRect/>
+          </a:stretch>
+        </p:blipFill>
+        <p:spPr>
+          <a:xfrm>
+            <a:off x="7180165" y="2968622"/>
+            <a:ext cx="471771" cy="471771"/>
+          </a:xfrm>
+          <a:prstGeom prst="rect">
+            <a:avLst/>
+          </a:prstGeom>
+        </p:spPr>
+      </p:pic>
+      <p:pic>
+        <p:nvPicPr>
+          <p:cNvPr id="10" name="Picture 9"/>
+          <p:cNvPicPr>
+            <a:picLocks noChangeAspect="1"/>
+          </p:cNvPicPr>
+          <p:nvPr/>
+        </p:nvPicPr>
+        <p:blipFill>
+          <a:blip r:embed="rId3">
+            <a:extLst>
+              <a:ext uri="{28A0092B-C50C-407E-A947-70E740481C1C}">
+                <a14:useLocalDpi xmlns:a14="http://schemas.microsoft.com/office/drawing/2010/main" val="0"/>
+              </a:ext>
+            </a:extLst>
+          </a:blip>
+          <a:stretch>
+            <a:fillRect/>
+          </a:stretch>
+        </p:blipFill>
+        <p:spPr>
+          <a:xfrm>
+            <a:off x="7180166" y="2347652"/>
+            <a:ext cx="471771" cy="471771"/>
+          </a:xfrm>
+          <a:prstGeom prst="rect">
+            <a:avLst/>
+          </a:prstGeom>
+        </p:spPr>
+      </p:pic>
+      <p:pic>
+        <p:nvPicPr>
+          <p:cNvPr id="11" name="Picture 10"/>
+          <p:cNvPicPr>
+            <a:picLocks noChangeAspect="1"/>
+          </p:cNvPicPr>
+          <p:nvPr/>
+        </p:nvPicPr>
+        <p:blipFill>
+          <a:blip r:embed="rId3">
+            <a:extLst>
+              <a:ext uri="{28A0092B-C50C-407E-A947-70E740481C1C}">
+                <a14:useLocalDpi xmlns:a14="http://schemas.microsoft.com/office/drawing/2010/main" val="0"/>
+              </a:ext>
+            </a:extLst>
+          </a:blip>
+          <a:stretch>
+            <a:fillRect/>
+          </a:stretch>
+        </p:blipFill>
+        <p:spPr>
+          <a:xfrm>
+            <a:off x="4878521" y="2955194"/>
+            <a:ext cx="471771" cy="471771"/>
+          </a:xfrm>
+          <a:prstGeom prst="rect">
+            <a:avLst/>
+          </a:prstGeom>
+        </p:spPr>
+      </p:pic>
+      <p:pic>
+        <p:nvPicPr>
+          <p:cNvPr id="12" name="Picture 11"/>
+          <p:cNvPicPr>
+            <a:picLocks noChangeAspect="1"/>
+          </p:cNvPicPr>
+          <p:nvPr/>
+        </p:nvPicPr>
+        <p:blipFill>
+          <a:blip r:embed="rId3">
+            <a:extLst>
+              <a:ext uri="{28A0092B-C50C-407E-A947-70E740481C1C}">
+                <a14:useLocalDpi xmlns:a14="http://schemas.microsoft.com/office/drawing/2010/main" val="0"/>
+              </a:ext>
+            </a:extLst>
+          </a:blip>
+          <a:stretch>
+            <a:fillRect/>
+          </a:stretch>
+        </p:blipFill>
+        <p:spPr>
+          <a:xfrm>
+            <a:off x="4878521" y="3885946"/>
+            <a:ext cx="471771" cy="471771"/>
+          </a:xfrm>
+          <a:prstGeom prst="rect">
+            <a:avLst/>
+          </a:prstGeom>
+        </p:spPr>
+      </p:pic>
+      <p:pic>
+        <p:nvPicPr>
+          <p:cNvPr id="13" name="Picture 12"/>
+          <p:cNvPicPr>
+            <a:picLocks noChangeAspect="1"/>
+          </p:cNvPicPr>
+          <p:nvPr/>
+        </p:nvPicPr>
+        <p:blipFill>
+          <a:blip r:embed="rId3">
+            <a:extLst>
+              <a:ext uri="{28A0092B-C50C-407E-A947-70E740481C1C}">
+                <a14:useLocalDpi xmlns:a14="http://schemas.microsoft.com/office/drawing/2010/main" val="0"/>
+              </a:ext>
+            </a:extLst>
+          </a:blip>
+          <a:stretch>
+            <a:fillRect/>
+          </a:stretch>
+        </p:blipFill>
+        <p:spPr>
+          <a:xfrm>
+            <a:off x="4878521" y="4855246"/>
+            <a:ext cx="471771" cy="471771"/>
+          </a:xfrm>
+          <a:prstGeom prst="rect">
+            <a:avLst/>
+          </a:prstGeom>
+        </p:spPr>
+      </p:pic>
+    </p:spTree>
+    <p:extLst>
+      <p:ext uri="{BB962C8B-B14F-4D97-AF65-F5344CB8AC3E}">
+        <p14:creationId xmlns:p14="http://schemas.microsoft.com/office/powerpoint/2010/main" val="2111955063"/>
+      </p:ext>
+    </p:extLst>
+  </p:cSld>
+  <p:clrMapOvr>
+    <a:masterClrMapping/>
+  </p:clrMapOvr>
+  <p:timing>
+    <p:tnLst>
+      <p:par>
+        <p:cTn id="1" dur="indefinite" restart="never" nodeType="tmRoot"/>
+      </p:par>
+    </p:tnLst>
+  </p:timing>
+</p:sld>
+</file>
+
+<file path=ppt/slides/slide9.xml><?xml version="1.0" encoding="utf-8"?>
+<p:sld xmlns:a="http://schemas.openxmlformats.org/drawingml/2006/main" xmlns:r="http://schemas.openxmlformats.org/officeDocument/2006/relationships" xmlns:p="http://schemas.openxmlformats.org/presentationml/2006/main">
+  <p:cSld>
+    <p:spTree>
+      <p:nvGrpSpPr>
+        <p:cNvPr id="1" name=""/>
+        <p:cNvGrpSpPr/>
+        <p:nvPr/>
+      </p:nvGrpSpPr>
+      <p:grpSpPr>
+        <a:xfrm>
+          <a:off x="0" y="0"/>
+          <a:ext cx="0" cy="0"/>
+          <a:chOff x="0" y="0"/>
+          <a:chExt cx="0" cy="0"/>
+        </a:xfrm>
+      </p:grpSpPr>
+      <p:sp>
+        <p:nvSpPr>
+          <p:cNvPr id="2" name="Title 1"/>
+          <p:cNvSpPr>
+            <a:spLocks noGrp="1"/>
+          </p:cNvSpPr>
+          <p:nvPr>
+            <p:ph type="title"/>
+          </p:nvPr>
+        </p:nvSpPr>
+        <p:spPr/>
+        <p:txBody>
+          <a:bodyPr/>
+          <a:lstStyle/>
+          <a:p>
+            <a:r>
+              <a:rPr lang="en-US" dirty="0" smtClean="0"/>
+              <a:t>Identify Opiates / Benzos</a:t>
+            </a:r>
+            <a:endParaRPr lang="en-US" dirty="0"/>
+          </a:p>
+        </p:txBody>
+      </p:sp>
+      <p:graphicFrame>
+        <p:nvGraphicFramePr>
+          <p:cNvPr id="4" name="Content Placeholder 3"/>
+          <p:cNvGraphicFramePr>
+            <a:graphicFrameLocks noGrp="1"/>
+          </p:cNvGraphicFramePr>
+          <p:nvPr>
+            <p:ph idx="1"/>
+            <p:extLst>
+              <p:ext uri="{D42A27DB-BD31-4B8C-83A1-F6EECF244321}">
+                <p14:modId xmlns:p14="http://schemas.microsoft.com/office/powerpoint/2010/main" val="967843389"/>
+              </p:ext>
+            </p:extLst>
+          </p:nvPr>
+        </p:nvGraphicFramePr>
+        <p:xfrm>
+          <a:off x="838200" y="1481960"/>
+          <a:ext cx="10515600" cy="1193800"/>
         </p:xfrm>
         <a:graphic>
           <a:graphicData uri="http://schemas.openxmlformats.org/drawingml/2006/table">
@@ -8931,612 +9634,10 @@
                     <a:lstStyle/>
                     <a:p>
                       <a:r>
-                        <a:rPr lang="en-US" dirty="0" smtClean="0"/>
-                        <a:t>Identify if drug being prescribed is Opiate or Benzo</a:t>
+                        <a:rPr lang="en-US" sz="2400" dirty="0" smtClean="0"/>
+                        <a:t>Identify if drug being prescribed is Opiate</a:t>
                       </a:r>
-                      <a:endParaRPr lang="en-US" dirty="0"/>
-                    </a:p>
-                  </a:txBody>
-                  <a:tcPr/>
-                </a:tc>
-                <a:tc>
-                  <a:txBody>
-                    <a:bodyPr/>
-                    <a:lstStyle/>
-                    <a:p>
-                      <a:endParaRPr lang="en-US" dirty="0"/>
-                    </a:p>
-                  </a:txBody>
-                  <a:tcPr/>
-                </a:tc>
-                <a:tc>
-                  <a:txBody>
-                    <a:bodyPr/>
-                    <a:lstStyle/>
-                    <a:p>
-                      <a:endParaRPr lang="en-US"/>
-                    </a:p>
-                  </a:txBody>
-                  <a:tcPr/>
-                </a:tc>
-                <a:tc>
-                  <a:txBody>
-                    <a:bodyPr/>
-                    <a:lstStyle/>
-                    <a:p>
-                      <a:endParaRPr lang="en-US" dirty="0"/>
-                    </a:p>
-                  </a:txBody>
-                  <a:tcPr/>
-                </a:tc>
-              </a:tr>
-              <a:tr h="370840">
-                <a:tc>
-                  <a:txBody>
-                    <a:bodyPr/>
-                    <a:lstStyle/>
-                    <a:p>
-                      <a:r>
-                        <a:rPr lang="en-US" dirty="0" smtClean="0"/>
-                        <a:t>Calculate</a:t>
-                      </a:r>
-                      <a:r>
-                        <a:rPr lang="en-US" baseline="0" dirty="0" smtClean="0"/>
-                        <a:t> number of days for duration</a:t>
-                      </a:r>
-                      <a:endParaRPr lang="en-US" dirty="0"/>
-                    </a:p>
-                  </a:txBody>
-                  <a:tcPr/>
-                </a:tc>
-                <a:tc>
-                  <a:txBody>
-                    <a:bodyPr/>
-                    <a:lstStyle/>
-                    <a:p>
-                      <a:endParaRPr lang="en-US"/>
-                    </a:p>
-                  </a:txBody>
-                  <a:tcPr/>
-                </a:tc>
-                <a:tc>
-                  <a:txBody>
-                    <a:bodyPr/>
-                    <a:lstStyle/>
-                    <a:p>
-                      <a:endParaRPr lang="en-US"/>
-                    </a:p>
-                  </a:txBody>
-                  <a:tcPr/>
-                </a:tc>
-                <a:tc>
-                  <a:txBody>
-                    <a:bodyPr/>
-                    <a:lstStyle/>
-                    <a:p>
-                      <a:endParaRPr lang="en-US" dirty="0"/>
-                    </a:p>
-                  </a:txBody>
-                  <a:tcPr/>
-                </a:tc>
-              </a:tr>
-              <a:tr h="370840">
-                <a:tc>
-                  <a:txBody>
-                    <a:bodyPr/>
-                    <a:lstStyle/>
-                    <a:p>
-                      <a:r>
-                        <a:rPr lang="en-US" dirty="0" smtClean="0"/>
-                        <a:t>Rule applied to prescription</a:t>
-                      </a:r>
-                      <a:r>
-                        <a:rPr lang="en-US" baseline="0" dirty="0" smtClean="0"/>
-                        <a:t> and appropriate response built</a:t>
-                      </a:r>
-                      <a:endParaRPr lang="en-US" dirty="0"/>
-                    </a:p>
-                  </a:txBody>
-                  <a:tcPr/>
-                </a:tc>
-                <a:tc>
-                  <a:txBody>
-                    <a:bodyPr/>
-                    <a:lstStyle/>
-                    <a:p>
-                      <a:endParaRPr lang="en-US"/>
-                    </a:p>
-                  </a:txBody>
-                  <a:tcPr/>
-                </a:tc>
-                <a:tc>
-                  <a:txBody>
-                    <a:bodyPr/>
-                    <a:lstStyle/>
-                    <a:p>
-                      <a:endParaRPr lang="en-US"/>
-                    </a:p>
-                  </a:txBody>
-                  <a:tcPr/>
-                </a:tc>
-                <a:tc>
-                  <a:txBody>
-                    <a:bodyPr/>
-                    <a:lstStyle/>
-                    <a:p>
-                      <a:endParaRPr lang="en-US" dirty="0"/>
-                    </a:p>
-                  </a:txBody>
-                  <a:tcPr/>
-                </a:tc>
-              </a:tr>
-              <a:tr h="529573">
-                <a:tc>
-                  <a:txBody>
-                    <a:bodyPr/>
-                    <a:lstStyle/>
-                    <a:p>
-                      <a:r>
-                        <a:rPr lang="en-US" dirty="0" smtClean="0"/>
-                        <a:t>Inform</a:t>
-                      </a:r>
-                      <a:r>
-                        <a:rPr lang="en-US" baseline="0" dirty="0" smtClean="0"/>
-                        <a:t> user in UI if rule violated</a:t>
-                      </a:r>
-                      <a:endParaRPr lang="en-US" dirty="0"/>
-                    </a:p>
-                  </a:txBody>
-                  <a:tcPr/>
-                </a:tc>
-                <a:tc>
-                  <a:txBody>
-                    <a:bodyPr/>
-                    <a:lstStyle/>
-                    <a:p>
-                      <a:endParaRPr lang="en-US" dirty="0"/>
-                    </a:p>
-                  </a:txBody>
-                  <a:tcPr/>
-                </a:tc>
-                <a:tc>
-                  <a:txBody>
-                    <a:bodyPr/>
-                    <a:lstStyle/>
-                    <a:p>
-                      <a:endParaRPr lang="en-US" dirty="0"/>
-                    </a:p>
-                  </a:txBody>
-                  <a:tcPr/>
-                </a:tc>
-                <a:tc>
-                  <a:txBody>
-                    <a:bodyPr/>
-                    <a:lstStyle/>
-                    <a:p>
-                      <a:endParaRPr lang="en-US" dirty="0"/>
-                    </a:p>
-                  </a:txBody>
-                  <a:tcPr/>
-                </a:tc>
-              </a:tr>
-            </a:tbl>
-          </a:graphicData>
-        </a:graphic>
-      </p:graphicFrame>
-      <p:pic>
-        <p:nvPicPr>
-          <p:cNvPr id="5" name="Picture 4"/>
-          <p:cNvPicPr>
-            <a:picLocks noChangeAspect="1"/>
-          </p:cNvPicPr>
-          <p:nvPr/>
-        </p:nvPicPr>
-        <p:blipFill>
-          <a:blip r:embed="rId3">
-            <a:extLst>
-              <a:ext uri="{28A0092B-C50C-407E-A947-70E740481C1C}">
-                <a14:useLocalDpi xmlns:a14="http://schemas.microsoft.com/office/drawing/2010/main" val="0"/>
-              </a:ext>
-            </a:extLst>
-          </a:blip>
-          <a:stretch>
-            <a:fillRect/>
-          </a:stretch>
-        </p:blipFill>
-        <p:spPr>
-          <a:xfrm>
-            <a:off x="9787433" y="4414333"/>
-            <a:ext cx="471771" cy="471771"/>
-          </a:xfrm>
-          <a:prstGeom prst="rect">
-            <a:avLst/>
-          </a:prstGeom>
-        </p:spPr>
-      </p:pic>
-      <p:pic>
-        <p:nvPicPr>
-          <p:cNvPr id="6" name="Picture 5"/>
-          <p:cNvPicPr>
-            <a:picLocks noChangeAspect="1"/>
-          </p:cNvPicPr>
-          <p:nvPr/>
-        </p:nvPicPr>
-        <p:blipFill>
-          <a:blip r:embed="rId3">
-            <a:extLst>
-              <a:ext uri="{28A0092B-C50C-407E-A947-70E740481C1C}">
-                <a14:useLocalDpi xmlns:a14="http://schemas.microsoft.com/office/drawing/2010/main" val="0"/>
-              </a:ext>
-            </a:extLst>
-          </a:blip>
-          <a:stretch>
-            <a:fillRect/>
-          </a:stretch>
-        </p:blipFill>
-        <p:spPr>
-          <a:xfrm>
-            <a:off x="4726754" y="2327643"/>
-            <a:ext cx="471771" cy="471771"/>
-          </a:xfrm>
-          <a:prstGeom prst="rect">
-            <a:avLst/>
-          </a:prstGeom>
-        </p:spPr>
-      </p:pic>
-      <p:pic>
-        <p:nvPicPr>
-          <p:cNvPr id="8" name="Picture 7"/>
-          <p:cNvPicPr>
-            <a:picLocks noChangeAspect="1"/>
-          </p:cNvPicPr>
-          <p:nvPr/>
-        </p:nvPicPr>
-        <p:blipFill>
-          <a:blip r:embed="rId3">
-            <a:extLst>
-              <a:ext uri="{28A0092B-C50C-407E-A947-70E740481C1C}">
-                <a14:useLocalDpi xmlns:a14="http://schemas.microsoft.com/office/drawing/2010/main" val="0"/>
-              </a:ext>
-            </a:extLst>
-          </a:blip>
-          <a:stretch>
-            <a:fillRect/>
-          </a:stretch>
-        </p:blipFill>
-        <p:spPr>
-          <a:xfrm>
-            <a:off x="7092482" y="3705536"/>
-            <a:ext cx="471771" cy="471771"/>
-          </a:xfrm>
-          <a:prstGeom prst="rect">
-            <a:avLst/>
-          </a:prstGeom>
-        </p:spPr>
-      </p:pic>
-      <p:pic>
-        <p:nvPicPr>
-          <p:cNvPr id="9" name="Picture 8"/>
-          <p:cNvPicPr>
-            <a:picLocks noChangeAspect="1"/>
-          </p:cNvPicPr>
-          <p:nvPr/>
-        </p:nvPicPr>
-        <p:blipFill>
-          <a:blip r:embed="rId3">
-            <a:extLst>
-              <a:ext uri="{28A0092B-C50C-407E-A947-70E740481C1C}">
-                <a14:useLocalDpi xmlns:a14="http://schemas.microsoft.com/office/drawing/2010/main" val="0"/>
-              </a:ext>
-            </a:extLst>
-          </a:blip>
-          <a:stretch>
-            <a:fillRect/>
-          </a:stretch>
-        </p:blipFill>
-        <p:spPr>
-          <a:xfrm>
-            <a:off x="7092483" y="2948613"/>
-            <a:ext cx="471771" cy="471771"/>
-          </a:xfrm>
-          <a:prstGeom prst="rect">
-            <a:avLst/>
-          </a:prstGeom>
-        </p:spPr>
-      </p:pic>
-      <p:pic>
-        <p:nvPicPr>
-          <p:cNvPr id="10" name="Picture 9"/>
-          <p:cNvPicPr>
-            <a:picLocks noChangeAspect="1"/>
-          </p:cNvPicPr>
-          <p:nvPr/>
-        </p:nvPicPr>
-        <p:blipFill>
-          <a:blip r:embed="rId3">
-            <a:extLst>
-              <a:ext uri="{28A0092B-C50C-407E-A947-70E740481C1C}">
-                <a14:useLocalDpi xmlns:a14="http://schemas.microsoft.com/office/drawing/2010/main" val="0"/>
-              </a:ext>
-            </a:extLst>
-          </a:blip>
-          <a:stretch>
-            <a:fillRect/>
-          </a:stretch>
-        </p:blipFill>
-        <p:spPr>
-          <a:xfrm>
-            <a:off x="7092484" y="2327643"/>
-            <a:ext cx="471771" cy="471771"/>
-          </a:xfrm>
-          <a:prstGeom prst="rect">
-            <a:avLst/>
-          </a:prstGeom>
-        </p:spPr>
-      </p:pic>
-      <p:pic>
-        <p:nvPicPr>
-          <p:cNvPr id="11" name="Picture 10"/>
-          <p:cNvPicPr>
-            <a:picLocks noChangeAspect="1"/>
-          </p:cNvPicPr>
-          <p:nvPr/>
-        </p:nvPicPr>
-        <p:blipFill>
-          <a:blip r:embed="rId3">
-            <a:extLst>
-              <a:ext uri="{28A0092B-C50C-407E-A947-70E740481C1C}">
-                <a14:useLocalDpi xmlns:a14="http://schemas.microsoft.com/office/drawing/2010/main" val="0"/>
-              </a:ext>
-            </a:extLst>
-          </a:blip>
-          <a:stretch>
-            <a:fillRect/>
-          </a:stretch>
-        </p:blipFill>
-        <p:spPr>
-          <a:xfrm>
-            <a:off x="4726753" y="2948613"/>
-            <a:ext cx="471771" cy="471771"/>
-          </a:xfrm>
-          <a:prstGeom prst="rect">
-            <a:avLst/>
-          </a:prstGeom>
-        </p:spPr>
-      </p:pic>
-      <p:pic>
-        <p:nvPicPr>
-          <p:cNvPr id="12" name="Picture 11"/>
-          <p:cNvPicPr>
-            <a:picLocks noChangeAspect="1"/>
-          </p:cNvPicPr>
-          <p:nvPr/>
-        </p:nvPicPr>
-        <p:blipFill>
-          <a:blip r:embed="rId3">
-            <a:extLst>
-              <a:ext uri="{28A0092B-C50C-407E-A947-70E740481C1C}">
-                <a14:useLocalDpi xmlns:a14="http://schemas.microsoft.com/office/drawing/2010/main" val="0"/>
-              </a:ext>
-            </a:extLst>
-          </a:blip>
-          <a:stretch>
-            <a:fillRect/>
-          </a:stretch>
-        </p:blipFill>
-        <p:spPr>
-          <a:xfrm>
-            <a:off x="4726753" y="3705536"/>
-            <a:ext cx="471771" cy="471771"/>
-          </a:xfrm>
-          <a:prstGeom prst="rect">
-            <a:avLst/>
-          </a:prstGeom>
-        </p:spPr>
-      </p:pic>
-      <p:pic>
-        <p:nvPicPr>
-          <p:cNvPr id="13" name="Picture 12"/>
-          <p:cNvPicPr>
-            <a:picLocks noChangeAspect="1"/>
-          </p:cNvPicPr>
-          <p:nvPr/>
-        </p:nvPicPr>
-        <p:blipFill>
-          <a:blip r:embed="rId3">
-            <a:extLst>
-              <a:ext uri="{28A0092B-C50C-407E-A947-70E740481C1C}">
-                <a14:useLocalDpi xmlns:a14="http://schemas.microsoft.com/office/drawing/2010/main" val="0"/>
-              </a:ext>
-            </a:extLst>
-          </a:blip>
-          <a:stretch>
-            <a:fillRect/>
-          </a:stretch>
-        </p:blipFill>
-        <p:spPr>
-          <a:xfrm>
-            <a:off x="4726753" y="4414334"/>
-            <a:ext cx="471771" cy="471771"/>
-          </a:xfrm>
-          <a:prstGeom prst="rect">
-            <a:avLst/>
-          </a:prstGeom>
-        </p:spPr>
-      </p:pic>
-    </p:spTree>
-    <p:extLst>
-      <p:ext uri="{BB962C8B-B14F-4D97-AF65-F5344CB8AC3E}">
-        <p14:creationId xmlns:p14="http://schemas.microsoft.com/office/powerpoint/2010/main" val="2111955063"/>
-      </p:ext>
-    </p:extLst>
-  </p:cSld>
-  <p:clrMapOvr>
-    <a:masterClrMapping/>
-  </p:clrMapOvr>
-  <p:timing>
-    <p:tnLst>
-      <p:par>
-        <p:cTn id="1" dur="indefinite" restart="never" nodeType="tmRoot"/>
-      </p:par>
-    </p:tnLst>
-  </p:timing>
-</p:sld>
-</file>
-
-<file path=ppt/slides/slide9.xml><?xml version="1.0" encoding="utf-8"?>
-<p:sld xmlns:a="http://schemas.openxmlformats.org/drawingml/2006/main" xmlns:r="http://schemas.openxmlformats.org/officeDocument/2006/relationships" xmlns:p="http://schemas.openxmlformats.org/presentationml/2006/main">
-  <p:cSld>
-    <p:spTree>
-      <p:nvGrpSpPr>
-        <p:cNvPr id="1" name=""/>
-        <p:cNvGrpSpPr/>
-        <p:nvPr/>
-      </p:nvGrpSpPr>
-      <p:grpSpPr>
-        <a:xfrm>
-          <a:off x="0" y="0"/>
-          <a:ext cx="0" cy="0"/>
-          <a:chOff x="0" y="0"/>
-          <a:chExt cx="0" cy="0"/>
-        </a:xfrm>
-      </p:grpSpPr>
-      <p:sp>
-        <p:nvSpPr>
-          <p:cNvPr id="2" name="Title 1"/>
-          <p:cNvSpPr>
-            <a:spLocks noGrp="1"/>
-          </p:cNvSpPr>
-          <p:nvPr>
-            <p:ph type="title"/>
-          </p:nvPr>
-        </p:nvSpPr>
-        <p:spPr/>
-        <p:txBody>
-          <a:bodyPr/>
-          <a:lstStyle/>
-          <a:p>
-            <a:r>
-              <a:rPr lang="en-US" dirty="0" smtClean="0"/>
-              <a:t>Identify Opiates / Benzos</a:t>
-            </a:r>
-            <a:endParaRPr lang="en-US" dirty="0"/>
-          </a:p>
-        </p:txBody>
-      </p:sp>
-      <p:graphicFrame>
-        <p:nvGraphicFramePr>
-          <p:cNvPr id="4" name="Content Placeholder 3"/>
-          <p:cNvGraphicFramePr>
-            <a:graphicFrameLocks noGrp="1"/>
-          </p:cNvGraphicFramePr>
-          <p:nvPr>
-            <p:ph idx="1"/>
-            <p:extLst>
-              <p:ext uri="{D42A27DB-BD31-4B8C-83A1-F6EECF244321}">
-                <p14:modId xmlns:p14="http://schemas.microsoft.com/office/powerpoint/2010/main" val="482819099"/>
-              </p:ext>
-            </p:extLst>
-          </p:nvPr>
-        </p:nvGraphicFramePr>
-        <p:xfrm>
-          <a:off x="838200" y="1481960"/>
-          <a:ext cx="10515600" cy="1010920"/>
-        </p:xfrm>
-        <a:graphic>
-          <a:graphicData uri="http://schemas.openxmlformats.org/drawingml/2006/table">
-            <a:tbl>
-              <a:tblPr firstRow="1" bandRow="1">
-                <a:tableStyleId>{5C22544A-7EE6-4342-B048-85BDC9FD1C3A}</a:tableStyleId>
-              </a:tblPr>
-              <a:tblGrid>
-                <a:gridCol w="3029465"/>
-                <a:gridCol w="2228335"/>
-                <a:gridCol w="2628900"/>
-                <a:gridCol w="2628900"/>
-              </a:tblGrid>
-              <a:tr h="370840">
-                <a:tc>
-                  <a:txBody>
-                    <a:bodyPr/>
-                    <a:lstStyle/>
-                    <a:p>
-                      <a:pPr algn="ctr"/>
-                      <a:r>
-                        <a:rPr lang="en-US" dirty="0" smtClean="0"/>
-                        <a:t>Feature Part</a:t>
-                      </a:r>
-                      <a:endParaRPr lang="en-US" dirty="0"/>
-                    </a:p>
-                  </a:txBody>
-                  <a:tcPr/>
-                </a:tc>
-                <a:tc>
-                  <a:txBody>
-                    <a:bodyPr/>
-                    <a:lstStyle/>
-                    <a:p>
-                      <a:r>
-                        <a:rPr lang="en-US" dirty="0" smtClean="0"/>
-                        <a:t>Unit (Junit/Jasmine)</a:t>
-                      </a:r>
-                      <a:endParaRPr lang="en-US" dirty="0"/>
-                    </a:p>
-                  </a:txBody>
-                  <a:tcPr/>
-                </a:tc>
-                <a:tc>
-                  <a:txBody>
-                    <a:bodyPr/>
-                    <a:lstStyle/>
-                    <a:p>
-                      <a:r>
-                        <a:rPr lang="en-US" dirty="0" smtClean="0"/>
-                        <a:t>Service (</a:t>
-                      </a:r>
-                      <a:r>
-                        <a:rPr lang="en-US" dirty="0" err="1" smtClean="0"/>
-                        <a:t>Fitnesse</a:t>
-                      </a:r>
-                      <a:r>
-                        <a:rPr lang="en-US" dirty="0" smtClean="0"/>
-                        <a:t>)</a:t>
-                      </a:r>
-                      <a:endParaRPr lang="en-US" dirty="0"/>
-                    </a:p>
-                  </a:txBody>
-                  <a:tcPr/>
-                </a:tc>
-                <a:tc>
-                  <a:txBody>
-                    <a:bodyPr/>
-                    <a:lstStyle/>
-                    <a:p>
-                      <a:r>
-                        <a:rPr lang="en-US" dirty="0" smtClean="0"/>
-                        <a:t>UI (</a:t>
-                      </a:r>
-                      <a:r>
-                        <a:rPr lang="en-US" baseline="0" dirty="0" smtClean="0"/>
-                        <a:t>Selenium + Junit)</a:t>
-                      </a:r>
-                      <a:endParaRPr lang="en-US" dirty="0"/>
-                    </a:p>
-                  </a:txBody>
-                  <a:tcPr/>
-                </a:tc>
-              </a:tr>
-              <a:tr h="370840">
-                <a:tc>
-                  <a:txBody>
-                    <a:bodyPr/>
-                    <a:lstStyle/>
-                    <a:p>
-                      <a:r>
-                        <a:rPr lang="en-US" dirty="0" smtClean="0"/>
-                        <a:t>Identify if drug being prescribed is Opiate or Benzo</a:t>
-                      </a:r>
-                      <a:endParaRPr lang="en-US" dirty="0"/>
+                      <a:endParaRPr lang="en-US" sz="2400" dirty="0"/>
                     </a:p>
                   </a:txBody>
                   <a:tcPr/>
@@ -9598,7 +9699,7 @@
         </p:blipFill>
         <p:spPr>
           <a:xfrm>
-            <a:off x="4894383" y="1960074"/>
+            <a:off x="4895879" y="2048178"/>
             <a:ext cx="471771" cy="471771"/>
           </a:xfrm>
           <a:prstGeom prst="rect">
@@ -9628,7 +9729,7 @@
         </p:blipFill>
         <p:spPr>
           <a:xfrm>
-            <a:off x="7214132" y="1956489"/>
+            <a:off x="7214131" y="2010093"/>
             <a:ext cx="471771" cy="471771"/>
           </a:xfrm>
           <a:prstGeom prst="rect">
@@ -9707,7 +9808,7 @@
         </p:nvCxnSpPr>
         <p:spPr>
           <a:xfrm>
-            <a:off x="7460826" y="2405497"/>
+            <a:off x="7564113" y="2425988"/>
             <a:ext cx="433533" cy="627753"/>
           </a:xfrm>
           <a:prstGeom prst="straightConnector1">

--- a/Test Pyramid Presentation.pptx
+++ b/Test Pyramid Presentation.pptx
@@ -211,7 +211,7 @@
           <a:p>
             <a:fld id="{51E71193-F4DE-7347-96CF-6A9725F5B501}" type="datetimeFigureOut">
               <a:rPr lang="en-US" smtClean="0"/>
-              <a:t>8/7/17</a:t>
+              <a:t>9/22/17</a:t>
             </a:fld>
             <a:endParaRPr lang="en-US"/>
           </a:p>
@@ -529,15 +529,7 @@
             </a:pPr>
             <a:r>
               <a:rPr lang="en-US" sz="1200" baseline="0" dirty="0" smtClean="0"/>
-              <a:t>Develop software at hospital </a:t>
-            </a:r>
-            <a:r>
-              <a:rPr lang="en-US" sz="1200" baseline="0" dirty="0" smtClean="0"/>
-              <a:t>- testing is </a:t>
-            </a:r>
-            <a:r>
-              <a:rPr lang="en-US" sz="1200" baseline="0" dirty="0" smtClean="0"/>
-              <a:t>important </a:t>
+              <a:t>Develop software at hospital - testing is important </a:t>
             </a:r>
             <a:r>
               <a:rPr lang="mr-IN" sz="1200" baseline="0" dirty="0" smtClean="0"/>
@@ -547,7 +539,6 @@
               <a:rPr lang="en-US" sz="1200" baseline="0" dirty="0" smtClean="0"/>
               <a:t> critical systems.</a:t>
             </a:r>
-            <a:endParaRPr lang="en-US" sz="1200" baseline="0" dirty="0" smtClean="0"/>
           </a:p>
           <a:p>
             <a:pPr marL="171450" indent="-171450">
@@ -578,11 +569,7 @@
             </a:pPr>
             <a:r>
               <a:rPr lang="en-US" sz="1200" baseline="0" dirty="0" smtClean="0"/>
-              <a:t>2009 Succeeding </a:t>
-            </a:r>
-            <a:r>
-              <a:rPr lang="en-US" sz="1200" baseline="0" dirty="0" smtClean="0"/>
-              <a:t>with Agile, Mike Cohn’s Test Pyramid </a:t>
+              <a:t>2009 Succeeding with Agile, Mike Cohn’s Test Pyramid </a:t>
             </a:r>
             <a:r>
               <a:rPr lang="mr-IN" sz="1200" baseline="0" dirty="0" smtClean="0"/>
@@ -590,13 +577,8 @@
             </a:r>
             <a:r>
               <a:rPr lang="en-US" sz="1200" baseline="0" dirty="0" smtClean="0"/>
-              <a:t> </a:t>
-            </a:r>
-            <a:r>
-              <a:rPr lang="en-US" sz="1200" baseline="0" dirty="0" smtClean="0"/>
-              <a:t>helpful concept for us.  </a:t>
-            </a:r>
-            <a:endParaRPr lang="en-US" sz="1200" baseline="0" dirty="0" smtClean="0"/>
+              <a:t> helpful concept for us.  </a:t>
+            </a:r>
           </a:p>
           <a:p>
             <a:pPr marL="171450" indent="-171450">
@@ -605,15 +587,7 @@
             </a:pPr>
             <a:r>
               <a:rPr lang="en-US" sz="1200" baseline="0" dirty="0" smtClean="0"/>
-              <a:t>We’ll look </a:t>
-            </a:r>
-            <a:r>
-              <a:rPr lang="en-US" sz="1200" baseline="0" dirty="0" smtClean="0"/>
-              <a:t>at implementation for an application</a:t>
-            </a:r>
-            <a:r>
-              <a:rPr lang="en-US" sz="1200" baseline="0" dirty="0" smtClean="0"/>
-              <a:t>, discuss how achieved.</a:t>
+              <a:t>We’ll look at implementation for an application, discuss how achieved.</a:t>
             </a:r>
           </a:p>
           <a:p>
@@ -1571,11 +1545,7 @@
             </a:pPr>
             <a:r>
               <a:rPr lang="en-US" baseline="0" dirty="0" smtClean="0"/>
-              <a:t>Follow </a:t>
-            </a:r>
-            <a:r>
-              <a:rPr lang="en-US" baseline="0" dirty="0" smtClean="0"/>
-              <a:t>up article by Cohn </a:t>
+              <a:t>Follow up article by Cohn </a:t>
             </a:r>
             <a:r>
               <a:rPr lang="mr-IN" baseline="0" dirty="0" smtClean="0"/>
@@ -1583,11 +1553,7 @@
             </a:r>
             <a:r>
               <a:rPr lang="en-US" baseline="0" dirty="0" smtClean="0"/>
-              <a:t> Forgotten Layer of the Test Automation Pyramid regarding service </a:t>
-            </a:r>
-            <a:r>
-              <a:rPr lang="en-US" baseline="0" dirty="0" smtClean="0"/>
-              <a:t>layer </a:t>
+              <a:t> Forgotten Layer of the Test Automation Pyramid regarding service layer </a:t>
             </a:r>
             <a:r>
               <a:rPr lang="mr-IN" baseline="0" dirty="0" smtClean="0"/>
@@ -1597,7 +1563,6 @@
               <a:rPr lang="en-US" baseline="0" dirty="0" smtClean="0"/>
               <a:t> not really referring to SOA.</a:t>
             </a:r>
-            <a:endParaRPr lang="en-US" baseline="0" dirty="0" smtClean="0"/>
           </a:p>
           <a:p>
             <a:pPr marL="171450" indent="-171450">
@@ -1636,11 +1601,7 @@
             </a:r>
             <a:r>
               <a:rPr lang="en-US" baseline="0" dirty="0" smtClean="0"/>
-              <a:t> there are others (Crispin, Business Facing, Technology </a:t>
-            </a:r>
-            <a:r>
-              <a:rPr lang="en-US" baseline="0" dirty="0" smtClean="0"/>
-              <a:t>Facing, Performance testing, usability testing, </a:t>
+              <a:t> there are others (Crispin, Business Facing, Technology Facing, Performance testing, usability testing, </a:t>
             </a:r>
             <a:r>
               <a:rPr lang="en-US" baseline="0" dirty="0" err="1" smtClean="0"/>
@@ -1847,19 +1808,7 @@
             </a:r>
             <a:r>
               <a:rPr lang="en-US" baseline="0" dirty="0" smtClean="0"/>
-              <a:t>layers of tests, </a:t>
-            </a:r>
-            <a:r>
-              <a:rPr lang="en-US" baseline="0" dirty="0" smtClean="0"/>
-              <a:t>what </a:t>
-            </a:r>
-            <a:r>
-              <a:rPr lang="en-US" baseline="0" dirty="0" smtClean="0"/>
-              <a:t>purpose for those layers, </a:t>
-            </a:r>
-            <a:r>
-              <a:rPr lang="en-US" baseline="0" dirty="0" smtClean="0"/>
-              <a:t>what tools, who authors, at what point in the iteration </a:t>
+              <a:t>layers of tests, what purpose for those layers, what tools, who authors, at what point in the iteration </a:t>
             </a:r>
             <a:r>
               <a:rPr lang="mr-IN" baseline="0" dirty="0" smtClean="0"/>
@@ -1867,13 +1816,8 @@
             </a:r>
             <a:r>
               <a:rPr lang="en-US" baseline="0" dirty="0" smtClean="0"/>
-              <a:t> all </a:t>
-            </a:r>
-            <a:r>
-              <a:rPr lang="en-US" baseline="0" dirty="0" smtClean="0"/>
-              <a:t>requires planning.</a:t>
-            </a:r>
-            <a:endParaRPr lang="en-US" baseline="0" dirty="0" smtClean="0"/>
+              <a:t> all requires planning.</a:t>
+            </a:r>
           </a:p>
           <a:p>
             <a:pPr marL="171450" indent="-171450">
@@ -1882,13 +1826,8 @@
             </a:pPr>
             <a:r>
               <a:rPr lang="en-US" baseline="0" dirty="0" smtClean="0"/>
-              <a:t>Everyone on team needs to have a common </a:t>
-            </a:r>
-            <a:r>
-              <a:rPr lang="en-US" baseline="0" dirty="0" smtClean="0"/>
-              <a:t>understanding.</a:t>
-            </a:r>
-            <a:endParaRPr lang="en-US" baseline="0" dirty="0" smtClean="0"/>
+              <a:t>Everyone on team needs to have a common understanding.</a:t>
+            </a:r>
           </a:p>
           <a:p>
             <a:pPr marL="171450" indent="-171450">
@@ -1905,13 +1844,8 @@
             </a:r>
             <a:r>
               <a:rPr lang="en-US" baseline="0" dirty="0" smtClean="0"/>
-              <a:t> avoid gaps and </a:t>
-            </a:r>
-            <a:r>
-              <a:rPr lang="en-US" baseline="0" dirty="0" smtClean="0"/>
-              <a:t>excessive duplication.</a:t>
-            </a:r>
-            <a:endParaRPr lang="en-US" baseline="0" dirty="0" smtClean="0"/>
+              <a:t> avoid gaps and excessive duplication.</a:t>
+            </a:r>
           </a:p>
         </p:txBody>
       </p:sp>
@@ -2005,11 +1939,7 @@
             </a:r>
             <a:r>
               <a:rPr lang="en-US" baseline="0" dirty="0" smtClean="0"/>
-              <a:t> at code and test for sample application, how they fit into our intentional testing layers</a:t>
-            </a:r>
-            <a:r>
-              <a:rPr lang="en-US" baseline="0" dirty="0" smtClean="0"/>
-              <a:t>.  Based on real prescribing application.</a:t>
+              <a:t> at code and test for sample application, how they fit into our intentional testing layers.  Based on real prescribing application.</a:t>
             </a:r>
             <a:endParaRPr lang="en-US" dirty="0" smtClean="0"/>
           </a:p>
@@ -2034,19 +1964,7 @@
             </a:r>
             <a:r>
               <a:rPr lang="en-US" baseline="0" dirty="0" smtClean="0"/>
-              <a:t> / static web </a:t>
-            </a:r>
-            <a:r>
-              <a:rPr lang="en-US" baseline="0" dirty="0" smtClean="0"/>
-              <a:t>app with a </a:t>
-            </a:r>
-            <a:r>
-              <a:rPr lang="en-US" baseline="0" dirty="0" smtClean="0"/>
-              <a:t>java back-end </a:t>
-            </a:r>
-            <a:r>
-              <a:rPr lang="en-US" baseline="0" dirty="0" smtClean="0"/>
-              <a:t>service layer</a:t>
+              <a:t> / static web app with a java back-end service layer</a:t>
             </a:r>
           </a:p>
         </p:txBody>
@@ -2133,11 +2051,7 @@
           <a:p>
             <a:r>
               <a:rPr lang="en-US" dirty="0" smtClean="0"/>
-              <a:t>- Roughly how </a:t>
-            </a:r>
-            <a:r>
-              <a:rPr lang="en-US" dirty="0" smtClean="0"/>
-              <a:t>functionality</a:t>
+              <a:t>- Roughly how functionality</a:t>
             </a:r>
             <a:r>
               <a:rPr lang="en-US" baseline="0" dirty="0" smtClean="0"/>
@@ -2145,27 +2059,11 @@
             </a:r>
             <a:r>
               <a:rPr lang="en-US" dirty="0" smtClean="0"/>
-              <a:t>tests </a:t>
-            </a:r>
-            <a:r>
-              <a:rPr lang="en-US" dirty="0" smtClean="0"/>
-              <a:t>were </a:t>
-            </a:r>
-            <a:r>
-              <a:rPr lang="en-US" dirty="0" smtClean="0"/>
-              <a:t>implemented</a:t>
+              <a:t>tests were implemented</a:t>
             </a:r>
             <a:r>
               <a:rPr lang="en-US" baseline="0" dirty="0" smtClean="0"/>
-              <a:t> in </a:t>
-            </a:r>
-            <a:r>
-              <a:rPr lang="en-US" baseline="0" dirty="0" smtClean="0"/>
-              <a:t>the real </a:t>
-            </a:r>
-            <a:r>
-              <a:rPr lang="en-US" baseline="0" dirty="0" smtClean="0"/>
-              <a:t>application.</a:t>
+              <a:t> in the real application.</a:t>
             </a:r>
           </a:p>
           <a:p>
@@ -2179,15 +2077,7 @@
             </a:r>
             <a:r>
               <a:rPr lang="en-US" baseline="0" dirty="0" smtClean="0"/>
-              <a:t> </a:t>
-            </a:r>
-            <a:r>
-              <a:rPr lang="en-US" baseline="0" dirty="0" smtClean="0"/>
-              <a:t>chosen to provide high </a:t>
-            </a:r>
-            <a:r>
-              <a:rPr lang="en-US" baseline="0" dirty="0" smtClean="0"/>
-              <a:t>visibility (more critical </a:t>
+              <a:t> chosen to provide high visibility (more critical </a:t>
             </a:r>
             <a:r>
               <a:rPr lang="mr-IN" baseline="0" dirty="0" smtClean="0"/>
@@ -2203,11 +2093,7 @@
             </a:r>
             <a:r>
               <a:rPr lang="en-US" baseline="0" dirty="0" smtClean="0"/>
-              <a:t>) </a:t>
-            </a:r>
-            <a:r>
-              <a:rPr lang="en-US" baseline="0" dirty="0" smtClean="0"/>
-              <a:t>of business logic tests to customers, and to drive feature development </a:t>
+              <a:t>) of business logic tests to customers, and to drive feature development </a:t>
             </a:r>
             <a:r>
               <a:rPr lang="mr-IN" baseline="0" dirty="0" smtClean="0"/>
@@ -2215,11 +2101,7 @@
             </a:r>
             <a:r>
               <a:rPr lang="en-US" baseline="0" dirty="0" smtClean="0"/>
-              <a:t> tended to be written ahead of assigning feature to developers</a:t>
-            </a:r>
-            <a:r>
-              <a:rPr lang="en-US" baseline="0" dirty="0" smtClean="0"/>
-              <a:t>.</a:t>
+              <a:t> tended to be written ahead of assigning feature to developers.</a:t>
             </a:r>
           </a:p>
           <a:p>
@@ -2231,7 +2113,6 @@
               <a:rPr lang="en-US" baseline="0" dirty="0" smtClean="0"/>
               <a:t>Would discuss with each feature how tests for that feature would fall into these groupings.</a:t>
             </a:r>
-            <a:endParaRPr lang="en-US" baseline="0" dirty="0" smtClean="0"/>
           </a:p>
         </p:txBody>
       </p:sp>
@@ -2339,11 +2220,7 @@
           <a:p>
             <a:r>
               <a:rPr lang="en-US" baseline="0" dirty="0" smtClean="0"/>
-              <a:t>- </a:t>
-            </a:r>
-            <a:r>
-              <a:rPr lang="en-US" baseline="0" dirty="0" smtClean="0"/>
-              <a:t>What are parts we need to implement?</a:t>
+              <a:t>- What are parts we need to implement?</a:t>
             </a:r>
           </a:p>
           <a:p>
@@ -2506,16 +2383,11 @@
               <a:rPr lang="en-US" baseline="0" dirty="0" smtClean="0"/>
               <a:t>.</a:t>
             </a:r>
-            <a:endParaRPr lang="en-US" baseline="0" dirty="0" smtClean="0"/>
           </a:p>
           <a:p>
             <a:r>
               <a:rPr lang="en-US" baseline="0" dirty="0" smtClean="0"/>
-              <a:t>Intentional, pre-planned distribution </a:t>
-            </a:r>
-            <a:r>
-              <a:rPr lang="en-US" baseline="0" dirty="0" smtClean="0"/>
-              <a:t>of tests for the feature.</a:t>
+              <a:t>Intentional, pre-planned distribution of tests for the feature.</a:t>
             </a:r>
           </a:p>
           <a:p>
@@ -6676,23 +6548,7 @@
           <a:p>
             <a:r>
               <a:rPr lang="en-US" dirty="0" smtClean="0"/>
-              <a:t>When a bug hits production, don’t just fix it - find the test </a:t>
-            </a:r>
-            <a:r>
-              <a:rPr lang="en-US" dirty="0" smtClean="0"/>
-              <a:t>gaps </a:t>
-            </a:r>
-            <a:r>
-              <a:rPr lang="en-US" dirty="0" smtClean="0"/>
-              <a:t>and close </a:t>
-            </a:r>
-            <a:r>
-              <a:rPr lang="en-US" dirty="0" smtClean="0"/>
-              <a:t>them</a:t>
-            </a:r>
-            <a:r>
-              <a:rPr lang="en-US" dirty="0" smtClean="0"/>
-              <a:t>.</a:t>
+              <a:t>When a bug hits production, don’t just fix it - find the test gaps and close them.</a:t>
             </a:r>
             <a:endParaRPr lang="en-US" dirty="0"/>
           </a:p>
@@ -7223,9 +7079,93 @@
           </a:p>
         </p:txBody>
       </p:sp>
+      <p:sp>
+        <p:nvSpPr>
+          <p:cNvPr id="6" name="Rectangle 5"/>
+          <p:cNvSpPr/>
+          <p:nvPr/>
+        </p:nvSpPr>
+        <p:spPr>
+          <a:xfrm>
+            <a:off x="6096000" y="1690686"/>
+            <a:ext cx="4496972" cy="4001095"/>
+          </a:xfrm>
+          <a:prstGeom prst="rect">
+            <a:avLst/>
+          </a:prstGeom>
+        </p:spPr>
+        <p:txBody>
+          <a:bodyPr wrap="square">
+            <a:spAutoFit/>
+          </a:bodyPr>
+          <a:lstStyle/>
+          <a:p>
+            <a:pPr marL="285750" indent="-285750">
+              <a:spcAft>
+                <a:spcPts val="1200"/>
+              </a:spcAft>
+              <a:buFont typeface="Arial" charset="0"/>
+              <a:buChar char="•"/>
+            </a:pPr>
+            <a:r>
+              <a:rPr lang="en-US" sz="2800" dirty="0" smtClean="0"/>
+              <a:t>Foundational base of unit tests</a:t>
+            </a:r>
+          </a:p>
+          <a:p>
+            <a:pPr marL="285750" indent="-285750">
+              <a:spcAft>
+                <a:spcPts val="1200"/>
+              </a:spcAft>
+              <a:buFont typeface="Arial" charset="0"/>
+              <a:buChar char="•"/>
+            </a:pPr>
+            <a:r>
+              <a:rPr lang="en-US" sz="2800" dirty="0" smtClean="0"/>
+              <a:t>Minimum necessary tests through user interface</a:t>
+            </a:r>
+          </a:p>
+          <a:p>
+            <a:pPr marL="285750" indent="-285750">
+              <a:spcAft>
+                <a:spcPts val="1200"/>
+              </a:spcAft>
+              <a:buFont typeface="Arial" charset="0"/>
+              <a:buChar char="•"/>
+            </a:pPr>
+            <a:r>
+              <a:rPr lang="en-US" sz="2800" dirty="0" smtClean="0"/>
+              <a:t>Service tests in the middle </a:t>
+            </a:r>
+            <a:endParaRPr lang="en-US" sz="2800" dirty="0"/>
+          </a:p>
+          <a:p>
+            <a:pPr marL="285750" indent="-285750">
+              <a:spcAft>
+                <a:spcPts val="1200"/>
+              </a:spcAft>
+              <a:buFont typeface="Arial" charset="0"/>
+              <a:buChar char="•"/>
+            </a:pPr>
+            <a:r>
+              <a:rPr lang="en-US" sz="2800" dirty="0" smtClean="0"/>
+              <a:t>Service refers to logical services </a:t>
+            </a:r>
+            <a:r>
+              <a:rPr lang="mr-IN" sz="2800" dirty="0" smtClean="0"/>
+              <a:t>–</a:t>
+            </a:r>
+            <a:r>
+              <a:rPr lang="en-US" sz="2800" dirty="0" smtClean="0"/>
+              <a:t> business logic, required outputs to inputs.</a:t>
+            </a:r>
+            <a:endParaRPr lang="en-US" sz="2800" dirty="0"/>
+          </a:p>
+        </p:txBody>
+      </p:sp>
       <p:pic>
         <p:nvPicPr>
-          <p:cNvPr id="4" name="Content Placeholder 3"/>
+          <p:cNvPr id="5" name="Content Placeholder 4"/>
           <p:cNvPicPr>
             <a:picLocks noGrp="1" noChangeAspect="1"/>
           </p:cNvPicPr>
@@ -7247,103 +7187,11 @@
         </p:blipFill>
         <p:spPr>
           <a:xfrm>
-            <a:off x="311321" y="1690688"/>
-            <a:ext cx="5669933" cy="3964524"/>
+            <a:off x="321044" y="1771422"/>
+            <a:ext cx="5675586" cy="3920359"/>
           </a:xfrm>
         </p:spPr>
       </p:pic>
-      <p:sp>
-        <p:nvSpPr>
-          <p:cNvPr id="6" name="Rectangle 5"/>
-          <p:cNvSpPr/>
-          <p:nvPr/>
-        </p:nvSpPr>
-        <p:spPr>
-          <a:xfrm>
-            <a:off x="6096000" y="1690686"/>
-            <a:ext cx="4496972" cy="4001095"/>
-          </a:xfrm>
-          <a:prstGeom prst="rect">
-            <a:avLst/>
-          </a:prstGeom>
-        </p:spPr>
-        <p:txBody>
-          <a:bodyPr wrap="square">
-            <a:spAutoFit/>
-          </a:bodyPr>
-          <a:lstStyle/>
-          <a:p>
-            <a:pPr marL="285750" indent="-285750">
-              <a:spcAft>
-                <a:spcPts val="1200"/>
-              </a:spcAft>
-              <a:buFont typeface="Arial" charset="0"/>
-              <a:buChar char="•"/>
-            </a:pPr>
-            <a:r>
-              <a:rPr lang="en-US" sz="2800" dirty="0" smtClean="0"/>
-              <a:t>Foundational base of unit tests</a:t>
-            </a:r>
-          </a:p>
-          <a:p>
-            <a:pPr marL="285750" indent="-285750">
-              <a:spcAft>
-                <a:spcPts val="1200"/>
-              </a:spcAft>
-              <a:buFont typeface="Arial" charset="0"/>
-              <a:buChar char="•"/>
-            </a:pPr>
-            <a:r>
-              <a:rPr lang="en-US" sz="2800" dirty="0" smtClean="0"/>
-              <a:t>Minimum necessary tests through user interface</a:t>
-            </a:r>
-          </a:p>
-          <a:p>
-            <a:pPr marL="285750" indent="-285750">
-              <a:spcAft>
-                <a:spcPts val="1200"/>
-              </a:spcAft>
-              <a:buFont typeface="Arial" charset="0"/>
-              <a:buChar char="•"/>
-            </a:pPr>
-            <a:r>
-              <a:rPr lang="en-US" sz="2800" dirty="0" smtClean="0"/>
-              <a:t>Service </a:t>
-            </a:r>
-            <a:r>
-              <a:rPr lang="en-US" sz="2800" dirty="0" smtClean="0"/>
-              <a:t>tests in </a:t>
-            </a:r>
-            <a:r>
-              <a:rPr lang="en-US" sz="2800" dirty="0" smtClean="0"/>
-              <a:t>the middle </a:t>
-            </a:r>
-            <a:endParaRPr lang="en-US" sz="2800" dirty="0"/>
-          </a:p>
-          <a:p>
-            <a:pPr marL="285750" indent="-285750">
-              <a:spcAft>
-                <a:spcPts val="1200"/>
-              </a:spcAft>
-              <a:buFont typeface="Arial" charset="0"/>
-              <a:buChar char="•"/>
-            </a:pPr>
-            <a:r>
-              <a:rPr lang="en-US" sz="2800" dirty="0" smtClean="0"/>
-              <a:t>Service refers to logical services </a:t>
-            </a:r>
-            <a:r>
-              <a:rPr lang="mr-IN" sz="2800" dirty="0" smtClean="0"/>
-              <a:t>–</a:t>
-            </a:r>
-            <a:r>
-              <a:rPr lang="en-US" sz="2800" dirty="0" smtClean="0"/>
-              <a:t> business logic, required outputs to inputs.</a:t>
-            </a:r>
-            <a:endParaRPr lang="en-US" sz="2800" dirty="0"/>
-          </a:p>
-        </p:txBody>
-      </p:sp>
     </p:spTree>
     <p:extLst>
       <p:ext uri="{BB962C8B-B14F-4D97-AF65-F5344CB8AC3E}">
@@ -8406,23 +8254,7 @@
                       </a:pPr>
                       <a:r>
                         <a:rPr lang="en-US" sz="2000" dirty="0" smtClean="0"/>
-                        <a:t>Test UI functionality, </a:t>
-                      </a:r>
-                      <a:r>
-                        <a:rPr lang="en-US" sz="2000" dirty="0" smtClean="0"/>
-                        <a:t>provide </a:t>
-                      </a:r>
-                      <a:r>
-                        <a:rPr lang="en-US" sz="2000" dirty="0" smtClean="0"/>
-                        <a:t>some </a:t>
-                      </a:r>
-                      <a:r>
-                        <a:rPr lang="en-US" sz="2000" dirty="0" smtClean="0"/>
-                        <a:t>end-end </a:t>
-                      </a:r>
-                      <a:r>
-                        <a:rPr lang="en-US" sz="2000" dirty="0" smtClean="0"/>
-                        <a:t>confirmation</a:t>
+                        <a:t>Test UI functionality, provide some end-end confirmation</a:t>
                       </a:r>
                     </a:p>
                   </a:txBody>
@@ -8540,11 +8372,7 @@
                       </a:pPr>
                       <a:r>
                         <a:rPr lang="en-US" sz="2000" dirty="0" smtClean="0"/>
-                        <a:t>Test </a:t>
-                      </a:r>
-                      <a:r>
-                        <a:rPr lang="en-US" sz="2000" dirty="0" smtClean="0"/>
-                        <a:t>business logic,</a:t>
+                        <a:t>Test business logic,</a:t>
                       </a:r>
                       <a:r>
                         <a:rPr lang="en-US" sz="2000" baseline="0" dirty="0" smtClean="0"/>
@@ -8648,27 +8476,7 @@
                       </a:pPr>
                       <a:r>
                         <a:rPr lang="en-US" sz="2000" dirty="0" smtClean="0"/>
-                        <a:t>Test </a:t>
-                      </a:r>
-                      <a:r>
-                        <a:rPr lang="en-US" sz="2000" dirty="0" smtClean="0"/>
-                        <a:t>implementation, aid </a:t>
-                      </a:r>
-                      <a:r>
-                        <a:rPr lang="en-US" sz="2000" dirty="0" smtClean="0"/>
-                        <a:t>with </a:t>
-                      </a:r>
-                      <a:r>
-                        <a:rPr lang="en-US" sz="2000" dirty="0" smtClean="0"/>
-                        <a:t>design </a:t>
-                      </a:r>
-                      <a:r>
-                        <a:rPr lang="en-US" sz="2000" dirty="0" smtClean="0"/>
-                        <a:t>and </a:t>
-                      </a:r>
-                      <a:r>
-                        <a:rPr lang="en-US" sz="2000" dirty="0" smtClean="0"/>
-                        <a:t>internal</a:t>
+                        <a:t>Test implementation, aid with design and internal</a:t>
                       </a:r>
                       <a:r>
                         <a:rPr lang="en-US" sz="2000" baseline="0" dirty="0" smtClean="0"/>
@@ -8678,7 +8486,6 @@
                         <a:rPr lang="en-US" sz="2000" dirty="0" smtClean="0"/>
                         <a:t>ode quality</a:t>
                       </a:r>
-                      <a:endParaRPr lang="en-US" sz="2000" dirty="0" smtClean="0"/>
                     </a:p>
                   </a:txBody>
                   <a:tcPr/>
@@ -9029,11 +8836,7 @@
                     <a:p>
                       <a:r>
                         <a:rPr lang="en-US" sz="2400" dirty="0" smtClean="0"/>
-                        <a:t>Identify if drug being prescribed is </a:t>
-                      </a:r>
-                      <a:r>
-                        <a:rPr lang="en-US" sz="2400" dirty="0" smtClean="0"/>
-                        <a:t>Opiate</a:t>
+                        <a:t>Identify if drug being prescribed is Opiate</a:t>
                       </a:r>
                       <a:endParaRPr lang="en-US" sz="2400" dirty="0"/>
                     </a:p>
@@ -9083,11 +8886,7 @@
                       </a:r>
                       <a:r>
                         <a:rPr lang="en-US" sz="2400" baseline="0" dirty="0" smtClean="0"/>
-                        <a:t> </a:t>
-                      </a:r>
-                      <a:r>
-                        <a:rPr lang="en-US" sz="2400" baseline="0" dirty="0" smtClean="0"/>
-                        <a:t>duration</a:t>
+                        <a:t> duration</a:t>
                       </a:r>
                       <a:endParaRPr lang="en-US" sz="2400" dirty="0"/>
                     </a:p>

--- a/Test Pyramid Presentation.pptx
+++ b/Test Pyramid Presentation.pptx
@@ -211,7 +211,7 @@
           <a:p>
             <a:fld id="{51E71193-F4DE-7347-96CF-6A9725F5B501}" type="datetimeFigureOut">
               <a:rPr lang="en-US" smtClean="0"/>
-              <a:t>9/22/17</a:t>
+              <a:t>9/28/17</a:t>
             </a:fld>
             <a:endParaRPr lang="en-US"/>
           </a:p>
